--- a/Presentation/lesson-02-generics.pptx
+++ b/Presentation/lesson-02-generics.pptx
@@ -218,7 +218,7 @@
           <a:p>
             <a:fld id="{B24A7054-7FFB-49F4-A126-5DF6E687FF53}" type="datetimeFigureOut">
               <a:rPr lang="ru-RU" smtClean="0"/>
-              <a:t>19.02.2017</a:t>
+              <a:t>24.03.2017</a:t>
             </a:fld>
             <a:endParaRPr lang="ru-RU"/>
           </a:p>
@@ -1500,7 +1500,7 @@
           <a:p>
             <a:fld id="{8E6E6A2A-E9D3-4A0D-B04A-ABDD367A1E08}" type="datetimeFigureOut">
               <a:rPr lang="ru-RU" smtClean="0"/>
-              <a:t>19.02.2017</a:t>
+              <a:t>24.03.2017</a:t>
             </a:fld>
             <a:endParaRPr lang="ru-RU"/>
           </a:p>
@@ -2945,7 +2945,7 @@
           <a:p>
             <a:fld id="{AC3D3127-B7C4-45E3-9797-C527EC9FDD78}" type="datetimeFigureOut">
               <a:rPr lang="ru-RU" smtClean="0"/>
-              <a:t>19.02.2017</a:t>
+              <a:t>24.03.2017</a:t>
             </a:fld>
             <a:endParaRPr lang="ru-RU"/>
           </a:p>
@@ -3681,11 +3681,11 @@
   <p:clrMapOvr>
     <a:masterClrMapping/>
   </p:clrMapOvr>
-  <mc:AlternateContent xmlns:mc="http://schemas.openxmlformats.org/markup-compatibility/2006">
-    <mc:Choice xmlns:p14="http://schemas.microsoft.com/office/powerpoint/2010/main" Requires="p14">
+  <mc:AlternateContent xmlns:mc="http://schemas.openxmlformats.org/markup-compatibility/2006" xmlns:p14="http://schemas.microsoft.com/office/powerpoint/2010/main">
+    <mc:Choice Requires="p14">
       <p:transition spd="slow" p14:dur="2000"/>
     </mc:Choice>
-    <mc:Fallback>
+    <mc:Fallback xmlns="">
       <p:transition spd="slow"/>
     </mc:Fallback>
   </mc:AlternateContent>
@@ -3875,7 +3875,19 @@
           <a:p>
             <a:r>
               <a:rPr lang="ru-RU" dirty="0" err="1" smtClean="0"/>
-              <a:t>Типо-безопасноть</a:t>
+              <a:t>Типо</a:t>
+            </a:r>
+            <a:r>
+              <a:rPr lang="ru-RU" dirty="0" smtClean="0"/>
+              <a:t>-безопасно</a:t>
+            </a:r>
+            <a:r>
+              <a:rPr lang="en-US" smtClean="0"/>
+              <a:t>c</a:t>
+            </a:r>
+            <a:r>
+              <a:rPr lang="ru-RU" smtClean="0"/>
+              <a:t>ть</a:t>
             </a:r>
             <a:endParaRPr lang="en-US" dirty="0"/>
           </a:p>
@@ -4004,7 +4016,11 @@
           <a:p>
             <a:r>
               <a:rPr lang="ru-RU" dirty="0" smtClean="0"/>
-              <a:t>Обобщенные типы</a:t>
+              <a:t>Обобщения </a:t>
+            </a:r>
+            <a:r>
+              <a:rPr lang="en-US" dirty="0" smtClean="0"/>
+              <a:t>(generics)</a:t>
             </a:r>
             <a:endParaRPr lang="en-US" dirty="0"/>
           </a:p>
@@ -4024,6 +4040,13 @@
         <p:txBody>
           <a:bodyPr/>
           <a:lstStyle/>
+          <a:p>
+            <a:r>
+              <a:rPr lang="ru-RU" dirty="0" smtClean="0"/>
+              <a:t>Методы</a:t>
+            </a:r>
+            <a:endParaRPr lang="en-US" dirty="0" smtClean="0"/>
+          </a:p>
           <a:p>
             <a:r>
               <a:rPr lang="ru-RU" dirty="0" smtClean="0"/>

--- a/Presentation/lesson-02-generics.pptx
+++ b/Presentation/lesson-02-generics.pptx
@@ -5,20 +5,23 @@
     <p:sldMasterId id="2147483648" r:id="rId1"/>
   </p:sldMasterIdLst>
   <p:notesMasterIdLst>
-    <p:notesMasterId r:id="rId13"/>
+    <p:notesMasterId r:id="rId16"/>
   </p:notesMasterIdLst>
   <p:sldIdLst>
     <p:sldId id="257" r:id="rId2"/>
     <p:sldId id="261" r:id="rId3"/>
     <p:sldId id="267" r:id="rId4"/>
-    <p:sldId id="258" r:id="rId5"/>
-    <p:sldId id="260" r:id="rId6"/>
-    <p:sldId id="259" r:id="rId7"/>
-    <p:sldId id="265" r:id="rId8"/>
-    <p:sldId id="266" r:id="rId9"/>
-    <p:sldId id="264" r:id="rId10"/>
-    <p:sldId id="262" r:id="rId11"/>
-    <p:sldId id="263" r:id="rId12"/>
+    <p:sldId id="260" r:id="rId5"/>
+    <p:sldId id="258" r:id="rId6"/>
+    <p:sldId id="270" r:id="rId7"/>
+    <p:sldId id="259" r:id="rId8"/>
+    <p:sldId id="265" r:id="rId9"/>
+    <p:sldId id="266" r:id="rId10"/>
+    <p:sldId id="264" r:id="rId11"/>
+    <p:sldId id="269" r:id="rId12"/>
+    <p:sldId id="262" r:id="rId13"/>
+    <p:sldId id="263" r:id="rId14"/>
+    <p:sldId id="268" r:id="rId15"/>
   </p:sldIdLst>
   <p:sldSz cx="9144000" cy="6858000" type="screen4x3"/>
   <p:notesSz cx="6858000" cy="9144000"/>
@@ -218,7 +221,7 @@
           <a:p>
             <a:fld id="{B24A7054-7FFB-49F4-A126-5DF6E687FF53}" type="datetimeFigureOut">
               <a:rPr lang="ru-RU" smtClean="0"/>
-              <a:t>24.03.2017</a:t>
+              <a:t>07.05.2017</a:t>
             </a:fld>
             <a:endParaRPr lang="ru-RU"/>
           </a:p>
@@ -1500,7 +1503,7 @@
           <a:p>
             <a:fld id="{8E6E6A2A-E9D3-4A0D-B04A-ABDD367A1E08}" type="datetimeFigureOut">
               <a:rPr lang="ru-RU" smtClean="0"/>
-              <a:t>24.03.2017</a:t>
+              <a:t>07.05.2017</a:t>
             </a:fld>
             <a:endParaRPr lang="ru-RU"/>
           </a:p>
@@ -2945,7 +2948,7 @@
           <a:p>
             <a:fld id="{AC3D3127-B7C4-45E3-9797-C527EC9FDD78}" type="datetimeFigureOut">
               <a:rPr lang="ru-RU" smtClean="0"/>
-              <a:t>24.03.2017</a:t>
+              <a:t>07.05.2017</a:t>
             </a:fld>
             <a:endParaRPr lang="ru-RU"/>
           </a:p>
@@ -3557,6 +3560,963 @@
           <a:p>
             <a:r>
               <a:rPr lang="ru-RU" dirty="0" smtClean="0"/>
+              <a:t>Ключевое слово </a:t>
+            </a:r>
+            <a:r>
+              <a:rPr lang="en-US" dirty="0" smtClean="0"/>
+              <a:t>default</a:t>
+            </a:r>
+            <a:endParaRPr lang="en-US" dirty="0"/>
+          </a:p>
+        </p:txBody>
+      </p:sp>
+      <p:sp>
+        <p:nvSpPr>
+          <p:cNvPr id="3" name="Content Placeholder 2"/>
+          <p:cNvSpPr>
+            <a:spLocks noGrp="1"/>
+          </p:cNvSpPr>
+          <p:nvPr>
+            <p:ph idx="1"/>
+          </p:nvPr>
+        </p:nvSpPr>
+        <p:spPr>
+          <a:xfrm>
+            <a:off x="457200" y="1600201"/>
+            <a:ext cx="8229600" cy="2260848"/>
+          </a:xfrm>
+        </p:spPr>
+        <p:txBody>
+          <a:bodyPr/>
+          <a:lstStyle/>
+          <a:p>
+            <a:pPr marL="0" indent="0">
+              <a:buNone/>
+            </a:pPr>
+            <a:r>
+              <a:rPr lang="ru-RU" dirty="0" smtClean="0"/>
+              <a:t>С помощью ключевого слова </a:t>
+            </a:r>
+            <a:r>
+              <a:rPr lang="en-US" dirty="0" smtClean="0"/>
+              <a:t>default </a:t>
+            </a:r>
+            <a:r>
+              <a:rPr lang="ru-RU" dirty="0" smtClean="0"/>
+              <a:t>можно получать значение по умолчанию по имени типа. Для значимых типов это 0, для ссылочных – </a:t>
+            </a:r>
+            <a:r>
+              <a:rPr lang="en-US" dirty="0" smtClean="0"/>
+              <a:t>null.</a:t>
+            </a:r>
+            <a:endParaRPr lang="en-US" dirty="0"/>
+          </a:p>
+        </p:txBody>
+      </p:sp>
+      <p:sp>
+        <p:nvSpPr>
+          <p:cNvPr id="5" name="Rectangle 4"/>
+          <p:cNvSpPr/>
+          <p:nvPr/>
+        </p:nvSpPr>
+        <p:spPr>
+          <a:xfrm>
+            <a:off x="457200" y="4293096"/>
+            <a:ext cx="8229600" cy="1477328"/>
+          </a:xfrm>
+          <a:prstGeom prst="rect">
+            <a:avLst/>
+          </a:prstGeom>
+          <a:solidFill>
+            <a:schemeClr val="bg1"/>
+          </a:solidFill>
+        </p:spPr>
+        <p:txBody>
+          <a:bodyPr wrap="square">
+            <a:spAutoFit/>
+          </a:bodyPr>
+          <a:lstStyle/>
+          <a:p>
+            <a:r>
+              <a:rPr lang="en-US" dirty="0" err="1">
+                <a:solidFill>
+                  <a:srgbClr val="0000FF"/>
+                </a:solidFill>
+                <a:latin typeface="Consolas" panose="020B0609020204030204" pitchFamily="49" charset="0"/>
+              </a:rPr>
+              <a:t>int</a:t>
+            </a:r>
+            <a:r>
+              <a:rPr lang="en-US" dirty="0">
+                <a:solidFill>
+                  <a:srgbClr val="000000"/>
+                </a:solidFill>
+                <a:latin typeface="Consolas" panose="020B0609020204030204" pitchFamily="49" charset="0"/>
+              </a:rPr>
+              <a:t> </a:t>
+            </a:r>
+            <a:r>
+              <a:rPr lang="en-US" dirty="0" err="1">
+                <a:solidFill>
+                  <a:srgbClr val="000000"/>
+                </a:solidFill>
+                <a:latin typeface="Consolas" panose="020B0609020204030204" pitchFamily="49" charset="0"/>
+              </a:rPr>
+              <a:t>i</a:t>
+            </a:r>
+            <a:r>
+              <a:rPr lang="en-US" dirty="0">
+                <a:solidFill>
+                  <a:srgbClr val="000000"/>
+                </a:solidFill>
+                <a:latin typeface="Consolas" panose="020B0609020204030204" pitchFamily="49" charset="0"/>
+              </a:rPr>
+              <a:t> = </a:t>
+            </a:r>
+            <a:r>
+              <a:rPr lang="en-US" dirty="0">
+                <a:solidFill>
+                  <a:srgbClr val="0000FF"/>
+                </a:solidFill>
+                <a:latin typeface="Consolas" panose="020B0609020204030204" pitchFamily="49" charset="0"/>
+              </a:rPr>
+              <a:t>default</a:t>
+            </a:r>
+            <a:r>
+              <a:rPr lang="en-US" dirty="0">
+                <a:solidFill>
+                  <a:srgbClr val="000000"/>
+                </a:solidFill>
+                <a:latin typeface="Consolas" panose="020B0609020204030204" pitchFamily="49" charset="0"/>
+              </a:rPr>
+              <a:t>(</a:t>
+            </a:r>
+            <a:r>
+              <a:rPr lang="en-US" dirty="0" err="1">
+                <a:solidFill>
+                  <a:srgbClr val="0000FF"/>
+                </a:solidFill>
+                <a:latin typeface="Consolas" panose="020B0609020204030204" pitchFamily="49" charset="0"/>
+              </a:rPr>
+              <a:t>int</a:t>
+            </a:r>
+            <a:r>
+              <a:rPr lang="en-US" dirty="0">
+                <a:solidFill>
+                  <a:srgbClr val="000000"/>
+                </a:solidFill>
+                <a:latin typeface="Consolas" panose="020B0609020204030204" pitchFamily="49" charset="0"/>
+              </a:rPr>
+              <a:t>);</a:t>
+            </a:r>
+          </a:p>
+          <a:p>
+            <a:r>
+              <a:rPr lang="en-US" dirty="0">
+                <a:solidFill>
+                  <a:srgbClr val="0000FF"/>
+                </a:solidFill>
+                <a:latin typeface="Consolas" panose="020B0609020204030204" pitchFamily="49" charset="0"/>
+              </a:rPr>
+              <a:t>string</a:t>
+            </a:r>
+            <a:r>
+              <a:rPr lang="en-US" dirty="0">
+                <a:solidFill>
+                  <a:srgbClr val="000000"/>
+                </a:solidFill>
+                <a:latin typeface="Consolas" panose="020B0609020204030204" pitchFamily="49" charset="0"/>
+              </a:rPr>
+              <a:t> s = </a:t>
+            </a:r>
+            <a:r>
+              <a:rPr lang="en-US" dirty="0">
+                <a:solidFill>
+                  <a:srgbClr val="0000FF"/>
+                </a:solidFill>
+                <a:latin typeface="Consolas" panose="020B0609020204030204" pitchFamily="49" charset="0"/>
+              </a:rPr>
+              <a:t>default</a:t>
+            </a:r>
+            <a:r>
+              <a:rPr lang="en-US" dirty="0">
+                <a:solidFill>
+                  <a:srgbClr val="000000"/>
+                </a:solidFill>
+                <a:latin typeface="Consolas" panose="020B0609020204030204" pitchFamily="49" charset="0"/>
+              </a:rPr>
+              <a:t>(</a:t>
+            </a:r>
+            <a:r>
+              <a:rPr lang="en-US" dirty="0">
+                <a:solidFill>
+                  <a:srgbClr val="0000FF"/>
+                </a:solidFill>
+                <a:latin typeface="Consolas" panose="020B0609020204030204" pitchFamily="49" charset="0"/>
+              </a:rPr>
+              <a:t>string</a:t>
+            </a:r>
+            <a:r>
+              <a:rPr lang="en-US" dirty="0" smtClean="0">
+                <a:solidFill>
+                  <a:srgbClr val="000000"/>
+                </a:solidFill>
+                <a:latin typeface="Consolas" panose="020B0609020204030204" pitchFamily="49" charset="0"/>
+              </a:rPr>
+              <a:t>);</a:t>
+            </a:r>
+            <a:endParaRPr lang="ru-RU" dirty="0" smtClean="0">
+              <a:solidFill>
+                <a:srgbClr val="000000"/>
+              </a:solidFill>
+              <a:latin typeface="Consolas" panose="020B0609020204030204" pitchFamily="49" charset="0"/>
+            </a:endParaRPr>
+          </a:p>
+          <a:p>
+            <a:endParaRPr lang="ru-RU" dirty="0">
+              <a:solidFill>
+                <a:srgbClr val="000000"/>
+              </a:solidFill>
+              <a:latin typeface="Consolas" panose="020B0609020204030204" pitchFamily="49" charset="0"/>
+            </a:endParaRPr>
+          </a:p>
+          <a:p>
+            <a:r>
+              <a:rPr lang="en-US" dirty="0">
+                <a:solidFill>
+                  <a:srgbClr val="008000"/>
+                </a:solidFill>
+                <a:latin typeface="Consolas" panose="020B0609020204030204" pitchFamily="49" charset="0"/>
+              </a:rPr>
+              <a:t>// </a:t>
+            </a:r>
+            <a:r>
+              <a:rPr lang="ru-RU" dirty="0" smtClean="0">
+                <a:solidFill>
+                  <a:srgbClr val="008000"/>
+                </a:solidFill>
+                <a:latin typeface="Consolas" panose="020B0609020204030204" pitchFamily="49" charset="0"/>
+              </a:rPr>
+              <a:t>Где</a:t>
+            </a:r>
+            <a:r>
+              <a:rPr lang="en-US" dirty="0" smtClean="0">
+                <a:solidFill>
+                  <a:srgbClr val="008000"/>
+                </a:solidFill>
+                <a:latin typeface="Consolas" panose="020B0609020204030204" pitchFamily="49" charset="0"/>
+              </a:rPr>
+              <a:t> </a:t>
+            </a:r>
+            <a:r>
+              <a:rPr lang="en-US" dirty="0">
+                <a:solidFill>
+                  <a:srgbClr val="008000"/>
+                </a:solidFill>
+                <a:latin typeface="Consolas" panose="020B0609020204030204" pitchFamily="49" charset="0"/>
+              </a:rPr>
+              <a:t>T </a:t>
+            </a:r>
+            <a:r>
+              <a:rPr lang="ru-RU" dirty="0" smtClean="0">
+                <a:solidFill>
+                  <a:srgbClr val="008000"/>
+                </a:solidFill>
+                <a:latin typeface="Consolas" panose="020B0609020204030204" pitchFamily="49" charset="0"/>
+              </a:rPr>
+              <a:t>это тип-аргумент</a:t>
+            </a:r>
+            <a:endParaRPr lang="en-US" dirty="0">
+              <a:solidFill>
+                <a:srgbClr val="000000"/>
+              </a:solidFill>
+              <a:latin typeface="Consolas" panose="020B0609020204030204" pitchFamily="49" charset="0"/>
+            </a:endParaRPr>
+          </a:p>
+          <a:p>
+            <a:r>
+              <a:rPr lang="en-US" dirty="0">
+                <a:solidFill>
+                  <a:srgbClr val="000000"/>
+                </a:solidFill>
+                <a:latin typeface="Consolas" panose="020B0609020204030204" pitchFamily="49" charset="0"/>
+              </a:rPr>
+              <a:t>T </a:t>
+            </a:r>
+            <a:r>
+              <a:rPr lang="en-US" dirty="0" err="1">
+                <a:solidFill>
+                  <a:srgbClr val="000000"/>
+                </a:solidFill>
+                <a:latin typeface="Consolas" panose="020B0609020204030204" pitchFamily="49" charset="0"/>
+              </a:rPr>
+              <a:t>t</a:t>
+            </a:r>
+            <a:r>
+              <a:rPr lang="en-US" dirty="0">
+                <a:solidFill>
+                  <a:srgbClr val="000000"/>
+                </a:solidFill>
+                <a:latin typeface="Consolas" panose="020B0609020204030204" pitchFamily="49" charset="0"/>
+              </a:rPr>
+              <a:t> = </a:t>
+            </a:r>
+            <a:r>
+              <a:rPr lang="en-US" dirty="0">
+                <a:solidFill>
+                  <a:srgbClr val="0000FF"/>
+                </a:solidFill>
+                <a:latin typeface="Consolas" panose="020B0609020204030204" pitchFamily="49" charset="0"/>
+              </a:rPr>
+              <a:t>default</a:t>
+            </a:r>
+            <a:r>
+              <a:rPr lang="en-US" dirty="0">
+                <a:solidFill>
+                  <a:srgbClr val="000000"/>
+                </a:solidFill>
+                <a:latin typeface="Consolas" panose="020B0609020204030204" pitchFamily="49" charset="0"/>
+              </a:rPr>
+              <a:t>(T);</a:t>
+            </a:r>
+            <a:endParaRPr lang="en-US" dirty="0"/>
+          </a:p>
+        </p:txBody>
+      </p:sp>
+    </p:spTree>
+    <p:extLst>
+      <p:ext uri="{BB962C8B-B14F-4D97-AF65-F5344CB8AC3E}">
+        <p14:creationId xmlns:p14="http://schemas.microsoft.com/office/powerpoint/2010/main" val="1167712495"/>
+      </p:ext>
+    </p:extLst>
+  </p:cSld>
+  <p:clrMapOvr>
+    <a:masterClrMapping/>
+  </p:clrMapOvr>
+</p:sld>
+</file>
+
+<file path=ppt/slides/slide11.xml><?xml version="1.0" encoding="utf-8"?>
+<p:sld xmlns:a="http://schemas.openxmlformats.org/drawingml/2006/main" xmlns:r="http://schemas.openxmlformats.org/officeDocument/2006/relationships" xmlns:p="http://schemas.openxmlformats.org/presentationml/2006/main">
+  <p:cSld>
+    <p:spTree>
+      <p:nvGrpSpPr>
+        <p:cNvPr id="1" name=""/>
+        <p:cNvGrpSpPr/>
+        <p:nvPr/>
+      </p:nvGrpSpPr>
+      <p:grpSpPr>
+        <a:xfrm>
+          <a:off x="0" y="0"/>
+          <a:ext cx="0" cy="0"/>
+          <a:chOff x="0" y="0"/>
+          <a:chExt cx="0" cy="0"/>
+        </a:xfrm>
+      </p:grpSpPr>
+      <p:sp>
+        <p:nvSpPr>
+          <p:cNvPr id="2" name="Title 1"/>
+          <p:cNvSpPr>
+            <a:spLocks noGrp="1"/>
+          </p:cNvSpPr>
+          <p:nvPr>
+            <p:ph type="title"/>
+          </p:nvPr>
+        </p:nvSpPr>
+        <p:spPr/>
+        <p:txBody>
+          <a:bodyPr>
+            <a:normAutofit fontScale="90000"/>
+          </a:bodyPr>
+          <a:lstStyle/>
+          <a:p>
+            <a:r>
+              <a:rPr lang="ru-RU" dirty="0" smtClean="0"/>
+              <a:t>Абстрактные классы</a:t>
+            </a:r>
+            <a:br>
+              <a:rPr lang="ru-RU" dirty="0" smtClean="0"/>
+            </a:br>
+            <a:r>
+              <a:rPr lang="ru-RU" dirty="0" smtClean="0"/>
+              <a:t>и обобщенные методы</a:t>
+            </a:r>
+            <a:endParaRPr lang="en-US" dirty="0"/>
+          </a:p>
+        </p:txBody>
+      </p:sp>
+      <p:sp>
+        <p:nvSpPr>
+          <p:cNvPr id="3" name="Content Placeholder 2"/>
+          <p:cNvSpPr>
+            <a:spLocks noGrp="1"/>
+          </p:cNvSpPr>
+          <p:nvPr>
+            <p:ph idx="1"/>
+          </p:nvPr>
+        </p:nvSpPr>
+        <p:spPr>
+          <a:solidFill>
+            <a:schemeClr val="bg1"/>
+          </a:solidFill>
+        </p:spPr>
+        <p:txBody>
+          <a:bodyPr>
+            <a:normAutofit lnSpcReduction="10000"/>
+          </a:bodyPr>
+          <a:lstStyle/>
+          <a:p>
+            <a:pPr marL="0" indent="0">
+              <a:buNone/>
+            </a:pPr>
+            <a:r>
+              <a:rPr lang="en-US" sz="1800" dirty="0">
+                <a:solidFill>
+                  <a:srgbClr val="0000FF"/>
+                </a:solidFill>
+                <a:latin typeface="Consolas" panose="020B0609020204030204" pitchFamily="49" charset="0"/>
+              </a:rPr>
+              <a:t>abstract</a:t>
+            </a:r>
+            <a:r>
+              <a:rPr lang="en-US" sz="1800" dirty="0">
+                <a:solidFill>
+                  <a:srgbClr val="000000"/>
+                </a:solidFill>
+                <a:latin typeface="Consolas" panose="020B0609020204030204" pitchFamily="49" charset="0"/>
+              </a:rPr>
+              <a:t> </a:t>
+            </a:r>
+            <a:r>
+              <a:rPr lang="en-US" sz="1800" dirty="0">
+                <a:solidFill>
+                  <a:srgbClr val="0000FF"/>
+                </a:solidFill>
+                <a:latin typeface="Consolas" panose="020B0609020204030204" pitchFamily="49" charset="0"/>
+              </a:rPr>
+              <a:t>class</a:t>
+            </a:r>
+            <a:r>
+              <a:rPr lang="en-US" sz="1800" dirty="0">
+                <a:solidFill>
+                  <a:srgbClr val="000000"/>
+                </a:solidFill>
+                <a:latin typeface="Consolas" panose="020B0609020204030204" pitchFamily="49" charset="0"/>
+              </a:rPr>
+              <a:t> Base</a:t>
+            </a:r>
+          </a:p>
+          <a:p>
+            <a:pPr marL="0" indent="0">
+              <a:buNone/>
+            </a:pPr>
+            <a:r>
+              <a:rPr lang="en-US" sz="1800" dirty="0">
+                <a:solidFill>
+                  <a:srgbClr val="000000"/>
+                </a:solidFill>
+                <a:latin typeface="Consolas" panose="020B0609020204030204" pitchFamily="49" charset="0"/>
+              </a:rPr>
+              <a:t>{</a:t>
+            </a:r>
+          </a:p>
+          <a:p>
+            <a:pPr marL="0" indent="0">
+              <a:buNone/>
+            </a:pPr>
+            <a:r>
+              <a:rPr lang="en-US" sz="1800" dirty="0">
+                <a:solidFill>
+                  <a:srgbClr val="000000"/>
+                </a:solidFill>
+                <a:latin typeface="Consolas" panose="020B0609020204030204" pitchFamily="49" charset="0"/>
+              </a:rPr>
+              <a:t>    </a:t>
+            </a:r>
+            <a:r>
+              <a:rPr lang="en-US" sz="1800" dirty="0">
+                <a:solidFill>
+                  <a:srgbClr val="0000FF"/>
+                </a:solidFill>
+                <a:latin typeface="Consolas" panose="020B0609020204030204" pitchFamily="49" charset="0"/>
+              </a:rPr>
+              <a:t>public</a:t>
+            </a:r>
+            <a:r>
+              <a:rPr lang="en-US" sz="1800" dirty="0">
+                <a:solidFill>
+                  <a:srgbClr val="000000"/>
+                </a:solidFill>
+                <a:latin typeface="Consolas" panose="020B0609020204030204" pitchFamily="49" charset="0"/>
+              </a:rPr>
+              <a:t> </a:t>
+            </a:r>
+            <a:r>
+              <a:rPr lang="en-US" sz="1800" dirty="0">
+                <a:solidFill>
+                  <a:srgbClr val="0000FF"/>
+                </a:solidFill>
+                <a:latin typeface="Consolas" panose="020B0609020204030204" pitchFamily="49" charset="0"/>
+              </a:rPr>
+              <a:t>abstract</a:t>
+            </a:r>
+            <a:r>
+              <a:rPr lang="en-US" sz="1800" dirty="0">
+                <a:solidFill>
+                  <a:srgbClr val="000000"/>
+                </a:solidFill>
+                <a:latin typeface="Consolas" panose="020B0609020204030204" pitchFamily="49" charset="0"/>
+              </a:rPr>
+              <a:t> </a:t>
+            </a:r>
+            <a:r>
+              <a:rPr lang="en-US" sz="1800" dirty="0">
+                <a:solidFill>
+                  <a:srgbClr val="0000FF"/>
+                </a:solidFill>
+                <a:latin typeface="Consolas" panose="020B0609020204030204" pitchFamily="49" charset="0"/>
+              </a:rPr>
+              <a:t>void</a:t>
+            </a:r>
+            <a:r>
+              <a:rPr lang="en-US" sz="1800" dirty="0">
+                <a:solidFill>
+                  <a:srgbClr val="000000"/>
+                </a:solidFill>
+                <a:latin typeface="Consolas" panose="020B0609020204030204" pitchFamily="49" charset="0"/>
+              </a:rPr>
+              <a:t> Act&lt;T&gt;(T t) </a:t>
+            </a:r>
+            <a:r>
+              <a:rPr lang="en-US" sz="1800" dirty="0">
+                <a:solidFill>
+                  <a:srgbClr val="0000FF"/>
+                </a:solidFill>
+                <a:latin typeface="Consolas" panose="020B0609020204030204" pitchFamily="49" charset="0"/>
+              </a:rPr>
+              <a:t>where</a:t>
+            </a:r>
+            <a:r>
+              <a:rPr lang="en-US" sz="1800" dirty="0">
+                <a:solidFill>
+                  <a:srgbClr val="000000"/>
+                </a:solidFill>
+                <a:latin typeface="Consolas" panose="020B0609020204030204" pitchFamily="49" charset="0"/>
+              </a:rPr>
+              <a:t> T : </a:t>
+            </a:r>
+            <a:r>
+              <a:rPr lang="en-US" sz="1800" dirty="0" err="1">
+                <a:solidFill>
+                  <a:srgbClr val="000000"/>
+                </a:solidFill>
+                <a:latin typeface="Consolas" panose="020B0609020204030204" pitchFamily="49" charset="0"/>
+              </a:rPr>
+              <a:t>IList</a:t>
+            </a:r>
+            <a:r>
+              <a:rPr lang="en-US" sz="1800" dirty="0">
+                <a:solidFill>
+                  <a:srgbClr val="000000"/>
+                </a:solidFill>
+                <a:latin typeface="Consolas" panose="020B0609020204030204" pitchFamily="49" charset="0"/>
+              </a:rPr>
+              <a:t>&lt;</a:t>
+            </a:r>
+            <a:r>
+              <a:rPr lang="en-US" sz="1800" dirty="0">
+                <a:solidFill>
+                  <a:srgbClr val="0000FF"/>
+                </a:solidFill>
+                <a:latin typeface="Consolas" panose="020B0609020204030204" pitchFamily="49" charset="0"/>
+              </a:rPr>
+              <a:t>string</a:t>
+            </a:r>
+            <a:r>
+              <a:rPr lang="en-US" sz="1800" dirty="0">
+                <a:solidFill>
+                  <a:srgbClr val="000000"/>
+                </a:solidFill>
+                <a:latin typeface="Consolas" panose="020B0609020204030204" pitchFamily="49" charset="0"/>
+              </a:rPr>
+              <a:t>&gt;;</a:t>
+            </a:r>
+          </a:p>
+          <a:p>
+            <a:pPr marL="0" indent="0">
+              <a:buNone/>
+            </a:pPr>
+            <a:r>
+              <a:rPr lang="en-US" sz="1800" dirty="0">
+                <a:solidFill>
+                  <a:srgbClr val="000000"/>
+                </a:solidFill>
+                <a:latin typeface="Consolas" panose="020B0609020204030204" pitchFamily="49" charset="0"/>
+              </a:rPr>
+              <a:t>}</a:t>
+            </a:r>
+          </a:p>
+          <a:p>
+            <a:pPr marL="0" indent="0">
+              <a:buNone/>
+            </a:pPr>
+            <a:endParaRPr lang="en-US" sz="1800" dirty="0">
+              <a:solidFill>
+                <a:srgbClr val="000000"/>
+              </a:solidFill>
+              <a:latin typeface="Consolas" panose="020B0609020204030204" pitchFamily="49" charset="0"/>
+            </a:endParaRPr>
+          </a:p>
+          <a:p>
+            <a:pPr marL="0" indent="0">
+              <a:buNone/>
+            </a:pPr>
+            <a:r>
+              <a:rPr lang="en-US" sz="1800" dirty="0">
+                <a:solidFill>
+                  <a:srgbClr val="0000FF"/>
+                </a:solidFill>
+                <a:latin typeface="Consolas" panose="020B0609020204030204" pitchFamily="49" charset="0"/>
+              </a:rPr>
+              <a:t>class</a:t>
+            </a:r>
+            <a:r>
+              <a:rPr lang="en-US" sz="1800" dirty="0">
+                <a:solidFill>
+                  <a:srgbClr val="000000"/>
+                </a:solidFill>
+                <a:latin typeface="Consolas" panose="020B0609020204030204" pitchFamily="49" charset="0"/>
+              </a:rPr>
+              <a:t> Derived : Base</a:t>
+            </a:r>
+          </a:p>
+          <a:p>
+            <a:pPr marL="0" indent="0">
+              <a:buNone/>
+            </a:pPr>
+            <a:r>
+              <a:rPr lang="en-US" sz="1800" dirty="0" smtClean="0">
+                <a:solidFill>
+                  <a:srgbClr val="000000"/>
+                </a:solidFill>
+                <a:latin typeface="Consolas" panose="020B0609020204030204" pitchFamily="49" charset="0"/>
+              </a:rPr>
+              <a:t>{</a:t>
+            </a:r>
+            <a:endParaRPr lang="ru-RU" sz="1800" dirty="0" smtClean="0">
+              <a:solidFill>
+                <a:srgbClr val="000000"/>
+              </a:solidFill>
+              <a:latin typeface="Consolas" panose="020B0609020204030204" pitchFamily="49" charset="0"/>
+            </a:endParaRPr>
+          </a:p>
+          <a:p>
+            <a:pPr marL="0" indent="0">
+              <a:buNone/>
+            </a:pPr>
+            <a:r>
+              <a:rPr lang="ru-RU" sz="1800" dirty="0" smtClean="0">
+                <a:solidFill>
+                  <a:srgbClr val="008000"/>
+                </a:solidFill>
+                <a:latin typeface="Consolas" panose="020B0609020204030204" pitchFamily="49" charset="0"/>
+              </a:rPr>
+              <a:t>    </a:t>
+            </a:r>
+            <a:r>
+              <a:rPr lang="en-US" sz="1800" dirty="0" smtClean="0">
+                <a:solidFill>
+                  <a:srgbClr val="008000"/>
+                </a:solidFill>
+                <a:latin typeface="Consolas" panose="020B0609020204030204" pitchFamily="49" charset="0"/>
+              </a:rPr>
+              <a:t>//</a:t>
+            </a:r>
+            <a:r>
+              <a:rPr lang="ru-RU" sz="1800" dirty="0" smtClean="0">
+                <a:solidFill>
+                  <a:srgbClr val="008000"/>
+                </a:solidFill>
+                <a:latin typeface="Consolas" panose="020B0609020204030204" pitchFamily="49" charset="0"/>
+              </a:rPr>
+              <a:t> Для </a:t>
+            </a:r>
+            <a:r>
+              <a:rPr lang="en-US" sz="1800" dirty="0" smtClean="0">
+                <a:solidFill>
+                  <a:srgbClr val="008000"/>
+                </a:solidFill>
+                <a:latin typeface="Consolas" panose="020B0609020204030204" pitchFamily="49" charset="0"/>
+              </a:rPr>
+              <a:t>override </a:t>
+            </a:r>
+            <a:r>
+              <a:rPr lang="ru-RU" sz="1800" dirty="0" smtClean="0">
+                <a:solidFill>
+                  <a:srgbClr val="008000"/>
+                </a:solidFill>
+                <a:latin typeface="Consolas" panose="020B0609020204030204" pitchFamily="49" charset="0"/>
+              </a:rPr>
+              <a:t>метода нельзя указывать ограничения</a:t>
+            </a:r>
+          </a:p>
+          <a:p>
+            <a:pPr marL="0" indent="0">
+              <a:buNone/>
+            </a:pPr>
+            <a:r>
+              <a:rPr lang="ru-RU" sz="1800" dirty="0">
+                <a:solidFill>
+                  <a:srgbClr val="008000"/>
+                </a:solidFill>
+                <a:latin typeface="Consolas" panose="020B0609020204030204" pitchFamily="49" charset="0"/>
+              </a:rPr>
+              <a:t> </a:t>
+            </a:r>
+            <a:r>
+              <a:rPr lang="ru-RU" sz="1800" dirty="0" smtClean="0">
+                <a:solidFill>
+                  <a:srgbClr val="008000"/>
+                </a:solidFill>
+                <a:latin typeface="Consolas" panose="020B0609020204030204" pitchFamily="49" charset="0"/>
+              </a:rPr>
+              <a:t>   </a:t>
+            </a:r>
+            <a:r>
+              <a:rPr lang="en-US" sz="1800" dirty="0" smtClean="0">
+                <a:solidFill>
+                  <a:srgbClr val="008000"/>
+                </a:solidFill>
+                <a:latin typeface="Consolas" panose="020B0609020204030204" pitchFamily="49" charset="0"/>
+              </a:rPr>
+              <a:t>//</a:t>
+            </a:r>
+            <a:r>
+              <a:rPr lang="ru-RU" sz="1800" dirty="0" smtClean="0">
+                <a:solidFill>
+                  <a:srgbClr val="008000"/>
+                </a:solidFill>
+                <a:latin typeface="Consolas" panose="020B0609020204030204" pitchFamily="49" charset="0"/>
+              </a:rPr>
+              <a:t> Они наследуются от родительского метода</a:t>
+            </a:r>
+            <a:endParaRPr lang="en-US" sz="1800" dirty="0">
+              <a:solidFill>
+                <a:srgbClr val="000000"/>
+              </a:solidFill>
+              <a:latin typeface="Consolas" panose="020B0609020204030204" pitchFamily="49" charset="0"/>
+            </a:endParaRPr>
+          </a:p>
+          <a:p>
+            <a:pPr marL="0" indent="0">
+              <a:buNone/>
+            </a:pPr>
+            <a:r>
+              <a:rPr lang="fr-FR" sz="1800" dirty="0">
+                <a:solidFill>
+                  <a:srgbClr val="000000"/>
+                </a:solidFill>
+                <a:latin typeface="Consolas" panose="020B0609020204030204" pitchFamily="49" charset="0"/>
+              </a:rPr>
+              <a:t>    </a:t>
+            </a:r>
+            <a:r>
+              <a:rPr lang="fr-FR" sz="1800" dirty="0">
+                <a:solidFill>
+                  <a:srgbClr val="0000FF"/>
+                </a:solidFill>
+                <a:latin typeface="Consolas" panose="020B0609020204030204" pitchFamily="49" charset="0"/>
+              </a:rPr>
+              <a:t>public</a:t>
+            </a:r>
+            <a:r>
+              <a:rPr lang="fr-FR" sz="1800" dirty="0">
+                <a:solidFill>
+                  <a:srgbClr val="000000"/>
+                </a:solidFill>
+                <a:latin typeface="Consolas" panose="020B0609020204030204" pitchFamily="49" charset="0"/>
+              </a:rPr>
+              <a:t> </a:t>
+            </a:r>
+            <a:r>
+              <a:rPr lang="fr-FR" sz="1800" dirty="0">
+                <a:solidFill>
+                  <a:srgbClr val="0000FF"/>
+                </a:solidFill>
+                <a:latin typeface="Consolas" panose="020B0609020204030204" pitchFamily="49" charset="0"/>
+              </a:rPr>
+              <a:t>override</a:t>
+            </a:r>
+            <a:r>
+              <a:rPr lang="fr-FR" sz="1800" dirty="0">
+                <a:solidFill>
+                  <a:srgbClr val="000000"/>
+                </a:solidFill>
+                <a:latin typeface="Consolas" panose="020B0609020204030204" pitchFamily="49" charset="0"/>
+              </a:rPr>
+              <a:t> </a:t>
+            </a:r>
+            <a:r>
+              <a:rPr lang="fr-FR" sz="1800" dirty="0">
+                <a:solidFill>
+                  <a:srgbClr val="0000FF"/>
+                </a:solidFill>
+                <a:latin typeface="Consolas" panose="020B0609020204030204" pitchFamily="49" charset="0"/>
+              </a:rPr>
+              <a:t>void</a:t>
+            </a:r>
+            <a:r>
+              <a:rPr lang="fr-FR" sz="1800" dirty="0">
+                <a:solidFill>
+                  <a:srgbClr val="000000"/>
+                </a:solidFill>
+                <a:latin typeface="Consolas" panose="020B0609020204030204" pitchFamily="49" charset="0"/>
+              </a:rPr>
+              <a:t> Act&lt;T&gt;(T t)</a:t>
+            </a:r>
+          </a:p>
+          <a:p>
+            <a:pPr marL="0" indent="0">
+              <a:buNone/>
+            </a:pPr>
+            <a:r>
+              <a:rPr lang="en-US" sz="1800" dirty="0">
+                <a:solidFill>
+                  <a:srgbClr val="000000"/>
+                </a:solidFill>
+                <a:latin typeface="Consolas" panose="020B0609020204030204" pitchFamily="49" charset="0"/>
+              </a:rPr>
+              <a:t>    {</a:t>
+            </a:r>
+          </a:p>
+          <a:p>
+            <a:pPr marL="0" indent="0">
+              <a:buNone/>
+            </a:pPr>
+            <a:r>
+              <a:rPr lang="en-US" sz="1800" dirty="0">
+                <a:solidFill>
+                  <a:srgbClr val="000000"/>
+                </a:solidFill>
+                <a:latin typeface="Consolas" panose="020B0609020204030204" pitchFamily="49" charset="0"/>
+              </a:rPr>
+              <a:t>        </a:t>
+            </a:r>
+            <a:r>
+              <a:rPr lang="en-US" sz="1800" dirty="0" err="1">
+                <a:solidFill>
+                  <a:srgbClr val="000000"/>
+                </a:solidFill>
+                <a:latin typeface="Consolas" panose="020B0609020204030204" pitchFamily="49" charset="0"/>
+              </a:rPr>
+              <a:t>t.Add</a:t>
+            </a:r>
+            <a:r>
+              <a:rPr lang="en-US" sz="1800" dirty="0">
+                <a:solidFill>
+                  <a:srgbClr val="000000"/>
+                </a:solidFill>
+                <a:latin typeface="Consolas" panose="020B0609020204030204" pitchFamily="49" charset="0"/>
+              </a:rPr>
+              <a:t>(</a:t>
+            </a:r>
+            <a:r>
+              <a:rPr lang="en-US" sz="1800" dirty="0">
+                <a:solidFill>
+                  <a:srgbClr val="DC1414"/>
+                </a:solidFill>
+                <a:latin typeface="Consolas" panose="020B0609020204030204" pitchFamily="49" charset="0"/>
+              </a:rPr>
+              <a:t>"Some string"</a:t>
+            </a:r>
+            <a:r>
+              <a:rPr lang="en-US" sz="1800" dirty="0">
+                <a:solidFill>
+                  <a:srgbClr val="000000"/>
+                </a:solidFill>
+                <a:latin typeface="Consolas" panose="020B0609020204030204" pitchFamily="49" charset="0"/>
+              </a:rPr>
+              <a:t>);</a:t>
+            </a:r>
+          </a:p>
+          <a:p>
+            <a:pPr marL="0" indent="0">
+              <a:buNone/>
+            </a:pPr>
+            <a:r>
+              <a:rPr lang="en-US" sz="1800" dirty="0">
+                <a:solidFill>
+                  <a:srgbClr val="000000"/>
+                </a:solidFill>
+                <a:latin typeface="Consolas" panose="020B0609020204030204" pitchFamily="49" charset="0"/>
+              </a:rPr>
+              <a:t>    }</a:t>
+            </a:r>
+          </a:p>
+          <a:p>
+            <a:pPr marL="0" indent="0">
+              <a:buNone/>
+            </a:pPr>
+            <a:r>
+              <a:rPr lang="en-US" sz="1800" dirty="0">
+                <a:solidFill>
+                  <a:srgbClr val="000000"/>
+                </a:solidFill>
+                <a:latin typeface="Consolas" panose="020B0609020204030204" pitchFamily="49" charset="0"/>
+              </a:rPr>
+              <a:t>}</a:t>
+            </a:r>
+            <a:endParaRPr lang="ru-RU" sz="1800" dirty="0" smtClean="0"/>
+          </a:p>
+        </p:txBody>
+      </p:sp>
+    </p:spTree>
+    <p:extLst>
+      <p:ext uri="{BB962C8B-B14F-4D97-AF65-F5344CB8AC3E}">
+        <p14:creationId xmlns:p14="http://schemas.microsoft.com/office/powerpoint/2010/main" val="3252223192"/>
+      </p:ext>
+    </p:extLst>
+  </p:cSld>
+  <p:clrMapOvr>
+    <a:masterClrMapping/>
+  </p:clrMapOvr>
+</p:sld>
+</file>
+
+<file path=ppt/slides/slide12.xml><?xml version="1.0" encoding="utf-8"?>
+<p:sld xmlns:a="http://schemas.openxmlformats.org/drawingml/2006/main" xmlns:r="http://schemas.openxmlformats.org/officeDocument/2006/relationships" xmlns:p="http://schemas.openxmlformats.org/presentationml/2006/main">
+  <p:cSld>
+    <p:spTree>
+      <p:nvGrpSpPr>
+        <p:cNvPr id="1" name=""/>
+        <p:cNvGrpSpPr/>
+        <p:nvPr/>
+      </p:nvGrpSpPr>
+      <p:grpSpPr>
+        <a:xfrm>
+          <a:off x="0" y="0"/>
+          <a:ext cx="0" cy="0"/>
+          <a:chOff x="0" y="0"/>
+          <a:chExt cx="0" cy="0"/>
+        </a:xfrm>
+      </p:grpSpPr>
+      <p:sp>
+        <p:nvSpPr>
+          <p:cNvPr id="2" name="Title 1"/>
+          <p:cNvSpPr>
+            <a:spLocks noGrp="1"/>
+          </p:cNvSpPr>
+          <p:nvPr>
+            <p:ph type="title"/>
+          </p:nvPr>
+        </p:nvSpPr>
+        <p:spPr/>
+        <p:txBody>
+          <a:bodyPr/>
+          <a:lstStyle/>
+          <a:p>
+            <a:r>
+              <a:rPr lang="ru-RU" dirty="0" smtClean="0"/>
               <a:t>Стандартные обобщенные типы</a:t>
             </a:r>
             <a:endParaRPr lang="en-US" dirty="0"/>
@@ -3602,7 +4562,7 @@
 </p:sld>
 </file>
 
-<file path=ppt/slides/slide11.xml><?xml version="1.0" encoding="utf-8"?>
+<file path=ppt/slides/slide13.xml><?xml version="1.0" encoding="utf-8"?>
 <p:sld xmlns:a="http://schemas.openxmlformats.org/drawingml/2006/main" xmlns:r="http://schemas.openxmlformats.org/officeDocument/2006/relationships" xmlns:p="http://schemas.openxmlformats.org/presentationml/2006/main" show="0">
   <p:cSld>
     <p:spTree>
@@ -3689,6 +4649,3127 @@
       <p:transition spd="slow"/>
     </mc:Fallback>
   </mc:AlternateContent>
+  <p:timing>
+    <p:tnLst>
+      <p:par>
+        <p:cTn id="1" dur="indefinite" restart="never" nodeType="tmRoot"/>
+      </p:par>
+    </p:tnLst>
+  </p:timing>
+</p:sld>
+</file>
+
+<file path=ppt/slides/slide14.xml><?xml version="1.0" encoding="utf-8"?>
+<p:sld xmlns:a="http://schemas.openxmlformats.org/drawingml/2006/main" xmlns:r="http://schemas.openxmlformats.org/officeDocument/2006/relationships" xmlns:p="http://schemas.openxmlformats.org/presentationml/2006/main">
+  <p:cSld>
+    <p:spTree>
+      <p:nvGrpSpPr>
+        <p:cNvPr id="1" name=""/>
+        <p:cNvGrpSpPr/>
+        <p:nvPr/>
+      </p:nvGrpSpPr>
+      <p:grpSpPr>
+        <a:xfrm>
+          <a:off x="0" y="0"/>
+          <a:ext cx="0" cy="0"/>
+          <a:chOff x="0" y="0"/>
+          <a:chExt cx="0" cy="0"/>
+        </a:xfrm>
+      </p:grpSpPr>
+      <p:sp>
+        <p:nvSpPr>
+          <p:cNvPr id="2" name="Title 1"/>
+          <p:cNvSpPr>
+            <a:spLocks noGrp="1"/>
+          </p:cNvSpPr>
+          <p:nvPr>
+            <p:ph type="title"/>
+          </p:nvPr>
+        </p:nvSpPr>
+        <p:spPr/>
+        <p:txBody>
+          <a:bodyPr>
+            <a:noAutofit/>
+          </a:bodyPr>
+          <a:lstStyle/>
+          <a:p>
+            <a:r>
+              <a:rPr lang="ru-RU" sz="3600" dirty="0" smtClean="0"/>
+              <a:t>Типы поддерживающие </a:t>
+            </a:r>
+            <a:r>
+              <a:rPr lang="ru-RU" sz="3600" dirty="0" err="1" smtClean="0"/>
+              <a:t>ковариантность</a:t>
+            </a:r>
+            <a:r>
+              <a:rPr lang="ru-RU" sz="3600" dirty="0" smtClean="0"/>
+              <a:t> и </a:t>
+            </a:r>
+            <a:r>
+              <a:rPr lang="ru-RU" sz="3600" dirty="0" err="1" smtClean="0"/>
+              <a:t>контравариантность</a:t>
+            </a:r>
+            <a:endParaRPr lang="en-US" sz="3600" dirty="0"/>
+          </a:p>
+        </p:txBody>
+      </p:sp>
+      <p:graphicFrame>
+        <p:nvGraphicFramePr>
+          <p:cNvPr id="4" name="Table 3"/>
+          <p:cNvGraphicFramePr>
+            <a:graphicFrameLocks noGrp="1"/>
+          </p:cNvGraphicFramePr>
+          <p:nvPr>
+            <p:extLst>
+              <p:ext uri="{D42A27DB-BD31-4B8C-83A1-F6EECF244321}">
+                <p14:modId xmlns:p14="http://schemas.microsoft.com/office/powerpoint/2010/main" val="1115448518"/>
+              </p:ext>
+            </p:extLst>
+          </p:nvPr>
+        </p:nvGraphicFramePr>
+        <p:xfrm>
+          <a:off x="457200" y="1600198"/>
+          <a:ext cx="8229600" cy="4911094"/>
+        </p:xfrm>
+        <a:graphic>
+          <a:graphicData uri="http://schemas.openxmlformats.org/drawingml/2006/table">
+            <a:tbl>
+              <a:tblPr/>
+              <a:tblGrid>
+                <a:gridCol w="3610744"/>
+                <a:gridCol w="2160240"/>
+                <a:gridCol w="2458616"/>
+              </a:tblGrid>
+              <a:tr h="326616">
+                <a:tc>
+                  <a:txBody>
+                    <a:bodyPr/>
+                    <a:lstStyle/>
+                    <a:p>
+                      <a:r>
+                        <a:rPr lang="ru-RU" sz="1200" b="1" dirty="0" smtClean="0">
+                          <a:solidFill>
+                            <a:srgbClr val="002060"/>
+                          </a:solidFill>
+                        </a:rPr>
+                        <a:t>Тип</a:t>
+                      </a:r>
+                      <a:endParaRPr lang="en-US" sz="1200" b="1" dirty="0">
+                        <a:solidFill>
+                          <a:srgbClr val="002060"/>
+                        </a:solidFill>
+                      </a:endParaRPr>
+                    </a:p>
+                  </a:txBody>
+                  <a:tcPr marL="45720" marR="45720" anchor="ctr">
+                    <a:lnL w="12700" cap="flat" cmpd="sng" algn="ctr">
+                      <a:solidFill>
+                        <a:schemeClr val="bg1"/>
+                      </a:solidFill>
+                      <a:prstDash val="solid"/>
+                      <a:round/>
+                      <a:headEnd type="none" w="med" len="med"/>
+                      <a:tailEnd type="none" w="med" len="med"/>
+                    </a:lnL>
+                    <a:lnR w="12700" cap="flat" cmpd="sng" algn="ctr">
+                      <a:solidFill>
+                        <a:schemeClr val="bg1"/>
+                      </a:solidFill>
+                      <a:prstDash val="solid"/>
+                      <a:round/>
+                      <a:headEnd type="none" w="med" len="med"/>
+                      <a:tailEnd type="none" w="med" len="med"/>
+                    </a:lnR>
+                    <a:lnT w="12700" cap="flat" cmpd="sng" algn="ctr">
+                      <a:solidFill>
+                        <a:schemeClr val="bg1"/>
+                      </a:solidFill>
+                      <a:prstDash val="solid"/>
+                      <a:round/>
+                      <a:headEnd type="none" w="med" len="med"/>
+                      <a:tailEnd type="none" w="med" len="med"/>
+                    </a:lnT>
+                    <a:lnB w="12700" cap="flat" cmpd="sng" algn="ctr">
+                      <a:solidFill>
+                        <a:schemeClr val="bg1"/>
+                      </a:solidFill>
+                      <a:prstDash val="solid"/>
+                      <a:round/>
+                      <a:headEnd type="none" w="med" len="med"/>
+                      <a:tailEnd type="none" w="med" len="med"/>
+                    </a:lnB>
+                    <a:lnTlToBr w="12700" cmpd="sng">
+                      <a:noFill/>
+                      <a:prstDash val="solid"/>
+                    </a:lnTlToBr>
+                    <a:lnBlToTr w="12700" cmpd="sng">
+                      <a:noFill/>
+                      <a:prstDash val="solid"/>
+                    </a:lnBlToTr>
+                    <a:solidFill>
+                      <a:schemeClr val="bg1"/>
+                    </a:solidFill>
+                  </a:tcPr>
+                </a:tc>
+                <a:tc>
+                  <a:txBody>
+                    <a:bodyPr/>
+                    <a:lstStyle/>
+                    <a:p>
+                      <a:r>
+                        <a:rPr lang="ru-RU" sz="1200" b="1" dirty="0" smtClean="0">
+                          <a:solidFill>
+                            <a:srgbClr val="002060"/>
+                          </a:solidFill>
+                        </a:rPr>
+                        <a:t>Ковариантный тип-параметр</a:t>
+                      </a:r>
+                      <a:endParaRPr lang="en-US" sz="1200" b="1" dirty="0">
+                        <a:solidFill>
+                          <a:srgbClr val="002060"/>
+                        </a:solidFill>
+                      </a:endParaRPr>
+                    </a:p>
+                  </a:txBody>
+                  <a:tcPr marL="45720" marR="45720" anchor="ctr">
+                    <a:lnL w="12700" cap="flat" cmpd="sng" algn="ctr">
+                      <a:solidFill>
+                        <a:schemeClr val="bg1"/>
+                      </a:solidFill>
+                      <a:prstDash val="solid"/>
+                      <a:round/>
+                      <a:headEnd type="none" w="med" len="med"/>
+                      <a:tailEnd type="none" w="med" len="med"/>
+                    </a:lnL>
+                    <a:lnR w="12700" cap="flat" cmpd="sng" algn="ctr">
+                      <a:solidFill>
+                        <a:schemeClr val="bg1"/>
+                      </a:solidFill>
+                      <a:prstDash val="solid"/>
+                      <a:round/>
+                      <a:headEnd type="none" w="med" len="med"/>
+                      <a:tailEnd type="none" w="med" len="med"/>
+                    </a:lnR>
+                    <a:lnT w="12700" cap="flat" cmpd="sng" algn="ctr">
+                      <a:solidFill>
+                        <a:schemeClr val="bg1"/>
+                      </a:solidFill>
+                      <a:prstDash val="solid"/>
+                      <a:round/>
+                      <a:headEnd type="none" w="med" len="med"/>
+                      <a:tailEnd type="none" w="med" len="med"/>
+                    </a:lnT>
+                    <a:lnB w="12700" cap="flat" cmpd="sng" algn="ctr">
+                      <a:solidFill>
+                        <a:schemeClr val="bg1"/>
+                      </a:solidFill>
+                      <a:prstDash val="solid"/>
+                      <a:round/>
+                      <a:headEnd type="none" w="med" len="med"/>
+                      <a:tailEnd type="none" w="med" len="med"/>
+                    </a:lnB>
+                    <a:lnTlToBr w="12700" cmpd="sng">
+                      <a:noFill/>
+                      <a:prstDash val="solid"/>
+                    </a:lnTlToBr>
+                    <a:lnBlToTr w="12700" cmpd="sng">
+                      <a:noFill/>
+                      <a:prstDash val="solid"/>
+                    </a:lnBlToTr>
+                    <a:solidFill>
+                      <a:schemeClr val="bg1"/>
+                    </a:solidFill>
+                  </a:tcPr>
+                </a:tc>
+                <a:tc>
+                  <a:txBody>
+                    <a:bodyPr/>
+                    <a:lstStyle/>
+                    <a:p>
+                      <a:r>
+                        <a:rPr lang="ru-RU" sz="1200" b="1" dirty="0" smtClean="0">
+                          <a:solidFill>
+                            <a:srgbClr val="002060"/>
+                          </a:solidFill>
+                        </a:rPr>
+                        <a:t>Контравариантный тип-параметр</a:t>
+                      </a:r>
+                      <a:endParaRPr lang="en-US" sz="1200" b="1" dirty="0">
+                        <a:solidFill>
+                          <a:srgbClr val="002060"/>
+                        </a:solidFill>
+                      </a:endParaRPr>
+                    </a:p>
+                  </a:txBody>
+                  <a:tcPr marL="45720" marR="45720" anchor="ctr">
+                    <a:lnL w="12700" cap="flat" cmpd="sng" algn="ctr">
+                      <a:solidFill>
+                        <a:schemeClr val="bg1"/>
+                      </a:solidFill>
+                      <a:prstDash val="solid"/>
+                      <a:round/>
+                      <a:headEnd type="none" w="med" len="med"/>
+                      <a:tailEnd type="none" w="med" len="med"/>
+                    </a:lnL>
+                    <a:lnR w="12700" cap="flat" cmpd="sng" algn="ctr">
+                      <a:solidFill>
+                        <a:schemeClr val="bg1"/>
+                      </a:solidFill>
+                      <a:prstDash val="solid"/>
+                      <a:round/>
+                      <a:headEnd type="none" w="med" len="med"/>
+                      <a:tailEnd type="none" w="med" len="med"/>
+                    </a:lnR>
+                    <a:lnT w="12700" cap="flat" cmpd="sng" algn="ctr">
+                      <a:solidFill>
+                        <a:schemeClr val="bg1"/>
+                      </a:solidFill>
+                      <a:prstDash val="solid"/>
+                      <a:round/>
+                      <a:headEnd type="none" w="med" len="med"/>
+                      <a:tailEnd type="none" w="med" len="med"/>
+                    </a:lnT>
+                    <a:lnB w="12700" cap="flat" cmpd="sng" algn="ctr">
+                      <a:solidFill>
+                        <a:schemeClr val="bg1"/>
+                      </a:solidFill>
+                      <a:prstDash val="solid"/>
+                      <a:round/>
+                      <a:headEnd type="none" w="med" len="med"/>
+                      <a:tailEnd type="none" w="med" len="med"/>
+                    </a:lnB>
+                    <a:lnTlToBr w="12700" cmpd="sng">
+                      <a:noFill/>
+                      <a:prstDash val="solid"/>
+                    </a:lnTlToBr>
+                    <a:lnBlToTr w="12700" cmpd="sng">
+                      <a:noFill/>
+                      <a:prstDash val="solid"/>
+                    </a:lnBlToTr>
+                    <a:solidFill>
+                      <a:schemeClr val="bg1"/>
+                    </a:solidFill>
+                  </a:tcPr>
+                </a:tc>
+              </a:tr>
+              <a:tr h="494074">
+                <a:tc>
+                  <a:txBody>
+                    <a:bodyPr/>
+                    <a:lstStyle/>
+                    <a:p>
+                      <a:r>
+                        <a:rPr lang="fr-FR" sz="1200" dirty="0" smtClean="0"/>
+                        <a:t>Action&lt;T</a:t>
+                      </a:r>
+                      <a:r>
+                        <a:rPr lang="fr-FR" sz="1200" dirty="0"/>
+                        <a:t>&gt; </a:t>
+                      </a:r>
+                      <a:r>
+                        <a:rPr lang="ru-RU" sz="1200" dirty="0" smtClean="0"/>
+                        <a:t>…</a:t>
+                      </a:r>
+                      <a:r>
+                        <a:rPr lang="fr-FR" sz="1200" dirty="0" smtClean="0"/>
+                        <a:t> </a:t>
+                      </a:r>
+                      <a:r>
+                        <a:rPr lang="fr-FR" sz="1200" dirty="0"/>
+                        <a:t>Action&lt;T1, T2, T3, T4, T5, T6, T7, T8, T9, T10, T11, T12, T13, T14, T15, T16&gt;</a:t>
+                      </a:r>
+                    </a:p>
+                  </a:txBody>
+                  <a:tcPr marL="45720" marR="45720" anchor="ctr">
+                    <a:lnL w="12700" cap="flat" cmpd="sng" algn="ctr">
+                      <a:solidFill>
+                        <a:schemeClr val="bg1"/>
+                      </a:solidFill>
+                      <a:prstDash val="solid"/>
+                      <a:round/>
+                      <a:headEnd type="none" w="med" len="med"/>
+                      <a:tailEnd type="none" w="med" len="med"/>
+                    </a:lnL>
+                    <a:lnR w="12700" cap="flat" cmpd="sng" algn="ctr">
+                      <a:solidFill>
+                        <a:schemeClr val="bg1"/>
+                      </a:solidFill>
+                      <a:prstDash val="solid"/>
+                      <a:round/>
+                      <a:headEnd type="none" w="med" len="med"/>
+                      <a:tailEnd type="none" w="med" len="med"/>
+                    </a:lnR>
+                    <a:lnT w="12700" cap="flat" cmpd="sng" algn="ctr">
+                      <a:solidFill>
+                        <a:schemeClr val="bg1"/>
+                      </a:solidFill>
+                      <a:prstDash val="solid"/>
+                      <a:round/>
+                      <a:headEnd type="none" w="med" len="med"/>
+                      <a:tailEnd type="none" w="med" len="med"/>
+                    </a:lnT>
+                    <a:lnB w="12700" cap="flat" cmpd="sng" algn="ctr">
+                      <a:solidFill>
+                        <a:schemeClr val="bg1"/>
+                      </a:solidFill>
+                      <a:prstDash val="solid"/>
+                      <a:round/>
+                      <a:headEnd type="none" w="med" len="med"/>
+                      <a:tailEnd type="none" w="med" len="med"/>
+                    </a:lnB>
+                    <a:lnTlToBr w="12700" cmpd="sng">
+                      <a:noFill/>
+                      <a:prstDash val="solid"/>
+                    </a:lnTlToBr>
+                    <a:lnBlToTr w="12700" cmpd="sng">
+                      <a:noFill/>
+                      <a:prstDash val="solid"/>
+                    </a:lnBlToTr>
+                  </a:tcPr>
+                </a:tc>
+                <a:tc>
+                  <a:txBody>
+                    <a:bodyPr/>
+                    <a:lstStyle/>
+                    <a:p>
+                      <a:pPr algn="ctr"/>
+                      <a:endParaRPr lang="en-US" sz="1200" dirty="0"/>
+                    </a:p>
+                  </a:txBody>
+                  <a:tcPr marL="45720" marR="45720" anchor="ctr">
+                    <a:lnL w="12700" cap="flat" cmpd="sng" algn="ctr">
+                      <a:solidFill>
+                        <a:schemeClr val="bg1"/>
+                      </a:solidFill>
+                      <a:prstDash val="solid"/>
+                      <a:round/>
+                      <a:headEnd type="none" w="med" len="med"/>
+                      <a:tailEnd type="none" w="med" len="med"/>
+                    </a:lnL>
+                    <a:lnR w="12700" cap="flat" cmpd="sng" algn="ctr">
+                      <a:solidFill>
+                        <a:schemeClr val="bg1"/>
+                      </a:solidFill>
+                      <a:prstDash val="solid"/>
+                      <a:round/>
+                      <a:headEnd type="none" w="med" len="med"/>
+                      <a:tailEnd type="none" w="med" len="med"/>
+                    </a:lnR>
+                    <a:lnT w="12700" cap="flat" cmpd="sng" algn="ctr">
+                      <a:solidFill>
+                        <a:schemeClr val="bg1"/>
+                      </a:solidFill>
+                      <a:prstDash val="solid"/>
+                      <a:round/>
+                      <a:headEnd type="none" w="med" len="med"/>
+                      <a:tailEnd type="none" w="med" len="med"/>
+                    </a:lnT>
+                    <a:lnB w="12700" cap="flat" cmpd="sng" algn="ctr">
+                      <a:solidFill>
+                        <a:schemeClr val="bg1"/>
+                      </a:solidFill>
+                      <a:prstDash val="solid"/>
+                      <a:round/>
+                      <a:headEnd type="none" w="med" len="med"/>
+                      <a:tailEnd type="none" w="med" len="med"/>
+                    </a:lnB>
+                    <a:lnTlToBr w="12700" cmpd="sng">
+                      <a:noFill/>
+                      <a:prstDash val="solid"/>
+                    </a:lnTlToBr>
+                    <a:lnBlToTr w="12700" cmpd="sng">
+                      <a:noFill/>
+                      <a:prstDash val="solid"/>
+                    </a:lnBlToTr>
+                  </a:tcPr>
+                </a:tc>
+                <a:tc>
+                  <a:txBody>
+                    <a:bodyPr/>
+                    <a:lstStyle/>
+                    <a:p>
+                      <a:pPr algn="ctr"/>
+                      <a:r>
+                        <a:rPr lang="ru-RU" sz="1200" dirty="0" smtClean="0"/>
+                        <a:t>Да</a:t>
+                      </a:r>
+                      <a:endParaRPr lang="en-US" sz="1200" dirty="0"/>
+                    </a:p>
+                  </a:txBody>
+                  <a:tcPr marL="45720" marR="45720" anchor="ctr">
+                    <a:lnL w="12700" cap="flat" cmpd="sng" algn="ctr">
+                      <a:solidFill>
+                        <a:schemeClr val="bg1"/>
+                      </a:solidFill>
+                      <a:prstDash val="solid"/>
+                      <a:round/>
+                      <a:headEnd type="none" w="med" len="med"/>
+                      <a:tailEnd type="none" w="med" len="med"/>
+                    </a:lnL>
+                    <a:lnR w="12700" cap="flat" cmpd="sng" algn="ctr">
+                      <a:solidFill>
+                        <a:schemeClr val="bg1"/>
+                      </a:solidFill>
+                      <a:prstDash val="solid"/>
+                      <a:round/>
+                      <a:headEnd type="none" w="med" len="med"/>
+                      <a:tailEnd type="none" w="med" len="med"/>
+                    </a:lnR>
+                    <a:lnT w="12700" cap="flat" cmpd="sng" algn="ctr">
+                      <a:solidFill>
+                        <a:schemeClr val="bg1"/>
+                      </a:solidFill>
+                      <a:prstDash val="solid"/>
+                      <a:round/>
+                      <a:headEnd type="none" w="med" len="med"/>
+                      <a:tailEnd type="none" w="med" len="med"/>
+                    </a:lnT>
+                    <a:lnB w="12700" cap="flat" cmpd="sng" algn="ctr">
+                      <a:solidFill>
+                        <a:schemeClr val="bg1"/>
+                      </a:solidFill>
+                      <a:prstDash val="solid"/>
+                      <a:round/>
+                      <a:headEnd type="none" w="med" len="med"/>
+                      <a:tailEnd type="none" w="med" len="med"/>
+                    </a:lnB>
+                    <a:lnTlToBr w="12700" cmpd="sng">
+                      <a:noFill/>
+                      <a:prstDash val="solid"/>
+                    </a:lnTlToBr>
+                    <a:lnBlToTr w="12700" cmpd="sng">
+                      <a:noFill/>
+                      <a:prstDash val="solid"/>
+                    </a:lnBlToTr>
+                  </a:tcPr>
+                </a:tc>
+              </a:tr>
+              <a:tr h="187200">
+                <a:tc>
+                  <a:txBody>
+                    <a:bodyPr/>
+                    <a:lstStyle/>
+                    <a:p>
+                      <a:r>
+                        <a:rPr lang="en-US" sz="1200" dirty="0" smtClean="0"/>
+                        <a:t>Comparison&lt;T</a:t>
+                      </a:r>
+                      <a:r>
+                        <a:rPr lang="en-US" sz="1200" dirty="0"/>
+                        <a:t>&gt;</a:t>
+                      </a:r>
+                    </a:p>
+                  </a:txBody>
+                  <a:tcPr marL="45720" marR="45720" anchor="ctr">
+                    <a:lnL w="12700" cap="flat" cmpd="sng" algn="ctr">
+                      <a:solidFill>
+                        <a:schemeClr val="bg1"/>
+                      </a:solidFill>
+                      <a:prstDash val="solid"/>
+                      <a:round/>
+                      <a:headEnd type="none" w="med" len="med"/>
+                      <a:tailEnd type="none" w="med" len="med"/>
+                    </a:lnL>
+                    <a:lnR w="12700" cap="flat" cmpd="sng" algn="ctr">
+                      <a:solidFill>
+                        <a:schemeClr val="bg1"/>
+                      </a:solidFill>
+                      <a:prstDash val="solid"/>
+                      <a:round/>
+                      <a:headEnd type="none" w="med" len="med"/>
+                      <a:tailEnd type="none" w="med" len="med"/>
+                    </a:lnR>
+                    <a:lnT w="12700" cap="flat" cmpd="sng" algn="ctr">
+                      <a:solidFill>
+                        <a:schemeClr val="bg1"/>
+                      </a:solidFill>
+                      <a:prstDash val="solid"/>
+                      <a:round/>
+                      <a:headEnd type="none" w="med" len="med"/>
+                      <a:tailEnd type="none" w="med" len="med"/>
+                    </a:lnT>
+                    <a:lnB w="12700" cap="flat" cmpd="sng" algn="ctr">
+                      <a:solidFill>
+                        <a:schemeClr val="bg1"/>
+                      </a:solidFill>
+                      <a:prstDash val="solid"/>
+                      <a:round/>
+                      <a:headEnd type="none" w="med" len="med"/>
+                      <a:tailEnd type="none" w="med" len="med"/>
+                    </a:lnB>
+                    <a:lnTlToBr w="12700" cmpd="sng">
+                      <a:noFill/>
+                      <a:prstDash val="solid"/>
+                    </a:lnTlToBr>
+                    <a:lnBlToTr w="12700" cmpd="sng">
+                      <a:noFill/>
+                      <a:prstDash val="solid"/>
+                    </a:lnBlToTr>
+                  </a:tcPr>
+                </a:tc>
+                <a:tc>
+                  <a:txBody>
+                    <a:bodyPr/>
+                    <a:lstStyle/>
+                    <a:p>
+                      <a:pPr algn="ctr"/>
+                      <a:endParaRPr lang="en-US" sz="1200" dirty="0"/>
+                    </a:p>
+                  </a:txBody>
+                  <a:tcPr marL="45720" marR="45720" anchor="ctr">
+                    <a:lnL w="12700" cap="flat" cmpd="sng" algn="ctr">
+                      <a:solidFill>
+                        <a:schemeClr val="bg1"/>
+                      </a:solidFill>
+                      <a:prstDash val="solid"/>
+                      <a:round/>
+                      <a:headEnd type="none" w="med" len="med"/>
+                      <a:tailEnd type="none" w="med" len="med"/>
+                    </a:lnL>
+                    <a:lnR w="12700" cap="flat" cmpd="sng" algn="ctr">
+                      <a:solidFill>
+                        <a:schemeClr val="bg1"/>
+                      </a:solidFill>
+                      <a:prstDash val="solid"/>
+                      <a:round/>
+                      <a:headEnd type="none" w="med" len="med"/>
+                      <a:tailEnd type="none" w="med" len="med"/>
+                    </a:lnR>
+                    <a:lnT w="12700" cap="flat" cmpd="sng" algn="ctr">
+                      <a:solidFill>
+                        <a:schemeClr val="bg1"/>
+                      </a:solidFill>
+                      <a:prstDash val="solid"/>
+                      <a:round/>
+                      <a:headEnd type="none" w="med" len="med"/>
+                      <a:tailEnd type="none" w="med" len="med"/>
+                    </a:lnT>
+                    <a:lnB w="12700" cap="flat" cmpd="sng" algn="ctr">
+                      <a:solidFill>
+                        <a:schemeClr val="bg1"/>
+                      </a:solidFill>
+                      <a:prstDash val="solid"/>
+                      <a:round/>
+                      <a:headEnd type="none" w="med" len="med"/>
+                      <a:tailEnd type="none" w="med" len="med"/>
+                    </a:lnB>
+                    <a:lnTlToBr w="12700" cmpd="sng">
+                      <a:noFill/>
+                      <a:prstDash val="solid"/>
+                    </a:lnTlToBr>
+                    <a:lnBlToTr w="12700" cmpd="sng">
+                      <a:noFill/>
+                      <a:prstDash val="solid"/>
+                    </a:lnBlToTr>
+                  </a:tcPr>
+                </a:tc>
+                <a:tc>
+                  <a:txBody>
+                    <a:bodyPr/>
+                    <a:lstStyle/>
+                    <a:p>
+                      <a:pPr algn="ctr"/>
+                      <a:r>
+                        <a:rPr lang="ru-RU" sz="1200" dirty="0" smtClean="0"/>
+                        <a:t>Да</a:t>
+                      </a:r>
+                      <a:endParaRPr lang="en-US" sz="1200" dirty="0"/>
+                    </a:p>
+                  </a:txBody>
+                  <a:tcPr marL="45720" marR="45720" anchor="ctr">
+                    <a:lnL w="12700" cap="flat" cmpd="sng" algn="ctr">
+                      <a:solidFill>
+                        <a:schemeClr val="bg1"/>
+                      </a:solidFill>
+                      <a:prstDash val="solid"/>
+                      <a:round/>
+                      <a:headEnd type="none" w="med" len="med"/>
+                      <a:tailEnd type="none" w="med" len="med"/>
+                    </a:lnL>
+                    <a:lnR w="12700" cap="flat" cmpd="sng" algn="ctr">
+                      <a:solidFill>
+                        <a:schemeClr val="bg1"/>
+                      </a:solidFill>
+                      <a:prstDash val="solid"/>
+                      <a:round/>
+                      <a:headEnd type="none" w="med" len="med"/>
+                      <a:tailEnd type="none" w="med" len="med"/>
+                    </a:lnR>
+                    <a:lnT w="12700" cap="flat" cmpd="sng" algn="ctr">
+                      <a:solidFill>
+                        <a:schemeClr val="bg1"/>
+                      </a:solidFill>
+                      <a:prstDash val="solid"/>
+                      <a:round/>
+                      <a:headEnd type="none" w="med" len="med"/>
+                      <a:tailEnd type="none" w="med" len="med"/>
+                    </a:lnT>
+                    <a:lnB w="12700" cap="flat" cmpd="sng" algn="ctr">
+                      <a:solidFill>
+                        <a:schemeClr val="bg1"/>
+                      </a:solidFill>
+                      <a:prstDash val="solid"/>
+                      <a:round/>
+                      <a:headEnd type="none" w="med" len="med"/>
+                      <a:tailEnd type="none" w="med" len="med"/>
+                    </a:lnB>
+                    <a:lnTlToBr w="12700" cmpd="sng">
+                      <a:noFill/>
+                      <a:prstDash val="solid"/>
+                    </a:lnTlToBr>
+                    <a:lnBlToTr w="12700" cmpd="sng">
+                      <a:noFill/>
+                      <a:prstDash val="solid"/>
+                    </a:lnBlToTr>
+                  </a:tcPr>
+                </a:tc>
+              </a:tr>
+              <a:tr h="187200">
+                <a:tc>
+                  <a:txBody>
+                    <a:bodyPr/>
+                    <a:lstStyle/>
+                    <a:p>
+                      <a:r>
+                        <a:rPr lang="en-US" sz="1200" dirty="0" smtClean="0"/>
+                        <a:t>Converter&lt;</a:t>
+                      </a:r>
+                      <a:r>
+                        <a:rPr lang="en-US" sz="1200" dirty="0" err="1" smtClean="0"/>
+                        <a:t>TInput</a:t>
+                      </a:r>
+                      <a:r>
+                        <a:rPr lang="en-US" sz="1200" dirty="0"/>
+                        <a:t>, </a:t>
+                      </a:r>
+                      <a:r>
+                        <a:rPr lang="en-US" sz="1200" dirty="0" err="1"/>
+                        <a:t>TOutput</a:t>
+                      </a:r>
+                      <a:r>
+                        <a:rPr lang="en-US" sz="1200" dirty="0"/>
+                        <a:t>&gt;</a:t>
+                      </a:r>
+                    </a:p>
+                  </a:txBody>
+                  <a:tcPr marL="45720" marR="45720" anchor="ctr">
+                    <a:lnL w="12700" cap="flat" cmpd="sng" algn="ctr">
+                      <a:solidFill>
+                        <a:schemeClr val="bg1"/>
+                      </a:solidFill>
+                      <a:prstDash val="solid"/>
+                      <a:round/>
+                      <a:headEnd type="none" w="med" len="med"/>
+                      <a:tailEnd type="none" w="med" len="med"/>
+                    </a:lnL>
+                    <a:lnR w="12700" cap="flat" cmpd="sng" algn="ctr">
+                      <a:solidFill>
+                        <a:schemeClr val="bg1"/>
+                      </a:solidFill>
+                      <a:prstDash val="solid"/>
+                      <a:round/>
+                      <a:headEnd type="none" w="med" len="med"/>
+                      <a:tailEnd type="none" w="med" len="med"/>
+                    </a:lnR>
+                    <a:lnT w="12700" cap="flat" cmpd="sng" algn="ctr">
+                      <a:solidFill>
+                        <a:schemeClr val="bg1"/>
+                      </a:solidFill>
+                      <a:prstDash val="solid"/>
+                      <a:round/>
+                      <a:headEnd type="none" w="med" len="med"/>
+                      <a:tailEnd type="none" w="med" len="med"/>
+                    </a:lnT>
+                    <a:lnB w="12700" cap="flat" cmpd="sng" algn="ctr">
+                      <a:solidFill>
+                        <a:schemeClr val="bg1"/>
+                      </a:solidFill>
+                      <a:prstDash val="solid"/>
+                      <a:round/>
+                      <a:headEnd type="none" w="med" len="med"/>
+                      <a:tailEnd type="none" w="med" len="med"/>
+                    </a:lnB>
+                    <a:lnTlToBr w="12700" cmpd="sng">
+                      <a:noFill/>
+                      <a:prstDash val="solid"/>
+                    </a:lnTlToBr>
+                    <a:lnBlToTr w="12700" cmpd="sng">
+                      <a:noFill/>
+                      <a:prstDash val="solid"/>
+                    </a:lnBlToTr>
+                  </a:tcPr>
+                </a:tc>
+                <a:tc>
+                  <a:txBody>
+                    <a:bodyPr/>
+                    <a:lstStyle/>
+                    <a:p>
+                      <a:pPr algn="ctr"/>
+                      <a:r>
+                        <a:rPr lang="ru-RU" sz="1200" dirty="0" smtClean="0"/>
+                        <a:t>Да</a:t>
+                      </a:r>
+                      <a:endParaRPr lang="en-US" sz="1200" dirty="0"/>
+                    </a:p>
+                  </a:txBody>
+                  <a:tcPr marL="45720" marR="45720" anchor="ctr">
+                    <a:lnL w="12700" cap="flat" cmpd="sng" algn="ctr">
+                      <a:solidFill>
+                        <a:schemeClr val="bg1"/>
+                      </a:solidFill>
+                      <a:prstDash val="solid"/>
+                      <a:round/>
+                      <a:headEnd type="none" w="med" len="med"/>
+                      <a:tailEnd type="none" w="med" len="med"/>
+                    </a:lnL>
+                    <a:lnR w="12700" cap="flat" cmpd="sng" algn="ctr">
+                      <a:solidFill>
+                        <a:schemeClr val="bg1"/>
+                      </a:solidFill>
+                      <a:prstDash val="solid"/>
+                      <a:round/>
+                      <a:headEnd type="none" w="med" len="med"/>
+                      <a:tailEnd type="none" w="med" len="med"/>
+                    </a:lnR>
+                    <a:lnT w="12700" cap="flat" cmpd="sng" algn="ctr">
+                      <a:solidFill>
+                        <a:schemeClr val="bg1"/>
+                      </a:solidFill>
+                      <a:prstDash val="solid"/>
+                      <a:round/>
+                      <a:headEnd type="none" w="med" len="med"/>
+                      <a:tailEnd type="none" w="med" len="med"/>
+                    </a:lnT>
+                    <a:lnB w="12700" cap="flat" cmpd="sng" algn="ctr">
+                      <a:solidFill>
+                        <a:schemeClr val="bg1"/>
+                      </a:solidFill>
+                      <a:prstDash val="solid"/>
+                      <a:round/>
+                      <a:headEnd type="none" w="med" len="med"/>
+                      <a:tailEnd type="none" w="med" len="med"/>
+                    </a:lnB>
+                    <a:lnTlToBr w="12700" cmpd="sng">
+                      <a:noFill/>
+                      <a:prstDash val="solid"/>
+                    </a:lnTlToBr>
+                    <a:lnBlToTr w="12700" cmpd="sng">
+                      <a:noFill/>
+                      <a:prstDash val="solid"/>
+                    </a:lnBlToTr>
+                  </a:tcPr>
+                </a:tc>
+                <a:tc>
+                  <a:txBody>
+                    <a:bodyPr/>
+                    <a:lstStyle/>
+                    <a:p>
+                      <a:pPr algn="ctr"/>
+                      <a:r>
+                        <a:rPr lang="ru-RU" sz="1200" dirty="0" smtClean="0"/>
+                        <a:t>Да</a:t>
+                      </a:r>
+                      <a:endParaRPr lang="en-US" sz="1200" dirty="0"/>
+                    </a:p>
+                  </a:txBody>
+                  <a:tcPr marL="45720" marR="45720" anchor="ctr">
+                    <a:lnL w="12700" cap="flat" cmpd="sng" algn="ctr">
+                      <a:solidFill>
+                        <a:schemeClr val="bg1"/>
+                      </a:solidFill>
+                      <a:prstDash val="solid"/>
+                      <a:round/>
+                      <a:headEnd type="none" w="med" len="med"/>
+                      <a:tailEnd type="none" w="med" len="med"/>
+                    </a:lnL>
+                    <a:lnR w="12700" cap="flat" cmpd="sng" algn="ctr">
+                      <a:solidFill>
+                        <a:schemeClr val="bg1"/>
+                      </a:solidFill>
+                      <a:prstDash val="solid"/>
+                      <a:round/>
+                      <a:headEnd type="none" w="med" len="med"/>
+                      <a:tailEnd type="none" w="med" len="med"/>
+                    </a:lnR>
+                    <a:lnT w="12700" cap="flat" cmpd="sng" algn="ctr">
+                      <a:solidFill>
+                        <a:schemeClr val="bg1"/>
+                      </a:solidFill>
+                      <a:prstDash val="solid"/>
+                      <a:round/>
+                      <a:headEnd type="none" w="med" len="med"/>
+                      <a:tailEnd type="none" w="med" len="med"/>
+                    </a:lnT>
+                    <a:lnB w="12700" cap="flat" cmpd="sng" algn="ctr">
+                      <a:solidFill>
+                        <a:schemeClr val="bg1"/>
+                      </a:solidFill>
+                      <a:prstDash val="solid"/>
+                      <a:round/>
+                      <a:headEnd type="none" w="med" len="med"/>
+                      <a:tailEnd type="none" w="med" len="med"/>
+                    </a:lnB>
+                    <a:lnTlToBr w="12700" cmpd="sng">
+                      <a:noFill/>
+                      <a:prstDash val="solid"/>
+                    </a:lnTlToBr>
+                    <a:lnBlToTr w="12700" cmpd="sng">
+                      <a:noFill/>
+                      <a:prstDash val="solid"/>
+                    </a:lnBlToTr>
+                  </a:tcPr>
+                </a:tc>
+              </a:tr>
+              <a:tr h="187200">
+                <a:tc>
+                  <a:txBody>
+                    <a:bodyPr/>
+                    <a:lstStyle/>
+                    <a:p>
+                      <a:r>
+                        <a:rPr lang="en-US" sz="1200" dirty="0" err="1" smtClean="0"/>
+                        <a:t>Func</a:t>
+                      </a:r>
+                      <a:r>
+                        <a:rPr lang="en-US" sz="1200" dirty="0" smtClean="0"/>
+                        <a:t>&lt;</a:t>
+                      </a:r>
+                      <a:r>
+                        <a:rPr lang="en-US" sz="1200" dirty="0" err="1" smtClean="0"/>
+                        <a:t>TResult</a:t>
+                      </a:r>
+                      <a:r>
+                        <a:rPr lang="en-US" sz="1200" dirty="0" smtClean="0"/>
+                        <a:t>&gt;</a:t>
+                      </a:r>
+                      <a:endParaRPr lang="en-US" sz="1200" dirty="0"/>
+                    </a:p>
+                  </a:txBody>
+                  <a:tcPr marL="45720" marR="45720" anchor="ctr">
+                    <a:lnL w="12700" cap="flat" cmpd="sng" algn="ctr">
+                      <a:solidFill>
+                        <a:schemeClr val="bg1"/>
+                      </a:solidFill>
+                      <a:prstDash val="solid"/>
+                      <a:round/>
+                      <a:headEnd type="none" w="med" len="med"/>
+                      <a:tailEnd type="none" w="med" len="med"/>
+                    </a:lnL>
+                    <a:lnR w="12700" cap="flat" cmpd="sng" algn="ctr">
+                      <a:solidFill>
+                        <a:schemeClr val="bg1"/>
+                      </a:solidFill>
+                      <a:prstDash val="solid"/>
+                      <a:round/>
+                      <a:headEnd type="none" w="med" len="med"/>
+                      <a:tailEnd type="none" w="med" len="med"/>
+                    </a:lnR>
+                    <a:lnT w="12700" cap="flat" cmpd="sng" algn="ctr">
+                      <a:solidFill>
+                        <a:schemeClr val="bg1"/>
+                      </a:solidFill>
+                      <a:prstDash val="solid"/>
+                      <a:round/>
+                      <a:headEnd type="none" w="med" len="med"/>
+                      <a:tailEnd type="none" w="med" len="med"/>
+                    </a:lnT>
+                    <a:lnB w="12700" cap="flat" cmpd="sng" algn="ctr">
+                      <a:solidFill>
+                        <a:schemeClr val="bg1"/>
+                      </a:solidFill>
+                      <a:prstDash val="solid"/>
+                      <a:round/>
+                      <a:headEnd type="none" w="med" len="med"/>
+                      <a:tailEnd type="none" w="med" len="med"/>
+                    </a:lnB>
+                    <a:lnTlToBr w="12700" cmpd="sng">
+                      <a:noFill/>
+                      <a:prstDash val="solid"/>
+                    </a:lnTlToBr>
+                    <a:lnBlToTr w="12700" cmpd="sng">
+                      <a:noFill/>
+                      <a:prstDash val="solid"/>
+                    </a:lnBlToTr>
+                  </a:tcPr>
+                </a:tc>
+                <a:tc>
+                  <a:txBody>
+                    <a:bodyPr/>
+                    <a:lstStyle/>
+                    <a:p>
+                      <a:pPr algn="ctr"/>
+                      <a:r>
+                        <a:rPr lang="ru-RU" sz="1200" dirty="0" smtClean="0"/>
+                        <a:t>Да</a:t>
+                      </a:r>
+                      <a:endParaRPr lang="en-US" sz="1200" dirty="0"/>
+                    </a:p>
+                  </a:txBody>
+                  <a:tcPr marL="45720" marR="45720" anchor="ctr">
+                    <a:lnL w="12700" cap="flat" cmpd="sng" algn="ctr">
+                      <a:solidFill>
+                        <a:schemeClr val="bg1"/>
+                      </a:solidFill>
+                      <a:prstDash val="solid"/>
+                      <a:round/>
+                      <a:headEnd type="none" w="med" len="med"/>
+                      <a:tailEnd type="none" w="med" len="med"/>
+                    </a:lnL>
+                    <a:lnR w="12700" cap="flat" cmpd="sng" algn="ctr">
+                      <a:solidFill>
+                        <a:schemeClr val="bg1"/>
+                      </a:solidFill>
+                      <a:prstDash val="solid"/>
+                      <a:round/>
+                      <a:headEnd type="none" w="med" len="med"/>
+                      <a:tailEnd type="none" w="med" len="med"/>
+                    </a:lnR>
+                    <a:lnT w="12700" cap="flat" cmpd="sng" algn="ctr">
+                      <a:solidFill>
+                        <a:schemeClr val="bg1"/>
+                      </a:solidFill>
+                      <a:prstDash val="solid"/>
+                      <a:round/>
+                      <a:headEnd type="none" w="med" len="med"/>
+                      <a:tailEnd type="none" w="med" len="med"/>
+                    </a:lnT>
+                    <a:lnB w="12700" cap="flat" cmpd="sng" algn="ctr">
+                      <a:solidFill>
+                        <a:schemeClr val="bg1"/>
+                      </a:solidFill>
+                      <a:prstDash val="solid"/>
+                      <a:round/>
+                      <a:headEnd type="none" w="med" len="med"/>
+                      <a:tailEnd type="none" w="med" len="med"/>
+                    </a:lnB>
+                    <a:lnTlToBr w="12700" cmpd="sng">
+                      <a:noFill/>
+                      <a:prstDash val="solid"/>
+                    </a:lnTlToBr>
+                    <a:lnBlToTr w="12700" cmpd="sng">
+                      <a:noFill/>
+                      <a:prstDash val="solid"/>
+                    </a:lnBlToTr>
+                  </a:tcPr>
+                </a:tc>
+                <a:tc>
+                  <a:txBody>
+                    <a:bodyPr/>
+                    <a:lstStyle/>
+                    <a:p>
+                      <a:pPr algn="ctr"/>
+                      <a:endParaRPr lang="en-US" sz="1200" dirty="0"/>
+                    </a:p>
+                  </a:txBody>
+                  <a:tcPr marL="45720" marR="45720" anchor="ctr">
+                    <a:lnL w="12700" cap="flat" cmpd="sng" algn="ctr">
+                      <a:solidFill>
+                        <a:schemeClr val="bg1"/>
+                      </a:solidFill>
+                      <a:prstDash val="solid"/>
+                      <a:round/>
+                      <a:headEnd type="none" w="med" len="med"/>
+                      <a:tailEnd type="none" w="med" len="med"/>
+                    </a:lnL>
+                    <a:lnR w="12700" cap="flat" cmpd="sng" algn="ctr">
+                      <a:solidFill>
+                        <a:schemeClr val="bg1"/>
+                      </a:solidFill>
+                      <a:prstDash val="solid"/>
+                      <a:round/>
+                      <a:headEnd type="none" w="med" len="med"/>
+                      <a:tailEnd type="none" w="med" len="med"/>
+                    </a:lnR>
+                    <a:lnT w="12700" cap="flat" cmpd="sng" algn="ctr">
+                      <a:solidFill>
+                        <a:schemeClr val="bg1"/>
+                      </a:solidFill>
+                      <a:prstDash val="solid"/>
+                      <a:round/>
+                      <a:headEnd type="none" w="med" len="med"/>
+                      <a:tailEnd type="none" w="med" len="med"/>
+                    </a:lnT>
+                    <a:lnB w="12700" cap="flat" cmpd="sng" algn="ctr">
+                      <a:solidFill>
+                        <a:schemeClr val="bg1"/>
+                      </a:solidFill>
+                      <a:prstDash val="solid"/>
+                      <a:round/>
+                      <a:headEnd type="none" w="med" len="med"/>
+                      <a:tailEnd type="none" w="med" len="med"/>
+                    </a:lnB>
+                    <a:lnTlToBr w="12700" cmpd="sng">
+                      <a:noFill/>
+                      <a:prstDash val="solid"/>
+                    </a:lnTlToBr>
+                    <a:lnBlToTr w="12700" cmpd="sng">
+                      <a:noFill/>
+                      <a:prstDash val="solid"/>
+                    </a:lnBlToTr>
+                  </a:tcPr>
+                </a:tc>
+              </a:tr>
+              <a:tr h="524244">
+                <a:tc>
+                  <a:txBody>
+                    <a:bodyPr/>
+                    <a:lstStyle/>
+                    <a:p>
+                      <a:r>
+                        <a:rPr lang="en-US" sz="1200" dirty="0" err="1" smtClean="0"/>
+                        <a:t>Func</a:t>
+                      </a:r>
+                      <a:r>
+                        <a:rPr lang="en-US" sz="1200" dirty="0" smtClean="0"/>
+                        <a:t>&lt;T</a:t>
+                      </a:r>
+                      <a:r>
+                        <a:rPr lang="en-US" sz="1200" dirty="0"/>
+                        <a:t>, </a:t>
+                      </a:r>
+                      <a:r>
+                        <a:rPr lang="en-US" sz="1200" dirty="0" err="1"/>
+                        <a:t>TResult</a:t>
+                      </a:r>
+                      <a:r>
+                        <a:rPr lang="en-US" sz="1200" dirty="0"/>
+                        <a:t>&gt; </a:t>
+                      </a:r>
+                      <a:r>
+                        <a:rPr lang="ru-RU" sz="1200" dirty="0" smtClean="0"/>
+                        <a:t>…</a:t>
+                      </a:r>
+                      <a:r>
+                        <a:rPr lang="en-US" sz="1200" dirty="0" smtClean="0"/>
+                        <a:t> </a:t>
+                      </a:r>
+                      <a:r>
+                        <a:rPr lang="en-US" sz="1200" dirty="0" err="1"/>
+                        <a:t>Func</a:t>
+                      </a:r>
+                      <a:r>
+                        <a:rPr lang="en-US" sz="1200" dirty="0"/>
+                        <a:t>&lt;T1, T2, T3, T4, T5, T6, T7, T8, T9, T10, T11, T12, T13, T14, T15, T16, </a:t>
+                      </a:r>
+                      <a:r>
+                        <a:rPr lang="en-US" sz="1200" dirty="0" err="1"/>
+                        <a:t>TResult</a:t>
+                      </a:r>
+                      <a:r>
+                        <a:rPr lang="en-US" sz="1200" dirty="0"/>
+                        <a:t>&gt;</a:t>
+                      </a:r>
+                    </a:p>
+                  </a:txBody>
+                  <a:tcPr marL="45720" marR="45720" anchor="ctr">
+                    <a:lnL w="12700" cap="flat" cmpd="sng" algn="ctr">
+                      <a:solidFill>
+                        <a:schemeClr val="bg1"/>
+                      </a:solidFill>
+                      <a:prstDash val="solid"/>
+                      <a:round/>
+                      <a:headEnd type="none" w="med" len="med"/>
+                      <a:tailEnd type="none" w="med" len="med"/>
+                    </a:lnL>
+                    <a:lnR w="12700" cap="flat" cmpd="sng" algn="ctr">
+                      <a:solidFill>
+                        <a:schemeClr val="bg1"/>
+                      </a:solidFill>
+                      <a:prstDash val="solid"/>
+                      <a:round/>
+                      <a:headEnd type="none" w="med" len="med"/>
+                      <a:tailEnd type="none" w="med" len="med"/>
+                    </a:lnR>
+                    <a:lnT w="12700" cap="flat" cmpd="sng" algn="ctr">
+                      <a:solidFill>
+                        <a:schemeClr val="bg1"/>
+                      </a:solidFill>
+                      <a:prstDash val="solid"/>
+                      <a:round/>
+                      <a:headEnd type="none" w="med" len="med"/>
+                      <a:tailEnd type="none" w="med" len="med"/>
+                    </a:lnT>
+                    <a:lnB w="12700" cap="flat" cmpd="sng" algn="ctr">
+                      <a:solidFill>
+                        <a:schemeClr val="bg1"/>
+                      </a:solidFill>
+                      <a:prstDash val="solid"/>
+                      <a:round/>
+                      <a:headEnd type="none" w="med" len="med"/>
+                      <a:tailEnd type="none" w="med" len="med"/>
+                    </a:lnB>
+                    <a:lnTlToBr w="12700" cmpd="sng">
+                      <a:noFill/>
+                      <a:prstDash val="solid"/>
+                    </a:lnTlToBr>
+                    <a:lnBlToTr w="12700" cmpd="sng">
+                      <a:noFill/>
+                      <a:prstDash val="solid"/>
+                    </a:lnBlToTr>
+                  </a:tcPr>
+                </a:tc>
+                <a:tc>
+                  <a:txBody>
+                    <a:bodyPr/>
+                    <a:lstStyle/>
+                    <a:p>
+                      <a:pPr algn="ctr"/>
+                      <a:r>
+                        <a:rPr lang="ru-RU" sz="1200" dirty="0" smtClean="0"/>
+                        <a:t>Да</a:t>
+                      </a:r>
+                      <a:endParaRPr lang="en-US" sz="1200" dirty="0"/>
+                    </a:p>
+                  </a:txBody>
+                  <a:tcPr marL="45720" marR="45720" anchor="ctr">
+                    <a:lnL w="12700" cap="flat" cmpd="sng" algn="ctr">
+                      <a:solidFill>
+                        <a:schemeClr val="bg1"/>
+                      </a:solidFill>
+                      <a:prstDash val="solid"/>
+                      <a:round/>
+                      <a:headEnd type="none" w="med" len="med"/>
+                      <a:tailEnd type="none" w="med" len="med"/>
+                    </a:lnL>
+                    <a:lnR w="12700" cap="flat" cmpd="sng" algn="ctr">
+                      <a:solidFill>
+                        <a:schemeClr val="bg1"/>
+                      </a:solidFill>
+                      <a:prstDash val="solid"/>
+                      <a:round/>
+                      <a:headEnd type="none" w="med" len="med"/>
+                      <a:tailEnd type="none" w="med" len="med"/>
+                    </a:lnR>
+                    <a:lnT w="12700" cap="flat" cmpd="sng" algn="ctr">
+                      <a:solidFill>
+                        <a:schemeClr val="bg1"/>
+                      </a:solidFill>
+                      <a:prstDash val="solid"/>
+                      <a:round/>
+                      <a:headEnd type="none" w="med" len="med"/>
+                      <a:tailEnd type="none" w="med" len="med"/>
+                    </a:lnT>
+                    <a:lnB w="12700" cap="flat" cmpd="sng" algn="ctr">
+                      <a:solidFill>
+                        <a:schemeClr val="bg1"/>
+                      </a:solidFill>
+                      <a:prstDash val="solid"/>
+                      <a:round/>
+                      <a:headEnd type="none" w="med" len="med"/>
+                      <a:tailEnd type="none" w="med" len="med"/>
+                    </a:lnB>
+                    <a:lnTlToBr w="12700" cmpd="sng">
+                      <a:noFill/>
+                      <a:prstDash val="solid"/>
+                    </a:lnTlToBr>
+                    <a:lnBlToTr w="12700" cmpd="sng">
+                      <a:noFill/>
+                      <a:prstDash val="solid"/>
+                    </a:lnBlToTr>
+                  </a:tcPr>
+                </a:tc>
+                <a:tc>
+                  <a:txBody>
+                    <a:bodyPr/>
+                    <a:lstStyle/>
+                    <a:p>
+                      <a:pPr algn="ctr"/>
+                      <a:r>
+                        <a:rPr lang="ru-RU" sz="1200" dirty="0" smtClean="0"/>
+                        <a:t>Да</a:t>
+                      </a:r>
+                      <a:endParaRPr lang="en-US" sz="1200" dirty="0"/>
+                    </a:p>
+                  </a:txBody>
+                  <a:tcPr marL="45720" marR="45720" anchor="ctr">
+                    <a:lnL w="12700" cap="flat" cmpd="sng" algn="ctr">
+                      <a:solidFill>
+                        <a:schemeClr val="bg1"/>
+                      </a:solidFill>
+                      <a:prstDash val="solid"/>
+                      <a:round/>
+                      <a:headEnd type="none" w="med" len="med"/>
+                      <a:tailEnd type="none" w="med" len="med"/>
+                    </a:lnL>
+                    <a:lnR w="12700" cap="flat" cmpd="sng" algn="ctr">
+                      <a:solidFill>
+                        <a:schemeClr val="bg1"/>
+                      </a:solidFill>
+                      <a:prstDash val="solid"/>
+                      <a:round/>
+                      <a:headEnd type="none" w="med" len="med"/>
+                      <a:tailEnd type="none" w="med" len="med"/>
+                    </a:lnR>
+                    <a:lnT w="12700" cap="flat" cmpd="sng" algn="ctr">
+                      <a:solidFill>
+                        <a:schemeClr val="bg1"/>
+                      </a:solidFill>
+                      <a:prstDash val="solid"/>
+                      <a:round/>
+                      <a:headEnd type="none" w="med" len="med"/>
+                      <a:tailEnd type="none" w="med" len="med"/>
+                    </a:lnT>
+                    <a:lnB w="12700" cap="flat" cmpd="sng" algn="ctr">
+                      <a:solidFill>
+                        <a:schemeClr val="bg1"/>
+                      </a:solidFill>
+                      <a:prstDash val="solid"/>
+                      <a:round/>
+                      <a:headEnd type="none" w="med" len="med"/>
+                      <a:tailEnd type="none" w="med" len="med"/>
+                    </a:lnB>
+                    <a:lnTlToBr w="12700" cmpd="sng">
+                      <a:noFill/>
+                      <a:prstDash val="solid"/>
+                    </a:lnTlToBr>
+                    <a:lnBlToTr w="12700" cmpd="sng">
+                      <a:noFill/>
+                      <a:prstDash val="solid"/>
+                    </a:lnBlToTr>
+                  </a:tcPr>
+                </a:tc>
+              </a:tr>
+              <a:tr h="187200">
+                <a:tc>
+                  <a:txBody>
+                    <a:bodyPr/>
+                    <a:lstStyle/>
+                    <a:p>
+                      <a:r>
+                        <a:rPr lang="en-US" sz="1200" dirty="0" err="1"/>
+                        <a:t>IComparable</a:t>
+                      </a:r>
+                      <a:r>
+                        <a:rPr lang="en-US" sz="1200" dirty="0"/>
+                        <a:t>&lt;T&gt;</a:t>
+                      </a:r>
+                    </a:p>
+                  </a:txBody>
+                  <a:tcPr marL="45720" marR="45720" anchor="ctr">
+                    <a:lnL w="12700" cap="flat" cmpd="sng" algn="ctr">
+                      <a:solidFill>
+                        <a:schemeClr val="bg1"/>
+                      </a:solidFill>
+                      <a:prstDash val="solid"/>
+                      <a:round/>
+                      <a:headEnd type="none" w="med" len="med"/>
+                      <a:tailEnd type="none" w="med" len="med"/>
+                    </a:lnL>
+                    <a:lnR w="12700" cap="flat" cmpd="sng" algn="ctr">
+                      <a:solidFill>
+                        <a:schemeClr val="bg1"/>
+                      </a:solidFill>
+                      <a:prstDash val="solid"/>
+                      <a:round/>
+                      <a:headEnd type="none" w="med" len="med"/>
+                      <a:tailEnd type="none" w="med" len="med"/>
+                    </a:lnR>
+                    <a:lnT w="12700" cap="flat" cmpd="sng" algn="ctr">
+                      <a:solidFill>
+                        <a:schemeClr val="bg1"/>
+                      </a:solidFill>
+                      <a:prstDash val="solid"/>
+                      <a:round/>
+                      <a:headEnd type="none" w="med" len="med"/>
+                      <a:tailEnd type="none" w="med" len="med"/>
+                    </a:lnT>
+                    <a:lnB w="12700" cap="flat" cmpd="sng" algn="ctr">
+                      <a:solidFill>
+                        <a:schemeClr val="bg1"/>
+                      </a:solidFill>
+                      <a:prstDash val="solid"/>
+                      <a:round/>
+                      <a:headEnd type="none" w="med" len="med"/>
+                      <a:tailEnd type="none" w="med" len="med"/>
+                    </a:lnB>
+                    <a:lnTlToBr w="12700" cmpd="sng">
+                      <a:noFill/>
+                      <a:prstDash val="solid"/>
+                    </a:lnTlToBr>
+                    <a:lnBlToTr w="12700" cmpd="sng">
+                      <a:noFill/>
+                      <a:prstDash val="solid"/>
+                    </a:lnBlToTr>
+                  </a:tcPr>
+                </a:tc>
+                <a:tc>
+                  <a:txBody>
+                    <a:bodyPr/>
+                    <a:lstStyle/>
+                    <a:p>
+                      <a:pPr algn="ctr"/>
+                      <a:endParaRPr lang="en-US" sz="1200" dirty="0"/>
+                    </a:p>
+                  </a:txBody>
+                  <a:tcPr marL="45720" marR="45720" anchor="ctr">
+                    <a:lnL w="12700" cap="flat" cmpd="sng" algn="ctr">
+                      <a:solidFill>
+                        <a:schemeClr val="bg1"/>
+                      </a:solidFill>
+                      <a:prstDash val="solid"/>
+                      <a:round/>
+                      <a:headEnd type="none" w="med" len="med"/>
+                      <a:tailEnd type="none" w="med" len="med"/>
+                    </a:lnL>
+                    <a:lnR w="12700" cap="flat" cmpd="sng" algn="ctr">
+                      <a:solidFill>
+                        <a:schemeClr val="bg1"/>
+                      </a:solidFill>
+                      <a:prstDash val="solid"/>
+                      <a:round/>
+                      <a:headEnd type="none" w="med" len="med"/>
+                      <a:tailEnd type="none" w="med" len="med"/>
+                    </a:lnR>
+                    <a:lnT w="12700" cap="flat" cmpd="sng" algn="ctr">
+                      <a:solidFill>
+                        <a:schemeClr val="bg1"/>
+                      </a:solidFill>
+                      <a:prstDash val="solid"/>
+                      <a:round/>
+                      <a:headEnd type="none" w="med" len="med"/>
+                      <a:tailEnd type="none" w="med" len="med"/>
+                    </a:lnT>
+                    <a:lnB w="12700" cap="flat" cmpd="sng" algn="ctr">
+                      <a:solidFill>
+                        <a:schemeClr val="bg1"/>
+                      </a:solidFill>
+                      <a:prstDash val="solid"/>
+                      <a:round/>
+                      <a:headEnd type="none" w="med" len="med"/>
+                      <a:tailEnd type="none" w="med" len="med"/>
+                    </a:lnB>
+                    <a:lnTlToBr w="12700" cmpd="sng">
+                      <a:noFill/>
+                      <a:prstDash val="solid"/>
+                    </a:lnTlToBr>
+                    <a:lnBlToTr w="12700" cmpd="sng">
+                      <a:noFill/>
+                      <a:prstDash val="solid"/>
+                    </a:lnBlToTr>
+                  </a:tcPr>
+                </a:tc>
+                <a:tc>
+                  <a:txBody>
+                    <a:bodyPr/>
+                    <a:lstStyle/>
+                    <a:p>
+                      <a:pPr algn="ctr"/>
+                      <a:r>
+                        <a:rPr lang="ru-RU" sz="1200" dirty="0" smtClean="0"/>
+                        <a:t>Да</a:t>
+                      </a:r>
+                      <a:endParaRPr lang="en-US" sz="1200" dirty="0"/>
+                    </a:p>
+                  </a:txBody>
+                  <a:tcPr marL="45720" marR="45720" anchor="ctr">
+                    <a:lnL w="12700" cap="flat" cmpd="sng" algn="ctr">
+                      <a:solidFill>
+                        <a:schemeClr val="bg1"/>
+                      </a:solidFill>
+                      <a:prstDash val="solid"/>
+                      <a:round/>
+                      <a:headEnd type="none" w="med" len="med"/>
+                      <a:tailEnd type="none" w="med" len="med"/>
+                    </a:lnL>
+                    <a:lnR w="12700" cap="flat" cmpd="sng" algn="ctr">
+                      <a:solidFill>
+                        <a:schemeClr val="bg1"/>
+                      </a:solidFill>
+                      <a:prstDash val="solid"/>
+                      <a:round/>
+                      <a:headEnd type="none" w="med" len="med"/>
+                      <a:tailEnd type="none" w="med" len="med"/>
+                    </a:lnR>
+                    <a:lnT w="12700" cap="flat" cmpd="sng" algn="ctr">
+                      <a:solidFill>
+                        <a:schemeClr val="bg1"/>
+                      </a:solidFill>
+                      <a:prstDash val="solid"/>
+                      <a:round/>
+                      <a:headEnd type="none" w="med" len="med"/>
+                      <a:tailEnd type="none" w="med" len="med"/>
+                    </a:lnT>
+                    <a:lnB w="12700" cap="flat" cmpd="sng" algn="ctr">
+                      <a:solidFill>
+                        <a:schemeClr val="bg1"/>
+                      </a:solidFill>
+                      <a:prstDash val="solid"/>
+                      <a:round/>
+                      <a:headEnd type="none" w="med" len="med"/>
+                      <a:tailEnd type="none" w="med" len="med"/>
+                    </a:lnB>
+                    <a:lnTlToBr w="12700" cmpd="sng">
+                      <a:noFill/>
+                      <a:prstDash val="solid"/>
+                    </a:lnTlToBr>
+                    <a:lnBlToTr w="12700" cmpd="sng">
+                      <a:noFill/>
+                      <a:prstDash val="solid"/>
+                    </a:lnBlToTr>
+                  </a:tcPr>
+                </a:tc>
+              </a:tr>
+              <a:tr h="187200">
+                <a:tc>
+                  <a:txBody>
+                    <a:bodyPr/>
+                    <a:lstStyle/>
+                    <a:p>
+                      <a:r>
+                        <a:rPr lang="en-US" sz="1200" dirty="0"/>
+                        <a:t>Predicate&lt;T&gt;</a:t>
+                      </a:r>
+                    </a:p>
+                  </a:txBody>
+                  <a:tcPr marL="45720" marR="45720" anchor="ctr">
+                    <a:lnL w="12700" cap="flat" cmpd="sng" algn="ctr">
+                      <a:solidFill>
+                        <a:schemeClr val="bg1"/>
+                      </a:solidFill>
+                      <a:prstDash val="solid"/>
+                      <a:round/>
+                      <a:headEnd type="none" w="med" len="med"/>
+                      <a:tailEnd type="none" w="med" len="med"/>
+                    </a:lnL>
+                    <a:lnR w="12700" cap="flat" cmpd="sng" algn="ctr">
+                      <a:solidFill>
+                        <a:schemeClr val="bg1"/>
+                      </a:solidFill>
+                      <a:prstDash val="solid"/>
+                      <a:round/>
+                      <a:headEnd type="none" w="med" len="med"/>
+                      <a:tailEnd type="none" w="med" len="med"/>
+                    </a:lnR>
+                    <a:lnT w="12700" cap="flat" cmpd="sng" algn="ctr">
+                      <a:solidFill>
+                        <a:schemeClr val="bg1"/>
+                      </a:solidFill>
+                      <a:prstDash val="solid"/>
+                      <a:round/>
+                      <a:headEnd type="none" w="med" len="med"/>
+                      <a:tailEnd type="none" w="med" len="med"/>
+                    </a:lnT>
+                    <a:lnB w="12700" cap="flat" cmpd="sng" algn="ctr">
+                      <a:solidFill>
+                        <a:schemeClr val="bg1"/>
+                      </a:solidFill>
+                      <a:prstDash val="solid"/>
+                      <a:round/>
+                      <a:headEnd type="none" w="med" len="med"/>
+                      <a:tailEnd type="none" w="med" len="med"/>
+                    </a:lnB>
+                    <a:lnTlToBr w="12700" cmpd="sng">
+                      <a:noFill/>
+                      <a:prstDash val="solid"/>
+                    </a:lnTlToBr>
+                    <a:lnBlToTr w="12700" cmpd="sng">
+                      <a:noFill/>
+                      <a:prstDash val="solid"/>
+                    </a:lnBlToTr>
+                  </a:tcPr>
+                </a:tc>
+                <a:tc>
+                  <a:txBody>
+                    <a:bodyPr/>
+                    <a:lstStyle/>
+                    <a:p>
+                      <a:pPr algn="ctr"/>
+                      <a:endParaRPr lang="en-US" sz="1200" dirty="0"/>
+                    </a:p>
+                  </a:txBody>
+                  <a:tcPr marL="45720" marR="45720" anchor="ctr">
+                    <a:lnL w="12700" cap="flat" cmpd="sng" algn="ctr">
+                      <a:solidFill>
+                        <a:schemeClr val="bg1"/>
+                      </a:solidFill>
+                      <a:prstDash val="solid"/>
+                      <a:round/>
+                      <a:headEnd type="none" w="med" len="med"/>
+                      <a:tailEnd type="none" w="med" len="med"/>
+                    </a:lnL>
+                    <a:lnR w="12700" cap="flat" cmpd="sng" algn="ctr">
+                      <a:solidFill>
+                        <a:schemeClr val="bg1"/>
+                      </a:solidFill>
+                      <a:prstDash val="solid"/>
+                      <a:round/>
+                      <a:headEnd type="none" w="med" len="med"/>
+                      <a:tailEnd type="none" w="med" len="med"/>
+                    </a:lnR>
+                    <a:lnT w="12700" cap="flat" cmpd="sng" algn="ctr">
+                      <a:solidFill>
+                        <a:schemeClr val="bg1"/>
+                      </a:solidFill>
+                      <a:prstDash val="solid"/>
+                      <a:round/>
+                      <a:headEnd type="none" w="med" len="med"/>
+                      <a:tailEnd type="none" w="med" len="med"/>
+                    </a:lnT>
+                    <a:lnB w="12700" cap="flat" cmpd="sng" algn="ctr">
+                      <a:solidFill>
+                        <a:schemeClr val="bg1"/>
+                      </a:solidFill>
+                      <a:prstDash val="solid"/>
+                      <a:round/>
+                      <a:headEnd type="none" w="med" len="med"/>
+                      <a:tailEnd type="none" w="med" len="med"/>
+                    </a:lnB>
+                    <a:lnTlToBr w="12700" cmpd="sng">
+                      <a:noFill/>
+                      <a:prstDash val="solid"/>
+                    </a:lnTlToBr>
+                    <a:lnBlToTr w="12700" cmpd="sng">
+                      <a:noFill/>
+                      <a:prstDash val="solid"/>
+                    </a:lnBlToTr>
+                  </a:tcPr>
+                </a:tc>
+                <a:tc>
+                  <a:txBody>
+                    <a:bodyPr/>
+                    <a:lstStyle/>
+                    <a:p>
+                      <a:pPr algn="ctr"/>
+                      <a:r>
+                        <a:rPr lang="ru-RU" sz="1200" dirty="0" smtClean="0"/>
+                        <a:t>Да</a:t>
+                      </a:r>
+                      <a:endParaRPr lang="en-US" sz="1200" dirty="0"/>
+                    </a:p>
+                  </a:txBody>
+                  <a:tcPr marL="45720" marR="45720" anchor="ctr">
+                    <a:lnL w="12700" cap="flat" cmpd="sng" algn="ctr">
+                      <a:solidFill>
+                        <a:schemeClr val="bg1"/>
+                      </a:solidFill>
+                      <a:prstDash val="solid"/>
+                      <a:round/>
+                      <a:headEnd type="none" w="med" len="med"/>
+                      <a:tailEnd type="none" w="med" len="med"/>
+                    </a:lnL>
+                    <a:lnR w="12700" cap="flat" cmpd="sng" algn="ctr">
+                      <a:solidFill>
+                        <a:schemeClr val="bg1"/>
+                      </a:solidFill>
+                      <a:prstDash val="solid"/>
+                      <a:round/>
+                      <a:headEnd type="none" w="med" len="med"/>
+                      <a:tailEnd type="none" w="med" len="med"/>
+                    </a:lnR>
+                    <a:lnT w="12700" cap="flat" cmpd="sng" algn="ctr">
+                      <a:solidFill>
+                        <a:schemeClr val="bg1"/>
+                      </a:solidFill>
+                      <a:prstDash val="solid"/>
+                      <a:round/>
+                      <a:headEnd type="none" w="med" len="med"/>
+                      <a:tailEnd type="none" w="med" len="med"/>
+                    </a:lnT>
+                    <a:lnB w="12700" cap="flat" cmpd="sng" algn="ctr">
+                      <a:solidFill>
+                        <a:schemeClr val="bg1"/>
+                      </a:solidFill>
+                      <a:prstDash val="solid"/>
+                      <a:round/>
+                      <a:headEnd type="none" w="med" len="med"/>
+                      <a:tailEnd type="none" w="med" len="med"/>
+                    </a:lnB>
+                    <a:lnTlToBr w="12700" cmpd="sng">
+                      <a:noFill/>
+                      <a:prstDash val="solid"/>
+                    </a:lnTlToBr>
+                    <a:lnBlToTr w="12700" cmpd="sng">
+                      <a:noFill/>
+                      <a:prstDash val="solid"/>
+                    </a:lnBlToTr>
+                  </a:tcPr>
+                </a:tc>
+              </a:tr>
+              <a:tr h="187200">
+                <a:tc>
+                  <a:txBody>
+                    <a:bodyPr/>
+                    <a:lstStyle/>
+                    <a:p>
+                      <a:r>
+                        <a:rPr lang="en-US" sz="1200" dirty="0" err="1"/>
+                        <a:t>IComparer</a:t>
+                      </a:r>
+                      <a:r>
+                        <a:rPr lang="en-US" sz="1200" dirty="0"/>
+                        <a:t>&lt;T&gt;</a:t>
+                      </a:r>
+                    </a:p>
+                  </a:txBody>
+                  <a:tcPr marL="45720" marR="45720" anchor="ctr">
+                    <a:lnL w="12700" cap="flat" cmpd="sng" algn="ctr">
+                      <a:solidFill>
+                        <a:schemeClr val="bg1"/>
+                      </a:solidFill>
+                      <a:prstDash val="solid"/>
+                      <a:round/>
+                      <a:headEnd type="none" w="med" len="med"/>
+                      <a:tailEnd type="none" w="med" len="med"/>
+                    </a:lnL>
+                    <a:lnR w="12700" cap="flat" cmpd="sng" algn="ctr">
+                      <a:solidFill>
+                        <a:schemeClr val="bg1"/>
+                      </a:solidFill>
+                      <a:prstDash val="solid"/>
+                      <a:round/>
+                      <a:headEnd type="none" w="med" len="med"/>
+                      <a:tailEnd type="none" w="med" len="med"/>
+                    </a:lnR>
+                    <a:lnT w="12700" cap="flat" cmpd="sng" algn="ctr">
+                      <a:solidFill>
+                        <a:schemeClr val="bg1"/>
+                      </a:solidFill>
+                      <a:prstDash val="solid"/>
+                      <a:round/>
+                      <a:headEnd type="none" w="med" len="med"/>
+                      <a:tailEnd type="none" w="med" len="med"/>
+                    </a:lnT>
+                    <a:lnB w="12700" cap="flat" cmpd="sng" algn="ctr">
+                      <a:solidFill>
+                        <a:schemeClr val="bg1"/>
+                      </a:solidFill>
+                      <a:prstDash val="solid"/>
+                      <a:round/>
+                      <a:headEnd type="none" w="med" len="med"/>
+                      <a:tailEnd type="none" w="med" len="med"/>
+                    </a:lnB>
+                    <a:lnTlToBr w="12700" cmpd="sng">
+                      <a:noFill/>
+                      <a:prstDash val="solid"/>
+                    </a:lnTlToBr>
+                    <a:lnBlToTr w="12700" cmpd="sng">
+                      <a:noFill/>
+                      <a:prstDash val="solid"/>
+                    </a:lnBlToTr>
+                  </a:tcPr>
+                </a:tc>
+                <a:tc>
+                  <a:txBody>
+                    <a:bodyPr/>
+                    <a:lstStyle/>
+                    <a:p>
+                      <a:pPr algn="ctr"/>
+                      <a:endParaRPr lang="en-US" sz="1200" dirty="0"/>
+                    </a:p>
+                  </a:txBody>
+                  <a:tcPr marL="45720" marR="45720" anchor="ctr">
+                    <a:lnL w="12700" cap="flat" cmpd="sng" algn="ctr">
+                      <a:solidFill>
+                        <a:schemeClr val="bg1"/>
+                      </a:solidFill>
+                      <a:prstDash val="solid"/>
+                      <a:round/>
+                      <a:headEnd type="none" w="med" len="med"/>
+                      <a:tailEnd type="none" w="med" len="med"/>
+                    </a:lnL>
+                    <a:lnR w="12700" cap="flat" cmpd="sng" algn="ctr">
+                      <a:solidFill>
+                        <a:schemeClr val="bg1"/>
+                      </a:solidFill>
+                      <a:prstDash val="solid"/>
+                      <a:round/>
+                      <a:headEnd type="none" w="med" len="med"/>
+                      <a:tailEnd type="none" w="med" len="med"/>
+                    </a:lnR>
+                    <a:lnT w="12700" cap="flat" cmpd="sng" algn="ctr">
+                      <a:solidFill>
+                        <a:schemeClr val="bg1"/>
+                      </a:solidFill>
+                      <a:prstDash val="solid"/>
+                      <a:round/>
+                      <a:headEnd type="none" w="med" len="med"/>
+                      <a:tailEnd type="none" w="med" len="med"/>
+                    </a:lnT>
+                    <a:lnB w="12700" cap="flat" cmpd="sng" algn="ctr">
+                      <a:solidFill>
+                        <a:schemeClr val="bg1"/>
+                      </a:solidFill>
+                      <a:prstDash val="solid"/>
+                      <a:round/>
+                      <a:headEnd type="none" w="med" len="med"/>
+                      <a:tailEnd type="none" w="med" len="med"/>
+                    </a:lnB>
+                    <a:lnTlToBr w="12700" cmpd="sng">
+                      <a:noFill/>
+                      <a:prstDash val="solid"/>
+                    </a:lnTlToBr>
+                    <a:lnBlToTr w="12700" cmpd="sng">
+                      <a:noFill/>
+                      <a:prstDash val="solid"/>
+                    </a:lnBlToTr>
+                  </a:tcPr>
+                </a:tc>
+                <a:tc>
+                  <a:txBody>
+                    <a:bodyPr/>
+                    <a:lstStyle/>
+                    <a:p>
+                      <a:pPr algn="ctr"/>
+                      <a:r>
+                        <a:rPr lang="ru-RU" sz="1200" dirty="0" smtClean="0"/>
+                        <a:t>Да</a:t>
+                      </a:r>
+                      <a:endParaRPr lang="en-US" sz="1200" dirty="0"/>
+                    </a:p>
+                  </a:txBody>
+                  <a:tcPr marL="45720" marR="45720" anchor="ctr">
+                    <a:lnL w="12700" cap="flat" cmpd="sng" algn="ctr">
+                      <a:solidFill>
+                        <a:schemeClr val="bg1"/>
+                      </a:solidFill>
+                      <a:prstDash val="solid"/>
+                      <a:round/>
+                      <a:headEnd type="none" w="med" len="med"/>
+                      <a:tailEnd type="none" w="med" len="med"/>
+                    </a:lnL>
+                    <a:lnR w="12700" cap="flat" cmpd="sng" algn="ctr">
+                      <a:solidFill>
+                        <a:schemeClr val="bg1"/>
+                      </a:solidFill>
+                      <a:prstDash val="solid"/>
+                      <a:round/>
+                      <a:headEnd type="none" w="med" len="med"/>
+                      <a:tailEnd type="none" w="med" len="med"/>
+                    </a:lnR>
+                    <a:lnT w="12700" cap="flat" cmpd="sng" algn="ctr">
+                      <a:solidFill>
+                        <a:schemeClr val="bg1"/>
+                      </a:solidFill>
+                      <a:prstDash val="solid"/>
+                      <a:round/>
+                      <a:headEnd type="none" w="med" len="med"/>
+                      <a:tailEnd type="none" w="med" len="med"/>
+                    </a:lnT>
+                    <a:lnB w="12700" cap="flat" cmpd="sng" algn="ctr">
+                      <a:solidFill>
+                        <a:schemeClr val="bg1"/>
+                      </a:solidFill>
+                      <a:prstDash val="solid"/>
+                      <a:round/>
+                      <a:headEnd type="none" w="med" len="med"/>
+                      <a:tailEnd type="none" w="med" len="med"/>
+                    </a:lnB>
+                    <a:lnTlToBr w="12700" cmpd="sng">
+                      <a:noFill/>
+                      <a:prstDash val="solid"/>
+                    </a:lnTlToBr>
+                    <a:lnBlToTr w="12700" cmpd="sng">
+                      <a:noFill/>
+                      <a:prstDash val="solid"/>
+                    </a:lnBlToTr>
+                  </a:tcPr>
+                </a:tc>
+              </a:tr>
+              <a:tr h="187200">
+                <a:tc>
+                  <a:txBody>
+                    <a:bodyPr/>
+                    <a:lstStyle/>
+                    <a:p>
+                      <a:r>
+                        <a:rPr lang="en-US" sz="1200" dirty="0" err="1"/>
+                        <a:t>IEnumerable</a:t>
+                      </a:r>
+                      <a:r>
+                        <a:rPr lang="en-US" sz="1200" dirty="0"/>
+                        <a:t>&lt;T&gt;</a:t>
+                      </a:r>
+                    </a:p>
+                  </a:txBody>
+                  <a:tcPr marL="45720" marR="45720" anchor="ctr">
+                    <a:lnL w="12700" cap="flat" cmpd="sng" algn="ctr">
+                      <a:solidFill>
+                        <a:schemeClr val="bg1"/>
+                      </a:solidFill>
+                      <a:prstDash val="solid"/>
+                      <a:round/>
+                      <a:headEnd type="none" w="med" len="med"/>
+                      <a:tailEnd type="none" w="med" len="med"/>
+                    </a:lnL>
+                    <a:lnR w="12700" cap="flat" cmpd="sng" algn="ctr">
+                      <a:solidFill>
+                        <a:schemeClr val="bg1"/>
+                      </a:solidFill>
+                      <a:prstDash val="solid"/>
+                      <a:round/>
+                      <a:headEnd type="none" w="med" len="med"/>
+                      <a:tailEnd type="none" w="med" len="med"/>
+                    </a:lnR>
+                    <a:lnT w="12700" cap="flat" cmpd="sng" algn="ctr">
+                      <a:solidFill>
+                        <a:schemeClr val="bg1"/>
+                      </a:solidFill>
+                      <a:prstDash val="solid"/>
+                      <a:round/>
+                      <a:headEnd type="none" w="med" len="med"/>
+                      <a:tailEnd type="none" w="med" len="med"/>
+                    </a:lnT>
+                    <a:lnB w="12700" cap="flat" cmpd="sng" algn="ctr">
+                      <a:solidFill>
+                        <a:schemeClr val="bg1"/>
+                      </a:solidFill>
+                      <a:prstDash val="solid"/>
+                      <a:round/>
+                      <a:headEnd type="none" w="med" len="med"/>
+                      <a:tailEnd type="none" w="med" len="med"/>
+                    </a:lnB>
+                    <a:lnTlToBr w="12700" cmpd="sng">
+                      <a:noFill/>
+                      <a:prstDash val="solid"/>
+                    </a:lnTlToBr>
+                    <a:lnBlToTr w="12700" cmpd="sng">
+                      <a:noFill/>
+                      <a:prstDash val="solid"/>
+                    </a:lnBlToTr>
+                  </a:tcPr>
+                </a:tc>
+                <a:tc>
+                  <a:txBody>
+                    <a:bodyPr/>
+                    <a:lstStyle/>
+                    <a:p>
+                      <a:pPr algn="ctr"/>
+                      <a:r>
+                        <a:rPr lang="ru-RU" sz="1200" dirty="0" smtClean="0"/>
+                        <a:t>Да</a:t>
+                      </a:r>
+                      <a:endParaRPr lang="en-US" sz="1200" dirty="0"/>
+                    </a:p>
+                  </a:txBody>
+                  <a:tcPr marL="45720" marR="45720" anchor="ctr">
+                    <a:lnL w="12700" cap="flat" cmpd="sng" algn="ctr">
+                      <a:solidFill>
+                        <a:schemeClr val="bg1"/>
+                      </a:solidFill>
+                      <a:prstDash val="solid"/>
+                      <a:round/>
+                      <a:headEnd type="none" w="med" len="med"/>
+                      <a:tailEnd type="none" w="med" len="med"/>
+                    </a:lnL>
+                    <a:lnR w="12700" cap="flat" cmpd="sng" algn="ctr">
+                      <a:solidFill>
+                        <a:schemeClr val="bg1"/>
+                      </a:solidFill>
+                      <a:prstDash val="solid"/>
+                      <a:round/>
+                      <a:headEnd type="none" w="med" len="med"/>
+                      <a:tailEnd type="none" w="med" len="med"/>
+                    </a:lnR>
+                    <a:lnT w="12700" cap="flat" cmpd="sng" algn="ctr">
+                      <a:solidFill>
+                        <a:schemeClr val="bg1"/>
+                      </a:solidFill>
+                      <a:prstDash val="solid"/>
+                      <a:round/>
+                      <a:headEnd type="none" w="med" len="med"/>
+                      <a:tailEnd type="none" w="med" len="med"/>
+                    </a:lnT>
+                    <a:lnB w="12700" cap="flat" cmpd="sng" algn="ctr">
+                      <a:solidFill>
+                        <a:schemeClr val="bg1"/>
+                      </a:solidFill>
+                      <a:prstDash val="solid"/>
+                      <a:round/>
+                      <a:headEnd type="none" w="med" len="med"/>
+                      <a:tailEnd type="none" w="med" len="med"/>
+                    </a:lnB>
+                    <a:lnTlToBr w="12700" cmpd="sng">
+                      <a:noFill/>
+                      <a:prstDash val="solid"/>
+                    </a:lnTlToBr>
+                    <a:lnBlToTr w="12700" cmpd="sng">
+                      <a:noFill/>
+                      <a:prstDash val="solid"/>
+                    </a:lnBlToTr>
+                  </a:tcPr>
+                </a:tc>
+                <a:tc>
+                  <a:txBody>
+                    <a:bodyPr/>
+                    <a:lstStyle/>
+                    <a:p>
+                      <a:pPr algn="ctr"/>
+                      <a:endParaRPr lang="en-US" sz="1200" dirty="0"/>
+                    </a:p>
+                  </a:txBody>
+                  <a:tcPr marL="45720" marR="45720" anchor="ctr">
+                    <a:lnL w="12700" cap="flat" cmpd="sng" algn="ctr">
+                      <a:solidFill>
+                        <a:schemeClr val="bg1"/>
+                      </a:solidFill>
+                      <a:prstDash val="solid"/>
+                      <a:round/>
+                      <a:headEnd type="none" w="med" len="med"/>
+                      <a:tailEnd type="none" w="med" len="med"/>
+                    </a:lnL>
+                    <a:lnR w="12700" cap="flat" cmpd="sng" algn="ctr">
+                      <a:solidFill>
+                        <a:schemeClr val="bg1"/>
+                      </a:solidFill>
+                      <a:prstDash val="solid"/>
+                      <a:round/>
+                      <a:headEnd type="none" w="med" len="med"/>
+                      <a:tailEnd type="none" w="med" len="med"/>
+                    </a:lnR>
+                    <a:lnT w="12700" cap="flat" cmpd="sng" algn="ctr">
+                      <a:solidFill>
+                        <a:schemeClr val="bg1"/>
+                      </a:solidFill>
+                      <a:prstDash val="solid"/>
+                      <a:round/>
+                      <a:headEnd type="none" w="med" len="med"/>
+                      <a:tailEnd type="none" w="med" len="med"/>
+                    </a:lnT>
+                    <a:lnB w="12700" cap="flat" cmpd="sng" algn="ctr">
+                      <a:solidFill>
+                        <a:schemeClr val="bg1"/>
+                      </a:solidFill>
+                      <a:prstDash val="solid"/>
+                      <a:round/>
+                      <a:headEnd type="none" w="med" len="med"/>
+                      <a:tailEnd type="none" w="med" len="med"/>
+                    </a:lnB>
+                    <a:lnTlToBr w="12700" cmpd="sng">
+                      <a:noFill/>
+                      <a:prstDash val="solid"/>
+                    </a:lnTlToBr>
+                    <a:lnBlToTr w="12700" cmpd="sng">
+                      <a:noFill/>
+                      <a:prstDash val="solid"/>
+                    </a:lnBlToTr>
+                  </a:tcPr>
+                </a:tc>
+              </a:tr>
+              <a:tr h="187200">
+                <a:tc>
+                  <a:txBody>
+                    <a:bodyPr/>
+                    <a:lstStyle/>
+                    <a:p>
+                      <a:r>
+                        <a:rPr lang="en-US" sz="1200" dirty="0" err="1"/>
+                        <a:t>IEnumerator</a:t>
+                      </a:r>
+                      <a:r>
+                        <a:rPr lang="en-US" sz="1200" dirty="0"/>
+                        <a:t>&lt;T&gt;</a:t>
+                      </a:r>
+                    </a:p>
+                  </a:txBody>
+                  <a:tcPr marL="45720" marR="45720" anchor="ctr">
+                    <a:lnL w="12700" cap="flat" cmpd="sng" algn="ctr">
+                      <a:solidFill>
+                        <a:schemeClr val="bg1"/>
+                      </a:solidFill>
+                      <a:prstDash val="solid"/>
+                      <a:round/>
+                      <a:headEnd type="none" w="med" len="med"/>
+                      <a:tailEnd type="none" w="med" len="med"/>
+                    </a:lnL>
+                    <a:lnR w="12700" cap="flat" cmpd="sng" algn="ctr">
+                      <a:solidFill>
+                        <a:schemeClr val="bg1"/>
+                      </a:solidFill>
+                      <a:prstDash val="solid"/>
+                      <a:round/>
+                      <a:headEnd type="none" w="med" len="med"/>
+                      <a:tailEnd type="none" w="med" len="med"/>
+                    </a:lnR>
+                    <a:lnT w="12700" cap="flat" cmpd="sng" algn="ctr">
+                      <a:solidFill>
+                        <a:schemeClr val="bg1"/>
+                      </a:solidFill>
+                      <a:prstDash val="solid"/>
+                      <a:round/>
+                      <a:headEnd type="none" w="med" len="med"/>
+                      <a:tailEnd type="none" w="med" len="med"/>
+                    </a:lnT>
+                    <a:lnB w="12700" cap="flat" cmpd="sng" algn="ctr">
+                      <a:solidFill>
+                        <a:schemeClr val="bg1"/>
+                      </a:solidFill>
+                      <a:prstDash val="solid"/>
+                      <a:round/>
+                      <a:headEnd type="none" w="med" len="med"/>
+                      <a:tailEnd type="none" w="med" len="med"/>
+                    </a:lnB>
+                    <a:lnTlToBr w="12700" cmpd="sng">
+                      <a:noFill/>
+                      <a:prstDash val="solid"/>
+                    </a:lnTlToBr>
+                    <a:lnBlToTr w="12700" cmpd="sng">
+                      <a:noFill/>
+                      <a:prstDash val="solid"/>
+                    </a:lnBlToTr>
+                  </a:tcPr>
+                </a:tc>
+                <a:tc>
+                  <a:txBody>
+                    <a:bodyPr/>
+                    <a:lstStyle/>
+                    <a:p>
+                      <a:pPr algn="ctr"/>
+                      <a:r>
+                        <a:rPr lang="ru-RU" sz="1200" dirty="0" smtClean="0"/>
+                        <a:t>Да</a:t>
+                      </a:r>
+                      <a:endParaRPr lang="en-US" sz="1200" dirty="0"/>
+                    </a:p>
+                  </a:txBody>
+                  <a:tcPr marL="45720" marR="45720" anchor="ctr">
+                    <a:lnL w="12700" cap="flat" cmpd="sng" algn="ctr">
+                      <a:solidFill>
+                        <a:schemeClr val="bg1"/>
+                      </a:solidFill>
+                      <a:prstDash val="solid"/>
+                      <a:round/>
+                      <a:headEnd type="none" w="med" len="med"/>
+                      <a:tailEnd type="none" w="med" len="med"/>
+                    </a:lnL>
+                    <a:lnR w="12700" cap="flat" cmpd="sng" algn="ctr">
+                      <a:solidFill>
+                        <a:schemeClr val="bg1"/>
+                      </a:solidFill>
+                      <a:prstDash val="solid"/>
+                      <a:round/>
+                      <a:headEnd type="none" w="med" len="med"/>
+                      <a:tailEnd type="none" w="med" len="med"/>
+                    </a:lnR>
+                    <a:lnT w="12700" cap="flat" cmpd="sng" algn="ctr">
+                      <a:solidFill>
+                        <a:schemeClr val="bg1"/>
+                      </a:solidFill>
+                      <a:prstDash val="solid"/>
+                      <a:round/>
+                      <a:headEnd type="none" w="med" len="med"/>
+                      <a:tailEnd type="none" w="med" len="med"/>
+                    </a:lnT>
+                    <a:lnB w="12700" cap="flat" cmpd="sng" algn="ctr">
+                      <a:solidFill>
+                        <a:schemeClr val="bg1"/>
+                      </a:solidFill>
+                      <a:prstDash val="solid"/>
+                      <a:round/>
+                      <a:headEnd type="none" w="med" len="med"/>
+                      <a:tailEnd type="none" w="med" len="med"/>
+                    </a:lnB>
+                    <a:lnTlToBr w="12700" cmpd="sng">
+                      <a:noFill/>
+                      <a:prstDash val="solid"/>
+                    </a:lnTlToBr>
+                    <a:lnBlToTr w="12700" cmpd="sng">
+                      <a:noFill/>
+                      <a:prstDash val="solid"/>
+                    </a:lnBlToTr>
+                  </a:tcPr>
+                </a:tc>
+                <a:tc>
+                  <a:txBody>
+                    <a:bodyPr/>
+                    <a:lstStyle/>
+                    <a:p>
+                      <a:pPr algn="ctr"/>
+                      <a:endParaRPr lang="en-US" sz="1200" dirty="0"/>
+                    </a:p>
+                  </a:txBody>
+                  <a:tcPr marL="45720" marR="45720" anchor="ctr">
+                    <a:lnL w="12700" cap="flat" cmpd="sng" algn="ctr">
+                      <a:solidFill>
+                        <a:schemeClr val="bg1"/>
+                      </a:solidFill>
+                      <a:prstDash val="solid"/>
+                      <a:round/>
+                      <a:headEnd type="none" w="med" len="med"/>
+                      <a:tailEnd type="none" w="med" len="med"/>
+                    </a:lnL>
+                    <a:lnR w="12700" cap="flat" cmpd="sng" algn="ctr">
+                      <a:solidFill>
+                        <a:schemeClr val="bg1"/>
+                      </a:solidFill>
+                      <a:prstDash val="solid"/>
+                      <a:round/>
+                      <a:headEnd type="none" w="med" len="med"/>
+                      <a:tailEnd type="none" w="med" len="med"/>
+                    </a:lnR>
+                    <a:lnT w="12700" cap="flat" cmpd="sng" algn="ctr">
+                      <a:solidFill>
+                        <a:schemeClr val="bg1"/>
+                      </a:solidFill>
+                      <a:prstDash val="solid"/>
+                      <a:round/>
+                      <a:headEnd type="none" w="med" len="med"/>
+                      <a:tailEnd type="none" w="med" len="med"/>
+                    </a:lnT>
+                    <a:lnB w="12700" cap="flat" cmpd="sng" algn="ctr">
+                      <a:solidFill>
+                        <a:schemeClr val="bg1"/>
+                      </a:solidFill>
+                      <a:prstDash val="solid"/>
+                      <a:round/>
+                      <a:headEnd type="none" w="med" len="med"/>
+                      <a:tailEnd type="none" w="med" len="med"/>
+                    </a:lnB>
+                    <a:lnTlToBr w="12700" cmpd="sng">
+                      <a:noFill/>
+                      <a:prstDash val="solid"/>
+                    </a:lnTlToBr>
+                    <a:lnBlToTr w="12700" cmpd="sng">
+                      <a:noFill/>
+                      <a:prstDash val="solid"/>
+                    </a:lnBlToTr>
+                  </a:tcPr>
+                </a:tc>
+              </a:tr>
+              <a:tr h="187200">
+                <a:tc>
+                  <a:txBody>
+                    <a:bodyPr/>
+                    <a:lstStyle/>
+                    <a:p>
+                      <a:r>
+                        <a:rPr lang="en-US" sz="1200" dirty="0" err="1"/>
+                        <a:t>IEqualityComparer</a:t>
+                      </a:r>
+                      <a:r>
+                        <a:rPr lang="en-US" sz="1200" dirty="0"/>
+                        <a:t>&lt;T&gt;</a:t>
+                      </a:r>
+                    </a:p>
+                  </a:txBody>
+                  <a:tcPr marL="45720" marR="45720" anchor="ctr">
+                    <a:lnL w="12700" cap="flat" cmpd="sng" algn="ctr">
+                      <a:solidFill>
+                        <a:schemeClr val="bg1"/>
+                      </a:solidFill>
+                      <a:prstDash val="solid"/>
+                      <a:round/>
+                      <a:headEnd type="none" w="med" len="med"/>
+                      <a:tailEnd type="none" w="med" len="med"/>
+                    </a:lnL>
+                    <a:lnR w="12700" cap="flat" cmpd="sng" algn="ctr">
+                      <a:solidFill>
+                        <a:schemeClr val="bg1"/>
+                      </a:solidFill>
+                      <a:prstDash val="solid"/>
+                      <a:round/>
+                      <a:headEnd type="none" w="med" len="med"/>
+                      <a:tailEnd type="none" w="med" len="med"/>
+                    </a:lnR>
+                    <a:lnT w="12700" cap="flat" cmpd="sng" algn="ctr">
+                      <a:solidFill>
+                        <a:schemeClr val="bg1"/>
+                      </a:solidFill>
+                      <a:prstDash val="solid"/>
+                      <a:round/>
+                      <a:headEnd type="none" w="med" len="med"/>
+                      <a:tailEnd type="none" w="med" len="med"/>
+                    </a:lnT>
+                    <a:lnB w="12700" cap="flat" cmpd="sng" algn="ctr">
+                      <a:solidFill>
+                        <a:schemeClr val="bg1"/>
+                      </a:solidFill>
+                      <a:prstDash val="solid"/>
+                      <a:round/>
+                      <a:headEnd type="none" w="med" len="med"/>
+                      <a:tailEnd type="none" w="med" len="med"/>
+                    </a:lnB>
+                    <a:lnTlToBr w="12700" cmpd="sng">
+                      <a:noFill/>
+                      <a:prstDash val="solid"/>
+                    </a:lnTlToBr>
+                    <a:lnBlToTr w="12700" cmpd="sng">
+                      <a:noFill/>
+                      <a:prstDash val="solid"/>
+                    </a:lnBlToTr>
+                  </a:tcPr>
+                </a:tc>
+                <a:tc>
+                  <a:txBody>
+                    <a:bodyPr/>
+                    <a:lstStyle/>
+                    <a:p>
+                      <a:pPr algn="ctr"/>
+                      <a:endParaRPr lang="en-US" sz="1200" dirty="0"/>
+                    </a:p>
+                  </a:txBody>
+                  <a:tcPr marL="45720" marR="45720" anchor="ctr">
+                    <a:lnL w="12700" cap="flat" cmpd="sng" algn="ctr">
+                      <a:solidFill>
+                        <a:schemeClr val="bg1"/>
+                      </a:solidFill>
+                      <a:prstDash val="solid"/>
+                      <a:round/>
+                      <a:headEnd type="none" w="med" len="med"/>
+                      <a:tailEnd type="none" w="med" len="med"/>
+                    </a:lnL>
+                    <a:lnR w="12700" cap="flat" cmpd="sng" algn="ctr">
+                      <a:solidFill>
+                        <a:schemeClr val="bg1"/>
+                      </a:solidFill>
+                      <a:prstDash val="solid"/>
+                      <a:round/>
+                      <a:headEnd type="none" w="med" len="med"/>
+                      <a:tailEnd type="none" w="med" len="med"/>
+                    </a:lnR>
+                    <a:lnT w="12700" cap="flat" cmpd="sng" algn="ctr">
+                      <a:solidFill>
+                        <a:schemeClr val="bg1"/>
+                      </a:solidFill>
+                      <a:prstDash val="solid"/>
+                      <a:round/>
+                      <a:headEnd type="none" w="med" len="med"/>
+                      <a:tailEnd type="none" w="med" len="med"/>
+                    </a:lnT>
+                    <a:lnB w="12700" cap="flat" cmpd="sng" algn="ctr">
+                      <a:solidFill>
+                        <a:schemeClr val="bg1"/>
+                      </a:solidFill>
+                      <a:prstDash val="solid"/>
+                      <a:round/>
+                      <a:headEnd type="none" w="med" len="med"/>
+                      <a:tailEnd type="none" w="med" len="med"/>
+                    </a:lnB>
+                    <a:lnTlToBr w="12700" cmpd="sng">
+                      <a:noFill/>
+                      <a:prstDash val="solid"/>
+                    </a:lnTlToBr>
+                    <a:lnBlToTr w="12700" cmpd="sng">
+                      <a:noFill/>
+                      <a:prstDash val="solid"/>
+                    </a:lnBlToTr>
+                  </a:tcPr>
+                </a:tc>
+                <a:tc>
+                  <a:txBody>
+                    <a:bodyPr/>
+                    <a:lstStyle/>
+                    <a:p>
+                      <a:pPr algn="ctr"/>
+                      <a:r>
+                        <a:rPr lang="ru-RU" sz="1200" dirty="0" smtClean="0"/>
+                        <a:t>Да</a:t>
+                      </a:r>
+                      <a:endParaRPr lang="en-US" sz="1200" dirty="0"/>
+                    </a:p>
+                  </a:txBody>
+                  <a:tcPr marL="45720" marR="45720" anchor="ctr">
+                    <a:lnL w="12700" cap="flat" cmpd="sng" algn="ctr">
+                      <a:solidFill>
+                        <a:schemeClr val="bg1"/>
+                      </a:solidFill>
+                      <a:prstDash val="solid"/>
+                      <a:round/>
+                      <a:headEnd type="none" w="med" len="med"/>
+                      <a:tailEnd type="none" w="med" len="med"/>
+                    </a:lnL>
+                    <a:lnR w="12700" cap="flat" cmpd="sng" algn="ctr">
+                      <a:solidFill>
+                        <a:schemeClr val="bg1"/>
+                      </a:solidFill>
+                      <a:prstDash val="solid"/>
+                      <a:round/>
+                      <a:headEnd type="none" w="med" len="med"/>
+                      <a:tailEnd type="none" w="med" len="med"/>
+                    </a:lnR>
+                    <a:lnT w="12700" cap="flat" cmpd="sng" algn="ctr">
+                      <a:solidFill>
+                        <a:schemeClr val="bg1"/>
+                      </a:solidFill>
+                      <a:prstDash val="solid"/>
+                      <a:round/>
+                      <a:headEnd type="none" w="med" len="med"/>
+                      <a:tailEnd type="none" w="med" len="med"/>
+                    </a:lnT>
+                    <a:lnB w="12700" cap="flat" cmpd="sng" algn="ctr">
+                      <a:solidFill>
+                        <a:schemeClr val="bg1"/>
+                      </a:solidFill>
+                      <a:prstDash val="solid"/>
+                      <a:round/>
+                      <a:headEnd type="none" w="med" len="med"/>
+                      <a:tailEnd type="none" w="med" len="med"/>
+                    </a:lnB>
+                    <a:lnTlToBr w="12700" cmpd="sng">
+                      <a:noFill/>
+                      <a:prstDash val="solid"/>
+                    </a:lnTlToBr>
+                    <a:lnBlToTr w="12700" cmpd="sng">
+                      <a:noFill/>
+                      <a:prstDash val="solid"/>
+                    </a:lnBlToTr>
+                  </a:tcPr>
+                </a:tc>
+              </a:tr>
+              <a:tr h="187200">
+                <a:tc>
+                  <a:txBody>
+                    <a:bodyPr/>
+                    <a:lstStyle/>
+                    <a:p>
+                      <a:r>
+                        <a:rPr lang="en-US" sz="1200" dirty="0" err="1"/>
+                        <a:t>IGrouping</a:t>
+                      </a:r>
+                      <a:r>
+                        <a:rPr lang="en-US" sz="1200" dirty="0"/>
+                        <a:t>&lt;</a:t>
+                      </a:r>
+                      <a:r>
+                        <a:rPr lang="en-US" sz="1200" dirty="0" err="1"/>
+                        <a:t>TKey</a:t>
+                      </a:r>
+                      <a:r>
+                        <a:rPr lang="en-US" sz="1200" dirty="0"/>
+                        <a:t>, </a:t>
+                      </a:r>
+                      <a:r>
+                        <a:rPr lang="en-US" sz="1200" dirty="0" err="1"/>
+                        <a:t>TElement</a:t>
+                      </a:r>
+                      <a:r>
+                        <a:rPr lang="en-US" sz="1200" dirty="0"/>
+                        <a:t>&gt;</a:t>
+                      </a:r>
+                    </a:p>
+                  </a:txBody>
+                  <a:tcPr marL="45720" marR="45720" anchor="ctr">
+                    <a:lnL w="12700" cap="flat" cmpd="sng" algn="ctr">
+                      <a:solidFill>
+                        <a:schemeClr val="bg1"/>
+                      </a:solidFill>
+                      <a:prstDash val="solid"/>
+                      <a:round/>
+                      <a:headEnd type="none" w="med" len="med"/>
+                      <a:tailEnd type="none" w="med" len="med"/>
+                    </a:lnL>
+                    <a:lnR w="12700" cap="flat" cmpd="sng" algn="ctr">
+                      <a:solidFill>
+                        <a:schemeClr val="bg1"/>
+                      </a:solidFill>
+                      <a:prstDash val="solid"/>
+                      <a:round/>
+                      <a:headEnd type="none" w="med" len="med"/>
+                      <a:tailEnd type="none" w="med" len="med"/>
+                    </a:lnR>
+                    <a:lnT w="12700" cap="flat" cmpd="sng" algn="ctr">
+                      <a:solidFill>
+                        <a:schemeClr val="bg1"/>
+                      </a:solidFill>
+                      <a:prstDash val="solid"/>
+                      <a:round/>
+                      <a:headEnd type="none" w="med" len="med"/>
+                      <a:tailEnd type="none" w="med" len="med"/>
+                    </a:lnT>
+                    <a:lnB w="12700" cap="flat" cmpd="sng" algn="ctr">
+                      <a:solidFill>
+                        <a:schemeClr val="bg1"/>
+                      </a:solidFill>
+                      <a:prstDash val="solid"/>
+                      <a:round/>
+                      <a:headEnd type="none" w="med" len="med"/>
+                      <a:tailEnd type="none" w="med" len="med"/>
+                    </a:lnB>
+                    <a:lnTlToBr w="12700" cmpd="sng">
+                      <a:noFill/>
+                      <a:prstDash val="solid"/>
+                    </a:lnTlToBr>
+                    <a:lnBlToTr w="12700" cmpd="sng">
+                      <a:noFill/>
+                      <a:prstDash val="solid"/>
+                    </a:lnBlToTr>
+                  </a:tcPr>
+                </a:tc>
+                <a:tc>
+                  <a:txBody>
+                    <a:bodyPr/>
+                    <a:lstStyle/>
+                    <a:p>
+                      <a:pPr algn="ctr"/>
+                      <a:r>
+                        <a:rPr lang="ru-RU" sz="1200" dirty="0" smtClean="0"/>
+                        <a:t>Да</a:t>
+                      </a:r>
+                      <a:endParaRPr lang="en-US" sz="1200" dirty="0"/>
+                    </a:p>
+                  </a:txBody>
+                  <a:tcPr marL="45720" marR="45720" anchor="ctr">
+                    <a:lnL w="12700" cap="flat" cmpd="sng" algn="ctr">
+                      <a:solidFill>
+                        <a:schemeClr val="bg1"/>
+                      </a:solidFill>
+                      <a:prstDash val="solid"/>
+                      <a:round/>
+                      <a:headEnd type="none" w="med" len="med"/>
+                      <a:tailEnd type="none" w="med" len="med"/>
+                    </a:lnL>
+                    <a:lnR w="12700" cap="flat" cmpd="sng" algn="ctr">
+                      <a:solidFill>
+                        <a:schemeClr val="bg1"/>
+                      </a:solidFill>
+                      <a:prstDash val="solid"/>
+                      <a:round/>
+                      <a:headEnd type="none" w="med" len="med"/>
+                      <a:tailEnd type="none" w="med" len="med"/>
+                    </a:lnR>
+                    <a:lnT w="12700" cap="flat" cmpd="sng" algn="ctr">
+                      <a:solidFill>
+                        <a:schemeClr val="bg1"/>
+                      </a:solidFill>
+                      <a:prstDash val="solid"/>
+                      <a:round/>
+                      <a:headEnd type="none" w="med" len="med"/>
+                      <a:tailEnd type="none" w="med" len="med"/>
+                    </a:lnT>
+                    <a:lnB w="12700" cap="flat" cmpd="sng" algn="ctr">
+                      <a:solidFill>
+                        <a:schemeClr val="bg1"/>
+                      </a:solidFill>
+                      <a:prstDash val="solid"/>
+                      <a:round/>
+                      <a:headEnd type="none" w="med" len="med"/>
+                      <a:tailEnd type="none" w="med" len="med"/>
+                    </a:lnB>
+                    <a:lnTlToBr w="12700" cmpd="sng">
+                      <a:noFill/>
+                      <a:prstDash val="solid"/>
+                    </a:lnTlToBr>
+                    <a:lnBlToTr w="12700" cmpd="sng">
+                      <a:noFill/>
+                      <a:prstDash val="solid"/>
+                    </a:lnBlToTr>
+                  </a:tcPr>
+                </a:tc>
+                <a:tc>
+                  <a:txBody>
+                    <a:bodyPr/>
+                    <a:lstStyle/>
+                    <a:p>
+                      <a:pPr algn="ctr"/>
+                      <a:endParaRPr lang="en-US" sz="1200" dirty="0"/>
+                    </a:p>
+                  </a:txBody>
+                  <a:tcPr marL="45720" marR="45720" anchor="ctr">
+                    <a:lnL w="12700" cap="flat" cmpd="sng" algn="ctr">
+                      <a:solidFill>
+                        <a:schemeClr val="bg1"/>
+                      </a:solidFill>
+                      <a:prstDash val="solid"/>
+                      <a:round/>
+                      <a:headEnd type="none" w="med" len="med"/>
+                      <a:tailEnd type="none" w="med" len="med"/>
+                    </a:lnL>
+                    <a:lnR w="12700" cap="flat" cmpd="sng" algn="ctr">
+                      <a:solidFill>
+                        <a:schemeClr val="bg1"/>
+                      </a:solidFill>
+                      <a:prstDash val="solid"/>
+                      <a:round/>
+                      <a:headEnd type="none" w="med" len="med"/>
+                      <a:tailEnd type="none" w="med" len="med"/>
+                    </a:lnR>
+                    <a:lnT w="12700" cap="flat" cmpd="sng" algn="ctr">
+                      <a:solidFill>
+                        <a:schemeClr val="bg1"/>
+                      </a:solidFill>
+                      <a:prstDash val="solid"/>
+                      <a:round/>
+                      <a:headEnd type="none" w="med" len="med"/>
+                      <a:tailEnd type="none" w="med" len="med"/>
+                    </a:lnT>
+                    <a:lnB w="12700" cap="flat" cmpd="sng" algn="ctr">
+                      <a:solidFill>
+                        <a:schemeClr val="bg1"/>
+                      </a:solidFill>
+                      <a:prstDash val="solid"/>
+                      <a:round/>
+                      <a:headEnd type="none" w="med" len="med"/>
+                      <a:tailEnd type="none" w="med" len="med"/>
+                    </a:lnB>
+                    <a:lnTlToBr w="12700" cmpd="sng">
+                      <a:noFill/>
+                      <a:prstDash val="solid"/>
+                    </a:lnTlToBr>
+                    <a:lnBlToTr w="12700" cmpd="sng">
+                      <a:noFill/>
+                      <a:prstDash val="solid"/>
+                    </a:lnBlToTr>
+                  </a:tcPr>
+                </a:tc>
+              </a:tr>
+              <a:tr h="187200">
+                <a:tc>
+                  <a:txBody>
+                    <a:bodyPr/>
+                    <a:lstStyle/>
+                    <a:p>
+                      <a:r>
+                        <a:rPr lang="en-US" sz="1200" dirty="0" err="1"/>
+                        <a:t>IOrderedEnumerable</a:t>
+                      </a:r>
+                      <a:r>
+                        <a:rPr lang="en-US" sz="1200" dirty="0"/>
+                        <a:t>&lt;</a:t>
+                      </a:r>
+                      <a:r>
+                        <a:rPr lang="en-US" sz="1200" dirty="0" err="1"/>
+                        <a:t>TElement</a:t>
+                      </a:r>
+                      <a:r>
+                        <a:rPr lang="en-US" sz="1200" dirty="0"/>
+                        <a:t>&gt;</a:t>
+                      </a:r>
+                    </a:p>
+                  </a:txBody>
+                  <a:tcPr marL="45720" marR="45720" anchor="ctr">
+                    <a:lnL w="12700" cap="flat" cmpd="sng" algn="ctr">
+                      <a:solidFill>
+                        <a:schemeClr val="bg1"/>
+                      </a:solidFill>
+                      <a:prstDash val="solid"/>
+                      <a:round/>
+                      <a:headEnd type="none" w="med" len="med"/>
+                      <a:tailEnd type="none" w="med" len="med"/>
+                    </a:lnL>
+                    <a:lnR w="12700" cap="flat" cmpd="sng" algn="ctr">
+                      <a:solidFill>
+                        <a:schemeClr val="bg1"/>
+                      </a:solidFill>
+                      <a:prstDash val="solid"/>
+                      <a:round/>
+                      <a:headEnd type="none" w="med" len="med"/>
+                      <a:tailEnd type="none" w="med" len="med"/>
+                    </a:lnR>
+                    <a:lnT w="12700" cap="flat" cmpd="sng" algn="ctr">
+                      <a:solidFill>
+                        <a:schemeClr val="bg1"/>
+                      </a:solidFill>
+                      <a:prstDash val="solid"/>
+                      <a:round/>
+                      <a:headEnd type="none" w="med" len="med"/>
+                      <a:tailEnd type="none" w="med" len="med"/>
+                    </a:lnT>
+                    <a:lnB w="12700" cap="flat" cmpd="sng" algn="ctr">
+                      <a:solidFill>
+                        <a:schemeClr val="bg1"/>
+                      </a:solidFill>
+                      <a:prstDash val="solid"/>
+                      <a:round/>
+                      <a:headEnd type="none" w="med" len="med"/>
+                      <a:tailEnd type="none" w="med" len="med"/>
+                    </a:lnB>
+                    <a:lnTlToBr w="12700" cmpd="sng">
+                      <a:noFill/>
+                      <a:prstDash val="solid"/>
+                    </a:lnTlToBr>
+                    <a:lnBlToTr w="12700" cmpd="sng">
+                      <a:noFill/>
+                      <a:prstDash val="solid"/>
+                    </a:lnBlToTr>
+                  </a:tcPr>
+                </a:tc>
+                <a:tc>
+                  <a:txBody>
+                    <a:bodyPr/>
+                    <a:lstStyle/>
+                    <a:p>
+                      <a:pPr algn="ctr"/>
+                      <a:r>
+                        <a:rPr lang="ru-RU" sz="1200" dirty="0" smtClean="0"/>
+                        <a:t>Да</a:t>
+                      </a:r>
+                      <a:endParaRPr lang="en-US" sz="1200" dirty="0"/>
+                    </a:p>
+                  </a:txBody>
+                  <a:tcPr marL="45720" marR="45720" anchor="ctr">
+                    <a:lnL w="12700" cap="flat" cmpd="sng" algn="ctr">
+                      <a:solidFill>
+                        <a:schemeClr val="bg1"/>
+                      </a:solidFill>
+                      <a:prstDash val="solid"/>
+                      <a:round/>
+                      <a:headEnd type="none" w="med" len="med"/>
+                      <a:tailEnd type="none" w="med" len="med"/>
+                    </a:lnL>
+                    <a:lnR w="12700" cap="flat" cmpd="sng" algn="ctr">
+                      <a:solidFill>
+                        <a:schemeClr val="bg1"/>
+                      </a:solidFill>
+                      <a:prstDash val="solid"/>
+                      <a:round/>
+                      <a:headEnd type="none" w="med" len="med"/>
+                      <a:tailEnd type="none" w="med" len="med"/>
+                    </a:lnR>
+                    <a:lnT w="12700" cap="flat" cmpd="sng" algn="ctr">
+                      <a:solidFill>
+                        <a:schemeClr val="bg1"/>
+                      </a:solidFill>
+                      <a:prstDash val="solid"/>
+                      <a:round/>
+                      <a:headEnd type="none" w="med" len="med"/>
+                      <a:tailEnd type="none" w="med" len="med"/>
+                    </a:lnT>
+                    <a:lnB w="12700" cap="flat" cmpd="sng" algn="ctr">
+                      <a:solidFill>
+                        <a:schemeClr val="bg1"/>
+                      </a:solidFill>
+                      <a:prstDash val="solid"/>
+                      <a:round/>
+                      <a:headEnd type="none" w="med" len="med"/>
+                      <a:tailEnd type="none" w="med" len="med"/>
+                    </a:lnB>
+                    <a:lnTlToBr w="12700" cmpd="sng">
+                      <a:noFill/>
+                      <a:prstDash val="solid"/>
+                    </a:lnTlToBr>
+                    <a:lnBlToTr w="12700" cmpd="sng">
+                      <a:noFill/>
+                      <a:prstDash val="solid"/>
+                    </a:lnBlToTr>
+                  </a:tcPr>
+                </a:tc>
+                <a:tc>
+                  <a:txBody>
+                    <a:bodyPr/>
+                    <a:lstStyle/>
+                    <a:p>
+                      <a:pPr algn="ctr"/>
+                      <a:endParaRPr lang="en-US" sz="1200" dirty="0"/>
+                    </a:p>
+                  </a:txBody>
+                  <a:tcPr marL="45720" marR="45720" anchor="ctr">
+                    <a:lnL w="12700" cap="flat" cmpd="sng" algn="ctr">
+                      <a:solidFill>
+                        <a:schemeClr val="bg1"/>
+                      </a:solidFill>
+                      <a:prstDash val="solid"/>
+                      <a:round/>
+                      <a:headEnd type="none" w="med" len="med"/>
+                      <a:tailEnd type="none" w="med" len="med"/>
+                    </a:lnL>
+                    <a:lnR w="12700" cap="flat" cmpd="sng" algn="ctr">
+                      <a:solidFill>
+                        <a:schemeClr val="bg1"/>
+                      </a:solidFill>
+                      <a:prstDash val="solid"/>
+                      <a:round/>
+                      <a:headEnd type="none" w="med" len="med"/>
+                      <a:tailEnd type="none" w="med" len="med"/>
+                    </a:lnR>
+                    <a:lnT w="12700" cap="flat" cmpd="sng" algn="ctr">
+                      <a:solidFill>
+                        <a:schemeClr val="bg1"/>
+                      </a:solidFill>
+                      <a:prstDash val="solid"/>
+                      <a:round/>
+                      <a:headEnd type="none" w="med" len="med"/>
+                      <a:tailEnd type="none" w="med" len="med"/>
+                    </a:lnT>
+                    <a:lnB w="12700" cap="flat" cmpd="sng" algn="ctr">
+                      <a:solidFill>
+                        <a:schemeClr val="bg1"/>
+                      </a:solidFill>
+                      <a:prstDash val="solid"/>
+                      <a:round/>
+                      <a:headEnd type="none" w="med" len="med"/>
+                      <a:tailEnd type="none" w="med" len="med"/>
+                    </a:lnB>
+                    <a:lnTlToBr w="12700" cmpd="sng">
+                      <a:noFill/>
+                      <a:prstDash val="solid"/>
+                    </a:lnTlToBr>
+                    <a:lnBlToTr w="12700" cmpd="sng">
+                      <a:noFill/>
+                      <a:prstDash val="solid"/>
+                    </a:lnBlToTr>
+                  </a:tcPr>
+                </a:tc>
+              </a:tr>
+              <a:tr h="187200">
+                <a:tc>
+                  <a:txBody>
+                    <a:bodyPr/>
+                    <a:lstStyle/>
+                    <a:p>
+                      <a:r>
+                        <a:rPr lang="en-US" sz="1200" dirty="0" err="1"/>
+                        <a:t>IOrderedQueryable</a:t>
+                      </a:r>
+                      <a:r>
+                        <a:rPr lang="en-US" sz="1200" dirty="0"/>
+                        <a:t>&lt;T&gt;</a:t>
+                      </a:r>
+                    </a:p>
+                  </a:txBody>
+                  <a:tcPr marL="45720" marR="45720" anchor="ctr">
+                    <a:lnL w="12700" cap="flat" cmpd="sng" algn="ctr">
+                      <a:solidFill>
+                        <a:schemeClr val="bg1"/>
+                      </a:solidFill>
+                      <a:prstDash val="solid"/>
+                      <a:round/>
+                      <a:headEnd type="none" w="med" len="med"/>
+                      <a:tailEnd type="none" w="med" len="med"/>
+                    </a:lnL>
+                    <a:lnR w="12700" cap="flat" cmpd="sng" algn="ctr">
+                      <a:solidFill>
+                        <a:schemeClr val="bg1"/>
+                      </a:solidFill>
+                      <a:prstDash val="solid"/>
+                      <a:round/>
+                      <a:headEnd type="none" w="med" len="med"/>
+                      <a:tailEnd type="none" w="med" len="med"/>
+                    </a:lnR>
+                    <a:lnT w="12700" cap="flat" cmpd="sng" algn="ctr">
+                      <a:solidFill>
+                        <a:schemeClr val="bg1"/>
+                      </a:solidFill>
+                      <a:prstDash val="solid"/>
+                      <a:round/>
+                      <a:headEnd type="none" w="med" len="med"/>
+                      <a:tailEnd type="none" w="med" len="med"/>
+                    </a:lnT>
+                    <a:lnB w="12700" cap="flat" cmpd="sng" algn="ctr">
+                      <a:solidFill>
+                        <a:schemeClr val="bg1"/>
+                      </a:solidFill>
+                      <a:prstDash val="solid"/>
+                      <a:round/>
+                      <a:headEnd type="none" w="med" len="med"/>
+                      <a:tailEnd type="none" w="med" len="med"/>
+                    </a:lnB>
+                    <a:lnTlToBr w="12700" cmpd="sng">
+                      <a:noFill/>
+                      <a:prstDash val="solid"/>
+                    </a:lnTlToBr>
+                    <a:lnBlToTr w="12700" cmpd="sng">
+                      <a:noFill/>
+                      <a:prstDash val="solid"/>
+                    </a:lnBlToTr>
+                  </a:tcPr>
+                </a:tc>
+                <a:tc>
+                  <a:txBody>
+                    <a:bodyPr/>
+                    <a:lstStyle/>
+                    <a:p>
+                      <a:pPr algn="ctr"/>
+                      <a:r>
+                        <a:rPr lang="ru-RU" sz="1200" dirty="0" smtClean="0"/>
+                        <a:t>Да</a:t>
+                      </a:r>
+                      <a:endParaRPr lang="en-US" sz="1200" dirty="0"/>
+                    </a:p>
+                  </a:txBody>
+                  <a:tcPr marL="45720" marR="45720" anchor="ctr">
+                    <a:lnL w="12700" cap="flat" cmpd="sng" algn="ctr">
+                      <a:solidFill>
+                        <a:schemeClr val="bg1"/>
+                      </a:solidFill>
+                      <a:prstDash val="solid"/>
+                      <a:round/>
+                      <a:headEnd type="none" w="med" len="med"/>
+                      <a:tailEnd type="none" w="med" len="med"/>
+                    </a:lnL>
+                    <a:lnR w="12700" cap="flat" cmpd="sng" algn="ctr">
+                      <a:solidFill>
+                        <a:schemeClr val="bg1"/>
+                      </a:solidFill>
+                      <a:prstDash val="solid"/>
+                      <a:round/>
+                      <a:headEnd type="none" w="med" len="med"/>
+                      <a:tailEnd type="none" w="med" len="med"/>
+                    </a:lnR>
+                    <a:lnT w="12700" cap="flat" cmpd="sng" algn="ctr">
+                      <a:solidFill>
+                        <a:schemeClr val="bg1"/>
+                      </a:solidFill>
+                      <a:prstDash val="solid"/>
+                      <a:round/>
+                      <a:headEnd type="none" w="med" len="med"/>
+                      <a:tailEnd type="none" w="med" len="med"/>
+                    </a:lnT>
+                    <a:lnB w="12700" cap="flat" cmpd="sng" algn="ctr">
+                      <a:solidFill>
+                        <a:schemeClr val="bg1"/>
+                      </a:solidFill>
+                      <a:prstDash val="solid"/>
+                      <a:round/>
+                      <a:headEnd type="none" w="med" len="med"/>
+                      <a:tailEnd type="none" w="med" len="med"/>
+                    </a:lnB>
+                    <a:lnTlToBr w="12700" cmpd="sng">
+                      <a:noFill/>
+                      <a:prstDash val="solid"/>
+                    </a:lnTlToBr>
+                    <a:lnBlToTr w="12700" cmpd="sng">
+                      <a:noFill/>
+                      <a:prstDash val="solid"/>
+                    </a:lnBlToTr>
+                  </a:tcPr>
+                </a:tc>
+                <a:tc>
+                  <a:txBody>
+                    <a:bodyPr/>
+                    <a:lstStyle/>
+                    <a:p>
+                      <a:pPr algn="ctr"/>
+                      <a:endParaRPr lang="en-US" sz="1200" dirty="0"/>
+                    </a:p>
+                  </a:txBody>
+                  <a:tcPr marL="45720" marR="45720" anchor="ctr">
+                    <a:lnL w="12700" cap="flat" cmpd="sng" algn="ctr">
+                      <a:solidFill>
+                        <a:schemeClr val="bg1"/>
+                      </a:solidFill>
+                      <a:prstDash val="solid"/>
+                      <a:round/>
+                      <a:headEnd type="none" w="med" len="med"/>
+                      <a:tailEnd type="none" w="med" len="med"/>
+                    </a:lnL>
+                    <a:lnR w="12700" cap="flat" cmpd="sng" algn="ctr">
+                      <a:solidFill>
+                        <a:schemeClr val="bg1"/>
+                      </a:solidFill>
+                      <a:prstDash val="solid"/>
+                      <a:round/>
+                      <a:headEnd type="none" w="med" len="med"/>
+                      <a:tailEnd type="none" w="med" len="med"/>
+                    </a:lnR>
+                    <a:lnT w="12700" cap="flat" cmpd="sng" algn="ctr">
+                      <a:solidFill>
+                        <a:schemeClr val="bg1"/>
+                      </a:solidFill>
+                      <a:prstDash val="solid"/>
+                      <a:round/>
+                      <a:headEnd type="none" w="med" len="med"/>
+                      <a:tailEnd type="none" w="med" len="med"/>
+                    </a:lnT>
+                    <a:lnB w="12700" cap="flat" cmpd="sng" algn="ctr">
+                      <a:solidFill>
+                        <a:schemeClr val="bg1"/>
+                      </a:solidFill>
+                      <a:prstDash val="solid"/>
+                      <a:round/>
+                      <a:headEnd type="none" w="med" len="med"/>
+                      <a:tailEnd type="none" w="med" len="med"/>
+                    </a:lnB>
+                    <a:lnTlToBr w="12700" cmpd="sng">
+                      <a:noFill/>
+                      <a:prstDash val="solid"/>
+                    </a:lnTlToBr>
+                    <a:lnBlToTr w="12700" cmpd="sng">
+                      <a:noFill/>
+                      <a:prstDash val="solid"/>
+                    </a:lnBlToTr>
+                  </a:tcPr>
+                </a:tc>
+              </a:tr>
+              <a:tr h="187200">
+                <a:tc>
+                  <a:txBody>
+                    <a:bodyPr/>
+                    <a:lstStyle/>
+                    <a:p>
+                      <a:r>
+                        <a:rPr lang="en-US" sz="1200" dirty="0" err="1"/>
+                        <a:t>IQueryable</a:t>
+                      </a:r>
+                      <a:r>
+                        <a:rPr lang="en-US" sz="1200" dirty="0"/>
+                        <a:t>&lt;T&gt;</a:t>
+                      </a:r>
+                    </a:p>
+                  </a:txBody>
+                  <a:tcPr marL="45720" marR="45720" anchor="ctr">
+                    <a:lnL w="12700" cap="flat" cmpd="sng" algn="ctr">
+                      <a:solidFill>
+                        <a:schemeClr val="bg1"/>
+                      </a:solidFill>
+                      <a:prstDash val="solid"/>
+                      <a:round/>
+                      <a:headEnd type="none" w="med" len="med"/>
+                      <a:tailEnd type="none" w="med" len="med"/>
+                    </a:lnL>
+                    <a:lnR w="12700" cap="flat" cmpd="sng" algn="ctr">
+                      <a:solidFill>
+                        <a:schemeClr val="bg1"/>
+                      </a:solidFill>
+                      <a:prstDash val="solid"/>
+                      <a:round/>
+                      <a:headEnd type="none" w="med" len="med"/>
+                      <a:tailEnd type="none" w="med" len="med"/>
+                    </a:lnR>
+                    <a:lnT w="12700" cap="flat" cmpd="sng" algn="ctr">
+                      <a:solidFill>
+                        <a:schemeClr val="bg1"/>
+                      </a:solidFill>
+                      <a:prstDash val="solid"/>
+                      <a:round/>
+                      <a:headEnd type="none" w="med" len="med"/>
+                      <a:tailEnd type="none" w="med" len="med"/>
+                    </a:lnT>
+                    <a:lnB w="12700" cap="flat" cmpd="sng" algn="ctr">
+                      <a:solidFill>
+                        <a:schemeClr val="bg1"/>
+                      </a:solidFill>
+                      <a:prstDash val="solid"/>
+                      <a:round/>
+                      <a:headEnd type="none" w="med" len="med"/>
+                      <a:tailEnd type="none" w="med" len="med"/>
+                    </a:lnB>
+                    <a:lnTlToBr w="12700" cmpd="sng">
+                      <a:noFill/>
+                      <a:prstDash val="solid"/>
+                    </a:lnTlToBr>
+                    <a:lnBlToTr w="12700" cmpd="sng">
+                      <a:noFill/>
+                      <a:prstDash val="solid"/>
+                    </a:lnBlToTr>
+                  </a:tcPr>
+                </a:tc>
+                <a:tc>
+                  <a:txBody>
+                    <a:bodyPr/>
+                    <a:lstStyle/>
+                    <a:p>
+                      <a:pPr algn="ctr"/>
+                      <a:r>
+                        <a:rPr lang="ru-RU" sz="1200" dirty="0" smtClean="0"/>
+                        <a:t>Да</a:t>
+                      </a:r>
+                      <a:endParaRPr lang="en-US" sz="1200" dirty="0"/>
+                    </a:p>
+                  </a:txBody>
+                  <a:tcPr marL="45720" marR="45720" anchor="ctr">
+                    <a:lnL w="12700" cap="flat" cmpd="sng" algn="ctr">
+                      <a:solidFill>
+                        <a:schemeClr val="bg1"/>
+                      </a:solidFill>
+                      <a:prstDash val="solid"/>
+                      <a:round/>
+                      <a:headEnd type="none" w="med" len="med"/>
+                      <a:tailEnd type="none" w="med" len="med"/>
+                    </a:lnL>
+                    <a:lnR w="12700" cap="flat" cmpd="sng" algn="ctr">
+                      <a:solidFill>
+                        <a:schemeClr val="bg1"/>
+                      </a:solidFill>
+                      <a:prstDash val="solid"/>
+                      <a:round/>
+                      <a:headEnd type="none" w="med" len="med"/>
+                      <a:tailEnd type="none" w="med" len="med"/>
+                    </a:lnR>
+                    <a:lnT w="12700" cap="flat" cmpd="sng" algn="ctr">
+                      <a:solidFill>
+                        <a:schemeClr val="bg1"/>
+                      </a:solidFill>
+                      <a:prstDash val="solid"/>
+                      <a:round/>
+                      <a:headEnd type="none" w="med" len="med"/>
+                      <a:tailEnd type="none" w="med" len="med"/>
+                    </a:lnT>
+                    <a:lnB w="12700" cap="flat" cmpd="sng" algn="ctr">
+                      <a:solidFill>
+                        <a:schemeClr val="bg1"/>
+                      </a:solidFill>
+                      <a:prstDash val="solid"/>
+                      <a:round/>
+                      <a:headEnd type="none" w="med" len="med"/>
+                      <a:tailEnd type="none" w="med" len="med"/>
+                    </a:lnB>
+                    <a:lnTlToBr w="12700" cmpd="sng">
+                      <a:noFill/>
+                      <a:prstDash val="solid"/>
+                    </a:lnTlToBr>
+                    <a:lnBlToTr w="12700" cmpd="sng">
+                      <a:noFill/>
+                      <a:prstDash val="solid"/>
+                    </a:lnBlToTr>
+                  </a:tcPr>
+                </a:tc>
+                <a:tc>
+                  <a:txBody>
+                    <a:bodyPr/>
+                    <a:lstStyle/>
+                    <a:p>
+                      <a:pPr algn="ctr"/>
+                      <a:endParaRPr lang="en-US" sz="1200" dirty="0"/>
+                    </a:p>
+                  </a:txBody>
+                  <a:tcPr marL="45720" marR="45720" anchor="ctr">
+                    <a:lnL w="12700" cap="flat" cmpd="sng" algn="ctr">
+                      <a:solidFill>
+                        <a:schemeClr val="bg1"/>
+                      </a:solidFill>
+                      <a:prstDash val="solid"/>
+                      <a:round/>
+                      <a:headEnd type="none" w="med" len="med"/>
+                      <a:tailEnd type="none" w="med" len="med"/>
+                    </a:lnL>
+                    <a:lnR w="12700" cap="flat" cmpd="sng" algn="ctr">
+                      <a:solidFill>
+                        <a:schemeClr val="bg1"/>
+                      </a:solidFill>
+                      <a:prstDash val="solid"/>
+                      <a:round/>
+                      <a:headEnd type="none" w="med" len="med"/>
+                      <a:tailEnd type="none" w="med" len="med"/>
+                    </a:lnR>
+                    <a:lnT w="12700" cap="flat" cmpd="sng" algn="ctr">
+                      <a:solidFill>
+                        <a:schemeClr val="bg1"/>
+                      </a:solidFill>
+                      <a:prstDash val="solid"/>
+                      <a:round/>
+                      <a:headEnd type="none" w="med" len="med"/>
+                      <a:tailEnd type="none" w="med" len="med"/>
+                    </a:lnT>
+                    <a:lnB w="12700" cap="flat" cmpd="sng" algn="ctr">
+                      <a:solidFill>
+                        <a:schemeClr val="bg1"/>
+                      </a:solidFill>
+                      <a:prstDash val="solid"/>
+                      <a:round/>
+                      <a:headEnd type="none" w="med" len="med"/>
+                      <a:tailEnd type="none" w="med" len="med"/>
+                    </a:lnB>
+                    <a:lnTlToBr w="12700" cmpd="sng">
+                      <a:noFill/>
+                      <a:prstDash val="solid"/>
+                    </a:lnTlToBr>
+                    <a:lnBlToTr w="12700" cmpd="sng">
+                      <a:noFill/>
+                      <a:prstDash val="solid"/>
+                    </a:lnBlToTr>
+                  </a:tcPr>
+                </a:tc>
+              </a:tr>
+            </a:tbl>
+          </a:graphicData>
+        </a:graphic>
+      </p:graphicFrame>
+    </p:spTree>
+    <p:extLst>
+      <p:ext uri="{BB962C8B-B14F-4D97-AF65-F5344CB8AC3E}">
+        <p14:creationId xmlns:p14="http://schemas.microsoft.com/office/powerpoint/2010/main" val="524838764"/>
+      </p:ext>
+    </p:extLst>
+  </p:cSld>
+  <p:clrMapOvr>
+    <a:masterClrMapping/>
+  </p:clrMapOvr>
+  <p:timing>
+    <p:tnLst>
+      <p:par>
+        <p:cTn id="1" dur="indefinite" restart="never" nodeType="tmRoot"/>
+      </p:par>
+    </p:tnLst>
+  </p:timing>
 </p:sld>
 </file>
 
@@ -3940,9 +8021,13 @@
           <a:p>
             <a:r>
               <a:rPr lang="ru-RU" dirty="0" smtClean="0"/>
-              <a:t>Обобщенные методы</a:t>
-            </a:r>
-            <a:endParaRPr lang="ru-RU" dirty="0"/>
+              <a:t>Обобщения </a:t>
+            </a:r>
+            <a:r>
+              <a:rPr lang="en-US" dirty="0" smtClean="0"/>
+              <a:t>(generics)</a:t>
+            </a:r>
+            <a:endParaRPr lang="en-US" dirty="0"/>
           </a:p>
         </p:txBody>
       </p:sp>
@@ -3962,17 +8047,42 @@
           <a:lstStyle/>
           <a:p>
             <a:r>
-              <a:rPr lang="en-US" dirty="0" err="1" smtClean="0"/>
-              <a:t>zzz</a:t>
-            </a:r>
-            <a:endParaRPr lang="ru-RU" dirty="0"/>
+              <a:rPr lang="ru-RU" dirty="0" smtClean="0"/>
+              <a:t>Методы</a:t>
+            </a:r>
+            <a:endParaRPr lang="en-US" dirty="0" smtClean="0"/>
+          </a:p>
+          <a:p>
+            <a:r>
+              <a:rPr lang="ru-RU" dirty="0" smtClean="0"/>
+              <a:t>Классы</a:t>
+            </a:r>
+          </a:p>
+          <a:p>
+            <a:r>
+              <a:rPr lang="ru-RU" dirty="0" smtClean="0"/>
+              <a:t>Структуры</a:t>
+            </a:r>
+          </a:p>
+          <a:p>
+            <a:r>
+              <a:rPr lang="ru-RU" dirty="0" smtClean="0"/>
+              <a:t>Делегаты</a:t>
+            </a:r>
+          </a:p>
+          <a:p>
+            <a:r>
+              <a:rPr lang="ru-RU" dirty="0" smtClean="0"/>
+              <a:t>Интерфейсы</a:t>
+            </a:r>
+            <a:endParaRPr lang="en-US" dirty="0"/>
           </a:p>
         </p:txBody>
       </p:sp>
     </p:spTree>
     <p:extLst>
       <p:ext uri="{BB962C8B-B14F-4D97-AF65-F5344CB8AC3E}">
-        <p14:creationId xmlns:p14="http://schemas.microsoft.com/office/powerpoint/2010/main" val="902992116"/>
+        <p14:creationId xmlns:p14="http://schemas.microsoft.com/office/powerpoint/2010/main" val="3423735262"/>
       </p:ext>
     </p:extLst>
   </p:cSld>
@@ -4016,13 +8126,9 @@
           <a:p>
             <a:r>
               <a:rPr lang="ru-RU" dirty="0" smtClean="0"/>
-              <a:t>Обобщения </a:t>
-            </a:r>
-            <a:r>
-              <a:rPr lang="en-US" dirty="0" smtClean="0"/>
-              <a:t>(generics)</a:t>
-            </a:r>
-            <a:endParaRPr lang="en-US" dirty="0"/>
+              <a:t>Обобщенные методы</a:t>
+            </a:r>
+            <a:endParaRPr lang="ru-RU" dirty="0"/>
           </a:p>
         </p:txBody>
       </p:sp>
@@ -4036,48 +8142,876 @@
             <p:ph idx="1"/>
           </p:nvPr>
         </p:nvSpPr>
-        <p:spPr/>
+        <p:spPr>
+          <a:xfrm>
+            <a:off x="457200" y="1600201"/>
+            <a:ext cx="8229600" cy="1612776"/>
+          </a:xfrm>
+        </p:spPr>
         <p:txBody>
           <a:bodyPr/>
           <a:lstStyle/>
           <a:p>
+            <a:pPr marL="0" indent="0">
+              <a:buNone/>
+            </a:pPr>
             <a:r>
               <a:rPr lang="ru-RU" dirty="0" smtClean="0"/>
-              <a:t>Методы</a:t>
-            </a:r>
-            <a:endParaRPr lang="en-US" dirty="0" smtClean="0"/>
-          </a:p>
-          <a:p>
-            <a:r>
-              <a:rPr lang="ru-RU" dirty="0" smtClean="0"/>
-              <a:t>Классы</a:t>
-            </a:r>
-          </a:p>
-          <a:p>
-            <a:r>
-              <a:rPr lang="ru-RU" dirty="0" smtClean="0"/>
-              <a:t>Структуры</a:t>
-            </a:r>
-          </a:p>
-          <a:p>
-            <a:r>
-              <a:rPr lang="ru-RU" dirty="0" smtClean="0"/>
-              <a:t>Делегаты</a:t>
-            </a:r>
-          </a:p>
-          <a:p>
-            <a:r>
-              <a:rPr lang="ru-RU" dirty="0" smtClean="0"/>
-              <a:t>Интерфейсы</a:t>
-            </a:r>
-            <a:endParaRPr lang="en-US" dirty="0"/>
+              <a:t>Обобщенные методы объявляются путем добавления тип-аргумента к имени.</a:t>
+            </a:r>
+            <a:endParaRPr lang="ru-RU" dirty="0"/>
+          </a:p>
+        </p:txBody>
+      </p:sp>
+      <p:sp>
+        <p:nvSpPr>
+          <p:cNvPr id="4" name="Rectangle 3"/>
+          <p:cNvSpPr/>
+          <p:nvPr/>
+        </p:nvSpPr>
+        <p:spPr>
+          <a:xfrm>
+            <a:off x="457200" y="3344793"/>
+            <a:ext cx="7931224" cy="3108543"/>
+          </a:xfrm>
+          <a:prstGeom prst="rect">
+            <a:avLst/>
+          </a:prstGeom>
+          <a:solidFill>
+            <a:schemeClr val="bg1"/>
+          </a:solidFill>
+        </p:spPr>
+        <p:txBody>
+          <a:bodyPr wrap="square">
+            <a:spAutoFit/>
+          </a:bodyPr>
+          <a:lstStyle/>
+          <a:p>
+            <a:r>
+              <a:rPr lang="en-US" sz="1400" dirty="0">
+                <a:solidFill>
+                  <a:srgbClr val="0000FF"/>
+                </a:solidFill>
+                <a:highlight>
+                  <a:srgbClr val="FFFFFF"/>
+                </a:highlight>
+                <a:latin typeface="Consolas"/>
+              </a:rPr>
+              <a:t>static</a:t>
+            </a:r>
+            <a:r>
+              <a:rPr lang="en-US" sz="1400" dirty="0">
+                <a:solidFill>
+                  <a:srgbClr val="000000"/>
+                </a:solidFill>
+                <a:highlight>
+                  <a:srgbClr val="FFFFFF"/>
+                </a:highlight>
+                <a:latin typeface="Consolas"/>
+              </a:rPr>
+              <a:t> </a:t>
+            </a:r>
+            <a:r>
+              <a:rPr lang="en-US" sz="1400" dirty="0">
+                <a:solidFill>
+                  <a:srgbClr val="0000FF"/>
+                </a:solidFill>
+                <a:highlight>
+                  <a:srgbClr val="FFFFFF"/>
+                </a:highlight>
+                <a:latin typeface="Consolas"/>
+              </a:rPr>
+              <a:t>class</a:t>
+            </a:r>
+            <a:r>
+              <a:rPr lang="en-US" sz="1400" dirty="0">
+                <a:solidFill>
+                  <a:srgbClr val="000000"/>
+                </a:solidFill>
+                <a:highlight>
+                  <a:srgbClr val="FFFFFF"/>
+                </a:highlight>
+                <a:latin typeface="Consolas"/>
+              </a:rPr>
+              <a:t> </a:t>
+            </a:r>
+            <a:r>
+              <a:rPr lang="en-US" sz="1400" dirty="0" err="1" smtClean="0">
+                <a:solidFill>
+                  <a:srgbClr val="2B91AF"/>
+                </a:solidFill>
+                <a:highlight>
+                  <a:srgbClr val="FFFFFF"/>
+                </a:highlight>
+                <a:latin typeface="Consolas"/>
+              </a:rPr>
+              <a:t>ArrayHelper</a:t>
+            </a:r>
+            <a:endParaRPr lang="en-US" sz="1400" dirty="0">
+              <a:solidFill>
+                <a:srgbClr val="000000"/>
+              </a:solidFill>
+              <a:highlight>
+                <a:srgbClr val="FFFFFF"/>
+              </a:highlight>
+              <a:latin typeface="Consolas"/>
+            </a:endParaRPr>
+          </a:p>
+          <a:p>
+            <a:r>
+              <a:rPr lang="ru-RU" sz="1400" dirty="0" smtClean="0">
+                <a:solidFill>
+                  <a:srgbClr val="000000"/>
+                </a:solidFill>
+                <a:highlight>
+                  <a:srgbClr val="FFFFFF"/>
+                </a:highlight>
+                <a:latin typeface="Consolas"/>
+              </a:rPr>
+              <a:t>{</a:t>
+            </a:r>
+            <a:endParaRPr lang="en-US" sz="1400" dirty="0" smtClean="0">
+              <a:solidFill>
+                <a:srgbClr val="000000"/>
+              </a:solidFill>
+              <a:highlight>
+                <a:srgbClr val="FFFFFF"/>
+              </a:highlight>
+              <a:latin typeface="Consolas"/>
+            </a:endParaRPr>
+          </a:p>
+          <a:p>
+            <a:r>
+              <a:rPr lang="en-US" sz="1400" dirty="0" smtClean="0">
+                <a:solidFill>
+                  <a:srgbClr val="2B91AF"/>
+                </a:solidFill>
+                <a:highlight>
+                  <a:srgbClr val="FFFFFF"/>
+                </a:highlight>
+                <a:latin typeface="Consolas"/>
+              </a:rPr>
+              <a:t>    static Random</a:t>
+            </a:r>
+            <a:r>
+              <a:rPr lang="en-US" sz="1400" dirty="0" smtClean="0">
+                <a:solidFill>
+                  <a:srgbClr val="000000"/>
+                </a:solidFill>
+                <a:highlight>
+                  <a:srgbClr val="FFFFFF"/>
+                </a:highlight>
+                <a:latin typeface="Consolas"/>
+              </a:rPr>
+              <a:t> </a:t>
+            </a:r>
+            <a:r>
+              <a:rPr lang="en-US" sz="1400" dirty="0" err="1">
+                <a:solidFill>
+                  <a:srgbClr val="000000"/>
+                </a:solidFill>
+                <a:highlight>
+                  <a:srgbClr val="FFFFFF"/>
+                </a:highlight>
+                <a:latin typeface="Consolas"/>
+              </a:rPr>
+              <a:t>rnd</a:t>
+            </a:r>
+            <a:r>
+              <a:rPr lang="en-US" sz="1400" dirty="0">
+                <a:solidFill>
+                  <a:srgbClr val="000000"/>
+                </a:solidFill>
+                <a:highlight>
+                  <a:srgbClr val="FFFFFF"/>
+                </a:highlight>
+                <a:latin typeface="Consolas"/>
+              </a:rPr>
+              <a:t> = </a:t>
+            </a:r>
+            <a:r>
+              <a:rPr lang="en-US" sz="1400" dirty="0">
+                <a:solidFill>
+                  <a:srgbClr val="0000FF"/>
+                </a:solidFill>
+                <a:highlight>
+                  <a:srgbClr val="FFFFFF"/>
+                </a:highlight>
+                <a:latin typeface="Consolas"/>
+              </a:rPr>
+              <a:t>new</a:t>
+            </a:r>
+            <a:r>
+              <a:rPr lang="en-US" sz="1400" dirty="0">
+                <a:solidFill>
+                  <a:srgbClr val="000000"/>
+                </a:solidFill>
+                <a:highlight>
+                  <a:srgbClr val="FFFFFF"/>
+                </a:highlight>
+                <a:latin typeface="Consolas"/>
+              </a:rPr>
+              <a:t> </a:t>
+            </a:r>
+            <a:r>
+              <a:rPr lang="en-US" sz="1400" dirty="0">
+                <a:solidFill>
+                  <a:srgbClr val="2B91AF"/>
+                </a:solidFill>
+                <a:highlight>
+                  <a:srgbClr val="FFFFFF"/>
+                </a:highlight>
+                <a:latin typeface="Consolas"/>
+              </a:rPr>
+              <a:t>Random</a:t>
+            </a:r>
+            <a:r>
+              <a:rPr lang="en-US" sz="1400" dirty="0">
+                <a:solidFill>
+                  <a:srgbClr val="000000"/>
+                </a:solidFill>
+                <a:highlight>
+                  <a:srgbClr val="FFFFFF"/>
+                </a:highlight>
+                <a:latin typeface="Consolas"/>
+              </a:rPr>
+              <a:t>();</a:t>
+            </a:r>
+            <a:endParaRPr lang="ru-RU" sz="1400" dirty="0">
+              <a:solidFill>
+                <a:srgbClr val="000000"/>
+              </a:solidFill>
+              <a:highlight>
+                <a:srgbClr val="FFFFFF"/>
+              </a:highlight>
+              <a:latin typeface="Consolas"/>
+            </a:endParaRPr>
+          </a:p>
+          <a:p>
+            <a:r>
+              <a:rPr lang="en-US" sz="1400" dirty="0" smtClean="0">
+                <a:solidFill>
+                  <a:srgbClr val="0000FF"/>
+                </a:solidFill>
+                <a:highlight>
+                  <a:srgbClr val="FFFFFF"/>
+                </a:highlight>
+                <a:latin typeface="Consolas"/>
+              </a:rPr>
+              <a:t>    public</a:t>
+            </a:r>
+            <a:r>
+              <a:rPr lang="en-US" sz="1400" dirty="0" smtClean="0">
+                <a:solidFill>
+                  <a:srgbClr val="000000"/>
+                </a:solidFill>
+                <a:highlight>
+                  <a:srgbClr val="FFFFFF"/>
+                </a:highlight>
+                <a:latin typeface="Consolas"/>
+              </a:rPr>
+              <a:t> </a:t>
+            </a:r>
+            <a:r>
+              <a:rPr lang="en-US" sz="1400" dirty="0">
+                <a:solidFill>
+                  <a:srgbClr val="0000FF"/>
+                </a:solidFill>
+                <a:highlight>
+                  <a:srgbClr val="FFFFFF"/>
+                </a:highlight>
+                <a:latin typeface="Consolas"/>
+              </a:rPr>
+              <a:t>static</a:t>
+            </a:r>
+            <a:r>
+              <a:rPr lang="en-US" sz="1400" dirty="0">
+                <a:solidFill>
+                  <a:srgbClr val="000000"/>
+                </a:solidFill>
+                <a:highlight>
+                  <a:srgbClr val="FFFFFF"/>
+                </a:highlight>
+                <a:latin typeface="Consolas"/>
+              </a:rPr>
+              <a:t> </a:t>
+            </a:r>
+            <a:r>
+              <a:rPr lang="en-US" sz="1400" dirty="0">
+                <a:solidFill>
+                  <a:srgbClr val="0000FF"/>
+                </a:solidFill>
+                <a:highlight>
+                  <a:srgbClr val="FFFFFF"/>
+                </a:highlight>
+                <a:latin typeface="Consolas"/>
+              </a:rPr>
+              <a:t>void</a:t>
+            </a:r>
+            <a:r>
+              <a:rPr lang="en-US" sz="1400" dirty="0">
+                <a:solidFill>
+                  <a:srgbClr val="000000"/>
+                </a:solidFill>
+                <a:highlight>
+                  <a:srgbClr val="FFFFFF"/>
+                </a:highlight>
+                <a:latin typeface="Consolas"/>
+              </a:rPr>
+              <a:t> Shuffle&lt;T</a:t>
+            </a:r>
+            <a:r>
+              <a:rPr lang="en-US" sz="1400" dirty="0" smtClean="0">
+                <a:solidFill>
+                  <a:srgbClr val="000000"/>
+                </a:solidFill>
+                <a:highlight>
+                  <a:srgbClr val="FFFFFF"/>
+                </a:highlight>
+                <a:latin typeface="Consolas"/>
+              </a:rPr>
+              <a:t>&gt;(T[] </a:t>
+            </a:r>
+            <a:r>
+              <a:rPr lang="en-US" sz="1400" dirty="0" smtClean="0">
+                <a:solidFill>
+                  <a:srgbClr val="000000"/>
+                </a:solidFill>
+                <a:highlight>
+                  <a:srgbClr val="FFFFFF"/>
+                </a:highlight>
+                <a:latin typeface="Consolas"/>
+              </a:rPr>
+              <a:t>array)</a:t>
+            </a:r>
+            <a:endParaRPr lang="en-US" sz="1400" dirty="0">
+              <a:solidFill>
+                <a:srgbClr val="000000"/>
+              </a:solidFill>
+              <a:highlight>
+                <a:srgbClr val="FFFFFF"/>
+              </a:highlight>
+              <a:latin typeface="Consolas"/>
+            </a:endParaRPr>
+          </a:p>
+          <a:p>
+            <a:r>
+              <a:rPr lang="en-US" sz="1400" dirty="0" smtClean="0">
+                <a:solidFill>
+                  <a:srgbClr val="000000"/>
+                </a:solidFill>
+                <a:highlight>
+                  <a:srgbClr val="FFFFFF"/>
+                </a:highlight>
+                <a:latin typeface="Consolas"/>
+              </a:rPr>
+              <a:t>    </a:t>
+            </a:r>
+            <a:r>
+              <a:rPr lang="ru-RU" sz="1400" dirty="0" smtClean="0">
+                <a:solidFill>
+                  <a:srgbClr val="000000"/>
+                </a:solidFill>
+                <a:highlight>
+                  <a:srgbClr val="FFFFFF"/>
+                </a:highlight>
+                <a:latin typeface="Consolas"/>
+              </a:rPr>
+              <a:t>{</a:t>
+            </a:r>
+            <a:endParaRPr lang="ru-RU" sz="1400" dirty="0">
+              <a:solidFill>
+                <a:srgbClr val="000000"/>
+              </a:solidFill>
+              <a:highlight>
+                <a:srgbClr val="FFFFFF"/>
+              </a:highlight>
+              <a:latin typeface="Consolas"/>
+            </a:endParaRPr>
+          </a:p>
+          <a:p>
+            <a:r>
+              <a:rPr lang="nn-NO" sz="1400" dirty="0" smtClean="0">
+                <a:solidFill>
+                  <a:srgbClr val="0000FF"/>
+                </a:solidFill>
+                <a:highlight>
+                  <a:srgbClr val="FFFFFF"/>
+                </a:highlight>
+                <a:latin typeface="Consolas"/>
+              </a:rPr>
+              <a:t>        for</a:t>
+            </a:r>
+            <a:r>
+              <a:rPr lang="nn-NO" sz="1400" dirty="0" smtClean="0">
+                <a:solidFill>
+                  <a:srgbClr val="000000"/>
+                </a:solidFill>
+                <a:highlight>
+                  <a:srgbClr val="FFFFFF"/>
+                </a:highlight>
+                <a:latin typeface="Consolas"/>
+              </a:rPr>
+              <a:t> </a:t>
+            </a:r>
+            <a:r>
+              <a:rPr lang="nn-NO" sz="1400" dirty="0">
+                <a:solidFill>
+                  <a:srgbClr val="000000"/>
+                </a:solidFill>
+                <a:highlight>
+                  <a:srgbClr val="FFFFFF"/>
+                </a:highlight>
+                <a:latin typeface="Consolas"/>
+              </a:rPr>
+              <a:t>(</a:t>
+            </a:r>
+            <a:r>
+              <a:rPr lang="nn-NO" sz="1400" dirty="0">
+                <a:solidFill>
+                  <a:srgbClr val="0000FF"/>
+                </a:solidFill>
+                <a:highlight>
+                  <a:srgbClr val="FFFFFF"/>
+                </a:highlight>
+                <a:latin typeface="Consolas"/>
+              </a:rPr>
+              <a:t>int</a:t>
+            </a:r>
+            <a:r>
+              <a:rPr lang="nn-NO" sz="1400" dirty="0">
+                <a:solidFill>
+                  <a:srgbClr val="000000"/>
+                </a:solidFill>
+                <a:highlight>
+                  <a:srgbClr val="FFFFFF"/>
+                </a:highlight>
+                <a:latin typeface="Consolas"/>
+              </a:rPr>
+              <a:t> i = </a:t>
+            </a:r>
+            <a:r>
+              <a:rPr lang="nn-NO" sz="1400" dirty="0" smtClean="0">
+                <a:solidFill>
+                  <a:srgbClr val="000000"/>
+                </a:solidFill>
+                <a:highlight>
+                  <a:srgbClr val="FFFFFF"/>
+                </a:highlight>
+                <a:latin typeface="Consolas"/>
+              </a:rPr>
+              <a:t>array.Length </a:t>
+            </a:r>
+            <a:r>
+              <a:rPr lang="nn-NO" sz="1400" dirty="0">
+                <a:solidFill>
+                  <a:srgbClr val="000000"/>
+                </a:solidFill>
+                <a:highlight>
+                  <a:srgbClr val="FFFFFF"/>
+                </a:highlight>
+                <a:latin typeface="Consolas"/>
+              </a:rPr>
+              <a:t>- 1; i &gt; 0; i--)</a:t>
+            </a:r>
+          </a:p>
+          <a:p>
+            <a:r>
+              <a:rPr lang="en-US" sz="1400" dirty="0" smtClean="0">
+                <a:solidFill>
+                  <a:srgbClr val="000000"/>
+                </a:solidFill>
+                <a:highlight>
+                  <a:srgbClr val="FFFFFF"/>
+                </a:highlight>
+                <a:latin typeface="Consolas"/>
+              </a:rPr>
+              <a:t>        </a:t>
+            </a:r>
+            <a:r>
+              <a:rPr lang="ru-RU" sz="1400" dirty="0" smtClean="0">
+                <a:solidFill>
+                  <a:srgbClr val="000000"/>
+                </a:solidFill>
+                <a:highlight>
+                  <a:srgbClr val="FFFFFF"/>
+                </a:highlight>
+                <a:latin typeface="Consolas"/>
+              </a:rPr>
+              <a:t>{</a:t>
+            </a:r>
+            <a:endParaRPr lang="ru-RU" sz="1400" dirty="0">
+              <a:solidFill>
+                <a:srgbClr val="000000"/>
+              </a:solidFill>
+              <a:highlight>
+                <a:srgbClr val="FFFFFF"/>
+              </a:highlight>
+              <a:latin typeface="Consolas"/>
+            </a:endParaRPr>
+          </a:p>
+          <a:p>
+            <a:r>
+              <a:rPr lang="en-US" sz="1400" dirty="0" smtClean="0">
+                <a:solidFill>
+                  <a:srgbClr val="0000FF"/>
+                </a:solidFill>
+                <a:highlight>
+                  <a:srgbClr val="FFFFFF"/>
+                </a:highlight>
+                <a:latin typeface="Consolas"/>
+              </a:rPr>
+              <a:t>            </a:t>
+            </a:r>
+            <a:r>
+              <a:rPr lang="en-US" sz="1400" dirty="0" err="1" smtClean="0">
+                <a:solidFill>
+                  <a:srgbClr val="0000FF"/>
+                </a:solidFill>
+                <a:highlight>
+                  <a:srgbClr val="FFFFFF"/>
+                </a:highlight>
+                <a:latin typeface="Consolas"/>
+              </a:rPr>
+              <a:t>int</a:t>
+            </a:r>
+            <a:r>
+              <a:rPr lang="en-US" sz="1400" dirty="0" smtClean="0">
+                <a:solidFill>
+                  <a:srgbClr val="000000"/>
+                </a:solidFill>
+                <a:highlight>
+                  <a:srgbClr val="FFFFFF"/>
+                </a:highlight>
+                <a:latin typeface="Consolas"/>
+              </a:rPr>
+              <a:t> </a:t>
+            </a:r>
+            <a:r>
+              <a:rPr lang="en-US" sz="1400" dirty="0">
+                <a:solidFill>
+                  <a:srgbClr val="000000"/>
+                </a:solidFill>
+                <a:highlight>
+                  <a:srgbClr val="FFFFFF"/>
+                </a:highlight>
+                <a:latin typeface="Consolas"/>
+              </a:rPr>
+              <a:t>j = </a:t>
+            </a:r>
+            <a:r>
+              <a:rPr lang="en-US" sz="1400" dirty="0" err="1">
+                <a:solidFill>
+                  <a:srgbClr val="000000"/>
+                </a:solidFill>
+                <a:highlight>
+                  <a:srgbClr val="FFFFFF"/>
+                </a:highlight>
+                <a:latin typeface="Consolas"/>
+              </a:rPr>
+              <a:t>rnd.Next</a:t>
+            </a:r>
+            <a:r>
+              <a:rPr lang="en-US" sz="1400" dirty="0">
+                <a:solidFill>
+                  <a:srgbClr val="000000"/>
+                </a:solidFill>
+                <a:highlight>
+                  <a:srgbClr val="FFFFFF"/>
+                </a:highlight>
+                <a:latin typeface="Consolas"/>
+              </a:rPr>
+              <a:t>(0, </a:t>
+            </a:r>
+            <a:r>
+              <a:rPr lang="en-US" sz="1400" dirty="0" err="1">
+                <a:solidFill>
+                  <a:srgbClr val="000000"/>
+                </a:solidFill>
+                <a:highlight>
+                  <a:srgbClr val="FFFFFF"/>
+                </a:highlight>
+                <a:latin typeface="Consolas"/>
+              </a:rPr>
+              <a:t>i</a:t>
+            </a:r>
+            <a:r>
+              <a:rPr lang="en-US" sz="1400" dirty="0">
+                <a:solidFill>
+                  <a:srgbClr val="000000"/>
+                </a:solidFill>
+                <a:highlight>
+                  <a:srgbClr val="FFFFFF"/>
+                </a:highlight>
+                <a:latin typeface="Consolas"/>
+              </a:rPr>
+              <a:t> + 1);</a:t>
+            </a:r>
+          </a:p>
+          <a:p>
+            <a:r>
+              <a:rPr lang="en-US" sz="1400" dirty="0" smtClean="0">
+                <a:solidFill>
+                  <a:srgbClr val="000000"/>
+                </a:solidFill>
+                <a:highlight>
+                  <a:srgbClr val="FFFFFF"/>
+                </a:highlight>
+                <a:latin typeface="Consolas"/>
+              </a:rPr>
+              <a:t>            T </a:t>
+            </a:r>
+            <a:r>
+              <a:rPr lang="en-US" sz="1400" dirty="0">
+                <a:solidFill>
+                  <a:srgbClr val="000000"/>
+                </a:solidFill>
+                <a:highlight>
+                  <a:srgbClr val="FFFFFF"/>
+                </a:highlight>
+                <a:latin typeface="Consolas"/>
+              </a:rPr>
+              <a:t>temp = </a:t>
+            </a:r>
+            <a:r>
+              <a:rPr lang="en-US" sz="1400" dirty="0">
+                <a:solidFill>
+                  <a:srgbClr val="000000"/>
+                </a:solidFill>
+                <a:highlight>
+                  <a:srgbClr val="FFFFFF"/>
+                </a:highlight>
+                <a:latin typeface="Consolas"/>
+              </a:rPr>
+              <a:t>array[</a:t>
+            </a:r>
+            <a:r>
+              <a:rPr lang="en-US" sz="1400" dirty="0" err="1">
+                <a:solidFill>
+                  <a:srgbClr val="000000"/>
+                </a:solidFill>
+                <a:highlight>
+                  <a:srgbClr val="FFFFFF"/>
+                </a:highlight>
+                <a:latin typeface="Consolas"/>
+              </a:rPr>
+              <a:t>i</a:t>
+            </a:r>
+            <a:r>
+              <a:rPr lang="en-US" sz="1400" dirty="0">
+                <a:solidFill>
+                  <a:srgbClr val="000000"/>
+                </a:solidFill>
+                <a:highlight>
+                  <a:srgbClr val="FFFFFF"/>
+                </a:highlight>
+                <a:latin typeface="Consolas"/>
+              </a:rPr>
+              <a:t>];</a:t>
+            </a:r>
+          </a:p>
+          <a:p>
+            <a:r>
+              <a:rPr lang="en-US" sz="1400" dirty="0" smtClean="0">
+                <a:solidFill>
+                  <a:srgbClr val="000000"/>
+                </a:solidFill>
+                <a:highlight>
+                  <a:srgbClr val="FFFFFF"/>
+                </a:highlight>
+                <a:latin typeface="Consolas"/>
+              </a:rPr>
+              <a:t> </a:t>
+            </a:r>
+            <a:r>
+              <a:rPr lang="en-US" sz="1400" dirty="0" smtClean="0">
+                <a:solidFill>
+                  <a:srgbClr val="000000"/>
+                </a:solidFill>
+                <a:highlight>
+                  <a:srgbClr val="FFFFFF"/>
+                </a:highlight>
+                <a:latin typeface="Consolas"/>
+              </a:rPr>
+              <a:t>           array[</a:t>
+            </a:r>
+            <a:r>
+              <a:rPr lang="en-US" sz="1400" dirty="0" err="1" smtClean="0">
+                <a:solidFill>
+                  <a:srgbClr val="000000"/>
+                </a:solidFill>
+                <a:highlight>
+                  <a:srgbClr val="FFFFFF"/>
+                </a:highlight>
+                <a:latin typeface="Consolas"/>
+              </a:rPr>
+              <a:t>i</a:t>
+            </a:r>
+            <a:r>
+              <a:rPr lang="en-US" sz="1400" dirty="0">
+                <a:solidFill>
+                  <a:srgbClr val="000000"/>
+                </a:solidFill>
+                <a:highlight>
+                  <a:srgbClr val="FFFFFF"/>
+                </a:highlight>
+                <a:latin typeface="Consolas"/>
+              </a:rPr>
+              <a:t>] = </a:t>
+            </a:r>
+            <a:r>
+              <a:rPr lang="en-US" sz="1400" dirty="0">
+                <a:solidFill>
+                  <a:srgbClr val="000000"/>
+                </a:solidFill>
+                <a:highlight>
+                  <a:srgbClr val="FFFFFF"/>
+                </a:highlight>
+                <a:latin typeface="Consolas"/>
+              </a:rPr>
+              <a:t>array[j</a:t>
+            </a:r>
+            <a:r>
+              <a:rPr lang="en-US" sz="1400" dirty="0">
+                <a:solidFill>
+                  <a:srgbClr val="000000"/>
+                </a:solidFill>
+                <a:highlight>
+                  <a:srgbClr val="FFFFFF"/>
+                </a:highlight>
+                <a:latin typeface="Consolas"/>
+              </a:rPr>
+              <a:t>];</a:t>
+            </a:r>
+          </a:p>
+          <a:p>
+            <a:r>
+              <a:rPr lang="en-US" sz="1400" dirty="0" smtClean="0">
+                <a:solidFill>
+                  <a:srgbClr val="000000"/>
+                </a:solidFill>
+                <a:highlight>
+                  <a:srgbClr val="FFFFFF"/>
+                </a:highlight>
+                <a:latin typeface="Consolas"/>
+              </a:rPr>
+              <a:t>            </a:t>
+            </a:r>
+            <a:r>
+              <a:rPr lang="en-US" sz="1400" dirty="0" smtClean="0">
+                <a:solidFill>
+                  <a:srgbClr val="000000"/>
+                </a:solidFill>
+                <a:highlight>
+                  <a:srgbClr val="FFFFFF"/>
+                </a:highlight>
+                <a:latin typeface="Consolas"/>
+              </a:rPr>
+              <a:t>array[j</a:t>
+            </a:r>
+            <a:r>
+              <a:rPr lang="en-US" sz="1400" dirty="0">
+                <a:solidFill>
+                  <a:srgbClr val="000000"/>
+                </a:solidFill>
+                <a:highlight>
+                  <a:srgbClr val="FFFFFF"/>
+                </a:highlight>
+                <a:latin typeface="Consolas"/>
+              </a:rPr>
+              <a:t>] = temp;</a:t>
+            </a:r>
+          </a:p>
+          <a:p>
+            <a:r>
+              <a:rPr lang="en-US" sz="1400" dirty="0" smtClean="0">
+                <a:solidFill>
+                  <a:srgbClr val="000000"/>
+                </a:solidFill>
+                <a:highlight>
+                  <a:srgbClr val="FFFFFF"/>
+                </a:highlight>
+                <a:latin typeface="Consolas"/>
+              </a:rPr>
+              <a:t>        </a:t>
+            </a:r>
+            <a:r>
+              <a:rPr lang="ru-RU" sz="1400" dirty="0" smtClean="0">
+                <a:solidFill>
+                  <a:srgbClr val="000000"/>
+                </a:solidFill>
+                <a:highlight>
+                  <a:srgbClr val="FFFFFF"/>
+                </a:highlight>
+                <a:latin typeface="Consolas"/>
+              </a:rPr>
+              <a:t>}</a:t>
+            </a:r>
+            <a:endParaRPr lang="ru-RU" sz="1400" dirty="0">
+              <a:solidFill>
+                <a:srgbClr val="000000"/>
+              </a:solidFill>
+              <a:highlight>
+                <a:srgbClr val="FFFFFF"/>
+              </a:highlight>
+              <a:latin typeface="Consolas"/>
+            </a:endParaRPr>
+          </a:p>
+          <a:p>
+            <a:r>
+              <a:rPr lang="en-US" sz="1400" dirty="0" smtClean="0">
+                <a:solidFill>
+                  <a:srgbClr val="000000"/>
+                </a:solidFill>
+                <a:highlight>
+                  <a:srgbClr val="FFFFFF"/>
+                </a:highlight>
+                <a:latin typeface="Consolas"/>
+              </a:rPr>
+              <a:t>    </a:t>
+            </a:r>
+            <a:r>
+              <a:rPr lang="ru-RU" sz="1400" dirty="0" smtClean="0">
+                <a:solidFill>
+                  <a:srgbClr val="000000"/>
+                </a:solidFill>
+                <a:highlight>
+                  <a:srgbClr val="FFFFFF"/>
+                </a:highlight>
+                <a:latin typeface="Consolas"/>
+              </a:rPr>
+              <a:t>}</a:t>
+            </a:r>
+            <a:endParaRPr lang="ru-RU" sz="1400" dirty="0">
+              <a:solidFill>
+                <a:srgbClr val="000000"/>
+              </a:solidFill>
+              <a:highlight>
+                <a:srgbClr val="FFFFFF"/>
+              </a:highlight>
+              <a:latin typeface="Consolas"/>
+            </a:endParaRPr>
+          </a:p>
+          <a:p>
+            <a:r>
+              <a:rPr lang="ru-RU" sz="1400" dirty="0">
+                <a:solidFill>
+                  <a:srgbClr val="000000"/>
+                </a:solidFill>
+                <a:highlight>
+                  <a:srgbClr val="FFFFFF"/>
+                </a:highlight>
+                <a:latin typeface="Consolas"/>
+              </a:rPr>
+              <a:t>}</a:t>
+            </a:r>
           </a:p>
         </p:txBody>
       </p:sp>
     </p:spTree>
     <p:extLst>
       <p:ext uri="{BB962C8B-B14F-4D97-AF65-F5344CB8AC3E}">
-        <p14:creationId xmlns:p14="http://schemas.microsoft.com/office/powerpoint/2010/main" val="3423735262"/>
+        <p14:creationId xmlns:p14="http://schemas.microsoft.com/office/powerpoint/2010/main" val="902992116"/>
       </p:ext>
     </p:extLst>
   </p:cSld>
@@ -4114,24 +9048,42 @@
             <p:ph type="title"/>
           </p:nvPr>
         </p:nvSpPr>
-        <p:spPr/>
+        <p:spPr>
+          <a:xfrm>
+            <a:off x="390364" y="116632"/>
+            <a:ext cx="8363272" cy="994122"/>
+          </a:xfrm>
+        </p:spPr>
         <p:txBody>
-          <a:bodyPr/>
+          <a:bodyPr>
+            <a:normAutofit fontScale="90000"/>
+          </a:bodyPr>
           <a:lstStyle/>
           <a:p>
             <a:r>
-              <a:rPr lang="ru-RU" dirty="0" smtClean="0"/>
-              <a:t>Ограничения (</a:t>
-            </a:r>
-            <a:r>
-              <a:rPr lang="en-US" dirty="0" smtClean="0"/>
-              <a:t>constraints</a:t>
-            </a:r>
-            <a:r>
-              <a:rPr lang="ru-RU" dirty="0" smtClean="0"/>
+              <a:rPr lang="ru-RU" sz="3200" dirty="0" smtClean="0"/>
+              <a:t>Выведение тип-аргументов</a:t>
+            </a:r>
+            <a:r>
+              <a:rPr lang="en-US" sz="3200" dirty="0" smtClean="0"/>
+              <a:t/>
+            </a:r>
+            <a:br>
+              <a:rPr lang="en-US" sz="3200" dirty="0" smtClean="0"/>
+            </a:br>
+            <a:r>
+              <a:rPr lang="ru-RU" sz="3200" dirty="0" smtClean="0"/>
+              <a:t>(</a:t>
+            </a:r>
+            <a:r>
+              <a:rPr lang="en-US" sz="3200" dirty="0" smtClean="0"/>
+              <a:t>inference of type arguments</a:t>
+            </a:r>
+            <a:r>
+              <a:rPr lang="ru-RU" sz="3200" dirty="0" smtClean="0"/>
               <a:t>)</a:t>
             </a:r>
-            <a:endParaRPr lang="en-US" dirty="0"/>
+            <a:endParaRPr lang="ru-RU" sz="3200" dirty="0"/>
           </a:p>
         </p:txBody>
       </p:sp>
@@ -4145,149 +9097,1171 @@
             <p:ph idx="1"/>
           </p:nvPr>
         </p:nvSpPr>
-        <p:spPr/>
+        <p:spPr>
+          <a:xfrm>
+            <a:off x="390364" y="1268760"/>
+            <a:ext cx="8358100" cy="1368152"/>
+          </a:xfrm>
+        </p:spPr>
         <p:txBody>
           <a:bodyPr>
-            <a:normAutofit fontScale="85000" lnSpcReduction="20000"/>
+            <a:normAutofit/>
           </a:bodyPr>
           <a:lstStyle/>
           <a:p>
-            <a:r>
-              <a:rPr lang="ru-RU" dirty="0" smtClean="0"/>
-              <a:t>Базовый класс</a:t>
-            </a:r>
-          </a:p>
-          <a:p>
-            <a:pPr lvl="1"/>
-            <a:r>
-              <a:rPr lang="en-US" dirty="0" smtClean="0"/>
-              <a:t>class Demo&lt;T&gt; where T : </a:t>
-            </a:r>
-            <a:r>
-              <a:rPr lang="en-US" dirty="0" err="1" smtClean="0"/>
-              <a:t>BaseClass</a:t>
-            </a:r>
-            <a:r>
-              <a:rPr lang="en-US" dirty="0" smtClean="0"/>
-              <a:t> { … }</a:t>
-            </a:r>
-            <a:endParaRPr lang="ru-RU" dirty="0" smtClean="0"/>
-          </a:p>
-          <a:p>
-            <a:r>
-              <a:rPr lang="ru-RU" dirty="0" smtClean="0"/>
-              <a:t>Интерфейс(ы)</a:t>
-            </a:r>
-            <a:endParaRPr lang="en-US" dirty="0" smtClean="0"/>
-          </a:p>
-          <a:p>
-            <a:pPr lvl="1"/>
-            <a:r>
-              <a:rPr lang="en-US" dirty="0"/>
-              <a:t>class Demo&lt;T&gt; where T : </a:t>
-            </a:r>
-            <a:r>
-              <a:rPr lang="en-US" dirty="0" err="1" smtClean="0"/>
-              <a:t>ISmth</a:t>
-            </a:r>
-            <a:r>
-              <a:rPr lang="en-US" dirty="0" smtClean="0"/>
+            <a:pPr marL="0" indent="0">
+              <a:buNone/>
+            </a:pPr>
+            <a:r>
+              <a:rPr lang="ru-RU" sz="2000" dirty="0" smtClean="0"/>
+              <a:t>Для обобщенных </a:t>
+            </a:r>
+            <a:r>
+              <a:rPr lang="en-US" sz="2000" dirty="0" smtClean="0"/>
+              <a:t>(generic) </a:t>
+            </a:r>
+            <a:r>
+              <a:rPr lang="ru-RU" sz="2000" dirty="0" smtClean="0"/>
+              <a:t>методов компилятор автоматически определяет тип для тип-аргумента на основании аргументов метода. Например, метод </a:t>
+            </a:r>
+            <a:r>
+              <a:rPr lang="en-US" sz="2000" dirty="0" smtClean="0"/>
+              <a:t>Choose </a:t>
+            </a:r>
+            <a:r>
+              <a:rPr lang="ru-RU" sz="2000" dirty="0" smtClean="0"/>
+              <a:t>может быть вызван с явным указанием тип-аргумента, но это не обязательно:</a:t>
+            </a:r>
+            <a:endParaRPr lang="ru-RU" sz="2000" dirty="0"/>
+          </a:p>
+        </p:txBody>
+      </p:sp>
+      <p:sp>
+        <p:nvSpPr>
+          <p:cNvPr id="5" name="Rectangle 4"/>
+          <p:cNvSpPr/>
+          <p:nvPr/>
+        </p:nvSpPr>
+        <p:spPr>
+          <a:xfrm>
+            <a:off x="376592" y="2560836"/>
+            <a:ext cx="8358100" cy="2308324"/>
+          </a:xfrm>
+          <a:prstGeom prst="rect">
+            <a:avLst/>
+          </a:prstGeom>
+          <a:solidFill>
+            <a:schemeClr val="bg1"/>
+          </a:solidFill>
+        </p:spPr>
+        <p:txBody>
+          <a:bodyPr wrap="square">
+            <a:spAutoFit/>
+          </a:bodyPr>
+          <a:lstStyle/>
+          <a:p>
+            <a:r>
+              <a:rPr lang="en-US" sz="1200" dirty="0">
+                <a:solidFill>
+                  <a:srgbClr val="0000FF"/>
+                </a:solidFill>
+                <a:latin typeface="Consolas"/>
+              </a:rPr>
+              <a:t>static</a:t>
+            </a:r>
+            <a:r>
+              <a:rPr lang="en-US" sz="1200" dirty="0">
+                <a:solidFill>
+                  <a:prstClr val="black"/>
+                </a:solidFill>
+                <a:latin typeface="Consolas"/>
+              </a:rPr>
               <a:t> </a:t>
             </a:r>
             <a:r>
-              <a:rPr lang="en-US" dirty="0"/>
-              <a:t>{ … </a:t>
-            </a:r>
-            <a:r>
-              <a:rPr lang="en-US" dirty="0" smtClean="0"/>
+              <a:rPr lang="en-US" sz="1200" dirty="0">
+                <a:solidFill>
+                  <a:srgbClr val="0000FF"/>
+                </a:solidFill>
+                <a:latin typeface="Consolas"/>
+              </a:rPr>
+              <a:t>class</a:t>
+            </a:r>
+            <a:r>
+              <a:rPr lang="en-US" sz="1200" dirty="0">
+                <a:solidFill>
+                  <a:prstClr val="black"/>
+                </a:solidFill>
+                <a:latin typeface="Consolas"/>
+              </a:rPr>
+              <a:t> </a:t>
+            </a:r>
+            <a:r>
+              <a:rPr lang="en-US" sz="1200" dirty="0">
+                <a:solidFill>
+                  <a:srgbClr val="2B91AF"/>
+                </a:solidFill>
+                <a:latin typeface="Consolas"/>
+              </a:rPr>
+              <a:t>Chooser</a:t>
+            </a:r>
+            <a:endParaRPr lang="en-US" sz="1200" dirty="0">
+              <a:solidFill>
+                <a:prstClr val="black"/>
+              </a:solidFill>
+              <a:latin typeface="Consolas"/>
+            </a:endParaRPr>
+          </a:p>
+          <a:p>
+            <a:r>
+              <a:rPr lang="ru-RU" sz="1200" dirty="0">
+                <a:solidFill>
+                  <a:prstClr val="black"/>
+                </a:solidFill>
+                <a:latin typeface="Consolas"/>
+              </a:rPr>
+              <a:t>{</a:t>
+            </a:r>
+          </a:p>
+          <a:p>
+            <a:r>
+              <a:rPr lang="ru-RU" sz="1200" dirty="0" smtClean="0">
+                <a:solidFill>
+                  <a:srgbClr val="0000FF"/>
+                </a:solidFill>
+                <a:latin typeface="Consolas"/>
+              </a:rPr>
+              <a:t>    </a:t>
+            </a:r>
+            <a:r>
+              <a:rPr lang="en-US" sz="1200" dirty="0" smtClean="0">
+                <a:solidFill>
+                  <a:srgbClr val="0000FF"/>
+                </a:solidFill>
+                <a:latin typeface="Consolas"/>
+              </a:rPr>
+              <a:t>static</a:t>
+            </a:r>
+            <a:r>
+              <a:rPr lang="en-US" sz="1200" dirty="0" smtClean="0">
+                <a:solidFill>
+                  <a:prstClr val="black"/>
+                </a:solidFill>
+                <a:latin typeface="Consolas"/>
+              </a:rPr>
+              <a:t> </a:t>
+            </a:r>
+            <a:r>
+              <a:rPr lang="en-US" sz="1200" dirty="0">
+                <a:solidFill>
+                  <a:srgbClr val="2B91AF"/>
+                </a:solidFill>
+                <a:latin typeface="Consolas"/>
+              </a:rPr>
+              <a:t>Random</a:t>
+            </a:r>
+            <a:r>
+              <a:rPr lang="en-US" sz="1200" dirty="0">
+                <a:solidFill>
+                  <a:prstClr val="black"/>
+                </a:solidFill>
+                <a:latin typeface="Consolas"/>
+              </a:rPr>
+              <a:t> </a:t>
+            </a:r>
+            <a:r>
+              <a:rPr lang="en-US" sz="1200" dirty="0" err="1">
+                <a:solidFill>
+                  <a:prstClr val="black"/>
+                </a:solidFill>
+                <a:latin typeface="Consolas"/>
+              </a:rPr>
+              <a:t>rnd</a:t>
+            </a:r>
+            <a:r>
+              <a:rPr lang="en-US" sz="1200" dirty="0">
+                <a:solidFill>
+                  <a:prstClr val="black"/>
+                </a:solidFill>
+                <a:latin typeface="Consolas"/>
+              </a:rPr>
+              <a:t> = </a:t>
+            </a:r>
+            <a:r>
+              <a:rPr lang="en-US" sz="1200" dirty="0">
+                <a:solidFill>
+                  <a:srgbClr val="0000FF"/>
+                </a:solidFill>
+                <a:latin typeface="Consolas"/>
+              </a:rPr>
+              <a:t>new</a:t>
+            </a:r>
+            <a:r>
+              <a:rPr lang="en-US" sz="1200" dirty="0">
+                <a:solidFill>
+                  <a:prstClr val="black"/>
+                </a:solidFill>
+                <a:latin typeface="Consolas"/>
+              </a:rPr>
+              <a:t> </a:t>
+            </a:r>
+            <a:r>
+              <a:rPr lang="en-US" sz="1200" dirty="0">
+                <a:solidFill>
+                  <a:srgbClr val="2B91AF"/>
+                </a:solidFill>
+                <a:latin typeface="Consolas"/>
+              </a:rPr>
+              <a:t>Random</a:t>
+            </a:r>
+            <a:r>
+              <a:rPr lang="en-US" sz="1200" dirty="0">
+                <a:solidFill>
+                  <a:prstClr val="black"/>
+                </a:solidFill>
+                <a:latin typeface="Consolas"/>
+              </a:rPr>
+              <a:t>();</a:t>
+            </a:r>
+          </a:p>
+          <a:p>
+            <a:r>
+              <a:rPr lang="ru-RU" sz="1200" dirty="0" smtClean="0">
+                <a:solidFill>
+                  <a:srgbClr val="0000FF"/>
+                </a:solidFill>
+                <a:latin typeface="Consolas"/>
+              </a:rPr>
+              <a:t>    </a:t>
+            </a:r>
+            <a:r>
+              <a:rPr lang="fr-FR" sz="1200" dirty="0" smtClean="0">
+                <a:solidFill>
+                  <a:srgbClr val="0000FF"/>
+                </a:solidFill>
+                <a:latin typeface="Consolas"/>
+              </a:rPr>
+              <a:t>public</a:t>
+            </a:r>
+            <a:r>
+              <a:rPr lang="fr-FR" sz="1200" dirty="0" smtClean="0">
+                <a:solidFill>
+                  <a:prstClr val="black"/>
+                </a:solidFill>
+                <a:latin typeface="Consolas"/>
+              </a:rPr>
+              <a:t> </a:t>
+            </a:r>
+            <a:r>
+              <a:rPr lang="fr-FR" sz="1200" dirty="0">
+                <a:solidFill>
+                  <a:srgbClr val="0000FF"/>
+                </a:solidFill>
+                <a:latin typeface="Consolas"/>
+              </a:rPr>
+              <a:t>static</a:t>
+            </a:r>
+            <a:r>
+              <a:rPr lang="fr-FR" sz="1200" dirty="0">
+                <a:solidFill>
+                  <a:prstClr val="black"/>
+                </a:solidFill>
+                <a:latin typeface="Consolas"/>
+              </a:rPr>
+              <a:t> T </a:t>
+            </a:r>
+            <a:r>
+              <a:rPr lang="fr-FR" sz="1200" dirty="0" smtClean="0">
+                <a:solidFill>
+                  <a:prstClr val="black"/>
+                </a:solidFill>
+                <a:latin typeface="Consolas"/>
+              </a:rPr>
+              <a:t>Choose&lt;T</a:t>
+            </a:r>
+            <a:r>
+              <a:rPr lang="fr-FR" sz="1200" dirty="0">
+                <a:solidFill>
+                  <a:prstClr val="black"/>
+                </a:solidFill>
+                <a:latin typeface="Consolas"/>
+              </a:rPr>
+              <a:t>&gt;(T first, T second)</a:t>
+            </a:r>
+          </a:p>
+          <a:p>
+            <a:r>
+              <a:rPr lang="ru-RU" sz="1200" dirty="0" smtClean="0">
+                <a:solidFill>
+                  <a:prstClr val="black"/>
+                </a:solidFill>
+                <a:latin typeface="Consolas"/>
+              </a:rPr>
+              <a:t>    {</a:t>
+            </a:r>
+            <a:endParaRPr lang="ru-RU" sz="1200" dirty="0">
+              <a:solidFill>
+                <a:prstClr val="black"/>
+              </a:solidFill>
+              <a:latin typeface="Consolas"/>
+            </a:endParaRPr>
+          </a:p>
+          <a:p>
+            <a:r>
+              <a:rPr lang="ru-RU" sz="1200" dirty="0" smtClean="0">
+                <a:solidFill>
+                  <a:srgbClr val="0000FF"/>
+                </a:solidFill>
+                <a:latin typeface="Consolas"/>
+              </a:rPr>
+              <a:t>        </a:t>
+            </a:r>
+            <a:r>
+              <a:rPr lang="en-US" sz="1200" dirty="0" smtClean="0">
+                <a:solidFill>
+                  <a:srgbClr val="0000FF"/>
+                </a:solidFill>
+                <a:latin typeface="Consolas"/>
+              </a:rPr>
+              <a:t>return</a:t>
+            </a:r>
+            <a:r>
+              <a:rPr lang="en-US" sz="1200" dirty="0" smtClean="0">
+                <a:solidFill>
+                  <a:prstClr val="black"/>
+                </a:solidFill>
+                <a:latin typeface="Consolas"/>
+              </a:rPr>
+              <a:t> </a:t>
+            </a:r>
+            <a:r>
+              <a:rPr lang="en-US" sz="1200" dirty="0" err="1">
+                <a:solidFill>
+                  <a:prstClr val="black"/>
+                </a:solidFill>
+                <a:latin typeface="Consolas"/>
+              </a:rPr>
+              <a:t>rnd.Next</a:t>
+            </a:r>
+            <a:r>
+              <a:rPr lang="en-US" sz="1200" dirty="0" smtClean="0">
+                <a:solidFill>
+                  <a:prstClr val="black"/>
+                </a:solidFill>
+                <a:latin typeface="Consolas"/>
+              </a:rPr>
+              <a:t>() %</a:t>
+            </a:r>
+            <a:r>
+              <a:rPr lang="en-US" sz="1200" dirty="0">
+                <a:solidFill>
+                  <a:prstClr val="black"/>
+                </a:solidFill>
+                <a:latin typeface="Consolas"/>
+              </a:rPr>
+              <a:t>2 == 0 ? first : second;</a:t>
+            </a:r>
+          </a:p>
+          <a:p>
+            <a:r>
+              <a:rPr lang="ru-RU" sz="1200" dirty="0" smtClean="0">
+                <a:solidFill>
+                  <a:prstClr val="black"/>
+                </a:solidFill>
+                <a:latin typeface="Consolas"/>
+              </a:rPr>
+              <a:t>    }</a:t>
+            </a:r>
+            <a:endParaRPr lang="ru-RU" sz="1200" dirty="0">
+              <a:solidFill>
+                <a:prstClr val="black"/>
+              </a:solidFill>
+              <a:latin typeface="Consolas"/>
+            </a:endParaRPr>
+          </a:p>
+          <a:p>
+            <a:r>
+              <a:rPr lang="ru-RU" sz="1200" dirty="0">
+                <a:solidFill>
+                  <a:prstClr val="black"/>
+                </a:solidFill>
+                <a:latin typeface="Consolas"/>
+              </a:rPr>
               <a:t>}</a:t>
             </a:r>
           </a:p>
           <a:p>
-            <a:pPr lvl="1"/>
-            <a:r>
-              <a:rPr lang="en-US" dirty="0"/>
-              <a:t>class Demo&lt;T&gt; where T : </a:t>
-            </a:r>
-            <a:r>
-              <a:rPr lang="en-US" dirty="0" smtClean="0"/>
-              <a:t>ISmth1, ISmth2 </a:t>
-            </a:r>
-            <a:r>
-              <a:rPr lang="en-US" dirty="0"/>
-              <a:t>{ … }</a:t>
-            </a:r>
-            <a:endParaRPr lang="ru-RU" dirty="0" smtClean="0"/>
-          </a:p>
-          <a:p>
-            <a:r>
-              <a:rPr lang="ru-RU" dirty="0" smtClean="0"/>
-              <a:t>Ссылочный тип</a:t>
-            </a:r>
-            <a:endParaRPr lang="en-US" dirty="0" smtClean="0"/>
-          </a:p>
-          <a:p>
-            <a:pPr lvl="1"/>
-            <a:r>
-              <a:rPr lang="en-US" dirty="0"/>
-              <a:t>class Demo&lt;T&gt; where T : </a:t>
-            </a:r>
-            <a:r>
-              <a:rPr lang="en-US" dirty="0" smtClean="0"/>
-              <a:t>class</a:t>
-            </a:r>
-            <a:endParaRPr lang="ru-RU" dirty="0" smtClean="0"/>
-          </a:p>
-          <a:p>
-            <a:r>
-              <a:rPr lang="ru-RU" dirty="0" smtClean="0"/>
-              <a:t>Значимый тип</a:t>
-            </a:r>
-            <a:endParaRPr lang="en-US" dirty="0" smtClean="0"/>
-          </a:p>
-          <a:p>
-            <a:pPr lvl="1"/>
-            <a:r>
-              <a:rPr lang="en-US" dirty="0"/>
-              <a:t>class Demo&lt;T&gt; where T : </a:t>
-            </a:r>
-            <a:r>
-              <a:rPr lang="en-US" dirty="0" err="1" smtClean="0"/>
-              <a:t>struct</a:t>
-            </a:r>
-            <a:endParaRPr lang="ru-RU" dirty="0" smtClean="0"/>
-          </a:p>
-          <a:p>
-            <a:r>
-              <a:rPr lang="ru-RU" dirty="0" smtClean="0"/>
-              <a:t>Конструктор без аргументов</a:t>
-            </a:r>
-            <a:endParaRPr lang="en-US" dirty="0" smtClean="0"/>
-          </a:p>
-          <a:p>
-            <a:pPr lvl="1"/>
-            <a:r>
-              <a:rPr lang="en-US" dirty="0"/>
-              <a:t>class Demo&lt;T&gt; where T : </a:t>
-            </a:r>
-            <a:r>
-              <a:rPr lang="en-US" dirty="0" smtClean="0"/>
-              <a:t>new()</a:t>
-            </a:r>
-            <a:endParaRPr lang="en-US" dirty="0"/>
+            <a:endParaRPr lang="ru-RU" sz="1200" dirty="0" smtClean="0">
+              <a:solidFill>
+                <a:srgbClr val="0000FF"/>
+              </a:solidFill>
+              <a:latin typeface="Consolas"/>
+            </a:endParaRPr>
+          </a:p>
+          <a:p>
+            <a:r>
+              <a:rPr lang="ru-RU" sz="1200" dirty="0">
+                <a:solidFill>
+                  <a:srgbClr val="008000"/>
+                </a:solidFill>
+                <a:latin typeface="Consolas"/>
+              </a:rPr>
+              <a:t>// Явное указание </a:t>
+            </a:r>
+            <a:r>
+              <a:rPr lang="ru-RU" sz="1200" dirty="0" smtClean="0">
+                <a:solidFill>
+                  <a:srgbClr val="008000"/>
+                </a:solidFill>
+                <a:latin typeface="Consolas"/>
+              </a:rPr>
+              <a:t>тип-аргумента</a:t>
+            </a:r>
+            <a:r>
+              <a:rPr lang="en-US" sz="1200" dirty="0" smtClean="0">
+                <a:solidFill>
+                  <a:srgbClr val="008000"/>
+                </a:solidFill>
+                <a:latin typeface="Consolas"/>
+              </a:rPr>
+              <a:t>. </a:t>
+            </a:r>
+            <a:r>
+              <a:rPr lang="ru-RU" sz="1200" dirty="0" smtClean="0">
+                <a:solidFill>
+                  <a:srgbClr val="008000"/>
+                </a:solidFill>
+                <a:latin typeface="Consolas"/>
+              </a:rPr>
+              <a:t>Это избыточно т.к. компилятор может «угадать» его</a:t>
+            </a:r>
+            <a:endParaRPr lang="ru-RU" sz="1200" dirty="0">
+              <a:solidFill>
+                <a:srgbClr val="008000"/>
+              </a:solidFill>
+              <a:latin typeface="Consolas"/>
+            </a:endParaRPr>
+          </a:p>
+          <a:p>
+            <a:r>
+              <a:rPr lang="en-US" sz="1200" dirty="0" err="1" smtClean="0">
+                <a:solidFill>
+                  <a:srgbClr val="0000FF"/>
+                </a:solidFill>
+                <a:latin typeface="Consolas"/>
+              </a:rPr>
+              <a:t>int</a:t>
+            </a:r>
+            <a:r>
+              <a:rPr lang="en-US" sz="1200" dirty="0" smtClean="0">
+                <a:solidFill>
+                  <a:prstClr val="black"/>
+                </a:solidFill>
+                <a:latin typeface="Consolas"/>
+              </a:rPr>
+              <a:t> </a:t>
+            </a:r>
+            <a:r>
+              <a:rPr lang="en-US" sz="1200" dirty="0" err="1" smtClean="0">
+                <a:solidFill>
+                  <a:prstClr val="black"/>
+                </a:solidFill>
+                <a:latin typeface="Consolas"/>
+              </a:rPr>
+              <a:t>theAnswer</a:t>
+            </a:r>
+            <a:r>
+              <a:rPr lang="en-US" sz="1200" dirty="0" smtClean="0">
+                <a:solidFill>
+                  <a:prstClr val="black"/>
+                </a:solidFill>
+                <a:latin typeface="Consolas"/>
+              </a:rPr>
+              <a:t> </a:t>
+            </a:r>
+            <a:r>
+              <a:rPr lang="en-US" sz="1200" dirty="0">
+                <a:solidFill>
+                  <a:prstClr val="black"/>
+                </a:solidFill>
+                <a:latin typeface="Consolas"/>
+              </a:rPr>
+              <a:t>= </a:t>
+            </a:r>
+            <a:r>
+              <a:rPr lang="en-US" sz="1200" dirty="0" err="1">
+                <a:solidFill>
+                  <a:srgbClr val="2B91AF"/>
+                </a:solidFill>
+                <a:latin typeface="Consolas"/>
+              </a:rPr>
+              <a:t>Chooser</a:t>
+            </a:r>
+            <a:r>
+              <a:rPr lang="en-US" sz="1200" dirty="0" err="1">
+                <a:solidFill>
+                  <a:prstClr val="black"/>
+                </a:solidFill>
+                <a:latin typeface="Consolas"/>
+              </a:rPr>
+              <a:t>.Choose</a:t>
+            </a:r>
+            <a:r>
+              <a:rPr lang="en-US" sz="1200" dirty="0">
+                <a:solidFill>
+                  <a:prstClr val="black"/>
+                </a:solidFill>
+                <a:latin typeface="Consolas"/>
+              </a:rPr>
+              <a:t>&lt;</a:t>
+            </a:r>
+            <a:r>
+              <a:rPr lang="en-US" sz="1200" dirty="0" err="1">
+                <a:solidFill>
+                  <a:srgbClr val="0000FF"/>
+                </a:solidFill>
+                <a:latin typeface="Consolas"/>
+              </a:rPr>
+              <a:t>int</a:t>
+            </a:r>
+            <a:r>
+              <a:rPr lang="en-US" sz="1200" dirty="0" smtClean="0">
+                <a:solidFill>
+                  <a:prstClr val="black"/>
+                </a:solidFill>
+                <a:latin typeface="Consolas"/>
+              </a:rPr>
+              <a:t>&gt;(</a:t>
+            </a:r>
+            <a:r>
+              <a:rPr lang="ru-RU" sz="1200" dirty="0" smtClean="0">
+                <a:solidFill>
+                  <a:prstClr val="black"/>
+                </a:solidFill>
+                <a:latin typeface="Consolas"/>
+              </a:rPr>
+              <a:t>41</a:t>
+            </a:r>
+            <a:r>
+              <a:rPr lang="en-US" sz="1200" dirty="0" smtClean="0">
+                <a:solidFill>
+                  <a:prstClr val="black"/>
+                </a:solidFill>
+                <a:latin typeface="Consolas"/>
+              </a:rPr>
+              <a:t>, </a:t>
+            </a:r>
+            <a:r>
+              <a:rPr lang="en-US" sz="1200" dirty="0">
+                <a:solidFill>
+                  <a:prstClr val="black"/>
+                </a:solidFill>
+                <a:latin typeface="Consolas"/>
+              </a:rPr>
+              <a:t>42);</a:t>
+            </a:r>
+          </a:p>
+          <a:p>
+            <a:r>
+              <a:rPr lang="en-US" sz="1200" dirty="0">
+                <a:solidFill>
+                  <a:srgbClr val="0000FF"/>
+                </a:solidFill>
+                <a:latin typeface="Consolas"/>
+              </a:rPr>
+              <a:t>string</a:t>
+            </a:r>
+            <a:r>
+              <a:rPr lang="en-US" sz="1200" dirty="0">
+                <a:solidFill>
+                  <a:prstClr val="black"/>
+                </a:solidFill>
+                <a:latin typeface="Consolas"/>
+              </a:rPr>
+              <a:t> </a:t>
+            </a:r>
+            <a:r>
+              <a:rPr lang="en-US" sz="1200" dirty="0" smtClean="0">
+                <a:solidFill>
+                  <a:prstClr val="black"/>
+                </a:solidFill>
+                <a:latin typeface="Consolas"/>
+              </a:rPr>
+              <a:t>name </a:t>
+            </a:r>
+            <a:r>
+              <a:rPr lang="en-US" sz="1200" dirty="0">
+                <a:solidFill>
+                  <a:prstClr val="black"/>
+                </a:solidFill>
+                <a:latin typeface="Consolas"/>
+              </a:rPr>
+              <a:t>= </a:t>
+            </a:r>
+            <a:r>
+              <a:rPr lang="en-US" sz="1200" dirty="0" err="1">
+                <a:solidFill>
+                  <a:srgbClr val="2B91AF"/>
+                </a:solidFill>
+                <a:latin typeface="Consolas"/>
+              </a:rPr>
+              <a:t>Chooser</a:t>
+            </a:r>
+            <a:r>
+              <a:rPr lang="en-US" sz="1200" dirty="0" err="1">
+                <a:solidFill>
+                  <a:prstClr val="black"/>
+                </a:solidFill>
+                <a:latin typeface="Consolas"/>
+              </a:rPr>
+              <a:t>.Choose</a:t>
+            </a:r>
+            <a:r>
+              <a:rPr lang="en-US" sz="1200" dirty="0">
+                <a:solidFill>
+                  <a:prstClr val="black"/>
+                </a:solidFill>
+                <a:latin typeface="Consolas"/>
+              </a:rPr>
+              <a:t>&lt;</a:t>
+            </a:r>
+            <a:r>
+              <a:rPr lang="en-US" sz="1200" dirty="0">
+                <a:solidFill>
+                  <a:srgbClr val="0000FF"/>
+                </a:solidFill>
+                <a:latin typeface="Consolas"/>
+              </a:rPr>
+              <a:t>string</a:t>
+            </a:r>
+            <a:r>
+              <a:rPr lang="en-US" sz="1200" dirty="0">
+                <a:solidFill>
+                  <a:prstClr val="black"/>
+                </a:solidFill>
+                <a:latin typeface="Consolas"/>
+              </a:rPr>
+              <a:t>&gt;(</a:t>
+            </a:r>
+            <a:r>
+              <a:rPr lang="en-US" sz="1200" dirty="0">
+                <a:solidFill>
+                  <a:srgbClr val="A31515"/>
+                </a:solidFill>
+                <a:latin typeface="Consolas"/>
+              </a:rPr>
+              <a:t>"Marvin"</a:t>
+            </a:r>
+            <a:r>
+              <a:rPr lang="en-US" sz="1200" dirty="0">
+                <a:solidFill>
+                  <a:prstClr val="black"/>
+                </a:solidFill>
+                <a:latin typeface="Consolas"/>
+              </a:rPr>
+              <a:t>, </a:t>
+            </a:r>
+            <a:r>
+              <a:rPr lang="en-US" sz="1200" dirty="0">
+                <a:solidFill>
+                  <a:srgbClr val="A31515"/>
+                </a:solidFill>
+                <a:latin typeface="Consolas"/>
+              </a:rPr>
+              <a:t>"</a:t>
+            </a:r>
+            <a:r>
+              <a:rPr lang="en-US" sz="1200" dirty="0" err="1">
+                <a:solidFill>
+                  <a:srgbClr val="A31515"/>
+                </a:solidFill>
+                <a:latin typeface="Consolas"/>
+              </a:rPr>
+              <a:t>Zaphod</a:t>
+            </a:r>
+            <a:r>
+              <a:rPr lang="en-US" sz="1200" dirty="0" smtClean="0">
+                <a:solidFill>
+                  <a:srgbClr val="A31515"/>
+                </a:solidFill>
+                <a:latin typeface="Consolas"/>
+              </a:rPr>
+              <a:t>"</a:t>
+            </a:r>
+            <a:r>
+              <a:rPr lang="en-US" sz="1200" dirty="0" smtClean="0">
+                <a:solidFill>
+                  <a:prstClr val="black"/>
+                </a:solidFill>
+                <a:latin typeface="Consolas"/>
+              </a:rPr>
+              <a:t>);</a:t>
+            </a:r>
+            <a:endParaRPr lang="ru-RU" sz="1200" dirty="0">
+              <a:solidFill>
+                <a:prstClr val="black"/>
+              </a:solidFill>
+              <a:latin typeface="Consolas"/>
+            </a:endParaRPr>
+          </a:p>
+        </p:txBody>
+      </p:sp>
+      <p:sp>
+        <p:nvSpPr>
+          <p:cNvPr id="6" name="Content Placeholder 2"/>
+          <p:cNvSpPr txBox="1">
+            <a:spLocks/>
+          </p:cNvSpPr>
+          <p:nvPr/>
+        </p:nvSpPr>
+        <p:spPr>
+          <a:xfrm>
+            <a:off x="390364" y="5013176"/>
+            <a:ext cx="8358100" cy="360040"/>
+          </a:xfrm>
+          <a:prstGeom prst="rect">
+            <a:avLst/>
+          </a:prstGeom>
+        </p:spPr>
+        <p:txBody>
+          <a:bodyPr vert="horz" lIns="91440" tIns="45720" rIns="91440" bIns="45720" rtlCol="0">
+            <a:normAutofit fontScale="92500" lnSpcReduction="20000"/>
+          </a:bodyPr>
+          <a:lstStyle>
+            <a:lvl1pPr marL="342900" indent="-342900" algn="l" defTabSz="914400" rtl="0" eaLnBrk="1" latinLnBrk="0" hangingPunct="1">
+              <a:spcBef>
+                <a:spcPct val="20000"/>
+              </a:spcBef>
+              <a:buFont typeface="Arial" pitchFamily="34" charset="0"/>
+              <a:buChar char="•"/>
+              <a:defRPr sz="3200" kern="1200">
+                <a:solidFill>
+                  <a:schemeClr val="tx1"/>
+                </a:solidFill>
+                <a:latin typeface="+mn-lt"/>
+                <a:ea typeface="+mn-ea"/>
+                <a:cs typeface="+mn-cs"/>
+              </a:defRPr>
+            </a:lvl1pPr>
+            <a:lvl2pPr marL="742950" indent="-285750" algn="l" defTabSz="914400" rtl="0" eaLnBrk="1" latinLnBrk="0" hangingPunct="1">
+              <a:spcBef>
+                <a:spcPct val="20000"/>
+              </a:spcBef>
+              <a:buFont typeface="Arial" pitchFamily="34" charset="0"/>
+              <a:buChar char="–"/>
+              <a:defRPr sz="2800" kern="1200">
+                <a:solidFill>
+                  <a:schemeClr val="tx1"/>
+                </a:solidFill>
+                <a:latin typeface="+mn-lt"/>
+                <a:ea typeface="+mn-ea"/>
+                <a:cs typeface="+mn-cs"/>
+              </a:defRPr>
+            </a:lvl2pPr>
+            <a:lvl3pPr marL="1143000" indent="-228600" algn="l" defTabSz="914400" rtl="0" eaLnBrk="1" latinLnBrk="0" hangingPunct="1">
+              <a:spcBef>
+                <a:spcPct val="20000"/>
+              </a:spcBef>
+              <a:buFont typeface="Arial" pitchFamily="34" charset="0"/>
+              <a:buChar char="•"/>
+              <a:defRPr sz="2400" kern="1200">
+                <a:solidFill>
+                  <a:schemeClr val="tx1"/>
+                </a:solidFill>
+                <a:latin typeface="+mn-lt"/>
+                <a:ea typeface="+mn-ea"/>
+                <a:cs typeface="+mn-cs"/>
+              </a:defRPr>
+            </a:lvl3pPr>
+            <a:lvl4pPr marL="1600200" indent="-228600" algn="l" defTabSz="914400" rtl="0" eaLnBrk="1" latinLnBrk="0" hangingPunct="1">
+              <a:spcBef>
+                <a:spcPct val="20000"/>
+              </a:spcBef>
+              <a:buFont typeface="Arial" pitchFamily="34" charset="0"/>
+              <a:buChar char="–"/>
+              <a:defRPr sz="2000" kern="1200">
+                <a:solidFill>
+                  <a:schemeClr val="tx1"/>
+                </a:solidFill>
+                <a:latin typeface="+mn-lt"/>
+                <a:ea typeface="+mn-ea"/>
+                <a:cs typeface="+mn-cs"/>
+              </a:defRPr>
+            </a:lvl4pPr>
+            <a:lvl5pPr marL="2057400" indent="-228600" algn="l" defTabSz="914400" rtl="0" eaLnBrk="1" latinLnBrk="0" hangingPunct="1">
+              <a:spcBef>
+                <a:spcPct val="20000"/>
+              </a:spcBef>
+              <a:buFont typeface="Arial" pitchFamily="34" charset="0"/>
+              <a:buChar char="»"/>
+              <a:defRPr sz="2000" kern="1200">
+                <a:solidFill>
+                  <a:schemeClr val="tx1"/>
+                </a:solidFill>
+                <a:latin typeface="+mn-lt"/>
+                <a:ea typeface="+mn-ea"/>
+                <a:cs typeface="+mn-cs"/>
+              </a:defRPr>
+            </a:lvl5pPr>
+            <a:lvl6pPr marL="2514600" indent="-228600" algn="l" defTabSz="914400" rtl="0" eaLnBrk="1" latinLnBrk="0" hangingPunct="1">
+              <a:spcBef>
+                <a:spcPct val="20000"/>
+              </a:spcBef>
+              <a:buFont typeface="Arial" pitchFamily="34" charset="0"/>
+              <a:buChar char="•"/>
+              <a:defRPr sz="2000" kern="1200">
+                <a:solidFill>
+                  <a:schemeClr val="tx1"/>
+                </a:solidFill>
+                <a:latin typeface="+mn-lt"/>
+                <a:ea typeface="+mn-ea"/>
+                <a:cs typeface="+mn-cs"/>
+              </a:defRPr>
+            </a:lvl6pPr>
+            <a:lvl7pPr marL="2971800" indent="-228600" algn="l" defTabSz="914400" rtl="0" eaLnBrk="1" latinLnBrk="0" hangingPunct="1">
+              <a:spcBef>
+                <a:spcPct val="20000"/>
+              </a:spcBef>
+              <a:buFont typeface="Arial" pitchFamily="34" charset="0"/>
+              <a:buChar char="•"/>
+              <a:defRPr sz="2000" kern="1200">
+                <a:solidFill>
+                  <a:schemeClr val="tx1"/>
+                </a:solidFill>
+                <a:latin typeface="+mn-lt"/>
+                <a:ea typeface="+mn-ea"/>
+                <a:cs typeface="+mn-cs"/>
+              </a:defRPr>
+            </a:lvl7pPr>
+            <a:lvl8pPr marL="3429000" indent="-228600" algn="l" defTabSz="914400" rtl="0" eaLnBrk="1" latinLnBrk="0" hangingPunct="1">
+              <a:spcBef>
+                <a:spcPct val="20000"/>
+              </a:spcBef>
+              <a:buFont typeface="Arial" pitchFamily="34" charset="0"/>
+              <a:buChar char="•"/>
+              <a:defRPr sz="2000" kern="1200">
+                <a:solidFill>
+                  <a:schemeClr val="tx1"/>
+                </a:solidFill>
+                <a:latin typeface="+mn-lt"/>
+                <a:ea typeface="+mn-ea"/>
+                <a:cs typeface="+mn-cs"/>
+              </a:defRPr>
+            </a:lvl8pPr>
+            <a:lvl9pPr marL="3886200" indent="-228600" algn="l" defTabSz="914400" rtl="0" eaLnBrk="1" latinLnBrk="0" hangingPunct="1">
+              <a:spcBef>
+                <a:spcPct val="20000"/>
+              </a:spcBef>
+              <a:buFont typeface="Arial" pitchFamily="34" charset="0"/>
+              <a:buChar char="•"/>
+              <a:defRPr sz="2000" kern="1200">
+                <a:solidFill>
+                  <a:schemeClr val="tx1"/>
+                </a:solidFill>
+                <a:latin typeface="+mn-lt"/>
+                <a:ea typeface="+mn-ea"/>
+                <a:cs typeface="+mn-cs"/>
+              </a:defRPr>
+            </a:lvl9pPr>
+          </a:lstStyle>
+          <a:p>
+            <a:pPr marL="0" indent="0">
+              <a:buFont typeface="Arial" pitchFamily="34" charset="0"/>
+              <a:buNone/>
+            </a:pPr>
+            <a:r>
+              <a:rPr lang="ru-RU" sz="2000" dirty="0" smtClean="0"/>
+              <a:t>Короткий вариант </a:t>
+            </a:r>
+            <a:r>
+              <a:rPr lang="ru-RU" sz="2200" dirty="0" smtClean="0"/>
+              <a:t>вызова</a:t>
+            </a:r>
+            <a:r>
+              <a:rPr lang="ru-RU" sz="2000" dirty="0" smtClean="0"/>
+              <a:t>:</a:t>
+            </a:r>
+            <a:endParaRPr lang="ru-RU" sz="2000" dirty="0"/>
+          </a:p>
+        </p:txBody>
+      </p:sp>
+      <p:sp>
+        <p:nvSpPr>
+          <p:cNvPr id="7" name="Rectangle 6"/>
+          <p:cNvSpPr/>
+          <p:nvPr/>
+        </p:nvSpPr>
+        <p:spPr>
+          <a:xfrm>
+            <a:off x="395536" y="5373216"/>
+            <a:ext cx="8358100" cy="461665"/>
+          </a:xfrm>
+          <a:prstGeom prst="rect">
+            <a:avLst/>
+          </a:prstGeom>
+          <a:solidFill>
+            <a:schemeClr val="bg1"/>
+          </a:solidFill>
+        </p:spPr>
+        <p:txBody>
+          <a:bodyPr wrap="square">
+            <a:spAutoFit/>
+          </a:bodyPr>
+          <a:lstStyle/>
+          <a:p>
+            <a:r>
+              <a:rPr lang="en-US" sz="1200" dirty="0" err="1" smtClean="0">
+                <a:solidFill>
+                  <a:srgbClr val="0000FF"/>
+                </a:solidFill>
+                <a:latin typeface="Consolas"/>
+              </a:rPr>
+              <a:t>int</a:t>
+            </a:r>
+            <a:r>
+              <a:rPr lang="en-US" sz="1200" dirty="0" smtClean="0">
+                <a:solidFill>
+                  <a:prstClr val="black"/>
+                </a:solidFill>
+                <a:latin typeface="Consolas"/>
+              </a:rPr>
+              <a:t> </a:t>
+            </a:r>
+            <a:r>
+              <a:rPr lang="en-US" sz="1200" dirty="0" err="1" smtClean="0">
+                <a:solidFill>
+                  <a:prstClr val="black"/>
+                </a:solidFill>
+                <a:latin typeface="Consolas"/>
+              </a:rPr>
+              <a:t>theAnswer</a:t>
+            </a:r>
+            <a:r>
+              <a:rPr lang="en-US" sz="1200" dirty="0" smtClean="0">
+                <a:solidFill>
+                  <a:prstClr val="black"/>
+                </a:solidFill>
+                <a:latin typeface="Consolas"/>
+              </a:rPr>
+              <a:t> </a:t>
+            </a:r>
+            <a:r>
+              <a:rPr lang="en-US" sz="1200" dirty="0">
+                <a:solidFill>
+                  <a:prstClr val="black"/>
+                </a:solidFill>
+                <a:latin typeface="Consolas"/>
+              </a:rPr>
+              <a:t>= </a:t>
+            </a:r>
+            <a:r>
+              <a:rPr lang="en-US" sz="1200" dirty="0" err="1" smtClean="0">
+                <a:solidFill>
+                  <a:srgbClr val="2B91AF"/>
+                </a:solidFill>
+                <a:latin typeface="Consolas"/>
+              </a:rPr>
+              <a:t>Chooser</a:t>
+            </a:r>
+            <a:r>
+              <a:rPr lang="en-US" sz="1200" dirty="0" err="1" smtClean="0">
+                <a:solidFill>
+                  <a:prstClr val="black"/>
+                </a:solidFill>
+                <a:latin typeface="Consolas"/>
+              </a:rPr>
+              <a:t>.Choose</a:t>
+            </a:r>
+            <a:r>
+              <a:rPr lang="en-US" sz="1200" dirty="0" smtClean="0">
+                <a:solidFill>
+                  <a:prstClr val="black"/>
+                </a:solidFill>
+                <a:latin typeface="Consolas"/>
+              </a:rPr>
+              <a:t>(</a:t>
+            </a:r>
+            <a:r>
+              <a:rPr lang="ru-RU" sz="1200" dirty="0" smtClean="0">
+                <a:solidFill>
+                  <a:prstClr val="black"/>
+                </a:solidFill>
+                <a:latin typeface="Consolas"/>
+              </a:rPr>
+              <a:t>41</a:t>
+            </a:r>
+            <a:r>
+              <a:rPr lang="en-US" sz="1200" dirty="0" smtClean="0">
+                <a:solidFill>
+                  <a:prstClr val="black"/>
+                </a:solidFill>
+                <a:latin typeface="Consolas"/>
+              </a:rPr>
+              <a:t>, </a:t>
+            </a:r>
+            <a:r>
+              <a:rPr lang="en-US" sz="1200" dirty="0">
+                <a:solidFill>
+                  <a:prstClr val="black"/>
+                </a:solidFill>
+                <a:latin typeface="Consolas"/>
+              </a:rPr>
+              <a:t>42);</a:t>
+            </a:r>
+          </a:p>
+          <a:p>
+            <a:r>
+              <a:rPr lang="en-US" sz="1200" dirty="0">
+                <a:solidFill>
+                  <a:srgbClr val="0000FF"/>
+                </a:solidFill>
+                <a:latin typeface="Consolas"/>
+              </a:rPr>
+              <a:t>string</a:t>
+            </a:r>
+            <a:r>
+              <a:rPr lang="en-US" sz="1200" dirty="0">
+                <a:solidFill>
+                  <a:prstClr val="black"/>
+                </a:solidFill>
+                <a:latin typeface="Consolas"/>
+              </a:rPr>
+              <a:t> </a:t>
+            </a:r>
+            <a:r>
+              <a:rPr lang="en-US" sz="1200" dirty="0" smtClean="0">
+                <a:solidFill>
+                  <a:prstClr val="black"/>
+                </a:solidFill>
+                <a:latin typeface="Consolas"/>
+              </a:rPr>
+              <a:t>name </a:t>
+            </a:r>
+            <a:r>
+              <a:rPr lang="en-US" sz="1200" dirty="0">
+                <a:solidFill>
+                  <a:prstClr val="black"/>
+                </a:solidFill>
+                <a:latin typeface="Consolas"/>
+              </a:rPr>
+              <a:t>= </a:t>
+            </a:r>
+            <a:r>
+              <a:rPr lang="en-US" sz="1200" dirty="0" err="1" smtClean="0">
+                <a:solidFill>
+                  <a:srgbClr val="2B91AF"/>
+                </a:solidFill>
+                <a:latin typeface="Consolas"/>
+              </a:rPr>
+              <a:t>Chooser</a:t>
+            </a:r>
+            <a:r>
+              <a:rPr lang="en-US" sz="1200" dirty="0" err="1" smtClean="0">
+                <a:solidFill>
+                  <a:prstClr val="black"/>
+                </a:solidFill>
+                <a:latin typeface="Consolas"/>
+              </a:rPr>
+              <a:t>.Choose</a:t>
+            </a:r>
+            <a:r>
+              <a:rPr lang="en-US" sz="1200" dirty="0" smtClean="0">
+                <a:solidFill>
+                  <a:prstClr val="black"/>
+                </a:solidFill>
+                <a:latin typeface="Consolas"/>
+              </a:rPr>
+              <a:t>(</a:t>
+            </a:r>
+            <a:r>
+              <a:rPr lang="en-US" sz="1200" dirty="0" smtClean="0">
+                <a:solidFill>
+                  <a:srgbClr val="A31515"/>
+                </a:solidFill>
+                <a:latin typeface="Consolas"/>
+              </a:rPr>
+              <a:t>"</a:t>
+            </a:r>
+            <a:r>
+              <a:rPr lang="en-US" sz="1200" dirty="0">
+                <a:solidFill>
+                  <a:srgbClr val="A31515"/>
+                </a:solidFill>
+                <a:latin typeface="Consolas"/>
+              </a:rPr>
+              <a:t>Marvin"</a:t>
+            </a:r>
+            <a:r>
+              <a:rPr lang="en-US" sz="1200" dirty="0">
+                <a:solidFill>
+                  <a:prstClr val="black"/>
+                </a:solidFill>
+                <a:latin typeface="Consolas"/>
+              </a:rPr>
+              <a:t>, </a:t>
+            </a:r>
+            <a:r>
+              <a:rPr lang="en-US" sz="1200" dirty="0">
+                <a:solidFill>
+                  <a:srgbClr val="A31515"/>
+                </a:solidFill>
+                <a:latin typeface="Consolas"/>
+              </a:rPr>
+              <a:t>"</a:t>
+            </a:r>
+            <a:r>
+              <a:rPr lang="en-US" sz="1200" dirty="0" err="1">
+                <a:solidFill>
+                  <a:srgbClr val="A31515"/>
+                </a:solidFill>
+                <a:latin typeface="Consolas"/>
+              </a:rPr>
+              <a:t>Zaphod</a:t>
+            </a:r>
+            <a:r>
+              <a:rPr lang="en-US" sz="1200" dirty="0" smtClean="0">
+                <a:solidFill>
+                  <a:srgbClr val="A31515"/>
+                </a:solidFill>
+                <a:latin typeface="Consolas"/>
+              </a:rPr>
+              <a:t>"</a:t>
+            </a:r>
+            <a:r>
+              <a:rPr lang="en-US" sz="1200" dirty="0" smtClean="0">
+                <a:solidFill>
+                  <a:prstClr val="black"/>
+                </a:solidFill>
+                <a:latin typeface="Consolas"/>
+              </a:rPr>
+              <a:t>);</a:t>
+            </a:r>
+            <a:endParaRPr lang="ru-RU" sz="1200" dirty="0">
+              <a:solidFill>
+                <a:prstClr val="black"/>
+              </a:solidFill>
+              <a:latin typeface="Consolas"/>
+            </a:endParaRPr>
           </a:p>
         </p:txBody>
       </p:sp>
     </p:spTree>
     <p:extLst>
       <p:ext uri="{BB962C8B-B14F-4D97-AF65-F5344CB8AC3E}">
-        <p14:creationId xmlns:p14="http://schemas.microsoft.com/office/powerpoint/2010/main" val="3740427647"/>
+        <p14:creationId xmlns:p14="http://schemas.microsoft.com/office/powerpoint/2010/main" val="3617494966"/>
       </p:ext>
     </p:extLst>
   </p:cSld>
   <p:clrMapOvr>
     <a:masterClrMapping/>
   </p:clrMapOvr>
+  <p:timing>
+    <p:tnLst>
+      <p:par>
+        <p:cTn id="1" dur="indefinite" restart="never" nodeType="tmRoot"/>
+      </p:par>
+    </p:tnLst>
+  </p:timing>
 </p:sld>
 </file>
 
@@ -4320,14 +10294,20 @@
         </p:nvSpPr>
         <p:spPr/>
         <p:txBody>
-          <a:bodyPr>
-            <a:normAutofit fontScale="90000"/>
-          </a:bodyPr>
+          <a:bodyPr/>
           <a:lstStyle/>
           <a:p>
             <a:r>
               <a:rPr lang="ru-RU" dirty="0" smtClean="0"/>
-              <a:t>Ограничения для нескольких параметров</a:t>
+              <a:t>Ограничения (</a:t>
+            </a:r>
+            <a:r>
+              <a:rPr lang="en-US" dirty="0" smtClean="0"/>
+              <a:t>constraints</a:t>
+            </a:r>
+            <a:r>
+              <a:rPr lang="ru-RU" dirty="0" smtClean="0"/>
+              <a:t>)</a:t>
             </a:r>
             <a:endParaRPr lang="en-US" dirty="0"/>
           </a:p>
@@ -4345,66 +10325,141 @@
         </p:nvSpPr>
         <p:spPr/>
         <p:txBody>
-          <a:bodyPr/>
+          <a:bodyPr>
+            <a:normAutofit fontScale="85000" lnSpcReduction="20000"/>
+          </a:bodyPr>
           <a:lstStyle/>
           <a:p>
-            <a:pPr marL="0" indent="0">
-              <a:buNone/>
-            </a:pPr>
+            <a:r>
+              <a:rPr lang="ru-RU" dirty="0" smtClean="0"/>
+              <a:t>Базовый класс</a:t>
+            </a:r>
+          </a:p>
+          <a:p>
+            <a:pPr lvl="1"/>
+            <a:r>
+              <a:rPr lang="en-US" dirty="0" smtClean="0"/>
+              <a:t>class Demo&lt;T&gt; where T : </a:t>
+            </a:r>
+            <a:r>
+              <a:rPr lang="en-US" dirty="0" err="1" smtClean="0"/>
+              <a:t>BaseClass</a:t>
+            </a:r>
+            <a:r>
+              <a:rPr lang="en-US" dirty="0" smtClean="0"/>
+              <a:t> { … }</a:t>
+            </a:r>
+            <a:endParaRPr lang="ru-RU" dirty="0" smtClean="0"/>
+          </a:p>
+          <a:p>
+            <a:r>
+              <a:rPr lang="ru-RU" dirty="0" smtClean="0"/>
+              <a:t>Интерфейс(ы)</a:t>
+            </a:r>
+            <a:endParaRPr lang="en-US" dirty="0" smtClean="0"/>
+          </a:p>
+          <a:p>
+            <a:pPr lvl="1"/>
             <a:r>
               <a:rPr lang="en-US" dirty="0"/>
-              <a:t>c</a:t>
+              <a:t>class Demo&lt;T&gt; where T : </a:t>
+            </a:r>
+            <a:r>
+              <a:rPr lang="en-US" dirty="0" err="1" smtClean="0"/>
+              <a:t>ISmth</a:t>
             </a:r>
             <a:r>
               <a:rPr lang="en-US" dirty="0" smtClean="0"/>
-              <a:t>lass Test&lt;T,U&gt;</a:t>
-            </a:r>
-            <a:br>
+              <a:t> </a:t>
+            </a:r>
+            <a:r>
+              <a:rPr lang="en-US" dirty="0"/>
+              <a:t>{ … </a:t>
+            </a:r>
+            <a:r>
               <a:rPr lang="en-US" dirty="0" smtClean="0"/>
-            </a:br>
+              <a:t>}</a:t>
+            </a:r>
+          </a:p>
+          <a:p>
+            <a:pPr lvl="1"/>
+            <a:r>
+              <a:rPr lang="en-US" dirty="0"/>
+              <a:t>class Demo&lt;T&gt; where T : </a:t>
+            </a:r>
             <a:r>
               <a:rPr lang="en-US" dirty="0" smtClean="0"/>
-              <a:t>     where T : Base</a:t>
-            </a:r>
-          </a:p>
-          <a:p>
-            <a:pPr marL="0" indent="0">
-              <a:buNone/>
-            </a:pPr>
+              <a:t>ISmth1, ISmth2 </a:t>
+            </a:r>
             <a:r>
               <a:rPr lang="en-US" dirty="0"/>
-              <a:t> </a:t>
+              <a:t>{ … }</a:t>
+            </a:r>
+            <a:endParaRPr lang="ru-RU" dirty="0" smtClean="0"/>
+          </a:p>
+          <a:p>
+            <a:r>
+              <a:rPr lang="ru-RU" dirty="0" smtClean="0"/>
+              <a:t>Ссылочный тип</a:t>
+            </a:r>
+            <a:endParaRPr lang="en-US" dirty="0" smtClean="0"/>
+          </a:p>
+          <a:p>
+            <a:pPr lvl="1"/>
+            <a:r>
+              <a:rPr lang="en-US" dirty="0"/>
+              <a:t>class Demo&lt;T&gt; where T : </a:t>
             </a:r>
             <a:r>
               <a:rPr lang="en-US" dirty="0" smtClean="0"/>
-              <a:t>    where U : new()</a:t>
-            </a:r>
-          </a:p>
-          <a:p>
-            <a:pPr marL="0" indent="0">
-              <a:buNone/>
-            </a:pPr>
+              <a:t>class</a:t>
+            </a:r>
+            <a:endParaRPr lang="ru-RU" dirty="0" smtClean="0"/>
+          </a:p>
+          <a:p>
+            <a:r>
+              <a:rPr lang="ru-RU" dirty="0" smtClean="0"/>
+              <a:t>Значимый тип</a:t>
+            </a:r>
+            <a:endParaRPr lang="en-US" dirty="0" smtClean="0"/>
+          </a:p>
+          <a:p>
+            <a:pPr lvl="1"/>
+            <a:r>
+              <a:rPr lang="en-US" dirty="0"/>
+              <a:t>class Demo&lt;T&gt; where T : </a:t>
+            </a:r>
+            <a:r>
+              <a:rPr lang="en-US" dirty="0" err="1" smtClean="0"/>
+              <a:t>struct</a:t>
+            </a:r>
+            <a:endParaRPr lang="ru-RU" dirty="0" smtClean="0"/>
+          </a:p>
+          <a:p>
+            <a:r>
+              <a:rPr lang="ru-RU" dirty="0" smtClean="0"/>
+              <a:t>Конструктор без аргументов</a:t>
+            </a:r>
+            <a:endParaRPr lang="en-US" dirty="0" smtClean="0"/>
+          </a:p>
+          <a:p>
+            <a:pPr lvl="1"/>
+            <a:r>
+              <a:rPr lang="en-US" dirty="0"/>
+              <a:t>class Demo&lt;T&gt; where T : </a:t>
+            </a:r>
             <a:r>
               <a:rPr lang="en-US" dirty="0" smtClean="0"/>
-              <a:t>{</a:t>
-            </a:r>
-          </a:p>
-          <a:p>
-            <a:pPr marL="0" indent="0">
-              <a:buNone/>
-            </a:pPr>
-            <a:r>
-              <a:rPr lang="en-US" dirty="0"/>
-              <a:t>}</a:t>
-            </a:r>
-            <a:endParaRPr lang="en-US" dirty="0" smtClean="0"/>
+              <a:t>new()</a:t>
+            </a:r>
+            <a:endParaRPr lang="en-US" dirty="0"/>
           </a:p>
         </p:txBody>
       </p:sp>
     </p:spTree>
     <p:extLst>
       <p:ext uri="{BB962C8B-B14F-4D97-AF65-F5344CB8AC3E}">
-        <p14:creationId xmlns:p14="http://schemas.microsoft.com/office/powerpoint/2010/main" val="1017108803"/>
+        <p14:creationId xmlns:p14="http://schemas.microsoft.com/office/powerpoint/2010/main" val="3740427647"/>
       </p:ext>
     </p:extLst>
   </p:cSld>
@@ -4450,15 +10505,7 @@
           <a:p>
             <a:r>
               <a:rPr lang="ru-RU" dirty="0" smtClean="0"/>
-              <a:t>Тип-параметры без ограничений (</a:t>
-            </a:r>
-            <a:r>
-              <a:rPr lang="en-US" dirty="0" smtClean="0"/>
-              <a:t>unbounded type parameters</a:t>
-            </a:r>
-            <a:r>
-              <a:rPr lang="ru-RU" dirty="0" smtClean="0"/>
-              <a:t>)</a:t>
+              <a:t>Ограничения для нескольких параметров</a:t>
             </a:r>
             <a:endParaRPr lang="en-US" dirty="0"/>
           </a:p>
@@ -4479,54 +10526,63 @@
           <a:bodyPr/>
           <a:lstStyle/>
           <a:p>
-            <a:r>
-              <a:rPr lang="ru-RU" dirty="0" smtClean="0"/>
-              <a:t>Нельзя сравнивать с помощью ==, != т.к. нет гарантии что тип их поддерживает</a:t>
-            </a:r>
-          </a:p>
-          <a:p>
-            <a:r>
-              <a:rPr lang="ru-RU" dirty="0" smtClean="0"/>
-              <a:t>Можно приводить к типу </a:t>
+            <a:pPr marL="0" indent="0">
+              <a:buNone/>
+            </a:pPr>
+            <a:r>
+              <a:rPr lang="en-US" dirty="0"/>
+              <a:t>c</a:t>
             </a:r>
             <a:r>
               <a:rPr lang="en-US" dirty="0" smtClean="0"/>
-              <a:t>object</a:t>
-            </a:r>
-            <a:r>
-              <a:rPr lang="ru-RU" dirty="0" smtClean="0"/>
-              <a:t> или выполнять явное приведение к интерфейсу</a:t>
-            </a:r>
-          </a:p>
-          <a:p>
-            <a:r>
-              <a:rPr lang="ru-RU" dirty="0" smtClean="0"/>
-              <a:t>Можно сравнивать с </a:t>
-            </a:r>
-            <a:r>
+              <a:t>lass Test&lt;T,U&gt;</a:t>
+            </a:r>
+            <a:br>
               <a:rPr lang="en-US" dirty="0" smtClean="0"/>
-              <a:t>null. </a:t>
-            </a:r>
-            <a:r>
-              <a:rPr lang="ru-RU" dirty="0" smtClean="0"/>
-              <a:t>Если тип аргумент является значимым, то условие всегда возвращает </a:t>
-            </a:r>
+            </a:br>
             <a:r>
               <a:rPr lang="en-US" dirty="0" smtClean="0"/>
-              <a:t>false</a:t>
-            </a:r>
-            <a:r>
-              <a:rPr lang="ru-RU" dirty="0" smtClean="0"/>
+              <a:t>     where T : Base</a:t>
+            </a:r>
+          </a:p>
+          <a:p>
+            <a:pPr marL="0" indent="0">
+              <a:buNone/>
+            </a:pPr>
+            <a:r>
+              <a:rPr lang="en-US" dirty="0"/>
               <a:t> </a:t>
             </a:r>
-            <a:endParaRPr lang="en-US" dirty="0"/>
+            <a:r>
+              <a:rPr lang="en-US" dirty="0" smtClean="0"/>
+              <a:t>    where U : new()</a:t>
+            </a:r>
+          </a:p>
+          <a:p>
+            <a:pPr marL="0" indent="0">
+              <a:buNone/>
+            </a:pPr>
+            <a:r>
+              <a:rPr lang="en-US" dirty="0" smtClean="0"/>
+              <a:t>{</a:t>
+            </a:r>
+          </a:p>
+          <a:p>
+            <a:pPr marL="0" indent="0">
+              <a:buNone/>
+            </a:pPr>
+            <a:r>
+              <a:rPr lang="en-US" dirty="0"/>
+              <a:t>}</a:t>
+            </a:r>
+            <a:endParaRPr lang="en-US" dirty="0" smtClean="0"/>
           </a:p>
         </p:txBody>
       </p:sp>
     </p:spTree>
     <p:extLst>
       <p:ext uri="{BB962C8B-B14F-4D97-AF65-F5344CB8AC3E}">
-        <p14:creationId xmlns:p14="http://schemas.microsoft.com/office/powerpoint/2010/main" val="949903232"/>
+        <p14:creationId xmlns:p14="http://schemas.microsoft.com/office/powerpoint/2010/main" val="1017108803"/>
       </p:ext>
     </p:extLst>
   </p:cSld>
@@ -4565,16 +10621,22 @@
         </p:nvSpPr>
         <p:spPr/>
         <p:txBody>
-          <a:bodyPr/>
+          <a:bodyPr>
+            <a:normAutofit fontScale="90000"/>
+          </a:bodyPr>
           <a:lstStyle/>
           <a:p>
             <a:r>
               <a:rPr lang="ru-RU" dirty="0" smtClean="0"/>
-              <a:t>Ключевое слово </a:t>
+              <a:t>Тип-параметры без ограничений (</a:t>
             </a:r>
             <a:r>
               <a:rPr lang="en-US" dirty="0" smtClean="0"/>
-              <a:t>default</a:t>
+              <a:t>unbounded type parameters</a:t>
+            </a:r>
+            <a:r>
+              <a:rPr lang="ru-RU" dirty="0" smtClean="0"/>
+              <a:t>)</a:t>
             </a:r>
             <a:endParaRPr lang="en-US" dirty="0"/>
           </a:p>
@@ -4595,6 +10657,46 @@
           <a:bodyPr/>
           <a:lstStyle/>
           <a:p>
+            <a:r>
+              <a:rPr lang="ru-RU" dirty="0" smtClean="0"/>
+              <a:t>Нельзя сравнивать с помощью ==, != т.к. нет гарантии что тип их поддерживает</a:t>
+            </a:r>
+          </a:p>
+          <a:p>
+            <a:r>
+              <a:rPr lang="ru-RU" dirty="0" smtClean="0"/>
+              <a:t>Можно приводить к типу </a:t>
+            </a:r>
+            <a:r>
+              <a:rPr lang="en-US" dirty="0" smtClean="0"/>
+              <a:t>object</a:t>
+            </a:r>
+            <a:r>
+              <a:rPr lang="ru-RU" dirty="0" smtClean="0"/>
+              <a:t> или выполнять явное приведение к интерфейсу</a:t>
+            </a:r>
+          </a:p>
+          <a:p>
+            <a:r>
+              <a:rPr lang="ru-RU" dirty="0" smtClean="0"/>
+              <a:t>Можно сравнивать с </a:t>
+            </a:r>
+            <a:r>
+              <a:rPr lang="en-US" dirty="0" smtClean="0"/>
+              <a:t>null. </a:t>
+            </a:r>
+            <a:r>
+              <a:rPr lang="ru-RU" dirty="0" smtClean="0"/>
+              <a:t>Если тип аргумент является значимым, то условие всегда возвращает </a:t>
+            </a:r>
+            <a:r>
+              <a:rPr lang="en-US" dirty="0" smtClean="0"/>
+              <a:t>false</a:t>
+            </a:r>
+            <a:r>
+              <a:rPr lang="ru-RU" dirty="0" smtClean="0"/>
+              <a:t> </a:t>
+            </a:r>
             <a:endParaRPr lang="en-US" dirty="0"/>
           </a:p>
         </p:txBody>
@@ -4602,7 +10704,7 @@
     </p:spTree>
     <p:extLst>
       <p:ext uri="{BB962C8B-B14F-4D97-AF65-F5344CB8AC3E}">
-        <p14:creationId xmlns:p14="http://schemas.microsoft.com/office/powerpoint/2010/main" val="1167712495"/>
+        <p14:creationId xmlns:p14="http://schemas.microsoft.com/office/powerpoint/2010/main" val="949903232"/>
       </p:ext>
     </p:extLst>
   </p:cSld>

--- a/Presentation/lesson-02-generics.pptx
+++ b/Presentation/lesson-02-generics.pptx
@@ -5,7 +5,7 @@
     <p:sldMasterId id="2147483648" r:id="rId1"/>
   </p:sldMasterIdLst>
   <p:notesMasterIdLst>
-    <p:notesMasterId r:id="rId16"/>
+    <p:notesMasterId r:id="rId17"/>
   </p:notesMasterIdLst>
   <p:sldIdLst>
     <p:sldId id="257" r:id="rId2"/>
@@ -22,6 +22,7 @@
     <p:sldId id="262" r:id="rId13"/>
     <p:sldId id="263" r:id="rId14"/>
     <p:sldId id="268" r:id="rId15"/>
+    <p:sldId id="271" r:id="rId16"/>
   </p:sldIdLst>
   <p:sldSz cx="9144000" cy="6858000" type="screen4x3"/>
   <p:notesSz cx="6858000" cy="9144000"/>
@@ -221,7 +222,7 @@
           <a:p>
             <a:fld id="{B24A7054-7FFB-49F4-A126-5DF6E687FF53}" type="datetimeFigureOut">
               <a:rPr lang="ru-RU" smtClean="0"/>
-              <a:t>07.05.2017</a:t>
+              <a:t>25.05.2017</a:t>
             </a:fld>
             <a:endParaRPr lang="ru-RU"/>
           </a:p>
@@ -1503,7 +1504,7 @@
           <a:p>
             <a:fld id="{8E6E6A2A-E9D3-4A0D-B04A-ABDD367A1E08}" type="datetimeFigureOut">
               <a:rPr lang="ru-RU" smtClean="0"/>
-              <a:t>07.05.2017</a:t>
+              <a:t>25.05.2017</a:t>
             </a:fld>
             <a:endParaRPr lang="ru-RU"/>
           </a:p>
@@ -2948,7 +2949,7 @@
           <a:p>
             <a:fld id="{AC3D3127-B7C4-45E3-9797-C527EC9FDD78}" type="datetimeFigureOut">
               <a:rPr lang="ru-RU" smtClean="0"/>
-              <a:t>07.05.2017</a:t>
+              <a:t>25.05.2017</a:t>
             </a:fld>
             <a:endParaRPr lang="ru-RU"/>
           </a:p>
@@ -7773,6 +7774,187 @@
 </p:sld>
 </file>
 
+<file path=ppt/slides/slide15.xml><?xml version="1.0" encoding="utf-8"?>
+<p:sld xmlns:a="http://schemas.openxmlformats.org/drawingml/2006/main" xmlns:r="http://schemas.openxmlformats.org/officeDocument/2006/relationships" xmlns:p="http://schemas.openxmlformats.org/presentationml/2006/main">
+  <p:cSld>
+    <p:spTree>
+      <p:nvGrpSpPr>
+        <p:cNvPr id="1" name=""/>
+        <p:cNvGrpSpPr/>
+        <p:nvPr/>
+      </p:nvGrpSpPr>
+      <p:grpSpPr>
+        <a:xfrm>
+          <a:off x="0" y="0"/>
+          <a:ext cx="0" cy="0"/>
+          <a:chOff x="0" y="0"/>
+          <a:chExt cx="0" cy="0"/>
+        </a:xfrm>
+      </p:grpSpPr>
+      <p:sp>
+        <p:nvSpPr>
+          <p:cNvPr id="2" name="Title 1"/>
+          <p:cNvSpPr>
+            <a:spLocks noGrp="1"/>
+          </p:cNvSpPr>
+          <p:nvPr>
+            <p:ph type="title"/>
+          </p:nvPr>
+        </p:nvSpPr>
+        <p:spPr/>
+        <p:txBody>
+          <a:bodyPr>
+            <a:normAutofit fontScale="90000"/>
+          </a:bodyPr>
+          <a:lstStyle/>
+          <a:p>
+            <a:r>
+              <a:rPr lang="ru-RU" dirty="0" smtClean="0"/>
+              <a:t>Для тех кто переходит с </a:t>
+            </a:r>
+            <a:r>
+              <a:rPr lang="en-US" dirty="0" smtClean="0"/>
+              <a:t>C++</a:t>
+            </a:r>
+            <a:r>
+              <a:rPr lang="ru-RU" dirty="0" smtClean="0"/>
+              <a:t/>
+            </a:r>
+            <a:br>
+              <a:rPr lang="ru-RU" dirty="0" smtClean="0"/>
+            </a:br>
+            <a:r>
+              <a:rPr lang="en-US" dirty="0" smtClean="0"/>
+              <a:t>C# generics vs C++ templates</a:t>
+            </a:r>
+            <a:endParaRPr lang="en-US" dirty="0"/>
+          </a:p>
+        </p:txBody>
+      </p:sp>
+      <p:sp>
+        <p:nvSpPr>
+          <p:cNvPr id="3" name="Content Placeholder 2"/>
+          <p:cNvSpPr>
+            <a:spLocks noGrp="1"/>
+          </p:cNvSpPr>
+          <p:nvPr>
+            <p:ph idx="1"/>
+          </p:nvPr>
+        </p:nvSpPr>
+        <p:spPr/>
+        <p:txBody>
+          <a:bodyPr>
+            <a:normAutofit fontScale="40000" lnSpcReduction="20000"/>
+          </a:bodyPr>
+          <a:lstStyle/>
+          <a:p>
+            <a:r>
+              <a:rPr lang="ru-RU" dirty="0"/>
+              <a:t>Обобщения в C# обладают меньшей гибкостью по сравнению с шаблонами в C++. Например, нельзя использовать арифметические операторы хотя можно использовать операторы определенные пользователем.</a:t>
+            </a:r>
+          </a:p>
+          <a:p>
+            <a:endParaRPr lang="ru-RU" dirty="0"/>
+          </a:p>
+          <a:p>
+            <a:r>
+              <a:rPr lang="ru-RU" dirty="0"/>
+              <a:t>C# не поддерживает не-тип параметры шаблонов как например </a:t>
+            </a:r>
+            <a:r>
+              <a:rPr lang="ru-RU" dirty="0" err="1"/>
+              <a:t>template</a:t>
+            </a:r>
+            <a:r>
+              <a:rPr lang="ru-RU" dirty="0"/>
+              <a:t> C&lt;</a:t>
+            </a:r>
+            <a:r>
+              <a:rPr lang="ru-RU" dirty="0" err="1"/>
+              <a:t>int</a:t>
+            </a:r>
+            <a:r>
+              <a:rPr lang="ru-RU" dirty="0"/>
+              <a:t> i&gt; {}.</a:t>
+            </a:r>
+          </a:p>
+          <a:p>
+            <a:endParaRPr lang="ru-RU" dirty="0"/>
+          </a:p>
+          <a:p>
+            <a:r>
+              <a:rPr lang="ru-RU" dirty="0"/>
+              <a:t>C# не поддерживает явную специализацию; то есть отдельную реализацию для конкретного типа.</a:t>
+            </a:r>
+          </a:p>
+          <a:p>
+            <a:endParaRPr lang="ru-RU" dirty="0"/>
+          </a:p>
+          <a:p>
+            <a:r>
+              <a:rPr lang="ru-RU" dirty="0"/>
+              <a:t>C# не поддерживает частичную специализацию: отдельную реализацию для части тип-аргументов.</a:t>
+            </a:r>
+          </a:p>
+          <a:p>
+            <a:endParaRPr lang="ru-RU" dirty="0"/>
+          </a:p>
+          <a:p>
+            <a:r>
+              <a:rPr lang="ru-RU" dirty="0"/>
+              <a:t>C# не разрешает использовать тип-аргумент в качестве базового класса для обобщенного типа.</a:t>
+            </a:r>
+          </a:p>
+          <a:p>
+            <a:endParaRPr lang="ru-RU" dirty="0"/>
+          </a:p>
+          <a:p>
+            <a:r>
+              <a:rPr lang="ru-RU" dirty="0"/>
+              <a:t>C# не поддерживает значения по умолчанию для тип-аргументов.</a:t>
+            </a:r>
+          </a:p>
+          <a:p>
+            <a:endParaRPr lang="ru-RU" dirty="0"/>
+          </a:p>
+          <a:p>
+            <a:r>
+              <a:rPr lang="ru-RU" dirty="0"/>
+              <a:t>Тип-параметр в C# не может быть обобщением, однако конструируемые типы могут использоваться как обобщения. C++ поддерживает шаблонные параметры.</a:t>
+            </a:r>
+          </a:p>
+          <a:p>
+            <a:endParaRPr lang="ru-RU" dirty="0"/>
+          </a:p>
+          <a:p>
+            <a:r>
+              <a:rPr lang="ru-RU" dirty="0"/>
+              <a:t>C++ разрешает писать код который подходит не для всех возможных тип-параметров шаблона, который позже проверяется с конкретным тип-параметром. C# требует что код был написан так чтобы он мог работать с любым типом который удовлетворяет наложенным ограничениям. Например, в C++ можно написать функцию с использованием операторов + и - на переменных тип-параметра, который приведет к ошибке компиляции в момент создания шаблона с типом без поддержки данных операторов. C# запрещает данный подход; разрешено использовать только те конструкции языка которые могут быть выведены из наложенных ограничений.</a:t>
+            </a:r>
+            <a:endParaRPr lang="en-US" dirty="0"/>
+          </a:p>
+        </p:txBody>
+      </p:sp>
+    </p:spTree>
+    <p:extLst>
+      <p:ext uri="{BB962C8B-B14F-4D97-AF65-F5344CB8AC3E}">
+        <p14:creationId xmlns:p14="http://schemas.microsoft.com/office/powerpoint/2010/main" val="502010361"/>
+      </p:ext>
+    </p:extLst>
+  </p:cSld>
+  <p:clrMapOvr>
+    <a:masterClrMapping/>
+  </p:clrMapOvr>
+  <p:timing>
+    <p:tnLst>
+      <p:par>
+        <p:cTn id="1" dur="indefinite" restart="never" nodeType="tmRoot"/>
+      </p:par>
+    </p:tnLst>
+  </p:timing>
+</p:sld>
+</file>
+
 <file path=ppt/slides/slide2.xml><?xml version="1.0" encoding="utf-8"?>
 <p:sld xmlns:a="http://schemas.openxmlformats.org/drawingml/2006/main" xmlns:r="http://schemas.openxmlformats.org/officeDocument/2006/relationships" xmlns:p="http://schemas.openxmlformats.org/presentationml/2006/main">
   <p:cSld>
@@ -8470,19 +8652,7 @@
                 </a:highlight>
                 <a:latin typeface="Consolas"/>
               </a:rPr>
-              <a:t>&gt;(T[] </a:t>
-            </a:r>
-            <a:r>
-              <a:rPr lang="en-US" sz="1400" dirty="0" smtClean="0">
-                <a:solidFill>
-                  <a:srgbClr val="000000"/>
-                </a:solidFill>
-                <a:highlight>
-                  <a:srgbClr val="FFFFFF"/>
-                </a:highlight>
-                <a:latin typeface="Consolas"/>
-              </a:rPr>
-              <a:t>array)</a:t>
+              <a:t>&gt;(T[] array)</a:t>
             </a:r>
             <a:endParaRPr lang="en-US" sz="1400" dirty="0">
               <a:solidFill>
@@ -8771,10 +8941,10 @@
                 </a:highlight>
                 <a:latin typeface="Consolas"/>
               </a:rPr>
-              <a:t>temp = </a:t>
-            </a:r>
-            <a:r>
-              <a:rPr lang="en-US" sz="1400" dirty="0">
+              <a:t>temp = array[</a:t>
+            </a:r>
+            <a:r>
+              <a:rPr lang="en-US" sz="1400" dirty="0" err="1">
                 <a:solidFill>
                   <a:srgbClr val="000000"/>
                 </a:solidFill>
@@ -8783,10 +8953,10 @@
                 </a:highlight>
                 <a:latin typeface="Consolas"/>
               </a:rPr>
-              <a:t>array[</a:t>
-            </a:r>
-            <a:r>
-              <a:rPr lang="en-US" sz="1400" dirty="0" err="1">
+              <a:t>i</a:t>
+            </a:r>
+            <a:r>
+              <a:rPr lang="en-US" sz="1400" dirty="0">
                 <a:solidFill>
                   <a:srgbClr val="000000"/>
                 </a:solidFill>
@@ -8795,10 +8965,12 @@
                 </a:highlight>
                 <a:latin typeface="Consolas"/>
               </a:rPr>
-              <a:t>i</a:t>
-            </a:r>
-            <a:r>
-              <a:rPr lang="en-US" sz="1400" dirty="0">
+              <a:t>];</a:t>
+            </a:r>
+          </a:p>
+          <a:p>
+            <a:r>
+              <a:rPr lang="en-US" sz="1400" dirty="0" smtClean="0">
                 <a:solidFill>
                   <a:srgbClr val="000000"/>
                 </a:solidFill>
@@ -8807,12 +8979,10 @@
                 </a:highlight>
                 <a:latin typeface="Consolas"/>
               </a:rPr>
-              <a:t>];</a:t>
-            </a:r>
-          </a:p>
-          <a:p>
-            <a:r>
-              <a:rPr lang="en-US" sz="1400" dirty="0" smtClean="0">
+              <a:t>            array[</a:t>
+            </a:r>
+            <a:r>
+              <a:rPr lang="en-US" sz="1400" dirty="0" err="1" smtClean="0">
                 <a:solidFill>
                   <a:srgbClr val="000000"/>
                 </a:solidFill>
@@ -8821,10 +8991,10 @@
                 </a:highlight>
                 <a:latin typeface="Consolas"/>
               </a:rPr>
-              <a:t> </a:t>
-            </a:r>
-            <a:r>
-              <a:rPr lang="en-US" sz="1400" dirty="0" smtClean="0">
+              <a:t>i</a:t>
+            </a:r>
+            <a:r>
+              <a:rPr lang="en-US" sz="1400" dirty="0">
                 <a:solidFill>
                   <a:srgbClr val="000000"/>
                 </a:solidFill>
@@ -8833,10 +9003,12 @@
                 </a:highlight>
                 <a:latin typeface="Consolas"/>
               </a:rPr>
-              <a:t>           array[</a:t>
-            </a:r>
-            <a:r>
-              <a:rPr lang="en-US" sz="1400" dirty="0" err="1" smtClean="0">
+              <a:t>] = array[j];</a:t>
+            </a:r>
+          </a:p>
+          <a:p>
+            <a:r>
+              <a:rPr lang="en-US" sz="1400" dirty="0" smtClean="0">
                 <a:solidFill>
                   <a:srgbClr val="000000"/>
                 </a:solidFill>
@@ -8845,69 +9017,7 @@
                 </a:highlight>
                 <a:latin typeface="Consolas"/>
               </a:rPr>
-              <a:t>i</a:t>
-            </a:r>
-            <a:r>
-              <a:rPr lang="en-US" sz="1400" dirty="0">
-                <a:solidFill>
-                  <a:srgbClr val="000000"/>
-                </a:solidFill>
-                <a:highlight>
-                  <a:srgbClr val="FFFFFF"/>
-                </a:highlight>
-                <a:latin typeface="Consolas"/>
-              </a:rPr>
-              <a:t>] = </a:t>
-            </a:r>
-            <a:r>
-              <a:rPr lang="en-US" sz="1400" dirty="0">
-                <a:solidFill>
-                  <a:srgbClr val="000000"/>
-                </a:solidFill>
-                <a:highlight>
-                  <a:srgbClr val="FFFFFF"/>
-                </a:highlight>
-                <a:latin typeface="Consolas"/>
-              </a:rPr>
-              <a:t>array[j</a:t>
-            </a:r>
-            <a:r>
-              <a:rPr lang="en-US" sz="1400" dirty="0">
-                <a:solidFill>
-                  <a:srgbClr val="000000"/>
-                </a:solidFill>
-                <a:highlight>
-                  <a:srgbClr val="FFFFFF"/>
-                </a:highlight>
-                <a:latin typeface="Consolas"/>
-              </a:rPr>
-              <a:t>];</a:t>
-            </a:r>
-          </a:p>
-          <a:p>
-            <a:r>
-              <a:rPr lang="en-US" sz="1400" dirty="0" smtClean="0">
-                <a:solidFill>
-                  <a:srgbClr val="000000"/>
-                </a:solidFill>
-                <a:highlight>
-                  <a:srgbClr val="FFFFFF"/>
-                </a:highlight>
-                <a:latin typeface="Consolas"/>
-              </a:rPr>
-              <a:t>            </a:t>
-            </a:r>
-            <a:r>
-              <a:rPr lang="en-US" sz="1400" dirty="0" smtClean="0">
-                <a:solidFill>
-                  <a:srgbClr val="000000"/>
-                </a:solidFill>
-                <a:highlight>
-                  <a:srgbClr val="FFFFFF"/>
-                </a:highlight>
-                <a:latin typeface="Consolas"/>
-              </a:rPr>
-              <a:t>array[j</a:t>
+              <a:t>            array[j</a:t>
             </a:r>
             <a:r>
               <a:rPr lang="en-US" sz="1400" dirty="0">

--- a/Presentation/lesson-02-generics.pptx
+++ b/Presentation/lesson-02-generics.pptx
@@ -5,7 +5,7 @@
     <p:sldMasterId id="2147483648" r:id="rId1"/>
   </p:sldMasterIdLst>
   <p:notesMasterIdLst>
-    <p:notesMasterId r:id="rId17"/>
+    <p:notesMasterId r:id="rId18"/>
   </p:notesMasterIdLst>
   <p:sldIdLst>
     <p:sldId id="257" r:id="rId2"/>
@@ -19,10 +19,11 @@
     <p:sldId id="266" r:id="rId10"/>
     <p:sldId id="264" r:id="rId11"/>
     <p:sldId id="269" r:id="rId12"/>
-    <p:sldId id="262" r:id="rId13"/>
-    <p:sldId id="263" r:id="rId14"/>
-    <p:sldId id="268" r:id="rId15"/>
-    <p:sldId id="271" r:id="rId16"/>
+    <p:sldId id="272" r:id="rId13"/>
+    <p:sldId id="262" r:id="rId14"/>
+    <p:sldId id="263" r:id="rId15"/>
+    <p:sldId id="268" r:id="rId16"/>
+    <p:sldId id="271" r:id="rId17"/>
   </p:sldIdLst>
   <p:sldSz cx="9144000" cy="6858000" type="screen4x3"/>
   <p:notesSz cx="6858000" cy="9144000"/>
@@ -222,7 +223,7 @@
           <a:p>
             <a:fld id="{B24A7054-7FFB-49F4-A126-5DF6E687FF53}" type="datetimeFigureOut">
               <a:rPr lang="ru-RU" smtClean="0"/>
-              <a:t>25.05.2017</a:t>
+              <a:t>08.10.2017</a:t>
             </a:fld>
             <a:endParaRPr lang="ru-RU"/>
           </a:p>
@@ -1504,7 +1505,7 @@
           <a:p>
             <a:fld id="{8E6E6A2A-E9D3-4A0D-B04A-ABDD367A1E08}" type="datetimeFigureOut">
               <a:rPr lang="ru-RU" smtClean="0"/>
-              <a:t>25.05.2017</a:t>
+              <a:t>08.10.2017</a:t>
             </a:fld>
             <a:endParaRPr lang="ru-RU"/>
           </a:p>
@@ -2949,7 +2950,7 @@
           <a:p>
             <a:fld id="{AC3D3127-B7C4-45E3-9797-C527EC9FDD78}" type="datetimeFigureOut">
               <a:rPr lang="ru-RU" smtClean="0"/>
-              <a:t>25.05.2017</a:t>
+              <a:t>08.10.2017</a:t>
             </a:fld>
             <a:endParaRPr lang="ru-RU"/>
           </a:p>
@@ -4517,8 +4518,12 @@
           <a:lstStyle/>
           <a:p>
             <a:r>
+              <a:rPr lang="en-US" dirty="0" smtClean="0"/>
+              <a:t>static </a:t>
+            </a:r>
+            <a:r>
               <a:rPr lang="ru-RU" dirty="0" smtClean="0"/>
-              <a:t>Стандартные обобщенные типы</a:t>
+              <a:t>поля в обобщенных классах</a:t>
             </a:r>
             <a:endParaRPr lang="en-US" dirty="0"/>
           </a:p>
@@ -4543,6 +4548,93 @@
               <a:buNone/>
             </a:pPr>
             <a:r>
+              <a:rPr lang="ru-RU" dirty="0" smtClean="0"/>
+              <a:t>Для каждой комбинации тип-аргументов создается свое </a:t>
+            </a:r>
+            <a:r>
+              <a:rPr lang="en-US" dirty="0" smtClean="0"/>
+              <a:t>static </a:t>
+            </a:r>
+            <a:r>
+              <a:rPr lang="ru-RU" smtClean="0"/>
+              <a:t>поле.</a:t>
+            </a:r>
+            <a:endParaRPr lang="en-US"/>
+          </a:p>
+        </p:txBody>
+      </p:sp>
+    </p:spTree>
+    <p:extLst>
+      <p:ext uri="{BB962C8B-B14F-4D97-AF65-F5344CB8AC3E}">
+        <p14:creationId xmlns:p14="http://schemas.microsoft.com/office/powerpoint/2010/main" val="1870935316"/>
+      </p:ext>
+    </p:extLst>
+  </p:cSld>
+  <p:clrMapOvr>
+    <a:masterClrMapping/>
+  </p:clrMapOvr>
+</p:sld>
+</file>
+
+<file path=ppt/slides/slide13.xml><?xml version="1.0" encoding="utf-8"?>
+<p:sld xmlns:a="http://schemas.openxmlformats.org/drawingml/2006/main" xmlns:r="http://schemas.openxmlformats.org/officeDocument/2006/relationships" xmlns:p="http://schemas.openxmlformats.org/presentationml/2006/main">
+  <p:cSld>
+    <p:spTree>
+      <p:nvGrpSpPr>
+        <p:cNvPr id="1" name=""/>
+        <p:cNvGrpSpPr/>
+        <p:nvPr/>
+      </p:nvGrpSpPr>
+      <p:grpSpPr>
+        <a:xfrm>
+          <a:off x="0" y="0"/>
+          <a:ext cx="0" cy="0"/>
+          <a:chOff x="0" y="0"/>
+          <a:chExt cx="0" cy="0"/>
+        </a:xfrm>
+      </p:grpSpPr>
+      <p:sp>
+        <p:nvSpPr>
+          <p:cNvPr id="2" name="Title 1"/>
+          <p:cNvSpPr>
+            <a:spLocks noGrp="1"/>
+          </p:cNvSpPr>
+          <p:nvPr>
+            <p:ph type="title"/>
+          </p:nvPr>
+        </p:nvSpPr>
+        <p:spPr/>
+        <p:txBody>
+          <a:bodyPr/>
+          <a:lstStyle/>
+          <a:p>
+            <a:r>
+              <a:rPr lang="ru-RU" dirty="0" smtClean="0"/>
+              <a:t>Стандартные обобщенные типы</a:t>
+            </a:r>
+            <a:endParaRPr lang="en-US" dirty="0"/>
+          </a:p>
+        </p:txBody>
+      </p:sp>
+      <p:sp>
+        <p:nvSpPr>
+          <p:cNvPr id="3" name="Content Placeholder 2"/>
+          <p:cNvSpPr>
+            <a:spLocks noGrp="1"/>
+          </p:cNvSpPr>
+          <p:nvPr>
+            <p:ph idx="1"/>
+          </p:nvPr>
+        </p:nvSpPr>
+        <p:spPr/>
+        <p:txBody>
+          <a:bodyPr/>
+          <a:lstStyle/>
+          <a:p>
+            <a:pPr marL="0" indent="0">
+              <a:buNone/>
+            </a:pPr>
+            <a:r>
               <a:rPr lang="en-US" dirty="0" smtClean="0"/>
               <a:t>System.Collections.Generic.*</a:t>
             </a:r>
@@ -4563,7 +4655,7 @@
 </p:sld>
 </file>
 
-<file path=ppt/slides/slide13.xml><?xml version="1.0" encoding="utf-8"?>
+<file path=ppt/slides/slide14.xml><?xml version="1.0" encoding="utf-8"?>
 <p:sld xmlns:a="http://schemas.openxmlformats.org/drawingml/2006/main" xmlns:r="http://schemas.openxmlformats.org/officeDocument/2006/relationships" xmlns:p="http://schemas.openxmlformats.org/presentationml/2006/main" show="0">
   <p:cSld>
     <p:spTree>
@@ -4660,7 +4752,7 @@
 </p:sld>
 </file>
 
-<file path=ppt/slides/slide14.xml><?xml version="1.0" encoding="utf-8"?>
+<file path=ppt/slides/slide15.xml><?xml version="1.0" encoding="utf-8"?>
 <p:sld xmlns:a="http://schemas.openxmlformats.org/drawingml/2006/main" xmlns:r="http://schemas.openxmlformats.org/officeDocument/2006/relationships" xmlns:p="http://schemas.openxmlformats.org/presentationml/2006/main">
   <p:cSld>
     <p:spTree>
@@ -4737,9 +4829,27 @@
             <a:tbl>
               <a:tblPr/>
               <a:tblGrid>
-                <a:gridCol w="3610744"/>
-                <a:gridCol w="2160240"/>
-                <a:gridCol w="2458616"/>
+                <a:gridCol w="3610744">
+                  <a:extLst>
+                    <a:ext uri="{9D8B030D-6E8A-4147-A177-3AD203B41FA5}">
+                      <a16:colId xmlns:a16="http://schemas.microsoft.com/office/drawing/2014/main" val="20000"/>
+                    </a:ext>
+                  </a:extLst>
+                </a:gridCol>
+                <a:gridCol w="2160240">
+                  <a:extLst>
+                    <a:ext uri="{9D8B030D-6E8A-4147-A177-3AD203B41FA5}">
+                      <a16:colId xmlns:a16="http://schemas.microsoft.com/office/drawing/2014/main" val="20001"/>
+                    </a:ext>
+                  </a:extLst>
+                </a:gridCol>
+                <a:gridCol w="2458616">
+                  <a:extLst>
+                    <a:ext uri="{9D8B030D-6E8A-4147-A177-3AD203B41FA5}">
+                      <a16:colId xmlns:a16="http://schemas.microsoft.com/office/drawing/2014/main" val="20002"/>
+                    </a:ext>
+                  </a:extLst>
+                </a:gridCol>
               </a:tblGrid>
               <a:tr h="326616">
                 <a:tc>
@@ -4952,6 +5062,11 @@
                     </a:solidFill>
                   </a:tcPr>
                 </a:tc>
+                <a:extLst>
+                  <a:ext uri="{0D108BD9-81ED-4DB2-BD59-A6C34878D82A}">
+                    <a16:rowId xmlns:a16="http://schemas.microsoft.com/office/drawing/2014/main" val="10000"/>
+                  </a:ext>
+                </a:extLst>
               </a:tr>
               <a:tr h="494074">
                 <a:tc>
@@ -5144,6 +5259,11 @@
                     </a:lnBlToTr>
                   </a:tcPr>
                 </a:tc>
+                <a:extLst>
+                  <a:ext uri="{0D108BD9-81ED-4DB2-BD59-A6C34878D82A}">
+                    <a16:rowId xmlns:a16="http://schemas.microsoft.com/office/drawing/2014/main" val="10001"/>
+                  </a:ext>
+                </a:extLst>
               </a:tr>
               <a:tr h="187200">
                 <a:tc>
@@ -5324,6 +5444,11 @@
                     </a:lnBlToTr>
                   </a:tcPr>
                 </a:tc>
+                <a:extLst>
+                  <a:ext uri="{0D108BD9-81ED-4DB2-BD59-A6C34878D82A}">
+                    <a16:rowId xmlns:a16="http://schemas.microsoft.com/office/drawing/2014/main" val="10002"/>
+                  </a:ext>
+                </a:extLst>
               </a:tr>
               <a:tr h="187200">
                 <a:tc>
@@ -5520,6 +5645,11 @@
                     </a:lnBlToTr>
                   </a:tcPr>
                 </a:tc>
+                <a:extLst>
+                  <a:ext uri="{0D108BD9-81ED-4DB2-BD59-A6C34878D82A}">
+                    <a16:rowId xmlns:a16="http://schemas.microsoft.com/office/drawing/2014/main" val="10003"/>
+                  </a:ext>
+                </a:extLst>
               </a:tr>
               <a:tr h="187200">
                 <a:tc>
@@ -5709,6 +5839,11 @@
                     </a:lnBlToTr>
                   </a:tcPr>
                 </a:tc>
+                <a:extLst>
+                  <a:ext uri="{0D108BD9-81ED-4DB2-BD59-A6C34878D82A}">
+                    <a16:rowId xmlns:a16="http://schemas.microsoft.com/office/drawing/2014/main" val="10004"/>
+                  </a:ext>
+                </a:extLst>
               </a:tr>
               <a:tr h="524244">
                 <a:tc>
@@ -5929,6 +6064,11 @@
                     </a:lnBlToTr>
                   </a:tcPr>
                 </a:tc>
+                <a:extLst>
+                  <a:ext uri="{0D108BD9-81ED-4DB2-BD59-A6C34878D82A}">
+                    <a16:rowId xmlns:a16="http://schemas.microsoft.com/office/drawing/2014/main" val="10005"/>
+                  </a:ext>
+                </a:extLst>
               </a:tr>
               <a:tr h="187200">
                 <a:tc>
@@ -6109,6 +6249,11 @@
                     </a:lnBlToTr>
                   </a:tcPr>
                 </a:tc>
+                <a:extLst>
+                  <a:ext uri="{0D108BD9-81ED-4DB2-BD59-A6C34878D82A}">
+                    <a16:rowId xmlns:a16="http://schemas.microsoft.com/office/drawing/2014/main" val="10006"/>
+                  </a:ext>
+                </a:extLst>
               </a:tr>
               <a:tr h="187200">
                 <a:tc>
@@ -6285,6 +6430,11 @@
                     </a:lnBlToTr>
                   </a:tcPr>
                 </a:tc>
+                <a:extLst>
+                  <a:ext uri="{0D108BD9-81ED-4DB2-BD59-A6C34878D82A}">
+                    <a16:rowId xmlns:a16="http://schemas.microsoft.com/office/drawing/2014/main" val="10007"/>
+                  </a:ext>
+                </a:extLst>
               </a:tr>
               <a:tr h="187200">
                 <a:tc>
@@ -6465,6 +6615,11 @@
                     </a:lnBlToTr>
                   </a:tcPr>
                 </a:tc>
+                <a:extLst>
+                  <a:ext uri="{0D108BD9-81ED-4DB2-BD59-A6C34878D82A}">
+                    <a16:rowId xmlns:a16="http://schemas.microsoft.com/office/drawing/2014/main" val="10008"/>
+                  </a:ext>
+                </a:extLst>
               </a:tr>
               <a:tr h="187200">
                 <a:tc>
@@ -6645,6 +6800,11 @@
                     </a:lnBlToTr>
                   </a:tcPr>
                 </a:tc>
+                <a:extLst>
+                  <a:ext uri="{0D108BD9-81ED-4DB2-BD59-A6C34878D82A}">
+                    <a16:rowId xmlns:a16="http://schemas.microsoft.com/office/drawing/2014/main" val="10009"/>
+                  </a:ext>
+                </a:extLst>
               </a:tr>
               <a:tr h="187200">
                 <a:tc>
@@ -6825,6 +6985,11 @@
                     </a:lnBlToTr>
                   </a:tcPr>
                 </a:tc>
+                <a:extLst>
+                  <a:ext uri="{0D108BD9-81ED-4DB2-BD59-A6C34878D82A}">
+                    <a16:rowId xmlns:a16="http://schemas.microsoft.com/office/drawing/2014/main" val="10010"/>
+                  </a:ext>
+                </a:extLst>
               </a:tr>
               <a:tr h="187200">
                 <a:tc>
@@ -7005,6 +7170,11 @@
                     </a:lnBlToTr>
                   </a:tcPr>
                 </a:tc>
+                <a:extLst>
+                  <a:ext uri="{0D108BD9-81ED-4DB2-BD59-A6C34878D82A}">
+                    <a16:rowId xmlns:a16="http://schemas.microsoft.com/office/drawing/2014/main" val="10011"/>
+                  </a:ext>
+                </a:extLst>
               </a:tr>
               <a:tr h="187200">
                 <a:tc>
@@ -7201,6 +7371,11 @@
                     </a:lnBlToTr>
                   </a:tcPr>
                 </a:tc>
+                <a:extLst>
+                  <a:ext uri="{0D108BD9-81ED-4DB2-BD59-A6C34878D82A}">
+                    <a16:rowId xmlns:a16="http://schemas.microsoft.com/office/drawing/2014/main" val="10012"/>
+                  </a:ext>
+                </a:extLst>
               </a:tr>
               <a:tr h="187200">
                 <a:tc>
@@ -7389,6 +7564,11 @@
                     </a:lnBlToTr>
                   </a:tcPr>
                 </a:tc>
+                <a:extLst>
+                  <a:ext uri="{0D108BD9-81ED-4DB2-BD59-A6C34878D82A}">
+                    <a16:rowId xmlns:a16="http://schemas.microsoft.com/office/drawing/2014/main" val="10013"/>
+                  </a:ext>
+                </a:extLst>
               </a:tr>
               <a:tr h="187200">
                 <a:tc>
@@ -7569,6 +7749,11 @@
                     </a:lnBlToTr>
                   </a:tcPr>
                 </a:tc>
+                <a:extLst>
+                  <a:ext uri="{0D108BD9-81ED-4DB2-BD59-A6C34878D82A}">
+                    <a16:rowId xmlns:a16="http://schemas.microsoft.com/office/drawing/2014/main" val="10014"/>
+                  </a:ext>
+                </a:extLst>
               </a:tr>
               <a:tr h="187200">
                 <a:tc>
@@ -7749,6 +7934,11 @@
                     </a:lnBlToTr>
                   </a:tcPr>
                 </a:tc>
+                <a:extLst>
+                  <a:ext uri="{0D108BD9-81ED-4DB2-BD59-A6C34878D82A}">
+                    <a16:rowId xmlns:a16="http://schemas.microsoft.com/office/drawing/2014/main" val="10015"/>
+                  </a:ext>
+                </a:extLst>
               </a:tr>
             </a:tbl>
           </a:graphicData>
@@ -7774,7 +7964,7 @@
 </p:sld>
 </file>
 
-<file path=ppt/slides/slide15.xml><?xml version="1.0" encoding="utf-8"?>
+<file path=ppt/slides/slide16.xml><?xml version="1.0" encoding="utf-8"?>
 <p:sld xmlns:a="http://schemas.openxmlformats.org/drawingml/2006/main" xmlns:r="http://schemas.openxmlformats.org/officeDocument/2006/relationships" xmlns:p="http://schemas.openxmlformats.org/presentationml/2006/main">
   <p:cSld>
     <p:spTree>

--- a/Presentation/lesson-02-generics.pptx
+++ b/Presentation/lesson-02-generics.pptx
@@ -5,7 +5,7 @@
     <p:sldMasterId id="2147483648" r:id="rId1"/>
   </p:sldMasterIdLst>
   <p:notesMasterIdLst>
-    <p:notesMasterId r:id="rId18"/>
+    <p:notesMasterId r:id="rId29"/>
   </p:notesMasterIdLst>
   <p:sldIdLst>
     <p:sldId id="257" r:id="rId2"/>
@@ -13,17 +13,28 @@
     <p:sldId id="267" r:id="rId4"/>
     <p:sldId id="260" r:id="rId5"/>
     <p:sldId id="258" r:id="rId6"/>
-    <p:sldId id="270" r:id="rId7"/>
-    <p:sldId id="259" r:id="rId8"/>
-    <p:sldId id="265" r:id="rId9"/>
-    <p:sldId id="266" r:id="rId10"/>
-    <p:sldId id="264" r:id="rId11"/>
-    <p:sldId id="269" r:id="rId12"/>
-    <p:sldId id="272" r:id="rId13"/>
-    <p:sldId id="262" r:id="rId14"/>
-    <p:sldId id="263" r:id="rId15"/>
-    <p:sldId id="268" r:id="rId16"/>
-    <p:sldId id="271" r:id="rId17"/>
+    <p:sldId id="273" r:id="rId7"/>
+    <p:sldId id="270" r:id="rId8"/>
+    <p:sldId id="259" r:id="rId9"/>
+    <p:sldId id="274" r:id="rId10"/>
+    <p:sldId id="275" r:id="rId11"/>
+    <p:sldId id="279" r:id="rId12"/>
+    <p:sldId id="281" r:id="rId13"/>
+    <p:sldId id="282" r:id="rId14"/>
+    <p:sldId id="265" r:id="rId15"/>
+    <p:sldId id="266" r:id="rId16"/>
+    <p:sldId id="264" r:id="rId17"/>
+    <p:sldId id="283" r:id="rId18"/>
+    <p:sldId id="276" r:id="rId19"/>
+    <p:sldId id="269" r:id="rId20"/>
+    <p:sldId id="272" r:id="rId21"/>
+    <p:sldId id="277" r:id="rId22"/>
+    <p:sldId id="278" r:id="rId23"/>
+    <p:sldId id="262" r:id="rId24"/>
+    <p:sldId id="280" r:id="rId25"/>
+    <p:sldId id="263" r:id="rId26"/>
+    <p:sldId id="268" r:id="rId27"/>
+    <p:sldId id="271" r:id="rId28"/>
   </p:sldIdLst>
   <p:sldSz cx="9144000" cy="6858000" type="screen4x3"/>
   <p:notesSz cx="6858000" cy="9144000"/>
@@ -123,6 +134,77 @@
     </a:lvl9pPr>
   </p:defaultTextStyle>
   <p:extLst>
+    <p:ext uri="{521415D9-36F7-43E2-AB2F-B90AF26B5E84}">
+      <p14:sectionLst xmlns:p14="http://schemas.microsoft.com/office/powerpoint/2010/main">
+        <p14:section name="Введение" id="{B6966CE2-5FB8-455E-8954-190749612F0B}">
+          <p14:sldIdLst>
+            <p14:sldId id="257"/>
+            <p14:sldId id="261"/>
+            <p14:sldId id="267"/>
+            <p14:sldId id="260"/>
+          </p14:sldIdLst>
+        </p14:section>
+        <p14:section name="Обобщенные методы" id="{6B318DB4-5025-41D0-8C85-5861F7291FB7}">
+          <p14:sldIdLst>
+            <p14:sldId id="258"/>
+            <p14:sldId id="273"/>
+            <p14:sldId id="270"/>
+          </p14:sldIdLst>
+        </p14:section>
+        <p14:section name="Ограничения (constraints)" id="{F07E59E2-9431-41E4-8065-CCDDE8BA37E7}">
+          <p14:sldIdLst>
+            <p14:sldId id="259"/>
+            <p14:sldId id="274"/>
+            <p14:sldId id="275"/>
+            <p14:sldId id="279"/>
+            <p14:sldId id="281"/>
+            <p14:sldId id="282"/>
+            <p14:sldId id="265"/>
+            <p14:sldId id="266"/>
+          </p14:sldIdLst>
+        </p14:section>
+        <p14:section name="default" id="{6EFB7037-8928-4323-8273-2CE2B71841BC}">
+          <p14:sldIdLst>
+            <p14:sldId id="264"/>
+            <p14:sldId id="283"/>
+          </p14:sldIdLst>
+        </p14:section>
+        <p14:section name="Обобщенные классы" id="{C8ADBD1C-BCFC-4740-9F43-F1870249AB75}">
+          <p14:sldIdLst>
+            <p14:sldId id="276"/>
+            <p14:sldId id="269"/>
+            <p14:sldId id="272"/>
+          </p14:sldIdLst>
+        </p14:section>
+        <p14:section name="Обобщенные интерфейсы" id="{354A8004-8AA5-4DE6-AF4B-F3EDBCE359CB}">
+          <p14:sldIdLst>
+            <p14:sldId id="277"/>
+          </p14:sldIdLst>
+        </p14:section>
+        <p14:section name="Обобщенные делегаты" id="{74911DF3-3627-4054-908C-E08D74282FC6}">
+          <p14:sldIdLst>
+            <p14:sldId id="278"/>
+          </p14:sldIdLst>
+        </p14:section>
+        <p14:section name="Стандартные обобщенные типы" id="{3FD98B6F-41C2-4585-8C56-683498758C44}">
+          <p14:sldIdLst>
+            <p14:sldId id="262"/>
+            <p14:sldId id="280"/>
+          </p14:sldIdLst>
+        </p14:section>
+        <p14:section name="Ковариантность и контрвариантность" id="{61B98245-B6D1-4A5B-AA7D-67AF9695AB2A}">
+          <p14:sldIdLst>
+            <p14:sldId id="263"/>
+            <p14:sldId id="268"/>
+          </p14:sldIdLst>
+        </p14:section>
+        <p14:section name="C# vs C++" id="{7A88AAC4-EA78-4F8B-BD4B-44FDF0422B11}">
+          <p14:sldIdLst>
+            <p14:sldId id="271"/>
+          </p14:sldIdLst>
+        </p14:section>
+      </p14:sectionLst>
+    </p:ext>
     <p:ext uri="{EFAFB233-063F-42B5-8137-9DF3F51BA10A}">
       <p15:sldGuideLst xmlns:p15="http://schemas.microsoft.com/office/powerpoint/2012/main">
         <p15:guide id="1" orient="horz" pos="2160">
@@ -223,7 +305,7 @@
           <a:p>
             <a:fld id="{B24A7054-7FFB-49F4-A126-5DF6E687FF53}" type="datetimeFigureOut">
               <a:rPr lang="ru-RU" smtClean="0"/>
-              <a:t>08.10.2017</a:t>
+              <a:t>20.02.2018</a:t>
             </a:fld>
             <a:endParaRPr lang="ru-RU"/>
           </a:p>
@@ -1505,7 +1587,7 @@
           <a:p>
             <a:fld id="{8E6E6A2A-E9D3-4A0D-B04A-ABDD367A1E08}" type="datetimeFigureOut">
               <a:rPr lang="ru-RU" smtClean="0"/>
-              <a:t>08.10.2017</a:t>
+              <a:t>20.02.2018</a:t>
             </a:fld>
             <a:endParaRPr lang="ru-RU"/>
           </a:p>
@@ -2950,7 +3032,7 @@
           <a:p>
             <a:fld id="{AC3D3127-B7C4-45E3-9797-C527EC9FDD78}" type="datetimeFigureOut">
               <a:rPr lang="ru-RU" smtClean="0"/>
-              <a:t>08.10.2017</a:t>
+              <a:t>20.02.2018</a:t>
             </a:fld>
             <a:endParaRPr lang="ru-RU"/>
           </a:p>
@@ -3547,7 +3629,7 @@
       </p:grpSpPr>
       <p:sp>
         <p:nvSpPr>
-          <p:cNvPr id="2" name="Title 1"/>
+          <p:cNvPr id="2" name="Заголовок 1"/>
           <p:cNvSpPr>
             <a:spLocks noGrp="1"/>
           </p:cNvSpPr>
@@ -3562,19 +3644,23 @@
           <a:p>
             <a:r>
               <a:rPr lang="ru-RU" dirty="0" smtClean="0"/>
-              <a:t>Ключевое слово </a:t>
-            </a:r>
-            <a:r>
-              <a:rPr lang="en-US" dirty="0" smtClean="0"/>
-              <a:t>default</a:t>
-            </a:r>
-            <a:endParaRPr lang="en-US" dirty="0"/>
+              <a:t>Ограничение по интерфейсу(</a:t>
+            </a:r>
+            <a:r>
+              <a:rPr lang="ru-RU" dirty="0" err="1" smtClean="0"/>
+              <a:t>ам</a:t>
+            </a:r>
+            <a:r>
+              <a:rPr lang="ru-RU" dirty="0" smtClean="0"/>
+              <a:t>)</a:t>
+            </a:r>
+            <a:endParaRPr lang="ru-RU" dirty="0"/>
           </a:p>
         </p:txBody>
       </p:sp>
       <p:sp>
         <p:nvSpPr>
-          <p:cNvPr id="3" name="Content Placeholder 2"/>
+          <p:cNvPr id="3" name="Объект 2"/>
           <p:cNvSpPr>
             <a:spLocks noGrp="1"/>
           </p:cNvSpPr>
@@ -3582,313 +3668,36 @@
             <p:ph idx="1"/>
           </p:nvPr>
         </p:nvSpPr>
-        <p:spPr>
-          <a:xfrm>
-            <a:off x="457200" y="1600201"/>
-            <a:ext cx="8229600" cy="2260848"/>
-          </a:xfrm>
-        </p:spPr>
+        <p:spPr/>
         <p:txBody>
           <a:bodyPr/>
           <a:lstStyle/>
           <a:p>
-            <a:pPr marL="0" indent="0">
-              <a:buNone/>
-            </a:pPr>
             <a:r>
               <a:rPr lang="ru-RU" dirty="0" smtClean="0"/>
-              <a:t>С помощью ключевого слова </a:t>
-            </a:r>
-            <a:r>
-              <a:rPr lang="en-US" dirty="0" smtClean="0"/>
-              <a:t>default </a:t>
+              <a:t>Можно указать несколько интерфейсов. В этом случае в качестве тип-аргумента могут являться только типы реализующие все перечисленные интерфейсы</a:t>
+            </a:r>
+          </a:p>
+          <a:p>
+            <a:r>
+              <a:rPr lang="ru-RU" dirty="0"/>
+              <a:t>Если используется совместно с ограничением по </a:t>
             </a:r>
             <a:r>
               <a:rPr lang="ru-RU" dirty="0" smtClean="0"/>
-              <a:t>можно получать значение по умолчанию по имени типа. Для значимых типов это 0, для ссылочных – </a:t>
-            </a:r>
-            <a:r>
-              <a:rPr lang="en-US" dirty="0" smtClean="0"/>
-              <a:t>null.</a:t>
-            </a:r>
-            <a:endParaRPr lang="en-US" dirty="0"/>
-          </a:p>
-        </p:txBody>
-      </p:sp>
-      <p:sp>
-        <p:nvSpPr>
-          <p:cNvPr id="5" name="Rectangle 4"/>
-          <p:cNvSpPr/>
-          <p:nvPr/>
-        </p:nvSpPr>
-        <p:spPr>
-          <a:xfrm>
-            <a:off x="457200" y="4293096"/>
-            <a:ext cx="8229600" cy="1477328"/>
-          </a:xfrm>
-          <a:prstGeom prst="rect">
-            <a:avLst/>
-          </a:prstGeom>
-          <a:solidFill>
-            <a:schemeClr val="bg1"/>
-          </a:solidFill>
-        </p:spPr>
-        <p:txBody>
-          <a:bodyPr wrap="square">
-            <a:spAutoFit/>
-          </a:bodyPr>
-          <a:lstStyle/>
-          <a:p>
-            <a:r>
-              <a:rPr lang="en-US" dirty="0" err="1">
-                <a:solidFill>
-                  <a:srgbClr val="0000FF"/>
-                </a:solidFill>
-                <a:latin typeface="Consolas" panose="020B0609020204030204" pitchFamily="49" charset="0"/>
-              </a:rPr>
-              <a:t>int</a:t>
-            </a:r>
-            <a:r>
-              <a:rPr lang="en-US" dirty="0">
-                <a:solidFill>
-                  <a:srgbClr val="000000"/>
-                </a:solidFill>
-                <a:latin typeface="Consolas" panose="020B0609020204030204" pitchFamily="49" charset="0"/>
-              </a:rPr>
-              <a:t> </a:t>
-            </a:r>
-            <a:r>
-              <a:rPr lang="en-US" dirty="0" err="1">
-                <a:solidFill>
-                  <a:srgbClr val="000000"/>
-                </a:solidFill>
-                <a:latin typeface="Consolas" panose="020B0609020204030204" pitchFamily="49" charset="0"/>
-              </a:rPr>
-              <a:t>i</a:t>
-            </a:r>
-            <a:r>
-              <a:rPr lang="en-US" dirty="0">
-                <a:solidFill>
-                  <a:srgbClr val="000000"/>
-                </a:solidFill>
-                <a:latin typeface="Consolas" panose="020B0609020204030204" pitchFamily="49" charset="0"/>
-              </a:rPr>
-              <a:t> = </a:t>
-            </a:r>
-            <a:r>
-              <a:rPr lang="en-US" dirty="0">
-                <a:solidFill>
-                  <a:srgbClr val="0000FF"/>
-                </a:solidFill>
-                <a:latin typeface="Consolas" panose="020B0609020204030204" pitchFamily="49" charset="0"/>
-              </a:rPr>
-              <a:t>default</a:t>
-            </a:r>
-            <a:r>
-              <a:rPr lang="en-US" dirty="0">
-                <a:solidFill>
-                  <a:srgbClr val="000000"/>
-                </a:solidFill>
-                <a:latin typeface="Consolas" panose="020B0609020204030204" pitchFamily="49" charset="0"/>
-              </a:rPr>
-              <a:t>(</a:t>
-            </a:r>
-            <a:r>
-              <a:rPr lang="en-US" dirty="0" err="1">
-                <a:solidFill>
-                  <a:srgbClr val="0000FF"/>
-                </a:solidFill>
-                <a:latin typeface="Consolas" panose="020B0609020204030204" pitchFamily="49" charset="0"/>
-              </a:rPr>
-              <a:t>int</a:t>
-            </a:r>
-            <a:r>
-              <a:rPr lang="en-US" dirty="0">
-                <a:solidFill>
-                  <a:srgbClr val="000000"/>
-                </a:solidFill>
-                <a:latin typeface="Consolas" panose="020B0609020204030204" pitchFamily="49" charset="0"/>
-              </a:rPr>
-              <a:t>);</a:t>
-            </a:r>
-          </a:p>
-          <a:p>
-            <a:r>
-              <a:rPr lang="en-US" dirty="0">
-                <a:solidFill>
-                  <a:srgbClr val="0000FF"/>
-                </a:solidFill>
-                <a:latin typeface="Consolas" panose="020B0609020204030204" pitchFamily="49" charset="0"/>
-              </a:rPr>
-              <a:t>string</a:t>
-            </a:r>
-            <a:r>
-              <a:rPr lang="en-US" dirty="0">
-                <a:solidFill>
-                  <a:srgbClr val="000000"/>
-                </a:solidFill>
-                <a:latin typeface="Consolas" panose="020B0609020204030204" pitchFamily="49" charset="0"/>
-              </a:rPr>
-              <a:t> s = </a:t>
-            </a:r>
-            <a:r>
-              <a:rPr lang="en-US" dirty="0">
-                <a:solidFill>
-                  <a:srgbClr val="0000FF"/>
-                </a:solidFill>
-                <a:latin typeface="Consolas" panose="020B0609020204030204" pitchFamily="49" charset="0"/>
-              </a:rPr>
-              <a:t>default</a:t>
-            </a:r>
-            <a:r>
-              <a:rPr lang="en-US" dirty="0">
-                <a:solidFill>
-                  <a:srgbClr val="000000"/>
-                </a:solidFill>
-                <a:latin typeface="Consolas" panose="020B0609020204030204" pitchFamily="49" charset="0"/>
-              </a:rPr>
-              <a:t>(</a:t>
-            </a:r>
-            <a:r>
-              <a:rPr lang="en-US" dirty="0">
-                <a:solidFill>
-                  <a:srgbClr val="0000FF"/>
-                </a:solidFill>
-                <a:latin typeface="Consolas" panose="020B0609020204030204" pitchFamily="49" charset="0"/>
-              </a:rPr>
-              <a:t>string</a:t>
-            </a:r>
-            <a:r>
-              <a:rPr lang="en-US" dirty="0" smtClean="0">
-                <a:solidFill>
-                  <a:srgbClr val="000000"/>
-                </a:solidFill>
-                <a:latin typeface="Consolas" panose="020B0609020204030204" pitchFamily="49" charset="0"/>
-              </a:rPr>
-              <a:t>);</a:t>
-            </a:r>
-            <a:endParaRPr lang="ru-RU" dirty="0" smtClean="0">
-              <a:solidFill>
-                <a:srgbClr val="000000"/>
-              </a:solidFill>
-              <a:latin typeface="Consolas" panose="020B0609020204030204" pitchFamily="49" charset="0"/>
-            </a:endParaRPr>
-          </a:p>
-          <a:p>
-            <a:endParaRPr lang="ru-RU" dirty="0">
-              <a:solidFill>
-                <a:srgbClr val="000000"/>
-              </a:solidFill>
-              <a:latin typeface="Consolas" panose="020B0609020204030204" pitchFamily="49" charset="0"/>
-            </a:endParaRPr>
-          </a:p>
-          <a:p>
-            <a:r>
-              <a:rPr lang="en-US" dirty="0">
-                <a:solidFill>
-                  <a:srgbClr val="008000"/>
-                </a:solidFill>
-                <a:latin typeface="Consolas" panose="020B0609020204030204" pitchFamily="49" charset="0"/>
-              </a:rPr>
-              <a:t>// </a:t>
-            </a:r>
-            <a:r>
-              <a:rPr lang="ru-RU" dirty="0" smtClean="0">
-                <a:solidFill>
-                  <a:srgbClr val="008000"/>
-                </a:solidFill>
-                <a:latin typeface="Consolas" panose="020B0609020204030204" pitchFamily="49" charset="0"/>
-              </a:rPr>
-              <a:t>Где</a:t>
-            </a:r>
-            <a:r>
-              <a:rPr lang="en-US" dirty="0" smtClean="0">
-                <a:solidFill>
-                  <a:srgbClr val="008000"/>
-                </a:solidFill>
-                <a:latin typeface="Consolas" panose="020B0609020204030204" pitchFamily="49" charset="0"/>
-              </a:rPr>
-              <a:t> </a:t>
-            </a:r>
-            <a:r>
-              <a:rPr lang="en-US" dirty="0">
-                <a:solidFill>
-                  <a:srgbClr val="008000"/>
-                </a:solidFill>
-                <a:latin typeface="Consolas" panose="020B0609020204030204" pitchFamily="49" charset="0"/>
-              </a:rPr>
-              <a:t>T </a:t>
-            </a:r>
-            <a:r>
-              <a:rPr lang="ru-RU" dirty="0" smtClean="0">
-                <a:solidFill>
-                  <a:srgbClr val="008000"/>
-                </a:solidFill>
-                <a:latin typeface="Consolas" panose="020B0609020204030204" pitchFamily="49" charset="0"/>
-              </a:rPr>
-              <a:t>это тип-аргумент</a:t>
-            </a:r>
-            <a:endParaRPr lang="en-US" dirty="0">
-              <a:solidFill>
-                <a:srgbClr val="000000"/>
-              </a:solidFill>
-              <a:latin typeface="Consolas" panose="020B0609020204030204" pitchFamily="49" charset="0"/>
-            </a:endParaRPr>
-          </a:p>
-          <a:p>
-            <a:r>
-              <a:rPr lang="en-US" dirty="0">
-                <a:solidFill>
-                  <a:srgbClr val="000000"/>
-                </a:solidFill>
-                <a:latin typeface="Consolas" panose="020B0609020204030204" pitchFamily="49" charset="0"/>
-              </a:rPr>
-              <a:t>T </a:t>
-            </a:r>
-            <a:r>
-              <a:rPr lang="en-US" dirty="0" err="1">
-                <a:solidFill>
-                  <a:srgbClr val="000000"/>
-                </a:solidFill>
-                <a:latin typeface="Consolas" panose="020B0609020204030204" pitchFamily="49" charset="0"/>
-              </a:rPr>
-              <a:t>t</a:t>
-            </a:r>
-            <a:r>
-              <a:rPr lang="en-US" dirty="0">
-                <a:solidFill>
-                  <a:srgbClr val="000000"/>
-                </a:solidFill>
-                <a:latin typeface="Consolas" panose="020B0609020204030204" pitchFamily="49" charset="0"/>
-              </a:rPr>
-              <a:t> = </a:t>
-            </a:r>
-            <a:r>
-              <a:rPr lang="en-US" dirty="0">
-                <a:solidFill>
-                  <a:srgbClr val="0000FF"/>
-                </a:solidFill>
-                <a:latin typeface="Consolas" panose="020B0609020204030204" pitchFamily="49" charset="0"/>
-              </a:rPr>
-              <a:t>default</a:t>
-            </a:r>
-            <a:r>
-              <a:rPr lang="en-US" dirty="0">
-                <a:solidFill>
-                  <a:srgbClr val="000000"/>
-                </a:solidFill>
-                <a:latin typeface="Consolas" panose="020B0609020204030204" pitchFamily="49" charset="0"/>
-              </a:rPr>
-              <a:t>(T);</a:t>
-            </a:r>
-            <a:endParaRPr lang="en-US" dirty="0"/>
+              <a:t>базовому классу, </a:t>
+            </a:r>
+            <a:r>
+              <a:rPr lang="ru-RU" dirty="0"/>
+              <a:t>то сначала нужно указать имя класса, а затем интерфейс(ы)</a:t>
+            </a:r>
           </a:p>
         </p:txBody>
       </p:sp>
     </p:spTree>
     <p:extLst>
       <p:ext uri="{BB962C8B-B14F-4D97-AF65-F5344CB8AC3E}">
-        <p14:creationId xmlns:p14="http://schemas.microsoft.com/office/powerpoint/2010/main" val="1167712495"/>
+        <p14:creationId xmlns:p14="http://schemas.microsoft.com/office/powerpoint/2010/main" val="1724395820"/>
       </p:ext>
     </p:extLst>
   </p:cSld>
@@ -3899,6 +3708,244 @@
 </file>
 
 <file path=ppt/slides/slide11.xml><?xml version="1.0" encoding="utf-8"?>
+<p:sld xmlns:a="http://schemas.openxmlformats.org/drawingml/2006/main" xmlns:r="http://schemas.openxmlformats.org/officeDocument/2006/relationships" xmlns:p="http://schemas.openxmlformats.org/presentationml/2006/main">
+  <p:cSld>
+    <p:spTree>
+      <p:nvGrpSpPr>
+        <p:cNvPr id="1" name=""/>
+        <p:cNvGrpSpPr/>
+        <p:nvPr/>
+      </p:nvGrpSpPr>
+      <p:grpSpPr>
+        <a:xfrm>
+          <a:off x="0" y="0"/>
+          <a:ext cx="0" cy="0"/>
+          <a:chOff x="0" y="0"/>
+          <a:chExt cx="0" cy="0"/>
+        </a:xfrm>
+      </p:grpSpPr>
+      <p:sp>
+        <p:nvSpPr>
+          <p:cNvPr id="2" name="Заголовок 1"/>
+          <p:cNvSpPr>
+            <a:spLocks noGrp="1"/>
+          </p:cNvSpPr>
+          <p:nvPr>
+            <p:ph type="title"/>
+          </p:nvPr>
+        </p:nvSpPr>
+        <p:spPr/>
+        <p:txBody>
+          <a:bodyPr/>
+          <a:lstStyle/>
+          <a:p>
+            <a:r>
+              <a:rPr lang="ru-RU" dirty="0" smtClean="0"/>
+              <a:t>Ограничение на ссылочный тип</a:t>
+            </a:r>
+            <a:endParaRPr lang="ru-RU" dirty="0"/>
+          </a:p>
+        </p:txBody>
+      </p:sp>
+      <p:sp>
+        <p:nvSpPr>
+          <p:cNvPr id="3" name="Объект 2"/>
+          <p:cNvSpPr>
+            <a:spLocks noGrp="1"/>
+          </p:cNvSpPr>
+          <p:nvPr>
+            <p:ph idx="1"/>
+          </p:nvPr>
+        </p:nvSpPr>
+        <p:spPr/>
+        <p:txBody>
+          <a:bodyPr/>
+          <a:lstStyle/>
+          <a:p>
+            <a:r>
+              <a:rPr lang="ru-RU" dirty="0" smtClean="0"/>
+              <a:t>Избегайте использования операторов ==, != т.к. они будут сравнивать только равенство ссылок, даже если в типе перегружены операторы сравнения.</a:t>
+            </a:r>
+            <a:endParaRPr lang="ru-RU" dirty="0"/>
+          </a:p>
+        </p:txBody>
+      </p:sp>
+    </p:spTree>
+    <p:extLst>
+      <p:ext uri="{BB962C8B-B14F-4D97-AF65-F5344CB8AC3E}">
+        <p14:creationId xmlns:p14="http://schemas.microsoft.com/office/powerpoint/2010/main" val="2185390178"/>
+      </p:ext>
+    </p:extLst>
+  </p:cSld>
+  <p:clrMapOvr>
+    <a:masterClrMapping/>
+  </p:clrMapOvr>
+</p:sld>
+</file>
+
+<file path=ppt/slides/slide12.xml><?xml version="1.0" encoding="utf-8"?>
+<p:sld xmlns:a="http://schemas.openxmlformats.org/drawingml/2006/main" xmlns:r="http://schemas.openxmlformats.org/officeDocument/2006/relationships" xmlns:p="http://schemas.openxmlformats.org/presentationml/2006/main">
+  <p:cSld>
+    <p:spTree>
+      <p:nvGrpSpPr>
+        <p:cNvPr id="1" name=""/>
+        <p:cNvGrpSpPr/>
+        <p:nvPr/>
+      </p:nvGrpSpPr>
+      <p:grpSpPr>
+        <a:xfrm>
+          <a:off x="0" y="0"/>
+          <a:ext cx="0" cy="0"/>
+          <a:chOff x="0" y="0"/>
+          <a:chExt cx="0" cy="0"/>
+        </a:xfrm>
+      </p:grpSpPr>
+      <p:sp>
+        <p:nvSpPr>
+          <p:cNvPr id="2" name="Заголовок 1"/>
+          <p:cNvSpPr>
+            <a:spLocks noGrp="1"/>
+          </p:cNvSpPr>
+          <p:nvPr>
+            <p:ph type="title"/>
+          </p:nvPr>
+        </p:nvSpPr>
+        <p:spPr/>
+        <p:txBody>
+          <a:bodyPr/>
+          <a:lstStyle/>
+          <a:p>
+            <a:r>
+              <a:rPr lang="ru-RU" dirty="0" smtClean="0"/>
+              <a:t>Ограничение на значимый тип</a:t>
+            </a:r>
+            <a:endParaRPr lang="ru-RU" dirty="0"/>
+          </a:p>
+        </p:txBody>
+      </p:sp>
+      <p:sp>
+        <p:nvSpPr>
+          <p:cNvPr id="3" name="Объект 2"/>
+          <p:cNvSpPr>
+            <a:spLocks noGrp="1"/>
+          </p:cNvSpPr>
+          <p:nvPr>
+            <p:ph idx="1"/>
+          </p:nvPr>
+        </p:nvSpPr>
+        <p:spPr/>
+        <p:txBody>
+          <a:bodyPr/>
+          <a:lstStyle/>
+          <a:p>
+            <a:r>
+              <a:rPr lang="ru-RU" dirty="0" smtClean="0"/>
+              <a:t>Позволяет использовать любой значимый тип, кроме </a:t>
+            </a:r>
+            <a:r>
+              <a:rPr lang="en-US" dirty="0" err="1" smtClean="0"/>
+              <a:t>Nullable</a:t>
+            </a:r>
+            <a:r>
+              <a:rPr lang="en-US" dirty="0" smtClean="0"/>
+              <a:t>&lt;T&gt;</a:t>
+            </a:r>
+            <a:endParaRPr lang="ru-RU" dirty="0"/>
+          </a:p>
+        </p:txBody>
+      </p:sp>
+    </p:spTree>
+    <p:extLst>
+      <p:ext uri="{BB962C8B-B14F-4D97-AF65-F5344CB8AC3E}">
+        <p14:creationId xmlns:p14="http://schemas.microsoft.com/office/powerpoint/2010/main" val="4240849240"/>
+      </p:ext>
+    </p:extLst>
+  </p:cSld>
+  <p:clrMapOvr>
+    <a:masterClrMapping/>
+  </p:clrMapOvr>
+</p:sld>
+</file>
+
+<file path=ppt/slides/slide13.xml><?xml version="1.0" encoding="utf-8"?>
+<p:sld xmlns:a="http://schemas.openxmlformats.org/drawingml/2006/main" xmlns:r="http://schemas.openxmlformats.org/officeDocument/2006/relationships" xmlns:p="http://schemas.openxmlformats.org/presentationml/2006/main">
+  <p:cSld>
+    <p:spTree>
+      <p:nvGrpSpPr>
+        <p:cNvPr id="1" name=""/>
+        <p:cNvGrpSpPr/>
+        <p:nvPr/>
+      </p:nvGrpSpPr>
+      <p:grpSpPr>
+        <a:xfrm>
+          <a:off x="0" y="0"/>
+          <a:ext cx="0" cy="0"/>
+          <a:chOff x="0" y="0"/>
+          <a:chExt cx="0" cy="0"/>
+        </a:xfrm>
+      </p:grpSpPr>
+      <p:sp>
+        <p:nvSpPr>
+          <p:cNvPr id="2" name="Заголовок 1"/>
+          <p:cNvSpPr>
+            <a:spLocks noGrp="1"/>
+          </p:cNvSpPr>
+          <p:nvPr>
+            <p:ph type="title"/>
+          </p:nvPr>
+        </p:nvSpPr>
+        <p:spPr/>
+        <p:txBody>
+          <a:bodyPr>
+            <a:normAutofit fontScale="90000"/>
+          </a:bodyPr>
+          <a:lstStyle/>
+          <a:p>
+            <a:r>
+              <a:rPr lang="ru-RU" dirty="0" smtClean="0"/>
+              <a:t>Ограничение на конструктор по умолчанию</a:t>
+            </a:r>
+            <a:endParaRPr lang="ru-RU" dirty="0"/>
+          </a:p>
+        </p:txBody>
+      </p:sp>
+      <p:sp>
+        <p:nvSpPr>
+          <p:cNvPr id="3" name="Объект 2"/>
+          <p:cNvSpPr>
+            <a:spLocks noGrp="1"/>
+          </p:cNvSpPr>
+          <p:nvPr>
+            <p:ph idx="1"/>
+          </p:nvPr>
+        </p:nvSpPr>
+        <p:spPr/>
+        <p:txBody>
+          <a:bodyPr/>
+          <a:lstStyle/>
+          <a:p>
+            <a:r>
+              <a:rPr lang="ru-RU" dirty="0" smtClean="0"/>
+              <a:t>Должно указываться последним</a:t>
+            </a:r>
+            <a:endParaRPr lang="ru-RU" dirty="0"/>
+          </a:p>
+        </p:txBody>
+      </p:sp>
+    </p:spTree>
+    <p:extLst>
+      <p:ext uri="{BB962C8B-B14F-4D97-AF65-F5344CB8AC3E}">
+        <p14:creationId xmlns:p14="http://schemas.microsoft.com/office/powerpoint/2010/main" val="140548591"/>
+      </p:ext>
+    </p:extLst>
+  </p:cSld>
+  <p:clrMapOvr>
+    <a:masterClrMapping/>
+  </p:clrMapOvr>
+</p:sld>
+</file>
+
+<file path=ppt/slides/slide14.xml><?xml version="1.0" encoding="utf-8"?>
 <p:sld xmlns:a="http://schemas.openxmlformats.org/drawingml/2006/main" xmlns:r="http://schemas.openxmlformats.org/officeDocument/2006/relationships" xmlns:p="http://schemas.openxmlformats.org/presentationml/2006/main">
   <p:cSld>
     <p:spTree>
@@ -3934,14 +3981,7 @@
           <a:p>
             <a:r>
               <a:rPr lang="ru-RU" dirty="0" smtClean="0"/>
-              <a:t>Абстрактные классы</a:t>
-            </a:r>
-            <a:br>
-              <a:rPr lang="ru-RU" dirty="0" smtClean="0"/>
-            </a:br>
-            <a:r>
-              <a:rPr lang="ru-RU" dirty="0" smtClean="0"/>
-              <a:t>и обобщенные методы</a:t>
+              <a:t>Ограничения для нескольких параметров</a:t>
             </a:r>
             <a:endParaRPr lang="en-US" dirty="0"/>
           </a:p>
@@ -3957,55 +3997,28 @@
             <p:ph idx="1"/>
           </p:nvPr>
         </p:nvSpPr>
-        <p:spPr>
-          <a:solidFill>
-            <a:schemeClr val="bg1"/>
-          </a:solidFill>
-        </p:spPr>
+        <p:spPr/>
         <p:txBody>
-          <a:bodyPr>
-            <a:normAutofit lnSpcReduction="10000"/>
-          </a:bodyPr>
+          <a:bodyPr/>
           <a:lstStyle/>
           <a:p>
             <a:pPr marL="0" indent="0">
               <a:buNone/>
             </a:pPr>
             <a:r>
-              <a:rPr lang="en-US" sz="1800" dirty="0">
-                <a:solidFill>
-                  <a:srgbClr val="0000FF"/>
-                </a:solidFill>
-                <a:latin typeface="Consolas" panose="020B0609020204030204" pitchFamily="49" charset="0"/>
-              </a:rPr>
-              <a:t>abstract</a:t>
-            </a:r>
-            <a:r>
-              <a:rPr lang="en-US" sz="1800" dirty="0">
-                <a:solidFill>
-                  <a:srgbClr val="000000"/>
-                </a:solidFill>
-                <a:latin typeface="Consolas" panose="020B0609020204030204" pitchFamily="49" charset="0"/>
-              </a:rPr>
-              <a:t> </a:t>
-            </a:r>
-            <a:r>
-              <a:rPr lang="en-US" sz="1800" dirty="0">
-                <a:solidFill>
-                  <a:srgbClr val="0000FF"/>
-                </a:solidFill>
-                <a:latin typeface="Consolas" panose="020B0609020204030204" pitchFamily="49" charset="0"/>
-              </a:rPr>
-              <a:t>class</a:t>
-            </a:r>
-            <a:r>
-              <a:rPr lang="en-US" sz="1800" dirty="0">
-                <a:solidFill>
-                  <a:srgbClr val="000000"/>
-                </a:solidFill>
-                <a:latin typeface="Consolas" panose="020B0609020204030204" pitchFamily="49" charset="0"/>
-              </a:rPr>
-              <a:t> Base</a:t>
+              <a:rPr lang="en-US" dirty="0"/>
+              <a:t>c</a:t>
+            </a:r>
+            <a:r>
+              <a:rPr lang="en-US" dirty="0" smtClean="0"/>
+              <a:t>lass Test&lt;T,U&gt;</a:t>
+            </a:r>
+            <a:br>
+              <a:rPr lang="en-US" dirty="0" smtClean="0"/>
+            </a:br>
+            <a:r>
+              <a:rPr lang="en-US" dirty="0" smtClean="0"/>
+              <a:t>     where T : Base</a:t>
             </a:r>
           </a:p>
           <a:p>
@@ -4013,13 +4026,12 @@
               <a:buNone/>
             </a:pPr>
             <a:r>
-              <a:rPr lang="en-US" sz="1800" dirty="0">
-                <a:solidFill>
-                  <a:srgbClr val="000000"/>
-                </a:solidFill>
-                <a:latin typeface="Consolas" panose="020B0609020204030204" pitchFamily="49" charset="0"/>
-              </a:rPr>
-              <a:t>{</a:t>
+              <a:rPr lang="en-US" dirty="0"/>
+              <a:t> </a:t>
+            </a:r>
+            <a:r>
+              <a:rPr lang="en-US" dirty="0" smtClean="0"/>
+              <a:t>    where U : new()</a:t>
             </a:r>
           </a:p>
           <a:p>
@@ -4027,121 +4039,8 @@
               <a:buNone/>
             </a:pPr>
             <a:r>
-              <a:rPr lang="en-US" sz="1800" dirty="0">
-                <a:solidFill>
-                  <a:srgbClr val="000000"/>
-                </a:solidFill>
-                <a:latin typeface="Consolas" panose="020B0609020204030204" pitchFamily="49" charset="0"/>
-              </a:rPr>
-              <a:t>    </a:t>
-            </a:r>
-            <a:r>
-              <a:rPr lang="en-US" sz="1800" dirty="0">
-                <a:solidFill>
-                  <a:srgbClr val="0000FF"/>
-                </a:solidFill>
-                <a:latin typeface="Consolas" panose="020B0609020204030204" pitchFamily="49" charset="0"/>
-              </a:rPr>
-              <a:t>public</a:t>
-            </a:r>
-            <a:r>
-              <a:rPr lang="en-US" sz="1800" dirty="0">
-                <a:solidFill>
-                  <a:srgbClr val="000000"/>
-                </a:solidFill>
-                <a:latin typeface="Consolas" panose="020B0609020204030204" pitchFamily="49" charset="0"/>
-              </a:rPr>
-              <a:t> </a:t>
-            </a:r>
-            <a:r>
-              <a:rPr lang="en-US" sz="1800" dirty="0">
-                <a:solidFill>
-                  <a:srgbClr val="0000FF"/>
-                </a:solidFill>
-                <a:latin typeface="Consolas" panose="020B0609020204030204" pitchFamily="49" charset="0"/>
-              </a:rPr>
-              <a:t>abstract</a:t>
-            </a:r>
-            <a:r>
-              <a:rPr lang="en-US" sz="1800" dirty="0">
-                <a:solidFill>
-                  <a:srgbClr val="000000"/>
-                </a:solidFill>
-                <a:latin typeface="Consolas" panose="020B0609020204030204" pitchFamily="49" charset="0"/>
-              </a:rPr>
-              <a:t> </a:t>
-            </a:r>
-            <a:r>
-              <a:rPr lang="en-US" sz="1800" dirty="0">
-                <a:solidFill>
-                  <a:srgbClr val="0000FF"/>
-                </a:solidFill>
-                <a:latin typeface="Consolas" panose="020B0609020204030204" pitchFamily="49" charset="0"/>
-              </a:rPr>
-              <a:t>void</a:t>
-            </a:r>
-            <a:r>
-              <a:rPr lang="en-US" sz="1800" dirty="0">
-                <a:solidFill>
-                  <a:srgbClr val="000000"/>
-                </a:solidFill>
-                <a:latin typeface="Consolas" panose="020B0609020204030204" pitchFamily="49" charset="0"/>
-              </a:rPr>
-              <a:t> Act&lt;T&gt;(T t) </a:t>
-            </a:r>
-            <a:r>
-              <a:rPr lang="en-US" sz="1800" dirty="0">
-                <a:solidFill>
-                  <a:srgbClr val="0000FF"/>
-                </a:solidFill>
-                <a:latin typeface="Consolas" panose="020B0609020204030204" pitchFamily="49" charset="0"/>
-              </a:rPr>
-              <a:t>where</a:t>
-            </a:r>
-            <a:r>
-              <a:rPr lang="en-US" sz="1800" dirty="0">
-                <a:solidFill>
-                  <a:srgbClr val="000000"/>
-                </a:solidFill>
-                <a:latin typeface="Consolas" panose="020B0609020204030204" pitchFamily="49" charset="0"/>
-              </a:rPr>
-              <a:t> T : </a:t>
-            </a:r>
-            <a:r>
-              <a:rPr lang="en-US" sz="1800" dirty="0" err="1">
-                <a:solidFill>
-                  <a:srgbClr val="000000"/>
-                </a:solidFill>
-                <a:latin typeface="Consolas" panose="020B0609020204030204" pitchFamily="49" charset="0"/>
-              </a:rPr>
-              <a:t>IList</a:t>
-            </a:r>
-            <a:r>
-              <a:rPr lang="en-US" sz="1800" dirty="0">
-                <a:solidFill>
-                  <a:srgbClr val="000000"/>
-                </a:solidFill>
-                <a:latin typeface="Consolas" panose="020B0609020204030204" pitchFamily="49" charset="0"/>
-              </a:rPr>
-              <a:t>&lt;</a:t>
-            </a:r>
-            <a:r>
-              <a:rPr lang="en-US" sz="1800" dirty="0">
-                <a:solidFill>
-                  <a:srgbClr val="0000FF"/>
-                </a:solidFill>
-                <a:latin typeface="Consolas" panose="020B0609020204030204" pitchFamily="49" charset="0"/>
-              </a:rPr>
-              <a:t>string</a:t>
-            </a:r>
-            <a:r>
-              <a:rPr lang="en-US" sz="1800" dirty="0">
-                <a:solidFill>
-                  <a:srgbClr val="000000"/>
-                </a:solidFill>
-                <a:latin typeface="Consolas" panose="020B0609020204030204" pitchFamily="49" charset="0"/>
-              </a:rPr>
-              <a:t>&gt;;</a:t>
+              <a:rPr lang="en-US" dirty="0" smtClean="0"/>
+              <a:t>{</a:t>
             </a:r>
           </a:p>
           <a:p>
@@ -4149,333 +4048,17 @@
               <a:buNone/>
             </a:pPr>
             <a:r>
-              <a:rPr lang="en-US" sz="1800" dirty="0">
-                <a:solidFill>
-                  <a:srgbClr val="000000"/>
-                </a:solidFill>
-                <a:latin typeface="Consolas" panose="020B0609020204030204" pitchFamily="49" charset="0"/>
-              </a:rPr>
+              <a:rPr lang="en-US" dirty="0"/>
               <a:t>}</a:t>
             </a:r>
-          </a:p>
-          <a:p>
-            <a:pPr marL="0" indent="0">
-              <a:buNone/>
-            </a:pPr>
-            <a:endParaRPr lang="en-US" sz="1800" dirty="0">
-              <a:solidFill>
-                <a:srgbClr val="000000"/>
-              </a:solidFill>
-              <a:latin typeface="Consolas" panose="020B0609020204030204" pitchFamily="49" charset="0"/>
-            </a:endParaRPr>
-          </a:p>
-          <a:p>
-            <a:pPr marL="0" indent="0">
-              <a:buNone/>
-            </a:pPr>
-            <a:r>
-              <a:rPr lang="en-US" sz="1800" dirty="0">
-                <a:solidFill>
-                  <a:srgbClr val="0000FF"/>
-                </a:solidFill>
-                <a:latin typeface="Consolas" panose="020B0609020204030204" pitchFamily="49" charset="0"/>
-              </a:rPr>
-              <a:t>class</a:t>
-            </a:r>
-            <a:r>
-              <a:rPr lang="en-US" sz="1800" dirty="0">
-                <a:solidFill>
-                  <a:srgbClr val="000000"/>
-                </a:solidFill>
-                <a:latin typeface="Consolas" panose="020B0609020204030204" pitchFamily="49" charset="0"/>
-              </a:rPr>
-              <a:t> Derived : Base</a:t>
-            </a:r>
-          </a:p>
-          <a:p>
-            <a:pPr marL="0" indent="0">
-              <a:buNone/>
-            </a:pPr>
-            <a:r>
-              <a:rPr lang="en-US" sz="1800" dirty="0" smtClean="0">
-                <a:solidFill>
-                  <a:srgbClr val="000000"/>
-                </a:solidFill>
-                <a:latin typeface="Consolas" panose="020B0609020204030204" pitchFamily="49" charset="0"/>
-              </a:rPr>
-              <a:t>{</a:t>
-            </a:r>
-            <a:endParaRPr lang="ru-RU" sz="1800" dirty="0" smtClean="0">
-              <a:solidFill>
-                <a:srgbClr val="000000"/>
-              </a:solidFill>
-              <a:latin typeface="Consolas" panose="020B0609020204030204" pitchFamily="49" charset="0"/>
-            </a:endParaRPr>
-          </a:p>
-          <a:p>
-            <a:pPr marL="0" indent="0">
-              <a:buNone/>
-            </a:pPr>
-            <a:r>
-              <a:rPr lang="ru-RU" sz="1800" dirty="0" smtClean="0">
-                <a:solidFill>
-                  <a:srgbClr val="008000"/>
-                </a:solidFill>
-                <a:latin typeface="Consolas" panose="020B0609020204030204" pitchFamily="49" charset="0"/>
-              </a:rPr>
-              <a:t>    </a:t>
-            </a:r>
-            <a:r>
-              <a:rPr lang="en-US" sz="1800" dirty="0" smtClean="0">
-                <a:solidFill>
-                  <a:srgbClr val="008000"/>
-                </a:solidFill>
-                <a:latin typeface="Consolas" panose="020B0609020204030204" pitchFamily="49" charset="0"/>
-              </a:rPr>
-              <a:t>//</a:t>
-            </a:r>
-            <a:r>
-              <a:rPr lang="ru-RU" sz="1800" dirty="0" smtClean="0">
-                <a:solidFill>
-                  <a:srgbClr val="008000"/>
-                </a:solidFill>
-                <a:latin typeface="Consolas" panose="020B0609020204030204" pitchFamily="49" charset="0"/>
-              </a:rPr>
-              <a:t> Для </a:t>
-            </a:r>
-            <a:r>
-              <a:rPr lang="en-US" sz="1800" dirty="0" smtClean="0">
-                <a:solidFill>
-                  <a:srgbClr val="008000"/>
-                </a:solidFill>
-                <a:latin typeface="Consolas" panose="020B0609020204030204" pitchFamily="49" charset="0"/>
-              </a:rPr>
-              <a:t>override </a:t>
-            </a:r>
-            <a:r>
-              <a:rPr lang="ru-RU" sz="1800" dirty="0" smtClean="0">
-                <a:solidFill>
-                  <a:srgbClr val="008000"/>
-                </a:solidFill>
-                <a:latin typeface="Consolas" panose="020B0609020204030204" pitchFamily="49" charset="0"/>
-              </a:rPr>
-              <a:t>метода нельзя указывать ограничения</a:t>
-            </a:r>
-          </a:p>
-          <a:p>
-            <a:pPr marL="0" indent="0">
-              <a:buNone/>
-            </a:pPr>
-            <a:r>
-              <a:rPr lang="ru-RU" sz="1800" dirty="0">
-                <a:solidFill>
-                  <a:srgbClr val="008000"/>
-                </a:solidFill>
-                <a:latin typeface="Consolas" panose="020B0609020204030204" pitchFamily="49" charset="0"/>
-              </a:rPr>
-              <a:t> </a:t>
-            </a:r>
-            <a:r>
-              <a:rPr lang="ru-RU" sz="1800" dirty="0" smtClean="0">
-                <a:solidFill>
-                  <a:srgbClr val="008000"/>
-                </a:solidFill>
-                <a:latin typeface="Consolas" panose="020B0609020204030204" pitchFamily="49" charset="0"/>
-              </a:rPr>
-              <a:t>   </a:t>
-            </a:r>
-            <a:r>
-              <a:rPr lang="en-US" sz="1800" dirty="0" smtClean="0">
-                <a:solidFill>
-                  <a:srgbClr val="008000"/>
-                </a:solidFill>
-                <a:latin typeface="Consolas" panose="020B0609020204030204" pitchFamily="49" charset="0"/>
-              </a:rPr>
-              <a:t>//</a:t>
-            </a:r>
-            <a:r>
-              <a:rPr lang="ru-RU" sz="1800" dirty="0" smtClean="0">
-                <a:solidFill>
-                  <a:srgbClr val="008000"/>
-                </a:solidFill>
-                <a:latin typeface="Consolas" panose="020B0609020204030204" pitchFamily="49" charset="0"/>
-              </a:rPr>
-              <a:t> Они наследуются от родительского метода</a:t>
-            </a:r>
-            <a:endParaRPr lang="en-US" sz="1800" dirty="0">
-              <a:solidFill>
-                <a:srgbClr val="000000"/>
-              </a:solidFill>
-              <a:latin typeface="Consolas" panose="020B0609020204030204" pitchFamily="49" charset="0"/>
-            </a:endParaRPr>
-          </a:p>
-          <a:p>
-            <a:pPr marL="0" indent="0">
-              <a:buNone/>
-            </a:pPr>
-            <a:r>
-              <a:rPr lang="fr-FR" sz="1800" dirty="0">
-                <a:solidFill>
-                  <a:srgbClr val="000000"/>
-                </a:solidFill>
-                <a:latin typeface="Consolas" panose="020B0609020204030204" pitchFamily="49" charset="0"/>
-              </a:rPr>
-              <a:t>    </a:t>
-            </a:r>
-            <a:r>
-              <a:rPr lang="fr-FR" sz="1800" dirty="0">
-                <a:solidFill>
-                  <a:srgbClr val="0000FF"/>
-                </a:solidFill>
-                <a:latin typeface="Consolas" panose="020B0609020204030204" pitchFamily="49" charset="0"/>
-              </a:rPr>
-              <a:t>public</a:t>
-            </a:r>
-            <a:r>
-              <a:rPr lang="fr-FR" sz="1800" dirty="0">
-                <a:solidFill>
-                  <a:srgbClr val="000000"/>
-                </a:solidFill>
-                <a:latin typeface="Consolas" panose="020B0609020204030204" pitchFamily="49" charset="0"/>
-              </a:rPr>
-              <a:t> </a:t>
-            </a:r>
-            <a:r>
-              <a:rPr lang="fr-FR" sz="1800" dirty="0">
-                <a:solidFill>
-                  <a:srgbClr val="0000FF"/>
-                </a:solidFill>
-                <a:latin typeface="Consolas" panose="020B0609020204030204" pitchFamily="49" charset="0"/>
-              </a:rPr>
-              <a:t>override</a:t>
-            </a:r>
-            <a:r>
-              <a:rPr lang="fr-FR" sz="1800" dirty="0">
-                <a:solidFill>
-                  <a:srgbClr val="000000"/>
-                </a:solidFill>
-                <a:latin typeface="Consolas" panose="020B0609020204030204" pitchFamily="49" charset="0"/>
-              </a:rPr>
-              <a:t> </a:t>
-            </a:r>
-            <a:r>
-              <a:rPr lang="fr-FR" sz="1800" dirty="0">
-                <a:solidFill>
-                  <a:srgbClr val="0000FF"/>
-                </a:solidFill>
-                <a:latin typeface="Consolas" panose="020B0609020204030204" pitchFamily="49" charset="0"/>
-              </a:rPr>
-              <a:t>void</a:t>
-            </a:r>
-            <a:r>
-              <a:rPr lang="fr-FR" sz="1800" dirty="0">
-                <a:solidFill>
-                  <a:srgbClr val="000000"/>
-                </a:solidFill>
-                <a:latin typeface="Consolas" panose="020B0609020204030204" pitchFamily="49" charset="0"/>
-              </a:rPr>
-              <a:t> Act&lt;T&gt;(T t)</a:t>
-            </a:r>
-          </a:p>
-          <a:p>
-            <a:pPr marL="0" indent="0">
-              <a:buNone/>
-            </a:pPr>
-            <a:r>
-              <a:rPr lang="en-US" sz="1800" dirty="0">
-                <a:solidFill>
-                  <a:srgbClr val="000000"/>
-                </a:solidFill>
-                <a:latin typeface="Consolas" panose="020B0609020204030204" pitchFamily="49" charset="0"/>
-              </a:rPr>
-              <a:t>    {</a:t>
-            </a:r>
-          </a:p>
-          <a:p>
-            <a:pPr marL="0" indent="0">
-              <a:buNone/>
-            </a:pPr>
-            <a:r>
-              <a:rPr lang="en-US" sz="1800" dirty="0">
-                <a:solidFill>
-                  <a:srgbClr val="000000"/>
-                </a:solidFill>
-                <a:latin typeface="Consolas" panose="020B0609020204030204" pitchFamily="49" charset="0"/>
-              </a:rPr>
-              <a:t>        </a:t>
-            </a:r>
-            <a:r>
-              <a:rPr lang="en-US" sz="1800" dirty="0" err="1">
-                <a:solidFill>
-                  <a:srgbClr val="000000"/>
-                </a:solidFill>
-                <a:latin typeface="Consolas" panose="020B0609020204030204" pitchFamily="49" charset="0"/>
-              </a:rPr>
-              <a:t>t.Add</a:t>
-            </a:r>
-            <a:r>
-              <a:rPr lang="en-US" sz="1800" dirty="0">
-                <a:solidFill>
-                  <a:srgbClr val="000000"/>
-                </a:solidFill>
-                <a:latin typeface="Consolas" panose="020B0609020204030204" pitchFamily="49" charset="0"/>
-              </a:rPr>
-              <a:t>(</a:t>
-            </a:r>
-            <a:r>
-              <a:rPr lang="en-US" sz="1800" dirty="0">
-                <a:solidFill>
-                  <a:srgbClr val="DC1414"/>
-                </a:solidFill>
-                <a:latin typeface="Consolas" panose="020B0609020204030204" pitchFamily="49" charset="0"/>
-              </a:rPr>
-              <a:t>"Some string"</a:t>
-            </a:r>
-            <a:r>
-              <a:rPr lang="en-US" sz="1800" dirty="0">
-                <a:solidFill>
-                  <a:srgbClr val="000000"/>
-                </a:solidFill>
-                <a:latin typeface="Consolas" panose="020B0609020204030204" pitchFamily="49" charset="0"/>
-              </a:rPr>
-              <a:t>);</a:t>
-            </a:r>
-          </a:p>
-          <a:p>
-            <a:pPr marL="0" indent="0">
-              <a:buNone/>
-            </a:pPr>
-            <a:r>
-              <a:rPr lang="en-US" sz="1800" dirty="0">
-                <a:solidFill>
-                  <a:srgbClr val="000000"/>
-                </a:solidFill>
-                <a:latin typeface="Consolas" panose="020B0609020204030204" pitchFamily="49" charset="0"/>
-              </a:rPr>
-              <a:t>    }</a:t>
-            </a:r>
-          </a:p>
-          <a:p>
-            <a:pPr marL="0" indent="0">
-              <a:buNone/>
-            </a:pPr>
-            <a:r>
-              <a:rPr lang="en-US" sz="1800" dirty="0">
-                <a:solidFill>
-                  <a:srgbClr val="000000"/>
-                </a:solidFill>
-                <a:latin typeface="Consolas" panose="020B0609020204030204" pitchFamily="49" charset="0"/>
-              </a:rPr>
-              <a:t>}</a:t>
-            </a:r>
-            <a:endParaRPr lang="ru-RU" sz="1800" dirty="0" smtClean="0"/>
+            <a:endParaRPr lang="en-US" dirty="0" smtClean="0"/>
           </a:p>
         </p:txBody>
       </p:sp>
     </p:spTree>
     <p:extLst>
       <p:ext uri="{BB962C8B-B14F-4D97-AF65-F5344CB8AC3E}">
-        <p14:creationId xmlns:p14="http://schemas.microsoft.com/office/powerpoint/2010/main" val="3252223192"/>
+        <p14:creationId xmlns:p14="http://schemas.microsoft.com/office/powerpoint/2010/main" val="1017108803"/>
       </p:ext>
     </p:extLst>
   </p:cSld>
@@ -4485,7 +4068,139 @@
 </p:sld>
 </file>
 
-<file path=ppt/slides/slide12.xml><?xml version="1.0" encoding="utf-8"?>
+<file path=ppt/slides/slide15.xml><?xml version="1.0" encoding="utf-8"?>
+<p:sld xmlns:a="http://schemas.openxmlformats.org/drawingml/2006/main" xmlns:r="http://schemas.openxmlformats.org/officeDocument/2006/relationships" xmlns:p="http://schemas.openxmlformats.org/presentationml/2006/main">
+  <p:cSld>
+    <p:spTree>
+      <p:nvGrpSpPr>
+        <p:cNvPr id="1" name=""/>
+        <p:cNvGrpSpPr/>
+        <p:nvPr/>
+      </p:nvGrpSpPr>
+      <p:grpSpPr>
+        <a:xfrm>
+          <a:off x="0" y="0"/>
+          <a:ext cx="0" cy="0"/>
+          <a:chOff x="0" y="0"/>
+          <a:chExt cx="0" cy="0"/>
+        </a:xfrm>
+      </p:grpSpPr>
+      <p:sp>
+        <p:nvSpPr>
+          <p:cNvPr id="2" name="Title 1"/>
+          <p:cNvSpPr>
+            <a:spLocks noGrp="1"/>
+          </p:cNvSpPr>
+          <p:nvPr>
+            <p:ph type="title"/>
+          </p:nvPr>
+        </p:nvSpPr>
+        <p:spPr/>
+        <p:txBody>
+          <a:bodyPr>
+            <a:normAutofit fontScale="90000"/>
+          </a:bodyPr>
+          <a:lstStyle/>
+          <a:p>
+            <a:r>
+              <a:rPr lang="ru-RU" dirty="0" smtClean="0"/>
+              <a:t>Тип-параметры без ограничений (</a:t>
+            </a:r>
+            <a:r>
+              <a:rPr lang="en-US" dirty="0" smtClean="0"/>
+              <a:t>unbounded type parameters</a:t>
+            </a:r>
+            <a:r>
+              <a:rPr lang="ru-RU" dirty="0" smtClean="0"/>
+              <a:t>)</a:t>
+            </a:r>
+            <a:endParaRPr lang="en-US" dirty="0"/>
+          </a:p>
+        </p:txBody>
+      </p:sp>
+      <p:sp>
+        <p:nvSpPr>
+          <p:cNvPr id="3" name="Content Placeholder 2"/>
+          <p:cNvSpPr>
+            <a:spLocks noGrp="1"/>
+          </p:cNvSpPr>
+          <p:nvPr>
+            <p:ph idx="1"/>
+          </p:nvPr>
+        </p:nvSpPr>
+        <p:spPr/>
+        <p:txBody>
+          <a:bodyPr/>
+          <a:lstStyle/>
+          <a:p>
+            <a:r>
+              <a:rPr lang="ru-RU" dirty="0" smtClean="0"/>
+              <a:t>Можно приводить к типу </a:t>
+            </a:r>
+            <a:r>
+              <a:rPr lang="en-US" dirty="0" smtClean="0"/>
+              <a:t>object</a:t>
+            </a:r>
+            <a:r>
+              <a:rPr lang="ru-RU" dirty="0" smtClean="0"/>
+              <a:t> или выполнять явное приведение к интерфейсу</a:t>
+            </a:r>
+          </a:p>
+          <a:p>
+            <a:r>
+              <a:rPr lang="ru-RU" dirty="0" smtClean="0"/>
+              <a:t>Можно сравнивать с </a:t>
+            </a:r>
+            <a:r>
+              <a:rPr lang="en-US" dirty="0" smtClean="0"/>
+              <a:t>null. </a:t>
+            </a:r>
+            <a:r>
+              <a:rPr lang="ru-RU" dirty="0" smtClean="0"/>
+              <a:t>Если тип аргумент является значимым, то условие всегда возвращает </a:t>
+            </a:r>
+            <a:r>
+              <a:rPr lang="en-US" dirty="0" smtClean="0"/>
+              <a:t>false</a:t>
+            </a:r>
+            <a:r>
+              <a:rPr lang="ru-RU" dirty="0" smtClean="0"/>
+              <a:t> </a:t>
+            </a:r>
+          </a:p>
+          <a:p>
+            <a:endParaRPr lang="ru-RU" dirty="0"/>
+          </a:p>
+          <a:p>
+            <a:r>
+              <a:rPr lang="ru-RU" dirty="0"/>
+              <a:t>Нельзя сравнивать с помощью ==, != т.к. нет гарантии что тип их поддерживает</a:t>
+            </a:r>
+            <a:endParaRPr lang="en-US" dirty="0"/>
+          </a:p>
+        </p:txBody>
+      </p:sp>
+    </p:spTree>
+    <p:extLst>
+      <p:ext uri="{BB962C8B-B14F-4D97-AF65-F5344CB8AC3E}">
+        <p14:creationId xmlns:p14="http://schemas.microsoft.com/office/powerpoint/2010/main" val="949903232"/>
+      </p:ext>
+    </p:extLst>
+  </p:cSld>
+  <p:clrMapOvr>
+    <a:masterClrMapping/>
+  </p:clrMapOvr>
+  <p:timing>
+    <p:tnLst>
+      <p:par>
+        <p:cTn id="1" dur="indefinite" restart="never" nodeType="tmRoot"/>
+      </p:par>
+    </p:tnLst>
+  </p:timing>
+</p:sld>
+</file>
+
+<file path=ppt/slides/slide16.xml><?xml version="1.0" encoding="utf-8"?>
 <p:sld xmlns:a="http://schemas.openxmlformats.org/drawingml/2006/main" xmlns:r="http://schemas.openxmlformats.org/officeDocument/2006/relationships" xmlns:p="http://schemas.openxmlformats.org/presentationml/2006/main">
   <p:cSld>
     <p:spTree>
@@ -4518,12 +4233,12 @@
           <a:lstStyle/>
           <a:p>
             <a:r>
+              <a:rPr lang="ru-RU" dirty="0" smtClean="0"/>
+              <a:t>Ключевое слово </a:t>
+            </a:r>
+            <a:r>
               <a:rPr lang="en-US" dirty="0" smtClean="0"/>
-              <a:t>static </a:t>
-            </a:r>
-            <a:r>
-              <a:rPr lang="ru-RU" dirty="0" smtClean="0"/>
-              <a:t>поля в обобщенных классах</a:t>
+              <a:t>default</a:t>
             </a:r>
             <a:endParaRPr lang="en-US" dirty="0"/>
           </a:p>
@@ -4539,7 +4254,12 @@
             <p:ph idx="1"/>
           </p:nvPr>
         </p:nvSpPr>
-        <p:spPr/>
+        <p:spPr>
+          <a:xfrm>
+            <a:off x="457200" y="1600201"/>
+            <a:ext cx="8229600" cy="2260848"/>
+          </a:xfrm>
+        </p:spPr>
         <p:txBody>
           <a:bodyPr/>
           <a:lstStyle/>
@@ -4549,24 +4269,1339 @@
             </a:pPr>
             <a:r>
               <a:rPr lang="ru-RU" dirty="0" smtClean="0"/>
-              <a:t>Для каждой комбинации тип-аргументов создается свое </a:t>
+              <a:t>С помощью ключевого слова </a:t>
             </a:r>
             <a:r>
               <a:rPr lang="en-US" dirty="0" smtClean="0"/>
-              <a:t>static </a:t>
-            </a:r>
-            <a:r>
-              <a:rPr lang="ru-RU" smtClean="0"/>
-              <a:t>поле.</a:t>
-            </a:r>
-            <a:endParaRPr lang="en-US"/>
+              <a:t>default </a:t>
+            </a:r>
+            <a:r>
+              <a:rPr lang="ru-RU" dirty="0" smtClean="0"/>
+              <a:t>можно получать значение по умолчанию по имени типа. Для значимых типов это 0, для ссылочных – </a:t>
+            </a:r>
+            <a:r>
+              <a:rPr lang="en-US" dirty="0" smtClean="0"/>
+              <a:t>null.</a:t>
+            </a:r>
+            <a:endParaRPr lang="en-US" dirty="0"/>
+          </a:p>
+        </p:txBody>
+      </p:sp>
+      <p:sp>
+        <p:nvSpPr>
+          <p:cNvPr id="5" name="Rectangle 4"/>
+          <p:cNvSpPr/>
+          <p:nvPr/>
+        </p:nvSpPr>
+        <p:spPr>
+          <a:xfrm>
+            <a:off x="457200" y="4293096"/>
+            <a:ext cx="8229600" cy="1477328"/>
+          </a:xfrm>
+          <a:prstGeom prst="rect">
+            <a:avLst/>
+          </a:prstGeom>
+          <a:solidFill>
+            <a:schemeClr val="bg1"/>
+          </a:solidFill>
+        </p:spPr>
+        <p:txBody>
+          <a:bodyPr wrap="square">
+            <a:spAutoFit/>
+          </a:bodyPr>
+          <a:lstStyle/>
+          <a:p>
+            <a:r>
+              <a:rPr lang="en-US" dirty="0" err="1">
+                <a:solidFill>
+                  <a:srgbClr val="0000FF"/>
+                </a:solidFill>
+                <a:latin typeface="Consolas" panose="020B0609020204030204" pitchFamily="49" charset="0"/>
+              </a:rPr>
+              <a:t>int</a:t>
+            </a:r>
+            <a:r>
+              <a:rPr lang="en-US" dirty="0">
+                <a:solidFill>
+                  <a:srgbClr val="000000"/>
+                </a:solidFill>
+                <a:latin typeface="Consolas" panose="020B0609020204030204" pitchFamily="49" charset="0"/>
+              </a:rPr>
+              <a:t> </a:t>
+            </a:r>
+            <a:r>
+              <a:rPr lang="en-US" dirty="0" err="1">
+                <a:solidFill>
+                  <a:srgbClr val="000000"/>
+                </a:solidFill>
+                <a:latin typeface="Consolas" panose="020B0609020204030204" pitchFamily="49" charset="0"/>
+              </a:rPr>
+              <a:t>i</a:t>
+            </a:r>
+            <a:r>
+              <a:rPr lang="en-US" dirty="0">
+                <a:solidFill>
+                  <a:srgbClr val="000000"/>
+                </a:solidFill>
+                <a:latin typeface="Consolas" panose="020B0609020204030204" pitchFamily="49" charset="0"/>
+              </a:rPr>
+              <a:t> = </a:t>
+            </a:r>
+            <a:r>
+              <a:rPr lang="en-US" dirty="0">
+                <a:solidFill>
+                  <a:srgbClr val="0000FF"/>
+                </a:solidFill>
+                <a:latin typeface="Consolas" panose="020B0609020204030204" pitchFamily="49" charset="0"/>
+              </a:rPr>
+              <a:t>default</a:t>
+            </a:r>
+            <a:r>
+              <a:rPr lang="en-US" dirty="0">
+                <a:solidFill>
+                  <a:srgbClr val="000000"/>
+                </a:solidFill>
+                <a:latin typeface="Consolas" panose="020B0609020204030204" pitchFamily="49" charset="0"/>
+              </a:rPr>
+              <a:t>(</a:t>
+            </a:r>
+            <a:r>
+              <a:rPr lang="en-US" dirty="0" err="1">
+                <a:solidFill>
+                  <a:srgbClr val="0000FF"/>
+                </a:solidFill>
+                <a:latin typeface="Consolas" panose="020B0609020204030204" pitchFamily="49" charset="0"/>
+              </a:rPr>
+              <a:t>int</a:t>
+            </a:r>
+            <a:r>
+              <a:rPr lang="en-US" dirty="0">
+                <a:solidFill>
+                  <a:srgbClr val="000000"/>
+                </a:solidFill>
+                <a:latin typeface="Consolas" panose="020B0609020204030204" pitchFamily="49" charset="0"/>
+              </a:rPr>
+              <a:t>);</a:t>
+            </a:r>
+          </a:p>
+          <a:p>
+            <a:r>
+              <a:rPr lang="en-US" dirty="0">
+                <a:solidFill>
+                  <a:srgbClr val="0000FF"/>
+                </a:solidFill>
+                <a:latin typeface="Consolas" panose="020B0609020204030204" pitchFamily="49" charset="0"/>
+              </a:rPr>
+              <a:t>string</a:t>
+            </a:r>
+            <a:r>
+              <a:rPr lang="en-US" dirty="0">
+                <a:solidFill>
+                  <a:srgbClr val="000000"/>
+                </a:solidFill>
+                <a:latin typeface="Consolas" panose="020B0609020204030204" pitchFamily="49" charset="0"/>
+              </a:rPr>
+              <a:t> s = </a:t>
+            </a:r>
+            <a:r>
+              <a:rPr lang="en-US" dirty="0">
+                <a:solidFill>
+                  <a:srgbClr val="0000FF"/>
+                </a:solidFill>
+                <a:latin typeface="Consolas" panose="020B0609020204030204" pitchFamily="49" charset="0"/>
+              </a:rPr>
+              <a:t>default</a:t>
+            </a:r>
+            <a:r>
+              <a:rPr lang="en-US" dirty="0">
+                <a:solidFill>
+                  <a:srgbClr val="000000"/>
+                </a:solidFill>
+                <a:latin typeface="Consolas" panose="020B0609020204030204" pitchFamily="49" charset="0"/>
+              </a:rPr>
+              <a:t>(</a:t>
+            </a:r>
+            <a:r>
+              <a:rPr lang="en-US" dirty="0">
+                <a:solidFill>
+                  <a:srgbClr val="0000FF"/>
+                </a:solidFill>
+                <a:latin typeface="Consolas" panose="020B0609020204030204" pitchFamily="49" charset="0"/>
+              </a:rPr>
+              <a:t>string</a:t>
+            </a:r>
+            <a:r>
+              <a:rPr lang="en-US" dirty="0" smtClean="0">
+                <a:solidFill>
+                  <a:srgbClr val="000000"/>
+                </a:solidFill>
+                <a:latin typeface="Consolas" panose="020B0609020204030204" pitchFamily="49" charset="0"/>
+              </a:rPr>
+              <a:t>);</a:t>
+            </a:r>
+            <a:endParaRPr lang="ru-RU" dirty="0" smtClean="0">
+              <a:solidFill>
+                <a:srgbClr val="000000"/>
+              </a:solidFill>
+              <a:latin typeface="Consolas" panose="020B0609020204030204" pitchFamily="49" charset="0"/>
+            </a:endParaRPr>
+          </a:p>
+          <a:p>
+            <a:endParaRPr lang="ru-RU" dirty="0">
+              <a:solidFill>
+                <a:srgbClr val="000000"/>
+              </a:solidFill>
+              <a:latin typeface="Consolas" panose="020B0609020204030204" pitchFamily="49" charset="0"/>
+            </a:endParaRPr>
+          </a:p>
+          <a:p>
+            <a:r>
+              <a:rPr lang="en-US" dirty="0">
+                <a:solidFill>
+                  <a:srgbClr val="008000"/>
+                </a:solidFill>
+                <a:latin typeface="Consolas" panose="020B0609020204030204" pitchFamily="49" charset="0"/>
+              </a:rPr>
+              <a:t>// </a:t>
+            </a:r>
+            <a:r>
+              <a:rPr lang="ru-RU" dirty="0" smtClean="0">
+                <a:solidFill>
+                  <a:srgbClr val="008000"/>
+                </a:solidFill>
+                <a:latin typeface="Consolas" panose="020B0609020204030204" pitchFamily="49" charset="0"/>
+              </a:rPr>
+              <a:t>Где</a:t>
+            </a:r>
+            <a:r>
+              <a:rPr lang="en-US" dirty="0" smtClean="0">
+                <a:solidFill>
+                  <a:srgbClr val="008000"/>
+                </a:solidFill>
+                <a:latin typeface="Consolas" panose="020B0609020204030204" pitchFamily="49" charset="0"/>
+              </a:rPr>
+              <a:t> </a:t>
+            </a:r>
+            <a:r>
+              <a:rPr lang="en-US" dirty="0">
+                <a:solidFill>
+                  <a:srgbClr val="008000"/>
+                </a:solidFill>
+                <a:latin typeface="Consolas" panose="020B0609020204030204" pitchFamily="49" charset="0"/>
+              </a:rPr>
+              <a:t>T </a:t>
+            </a:r>
+            <a:r>
+              <a:rPr lang="ru-RU" dirty="0" smtClean="0">
+                <a:solidFill>
+                  <a:srgbClr val="008000"/>
+                </a:solidFill>
+                <a:latin typeface="Consolas" panose="020B0609020204030204" pitchFamily="49" charset="0"/>
+              </a:rPr>
+              <a:t>это тип-аргумент</a:t>
+            </a:r>
+            <a:endParaRPr lang="en-US" dirty="0">
+              <a:solidFill>
+                <a:srgbClr val="000000"/>
+              </a:solidFill>
+              <a:latin typeface="Consolas" panose="020B0609020204030204" pitchFamily="49" charset="0"/>
+            </a:endParaRPr>
+          </a:p>
+          <a:p>
+            <a:r>
+              <a:rPr lang="en-US" dirty="0">
+                <a:solidFill>
+                  <a:srgbClr val="000000"/>
+                </a:solidFill>
+                <a:latin typeface="Consolas" panose="020B0609020204030204" pitchFamily="49" charset="0"/>
+              </a:rPr>
+              <a:t>T </a:t>
+            </a:r>
+            <a:r>
+              <a:rPr lang="en-US" dirty="0" err="1">
+                <a:solidFill>
+                  <a:srgbClr val="000000"/>
+                </a:solidFill>
+                <a:latin typeface="Consolas" panose="020B0609020204030204" pitchFamily="49" charset="0"/>
+              </a:rPr>
+              <a:t>t</a:t>
+            </a:r>
+            <a:r>
+              <a:rPr lang="en-US" dirty="0">
+                <a:solidFill>
+                  <a:srgbClr val="000000"/>
+                </a:solidFill>
+                <a:latin typeface="Consolas" panose="020B0609020204030204" pitchFamily="49" charset="0"/>
+              </a:rPr>
+              <a:t> = </a:t>
+            </a:r>
+            <a:r>
+              <a:rPr lang="en-US" dirty="0">
+                <a:solidFill>
+                  <a:srgbClr val="0000FF"/>
+                </a:solidFill>
+                <a:latin typeface="Consolas" panose="020B0609020204030204" pitchFamily="49" charset="0"/>
+              </a:rPr>
+              <a:t>default</a:t>
+            </a:r>
+            <a:r>
+              <a:rPr lang="en-US" dirty="0">
+                <a:solidFill>
+                  <a:srgbClr val="000000"/>
+                </a:solidFill>
+                <a:latin typeface="Consolas" panose="020B0609020204030204" pitchFamily="49" charset="0"/>
+              </a:rPr>
+              <a:t>(T);</a:t>
+            </a:r>
+            <a:endParaRPr lang="en-US" dirty="0"/>
           </a:p>
         </p:txBody>
       </p:sp>
     </p:spTree>
     <p:extLst>
       <p:ext uri="{BB962C8B-B14F-4D97-AF65-F5344CB8AC3E}">
-        <p14:creationId xmlns:p14="http://schemas.microsoft.com/office/powerpoint/2010/main" val="1870935316"/>
+        <p14:creationId xmlns:p14="http://schemas.microsoft.com/office/powerpoint/2010/main" val="1167712495"/>
+      </p:ext>
+    </p:extLst>
+  </p:cSld>
+  <p:clrMapOvr>
+    <a:masterClrMapping/>
+  </p:clrMapOvr>
+  <p:timing>
+    <p:tnLst>
+      <p:par>
+        <p:cTn id="1" dur="indefinite" restart="never" nodeType="tmRoot"/>
+      </p:par>
+    </p:tnLst>
+  </p:timing>
+</p:sld>
+</file>
+
+<file path=ppt/slides/slide17.xml><?xml version="1.0" encoding="utf-8"?>
+<p:sld xmlns:a="http://schemas.openxmlformats.org/drawingml/2006/main" xmlns:r="http://schemas.openxmlformats.org/officeDocument/2006/relationships" xmlns:p="http://schemas.openxmlformats.org/presentationml/2006/main">
+  <p:cSld>
+    <p:spTree>
+      <p:nvGrpSpPr>
+        <p:cNvPr id="1" name=""/>
+        <p:cNvGrpSpPr/>
+        <p:nvPr/>
+      </p:nvGrpSpPr>
+      <p:grpSpPr>
+        <a:xfrm>
+          <a:off x="0" y="0"/>
+          <a:ext cx="0" cy="0"/>
+          <a:chOff x="0" y="0"/>
+          <a:chExt cx="0" cy="0"/>
+        </a:xfrm>
+      </p:grpSpPr>
+      <p:sp>
+        <p:nvSpPr>
+          <p:cNvPr id="2" name="Title 1"/>
+          <p:cNvSpPr>
+            <a:spLocks noGrp="1"/>
+          </p:cNvSpPr>
+          <p:nvPr>
+            <p:ph type="title"/>
+          </p:nvPr>
+        </p:nvSpPr>
+        <p:spPr/>
+        <p:txBody>
+          <a:bodyPr>
+            <a:normAutofit fontScale="90000"/>
+          </a:bodyPr>
+          <a:lstStyle/>
+          <a:p>
+            <a:r>
+              <a:rPr lang="ru-RU" dirty="0" smtClean="0"/>
+              <a:t>Упрощенная запись </a:t>
+            </a:r>
+            <a:r>
+              <a:rPr lang="en-US" dirty="0" smtClean="0"/>
+              <a:t>default</a:t>
+            </a:r>
+            <a:r>
+              <a:rPr lang="ru-RU" dirty="0" smtClean="0"/>
+              <a:t> в </a:t>
+            </a:r>
+            <a:r>
+              <a:rPr lang="en-US" dirty="0" smtClean="0"/>
+              <a:t>C# 7.1</a:t>
+            </a:r>
+            <a:endParaRPr lang="en-US" dirty="0"/>
+          </a:p>
+        </p:txBody>
+      </p:sp>
+      <p:sp>
+        <p:nvSpPr>
+          <p:cNvPr id="5" name="Rectangle 4"/>
+          <p:cNvSpPr/>
+          <p:nvPr/>
+        </p:nvSpPr>
+        <p:spPr>
+          <a:xfrm>
+            <a:off x="457200" y="4293096"/>
+            <a:ext cx="8229600" cy="1477328"/>
+          </a:xfrm>
+          <a:prstGeom prst="rect">
+            <a:avLst/>
+          </a:prstGeom>
+          <a:solidFill>
+            <a:schemeClr val="bg1"/>
+          </a:solidFill>
+        </p:spPr>
+        <p:txBody>
+          <a:bodyPr wrap="square">
+            <a:spAutoFit/>
+          </a:bodyPr>
+          <a:lstStyle/>
+          <a:p>
+            <a:r>
+              <a:rPr lang="en-US" dirty="0" err="1">
+                <a:solidFill>
+                  <a:srgbClr val="0000FF"/>
+                </a:solidFill>
+                <a:latin typeface="Consolas" panose="020B0609020204030204" pitchFamily="49" charset="0"/>
+              </a:rPr>
+              <a:t>int</a:t>
+            </a:r>
+            <a:r>
+              <a:rPr lang="en-US" dirty="0">
+                <a:solidFill>
+                  <a:srgbClr val="000000"/>
+                </a:solidFill>
+                <a:latin typeface="Consolas" panose="020B0609020204030204" pitchFamily="49" charset="0"/>
+              </a:rPr>
+              <a:t> </a:t>
+            </a:r>
+            <a:r>
+              <a:rPr lang="en-US" dirty="0" err="1">
+                <a:solidFill>
+                  <a:srgbClr val="000000"/>
+                </a:solidFill>
+                <a:latin typeface="Consolas" panose="020B0609020204030204" pitchFamily="49" charset="0"/>
+              </a:rPr>
+              <a:t>i</a:t>
+            </a:r>
+            <a:r>
+              <a:rPr lang="en-US" dirty="0">
+                <a:solidFill>
+                  <a:srgbClr val="000000"/>
+                </a:solidFill>
+                <a:latin typeface="Consolas" panose="020B0609020204030204" pitchFamily="49" charset="0"/>
+              </a:rPr>
+              <a:t> = </a:t>
+            </a:r>
+            <a:r>
+              <a:rPr lang="en-US" dirty="0" smtClean="0">
+                <a:solidFill>
+                  <a:srgbClr val="0000FF"/>
+                </a:solidFill>
+                <a:latin typeface="Consolas" panose="020B0609020204030204" pitchFamily="49" charset="0"/>
+              </a:rPr>
+              <a:t>default</a:t>
+            </a:r>
+            <a:r>
+              <a:rPr lang="en-US" dirty="0" smtClean="0">
+                <a:solidFill>
+                  <a:srgbClr val="000000"/>
+                </a:solidFill>
+                <a:latin typeface="Consolas" panose="020B0609020204030204" pitchFamily="49" charset="0"/>
+              </a:rPr>
+              <a:t>;</a:t>
+            </a:r>
+            <a:endParaRPr lang="en-US" dirty="0">
+              <a:solidFill>
+                <a:srgbClr val="000000"/>
+              </a:solidFill>
+              <a:latin typeface="Consolas" panose="020B0609020204030204" pitchFamily="49" charset="0"/>
+            </a:endParaRPr>
+          </a:p>
+          <a:p>
+            <a:r>
+              <a:rPr lang="en-US" dirty="0">
+                <a:solidFill>
+                  <a:srgbClr val="0000FF"/>
+                </a:solidFill>
+                <a:latin typeface="Consolas" panose="020B0609020204030204" pitchFamily="49" charset="0"/>
+              </a:rPr>
+              <a:t>string</a:t>
+            </a:r>
+            <a:r>
+              <a:rPr lang="en-US" dirty="0">
+                <a:solidFill>
+                  <a:srgbClr val="000000"/>
+                </a:solidFill>
+                <a:latin typeface="Consolas" panose="020B0609020204030204" pitchFamily="49" charset="0"/>
+              </a:rPr>
+              <a:t> s = </a:t>
+            </a:r>
+            <a:r>
+              <a:rPr lang="en-US" dirty="0" smtClean="0">
+                <a:solidFill>
+                  <a:srgbClr val="0000FF"/>
+                </a:solidFill>
+                <a:latin typeface="Consolas" panose="020B0609020204030204" pitchFamily="49" charset="0"/>
+              </a:rPr>
+              <a:t>default</a:t>
+            </a:r>
+            <a:r>
+              <a:rPr lang="en-US" dirty="0" smtClean="0">
+                <a:solidFill>
+                  <a:srgbClr val="000000"/>
+                </a:solidFill>
+                <a:latin typeface="Consolas" panose="020B0609020204030204" pitchFamily="49" charset="0"/>
+              </a:rPr>
+              <a:t>;</a:t>
+            </a:r>
+            <a:endParaRPr lang="ru-RU" dirty="0" smtClean="0">
+              <a:solidFill>
+                <a:srgbClr val="000000"/>
+              </a:solidFill>
+              <a:latin typeface="Consolas" panose="020B0609020204030204" pitchFamily="49" charset="0"/>
+            </a:endParaRPr>
+          </a:p>
+          <a:p>
+            <a:endParaRPr lang="ru-RU" dirty="0">
+              <a:solidFill>
+                <a:srgbClr val="000000"/>
+              </a:solidFill>
+              <a:latin typeface="Consolas" panose="020B0609020204030204" pitchFamily="49" charset="0"/>
+            </a:endParaRPr>
+          </a:p>
+          <a:p>
+            <a:r>
+              <a:rPr lang="en-US" dirty="0">
+                <a:solidFill>
+                  <a:srgbClr val="008000"/>
+                </a:solidFill>
+                <a:latin typeface="Consolas" panose="020B0609020204030204" pitchFamily="49" charset="0"/>
+              </a:rPr>
+              <a:t>// </a:t>
+            </a:r>
+            <a:r>
+              <a:rPr lang="ru-RU" dirty="0" smtClean="0">
+                <a:solidFill>
+                  <a:srgbClr val="008000"/>
+                </a:solidFill>
+                <a:latin typeface="Consolas" panose="020B0609020204030204" pitchFamily="49" charset="0"/>
+              </a:rPr>
+              <a:t>Где</a:t>
+            </a:r>
+            <a:r>
+              <a:rPr lang="en-US" dirty="0" smtClean="0">
+                <a:solidFill>
+                  <a:srgbClr val="008000"/>
+                </a:solidFill>
+                <a:latin typeface="Consolas" panose="020B0609020204030204" pitchFamily="49" charset="0"/>
+              </a:rPr>
+              <a:t> </a:t>
+            </a:r>
+            <a:r>
+              <a:rPr lang="en-US" dirty="0">
+                <a:solidFill>
+                  <a:srgbClr val="008000"/>
+                </a:solidFill>
+                <a:latin typeface="Consolas" panose="020B0609020204030204" pitchFamily="49" charset="0"/>
+              </a:rPr>
+              <a:t>T </a:t>
+            </a:r>
+            <a:r>
+              <a:rPr lang="ru-RU" dirty="0" smtClean="0">
+                <a:solidFill>
+                  <a:srgbClr val="008000"/>
+                </a:solidFill>
+                <a:latin typeface="Consolas" panose="020B0609020204030204" pitchFamily="49" charset="0"/>
+              </a:rPr>
+              <a:t>это тип-аргумент</a:t>
+            </a:r>
+            <a:endParaRPr lang="en-US" dirty="0">
+              <a:solidFill>
+                <a:srgbClr val="000000"/>
+              </a:solidFill>
+              <a:latin typeface="Consolas" panose="020B0609020204030204" pitchFamily="49" charset="0"/>
+            </a:endParaRPr>
+          </a:p>
+          <a:p>
+            <a:r>
+              <a:rPr lang="en-US" dirty="0">
+                <a:solidFill>
+                  <a:srgbClr val="000000"/>
+                </a:solidFill>
+                <a:latin typeface="Consolas" panose="020B0609020204030204" pitchFamily="49" charset="0"/>
+              </a:rPr>
+              <a:t>T </a:t>
+            </a:r>
+            <a:r>
+              <a:rPr lang="en-US" dirty="0" err="1">
+                <a:solidFill>
+                  <a:srgbClr val="000000"/>
+                </a:solidFill>
+                <a:latin typeface="Consolas" panose="020B0609020204030204" pitchFamily="49" charset="0"/>
+              </a:rPr>
+              <a:t>t</a:t>
+            </a:r>
+            <a:r>
+              <a:rPr lang="en-US" dirty="0">
+                <a:solidFill>
+                  <a:srgbClr val="000000"/>
+                </a:solidFill>
+                <a:latin typeface="Consolas" panose="020B0609020204030204" pitchFamily="49" charset="0"/>
+              </a:rPr>
+              <a:t> = </a:t>
+            </a:r>
+            <a:r>
+              <a:rPr lang="en-US" dirty="0" smtClean="0">
+                <a:solidFill>
+                  <a:srgbClr val="0000FF"/>
+                </a:solidFill>
+                <a:latin typeface="Consolas" panose="020B0609020204030204" pitchFamily="49" charset="0"/>
+              </a:rPr>
+              <a:t>default</a:t>
+            </a:r>
+            <a:r>
+              <a:rPr lang="en-US" dirty="0" smtClean="0">
+                <a:solidFill>
+                  <a:srgbClr val="000000"/>
+                </a:solidFill>
+                <a:latin typeface="Consolas" panose="020B0609020204030204" pitchFamily="49" charset="0"/>
+              </a:rPr>
+              <a:t>;</a:t>
+            </a:r>
+            <a:endParaRPr lang="en-US" dirty="0"/>
+          </a:p>
+        </p:txBody>
+      </p:sp>
+      <p:sp>
+        <p:nvSpPr>
+          <p:cNvPr id="4" name="Content Placeholder 3"/>
+          <p:cNvSpPr>
+            <a:spLocks noGrp="1"/>
+          </p:cNvSpPr>
+          <p:nvPr>
+            <p:ph idx="1"/>
+          </p:nvPr>
+        </p:nvSpPr>
+        <p:spPr>
+          <a:xfrm>
+            <a:off x="457200" y="1600201"/>
+            <a:ext cx="8229600" cy="2332856"/>
+          </a:xfrm>
+        </p:spPr>
+        <p:txBody>
+          <a:bodyPr/>
+          <a:lstStyle/>
+          <a:p>
+            <a:pPr marL="0" indent="0">
+              <a:buNone/>
+            </a:pPr>
+            <a:r>
+              <a:rPr lang="ru-RU" smtClean="0"/>
+              <a:t>Начиная с </a:t>
+            </a:r>
+            <a:r>
+              <a:rPr lang="en-US" dirty="0" smtClean="0"/>
+              <a:t>C# </a:t>
+            </a:r>
+            <a:r>
+              <a:rPr lang="ru-RU" dirty="0" smtClean="0"/>
+              <a:t>7.1 в </a:t>
+            </a:r>
+            <a:r>
+              <a:rPr lang="en-US" dirty="0" smtClean="0"/>
+              <a:t>default </a:t>
+            </a:r>
+            <a:r>
+              <a:rPr lang="ru-RU" dirty="0" smtClean="0"/>
+              <a:t>не обязательно указывать имя типа.</a:t>
+            </a:r>
+            <a:endParaRPr lang="en-US" dirty="0"/>
+          </a:p>
+        </p:txBody>
+      </p:sp>
+    </p:spTree>
+    <p:extLst>
+      <p:ext uri="{BB962C8B-B14F-4D97-AF65-F5344CB8AC3E}">
+        <p14:creationId xmlns:p14="http://schemas.microsoft.com/office/powerpoint/2010/main" val="903035737"/>
+      </p:ext>
+    </p:extLst>
+  </p:cSld>
+  <p:clrMapOvr>
+    <a:masterClrMapping/>
+  </p:clrMapOvr>
+  <p:timing>
+    <p:tnLst>
+      <p:par>
+        <p:cTn id="1" dur="indefinite" restart="never" nodeType="tmRoot"/>
+      </p:par>
+    </p:tnLst>
+  </p:timing>
+</p:sld>
+</file>
+
+<file path=ppt/slides/slide18.xml><?xml version="1.0" encoding="utf-8"?>
+<p:sld xmlns:a="http://schemas.openxmlformats.org/drawingml/2006/main" xmlns:r="http://schemas.openxmlformats.org/officeDocument/2006/relationships" xmlns:p="http://schemas.openxmlformats.org/presentationml/2006/main">
+  <p:cSld>
+    <p:spTree>
+      <p:nvGrpSpPr>
+        <p:cNvPr id="1" name=""/>
+        <p:cNvGrpSpPr/>
+        <p:nvPr/>
+      </p:nvGrpSpPr>
+      <p:grpSpPr>
+        <a:xfrm>
+          <a:off x="0" y="0"/>
+          <a:ext cx="0" cy="0"/>
+          <a:chOff x="0" y="0"/>
+          <a:chExt cx="0" cy="0"/>
+        </a:xfrm>
+      </p:grpSpPr>
+      <p:sp>
+        <p:nvSpPr>
+          <p:cNvPr id="2" name="Заголовок 1"/>
+          <p:cNvSpPr>
+            <a:spLocks noGrp="1"/>
+          </p:cNvSpPr>
+          <p:nvPr>
+            <p:ph type="title"/>
+          </p:nvPr>
+        </p:nvSpPr>
+        <p:spPr/>
+        <p:txBody>
+          <a:bodyPr/>
+          <a:lstStyle/>
+          <a:p>
+            <a:r>
+              <a:rPr lang="ru-RU" dirty="0" smtClean="0"/>
+              <a:t>Обобщенные классы</a:t>
+            </a:r>
+            <a:endParaRPr lang="ru-RU" dirty="0"/>
+          </a:p>
+        </p:txBody>
+      </p:sp>
+      <p:sp>
+        <p:nvSpPr>
+          <p:cNvPr id="3" name="Объект 2"/>
+          <p:cNvSpPr>
+            <a:spLocks noGrp="1"/>
+          </p:cNvSpPr>
+          <p:nvPr>
+            <p:ph idx="1"/>
+          </p:nvPr>
+        </p:nvSpPr>
+        <p:spPr/>
+        <p:txBody>
+          <a:bodyPr/>
+          <a:lstStyle/>
+          <a:p>
+            <a:pPr marL="0" indent="0">
+              <a:buNone/>
+            </a:pPr>
+            <a:r>
+              <a:rPr lang="ru-RU" dirty="0" smtClean="0"/>
+              <a:t>…</a:t>
+            </a:r>
+            <a:endParaRPr lang="ru-RU" dirty="0"/>
+          </a:p>
+        </p:txBody>
+      </p:sp>
+    </p:spTree>
+    <p:extLst>
+      <p:ext uri="{BB962C8B-B14F-4D97-AF65-F5344CB8AC3E}">
+        <p14:creationId xmlns:p14="http://schemas.microsoft.com/office/powerpoint/2010/main" val="4129696699"/>
+      </p:ext>
+    </p:extLst>
+  </p:cSld>
+  <p:clrMapOvr>
+    <a:masterClrMapping/>
+  </p:clrMapOvr>
+  <p:timing>
+    <p:tnLst>
+      <p:par>
+        <p:cTn id="1" dur="indefinite" restart="never" nodeType="tmRoot"/>
+      </p:par>
+    </p:tnLst>
+  </p:timing>
+</p:sld>
+</file>
+
+<file path=ppt/slides/slide19.xml><?xml version="1.0" encoding="utf-8"?>
+<p:sld xmlns:a="http://schemas.openxmlformats.org/drawingml/2006/main" xmlns:r="http://schemas.openxmlformats.org/officeDocument/2006/relationships" xmlns:p="http://schemas.openxmlformats.org/presentationml/2006/main">
+  <p:cSld>
+    <p:spTree>
+      <p:nvGrpSpPr>
+        <p:cNvPr id="1" name=""/>
+        <p:cNvGrpSpPr/>
+        <p:nvPr/>
+      </p:nvGrpSpPr>
+      <p:grpSpPr>
+        <a:xfrm>
+          <a:off x="0" y="0"/>
+          <a:ext cx="0" cy="0"/>
+          <a:chOff x="0" y="0"/>
+          <a:chExt cx="0" cy="0"/>
+        </a:xfrm>
+      </p:grpSpPr>
+      <p:sp>
+        <p:nvSpPr>
+          <p:cNvPr id="2" name="Title 1"/>
+          <p:cNvSpPr>
+            <a:spLocks noGrp="1"/>
+          </p:cNvSpPr>
+          <p:nvPr>
+            <p:ph type="title"/>
+          </p:nvPr>
+        </p:nvSpPr>
+        <p:spPr/>
+        <p:txBody>
+          <a:bodyPr>
+            <a:normAutofit fontScale="90000"/>
+          </a:bodyPr>
+          <a:lstStyle/>
+          <a:p>
+            <a:r>
+              <a:rPr lang="ru-RU" dirty="0" smtClean="0"/>
+              <a:t>Абстрактные классы</a:t>
+            </a:r>
+            <a:br>
+              <a:rPr lang="ru-RU" dirty="0" smtClean="0"/>
+            </a:br>
+            <a:r>
+              <a:rPr lang="ru-RU" dirty="0" smtClean="0"/>
+              <a:t>и обобщенные методы</a:t>
+            </a:r>
+            <a:endParaRPr lang="en-US" dirty="0"/>
+          </a:p>
+        </p:txBody>
+      </p:sp>
+      <p:sp>
+        <p:nvSpPr>
+          <p:cNvPr id="3" name="Content Placeholder 2"/>
+          <p:cNvSpPr>
+            <a:spLocks noGrp="1"/>
+          </p:cNvSpPr>
+          <p:nvPr>
+            <p:ph idx="1"/>
+          </p:nvPr>
+        </p:nvSpPr>
+        <p:spPr>
+          <a:solidFill>
+            <a:schemeClr val="bg1"/>
+          </a:solidFill>
+        </p:spPr>
+        <p:txBody>
+          <a:bodyPr>
+            <a:normAutofit lnSpcReduction="10000"/>
+          </a:bodyPr>
+          <a:lstStyle/>
+          <a:p>
+            <a:pPr marL="0" indent="0">
+              <a:buNone/>
+            </a:pPr>
+            <a:r>
+              <a:rPr lang="en-US" sz="1800" dirty="0">
+                <a:solidFill>
+                  <a:srgbClr val="0000FF"/>
+                </a:solidFill>
+                <a:latin typeface="Consolas" panose="020B0609020204030204" pitchFamily="49" charset="0"/>
+              </a:rPr>
+              <a:t>abstract</a:t>
+            </a:r>
+            <a:r>
+              <a:rPr lang="en-US" sz="1800" dirty="0">
+                <a:solidFill>
+                  <a:srgbClr val="000000"/>
+                </a:solidFill>
+                <a:latin typeface="Consolas" panose="020B0609020204030204" pitchFamily="49" charset="0"/>
+              </a:rPr>
+              <a:t> </a:t>
+            </a:r>
+            <a:r>
+              <a:rPr lang="en-US" sz="1800" dirty="0">
+                <a:solidFill>
+                  <a:srgbClr val="0000FF"/>
+                </a:solidFill>
+                <a:latin typeface="Consolas" panose="020B0609020204030204" pitchFamily="49" charset="0"/>
+              </a:rPr>
+              <a:t>class</a:t>
+            </a:r>
+            <a:r>
+              <a:rPr lang="en-US" sz="1800" dirty="0">
+                <a:solidFill>
+                  <a:srgbClr val="000000"/>
+                </a:solidFill>
+                <a:latin typeface="Consolas" panose="020B0609020204030204" pitchFamily="49" charset="0"/>
+              </a:rPr>
+              <a:t> Base</a:t>
+            </a:r>
+          </a:p>
+          <a:p>
+            <a:pPr marL="0" indent="0">
+              <a:buNone/>
+            </a:pPr>
+            <a:r>
+              <a:rPr lang="en-US" sz="1800" dirty="0">
+                <a:solidFill>
+                  <a:srgbClr val="000000"/>
+                </a:solidFill>
+                <a:latin typeface="Consolas" panose="020B0609020204030204" pitchFamily="49" charset="0"/>
+              </a:rPr>
+              <a:t>{</a:t>
+            </a:r>
+          </a:p>
+          <a:p>
+            <a:pPr marL="0" indent="0">
+              <a:buNone/>
+            </a:pPr>
+            <a:r>
+              <a:rPr lang="en-US" sz="1800" dirty="0">
+                <a:solidFill>
+                  <a:srgbClr val="000000"/>
+                </a:solidFill>
+                <a:latin typeface="Consolas" panose="020B0609020204030204" pitchFamily="49" charset="0"/>
+              </a:rPr>
+              <a:t>    </a:t>
+            </a:r>
+            <a:r>
+              <a:rPr lang="en-US" sz="1800" dirty="0">
+                <a:solidFill>
+                  <a:srgbClr val="0000FF"/>
+                </a:solidFill>
+                <a:latin typeface="Consolas" panose="020B0609020204030204" pitchFamily="49" charset="0"/>
+              </a:rPr>
+              <a:t>public</a:t>
+            </a:r>
+            <a:r>
+              <a:rPr lang="en-US" sz="1800" dirty="0">
+                <a:solidFill>
+                  <a:srgbClr val="000000"/>
+                </a:solidFill>
+                <a:latin typeface="Consolas" panose="020B0609020204030204" pitchFamily="49" charset="0"/>
+              </a:rPr>
+              <a:t> </a:t>
+            </a:r>
+            <a:r>
+              <a:rPr lang="en-US" sz="1800" dirty="0">
+                <a:solidFill>
+                  <a:srgbClr val="0000FF"/>
+                </a:solidFill>
+                <a:latin typeface="Consolas" panose="020B0609020204030204" pitchFamily="49" charset="0"/>
+              </a:rPr>
+              <a:t>abstract</a:t>
+            </a:r>
+            <a:r>
+              <a:rPr lang="en-US" sz="1800" dirty="0">
+                <a:solidFill>
+                  <a:srgbClr val="000000"/>
+                </a:solidFill>
+                <a:latin typeface="Consolas" panose="020B0609020204030204" pitchFamily="49" charset="0"/>
+              </a:rPr>
+              <a:t> </a:t>
+            </a:r>
+            <a:r>
+              <a:rPr lang="en-US" sz="1800" dirty="0">
+                <a:solidFill>
+                  <a:srgbClr val="0000FF"/>
+                </a:solidFill>
+                <a:latin typeface="Consolas" panose="020B0609020204030204" pitchFamily="49" charset="0"/>
+              </a:rPr>
+              <a:t>void</a:t>
+            </a:r>
+            <a:r>
+              <a:rPr lang="en-US" sz="1800" dirty="0">
+                <a:solidFill>
+                  <a:srgbClr val="000000"/>
+                </a:solidFill>
+                <a:latin typeface="Consolas" panose="020B0609020204030204" pitchFamily="49" charset="0"/>
+              </a:rPr>
+              <a:t> Act&lt;T&gt;(T t) </a:t>
+            </a:r>
+            <a:r>
+              <a:rPr lang="en-US" sz="1800" dirty="0">
+                <a:solidFill>
+                  <a:srgbClr val="0000FF"/>
+                </a:solidFill>
+                <a:latin typeface="Consolas" panose="020B0609020204030204" pitchFamily="49" charset="0"/>
+              </a:rPr>
+              <a:t>where</a:t>
+            </a:r>
+            <a:r>
+              <a:rPr lang="en-US" sz="1800" dirty="0">
+                <a:solidFill>
+                  <a:srgbClr val="000000"/>
+                </a:solidFill>
+                <a:latin typeface="Consolas" panose="020B0609020204030204" pitchFamily="49" charset="0"/>
+              </a:rPr>
+              <a:t> T : </a:t>
+            </a:r>
+            <a:r>
+              <a:rPr lang="en-US" sz="1800" dirty="0" err="1">
+                <a:solidFill>
+                  <a:srgbClr val="000000"/>
+                </a:solidFill>
+                <a:latin typeface="Consolas" panose="020B0609020204030204" pitchFamily="49" charset="0"/>
+              </a:rPr>
+              <a:t>IList</a:t>
+            </a:r>
+            <a:r>
+              <a:rPr lang="en-US" sz="1800" dirty="0">
+                <a:solidFill>
+                  <a:srgbClr val="000000"/>
+                </a:solidFill>
+                <a:latin typeface="Consolas" panose="020B0609020204030204" pitchFamily="49" charset="0"/>
+              </a:rPr>
+              <a:t>&lt;</a:t>
+            </a:r>
+            <a:r>
+              <a:rPr lang="en-US" sz="1800" dirty="0">
+                <a:solidFill>
+                  <a:srgbClr val="0000FF"/>
+                </a:solidFill>
+                <a:latin typeface="Consolas" panose="020B0609020204030204" pitchFamily="49" charset="0"/>
+              </a:rPr>
+              <a:t>string</a:t>
+            </a:r>
+            <a:r>
+              <a:rPr lang="en-US" sz="1800" dirty="0">
+                <a:solidFill>
+                  <a:srgbClr val="000000"/>
+                </a:solidFill>
+                <a:latin typeface="Consolas" panose="020B0609020204030204" pitchFamily="49" charset="0"/>
+              </a:rPr>
+              <a:t>&gt;;</a:t>
+            </a:r>
+          </a:p>
+          <a:p>
+            <a:pPr marL="0" indent="0">
+              <a:buNone/>
+            </a:pPr>
+            <a:r>
+              <a:rPr lang="en-US" sz="1800" dirty="0">
+                <a:solidFill>
+                  <a:srgbClr val="000000"/>
+                </a:solidFill>
+                <a:latin typeface="Consolas" panose="020B0609020204030204" pitchFamily="49" charset="0"/>
+              </a:rPr>
+              <a:t>}</a:t>
+            </a:r>
+          </a:p>
+          <a:p>
+            <a:pPr marL="0" indent="0">
+              <a:buNone/>
+            </a:pPr>
+            <a:endParaRPr lang="en-US" sz="1800" dirty="0">
+              <a:solidFill>
+                <a:srgbClr val="000000"/>
+              </a:solidFill>
+              <a:latin typeface="Consolas" panose="020B0609020204030204" pitchFamily="49" charset="0"/>
+            </a:endParaRPr>
+          </a:p>
+          <a:p>
+            <a:pPr marL="0" indent="0">
+              <a:buNone/>
+            </a:pPr>
+            <a:r>
+              <a:rPr lang="en-US" sz="1800" dirty="0">
+                <a:solidFill>
+                  <a:srgbClr val="0000FF"/>
+                </a:solidFill>
+                <a:latin typeface="Consolas" panose="020B0609020204030204" pitchFamily="49" charset="0"/>
+              </a:rPr>
+              <a:t>class</a:t>
+            </a:r>
+            <a:r>
+              <a:rPr lang="en-US" sz="1800" dirty="0">
+                <a:solidFill>
+                  <a:srgbClr val="000000"/>
+                </a:solidFill>
+                <a:latin typeface="Consolas" panose="020B0609020204030204" pitchFamily="49" charset="0"/>
+              </a:rPr>
+              <a:t> Derived : Base</a:t>
+            </a:r>
+          </a:p>
+          <a:p>
+            <a:pPr marL="0" indent="0">
+              <a:buNone/>
+            </a:pPr>
+            <a:r>
+              <a:rPr lang="en-US" sz="1800" dirty="0" smtClean="0">
+                <a:solidFill>
+                  <a:srgbClr val="000000"/>
+                </a:solidFill>
+                <a:latin typeface="Consolas" panose="020B0609020204030204" pitchFamily="49" charset="0"/>
+              </a:rPr>
+              <a:t>{</a:t>
+            </a:r>
+            <a:endParaRPr lang="ru-RU" sz="1800" dirty="0" smtClean="0">
+              <a:solidFill>
+                <a:srgbClr val="000000"/>
+              </a:solidFill>
+              <a:latin typeface="Consolas" panose="020B0609020204030204" pitchFamily="49" charset="0"/>
+            </a:endParaRPr>
+          </a:p>
+          <a:p>
+            <a:pPr marL="0" indent="0">
+              <a:buNone/>
+            </a:pPr>
+            <a:r>
+              <a:rPr lang="ru-RU" sz="1800" dirty="0" smtClean="0">
+                <a:solidFill>
+                  <a:srgbClr val="008000"/>
+                </a:solidFill>
+                <a:latin typeface="Consolas" panose="020B0609020204030204" pitchFamily="49" charset="0"/>
+              </a:rPr>
+              <a:t>    </a:t>
+            </a:r>
+            <a:r>
+              <a:rPr lang="en-US" sz="1800" dirty="0" smtClean="0">
+                <a:solidFill>
+                  <a:srgbClr val="008000"/>
+                </a:solidFill>
+                <a:latin typeface="Consolas" panose="020B0609020204030204" pitchFamily="49" charset="0"/>
+              </a:rPr>
+              <a:t>//</a:t>
+            </a:r>
+            <a:r>
+              <a:rPr lang="ru-RU" sz="1800" dirty="0" smtClean="0">
+                <a:solidFill>
+                  <a:srgbClr val="008000"/>
+                </a:solidFill>
+                <a:latin typeface="Consolas" panose="020B0609020204030204" pitchFamily="49" charset="0"/>
+              </a:rPr>
+              <a:t> Для </a:t>
+            </a:r>
+            <a:r>
+              <a:rPr lang="en-US" sz="1800" dirty="0" smtClean="0">
+                <a:solidFill>
+                  <a:srgbClr val="008000"/>
+                </a:solidFill>
+                <a:latin typeface="Consolas" panose="020B0609020204030204" pitchFamily="49" charset="0"/>
+              </a:rPr>
+              <a:t>override </a:t>
+            </a:r>
+            <a:r>
+              <a:rPr lang="ru-RU" sz="1800" dirty="0" smtClean="0">
+                <a:solidFill>
+                  <a:srgbClr val="008000"/>
+                </a:solidFill>
+                <a:latin typeface="Consolas" panose="020B0609020204030204" pitchFamily="49" charset="0"/>
+              </a:rPr>
+              <a:t>метода нельзя указывать ограничения</a:t>
+            </a:r>
+          </a:p>
+          <a:p>
+            <a:pPr marL="0" indent="0">
+              <a:buNone/>
+            </a:pPr>
+            <a:r>
+              <a:rPr lang="ru-RU" sz="1800" dirty="0">
+                <a:solidFill>
+                  <a:srgbClr val="008000"/>
+                </a:solidFill>
+                <a:latin typeface="Consolas" panose="020B0609020204030204" pitchFamily="49" charset="0"/>
+              </a:rPr>
+              <a:t> </a:t>
+            </a:r>
+            <a:r>
+              <a:rPr lang="ru-RU" sz="1800" dirty="0" smtClean="0">
+                <a:solidFill>
+                  <a:srgbClr val="008000"/>
+                </a:solidFill>
+                <a:latin typeface="Consolas" panose="020B0609020204030204" pitchFamily="49" charset="0"/>
+              </a:rPr>
+              <a:t>   </a:t>
+            </a:r>
+            <a:r>
+              <a:rPr lang="en-US" sz="1800" dirty="0" smtClean="0">
+                <a:solidFill>
+                  <a:srgbClr val="008000"/>
+                </a:solidFill>
+                <a:latin typeface="Consolas" panose="020B0609020204030204" pitchFamily="49" charset="0"/>
+              </a:rPr>
+              <a:t>//</a:t>
+            </a:r>
+            <a:r>
+              <a:rPr lang="ru-RU" sz="1800" dirty="0" smtClean="0">
+                <a:solidFill>
+                  <a:srgbClr val="008000"/>
+                </a:solidFill>
+                <a:latin typeface="Consolas" panose="020B0609020204030204" pitchFamily="49" charset="0"/>
+              </a:rPr>
+              <a:t> Они наследуются от родительского метода</a:t>
+            </a:r>
+            <a:endParaRPr lang="en-US" sz="1800" dirty="0">
+              <a:solidFill>
+                <a:srgbClr val="000000"/>
+              </a:solidFill>
+              <a:latin typeface="Consolas" panose="020B0609020204030204" pitchFamily="49" charset="0"/>
+            </a:endParaRPr>
+          </a:p>
+          <a:p>
+            <a:pPr marL="0" indent="0">
+              <a:buNone/>
+            </a:pPr>
+            <a:r>
+              <a:rPr lang="fr-FR" sz="1800" dirty="0">
+                <a:solidFill>
+                  <a:srgbClr val="000000"/>
+                </a:solidFill>
+                <a:latin typeface="Consolas" panose="020B0609020204030204" pitchFamily="49" charset="0"/>
+              </a:rPr>
+              <a:t>    </a:t>
+            </a:r>
+            <a:r>
+              <a:rPr lang="fr-FR" sz="1800" dirty="0">
+                <a:solidFill>
+                  <a:srgbClr val="0000FF"/>
+                </a:solidFill>
+                <a:latin typeface="Consolas" panose="020B0609020204030204" pitchFamily="49" charset="0"/>
+              </a:rPr>
+              <a:t>public</a:t>
+            </a:r>
+            <a:r>
+              <a:rPr lang="fr-FR" sz="1800" dirty="0">
+                <a:solidFill>
+                  <a:srgbClr val="000000"/>
+                </a:solidFill>
+                <a:latin typeface="Consolas" panose="020B0609020204030204" pitchFamily="49" charset="0"/>
+              </a:rPr>
+              <a:t> </a:t>
+            </a:r>
+            <a:r>
+              <a:rPr lang="fr-FR" sz="1800" dirty="0">
+                <a:solidFill>
+                  <a:srgbClr val="0000FF"/>
+                </a:solidFill>
+                <a:latin typeface="Consolas" panose="020B0609020204030204" pitchFamily="49" charset="0"/>
+              </a:rPr>
+              <a:t>override</a:t>
+            </a:r>
+            <a:r>
+              <a:rPr lang="fr-FR" sz="1800" dirty="0">
+                <a:solidFill>
+                  <a:srgbClr val="000000"/>
+                </a:solidFill>
+                <a:latin typeface="Consolas" panose="020B0609020204030204" pitchFamily="49" charset="0"/>
+              </a:rPr>
+              <a:t> </a:t>
+            </a:r>
+            <a:r>
+              <a:rPr lang="fr-FR" sz="1800" dirty="0">
+                <a:solidFill>
+                  <a:srgbClr val="0000FF"/>
+                </a:solidFill>
+                <a:latin typeface="Consolas" panose="020B0609020204030204" pitchFamily="49" charset="0"/>
+              </a:rPr>
+              <a:t>void</a:t>
+            </a:r>
+            <a:r>
+              <a:rPr lang="fr-FR" sz="1800" dirty="0">
+                <a:solidFill>
+                  <a:srgbClr val="000000"/>
+                </a:solidFill>
+                <a:latin typeface="Consolas" panose="020B0609020204030204" pitchFamily="49" charset="0"/>
+              </a:rPr>
+              <a:t> Act&lt;T&gt;(T t)</a:t>
+            </a:r>
+          </a:p>
+          <a:p>
+            <a:pPr marL="0" indent="0">
+              <a:buNone/>
+            </a:pPr>
+            <a:r>
+              <a:rPr lang="en-US" sz="1800" dirty="0">
+                <a:solidFill>
+                  <a:srgbClr val="000000"/>
+                </a:solidFill>
+                <a:latin typeface="Consolas" panose="020B0609020204030204" pitchFamily="49" charset="0"/>
+              </a:rPr>
+              <a:t>    {</a:t>
+            </a:r>
+          </a:p>
+          <a:p>
+            <a:pPr marL="0" indent="0">
+              <a:buNone/>
+            </a:pPr>
+            <a:r>
+              <a:rPr lang="en-US" sz="1800" dirty="0">
+                <a:solidFill>
+                  <a:srgbClr val="000000"/>
+                </a:solidFill>
+                <a:latin typeface="Consolas" panose="020B0609020204030204" pitchFamily="49" charset="0"/>
+              </a:rPr>
+              <a:t>        </a:t>
+            </a:r>
+            <a:r>
+              <a:rPr lang="en-US" sz="1800" dirty="0" err="1">
+                <a:solidFill>
+                  <a:srgbClr val="000000"/>
+                </a:solidFill>
+                <a:latin typeface="Consolas" panose="020B0609020204030204" pitchFamily="49" charset="0"/>
+              </a:rPr>
+              <a:t>t.Add</a:t>
+            </a:r>
+            <a:r>
+              <a:rPr lang="en-US" sz="1800" dirty="0">
+                <a:solidFill>
+                  <a:srgbClr val="000000"/>
+                </a:solidFill>
+                <a:latin typeface="Consolas" panose="020B0609020204030204" pitchFamily="49" charset="0"/>
+              </a:rPr>
+              <a:t>(</a:t>
+            </a:r>
+            <a:r>
+              <a:rPr lang="en-US" sz="1800" dirty="0">
+                <a:solidFill>
+                  <a:srgbClr val="DC1414"/>
+                </a:solidFill>
+                <a:latin typeface="Consolas" panose="020B0609020204030204" pitchFamily="49" charset="0"/>
+              </a:rPr>
+              <a:t>"Some string"</a:t>
+            </a:r>
+            <a:r>
+              <a:rPr lang="en-US" sz="1800" dirty="0">
+                <a:solidFill>
+                  <a:srgbClr val="000000"/>
+                </a:solidFill>
+                <a:latin typeface="Consolas" panose="020B0609020204030204" pitchFamily="49" charset="0"/>
+              </a:rPr>
+              <a:t>);</a:t>
+            </a:r>
+          </a:p>
+          <a:p>
+            <a:pPr marL="0" indent="0">
+              <a:buNone/>
+            </a:pPr>
+            <a:r>
+              <a:rPr lang="en-US" sz="1800" dirty="0">
+                <a:solidFill>
+                  <a:srgbClr val="000000"/>
+                </a:solidFill>
+                <a:latin typeface="Consolas" panose="020B0609020204030204" pitchFamily="49" charset="0"/>
+              </a:rPr>
+              <a:t>    }</a:t>
+            </a:r>
+          </a:p>
+          <a:p>
+            <a:pPr marL="0" indent="0">
+              <a:buNone/>
+            </a:pPr>
+            <a:r>
+              <a:rPr lang="en-US" sz="1800" dirty="0">
+                <a:solidFill>
+                  <a:srgbClr val="000000"/>
+                </a:solidFill>
+                <a:latin typeface="Consolas" panose="020B0609020204030204" pitchFamily="49" charset="0"/>
+              </a:rPr>
+              <a:t>}</a:t>
+            </a:r>
+            <a:endParaRPr lang="ru-RU" sz="1800" dirty="0" smtClean="0"/>
+          </a:p>
+        </p:txBody>
+      </p:sp>
+    </p:spTree>
+    <p:extLst>
+      <p:ext uri="{BB962C8B-B14F-4D97-AF65-F5344CB8AC3E}">
+        <p14:creationId xmlns:p14="http://schemas.microsoft.com/office/powerpoint/2010/main" val="3252223192"/>
       </p:ext>
     </p:extLst>
   </p:cSld>
@@ -4576,7 +5611,7 @@
 </p:sld>
 </file>
 
-<file path=ppt/slides/slide13.xml><?xml version="1.0" encoding="utf-8"?>
+<file path=ppt/slides/slide2.xml><?xml version="1.0" encoding="utf-8"?>
 <p:sld xmlns:a="http://schemas.openxmlformats.org/drawingml/2006/main" xmlns:r="http://schemas.openxmlformats.org/officeDocument/2006/relationships" xmlns:p="http://schemas.openxmlformats.org/presentationml/2006/main">
   <p:cSld>
     <p:spTree>
@@ -4610,7 +5645,119 @@
           <a:p>
             <a:r>
               <a:rPr lang="ru-RU" dirty="0" smtClean="0"/>
-              <a:t>Стандартные обобщенные типы</a:t>
+              <a:t>Обобщенное программирование</a:t>
+            </a:r>
+            <a:endParaRPr lang="en-US" dirty="0"/>
+          </a:p>
+        </p:txBody>
+      </p:sp>
+      <p:sp>
+        <p:nvSpPr>
+          <p:cNvPr id="3" name="Content Placeholder 2"/>
+          <p:cNvSpPr>
+            <a:spLocks noGrp="1"/>
+          </p:cNvSpPr>
+          <p:nvPr>
+            <p:ph idx="1"/>
+          </p:nvPr>
+        </p:nvSpPr>
+        <p:spPr/>
+        <p:txBody>
+          <a:bodyPr>
+            <a:normAutofit/>
+          </a:bodyPr>
+          <a:lstStyle/>
+          <a:p>
+            <a:pPr marL="0" indent="0">
+              <a:buNone/>
+            </a:pPr>
+            <a:r>
+              <a:rPr lang="ru-RU" sz="2800" dirty="0" smtClean="0"/>
+              <a:t>Парадигма </a:t>
+            </a:r>
+            <a:r>
+              <a:rPr lang="ru-RU" sz="2800" dirty="0"/>
+              <a:t>программирования, заключающаяся в таком описании данных и алгоритмов, которое можно применять к различным типам данных, не меняя само это описание</a:t>
+            </a:r>
+            <a:r>
+              <a:rPr lang="ru-RU" sz="2800" dirty="0" smtClean="0"/>
+              <a:t>.</a:t>
+            </a:r>
+          </a:p>
+          <a:p>
+            <a:pPr marL="0" indent="0">
+              <a:buNone/>
+            </a:pPr>
+            <a:endParaRPr lang="ru-RU" sz="2800" dirty="0"/>
+          </a:p>
+          <a:p>
+            <a:pPr marL="0" indent="0">
+              <a:buNone/>
+            </a:pPr>
+            <a:r>
+              <a:rPr lang="ru-RU" sz="2800" dirty="0" smtClean="0"/>
+              <a:t>Поддерживается начиная с </a:t>
+            </a:r>
+            <a:r>
+              <a:rPr lang="en-US" sz="2800" dirty="0" smtClean="0"/>
+              <a:t>.NET 2.0</a:t>
+            </a:r>
+            <a:endParaRPr lang="en-US" sz="2800" dirty="0"/>
+          </a:p>
+        </p:txBody>
+      </p:sp>
+    </p:spTree>
+    <p:extLst>
+      <p:ext uri="{BB962C8B-B14F-4D97-AF65-F5344CB8AC3E}">
+        <p14:creationId xmlns:p14="http://schemas.microsoft.com/office/powerpoint/2010/main" val="4284391102"/>
+      </p:ext>
+    </p:extLst>
+  </p:cSld>
+  <p:clrMapOvr>
+    <a:masterClrMapping/>
+  </p:clrMapOvr>
+</p:sld>
+</file>
+
+<file path=ppt/slides/slide20.xml><?xml version="1.0" encoding="utf-8"?>
+<p:sld xmlns:a="http://schemas.openxmlformats.org/drawingml/2006/main" xmlns:r="http://schemas.openxmlformats.org/officeDocument/2006/relationships" xmlns:p="http://schemas.openxmlformats.org/presentationml/2006/main">
+  <p:cSld>
+    <p:spTree>
+      <p:nvGrpSpPr>
+        <p:cNvPr id="1" name=""/>
+        <p:cNvGrpSpPr/>
+        <p:nvPr/>
+      </p:nvGrpSpPr>
+      <p:grpSpPr>
+        <a:xfrm>
+          <a:off x="0" y="0"/>
+          <a:ext cx="0" cy="0"/>
+          <a:chOff x="0" y="0"/>
+          <a:chExt cx="0" cy="0"/>
+        </a:xfrm>
+      </p:grpSpPr>
+      <p:sp>
+        <p:nvSpPr>
+          <p:cNvPr id="2" name="Title 1"/>
+          <p:cNvSpPr>
+            <a:spLocks noGrp="1"/>
+          </p:cNvSpPr>
+          <p:nvPr>
+            <p:ph type="title"/>
+          </p:nvPr>
+        </p:nvSpPr>
+        <p:spPr/>
+        <p:txBody>
+          <a:bodyPr/>
+          <a:lstStyle/>
+          <a:p>
+            <a:r>
+              <a:rPr lang="en-US" dirty="0" smtClean="0"/>
+              <a:t>static </a:t>
+            </a:r>
+            <a:r>
+              <a:rPr lang="ru-RU" dirty="0" smtClean="0"/>
+              <a:t>поля в обобщенных классах</a:t>
             </a:r>
             <a:endParaRPr lang="en-US" dirty="0"/>
           </a:p>
@@ -4635,6 +5782,251 @@
               <a:buNone/>
             </a:pPr>
             <a:r>
+              <a:rPr lang="ru-RU" dirty="0" smtClean="0"/>
+              <a:t>Для каждой комбинации тип-аргументов создается свое </a:t>
+            </a:r>
+            <a:r>
+              <a:rPr lang="en-US" dirty="0" smtClean="0"/>
+              <a:t>static </a:t>
+            </a:r>
+            <a:r>
+              <a:rPr lang="ru-RU" smtClean="0"/>
+              <a:t>поле.</a:t>
+            </a:r>
+            <a:endParaRPr lang="en-US"/>
+          </a:p>
+        </p:txBody>
+      </p:sp>
+    </p:spTree>
+    <p:extLst>
+      <p:ext uri="{BB962C8B-B14F-4D97-AF65-F5344CB8AC3E}">
+        <p14:creationId xmlns:p14="http://schemas.microsoft.com/office/powerpoint/2010/main" val="1870935316"/>
+      </p:ext>
+    </p:extLst>
+  </p:cSld>
+  <p:clrMapOvr>
+    <a:masterClrMapping/>
+  </p:clrMapOvr>
+</p:sld>
+</file>
+
+<file path=ppt/slides/slide21.xml><?xml version="1.0" encoding="utf-8"?>
+<p:sld xmlns:a="http://schemas.openxmlformats.org/drawingml/2006/main" xmlns:r="http://schemas.openxmlformats.org/officeDocument/2006/relationships" xmlns:p="http://schemas.openxmlformats.org/presentationml/2006/main">
+  <p:cSld>
+    <p:spTree>
+      <p:nvGrpSpPr>
+        <p:cNvPr id="1" name=""/>
+        <p:cNvGrpSpPr/>
+        <p:nvPr/>
+      </p:nvGrpSpPr>
+      <p:grpSpPr>
+        <a:xfrm>
+          <a:off x="0" y="0"/>
+          <a:ext cx="0" cy="0"/>
+          <a:chOff x="0" y="0"/>
+          <a:chExt cx="0" cy="0"/>
+        </a:xfrm>
+      </p:grpSpPr>
+      <p:sp>
+        <p:nvSpPr>
+          <p:cNvPr id="2" name="Заголовок 1"/>
+          <p:cNvSpPr>
+            <a:spLocks noGrp="1"/>
+          </p:cNvSpPr>
+          <p:nvPr>
+            <p:ph type="title"/>
+          </p:nvPr>
+        </p:nvSpPr>
+        <p:spPr/>
+        <p:txBody>
+          <a:bodyPr/>
+          <a:lstStyle/>
+          <a:p>
+            <a:r>
+              <a:rPr lang="ru-RU" dirty="0" smtClean="0"/>
+              <a:t>Обобщенные интерфейсы</a:t>
+            </a:r>
+            <a:endParaRPr lang="ru-RU" dirty="0"/>
+          </a:p>
+        </p:txBody>
+      </p:sp>
+      <p:sp>
+        <p:nvSpPr>
+          <p:cNvPr id="3" name="Объект 2"/>
+          <p:cNvSpPr>
+            <a:spLocks noGrp="1"/>
+          </p:cNvSpPr>
+          <p:nvPr>
+            <p:ph idx="1"/>
+          </p:nvPr>
+        </p:nvSpPr>
+        <p:spPr/>
+        <p:txBody>
+          <a:bodyPr/>
+          <a:lstStyle/>
+          <a:p>
+            <a:pPr marL="0" indent="0">
+              <a:buNone/>
+            </a:pPr>
+            <a:r>
+              <a:rPr lang="ru-RU" dirty="0" smtClean="0"/>
+              <a:t>…</a:t>
+            </a:r>
+            <a:endParaRPr lang="ru-RU" dirty="0"/>
+          </a:p>
+        </p:txBody>
+      </p:sp>
+    </p:spTree>
+    <p:extLst>
+      <p:ext uri="{BB962C8B-B14F-4D97-AF65-F5344CB8AC3E}">
+        <p14:creationId xmlns:p14="http://schemas.microsoft.com/office/powerpoint/2010/main" val="2456645424"/>
+      </p:ext>
+    </p:extLst>
+  </p:cSld>
+  <p:clrMapOvr>
+    <a:masterClrMapping/>
+  </p:clrMapOvr>
+</p:sld>
+</file>
+
+<file path=ppt/slides/slide22.xml><?xml version="1.0" encoding="utf-8"?>
+<p:sld xmlns:a="http://schemas.openxmlformats.org/drawingml/2006/main" xmlns:r="http://schemas.openxmlformats.org/officeDocument/2006/relationships" xmlns:p="http://schemas.openxmlformats.org/presentationml/2006/main">
+  <p:cSld>
+    <p:spTree>
+      <p:nvGrpSpPr>
+        <p:cNvPr id="1" name=""/>
+        <p:cNvGrpSpPr/>
+        <p:nvPr/>
+      </p:nvGrpSpPr>
+      <p:grpSpPr>
+        <a:xfrm>
+          <a:off x="0" y="0"/>
+          <a:ext cx="0" cy="0"/>
+          <a:chOff x="0" y="0"/>
+          <a:chExt cx="0" cy="0"/>
+        </a:xfrm>
+      </p:grpSpPr>
+      <p:sp>
+        <p:nvSpPr>
+          <p:cNvPr id="2" name="Заголовок 1"/>
+          <p:cNvSpPr>
+            <a:spLocks noGrp="1"/>
+          </p:cNvSpPr>
+          <p:nvPr>
+            <p:ph type="title"/>
+          </p:nvPr>
+        </p:nvSpPr>
+        <p:spPr/>
+        <p:txBody>
+          <a:bodyPr/>
+          <a:lstStyle/>
+          <a:p>
+            <a:r>
+              <a:rPr lang="ru-RU" dirty="0" smtClean="0"/>
+              <a:t>Обобщенные делегаты</a:t>
+            </a:r>
+            <a:endParaRPr lang="ru-RU" dirty="0"/>
+          </a:p>
+        </p:txBody>
+      </p:sp>
+      <p:sp>
+        <p:nvSpPr>
+          <p:cNvPr id="3" name="Объект 2"/>
+          <p:cNvSpPr>
+            <a:spLocks noGrp="1"/>
+          </p:cNvSpPr>
+          <p:nvPr>
+            <p:ph idx="1"/>
+          </p:nvPr>
+        </p:nvSpPr>
+        <p:spPr/>
+        <p:txBody>
+          <a:bodyPr/>
+          <a:lstStyle/>
+          <a:p>
+            <a:pPr marL="0" indent="0">
+              <a:buNone/>
+            </a:pPr>
+            <a:r>
+              <a:rPr lang="ru-RU" dirty="0" smtClean="0"/>
+              <a:t>…</a:t>
+            </a:r>
+            <a:endParaRPr lang="ru-RU" dirty="0"/>
+          </a:p>
+        </p:txBody>
+      </p:sp>
+    </p:spTree>
+    <p:extLst>
+      <p:ext uri="{BB962C8B-B14F-4D97-AF65-F5344CB8AC3E}">
+        <p14:creationId xmlns:p14="http://schemas.microsoft.com/office/powerpoint/2010/main" val="105021695"/>
+      </p:ext>
+    </p:extLst>
+  </p:cSld>
+  <p:clrMapOvr>
+    <a:masterClrMapping/>
+  </p:clrMapOvr>
+</p:sld>
+</file>
+
+<file path=ppt/slides/slide23.xml><?xml version="1.0" encoding="utf-8"?>
+<p:sld xmlns:a="http://schemas.openxmlformats.org/drawingml/2006/main" xmlns:r="http://schemas.openxmlformats.org/officeDocument/2006/relationships" xmlns:p="http://schemas.openxmlformats.org/presentationml/2006/main">
+  <p:cSld>
+    <p:spTree>
+      <p:nvGrpSpPr>
+        <p:cNvPr id="1" name=""/>
+        <p:cNvGrpSpPr/>
+        <p:nvPr/>
+      </p:nvGrpSpPr>
+      <p:grpSpPr>
+        <a:xfrm>
+          <a:off x="0" y="0"/>
+          <a:ext cx="0" cy="0"/>
+          <a:chOff x="0" y="0"/>
+          <a:chExt cx="0" cy="0"/>
+        </a:xfrm>
+      </p:grpSpPr>
+      <p:sp>
+        <p:nvSpPr>
+          <p:cNvPr id="2" name="Title 1"/>
+          <p:cNvSpPr>
+            <a:spLocks noGrp="1"/>
+          </p:cNvSpPr>
+          <p:nvPr>
+            <p:ph type="title"/>
+          </p:nvPr>
+        </p:nvSpPr>
+        <p:spPr/>
+        <p:txBody>
+          <a:bodyPr/>
+          <a:lstStyle/>
+          <a:p>
+            <a:r>
+              <a:rPr lang="ru-RU" dirty="0" smtClean="0"/>
+              <a:t>Стандартные обобщенные типы</a:t>
+            </a:r>
+            <a:endParaRPr lang="en-US" dirty="0"/>
+          </a:p>
+        </p:txBody>
+      </p:sp>
+      <p:sp>
+        <p:nvSpPr>
+          <p:cNvPr id="3" name="Content Placeholder 2"/>
+          <p:cNvSpPr>
+            <a:spLocks noGrp="1"/>
+          </p:cNvSpPr>
+          <p:nvPr>
+            <p:ph idx="1"/>
+          </p:nvPr>
+        </p:nvSpPr>
+        <p:spPr/>
+        <p:txBody>
+          <a:bodyPr/>
+          <a:lstStyle/>
+          <a:p>
+            <a:pPr marL="0" indent="0">
+              <a:buNone/>
+            </a:pPr>
+            <a:r>
               <a:rPr lang="en-US" dirty="0" smtClean="0"/>
               <a:t>System.Collections.Generic.*</a:t>
             </a:r>
@@ -4655,7 +6047,797 @@
 </p:sld>
 </file>
 
-<file path=ppt/slides/slide14.xml><?xml version="1.0" encoding="utf-8"?>
+<file path=ppt/slides/slide24.xml><?xml version="1.0" encoding="utf-8"?>
+<p:sld xmlns:a="http://schemas.openxmlformats.org/drawingml/2006/main" xmlns:r="http://schemas.openxmlformats.org/officeDocument/2006/relationships" xmlns:p="http://schemas.openxmlformats.org/presentationml/2006/main">
+  <p:cSld>
+    <p:spTree>
+      <p:nvGrpSpPr>
+        <p:cNvPr id="1" name=""/>
+        <p:cNvGrpSpPr/>
+        <p:nvPr/>
+      </p:nvGrpSpPr>
+      <p:grpSpPr>
+        <a:xfrm>
+          <a:off x="0" y="0"/>
+          <a:ext cx="0" cy="0"/>
+          <a:chOff x="0" y="0"/>
+          <a:chExt cx="0" cy="0"/>
+        </a:xfrm>
+      </p:grpSpPr>
+      <p:sp>
+        <p:nvSpPr>
+          <p:cNvPr id="2" name="Заголовок 1"/>
+          <p:cNvSpPr>
+            <a:spLocks noGrp="1"/>
+          </p:cNvSpPr>
+          <p:nvPr>
+            <p:ph type="title"/>
+          </p:nvPr>
+        </p:nvSpPr>
+        <p:spPr/>
+        <p:txBody>
+          <a:bodyPr/>
+          <a:lstStyle/>
+          <a:p>
+            <a:r>
+              <a:rPr lang="ru-RU" dirty="0" smtClean="0"/>
+              <a:t>Массивы и обобщения</a:t>
+            </a:r>
+            <a:endParaRPr lang="ru-RU" dirty="0"/>
+          </a:p>
+        </p:txBody>
+      </p:sp>
+      <p:sp>
+        <p:nvSpPr>
+          <p:cNvPr id="3" name="Объект 2"/>
+          <p:cNvSpPr>
+            <a:spLocks noGrp="1"/>
+          </p:cNvSpPr>
+          <p:nvPr>
+            <p:ph idx="1"/>
+          </p:nvPr>
+        </p:nvSpPr>
+        <p:spPr>
+          <a:xfrm>
+            <a:off x="457200" y="1600201"/>
+            <a:ext cx="8229600" cy="1180727"/>
+          </a:xfrm>
+        </p:spPr>
+        <p:txBody>
+          <a:bodyPr>
+            <a:normAutofit lnSpcReduction="10000"/>
+          </a:bodyPr>
+          <a:lstStyle/>
+          <a:p>
+            <a:pPr marL="0" indent="0">
+              <a:buNone/>
+            </a:pPr>
+            <a:r>
+              <a:rPr lang="ru-RU" sz="2400" dirty="0" smtClean="0"/>
+              <a:t>Массив реализует интерфейс </a:t>
+            </a:r>
+            <a:r>
+              <a:rPr lang="en-US" sz="2400" dirty="0" err="1" smtClean="0"/>
+              <a:t>IList</a:t>
+            </a:r>
+            <a:r>
+              <a:rPr lang="en-US" sz="2400" dirty="0" smtClean="0"/>
+              <a:t>&lt;T&gt; </a:t>
+            </a:r>
+            <a:r>
+              <a:rPr lang="ru-RU" sz="2400" dirty="0" smtClean="0"/>
+              <a:t>что дает возможность написать общий код для работы как с массивом так и для других коллекций.</a:t>
+            </a:r>
+            <a:endParaRPr lang="ru-RU" sz="2400" dirty="0"/>
+          </a:p>
+        </p:txBody>
+      </p:sp>
+      <p:sp>
+        <p:nvSpPr>
+          <p:cNvPr id="4" name="Rectangle 3"/>
+          <p:cNvSpPr/>
+          <p:nvPr/>
+        </p:nvSpPr>
+        <p:spPr>
+          <a:xfrm>
+            <a:off x="457200" y="2780928"/>
+            <a:ext cx="8229600" cy="3754874"/>
+          </a:xfrm>
+          <a:prstGeom prst="rect">
+            <a:avLst/>
+          </a:prstGeom>
+          <a:solidFill>
+            <a:schemeClr val="bg1"/>
+          </a:solidFill>
+        </p:spPr>
+        <p:txBody>
+          <a:bodyPr wrap="square">
+            <a:spAutoFit/>
+          </a:bodyPr>
+          <a:lstStyle/>
+          <a:p>
+            <a:r>
+              <a:rPr lang="en-US" sz="1400" dirty="0">
+                <a:solidFill>
+                  <a:srgbClr val="0000FF"/>
+                </a:solidFill>
+                <a:latin typeface="Consolas" panose="020B0609020204030204" pitchFamily="49" charset="0"/>
+              </a:rPr>
+              <a:t>static</a:t>
+            </a:r>
+            <a:r>
+              <a:rPr lang="en-US" sz="1400" dirty="0">
+                <a:solidFill>
+                  <a:srgbClr val="000000"/>
+                </a:solidFill>
+                <a:latin typeface="Consolas" panose="020B0609020204030204" pitchFamily="49" charset="0"/>
+              </a:rPr>
+              <a:t> </a:t>
+            </a:r>
+            <a:r>
+              <a:rPr lang="en-US" sz="1400" dirty="0">
+                <a:solidFill>
+                  <a:srgbClr val="0000FF"/>
+                </a:solidFill>
+                <a:latin typeface="Consolas" panose="020B0609020204030204" pitchFamily="49" charset="0"/>
+              </a:rPr>
+              <a:t>class</a:t>
+            </a:r>
+            <a:r>
+              <a:rPr lang="en-US" sz="1400" dirty="0">
+                <a:solidFill>
+                  <a:srgbClr val="000000"/>
+                </a:solidFill>
+                <a:latin typeface="Consolas" panose="020B0609020204030204" pitchFamily="49" charset="0"/>
+              </a:rPr>
+              <a:t> </a:t>
+            </a:r>
+            <a:r>
+              <a:rPr lang="en-US" sz="1400" dirty="0" err="1">
+                <a:solidFill>
+                  <a:srgbClr val="2B91AF"/>
+                </a:solidFill>
+                <a:latin typeface="Consolas" panose="020B0609020204030204" pitchFamily="49" charset="0"/>
+              </a:rPr>
+              <a:t>ArrayHelper</a:t>
+            </a:r>
+            <a:endParaRPr lang="en-US" sz="1400" dirty="0">
+              <a:solidFill>
+                <a:srgbClr val="000000"/>
+              </a:solidFill>
+              <a:latin typeface="Consolas" panose="020B0609020204030204" pitchFamily="49" charset="0"/>
+            </a:endParaRPr>
+          </a:p>
+          <a:p>
+            <a:r>
+              <a:rPr lang="ru-RU" sz="1400" dirty="0">
+                <a:solidFill>
+                  <a:srgbClr val="000000"/>
+                </a:solidFill>
+                <a:latin typeface="Consolas" panose="020B0609020204030204" pitchFamily="49" charset="0"/>
+              </a:rPr>
+              <a:t>{</a:t>
+            </a:r>
+          </a:p>
+          <a:p>
+            <a:r>
+              <a:rPr lang="ru-RU" sz="1400" dirty="0" smtClean="0">
+                <a:solidFill>
+                  <a:srgbClr val="0000FF"/>
+                </a:solidFill>
+                <a:latin typeface="Consolas" panose="020B0609020204030204" pitchFamily="49" charset="0"/>
+              </a:rPr>
+              <a:t>    </a:t>
+            </a:r>
+            <a:r>
+              <a:rPr lang="en-US" sz="1400" dirty="0" smtClean="0">
+                <a:solidFill>
+                  <a:srgbClr val="0000FF"/>
+                </a:solidFill>
+                <a:latin typeface="Consolas" panose="020B0609020204030204" pitchFamily="49" charset="0"/>
+              </a:rPr>
+              <a:t>static</a:t>
+            </a:r>
+            <a:r>
+              <a:rPr lang="en-US" sz="1400" dirty="0" smtClean="0">
+                <a:solidFill>
+                  <a:srgbClr val="000000"/>
+                </a:solidFill>
+                <a:latin typeface="Consolas" panose="020B0609020204030204" pitchFamily="49" charset="0"/>
+              </a:rPr>
+              <a:t> </a:t>
+            </a:r>
+            <a:r>
+              <a:rPr lang="en-US" sz="1400" dirty="0">
+                <a:solidFill>
+                  <a:srgbClr val="2B91AF"/>
+                </a:solidFill>
+                <a:latin typeface="Consolas" panose="020B0609020204030204" pitchFamily="49" charset="0"/>
+              </a:rPr>
+              <a:t>Random</a:t>
+            </a:r>
+            <a:r>
+              <a:rPr lang="en-US" sz="1400" dirty="0">
+                <a:solidFill>
+                  <a:srgbClr val="000000"/>
+                </a:solidFill>
+                <a:latin typeface="Consolas" panose="020B0609020204030204" pitchFamily="49" charset="0"/>
+              </a:rPr>
+              <a:t> </a:t>
+            </a:r>
+            <a:r>
+              <a:rPr lang="en-US" sz="1400" dirty="0" err="1">
+                <a:solidFill>
+                  <a:srgbClr val="000000"/>
+                </a:solidFill>
+                <a:latin typeface="Consolas" panose="020B0609020204030204" pitchFamily="49" charset="0"/>
+              </a:rPr>
+              <a:t>rnd</a:t>
+            </a:r>
+            <a:r>
+              <a:rPr lang="en-US" sz="1400" dirty="0">
+                <a:solidFill>
+                  <a:srgbClr val="000000"/>
+                </a:solidFill>
+                <a:latin typeface="Consolas" panose="020B0609020204030204" pitchFamily="49" charset="0"/>
+              </a:rPr>
+              <a:t> = </a:t>
+            </a:r>
+            <a:r>
+              <a:rPr lang="en-US" sz="1400" dirty="0">
+                <a:solidFill>
+                  <a:srgbClr val="0000FF"/>
+                </a:solidFill>
+                <a:latin typeface="Consolas" panose="020B0609020204030204" pitchFamily="49" charset="0"/>
+              </a:rPr>
+              <a:t>new</a:t>
+            </a:r>
+            <a:r>
+              <a:rPr lang="en-US" sz="1400" dirty="0">
+                <a:solidFill>
+                  <a:srgbClr val="000000"/>
+                </a:solidFill>
+                <a:latin typeface="Consolas" panose="020B0609020204030204" pitchFamily="49" charset="0"/>
+              </a:rPr>
+              <a:t> </a:t>
+            </a:r>
+            <a:r>
+              <a:rPr lang="en-US" sz="1400" dirty="0">
+                <a:solidFill>
+                  <a:srgbClr val="2B91AF"/>
+                </a:solidFill>
+                <a:latin typeface="Consolas" panose="020B0609020204030204" pitchFamily="49" charset="0"/>
+              </a:rPr>
+              <a:t>Random</a:t>
+            </a:r>
+            <a:r>
+              <a:rPr lang="en-US" sz="1400" dirty="0">
+                <a:solidFill>
+                  <a:srgbClr val="000000"/>
+                </a:solidFill>
+                <a:latin typeface="Consolas" panose="020B0609020204030204" pitchFamily="49" charset="0"/>
+              </a:rPr>
+              <a:t>();</a:t>
+            </a:r>
+          </a:p>
+          <a:p>
+            <a:endParaRPr lang="ru-RU" sz="1400" dirty="0">
+              <a:solidFill>
+                <a:srgbClr val="000000"/>
+              </a:solidFill>
+              <a:latin typeface="Consolas" panose="020B0609020204030204" pitchFamily="49" charset="0"/>
+            </a:endParaRPr>
+          </a:p>
+          <a:p>
+            <a:r>
+              <a:rPr lang="ru-RU" sz="1400" dirty="0" smtClean="0">
+                <a:solidFill>
+                  <a:srgbClr val="008000"/>
+                </a:solidFill>
+                <a:latin typeface="Consolas" panose="020B0609020204030204" pitchFamily="49" charset="0"/>
+              </a:rPr>
+              <a:t>    // </a:t>
+            </a:r>
+            <a:r>
+              <a:rPr lang="ru-RU" sz="1400" dirty="0">
+                <a:solidFill>
+                  <a:srgbClr val="008000"/>
+                </a:solidFill>
+                <a:latin typeface="Consolas" panose="020B0609020204030204" pitchFamily="49" charset="0"/>
+              </a:rPr>
+              <a:t>T - тип-параметр (псевдоним для неизвестного/любого типа)</a:t>
+            </a:r>
+            <a:endParaRPr lang="ru-RU" sz="1400" dirty="0">
+              <a:solidFill>
+                <a:srgbClr val="000000"/>
+              </a:solidFill>
+              <a:latin typeface="Consolas" panose="020B0609020204030204" pitchFamily="49" charset="0"/>
+            </a:endParaRPr>
+          </a:p>
+          <a:p>
+            <a:r>
+              <a:rPr lang="ru-RU" sz="1400" dirty="0" smtClean="0">
+                <a:solidFill>
+                  <a:srgbClr val="0000FF"/>
+                </a:solidFill>
+                <a:latin typeface="Consolas" panose="020B0609020204030204" pitchFamily="49" charset="0"/>
+              </a:rPr>
+              <a:t>    </a:t>
+            </a:r>
+            <a:r>
+              <a:rPr lang="fr-FR" sz="1400" dirty="0" smtClean="0">
+                <a:solidFill>
+                  <a:srgbClr val="0000FF"/>
+                </a:solidFill>
+                <a:latin typeface="Consolas" panose="020B0609020204030204" pitchFamily="49" charset="0"/>
+              </a:rPr>
+              <a:t>public</a:t>
+            </a:r>
+            <a:r>
+              <a:rPr lang="fr-FR" sz="1400" dirty="0" smtClean="0">
+                <a:solidFill>
+                  <a:srgbClr val="000000"/>
+                </a:solidFill>
+                <a:latin typeface="Consolas" panose="020B0609020204030204" pitchFamily="49" charset="0"/>
+              </a:rPr>
+              <a:t> </a:t>
+            </a:r>
+            <a:r>
+              <a:rPr lang="fr-FR" sz="1400" dirty="0">
+                <a:solidFill>
+                  <a:srgbClr val="0000FF"/>
+                </a:solidFill>
+                <a:latin typeface="Consolas" panose="020B0609020204030204" pitchFamily="49" charset="0"/>
+              </a:rPr>
+              <a:t>static</a:t>
+            </a:r>
+            <a:r>
+              <a:rPr lang="fr-FR" sz="1400" dirty="0">
+                <a:solidFill>
+                  <a:srgbClr val="000000"/>
+                </a:solidFill>
+                <a:latin typeface="Consolas" panose="020B0609020204030204" pitchFamily="49" charset="0"/>
+              </a:rPr>
+              <a:t> </a:t>
+            </a:r>
+            <a:r>
+              <a:rPr lang="fr-FR" sz="1400" dirty="0">
+                <a:solidFill>
+                  <a:srgbClr val="0000FF"/>
+                </a:solidFill>
+                <a:latin typeface="Consolas" panose="020B0609020204030204" pitchFamily="49" charset="0"/>
+              </a:rPr>
+              <a:t>void</a:t>
+            </a:r>
+            <a:r>
+              <a:rPr lang="fr-FR" sz="1400" dirty="0">
+                <a:solidFill>
+                  <a:srgbClr val="000000"/>
+                </a:solidFill>
+                <a:latin typeface="Consolas" panose="020B0609020204030204" pitchFamily="49" charset="0"/>
+              </a:rPr>
+              <a:t> Shuffle&lt;</a:t>
+            </a:r>
+            <a:r>
+              <a:rPr lang="fr-FR" sz="1400" dirty="0">
+                <a:solidFill>
+                  <a:srgbClr val="2B91AF"/>
+                </a:solidFill>
+                <a:latin typeface="Consolas" panose="020B0609020204030204" pitchFamily="49" charset="0"/>
+              </a:rPr>
+              <a:t>T</a:t>
+            </a:r>
+            <a:r>
+              <a:rPr lang="fr-FR" sz="1400" dirty="0">
+                <a:solidFill>
+                  <a:srgbClr val="000000"/>
+                </a:solidFill>
+                <a:latin typeface="Consolas" panose="020B0609020204030204" pitchFamily="49" charset="0"/>
+              </a:rPr>
+              <a:t>&gt;(</a:t>
+            </a:r>
+            <a:r>
+              <a:rPr lang="fr-FR" sz="1400" dirty="0">
+                <a:solidFill>
+                  <a:srgbClr val="2B91AF"/>
+                </a:solidFill>
+                <a:latin typeface="Consolas" panose="020B0609020204030204" pitchFamily="49" charset="0"/>
+              </a:rPr>
+              <a:t>IList</a:t>
+            </a:r>
+            <a:r>
+              <a:rPr lang="fr-FR" sz="1400" dirty="0">
+                <a:solidFill>
+                  <a:srgbClr val="000000"/>
+                </a:solidFill>
+                <a:latin typeface="Consolas" panose="020B0609020204030204" pitchFamily="49" charset="0"/>
+              </a:rPr>
+              <a:t>&lt;</a:t>
+            </a:r>
+            <a:r>
+              <a:rPr lang="fr-FR" sz="1400" dirty="0">
+                <a:solidFill>
+                  <a:srgbClr val="2B91AF"/>
+                </a:solidFill>
+                <a:latin typeface="Consolas" panose="020B0609020204030204" pitchFamily="49" charset="0"/>
+              </a:rPr>
+              <a:t>T</a:t>
+            </a:r>
+            <a:r>
+              <a:rPr lang="fr-FR" sz="1400" dirty="0">
+                <a:solidFill>
+                  <a:srgbClr val="000000"/>
+                </a:solidFill>
+                <a:latin typeface="Consolas" panose="020B0609020204030204" pitchFamily="49" charset="0"/>
+              </a:rPr>
+              <a:t>&gt; list)</a:t>
+            </a:r>
+          </a:p>
+          <a:p>
+            <a:r>
+              <a:rPr lang="ru-RU" sz="1400" dirty="0" smtClean="0">
+                <a:solidFill>
+                  <a:srgbClr val="000000"/>
+                </a:solidFill>
+                <a:latin typeface="Consolas" panose="020B0609020204030204" pitchFamily="49" charset="0"/>
+              </a:rPr>
+              <a:t>    {</a:t>
+            </a:r>
+            <a:endParaRPr lang="ru-RU" sz="1400" dirty="0">
+              <a:solidFill>
+                <a:srgbClr val="000000"/>
+              </a:solidFill>
+              <a:latin typeface="Consolas" panose="020B0609020204030204" pitchFamily="49" charset="0"/>
+            </a:endParaRPr>
+          </a:p>
+          <a:p>
+            <a:r>
+              <a:rPr lang="ru-RU" sz="1400" dirty="0" smtClean="0">
+                <a:solidFill>
+                  <a:srgbClr val="0000FF"/>
+                </a:solidFill>
+                <a:latin typeface="Consolas" panose="020B0609020204030204" pitchFamily="49" charset="0"/>
+              </a:rPr>
+              <a:t>        </a:t>
+            </a:r>
+            <a:r>
+              <a:rPr lang="nn-NO" sz="1400" dirty="0" smtClean="0">
+                <a:solidFill>
+                  <a:srgbClr val="0000FF"/>
+                </a:solidFill>
+                <a:latin typeface="Consolas" panose="020B0609020204030204" pitchFamily="49" charset="0"/>
+              </a:rPr>
+              <a:t>for</a:t>
+            </a:r>
+            <a:r>
+              <a:rPr lang="nn-NO" sz="1400" dirty="0" smtClean="0">
+                <a:solidFill>
+                  <a:srgbClr val="000000"/>
+                </a:solidFill>
+                <a:latin typeface="Consolas" panose="020B0609020204030204" pitchFamily="49" charset="0"/>
+              </a:rPr>
+              <a:t> </a:t>
+            </a:r>
+            <a:r>
+              <a:rPr lang="nn-NO" sz="1400" dirty="0">
+                <a:solidFill>
+                  <a:srgbClr val="000000"/>
+                </a:solidFill>
+                <a:latin typeface="Consolas" panose="020B0609020204030204" pitchFamily="49" charset="0"/>
+              </a:rPr>
+              <a:t>(</a:t>
+            </a:r>
+            <a:r>
+              <a:rPr lang="nn-NO" sz="1400" dirty="0">
+                <a:solidFill>
+                  <a:srgbClr val="0000FF"/>
+                </a:solidFill>
+                <a:latin typeface="Consolas" panose="020B0609020204030204" pitchFamily="49" charset="0"/>
+              </a:rPr>
+              <a:t>int</a:t>
+            </a:r>
+            <a:r>
+              <a:rPr lang="nn-NO" sz="1400" dirty="0">
+                <a:solidFill>
+                  <a:srgbClr val="000000"/>
+                </a:solidFill>
+                <a:latin typeface="Consolas" panose="020B0609020204030204" pitchFamily="49" charset="0"/>
+              </a:rPr>
+              <a:t> i = list.Count - 1; i &gt; 0; i--)</a:t>
+            </a:r>
+          </a:p>
+          <a:p>
+            <a:r>
+              <a:rPr lang="ru-RU" sz="1400" dirty="0" smtClean="0">
+                <a:solidFill>
+                  <a:srgbClr val="000000"/>
+                </a:solidFill>
+                <a:latin typeface="Consolas" panose="020B0609020204030204" pitchFamily="49" charset="0"/>
+              </a:rPr>
+              <a:t>        {</a:t>
+            </a:r>
+            <a:endParaRPr lang="ru-RU" sz="1400" dirty="0">
+              <a:solidFill>
+                <a:srgbClr val="000000"/>
+              </a:solidFill>
+              <a:latin typeface="Consolas" panose="020B0609020204030204" pitchFamily="49" charset="0"/>
+            </a:endParaRPr>
+          </a:p>
+          <a:p>
+            <a:r>
+              <a:rPr lang="ru-RU" sz="1400" dirty="0" smtClean="0">
+                <a:solidFill>
+                  <a:srgbClr val="0000FF"/>
+                </a:solidFill>
+                <a:latin typeface="Consolas" panose="020B0609020204030204" pitchFamily="49" charset="0"/>
+              </a:rPr>
+              <a:t>            </a:t>
+            </a:r>
+            <a:r>
+              <a:rPr lang="en-US" sz="1400" dirty="0" err="1" smtClean="0">
+                <a:solidFill>
+                  <a:srgbClr val="0000FF"/>
+                </a:solidFill>
+                <a:latin typeface="Consolas" panose="020B0609020204030204" pitchFamily="49" charset="0"/>
+              </a:rPr>
+              <a:t>int</a:t>
+            </a:r>
+            <a:r>
+              <a:rPr lang="en-US" sz="1400" dirty="0" smtClean="0">
+                <a:solidFill>
+                  <a:srgbClr val="000000"/>
+                </a:solidFill>
+                <a:latin typeface="Consolas" panose="020B0609020204030204" pitchFamily="49" charset="0"/>
+              </a:rPr>
+              <a:t> </a:t>
+            </a:r>
+            <a:r>
+              <a:rPr lang="en-US" sz="1400" dirty="0">
+                <a:solidFill>
+                  <a:srgbClr val="000000"/>
+                </a:solidFill>
+                <a:latin typeface="Consolas" panose="020B0609020204030204" pitchFamily="49" charset="0"/>
+              </a:rPr>
+              <a:t>j = </a:t>
+            </a:r>
+            <a:r>
+              <a:rPr lang="en-US" sz="1400" dirty="0" err="1">
+                <a:solidFill>
+                  <a:srgbClr val="000000"/>
+                </a:solidFill>
+                <a:latin typeface="Consolas" panose="020B0609020204030204" pitchFamily="49" charset="0"/>
+              </a:rPr>
+              <a:t>rnd.Next</a:t>
+            </a:r>
+            <a:r>
+              <a:rPr lang="en-US" sz="1400" dirty="0">
+                <a:solidFill>
+                  <a:srgbClr val="000000"/>
+                </a:solidFill>
+                <a:latin typeface="Consolas" panose="020B0609020204030204" pitchFamily="49" charset="0"/>
+              </a:rPr>
+              <a:t>(0, </a:t>
+            </a:r>
+            <a:r>
+              <a:rPr lang="en-US" sz="1400" dirty="0" err="1">
+                <a:solidFill>
+                  <a:srgbClr val="000000"/>
+                </a:solidFill>
+                <a:latin typeface="Consolas" panose="020B0609020204030204" pitchFamily="49" charset="0"/>
+              </a:rPr>
+              <a:t>i</a:t>
+            </a:r>
+            <a:r>
+              <a:rPr lang="en-US" sz="1400" dirty="0">
+                <a:solidFill>
+                  <a:srgbClr val="000000"/>
+                </a:solidFill>
+                <a:latin typeface="Consolas" panose="020B0609020204030204" pitchFamily="49" charset="0"/>
+              </a:rPr>
+              <a:t> + 1);</a:t>
+            </a:r>
+          </a:p>
+          <a:p>
+            <a:endParaRPr lang="ru-RU" sz="1400" dirty="0">
+              <a:solidFill>
+                <a:srgbClr val="000000"/>
+              </a:solidFill>
+              <a:latin typeface="Consolas" panose="020B0609020204030204" pitchFamily="49" charset="0"/>
+            </a:endParaRPr>
+          </a:p>
+          <a:p>
+            <a:r>
+              <a:rPr lang="ru-RU" sz="1400" dirty="0" smtClean="0">
+                <a:solidFill>
+                  <a:srgbClr val="2B91AF"/>
+                </a:solidFill>
+                <a:latin typeface="Consolas" panose="020B0609020204030204" pitchFamily="49" charset="0"/>
+              </a:rPr>
+              <a:t>            </a:t>
+            </a:r>
+            <a:r>
+              <a:rPr lang="en-US" sz="1400" dirty="0" smtClean="0">
+                <a:solidFill>
+                  <a:srgbClr val="2B91AF"/>
+                </a:solidFill>
+                <a:latin typeface="Consolas" panose="020B0609020204030204" pitchFamily="49" charset="0"/>
+              </a:rPr>
+              <a:t>T</a:t>
+            </a:r>
+            <a:r>
+              <a:rPr lang="en-US" sz="1400" dirty="0" smtClean="0">
+                <a:solidFill>
+                  <a:srgbClr val="000000"/>
+                </a:solidFill>
+                <a:latin typeface="Consolas" panose="020B0609020204030204" pitchFamily="49" charset="0"/>
+              </a:rPr>
+              <a:t> </a:t>
+            </a:r>
+            <a:r>
+              <a:rPr lang="en-US" sz="1400" dirty="0">
+                <a:solidFill>
+                  <a:srgbClr val="000000"/>
+                </a:solidFill>
+                <a:latin typeface="Consolas" panose="020B0609020204030204" pitchFamily="49" charset="0"/>
+              </a:rPr>
+              <a:t>temp = list[</a:t>
+            </a:r>
+            <a:r>
+              <a:rPr lang="en-US" sz="1400" dirty="0" err="1">
+                <a:solidFill>
+                  <a:srgbClr val="000000"/>
+                </a:solidFill>
+                <a:latin typeface="Consolas" panose="020B0609020204030204" pitchFamily="49" charset="0"/>
+              </a:rPr>
+              <a:t>i</a:t>
+            </a:r>
+            <a:r>
+              <a:rPr lang="en-US" sz="1400" dirty="0">
+                <a:solidFill>
+                  <a:srgbClr val="000000"/>
+                </a:solidFill>
+                <a:latin typeface="Consolas" panose="020B0609020204030204" pitchFamily="49" charset="0"/>
+              </a:rPr>
+              <a:t>];</a:t>
+            </a:r>
+          </a:p>
+          <a:p>
+            <a:r>
+              <a:rPr lang="ru-RU" sz="1400" dirty="0" smtClean="0">
+                <a:solidFill>
+                  <a:srgbClr val="000000"/>
+                </a:solidFill>
+                <a:latin typeface="Consolas" panose="020B0609020204030204" pitchFamily="49" charset="0"/>
+              </a:rPr>
+              <a:t>            </a:t>
+            </a:r>
+            <a:r>
+              <a:rPr lang="en-US" sz="1400" dirty="0" smtClean="0">
+                <a:solidFill>
+                  <a:srgbClr val="000000"/>
+                </a:solidFill>
+                <a:latin typeface="Consolas" panose="020B0609020204030204" pitchFamily="49" charset="0"/>
+              </a:rPr>
+              <a:t>list[</a:t>
+            </a:r>
+            <a:r>
+              <a:rPr lang="en-US" sz="1400" dirty="0" err="1" smtClean="0">
+                <a:solidFill>
+                  <a:srgbClr val="000000"/>
+                </a:solidFill>
+                <a:latin typeface="Consolas" panose="020B0609020204030204" pitchFamily="49" charset="0"/>
+              </a:rPr>
+              <a:t>i</a:t>
+            </a:r>
+            <a:r>
+              <a:rPr lang="en-US" sz="1400" dirty="0">
+                <a:solidFill>
+                  <a:srgbClr val="000000"/>
+                </a:solidFill>
+                <a:latin typeface="Consolas" panose="020B0609020204030204" pitchFamily="49" charset="0"/>
+              </a:rPr>
+              <a:t>] = list[j];</a:t>
+            </a:r>
+          </a:p>
+          <a:p>
+            <a:r>
+              <a:rPr lang="ru-RU" sz="1400" dirty="0" smtClean="0">
+                <a:solidFill>
+                  <a:srgbClr val="000000"/>
+                </a:solidFill>
+                <a:latin typeface="Consolas" panose="020B0609020204030204" pitchFamily="49" charset="0"/>
+              </a:rPr>
+              <a:t>            </a:t>
+            </a:r>
+            <a:r>
+              <a:rPr lang="en-US" sz="1400" dirty="0" smtClean="0">
+                <a:solidFill>
+                  <a:srgbClr val="000000"/>
+                </a:solidFill>
+                <a:latin typeface="Consolas" panose="020B0609020204030204" pitchFamily="49" charset="0"/>
+              </a:rPr>
+              <a:t>list[j</a:t>
+            </a:r>
+            <a:r>
+              <a:rPr lang="en-US" sz="1400" dirty="0">
+                <a:solidFill>
+                  <a:srgbClr val="000000"/>
+                </a:solidFill>
+                <a:latin typeface="Consolas" panose="020B0609020204030204" pitchFamily="49" charset="0"/>
+              </a:rPr>
+              <a:t>] = temp;</a:t>
+            </a:r>
+          </a:p>
+          <a:p>
+            <a:r>
+              <a:rPr lang="ru-RU" sz="1400" dirty="0" smtClean="0">
+                <a:solidFill>
+                  <a:srgbClr val="000000"/>
+                </a:solidFill>
+                <a:latin typeface="Consolas" panose="020B0609020204030204" pitchFamily="49" charset="0"/>
+              </a:rPr>
+              <a:t>        }</a:t>
+            </a:r>
+            <a:endParaRPr lang="ru-RU" sz="1400" dirty="0">
+              <a:solidFill>
+                <a:srgbClr val="000000"/>
+              </a:solidFill>
+              <a:latin typeface="Consolas" panose="020B0609020204030204" pitchFamily="49" charset="0"/>
+            </a:endParaRPr>
+          </a:p>
+          <a:p>
+            <a:r>
+              <a:rPr lang="ru-RU" sz="1400" dirty="0" smtClean="0">
+                <a:solidFill>
+                  <a:srgbClr val="000000"/>
+                </a:solidFill>
+                <a:latin typeface="Consolas" panose="020B0609020204030204" pitchFamily="49" charset="0"/>
+              </a:rPr>
+              <a:t>    }</a:t>
+            </a:r>
+            <a:endParaRPr lang="ru-RU" sz="1400" dirty="0">
+              <a:solidFill>
+                <a:srgbClr val="000000"/>
+              </a:solidFill>
+              <a:latin typeface="Consolas" panose="020B0609020204030204" pitchFamily="49" charset="0"/>
+            </a:endParaRPr>
+          </a:p>
+          <a:p>
+            <a:r>
+              <a:rPr lang="ru-RU" sz="1400" dirty="0">
+                <a:solidFill>
+                  <a:srgbClr val="000000"/>
+                </a:solidFill>
+                <a:latin typeface="Consolas" panose="020B0609020204030204" pitchFamily="49" charset="0"/>
+              </a:rPr>
+              <a:t>}</a:t>
+            </a:r>
+            <a:endParaRPr lang="ru-RU" sz="1400" dirty="0">
+              <a:solidFill>
+                <a:srgbClr val="000000"/>
+              </a:solidFill>
+              <a:highlight>
+                <a:srgbClr val="FFFFFF"/>
+              </a:highlight>
+              <a:latin typeface="Consolas"/>
+            </a:endParaRPr>
+          </a:p>
+        </p:txBody>
+      </p:sp>
+    </p:spTree>
+    <p:extLst>
+      <p:ext uri="{BB962C8B-B14F-4D97-AF65-F5344CB8AC3E}">
+        <p14:creationId xmlns:p14="http://schemas.microsoft.com/office/powerpoint/2010/main" val="1316783181"/>
+      </p:ext>
+    </p:extLst>
+  </p:cSld>
+  <p:clrMapOvr>
+    <a:masterClrMapping/>
+  </p:clrMapOvr>
+</p:sld>
+</file>
+
+<file path=ppt/slides/slide25.xml><?xml version="1.0" encoding="utf-8"?>
 <p:sld xmlns:a="http://schemas.openxmlformats.org/drawingml/2006/main" xmlns:r="http://schemas.openxmlformats.org/officeDocument/2006/relationships" xmlns:p="http://schemas.openxmlformats.org/presentationml/2006/main" show="0">
   <p:cSld>
     <p:spTree>
@@ -4752,7 +6934,7 @@
 </p:sld>
 </file>
 
-<file path=ppt/slides/slide15.xml><?xml version="1.0" encoding="utf-8"?>
+<file path=ppt/slides/slide26.xml><?xml version="1.0" encoding="utf-8"?>
 <p:sld xmlns:a="http://schemas.openxmlformats.org/drawingml/2006/main" xmlns:r="http://schemas.openxmlformats.org/officeDocument/2006/relationships" xmlns:p="http://schemas.openxmlformats.org/presentationml/2006/main">
   <p:cSld>
     <p:spTree>
@@ -7964,7 +10146,7 @@
 </p:sld>
 </file>
 
-<file path=ppt/slides/slide16.xml><?xml version="1.0" encoding="utf-8"?>
+<file path=ppt/slides/slide27.xml><?xml version="1.0" encoding="utf-8"?>
 <p:sld xmlns:a="http://schemas.openxmlformats.org/drawingml/2006/main" xmlns:r="http://schemas.openxmlformats.org/officeDocument/2006/relationships" xmlns:p="http://schemas.openxmlformats.org/presentationml/2006/main">
   <p:cSld>
     <p:spTree>
@@ -8142,114 +10324,6 @@
       </p:par>
     </p:tnLst>
   </p:timing>
-</p:sld>
-</file>
-
-<file path=ppt/slides/slide2.xml><?xml version="1.0" encoding="utf-8"?>
-<p:sld xmlns:a="http://schemas.openxmlformats.org/drawingml/2006/main" xmlns:r="http://schemas.openxmlformats.org/officeDocument/2006/relationships" xmlns:p="http://schemas.openxmlformats.org/presentationml/2006/main">
-  <p:cSld>
-    <p:spTree>
-      <p:nvGrpSpPr>
-        <p:cNvPr id="1" name=""/>
-        <p:cNvGrpSpPr/>
-        <p:nvPr/>
-      </p:nvGrpSpPr>
-      <p:grpSpPr>
-        <a:xfrm>
-          <a:off x="0" y="0"/>
-          <a:ext cx="0" cy="0"/>
-          <a:chOff x="0" y="0"/>
-          <a:chExt cx="0" cy="0"/>
-        </a:xfrm>
-      </p:grpSpPr>
-      <p:sp>
-        <p:nvSpPr>
-          <p:cNvPr id="2" name="Title 1"/>
-          <p:cNvSpPr>
-            <a:spLocks noGrp="1"/>
-          </p:cNvSpPr>
-          <p:nvPr>
-            <p:ph type="title"/>
-          </p:nvPr>
-        </p:nvSpPr>
-        <p:spPr/>
-        <p:txBody>
-          <a:bodyPr/>
-          <a:lstStyle/>
-          <a:p>
-            <a:r>
-              <a:rPr lang="ru-RU" dirty="0" smtClean="0"/>
-              <a:t>Обобщенное программирование</a:t>
-            </a:r>
-            <a:endParaRPr lang="en-US" dirty="0"/>
-          </a:p>
-        </p:txBody>
-      </p:sp>
-      <p:sp>
-        <p:nvSpPr>
-          <p:cNvPr id="3" name="Content Placeholder 2"/>
-          <p:cNvSpPr>
-            <a:spLocks noGrp="1"/>
-          </p:cNvSpPr>
-          <p:nvPr>
-            <p:ph idx="1"/>
-          </p:nvPr>
-        </p:nvSpPr>
-        <p:spPr/>
-        <p:txBody>
-          <a:bodyPr>
-            <a:normAutofit/>
-          </a:bodyPr>
-          <a:lstStyle/>
-          <a:p>
-            <a:pPr marL="0" indent="0">
-              <a:buNone/>
-            </a:pPr>
-            <a:r>
-              <a:rPr lang="ru-RU" sz="2800" dirty="0" smtClean="0"/>
-              <a:t>Парадигма </a:t>
-            </a:r>
-            <a:r>
-              <a:rPr lang="ru-RU" sz="2800" dirty="0"/>
-              <a:t>программирования, заключающаяся в таком описании данных и алгоритмов, которое можно применять к различным типам данных, не меняя само это описание</a:t>
-            </a:r>
-            <a:r>
-              <a:rPr lang="ru-RU" sz="2800" dirty="0" smtClean="0"/>
-              <a:t>.</a:t>
-            </a:r>
-          </a:p>
-          <a:p>
-            <a:pPr marL="0" indent="0">
-              <a:buNone/>
-            </a:pPr>
-            <a:endParaRPr lang="ru-RU" sz="2800" dirty="0"/>
-          </a:p>
-          <a:p>
-            <a:pPr marL="0" indent="0">
-              <a:buNone/>
-            </a:pPr>
-            <a:r>
-              <a:rPr lang="ru-RU" sz="2800" dirty="0" smtClean="0"/>
-              <a:t>Поддерживается начиная с </a:t>
-            </a:r>
-            <a:r>
-              <a:rPr lang="en-US" sz="2800" dirty="0" smtClean="0"/>
-              <a:t>.NET 2.0</a:t>
-            </a:r>
-            <a:endParaRPr lang="en-US" sz="2800" dirty="0"/>
-          </a:p>
-        </p:txBody>
-      </p:sp>
-    </p:spTree>
-    <p:extLst>
-      <p:ext uri="{BB962C8B-B14F-4D97-AF65-F5344CB8AC3E}">
-        <p14:creationId xmlns:p14="http://schemas.microsoft.com/office/powerpoint/2010/main" val="4284391102"/>
-      </p:ext>
-    </p:extLst>
-  </p:cSld>
-  <p:clrMapOvr>
-    <a:masterClrMapping/>
-  </p:clrMapOvr>
 </p:sld>
 </file>
 
@@ -8517,7 +10591,7 @@
         <p:spPr>
           <a:xfrm>
             <a:off x="457200" y="1600201"/>
-            <a:ext cx="8229600" cy="1612776"/>
+            <a:ext cx="8229600" cy="1468759"/>
           </a:xfrm>
         </p:spPr>
         <p:txBody>
@@ -8543,8 +10617,8 @@
         </p:nvSpPr>
         <p:spPr>
           <a:xfrm>
-            <a:off x="457200" y="3344793"/>
-            <a:ext cx="7931224" cy="3108543"/>
+            <a:off x="457200" y="3068960"/>
+            <a:ext cx="8229600" cy="3539430"/>
           </a:xfrm>
           <a:prstGeom prst="rect">
             <a:avLst/>
@@ -8738,7 +10812,7 @@
               <a:t>Random</a:t>
             </a:r>
             <a:r>
-              <a:rPr lang="en-US" sz="1400" dirty="0">
+              <a:rPr lang="en-US" sz="1400" dirty="0" smtClean="0">
                 <a:solidFill>
                   <a:srgbClr val="000000"/>
                 </a:solidFill>
@@ -8748,6 +10822,46 @@
                 <a:latin typeface="Consolas"/>
               </a:rPr>
               <a:t>();</a:t>
+            </a:r>
+            <a:endParaRPr lang="ru-RU" sz="1400" dirty="0" smtClean="0">
+              <a:solidFill>
+                <a:srgbClr val="000000"/>
+              </a:solidFill>
+              <a:highlight>
+                <a:srgbClr val="FFFFFF"/>
+              </a:highlight>
+              <a:latin typeface="Consolas"/>
+            </a:endParaRPr>
+          </a:p>
+          <a:p>
+            <a:endParaRPr lang="ru-RU" sz="1400" dirty="0" smtClean="0">
+              <a:solidFill>
+                <a:srgbClr val="000000"/>
+              </a:solidFill>
+              <a:highlight>
+                <a:srgbClr val="FFFFFF"/>
+              </a:highlight>
+              <a:latin typeface="Consolas"/>
+            </a:endParaRPr>
+          </a:p>
+          <a:p>
+            <a:r>
+              <a:rPr lang="ru-RU" sz="1400" dirty="0" smtClean="0">
+                <a:solidFill>
+                  <a:srgbClr val="008000"/>
+                </a:solidFill>
+                <a:latin typeface="Consolas" panose="020B0609020204030204" pitchFamily="49" charset="0"/>
+              </a:rPr>
+              <a:t>    // </a:t>
+            </a:r>
+            <a:r>
+              <a:rPr lang="ru-RU" sz="1400" dirty="0">
+                <a:solidFill>
+                  <a:srgbClr val="008000"/>
+                </a:solidFill>
+                <a:latin typeface="Consolas" panose="020B0609020204030204" pitchFamily="49" charset="0"/>
+              </a:rPr>
+              <a:t>T - тип-параметр (псевдоним для неизвестного/любого типа)</a:t>
             </a:r>
             <a:endParaRPr lang="ru-RU" sz="1400" dirty="0">
               <a:solidFill>
@@ -9322,6 +11436,188 @@
 </file>
 
 <file path=ppt/slides/slide6.xml><?xml version="1.0" encoding="utf-8"?>
+<p:sld xmlns:a="http://schemas.openxmlformats.org/drawingml/2006/main" xmlns:r="http://schemas.openxmlformats.org/officeDocument/2006/relationships" xmlns:p="http://schemas.openxmlformats.org/presentationml/2006/main">
+  <p:cSld>
+    <p:spTree>
+      <p:nvGrpSpPr>
+        <p:cNvPr id="1" name=""/>
+        <p:cNvGrpSpPr/>
+        <p:nvPr/>
+      </p:nvGrpSpPr>
+      <p:grpSpPr>
+        <a:xfrm>
+          <a:off x="0" y="0"/>
+          <a:ext cx="0" cy="0"/>
+          <a:chOff x="0" y="0"/>
+          <a:chExt cx="0" cy="0"/>
+        </a:xfrm>
+      </p:grpSpPr>
+      <p:sp>
+        <p:nvSpPr>
+          <p:cNvPr id="2" name="Заголовок 1"/>
+          <p:cNvSpPr>
+            <a:spLocks noGrp="1"/>
+          </p:cNvSpPr>
+          <p:nvPr>
+            <p:ph type="title"/>
+          </p:nvPr>
+        </p:nvSpPr>
+        <p:spPr/>
+        <p:txBody>
+          <a:bodyPr>
+            <a:normAutofit fontScale="90000"/>
+          </a:bodyPr>
+          <a:lstStyle/>
+          <a:p>
+            <a:r>
+              <a:rPr lang="ru-RU" dirty="0" smtClean="0"/>
+              <a:t>Как можно использовать</a:t>
+            </a:r>
+            <a:br>
+              <a:rPr lang="ru-RU" dirty="0" smtClean="0"/>
+            </a:br>
+            <a:r>
+              <a:rPr lang="ru-RU" dirty="0" smtClean="0"/>
+              <a:t>тип-параметр метода?</a:t>
+            </a:r>
+            <a:endParaRPr lang="ru-RU" dirty="0"/>
+          </a:p>
+        </p:txBody>
+      </p:sp>
+      <p:sp>
+        <p:nvSpPr>
+          <p:cNvPr id="3" name="Объект 2"/>
+          <p:cNvSpPr>
+            <a:spLocks noGrp="1"/>
+          </p:cNvSpPr>
+          <p:nvPr>
+            <p:ph idx="1"/>
+          </p:nvPr>
+        </p:nvSpPr>
+        <p:spPr/>
+        <p:txBody>
+          <a:bodyPr>
+            <a:normAutofit fontScale="92500" lnSpcReduction="10000"/>
+          </a:bodyPr>
+          <a:lstStyle/>
+          <a:p>
+            <a:pPr marL="514350" indent="-514350">
+              <a:buFont typeface="+mj-lt"/>
+              <a:buAutoNum type="arabicPeriod"/>
+            </a:pPr>
+            <a:r>
+              <a:rPr lang="ru-RU" dirty="0"/>
+              <a:t>Параметр </a:t>
+            </a:r>
+            <a:r>
+              <a:rPr lang="ru-RU" dirty="0" smtClean="0"/>
+              <a:t>метода</a:t>
+            </a:r>
+          </a:p>
+          <a:p>
+            <a:pPr marL="514350" indent="-514350">
+              <a:buFont typeface="+mj-lt"/>
+              <a:buAutoNum type="arabicPeriod"/>
+            </a:pPr>
+            <a:r>
+              <a:rPr lang="ru-RU" dirty="0"/>
+              <a:t>Возвращаемое значение </a:t>
+            </a:r>
+            <a:r>
+              <a:rPr lang="ru-RU" dirty="0" smtClean="0"/>
+              <a:t>метода</a:t>
+            </a:r>
+          </a:p>
+          <a:p>
+            <a:pPr marL="514350" indent="-514350">
+              <a:buFont typeface="+mj-lt"/>
+              <a:buAutoNum type="arabicPeriod"/>
+            </a:pPr>
+            <a:r>
+              <a:rPr lang="ru-RU" dirty="0" smtClean="0"/>
+              <a:t>Локальная переменная</a:t>
+            </a:r>
+          </a:p>
+          <a:p>
+            <a:pPr marL="514350" indent="-514350">
+              <a:buFont typeface="+mj-lt"/>
+              <a:buAutoNum type="arabicPeriod"/>
+            </a:pPr>
+            <a:r>
+              <a:rPr lang="ru-RU" dirty="0" smtClean="0"/>
+              <a:t>Можно объявить и создать массив</a:t>
+            </a:r>
+          </a:p>
+          <a:p>
+            <a:pPr marL="514350" indent="-514350">
+              <a:buFont typeface="+mj-lt"/>
+              <a:buAutoNum type="arabicPeriod"/>
+            </a:pPr>
+            <a:r>
+              <a:rPr lang="ru-RU" dirty="0" smtClean="0"/>
+              <a:t>Можно присваивать значения</a:t>
+            </a:r>
+          </a:p>
+          <a:p>
+            <a:pPr marL="514350" indent="-514350">
+              <a:buFont typeface="+mj-lt"/>
+              <a:buAutoNum type="arabicPeriod"/>
+            </a:pPr>
+            <a:r>
+              <a:rPr lang="ru-RU" dirty="0" smtClean="0"/>
+              <a:t>Можно использовать значение по умолчанию (ключевое слово </a:t>
+            </a:r>
+            <a:r>
+              <a:rPr lang="en-US" dirty="0" smtClean="0"/>
+              <a:t>default)</a:t>
+            </a:r>
+          </a:p>
+          <a:p>
+            <a:pPr marL="514350" indent="-514350">
+              <a:buFont typeface="+mj-lt"/>
+              <a:buAutoNum type="arabicPeriod"/>
+            </a:pPr>
+            <a:r>
+              <a:rPr lang="ru-RU" dirty="0" smtClean="0"/>
+              <a:t>Можно вызывать </a:t>
+            </a:r>
+            <a:r>
+              <a:rPr lang="ru-RU" dirty="0" err="1" smtClean="0"/>
+              <a:t>экземплярные</a:t>
+            </a:r>
+            <a:r>
+              <a:rPr lang="ru-RU" dirty="0" smtClean="0"/>
+              <a:t> методы класса </a:t>
+            </a:r>
+            <a:r>
+              <a:rPr lang="en-US" dirty="0" smtClean="0"/>
+              <a:t>Object</a:t>
+            </a:r>
+            <a:endParaRPr lang="ru-RU" dirty="0" smtClean="0"/>
+          </a:p>
+          <a:p>
+            <a:pPr marL="514350" indent="-514350">
+              <a:buFont typeface="+mj-lt"/>
+              <a:buAutoNum type="arabicPeriod"/>
+            </a:pPr>
+            <a:endParaRPr lang="ru-RU" dirty="0"/>
+          </a:p>
+        </p:txBody>
+      </p:sp>
+    </p:spTree>
+    <p:extLst>
+      <p:ext uri="{BB962C8B-B14F-4D97-AF65-F5344CB8AC3E}">
+        <p14:creationId xmlns:p14="http://schemas.microsoft.com/office/powerpoint/2010/main" val="4131979913"/>
+      </p:ext>
+    </p:extLst>
+  </p:cSld>
+  <p:clrMapOvr>
+    <a:masterClrMapping/>
+  </p:clrMapOvr>
+</p:sld>
+</file>
+
+<file path=ppt/slides/slide7.xml><?xml version="1.0" encoding="utf-8"?>
 <p:sld xmlns:a="http://schemas.openxmlformats.org/drawingml/2006/main" xmlns:r="http://schemas.openxmlformats.org/officeDocument/2006/relationships" xmlns:p="http://schemas.openxmlformats.org/presentationml/2006/main">
   <p:cSld>
     <p:spTree>
@@ -10565,7 +12861,7 @@
 </p:sld>
 </file>
 
-<file path=ppt/slides/slide7.xml><?xml version="1.0" encoding="utf-8"?>
+<file path=ppt/slides/slide8.xml><?xml version="1.0" encoding="utf-8"?>
 <p:sld xmlns:a="http://schemas.openxmlformats.org/drawingml/2006/main" xmlns:r="http://schemas.openxmlformats.org/officeDocument/2006/relationships" xmlns:p="http://schemas.openxmlformats.org/presentationml/2006/main">
   <p:cSld>
     <p:spTree>
@@ -10626,7 +12922,7 @@
         <p:spPr/>
         <p:txBody>
           <a:bodyPr>
-            <a:normAutofit fontScale="85000" lnSpcReduction="20000"/>
+            <a:normAutofit fontScale="70000" lnSpcReduction="20000"/>
           </a:bodyPr>
           <a:lstStyle/>
           <a:p>
@@ -10639,7 +12935,7 @@
             <a:pPr lvl="1"/>
             <a:r>
               <a:rPr lang="en-US" dirty="0" smtClean="0"/>
-              <a:t>class Demo&lt;T&gt; where T : </a:t>
+              <a:t>where T : </a:t>
             </a:r>
             <a:r>
               <a:rPr lang="en-US" dirty="0" err="1" smtClean="0"/>
@@ -10654,6 +12950,20 @@
           <a:p>
             <a:r>
               <a:rPr lang="ru-RU" dirty="0" smtClean="0"/>
+              <a:t>Базовый тип на основе другого тип аргумента</a:t>
+            </a:r>
+          </a:p>
+          <a:p>
+            <a:pPr lvl="1"/>
+            <a:r>
+              <a:rPr lang="en-US" dirty="0" smtClean="0"/>
+              <a:t>where T : U</a:t>
+            </a:r>
+            <a:endParaRPr lang="ru-RU" dirty="0" smtClean="0"/>
+          </a:p>
+          <a:p>
+            <a:r>
+              <a:rPr lang="ru-RU" dirty="0" smtClean="0"/>
               <a:t>Интерфейс(ы)</a:t>
             </a:r>
             <a:endParaRPr lang="en-US" dirty="0" smtClean="0"/>
@@ -10661,8 +12971,12 @@
           <a:p>
             <a:pPr lvl="1"/>
             <a:r>
+              <a:rPr lang="en-US" dirty="0" smtClean="0"/>
+              <a:t>where </a:t>
+            </a:r>
+            <a:r>
               <a:rPr lang="en-US" dirty="0"/>
-              <a:t>class Demo&lt;T&gt; where T : </a:t>
+              <a:t>T : </a:t>
             </a:r>
             <a:r>
               <a:rPr lang="en-US" dirty="0" err="1" smtClean="0"/>
@@ -10684,8 +12998,12 @@
           <a:p>
             <a:pPr lvl="1"/>
             <a:r>
+              <a:rPr lang="en-US" dirty="0" smtClean="0"/>
+              <a:t>where </a:t>
+            </a:r>
+            <a:r>
               <a:rPr lang="en-US" dirty="0"/>
-              <a:t>class Demo&lt;T&gt; where T : </a:t>
+              <a:t>T : </a:t>
             </a:r>
             <a:r>
               <a:rPr lang="en-US" dirty="0" smtClean="0"/>
@@ -10707,8 +13025,12 @@
           <a:p>
             <a:pPr lvl="1"/>
             <a:r>
+              <a:rPr lang="en-US" dirty="0" smtClean="0"/>
+              <a:t>where </a:t>
+            </a:r>
+            <a:r>
               <a:rPr lang="en-US" dirty="0"/>
-              <a:t>class Demo&lt;T&gt; where T : </a:t>
+              <a:t>T : </a:t>
             </a:r>
             <a:r>
               <a:rPr lang="en-US" dirty="0" smtClean="0"/>
@@ -10726,8 +13048,12 @@
           <a:p>
             <a:pPr lvl="1"/>
             <a:r>
+              <a:rPr lang="en-US" dirty="0" smtClean="0"/>
+              <a:t>where </a:t>
+            </a:r>
+            <a:r>
               <a:rPr lang="en-US" dirty="0"/>
-              <a:t>class Demo&lt;T&gt; where T : </a:t>
+              <a:t>T : </a:t>
             </a:r>
             <a:r>
               <a:rPr lang="en-US" dirty="0" err="1" smtClean="0"/>
@@ -10738,21 +13064,25 @@
           <a:p>
             <a:r>
               <a:rPr lang="ru-RU" dirty="0" smtClean="0"/>
-              <a:t>Конструктор без аргументов</a:t>
+              <a:t>Конструктор по умолчанию (конструктор без аргументов)</a:t>
             </a:r>
             <a:endParaRPr lang="en-US" dirty="0" smtClean="0"/>
           </a:p>
           <a:p>
             <a:pPr lvl="1"/>
             <a:r>
+              <a:rPr lang="en-US" dirty="0" smtClean="0"/>
+              <a:t>where </a:t>
+            </a:r>
+            <a:r>
               <a:rPr lang="en-US" dirty="0"/>
-              <a:t>class Demo&lt;T&gt; where T : </a:t>
+              <a:t>T : </a:t>
             </a:r>
             <a:r>
               <a:rPr lang="en-US" dirty="0" smtClean="0"/>
               <a:t>new()</a:t>
             </a:r>
-            <a:endParaRPr lang="en-US" dirty="0"/>
+            <a:endParaRPr lang="ru-RU" dirty="0" smtClean="0"/>
           </a:p>
         </p:txBody>
       </p:sp>
@@ -10760,129 +13090,6 @@
     <p:extLst>
       <p:ext uri="{BB962C8B-B14F-4D97-AF65-F5344CB8AC3E}">
         <p14:creationId xmlns:p14="http://schemas.microsoft.com/office/powerpoint/2010/main" val="3740427647"/>
-      </p:ext>
-    </p:extLst>
-  </p:cSld>
-  <p:clrMapOvr>
-    <a:masterClrMapping/>
-  </p:clrMapOvr>
-</p:sld>
-</file>
-
-<file path=ppt/slides/slide8.xml><?xml version="1.0" encoding="utf-8"?>
-<p:sld xmlns:a="http://schemas.openxmlformats.org/drawingml/2006/main" xmlns:r="http://schemas.openxmlformats.org/officeDocument/2006/relationships" xmlns:p="http://schemas.openxmlformats.org/presentationml/2006/main">
-  <p:cSld>
-    <p:spTree>
-      <p:nvGrpSpPr>
-        <p:cNvPr id="1" name=""/>
-        <p:cNvGrpSpPr/>
-        <p:nvPr/>
-      </p:nvGrpSpPr>
-      <p:grpSpPr>
-        <a:xfrm>
-          <a:off x="0" y="0"/>
-          <a:ext cx="0" cy="0"/>
-          <a:chOff x="0" y="0"/>
-          <a:chExt cx="0" cy="0"/>
-        </a:xfrm>
-      </p:grpSpPr>
-      <p:sp>
-        <p:nvSpPr>
-          <p:cNvPr id="2" name="Title 1"/>
-          <p:cNvSpPr>
-            <a:spLocks noGrp="1"/>
-          </p:cNvSpPr>
-          <p:nvPr>
-            <p:ph type="title"/>
-          </p:nvPr>
-        </p:nvSpPr>
-        <p:spPr/>
-        <p:txBody>
-          <a:bodyPr>
-            <a:normAutofit fontScale="90000"/>
-          </a:bodyPr>
-          <a:lstStyle/>
-          <a:p>
-            <a:r>
-              <a:rPr lang="ru-RU" dirty="0" smtClean="0"/>
-              <a:t>Ограничения для нескольких параметров</a:t>
-            </a:r>
-            <a:endParaRPr lang="en-US" dirty="0"/>
-          </a:p>
-        </p:txBody>
-      </p:sp>
-      <p:sp>
-        <p:nvSpPr>
-          <p:cNvPr id="3" name="Content Placeholder 2"/>
-          <p:cNvSpPr>
-            <a:spLocks noGrp="1"/>
-          </p:cNvSpPr>
-          <p:nvPr>
-            <p:ph idx="1"/>
-          </p:nvPr>
-        </p:nvSpPr>
-        <p:spPr/>
-        <p:txBody>
-          <a:bodyPr/>
-          <a:lstStyle/>
-          <a:p>
-            <a:pPr marL="0" indent="0">
-              <a:buNone/>
-            </a:pPr>
-            <a:r>
-              <a:rPr lang="en-US" dirty="0"/>
-              <a:t>c</a:t>
-            </a:r>
-            <a:r>
-              <a:rPr lang="en-US" dirty="0" smtClean="0"/>
-              <a:t>lass Test&lt;T,U&gt;</a:t>
-            </a:r>
-            <a:br>
-              <a:rPr lang="en-US" dirty="0" smtClean="0"/>
-            </a:br>
-            <a:r>
-              <a:rPr lang="en-US" dirty="0" smtClean="0"/>
-              <a:t>     where T : Base</a:t>
-            </a:r>
-          </a:p>
-          <a:p>
-            <a:pPr marL="0" indent="0">
-              <a:buNone/>
-            </a:pPr>
-            <a:r>
-              <a:rPr lang="en-US" dirty="0"/>
-              <a:t> </a:t>
-            </a:r>
-            <a:r>
-              <a:rPr lang="en-US" dirty="0" smtClean="0"/>
-              <a:t>    where U : new()</a:t>
-            </a:r>
-          </a:p>
-          <a:p>
-            <a:pPr marL="0" indent="0">
-              <a:buNone/>
-            </a:pPr>
-            <a:r>
-              <a:rPr lang="en-US" dirty="0" smtClean="0"/>
-              <a:t>{</a:t>
-            </a:r>
-          </a:p>
-          <a:p>
-            <a:pPr marL="0" indent="0">
-              <a:buNone/>
-            </a:pPr>
-            <a:r>
-              <a:rPr lang="en-US" dirty="0"/>
-              <a:t>}</a:t>
-            </a:r>
-            <a:endParaRPr lang="en-US" dirty="0" smtClean="0"/>
-          </a:p>
-        </p:txBody>
-      </p:sp>
-    </p:spTree>
-    <p:extLst>
-      <p:ext uri="{BB962C8B-B14F-4D97-AF65-F5344CB8AC3E}">
-        <p14:creationId xmlns:p14="http://schemas.microsoft.com/office/powerpoint/2010/main" val="1017108803"/>
       </p:ext>
     </p:extLst>
   </p:cSld>
@@ -10911,7 +13118,7 @@
       </p:grpSpPr>
       <p:sp>
         <p:nvSpPr>
-          <p:cNvPr id="2" name="Title 1"/>
+          <p:cNvPr id="2" name="Заголовок 1"/>
           <p:cNvSpPr>
             <a:spLocks noGrp="1"/>
           </p:cNvSpPr>
@@ -10921,30 +13128,20 @@
         </p:nvSpPr>
         <p:spPr/>
         <p:txBody>
-          <a:bodyPr>
-            <a:normAutofit fontScale="90000"/>
-          </a:bodyPr>
+          <a:bodyPr/>
           <a:lstStyle/>
           <a:p>
             <a:r>
               <a:rPr lang="ru-RU" dirty="0" smtClean="0"/>
-              <a:t>Тип-параметры без ограничений (</a:t>
-            </a:r>
-            <a:r>
-              <a:rPr lang="en-US" dirty="0" smtClean="0"/>
-              <a:t>unbounded type parameters</a:t>
-            </a:r>
-            <a:r>
-              <a:rPr lang="ru-RU" dirty="0" smtClean="0"/>
-              <a:t>)</a:t>
-            </a:r>
-            <a:endParaRPr lang="en-US" dirty="0"/>
+              <a:t>Ограничение по базовому классу</a:t>
+            </a:r>
+            <a:endParaRPr lang="ru-RU" dirty="0"/>
           </a:p>
         </p:txBody>
       </p:sp>
       <p:sp>
         <p:nvSpPr>
-          <p:cNvPr id="3" name="Content Placeholder 2"/>
+          <p:cNvPr id="3" name="Объект 2"/>
           <p:cNvSpPr>
             <a:spLocks noGrp="1"/>
           </p:cNvSpPr>
@@ -10959,52 +13156,30 @@
           <a:p>
             <a:r>
               <a:rPr lang="ru-RU" dirty="0" smtClean="0"/>
-              <a:t>Нельзя сравнивать с помощью ==, != т.к. нет гарантии что тип их поддерживает</a:t>
+              <a:t>Может быть только одно</a:t>
             </a:r>
           </a:p>
           <a:p>
             <a:r>
               <a:rPr lang="ru-RU" dirty="0" smtClean="0"/>
-              <a:t>Можно приводить к типу </a:t>
-            </a:r>
-            <a:r>
-              <a:rPr lang="en-US" dirty="0" smtClean="0"/>
-              <a:t>object</a:t>
+              <a:t>Если используется совместно с ограничением по интерфейсу(</a:t>
+            </a:r>
+            <a:r>
+              <a:rPr lang="ru-RU" dirty="0" err="1" smtClean="0"/>
+              <a:t>ам</a:t>
             </a:r>
             <a:r>
               <a:rPr lang="ru-RU" dirty="0" smtClean="0"/>
-              <a:t> или выполнять явное приведение к интерфейсу</a:t>
-            </a:r>
-          </a:p>
-          <a:p>
-            <a:r>
-              <a:rPr lang="ru-RU" dirty="0" smtClean="0"/>
-              <a:t>Можно сравнивать с </a:t>
-            </a:r>
-            <a:r>
-              <a:rPr lang="en-US" dirty="0" smtClean="0"/>
-              <a:t>null. </a:t>
-            </a:r>
-            <a:r>
-              <a:rPr lang="ru-RU" dirty="0" smtClean="0"/>
-              <a:t>Если тип аргумент является значимым, то условие всегда возвращает </a:t>
-            </a:r>
-            <a:r>
-              <a:rPr lang="en-US" dirty="0" smtClean="0"/>
-              <a:t>false</a:t>
-            </a:r>
-            <a:r>
-              <a:rPr lang="ru-RU" dirty="0" smtClean="0"/>
-              <a:t> </a:t>
-            </a:r>
-            <a:endParaRPr lang="en-US" dirty="0"/>
+              <a:t>), то сначала нужно указать имя класса, а затем интерфейс(ы)</a:t>
+            </a:r>
+            <a:endParaRPr lang="ru-RU" dirty="0"/>
           </a:p>
         </p:txBody>
       </p:sp>
     </p:spTree>
     <p:extLst>
       <p:ext uri="{BB962C8B-B14F-4D97-AF65-F5344CB8AC3E}">
-        <p14:creationId xmlns:p14="http://schemas.microsoft.com/office/powerpoint/2010/main" val="949903232"/>
+        <p14:creationId xmlns:p14="http://schemas.microsoft.com/office/powerpoint/2010/main" val="259039848"/>
       </p:ext>
     </p:extLst>
   </p:cSld>

--- a/Presentation/lesson-02-generics.pptx
+++ b/Presentation/lesson-02-generics.pptx
@@ -5,7 +5,7 @@
     <p:sldMasterId id="2147483648" r:id="rId1"/>
   </p:sldMasterIdLst>
   <p:notesMasterIdLst>
-    <p:notesMasterId r:id="rId29"/>
+    <p:notesMasterId r:id="rId30"/>
   </p:notesMasterIdLst>
   <p:sldIdLst>
     <p:sldId id="257" r:id="rId2"/>
@@ -16,25 +16,26 @@
     <p:sldId id="273" r:id="rId7"/>
     <p:sldId id="270" r:id="rId8"/>
     <p:sldId id="259" r:id="rId9"/>
-    <p:sldId id="274" r:id="rId10"/>
-    <p:sldId id="275" r:id="rId11"/>
-    <p:sldId id="279" r:id="rId12"/>
-    <p:sldId id="281" r:id="rId13"/>
-    <p:sldId id="282" r:id="rId14"/>
-    <p:sldId id="265" r:id="rId15"/>
-    <p:sldId id="266" r:id="rId16"/>
-    <p:sldId id="264" r:id="rId17"/>
-    <p:sldId id="283" r:id="rId18"/>
-    <p:sldId id="276" r:id="rId19"/>
-    <p:sldId id="269" r:id="rId20"/>
-    <p:sldId id="272" r:id="rId21"/>
-    <p:sldId id="277" r:id="rId22"/>
-    <p:sldId id="278" r:id="rId23"/>
-    <p:sldId id="262" r:id="rId24"/>
-    <p:sldId id="280" r:id="rId25"/>
-    <p:sldId id="263" r:id="rId26"/>
-    <p:sldId id="268" r:id="rId27"/>
-    <p:sldId id="271" r:id="rId28"/>
+    <p:sldId id="284" r:id="rId10"/>
+    <p:sldId id="274" r:id="rId11"/>
+    <p:sldId id="275" r:id="rId12"/>
+    <p:sldId id="279" r:id="rId13"/>
+    <p:sldId id="281" r:id="rId14"/>
+    <p:sldId id="282" r:id="rId15"/>
+    <p:sldId id="265" r:id="rId16"/>
+    <p:sldId id="266" r:id="rId17"/>
+    <p:sldId id="264" r:id="rId18"/>
+    <p:sldId id="283" r:id="rId19"/>
+    <p:sldId id="276" r:id="rId20"/>
+    <p:sldId id="269" r:id="rId21"/>
+    <p:sldId id="272" r:id="rId22"/>
+    <p:sldId id="277" r:id="rId23"/>
+    <p:sldId id="278" r:id="rId24"/>
+    <p:sldId id="262" r:id="rId25"/>
+    <p:sldId id="280" r:id="rId26"/>
+    <p:sldId id="263" r:id="rId27"/>
+    <p:sldId id="268" r:id="rId28"/>
+    <p:sldId id="271" r:id="rId29"/>
   </p:sldIdLst>
   <p:sldSz cx="9144000" cy="6858000" type="screen4x3"/>
   <p:notesSz cx="6858000" cy="9144000"/>
@@ -154,6 +155,7 @@
         <p14:section name="Ограничения (constraints)" id="{F07E59E2-9431-41E4-8065-CCDDE8BA37E7}">
           <p14:sldIdLst>
             <p14:sldId id="259"/>
+            <p14:sldId id="284"/>
             <p14:sldId id="274"/>
             <p14:sldId id="275"/>
             <p14:sldId id="279"/>
@@ -305,7 +307,7 @@
           <a:p>
             <a:fld id="{B24A7054-7FFB-49F4-A126-5DF6E687FF53}" type="datetimeFigureOut">
               <a:rPr lang="ru-RU" smtClean="0"/>
-              <a:t>20.02.2018</a:t>
+              <a:t>11.06.2018</a:t>
             </a:fld>
             <a:endParaRPr lang="ru-RU"/>
           </a:p>
@@ -1587,7 +1589,7 @@
           <a:p>
             <a:fld id="{8E6E6A2A-E9D3-4A0D-B04A-ABDD367A1E08}" type="datetimeFigureOut">
               <a:rPr lang="ru-RU" smtClean="0"/>
-              <a:t>20.02.2018</a:t>
+              <a:t>11.06.2018</a:t>
             </a:fld>
             <a:endParaRPr lang="ru-RU"/>
           </a:p>
@@ -3032,7 +3034,7 @@
           <a:p>
             <a:fld id="{AC3D3127-B7C4-45E3-9797-C527EC9FDD78}" type="datetimeFigureOut">
               <a:rPr lang="ru-RU" smtClean="0"/>
-              <a:t>20.02.2018</a:t>
+              <a:t>11.06.2018</a:t>
             </a:fld>
             <a:endParaRPr lang="ru-RU"/>
           </a:p>
@@ -3644,15 +3646,7 @@
           <a:p>
             <a:r>
               <a:rPr lang="ru-RU" dirty="0" smtClean="0"/>
-              <a:t>Ограничение по интерфейсу(</a:t>
-            </a:r>
-            <a:r>
-              <a:rPr lang="ru-RU" dirty="0" err="1" smtClean="0"/>
-              <a:t>ам</a:t>
-            </a:r>
-            <a:r>
-              <a:rPr lang="ru-RU" dirty="0" smtClean="0"/>
-              <a:t>)</a:t>
+              <a:t>Ограничение по базовому классу</a:t>
             </a:r>
             <a:endParaRPr lang="ru-RU" dirty="0"/>
           </a:p>
@@ -3675,29 +3669,30 @@
           <a:p>
             <a:r>
               <a:rPr lang="ru-RU" dirty="0" smtClean="0"/>
-              <a:t>Можно указать несколько интерфейсов. В этом случае в качестве тип-аргумента могут являться только типы реализующие все перечисленные интерфейсы</a:t>
-            </a:r>
-          </a:p>
-          <a:p>
-            <a:r>
-              <a:rPr lang="ru-RU" dirty="0"/>
-              <a:t>Если используется совместно с ограничением по </a:t>
-            </a:r>
+              <a:t>Может быть только одно</a:t>
+            </a:r>
+          </a:p>
+          <a:p>
             <a:r>
               <a:rPr lang="ru-RU" dirty="0" smtClean="0"/>
-              <a:t>базовому классу, </a:t>
-            </a:r>
-            <a:r>
-              <a:rPr lang="ru-RU" dirty="0"/>
-              <a:t>то сначала нужно указать имя класса, а затем интерфейс(ы)</a:t>
-            </a:r>
+              <a:t>Если используется совместно с ограничением по интерфейсу(</a:t>
+            </a:r>
+            <a:r>
+              <a:rPr lang="ru-RU" dirty="0" err="1" smtClean="0"/>
+              <a:t>ам</a:t>
+            </a:r>
+            <a:r>
+              <a:rPr lang="ru-RU" dirty="0" smtClean="0"/>
+              <a:t>), то сначала нужно указать имя класса, а затем интерфейс(ы)</a:t>
+            </a:r>
+            <a:endParaRPr lang="ru-RU" dirty="0"/>
           </a:p>
         </p:txBody>
       </p:sp>
     </p:spTree>
     <p:extLst>
       <p:ext uri="{BB962C8B-B14F-4D97-AF65-F5344CB8AC3E}">
-        <p14:creationId xmlns:p14="http://schemas.microsoft.com/office/powerpoint/2010/main" val="1724395820"/>
+        <p14:creationId xmlns:p14="http://schemas.microsoft.com/office/powerpoint/2010/main" val="259039848"/>
       </p:ext>
     </p:extLst>
   </p:cSld>
@@ -3741,7 +3736,15 @@
           <a:p>
             <a:r>
               <a:rPr lang="ru-RU" dirty="0" smtClean="0"/>
-              <a:t>Ограничение на ссылочный тип</a:t>
+              <a:t>Ограничение по интерфейсу(</a:t>
+            </a:r>
+            <a:r>
+              <a:rPr lang="ru-RU" dirty="0" err="1" smtClean="0"/>
+              <a:t>ам</a:t>
+            </a:r>
+            <a:r>
+              <a:rPr lang="ru-RU" dirty="0" smtClean="0"/>
+              <a:t>)</a:t>
             </a:r>
             <a:endParaRPr lang="ru-RU" dirty="0"/>
           </a:p>
@@ -3764,16 +3767,29 @@
           <a:p>
             <a:r>
               <a:rPr lang="ru-RU" dirty="0" smtClean="0"/>
-              <a:t>Избегайте использования операторов ==, != т.к. они будут сравнивать только равенство ссылок, даже если в типе перегружены операторы сравнения.</a:t>
-            </a:r>
-            <a:endParaRPr lang="ru-RU" dirty="0"/>
+              <a:t>Можно указать несколько интерфейсов. В этом случае в качестве тип-аргумента могут являться только типы реализующие все перечисленные интерфейсы</a:t>
+            </a:r>
+          </a:p>
+          <a:p>
+            <a:r>
+              <a:rPr lang="ru-RU" dirty="0"/>
+              <a:t>Если используется совместно с ограничением по </a:t>
+            </a:r>
+            <a:r>
+              <a:rPr lang="ru-RU" dirty="0" smtClean="0"/>
+              <a:t>базовому классу, </a:t>
+            </a:r>
+            <a:r>
+              <a:rPr lang="ru-RU" dirty="0"/>
+              <a:t>то сначала нужно указать имя класса, а затем интерфейс(ы)</a:t>
+            </a:r>
           </a:p>
         </p:txBody>
       </p:sp>
     </p:spTree>
     <p:extLst>
       <p:ext uri="{BB962C8B-B14F-4D97-AF65-F5344CB8AC3E}">
-        <p14:creationId xmlns:p14="http://schemas.microsoft.com/office/powerpoint/2010/main" val="2185390178"/>
+        <p14:creationId xmlns:p14="http://schemas.microsoft.com/office/powerpoint/2010/main" val="1724395820"/>
       </p:ext>
     </p:extLst>
   </p:cSld>
@@ -3817,7 +3833,7 @@
           <a:p>
             <a:r>
               <a:rPr lang="ru-RU" dirty="0" smtClean="0"/>
-              <a:t>Ограничение на значимый тип</a:t>
+              <a:t>Ограничение на ссылочный тип</a:t>
             </a:r>
             <a:endParaRPr lang="ru-RU" dirty="0"/>
           </a:p>
@@ -3840,15 +3856,7 @@
           <a:p>
             <a:r>
               <a:rPr lang="ru-RU" dirty="0" smtClean="0"/>
-              <a:t>Позволяет использовать любой значимый тип, кроме </a:t>
-            </a:r>
-            <a:r>
-              <a:rPr lang="en-US" dirty="0" err="1" smtClean="0"/>
-              <a:t>Nullable</a:t>
-            </a:r>
-            <a:r>
-              <a:rPr lang="en-US" dirty="0" smtClean="0"/>
-              <a:t>&lt;T&gt;</a:t>
+              <a:t>Избегайте использования операторов ==, != т.к. они будут сравнивать только равенство ссылок, даже если в типе перегружены операторы сравнения.</a:t>
             </a:r>
             <a:endParaRPr lang="ru-RU" dirty="0"/>
           </a:p>
@@ -3857,7 +3865,7 @@
     </p:spTree>
     <p:extLst>
       <p:ext uri="{BB962C8B-B14F-4D97-AF65-F5344CB8AC3E}">
-        <p14:creationId xmlns:p14="http://schemas.microsoft.com/office/powerpoint/2010/main" val="4240849240"/>
+        <p14:creationId xmlns:p14="http://schemas.microsoft.com/office/powerpoint/2010/main" val="2185390178"/>
       </p:ext>
     </p:extLst>
   </p:cSld>
@@ -3896,14 +3904,12 @@
         </p:nvSpPr>
         <p:spPr/>
         <p:txBody>
-          <a:bodyPr>
-            <a:normAutofit fontScale="90000"/>
-          </a:bodyPr>
+          <a:bodyPr/>
           <a:lstStyle/>
           <a:p>
             <a:r>
               <a:rPr lang="ru-RU" dirty="0" smtClean="0"/>
-              <a:t>Ограничение на конструктор по умолчанию</a:t>
+              <a:t>Ограничение на значимый тип</a:t>
             </a:r>
             <a:endParaRPr lang="ru-RU" dirty="0"/>
           </a:p>
@@ -3926,7 +3932,15 @@
           <a:p>
             <a:r>
               <a:rPr lang="ru-RU" dirty="0" smtClean="0"/>
-              <a:t>Должно указываться последним</a:t>
+              <a:t>Позволяет использовать любой значимый тип, кроме </a:t>
+            </a:r>
+            <a:r>
+              <a:rPr lang="en-US" dirty="0" err="1" smtClean="0"/>
+              <a:t>Nullable</a:t>
+            </a:r>
+            <a:r>
+              <a:rPr lang="en-US" dirty="0" smtClean="0"/>
+              <a:t>&lt;T&gt;</a:t>
             </a:r>
             <a:endParaRPr lang="ru-RU" dirty="0"/>
           </a:p>
@@ -3935,7 +3949,7 @@
     </p:spTree>
     <p:extLst>
       <p:ext uri="{BB962C8B-B14F-4D97-AF65-F5344CB8AC3E}">
-        <p14:creationId xmlns:p14="http://schemas.microsoft.com/office/powerpoint/2010/main" val="140548591"/>
+        <p14:creationId xmlns:p14="http://schemas.microsoft.com/office/powerpoint/2010/main" val="4240849240"/>
       </p:ext>
     </p:extLst>
   </p:cSld>
@@ -3964,7 +3978,7 @@
       </p:grpSpPr>
       <p:sp>
         <p:nvSpPr>
-          <p:cNvPr id="2" name="Title 1"/>
+          <p:cNvPr id="2" name="Заголовок 1"/>
           <p:cNvSpPr>
             <a:spLocks noGrp="1"/>
           </p:cNvSpPr>
@@ -3981,15 +3995,15 @@
           <a:p>
             <a:r>
               <a:rPr lang="ru-RU" dirty="0" smtClean="0"/>
-              <a:t>Ограничения для нескольких параметров</a:t>
-            </a:r>
-            <a:endParaRPr lang="en-US" dirty="0"/>
+              <a:t>Ограничение на конструктор по умолчанию</a:t>
+            </a:r>
+            <a:endParaRPr lang="ru-RU" dirty="0"/>
           </a:p>
         </p:txBody>
       </p:sp>
       <p:sp>
         <p:nvSpPr>
-          <p:cNvPr id="3" name="Content Placeholder 2"/>
+          <p:cNvPr id="3" name="Объект 2"/>
           <p:cNvSpPr>
             <a:spLocks noGrp="1"/>
           </p:cNvSpPr>
@@ -4002,63 +4016,18 @@
           <a:bodyPr/>
           <a:lstStyle/>
           <a:p>
-            <a:pPr marL="0" indent="0">
-              <a:buNone/>
-            </a:pPr>
-            <a:r>
-              <a:rPr lang="en-US" dirty="0"/>
-              <a:t>c</a:t>
-            </a:r>
-            <a:r>
-              <a:rPr lang="en-US" dirty="0" smtClean="0"/>
-              <a:t>lass Test&lt;T,U&gt;</a:t>
-            </a:r>
-            <a:br>
-              <a:rPr lang="en-US" dirty="0" smtClean="0"/>
-            </a:br>
-            <a:r>
-              <a:rPr lang="en-US" dirty="0" smtClean="0"/>
-              <a:t>     where T : Base</a:t>
-            </a:r>
-          </a:p>
-          <a:p>
-            <a:pPr marL="0" indent="0">
-              <a:buNone/>
-            </a:pPr>
-            <a:r>
-              <a:rPr lang="en-US" dirty="0"/>
-              <a:t> </a:t>
-            </a:r>
-            <a:r>
-              <a:rPr lang="en-US" dirty="0" smtClean="0"/>
-              <a:t>    where U : new()</a:t>
-            </a:r>
-          </a:p>
-          <a:p>
-            <a:pPr marL="0" indent="0">
-              <a:buNone/>
-            </a:pPr>
-            <a:r>
-              <a:rPr lang="en-US" dirty="0" smtClean="0"/>
-              <a:t>{</a:t>
-            </a:r>
-          </a:p>
-          <a:p>
-            <a:pPr marL="0" indent="0">
-              <a:buNone/>
-            </a:pPr>
-            <a:r>
-              <a:rPr lang="en-US" dirty="0"/>
-              <a:t>}</a:t>
-            </a:r>
-            <a:endParaRPr lang="en-US" dirty="0" smtClean="0"/>
+            <a:r>
+              <a:rPr lang="ru-RU" dirty="0" smtClean="0"/>
+              <a:t>Должно указываться последним</a:t>
+            </a:r>
+            <a:endParaRPr lang="ru-RU" dirty="0"/>
           </a:p>
         </p:txBody>
       </p:sp>
     </p:spTree>
     <p:extLst>
       <p:ext uri="{BB962C8B-B14F-4D97-AF65-F5344CB8AC3E}">
-        <p14:creationId xmlns:p14="http://schemas.microsoft.com/office/powerpoint/2010/main" val="1017108803"/>
+        <p14:creationId xmlns:p14="http://schemas.microsoft.com/office/powerpoint/2010/main" val="140548591"/>
       </p:ext>
     </p:extLst>
   </p:cSld>
@@ -4104,15 +4073,7 @@
           <a:p>
             <a:r>
               <a:rPr lang="ru-RU" dirty="0" smtClean="0"/>
-              <a:t>Тип-параметры без ограничений (</a:t>
-            </a:r>
-            <a:r>
-              <a:rPr lang="en-US" dirty="0" smtClean="0"/>
-              <a:t>unbounded type parameters</a:t>
-            </a:r>
-            <a:r>
-              <a:rPr lang="ru-RU" dirty="0" smtClean="0"/>
-              <a:t>)</a:t>
+              <a:t>Ограничения для нескольких параметров</a:t>
             </a:r>
             <a:endParaRPr lang="en-US" dirty="0"/>
           </a:p>
@@ -4133,70 +4094,69 @@
           <a:bodyPr/>
           <a:lstStyle/>
           <a:p>
-            <a:r>
-              <a:rPr lang="ru-RU" dirty="0" smtClean="0"/>
-              <a:t>Можно приводить к типу </a:t>
+            <a:pPr marL="0" indent="0">
+              <a:buNone/>
+            </a:pPr>
+            <a:r>
+              <a:rPr lang="en-US" dirty="0"/>
+              <a:t>c</a:t>
             </a:r>
             <a:r>
               <a:rPr lang="en-US" dirty="0" smtClean="0"/>
-              <a:t>object</a:t>
-            </a:r>
-            <a:r>
-              <a:rPr lang="ru-RU" dirty="0" smtClean="0"/>
-              <a:t> или выполнять явное приведение к интерфейсу</a:t>
-            </a:r>
-          </a:p>
-          <a:p>
-            <a:r>
-              <a:rPr lang="ru-RU" dirty="0" smtClean="0"/>
-              <a:t>Можно сравнивать с </a:t>
-            </a:r>
-            <a:r>
+              <a:t>lass Test&lt;T,U&gt;</a:t>
+            </a:r>
+            <a:br>
               <a:rPr lang="en-US" dirty="0" smtClean="0"/>
-              <a:t>null. </a:t>
-            </a:r>
-            <a:r>
-              <a:rPr lang="ru-RU" dirty="0" smtClean="0"/>
-              <a:t>Если тип аргумент является значимым, то условие всегда возвращает </a:t>
-            </a:r>
+            </a:br>
             <a:r>
               <a:rPr lang="en-US" dirty="0" smtClean="0"/>
-              <a:t>false</a:t>
-            </a:r>
-            <a:r>
-              <a:rPr lang="ru-RU" dirty="0" smtClean="0"/>
+              <a:t>     where T : Base</a:t>
+            </a:r>
+          </a:p>
+          <a:p>
+            <a:pPr marL="0" indent="0">
+              <a:buNone/>
+            </a:pPr>
+            <a:r>
+              <a:rPr lang="en-US" dirty="0"/>
               <a:t> </a:t>
             </a:r>
-          </a:p>
-          <a:p>
-            <a:endParaRPr lang="ru-RU" dirty="0"/>
-          </a:p>
-          <a:p>
-            <a:r>
-              <a:rPr lang="ru-RU" dirty="0"/>
-              <a:t>Нельзя сравнивать с помощью ==, != т.к. нет гарантии что тип их поддерживает</a:t>
-            </a:r>
-            <a:endParaRPr lang="en-US" dirty="0"/>
+            <a:r>
+              <a:rPr lang="en-US" dirty="0" smtClean="0"/>
+              <a:t>    where U : new()</a:t>
+            </a:r>
+          </a:p>
+          <a:p>
+            <a:pPr marL="0" indent="0">
+              <a:buNone/>
+            </a:pPr>
+            <a:r>
+              <a:rPr lang="en-US" dirty="0" smtClean="0"/>
+              <a:t>{</a:t>
+            </a:r>
+          </a:p>
+          <a:p>
+            <a:pPr marL="0" indent="0">
+              <a:buNone/>
+            </a:pPr>
+            <a:r>
+              <a:rPr lang="en-US" dirty="0"/>
+              <a:t>}</a:t>
+            </a:r>
+            <a:endParaRPr lang="en-US" dirty="0" smtClean="0"/>
           </a:p>
         </p:txBody>
       </p:sp>
     </p:spTree>
     <p:extLst>
       <p:ext uri="{BB962C8B-B14F-4D97-AF65-F5344CB8AC3E}">
-        <p14:creationId xmlns:p14="http://schemas.microsoft.com/office/powerpoint/2010/main" val="949903232"/>
+        <p14:creationId xmlns:p14="http://schemas.microsoft.com/office/powerpoint/2010/main" val="1017108803"/>
       </p:ext>
     </p:extLst>
   </p:cSld>
   <p:clrMapOvr>
     <a:masterClrMapping/>
   </p:clrMapOvr>
-  <p:timing>
-    <p:tnLst>
-      <p:par>
-        <p:cTn id="1" dur="indefinite" restart="never" nodeType="tmRoot"/>
-      </p:par>
-    </p:tnLst>
-  </p:timing>
 </p:sld>
 </file>
 
@@ -4229,16 +4189,22 @@
         </p:nvSpPr>
         <p:spPr/>
         <p:txBody>
-          <a:bodyPr/>
+          <a:bodyPr>
+            <a:normAutofit fontScale="90000"/>
+          </a:bodyPr>
           <a:lstStyle/>
           <a:p>
             <a:r>
               <a:rPr lang="ru-RU" dirty="0" smtClean="0"/>
-              <a:t>Ключевое слово </a:t>
+              <a:t>Тип-параметры без ограничений (</a:t>
             </a:r>
             <a:r>
               <a:rPr lang="en-US" dirty="0" smtClean="0"/>
-              <a:t>default</a:t>
+              <a:t>unbounded type parameters</a:t>
+            </a:r>
+            <a:r>
+              <a:rPr lang="ru-RU" dirty="0" smtClean="0"/>
+              <a:t>)</a:t>
             </a:r>
             <a:endParaRPr lang="en-US" dirty="0"/>
           </a:p>
@@ -4254,304 +4220,53 @@
             <p:ph idx="1"/>
           </p:nvPr>
         </p:nvSpPr>
-        <p:spPr>
-          <a:xfrm>
-            <a:off x="457200" y="1600201"/>
-            <a:ext cx="8229600" cy="2260848"/>
-          </a:xfrm>
-        </p:spPr>
+        <p:spPr/>
         <p:txBody>
           <a:bodyPr/>
           <a:lstStyle/>
           <a:p>
-            <a:pPr marL="0" indent="0">
-              <a:buNone/>
-            </a:pPr>
             <a:r>
               <a:rPr lang="ru-RU" dirty="0" smtClean="0"/>
-              <a:t>С помощью ключевого слова </a:t>
+              <a:t>Можно приводить к типу </a:t>
             </a:r>
             <a:r>
               <a:rPr lang="en-US" dirty="0" smtClean="0"/>
-              <a:t>default </a:t>
+              <a:t>object</a:t>
             </a:r>
             <a:r>
               <a:rPr lang="ru-RU" dirty="0" smtClean="0"/>
-              <a:t>можно получать значение по умолчанию по имени типа. Для значимых типов это 0, для ссылочных – </a:t>
+              <a:t> или выполнять явное приведение к интерфейсу</a:t>
+            </a:r>
+          </a:p>
+          <a:p>
+            <a:r>
+              <a:rPr lang="ru-RU" dirty="0" smtClean="0"/>
+              <a:t>Можно сравнивать с </a:t>
             </a:r>
             <a:r>
               <a:rPr lang="en-US" dirty="0" smtClean="0"/>
-              <a:t>null.</a:t>
-            </a:r>
-            <a:endParaRPr lang="en-US" dirty="0"/>
-          </a:p>
-        </p:txBody>
-      </p:sp>
-      <p:sp>
-        <p:nvSpPr>
-          <p:cNvPr id="5" name="Rectangle 4"/>
-          <p:cNvSpPr/>
-          <p:nvPr/>
-        </p:nvSpPr>
-        <p:spPr>
-          <a:xfrm>
-            <a:off x="457200" y="4293096"/>
-            <a:ext cx="8229600" cy="1477328"/>
-          </a:xfrm>
-          <a:prstGeom prst="rect">
-            <a:avLst/>
-          </a:prstGeom>
-          <a:solidFill>
-            <a:schemeClr val="bg1"/>
-          </a:solidFill>
-        </p:spPr>
-        <p:txBody>
-          <a:bodyPr wrap="square">
-            <a:spAutoFit/>
-          </a:bodyPr>
-          <a:lstStyle/>
-          <a:p>
-            <a:r>
-              <a:rPr lang="en-US" dirty="0" err="1">
-                <a:solidFill>
-                  <a:srgbClr val="0000FF"/>
-                </a:solidFill>
-                <a:latin typeface="Consolas" panose="020B0609020204030204" pitchFamily="49" charset="0"/>
-              </a:rPr>
-              <a:t>int</a:t>
-            </a:r>
-            <a:r>
-              <a:rPr lang="en-US" dirty="0">
-                <a:solidFill>
-                  <a:srgbClr val="000000"/>
-                </a:solidFill>
-                <a:latin typeface="Consolas" panose="020B0609020204030204" pitchFamily="49" charset="0"/>
-              </a:rPr>
+              <a:t>null. </a:t>
+            </a:r>
+            <a:r>
+              <a:rPr lang="ru-RU" dirty="0" smtClean="0"/>
+              <a:t>Если тип аргумент является значимым, то условие всегда возвращает </a:t>
+            </a:r>
+            <a:r>
+              <a:rPr lang="en-US" dirty="0" smtClean="0"/>
+              <a:t>false</a:t>
+            </a:r>
+            <a:r>
+              <a:rPr lang="ru-RU" dirty="0" smtClean="0"/>
               <a:t> </a:t>
             </a:r>
-            <a:r>
-              <a:rPr lang="en-US" dirty="0" err="1">
-                <a:solidFill>
-                  <a:srgbClr val="000000"/>
-                </a:solidFill>
-                <a:latin typeface="Consolas" panose="020B0609020204030204" pitchFamily="49" charset="0"/>
-              </a:rPr>
-              <a:t>i</a:t>
-            </a:r>
-            <a:r>
-              <a:rPr lang="en-US" dirty="0">
-                <a:solidFill>
-                  <a:srgbClr val="000000"/>
-                </a:solidFill>
-                <a:latin typeface="Consolas" panose="020B0609020204030204" pitchFamily="49" charset="0"/>
-              </a:rPr>
-              <a:t> = </a:t>
-            </a:r>
-            <a:r>
-              <a:rPr lang="en-US" dirty="0">
-                <a:solidFill>
-                  <a:srgbClr val="0000FF"/>
-                </a:solidFill>
-                <a:latin typeface="Consolas" panose="020B0609020204030204" pitchFamily="49" charset="0"/>
-              </a:rPr>
-              <a:t>default</a:t>
-            </a:r>
-            <a:r>
-              <a:rPr lang="en-US" dirty="0">
-                <a:solidFill>
-                  <a:srgbClr val="000000"/>
-                </a:solidFill>
-                <a:latin typeface="Consolas" panose="020B0609020204030204" pitchFamily="49" charset="0"/>
-              </a:rPr>
-              <a:t>(</a:t>
-            </a:r>
-            <a:r>
-              <a:rPr lang="en-US" dirty="0" err="1">
-                <a:solidFill>
-                  <a:srgbClr val="0000FF"/>
-                </a:solidFill>
-                <a:latin typeface="Consolas" panose="020B0609020204030204" pitchFamily="49" charset="0"/>
-              </a:rPr>
-              <a:t>int</a:t>
-            </a:r>
-            <a:r>
-              <a:rPr lang="en-US" dirty="0">
-                <a:solidFill>
-                  <a:srgbClr val="000000"/>
-                </a:solidFill>
-                <a:latin typeface="Consolas" panose="020B0609020204030204" pitchFamily="49" charset="0"/>
-              </a:rPr>
-              <a:t>);</a:t>
-            </a:r>
-          </a:p>
-          <a:p>
-            <a:r>
-              <a:rPr lang="en-US" dirty="0">
-                <a:solidFill>
-                  <a:srgbClr val="0000FF"/>
-                </a:solidFill>
-                <a:latin typeface="Consolas" panose="020B0609020204030204" pitchFamily="49" charset="0"/>
-              </a:rPr>
-              <a:t>string</a:t>
-            </a:r>
-            <a:r>
-              <a:rPr lang="en-US" dirty="0">
-                <a:solidFill>
-                  <a:srgbClr val="000000"/>
-                </a:solidFill>
-                <a:latin typeface="Consolas" panose="020B0609020204030204" pitchFamily="49" charset="0"/>
-              </a:rPr>
-              <a:t> s = </a:t>
-            </a:r>
-            <a:r>
-              <a:rPr lang="en-US" dirty="0">
-                <a:solidFill>
-                  <a:srgbClr val="0000FF"/>
-                </a:solidFill>
-                <a:latin typeface="Consolas" panose="020B0609020204030204" pitchFamily="49" charset="0"/>
-              </a:rPr>
-              <a:t>default</a:t>
-            </a:r>
-            <a:r>
-              <a:rPr lang="en-US" dirty="0">
-                <a:solidFill>
-                  <a:srgbClr val="000000"/>
-                </a:solidFill>
-                <a:latin typeface="Consolas" panose="020B0609020204030204" pitchFamily="49" charset="0"/>
-              </a:rPr>
-              <a:t>(</a:t>
-            </a:r>
-            <a:r>
-              <a:rPr lang="en-US" dirty="0">
-                <a:solidFill>
-                  <a:srgbClr val="0000FF"/>
-                </a:solidFill>
-                <a:latin typeface="Consolas" panose="020B0609020204030204" pitchFamily="49" charset="0"/>
-              </a:rPr>
-              <a:t>string</a:t>
-            </a:r>
-            <a:r>
-              <a:rPr lang="en-US" dirty="0" smtClean="0">
-                <a:solidFill>
-                  <a:srgbClr val="000000"/>
-                </a:solidFill>
-                <a:latin typeface="Consolas" panose="020B0609020204030204" pitchFamily="49" charset="0"/>
-              </a:rPr>
-              <a:t>);</a:t>
-            </a:r>
-            <a:endParaRPr lang="ru-RU" dirty="0" smtClean="0">
-              <a:solidFill>
-                <a:srgbClr val="000000"/>
-              </a:solidFill>
-              <a:latin typeface="Consolas" panose="020B0609020204030204" pitchFamily="49" charset="0"/>
-            </a:endParaRPr>
-          </a:p>
-          <a:p>
-            <a:endParaRPr lang="ru-RU" dirty="0">
-              <a:solidFill>
-                <a:srgbClr val="000000"/>
-              </a:solidFill>
-              <a:latin typeface="Consolas" panose="020B0609020204030204" pitchFamily="49" charset="0"/>
-            </a:endParaRPr>
-          </a:p>
-          <a:p>
-            <a:r>
-              <a:rPr lang="en-US" dirty="0">
-                <a:solidFill>
-                  <a:srgbClr val="008000"/>
-                </a:solidFill>
-                <a:latin typeface="Consolas" panose="020B0609020204030204" pitchFamily="49" charset="0"/>
-              </a:rPr>
-              <a:t>// </a:t>
-            </a:r>
-            <a:r>
-              <a:rPr lang="ru-RU" dirty="0" smtClean="0">
-                <a:solidFill>
-                  <a:srgbClr val="008000"/>
-                </a:solidFill>
-                <a:latin typeface="Consolas" panose="020B0609020204030204" pitchFamily="49" charset="0"/>
-              </a:rPr>
-              <a:t>Где</a:t>
-            </a:r>
-            <a:r>
-              <a:rPr lang="en-US" dirty="0" smtClean="0">
-                <a:solidFill>
-                  <a:srgbClr val="008000"/>
-                </a:solidFill>
-                <a:latin typeface="Consolas" panose="020B0609020204030204" pitchFamily="49" charset="0"/>
-              </a:rPr>
-              <a:t> </a:t>
-            </a:r>
-            <a:r>
-              <a:rPr lang="en-US" dirty="0">
-                <a:solidFill>
-                  <a:srgbClr val="008000"/>
-                </a:solidFill>
-                <a:latin typeface="Consolas" panose="020B0609020204030204" pitchFamily="49" charset="0"/>
-              </a:rPr>
-              <a:t>T </a:t>
-            </a:r>
-            <a:r>
-              <a:rPr lang="ru-RU" dirty="0" smtClean="0">
-                <a:solidFill>
-                  <a:srgbClr val="008000"/>
-                </a:solidFill>
-                <a:latin typeface="Consolas" panose="020B0609020204030204" pitchFamily="49" charset="0"/>
-              </a:rPr>
-              <a:t>это тип-аргумент</a:t>
-            </a:r>
-            <a:endParaRPr lang="en-US" dirty="0">
-              <a:solidFill>
-                <a:srgbClr val="000000"/>
-              </a:solidFill>
-              <a:latin typeface="Consolas" panose="020B0609020204030204" pitchFamily="49" charset="0"/>
-            </a:endParaRPr>
-          </a:p>
-          <a:p>
-            <a:r>
-              <a:rPr lang="en-US" dirty="0">
-                <a:solidFill>
-                  <a:srgbClr val="000000"/>
-                </a:solidFill>
-                <a:latin typeface="Consolas" panose="020B0609020204030204" pitchFamily="49" charset="0"/>
-              </a:rPr>
-              <a:t>T </a:t>
-            </a:r>
-            <a:r>
-              <a:rPr lang="en-US" dirty="0" err="1">
-                <a:solidFill>
-                  <a:srgbClr val="000000"/>
-                </a:solidFill>
-                <a:latin typeface="Consolas" panose="020B0609020204030204" pitchFamily="49" charset="0"/>
-              </a:rPr>
-              <a:t>t</a:t>
-            </a:r>
-            <a:r>
-              <a:rPr lang="en-US" dirty="0">
-                <a:solidFill>
-                  <a:srgbClr val="000000"/>
-                </a:solidFill>
-                <a:latin typeface="Consolas" panose="020B0609020204030204" pitchFamily="49" charset="0"/>
-              </a:rPr>
-              <a:t> = </a:t>
-            </a:r>
-            <a:r>
-              <a:rPr lang="en-US" dirty="0">
-                <a:solidFill>
-                  <a:srgbClr val="0000FF"/>
-                </a:solidFill>
-                <a:latin typeface="Consolas" panose="020B0609020204030204" pitchFamily="49" charset="0"/>
-              </a:rPr>
-              <a:t>default</a:t>
-            </a:r>
-            <a:r>
-              <a:rPr lang="en-US" dirty="0">
-                <a:solidFill>
-                  <a:srgbClr val="000000"/>
-                </a:solidFill>
-                <a:latin typeface="Consolas" panose="020B0609020204030204" pitchFamily="49" charset="0"/>
-              </a:rPr>
-              <a:t>(T);</a:t>
+          </a:p>
+          <a:p>
+            <a:endParaRPr lang="ru-RU" dirty="0"/>
+          </a:p>
+          <a:p>
+            <a:r>
+              <a:rPr lang="ru-RU" dirty="0"/>
+              <a:t>Нельзя сравнивать с помощью ==, != т.к. нет гарантии что тип их поддерживает</a:t>
             </a:r>
             <a:endParaRPr lang="en-US" dirty="0"/>
           </a:p>
@@ -4560,7 +4275,7 @@
     </p:spTree>
     <p:extLst>
       <p:ext uri="{BB962C8B-B14F-4D97-AF65-F5344CB8AC3E}">
-        <p14:creationId xmlns:p14="http://schemas.microsoft.com/office/powerpoint/2010/main" val="1167712495"/>
+        <p14:creationId xmlns:p14="http://schemas.microsoft.com/office/powerpoint/2010/main" val="949903232"/>
       </p:ext>
     </p:extLst>
   </p:cSld>
@@ -4606,26 +4321,59 @@
         </p:nvSpPr>
         <p:spPr/>
         <p:txBody>
-          <a:bodyPr>
-            <a:normAutofit fontScale="90000"/>
-          </a:bodyPr>
+          <a:bodyPr/>
           <a:lstStyle/>
           <a:p>
             <a:r>
               <a:rPr lang="ru-RU" dirty="0" smtClean="0"/>
-              <a:t>Упрощенная запись </a:t>
+              <a:t>Ключевое слово </a:t>
             </a:r>
             <a:r>
               <a:rPr lang="en-US" dirty="0" smtClean="0"/>
               <a:t>default</a:t>
             </a:r>
+            <a:endParaRPr lang="en-US" dirty="0"/>
+          </a:p>
+        </p:txBody>
+      </p:sp>
+      <p:sp>
+        <p:nvSpPr>
+          <p:cNvPr id="3" name="Content Placeholder 2"/>
+          <p:cNvSpPr>
+            <a:spLocks noGrp="1"/>
+          </p:cNvSpPr>
+          <p:nvPr>
+            <p:ph idx="1"/>
+          </p:nvPr>
+        </p:nvSpPr>
+        <p:spPr>
+          <a:xfrm>
+            <a:off x="457200" y="1600201"/>
+            <a:ext cx="8229600" cy="2260848"/>
+          </a:xfrm>
+        </p:spPr>
+        <p:txBody>
+          <a:bodyPr/>
+          <a:lstStyle/>
+          <a:p>
+            <a:pPr marL="0" indent="0">
+              <a:buNone/>
+            </a:pPr>
             <a:r>
               <a:rPr lang="ru-RU" dirty="0" smtClean="0"/>
-              <a:t> в </a:t>
+              <a:t>С помощью ключевого слова </a:t>
             </a:r>
             <a:r>
               <a:rPr lang="en-US" dirty="0" smtClean="0"/>
-              <a:t>C# 7.1</a:t>
+              <a:t>default </a:t>
+            </a:r>
+            <a:r>
+              <a:rPr lang="ru-RU" dirty="0" smtClean="0"/>
+              <a:t>можно получать значение по умолчанию по имени типа. Для значимых типов это 0, для ссылочных – </a:t>
+            </a:r>
+            <a:r>
+              <a:rPr lang="en-US" dirty="0" smtClean="0"/>
+              <a:t>null.</a:t>
             </a:r>
             <a:endParaRPr lang="en-US" dirty="0"/>
           </a:p>
@@ -4692,22 +4440,157 @@
               <a:t> = </a:t>
             </a:r>
             <a:r>
+              <a:rPr lang="en-US" dirty="0">
+                <a:solidFill>
+                  <a:srgbClr val="0000FF"/>
+                </a:solidFill>
+                <a:latin typeface="Consolas" panose="020B0609020204030204" pitchFamily="49" charset="0"/>
+              </a:rPr>
+              <a:t>default</a:t>
+            </a:r>
+            <a:r>
+              <a:rPr lang="en-US" dirty="0">
+                <a:solidFill>
+                  <a:srgbClr val="000000"/>
+                </a:solidFill>
+                <a:latin typeface="Consolas" panose="020B0609020204030204" pitchFamily="49" charset="0"/>
+              </a:rPr>
+              <a:t>(</a:t>
+            </a:r>
+            <a:r>
+              <a:rPr lang="en-US" dirty="0" err="1">
+                <a:solidFill>
+                  <a:srgbClr val="0000FF"/>
+                </a:solidFill>
+                <a:latin typeface="Consolas" panose="020B0609020204030204" pitchFamily="49" charset="0"/>
+              </a:rPr>
+              <a:t>int</a:t>
+            </a:r>
+            <a:r>
+              <a:rPr lang="en-US" dirty="0">
+                <a:solidFill>
+                  <a:srgbClr val="000000"/>
+                </a:solidFill>
+                <a:latin typeface="Consolas" panose="020B0609020204030204" pitchFamily="49" charset="0"/>
+              </a:rPr>
+              <a:t>);</a:t>
+            </a:r>
+          </a:p>
+          <a:p>
+            <a:r>
+              <a:rPr lang="en-US" dirty="0">
+                <a:solidFill>
+                  <a:srgbClr val="0000FF"/>
+                </a:solidFill>
+                <a:latin typeface="Consolas" panose="020B0609020204030204" pitchFamily="49" charset="0"/>
+              </a:rPr>
+              <a:t>string</a:t>
+            </a:r>
+            <a:r>
+              <a:rPr lang="en-US" dirty="0">
+                <a:solidFill>
+                  <a:srgbClr val="000000"/>
+                </a:solidFill>
+                <a:latin typeface="Consolas" panose="020B0609020204030204" pitchFamily="49" charset="0"/>
+              </a:rPr>
+              <a:t> s = </a:t>
+            </a:r>
+            <a:r>
+              <a:rPr lang="en-US" dirty="0">
+                <a:solidFill>
+                  <a:srgbClr val="0000FF"/>
+                </a:solidFill>
+                <a:latin typeface="Consolas" panose="020B0609020204030204" pitchFamily="49" charset="0"/>
+              </a:rPr>
+              <a:t>default</a:t>
+            </a:r>
+            <a:r>
+              <a:rPr lang="en-US" dirty="0">
+                <a:solidFill>
+                  <a:srgbClr val="000000"/>
+                </a:solidFill>
+                <a:latin typeface="Consolas" panose="020B0609020204030204" pitchFamily="49" charset="0"/>
+              </a:rPr>
+              <a:t>(</a:t>
+            </a:r>
+            <a:r>
+              <a:rPr lang="en-US" dirty="0">
+                <a:solidFill>
+                  <a:srgbClr val="0000FF"/>
+                </a:solidFill>
+                <a:latin typeface="Consolas" panose="020B0609020204030204" pitchFamily="49" charset="0"/>
+              </a:rPr>
+              <a:t>string</a:t>
+            </a:r>
+            <a:r>
               <a:rPr lang="en-US" dirty="0" smtClean="0">
                 <a:solidFill>
-                  <a:srgbClr val="0000FF"/>
-                </a:solidFill>
-                <a:latin typeface="Consolas" panose="020B0609020204030204" pitchFamily="49" charset="0"/>
-              </a:rPr>
-              <a:t>default</a:t>
+                  <a:srgbClr val="000000"/>
+                </a:solidFill>
+                <a:latin typeface="Consolas" panose="020B0609020204030204" pitchFamily="49" charset="0"/>
+              </a:rPr>
+              <a:t>);</a:t>
+            </a:r>
+            <a:endParaRPr lang="ru-RU" dirty="0" smtClean="0">
+              <a:solidFill>
+                <a:srgbClr val="000000"/>
+              </a:solidFill>
+              <a:latin typeface="Consolas" panose="020B0609020204030204" pitchFamily="49" charset="0"/>
+            </a:endParaRPr>
+          </a:p>
+          <a:p>
+            <a:endParaRPr lang="ru-RU" dirty="0">
+              <a:solidFill>
+                <a:srgbClr val="000000"/>
+              </a:solidFill>
+              <a:latin typeface="Consolas" panose="020B0609020204030204" pitchFamily="49" charset="0"/>
+            </a:endParaRPr>
+          </a:p>
+          <a:p>
+            <a:r>
+              <a:rPr lang="en-US" dirty="0">
+                <a:solidFill>
+                  <a:srgbClr val="008000"/>
+                </a:solidFill>
+                <a:latin typeface="Consolas" panose="020B0609020204030204" pitchFamily="49" charset="0"/>
+              </a:rPr>
+              <a:t>// </a:t>
+            </a:r>
+            <a:r>
+              <a:rPr lang="ru-RU" dirty="0" smtClean="0">
+                <a:solidFill>
+                  <a:srgbClr val="008000"/>
+                </a:solidFill>
+                <a:latin typeface="Consolas" panose="020B0609020204030204" pitchFamily="49" charset="0"/>
+              </a:rPr>
+              <a:t>Где</a:t>
             </a:r>
             <a:r>
               <a:rPr lang="en-US" dirty="0" smtClean="0">
                 <a:solidFill>
-                  <a:srgbClr val="000000"/>
-                </a:solidFill>
-                <a:latin typeface="Consolas" panose="020B0609020204030204" pitchFamily="49" charset="0"/>
-              </a:rPr>
-              <a:t>;</a:t>
+                  <a:srgbClr val="008000"/>
+                </a:solidFill>
+                <a:latin typeface="Consolas" panose="020B0609020204030204" pitchFamily="49" charset="0"/>
+              </a:rPr>
+              <a:t> </a:t>
+            </a:r>
+            <a:r>
+              <a:rPr lang="en-US" dirty="0">
+                <a:solidFill>
+                  <a:srgbClr val="008000"/>
+                </a:solidFill>
+                <a:latin typeface="Consolas" panose="020B0609020204030204" pitchFamily="49" charset="0"/>
+              </a:rPr>
+              <a:t>T </a:t>
+            </a:r>
+            <a:r>
+              <a:rPr lang="ru-RU" dirty="0" smtClean="0">
+                <a:solidFill>
+                  <a:srgbClr val="008000"/>
+                </a:solidFill>
+                <a:latin typeface="Consolas" panose="020B0609020204030204" pitchFamily="49" charset="0"/>
+              </a:rPr>
+              <a:t>это тип-аргумент</a:t>
             </a:r>
             <a:endParaRPr lang="en-US" dirty="0">
               <a:solidFill>
@@ -4720,11 +4603,38 @@
             <a:r>
               <a:rPr lang="en-US" dirty="0">
                 <a:solidFill>
+                  <a:srgbClr val="000000"/>
+                </a:solidFill>
+                <a:latin typeface="Consolas" panose="020B0609020204030204" pitchFamily="49" charset="0"/>
+              </a:rPr>
+              <a:t>T </a:t>
+            </a:r>
+            <a:r>
+              <a:rPr lang="en-US" dirty="0" err="1">
+                <a:solidFill>
+                  <a:srgbClr val="000000"/>
+                </a:solidFill>
+                <a:latin typeface="Consolas" panose="020B0609020204030204" pitchFamily="49" charset="0"/>
+              </a:rPr>
+              <a:t>t</a:t>
+            </a:r>
+            <a:r>
+              <a:rPr lang="en-US" dirty="0">
+                <a:solidFill>
+                  <a:srgbClr val="000000"/>
+                </a:solidFill>
+                <a:latin typeface="Consolas" panose="020B0609020204030204" pitchFamily="49" charset="0"/>
+              </a:rPr>
+              <a:t> = </a:t>
+            </a:r>
+            <a:r>
+              <a:rPr lang="en-US" dirty="0">
+                <a:solidFill>
                   <a:srgbClr val="0000FF"/>
                 </a:solidFill>
                 <a:latin typeface="Consolas" panose="020B0609020204030204" pitchFamily="49" charset="0"/>
               </a:rPr>
-              <a:t>string</a:t>
+              <a:t>default</a:t>
             </a:r>
             <a:r>
               <a:rPr lang="en-US" dirty="0">
@@ -4733,186 +4643,7 @@
                 </a:solidFill>
                 <a:latin typeface="Consolas" panose="020B0609020204030204" pitchFamily="49" charset="0"/>
               </a:rPr>
-              <a:t> s = </a:t>
-            </a:r>
-            <a:r>
-              <a:rPr lang="en-US" dirty="0" smtClean="0">
-                <a:solidFill>
-                  <a:srgbClr val="0000FF"/>
-                </a:solidFill>
-                <a:latin typeface="Consolas" panose="020B0609020204030204" pitchFamily="49" charset="0"/>
-              </a:rPr>
-              <a:t>default</a:t>
-            </a:r>
-            <a:r>
-              <a:rPr lang="en-US" dirty="0" smtClean="0">
-                <a:solidFill>
-                  <a:srgbClr val="000000"/>
-                </a:solidFill>
-                <a:latin typeface="Consolas" panose="020B0609020204030204" pitchFamily="49" charset="0"/>
-              </a:rPr>
-              <a:t>;</a:t>
-            </a:r>
-            <a:endParaRPr lang="ru-RU" dirty="0" smtClean="0">
-              <a:solidFill>
-                <a:srgbClr val="000000"/>
-              </a:solidFill>
-              <a:latin typeface="Consolas" panose="020B0609020204030204" pitchFamily="49" charset="0"/>
-            </a:endParaRPr>
-          </a:p>
-          <a:p>
-            <a:endParaRPr lang="ru-RU" dirty="0">
-              <a:solidFill>
-                <a:srgbClr val="000000"/>
-              </a:solidFill>
-              <a:latin typeface="Consolas" panose="020B0609020204030204" pitchFamily="49" charset="0"/>
-            </a:endParaRPr>
-          </a:p>
-          <a:p>
-            <a:r>
-              <a:rPr lang="en-US" dirty="0">
-                <a:solidFill>
-                  <a:srgbClr val="008000"/>
-                </a:solidFill>
-                <a:latin typeface="Consolas" panose="020B0609020204030204" pitchFamily="49" charset="0"/>
-              </a:rPr>
-              <a:t>// </a:t>
-            </a:r>
-            <a:r>
-              <a:rPr lang="ru-RU" dirty="0" smtClean="0">
-                <a:solidFill>
-                  <a:srgbClr val="008000"/>
-                </a:solidFill>
-                <a:latin typeface="Consolas" panose="020B0609020204030204" pitchFamily="49" charset="0"/>
-              </a:rPr>
-              <a:t>Где</a:t>
-            </a:r>
-            <a:r>
-              <a:rPr lang="en-US" dirty="0" smtClean="0">
-                <a:solidFill>
-                  <a:srgbClr val="008000"/>
-                </a:solidFill>
-                <a:latin typeface="Consolas" panose="020B0609020204030204" pitchFamily="49" charset="0"/>
-              </a:rPr>
-              <a:t> </a:t>
-            </a:r>
-            <a:r>
-              <a:rPr lang="en-US" dirty="0">
-                <a:solidFill>
-                  <a:srgbClr val="008000"/>
-                </a:solidFill>
-                <a:latin typeface="Consolas" panose="020B0609020204030204" pitchFamily="49" charset="0"/>
-              </a:rPr>
-              <a:t>T </a:t>
-            </a:r>
-            <a:r>
-              <a:rPr lang="ru-RU" dirty="0" smtClean="0">
-                <a:solidFill>
-                  <a:srgbClr val="008000"/>
-                </a:solidFill>
-                <a:latin typeface="Consolas" panose="020B0609020204030204" pitchFamily="49" charset="0"/>
-              </a:rPr>
-              <a:t>это тип-аргумент</a:t>
-            </a:r>
-            <a:endParaRPr lang="en-US" dirty="0">
-              <a:solidFill>
-                <a:srgbClr val="000000"/>
-              </a:solidFill>
-              <a:latin typeface="Consolas" panose="020B0609020204030204" pitchFamily="49" charset="0"/>
-            </a:endParaRPr>
-          </a:p>
-          <a:p>
-            <a:r>
-              <a:rPr lang="en-US" dirty="0">
-                <a:solidFill>
-                  <a:srgbClr val="000000"/>
-                </a:solidFill>
-                <a:latin typeface="Consolas" panose="020B0609020204030204" pitchFamily="49" charset="0"/>
-              </a:rPr>
-              <a:t>T </a:t>
-            </a:r>
-            <a:r>
-              <a:rPr lang="en-US" dirty="0" err="1">
-                <a:solidFill>
-                  <a:srgbClr val="000000"/>
-                </a:solidFill>
-                <a:latin typeface="Consolas" panose="020B0609020204030204" pitchFamily="49" charset="0"/>
-              </a:rPr>
-              <a:t>t</a:t>
-            </a:r>
-            <a:r>
-              <a:rPr lang="en-US" dirty="0">
-                <a:solidFill>
-                  <a:srgbClr val="000000"/>
-                </a:solidFill>
-                <a:latin typeface="Consolas" panose="020B0609020204030204" pitchFamily="49" charset="0"/>
-              </a:rPr>
-              <a:t> = </a:t>
-            </a:r>
-            <a:r>
-              <a:rPr lang="en-US" dirty="0" smtClean="0">
-                <a:solidFill>
-                  <a:srgbClr val="0000FF"/>
-                </a:solidFill>
-                <a:latin typeface="Consolas" panose="020B0609020204030204" pitchFamily="49" charset="0"/>
-              </a:rPr>
-              <a:t>default</a:t>
-            </a:r>
-            <a:r>
-              <a:rPr lang="en-US" dirty="0" smtClean="0">
-                <a:solidFill>
-                  <a:srgbClr val="000000"/>
-                </a:solidFill>
-                <a:latin typeface="Consolas" panose="020B0609020204030204" pitchFamily="49" charset="0"/>
-              </a:rPr>
-              <a:t>;</a:t>
-            </a:r>
-            <a:endParaRPr lang="en-US" dirty="0"/>
-          </a:p>
-        </p:txBody>
-      </p:sp>
-      <p:sp>
-        <p:nvSpPr>
-          <p:cNvPr id="4" name="Content Placeholder 3"/>
-          <p:cNvSpPr>
-            <a:spLocks noGrp="1"/>
-          </p:cNvSpPr>
-          <p:nvPr>
-            <p:ph idx="1"/>
-          </p:nvPr>
-        </p:nvSpPr>
-        <p:spPr>
-          <a:xfrm>
-            <a:off x="457200" y="1600201"/>
-            <a:ext cx="8229600" cy="2332856"/>
-          </a:xfrm>
-        </p:spPr>
-        <p:txBody>
-          <a:bodyPr/>
-          <a:lstStyle/>
-          <a:p>
-            <a:pPr marL="0" indent="0">
-              <a:buNone/>
-            </a:pPr>
-            <a:r>
-              <a:rPr lang="ru-RU" smtClean="0"/>
-              <a:t>Начиная с </a:t>
-            </a:r>
-            <a:r>
-              <a:rPr lang="en-US" dirty="0" smtClean="0"/>
-              <a:t>C# </a:t>
-            </a:r>
-            <a:r>
-              <a:rPr lang="ru-RU" dirty="0" smtClean="0"/>
-              <a:t>7.1 в </a:t>
-            </a:r>
-            <a:r>
-              <a:rPr lang="en-US" dirty="0" smtClean="0"/>
-              <a:t>default </a:t>
-            </a:r>
-            <a:r>
-              <a:rPr lang="ru-RU" dirty="0" smtClean="0"/>
-              <a:t>не обязательно указывать имя типа.</a:t>
+              <a:t>(T);</a:t>
             </a:r>
             <a:endParaRPr lang="en-US" dirty="0"/>
           </a:p>
@@ -4921,7 +4652,7 @@
     </p:spTree>
     <p:extLst>
       <p:ext uri="{BB962C8B-B14F-4D97-AF65-F5344CB8AC3E}">
-        <p14:creationId xmlns:p14="http://schemas.microsoft.com/office/powerpoint/2010/main" val="903035737"/>
+        <p14:creationId xmlns:p14="http://schemas.microsoft.com/office/powerpoint/2010/main" val="1167712495"/>
       </p:ext>
     </p:extLst>
   </p:cSld>
@@ -4957,7 +4688,7 @@
       </p:grpSpPr>
       <p:sp>
         <p:nvSpPr>
-          <p:cNvPr id="2" name="Заголовок 1"/>
+          <p:cNvPr id="2" name="Title 1"/>
           <p:cNvSpPr>
             <a:spLocks noGrp="1"/>
           </p:cNvSpPr>
@@ -4967,20 +4698,274 @@
         </p:nvSpPr>
         <p:spPr/>
         <p:txBody>
-          <a:bodyPr/>
+          <a:bodyPr>
+            <a:normAutofit fontScale="90000"/>
+          </a:bodyPr>
           <a:lstStyle/>
           <a:p>
             <a:r>
               <a:rPr lang="ru-RU" dirty="0" smtClean="0"/>
-              <a:t>Обобщенные классы</a:t>
-            </a:r>
-            <a:endParaRPr lang="ru-RU" dirty="0"/>
+              <a:t>Упрощенная запись </a:t>
+            </a:r>
+            <a:r>
+              <a:rPr lang="en-US" dirty="0" smtClean="0"/>
+              <a:t>default</a:t>
+            </a:r>
+            <a:r>
+              <a:rPr lang="ru-RU" dirty="0" smtClean="0"/>
+              <a:t> в </a:t>
+            </a:r>
+            <a:r>
+              <a:rPr lang="en-US" dirty="0" smtClean="0"/>
+              <a:t>C# 7.1</a:t>
+            </a:r>
+            <a:endParaRPr lang="en-US" dirty="0"/>
           </a:p>
         </p:txBody>
       </p:sp>
       <p:sp>
         <p:nvSpPr>
-          <p:cNvPr id="3" name="Объект 2"/>
+          <p:cNvPr id="5" name="Rectangle 4"/>
+          <p:cNvSpPr/>
+          <p:nvPr/>
+        </p:nvSpPr>
+        <p:spPr>
+          <a:xfrm>
+            <a:off x="457200" y="4293096"/>
+            <a:ext cx="8229600" cy="1477328"/>
+          </a:xfrm>
+          <a:prstGeom prst="rect">
+            <a:avLst/>
+          </a:prstGeom>
+          <a:solidFill>
+            <a:schemeClr val="bg1"/>
+          </a:solidFill>
+        </p:spPr>
+        <p:txBody>
+          <a:bodyPr wrap="square">
+            <a:spAutoFit/>
+          </a:bodyPr>
+          <a:lstStyle/>
+          <a:p>
+            <a:r>
+              <a:rPr lang="en-US" dirty="0" err="1">
+                <a:solidFill>
+                  <a:srgbClr val="0000FF"/>
+                </a:solidFill>
+                <a:latin typeface="Consolas" panose="020B0609020204030204" pitchFamily="49" charset="0"/>
+              </a:rPr>
+              <a:t>int</a:t>
+            </a:r>
+            <a:r>
+              <a:rPr lang="en-US" dirty="0">
+                <a:solidFill>
+                  <a:srgbClr val="000000"/>
+                </a:solidFill>
+                <a:latin typeface="Consolas" panose="020B0609020204030204" pitchFamily="49" charset="0"/>
+              </a:rPr>
+              <a:t> </a:t>
+            </a:r>
+            <a:r>
+              <a:rPr lang="en-US" dirty="0" err="1">
+                <a:solidFill>
+                  <a:srgbClr val="000000"/>
+                </a:solidFill>
+                <a:latin typeface="Consolas" panose="020B0609020204030204" pitchFamily="49" charset="0"/>
+              </a:rPr>
+              <a:t>i</a:t>
+            </a:r>
+            <a:r>
+              <a:rPr lang="en-US" dirty="0">
+                <a:solidFill>
+                  <a:srgbClr val="000000"/>
+                </a:solidFill>
+                <a:latin typeface="Consolas" panose="020B0609020204030204" pitchFamily="49" charset="0"/>
+              </a:rPr>
+              <a:t> = </a:t>
+            </a:r>
+            <a:r>
+              <a:rPr lang="en-US" dirty="0" smtClean="0">
+                <a:solidFill>
+                  <a:srgbClr val="0000FF"/>
+                </a:solidFill>
+                <a:latin typeface="Consolas" panose="020B0609020204030204" pitchFamily="49" charset="0"/>
+              </a:rPr>
+              <a:t>default</a:t>
+            </a:r>
+            <a:r>
+              <a:rPr lang="en-US" dirty="0" smtClean="0">
+                <a:solidFill>
+                  <a:srgbClr val="000000"/>
+                </a:solidFill>
+                <a:latin typeface="Consolas" panose="020B0609020204030204" pitchFamily="49" charset="0"/>
+              </a:rPr>
+              <a:t>;</a:t>
+            </a:r>
+            <a:endParaRPr lang="en-US" dirty="0">
+              <a:solidFill>
+                <a:srgbClr val="000000"/>
+              </a:solidFill>
+              <a:latin typeface="Consolas" panose="020B0609020204030204" pitchFamily="49" charset="0"/>
+            </a:endParaRPr>
+          </a:p>
+          <a:p>
+            <a:r>
+              <a:rPr lang="en-US" dirty="0">
+                <a:solidFill>
+                  <a:srgbClr val="0000FF"/>
+                </a:solidFill>
+                <a:latin typeface="Consolas" panose="020B0609020204030204" pitchFamily="49" charset="0"/>
+              </a:rPr>
+              <a:t>string</a:t>
+            </a:r>
+            <a:r>
+              <a:rPr lang="en-US" dirty="0">
+                <a:solidFill>
+                  <a:srgbClr val="000000"/>
+                </a:solidFill>
+                <a:latin typeface="Consolas" panose="020B0609020204030204" pitchFamily="49" charset="0"/>
+              </a:rPr>
+              <a:t> s = </a:t>
+            </a:r>
+            <a:r>
+              <a:rPr lang="en-US" dirty="0" smtClean="0">
+                <a:solidFill>
+                  <a:srgbClr val="0000FF"/>
+                </a:solidFill>
+                <a:latin typeface="Consolas" panose="020B0609020204030204" pitchFamily="49" charset="0"/>
+              </a:rPr>
+              <a:t>default</a:t>
+            </a:r>
+            <a:r>
+              <a:rPr lang="en-US" dirty="0" smtClean="0">
+                <a:solidFill>
+                  <a:srgbClr val="000000"/>
+                </a:solidFill>
+                <a:latin typeface="Consolas" panose="020B0609020204030204" pitchFamily="49" charset="0"/>
+              </a:rPr>
+              <a:t>;</a:t>
+            </a:r>
+            <a:endParaRPr lang="ru-RU" dirty="0" smtClean="0">
+              <a:solidFill>
+                <a:srgbClr val="000000"/>
+              </a:solidFill>
+              <a:latin typeface="Consolas" panose="020B0609020204030204" pitchFamily="49" charset="0"/>
+            </a:endParaRPr>
+          </a:p>
+          <a:p>
+            <a:endParaRPr lang="ru-RU" dirty="0">
+              <a:solidFill>
+                <a:srgbClr val="000000"/>
+              </a:solidFill>
+              <a:latin typeface="Consolas" panose="020B0609020204030204" pitchFamily="49" charset="0"/>
+            </a:endParaRPr>
+          </a:p>
+          <a:p>
+            <a:r>
+              <a:rPr lang="en-US" dirty="0">
+                <a:solidFill>
+                  <a:srgbClr val="008000"/>
+                </a:solidFill>
+                <a:latin typeface="Consolas" panose="020B0609020204030204" pitchFamily="49" charset="0"/>
+              </a:rPr>
+              <a:t>// </a:t>
+            </a:r>
+            <a:r>
+              <a:rPr lang="ru-RU" dirty="0" smtClean="0">
+                <a:solidFill>
+                  <a:srgbClr val="008000"/>
+                </a:solidFill>
+                <a:latin typeface="Consolas" panose="020B0609020204030204" pitchFamily="49" charset="0"/>
+              </a:rPr>
+              <a:t>Где</a:t>
+            </a:r>
+            <a:r>
+              <a:rPr lang="en-US" dirty="0" smtClean="0">
+                <a:solidFill>
+                  <a:srgbClr val="008000"/>
+                </a:solidFill>
+                <a:latin typeface="Consolas" panose="020B0609020204030204" pitchFamily="49" charset="0"/>
+              </a:rPr>
+              <a:t> </a:t>
+            </a:r>
+            <a:r>
+              <a:rPr lang="en-US" dirty="0">
+                <a:solidFill>
+                  <a:srgbClr val="008000"/>
+                </a:solidFill>
+                <a:latin typeface="Consolas" panose="020B0609020204030204" pitchFamily="49" charset="0"/>
+              </a:rPr>
+              <a:t>T </a:t>
+            </a:r>
+            <a:r>
+              <a:rPr lang="ru-RU" dirty="0" smtClean="0">
+                <a:solidFill>
+                  <a:srgbClr val="008000"/>
+                </a:solidFill>
+                <a:latin typeface="Consolas" panose="020B0609020204030204" pitchFamily="49" charset="0"/>
+              </a:rPr>
+              <a:t>это тип-аргумент</a:t>
+            </a:r>
+            <a:endParaRPr lang="en-US" dirty="0">
+              <a:solidFill>
+                <a:srgbClr val="000000"/>
+              </a:solidFill>
+              <a:latin typeface="Consolas" panose="020B0609020204030204" pitchFamily="49" charset="0"/>
+            </a:endParaRPr>
+          </a:p>
+          <a:p>
+            <a:r>
+              <a:rPr lang="en-US" dirty="0">
+                <a:solidFill>
+                  <a:srgbClr val="000000"/>
+                </a:solidFill>
+                <a:latin typeface="Consolas" panose="020B0609020204030204" pitchFamily="49" charset="0"/>
+              </a:rPr>
+              <a:t>T </a:t>
+            </a:r>
+            <a:r>
+              <a:rPr lang="en-US" dirty="0" err="1">
+                <a:solidFill>
+                  <a:srgbClr val="000000"/>
+                </a:solidFill>
+                <a:latin typeface="Consolas" panose="020B0609020204030204" pitchFamily="49" charset="0"/>
+              </a:rPr>
+              <a:t>t</a:t>
+            </a:r>
+            <a:r>
+              <a:rPr lang="en-US" dirty="0">
+                <a:solidFill>
+                  <a:srgbClr val="000000"/>
+                </a:solidFill>
+                <a:latin typeface="Consolas" panose="020B0609020204030204" pitchFamily="49" charset="0"/>
+              </a:rPr>
+              <a:t> = </a:t>
+            </a:r>
+            <a:r>
+              <a:rPr lang="en-US" dirty="0" smtClean="0">
+                <a:solidFill>
+                  <a:srgbClr val="0000FF"/>
+                </a:solidFill>
+                <a:latin typeface="Consolas" panose="020B0609020204030204" pitchFamily="49" charset="0"/>
+              </a:rPr>
+              <a:t>default</a:t>
+            </a:r>
+            <a:r>
+              <a:rPr lang="en-US" dirty="0" smtClean="0">
+                <a:solidFill>
+                  <a:srgbClr val="000000"/>
+                </a:solidFill>
+                <a:latin typeface="Consolas" panose="020B0609020204030204" pitchFamily="49" charset="0"/>
+              </a:rPr>
+              <a:t>;</a:t>
+            </a:r>
+            <a:endParaRPr lang="en-US" dirty="0"/>
+          </a:p>
+        </p:txBody>
+      </p:sp>
+      <p:sp>
+        <p:nvSpPr>
+          <p:cNvPr id="4" name="Content Placeholder 3"/>
           <p:cNvSpPr>
             <a:spLocks noGrp="1"/>
           </p:cNvSpPr>
@@ -4988,7 +4973,12 @@
             <p:ph idx="1"/>
           </p:nvPr>
         </p:nvSpPr>
-        <p:spPr/>
+        <p:spPr>
+          <a:xfrm>
+            <a:off x="457200" y="1600201"/>
+            <a:ext cx="8229600" cy="2332856"/>
+          </a:xfrm>
+        </p:spPr>
         <p:txBody>
           <a:bodyPr/>
           <a:lstStyle/>
@@ -4997,17 +4987,33 @@
               <a:buNone/>
             </a:pPr>
             <a:r>
+              <a:rPr lang="ru-RU" smtClean="0"/>
+              <a:t>Начиная с </a:t>
+            </a:r>
+            <a:r>
+              <a:rPr lang="en-US" dirty="0" smtClean="0"/>
+              <a:t>C# </a:t>
+            </a:r>
+            <a:r>
               <a:rPr lang="ru-RU" dirty="0" smtClean="0"/>
-              <a:t>…</a:t>
-            </a:r>
-            <a:endParaRPr lang="ru-RU" dirty="0"/>
+              <a:t>7.1 в </a:t>
+            </a:r>
+            <a:r>
+              <a:rPr lang="en-US" dirty="0" smtClean="0"/>
+              <a:t>default </a:t>
+            </a:r>
+            <a:r>
+              <a:rPr lang="ru-RU" dirty="0" smtClean="0"/>
+              <a:t>не обязательно указывать имя типа.</a:t>
+            </a:r>
+            <a:endParaRPr lang="en-US" dirty="0"/>
           </a:p>
         </p:txBody>
       </p:sp>
     </p:spTree>
     <p:extLst>
       <p:ext uri="{BB962C8B-B14F-4D97-AF65-F5344CB8AC3E}">
-        <p14:creationId xmlns:p14="http://schemas.microsoft.com/office/powerpoint/2010/main" val="4129696699"/>
+        <p14:creationId xmlns:p14="http://schemas.microsoft.com/office/powerpoint/2010/main" val="903035737"/>
       </p:ext>
     </p:extLst>
   </p:cSld>
@@ -5043,7 +5049,7 @@
       </p:grpSpPr>
       <p:sp>
         <p:nvSpPr>
-          <p:cNvPr id="2" name="Title 1"/>
+          <p:cNvPr id="2" name="Заголовок 1"/>
           <p:cNvSpPr>
             <a:spLocks noGrp="1"/>
           </p:cNvSpPr>
@@ -5053,29 +5059,20 @@
         </p:nvSpPr>
         <p:spPr/>
         <p:txBody>
-          <a:bodyPr>
-            <a:normAutofit fontScale="90000"/>
-          </a:bodyPr>
+          <a:bodyPr/>
           <a:lstStyle/>
           <a:p>
             <a:r>
               <a:rPr lang="ru-RU" dirty="0" smtClean="0"/>
-              <a:t>Абстрактные классы</a:t>
-            </a:r>
-            <a:br>
-              <a:rPr lang="ru-RU" dirty="0" smtClean="0"/>
-            </a:br>
-            <a:r>
-              <a:rPr lang="ru-RU" dirty="0" smtClean="0"/>
-              <a:t>и обобщенные методы</a:t>
-            </a:r>
-            <a:endParaRPr lang="en-US" dirty="0"/>
+              <a:t>Обобщенные классы</a:t>
+            </a:r>
+            <a:endParaRPr lang="ru-RU" dirty="0"/>
           </a:p>
         </p:txBody>
       </p:sp>
       <p:sp>
         <p:nvSpPr>
-          <p:cNvPr id="3" name="Content Placeholder 2"/>
+          <p:cNvPr id="3" name="Объект 2"/>
           <p:cNvSpPr>
             <a:spLocks noGrp="1"/>
           </p:cNvSpPr>
@@ -5083,531 +5080,39 @@
             <p:ph idx="1"/>
           </p:nvPr>
         </p:nvSpPr>
-        <p:spPr>
-          <a:solidFill>
-            <a:schemeClr val="bg1"/>
-          </a:solidFill>
-        </p:spPr>
+        <p:spPr/>
         <p:txBody>
-          <a:bodyPr>
-            <a:normAutofit lnSpcReduction="10000"/>
-          </a:bodyPr>
+          <a:bodyPr/>
           <a:lstStyle/>
           <a:p>
             <a:pPr marL="0" indent="0">
               <a:buNone/>
             </a:pPr>
             <a:r>
-              <a:rPr lang="en-US" sz="1800" dirty="0">
-                <a:solidFill>
-                  <a:srgbClr val="0000FF"/>
-                </a:solidFill>
-                <a:latin typeface="Consolas" panose="020B0609020204030204" pitchFamily="49" charset="0"/>
-              </a:rPr>
-              <a:t>abstract</a:t>
-            </a:r>
-            <a:r>
-              <a:rPr lang="en-US" sz="1800" dirty="0">
-                <a:solidFill>
-                  <a:srgbClr val="000000"/>
-                </a:solidFill>
-                <a:latin typeface="Consolas" panose="020B0609020204030204" pitchFamily="49" charset="0"/>
-              </a:rPr>
-              <a:t> </a:t>
-            </a:r>
-            <a:r>
-              <a:rPr lang="en-US" sz="1800" dirty="0">
-                <a:solidFill>
-                  <a:srgbClr val="0000FF"/>
-                </a:solidFill>
-                <a:latin typeface="Consolas" panose="020B0609020204030204" pitchFamily="49" charset="0"/>
-              </a:rPr>
-              <a:t>class</a:t>
-            </a:r>
-            <a:r>
-              <a:rPr lang="en-US" sz="1800" dirty="0">
-                <a:solidFill>
-                  <a:srgbClr val="000000"/>
-                </a:solidFill>
-                <a:latin typeface="Consolas" panose="020B0609020204030204" pitchFamily="49" charset="0"/>
-              </a:rPr>
-              <a:t> Base</a:t>
-            </a:r>
-          </a:p>
-          <a:p>
-            <a:pPr marL="0" indent="0">
-              <a:buNone/>
-            </a:pPr>
-            <a:r>
-              <a:rPr lang="en-US" sz="1800" dirty="0">
-                <a:solidFill>
-                  <a:srgbClr val="000000"/>
-                </a:solidFill>
-                <a:latin typeface="Consolas" panose="020B0609020204030204" pitchFamily="49" charset="0"/>
-              </a:rPr>
-              <a:t>{</a:t>
-            </a:r>
-          </a:p>
-          <a:p>
-            <a:pPr marL="0" indent="0">
-              <a:buNone/>
-            </a:pPr>
-            <a:r>
-              <a:rPr lang="en-US" sz="1800" dirty="0">
-                <a:solidFill>
-                  <a:srgbClr val="000000"/>
-                </a:solidFill>
-                <a:latin typeface="Consolas" panose="020B0609020204030204" pitchFamily="49" charset="0"/>
-              </a:rPr>
-              <a:t>    </a:t>
-            </a:r>
-            <a:r>
-              <a:rPr lang="en-US" sz="1800" dirty="0">
-                <a:solidFill>
-                  <a:srgbClr val="0000FF"/>
-                </a:solidFill>
-                <a:latin typeface="Consolas" panose="020B0609020204030204" pitchFamily="49" charset="0"/>
-              </a:rPr>
-              <a:t>public</a:t>
-            </a:r>
-            <a:r>
-              <a:rPr lang="en-US" sz="1800" dirty="0">
-                <a:solidFill>
-                  <a:srgbClr val="000000"/>
-                </a:solidFill>
-                <a:latin typeface="Consolas" panose="020B0609020204030204" pitchFamily="49" charset="0"/>
-              </a:rPr>
-              <a:t> </a:t>
-            </a:r>
-            <a:r>
-              <a:rPr lang="en-US" sz="1800" dirty="0">
-                <a:solidFill>
-                  <a:srgbClr val="0000FF"/>
-                </a:solidFill>
-                <a:latin typeface="Consolas" panose="020B0609020204030204" pitchFamily="49" charset="0"/>
-              </a:rPr>
-              <a:t>abstract</a:t>
-            </a:r>
-            <a:r>
-              <a:rPr lang="en-US" sz="1800" dirty="0">
-                <a:solidFill>
-                  <a:srgbClr val="000000"/>
-                </a:solidFill>
-                <a:latin typeface="Consolas" panose="020B0609020204030204" pitchFamily="49" charset="0"/>
-              </a:rPr>
-              <a:t> </a:t>
-            </a:r>
-            <a:r>
-              <a:rPr lang="en-US" sz="1800" dirty="0">
-                <a:solidFill>
-                  <a:srgbClr val="0000FF"/>
-                </a:solidFill>
-                <a:latin typeface="Consolas" panose="020B0609020204030204" pitchFamily="49" charset="0"/>
-              </a:rPr>
-              <a:t>void</a:t>
-            </a:r>
-            <a:r>
-              <a:rPr lang="en-US" sz="1800" dirty="0">
-                <a:solidFill>
-                  <a:srgbClr val="000000"/>
-                </a:solidFill>
-                <a:latin typeface="Consolas" panose="020B0609020204030204" pitchFamily="49" charset="0"/>
-              </a:rPr>
-              <a:t> Act&lt;T&gt;(T t) </a:t>
-            </a:r>
-            <a:r>
-              <a:rPr lang="en-US" sz="1800" dirty="0">
-                <a:solidFill>
-                  <a:srgbClr val="0000FF"/>
-                </a:solidFill>
-                <a:latin typeface="Consolas" panose="020B0609020204030204" pitchFamily="49" charset="0"/>
-              </a:rPr>
-              <a:t>where</a:t>
-            </a:r>
-            <a:r>
-              <a:rPr lang="en-US" sz="1800" dirty="0">
-                <a:solidFill>
-                  <a:srgbClr val="000000"/>
-                </a:solidFill>
-                <a:latin typeface="Consolas" panose="020B0609020204030204" pitchFamily="49" charset="0"/>
-              </a:rPr>
-              <a:t> T : </a:t>
-            </a:r>
-            <a:r>
-              <a:rPr lang="en-US" sz="1800" dirty="0" err="1">
-                <a:solidFill>
-                  <a:srgbClr val="000000"/>
-                </a:solidFill>
-                <a:latin typeface="Consolas" panose="020B0609020204030204" pitchFamily="49" charset="0"/>
-              </a:rPr>
-              <a:t>IList</a:t>
-            </a:r>
-            <a:r>
-              <a:rPr lang="en-US" sz="1800" dirty="0">
-                <a:solidFill>
-                  <a:srgbClr val="000000"/>
-                </a:solidFill>
-                <a:latin typeface="Consolas" panose="020B0609020204030204" pitchFamily="49" charset="0"/>
-              </a:rPr>
-              <a:t>&lt;</a:t>
-            </a:r>
-            <a:r>
-              <a:rPr lang="en-US" sz="1800" dirty="0">
-                <a:solidFill>
-                  <a:srgbClr val="0000FF"/>
-                </a:solidFill>
-                <a:latin typeface="Consolas" panose="020B0609020204030204" pitchFamily="49" charset="0"/>
-              </a:rPr>
-              <a:t>string</a:t>
-            </a:r>
-            <a:r>
-              <a:rPr lang="en-US" sz="1800" dirty="0">
-                <a:solidFill>
-                  <a:srgbClr val="000000"/>
-                </a:solidFill>
-                <a:latin typeface="Consolas" panose="020B0609020204030204" pitchFamily="49" charset="0"/>
-              </a:rPr>
-              <a:t>&gt;;</a:t>
-            </a:r>
-          </a:p>
-          <a:p>
-            <a:pPr marL="0" indent="0">
-              <a:buNone/>
-            </a:pPr>
-            <a:r>
-              <a:rPr lang="en-US" sz="1800" dirty="0">
-                <a:solidFill>
-                  <a:srgbClr val="000000"/>
-                </a:solidFill>
-                <a:latin typeface="Consolas" panose="020B0609020204030204" pitchFamily="49" charset="0"/>
-              </a:rPr>
-              <a:t>}</a:t>
-            </a:r>
-          </a:p>
-          <a:p>
-            <a:pPr marL="0" indent="0">
-              <a:buNone/>
-            </a:pPr>
-            <a:endParaRPr lang="en-US" sz="1800" dirty="0">
-              <a:solidFill>
-                <a:srgbClr val="000000"/>
-              </a:solidFill>
-              <a:latin typeface="Consolas" panose="020B0609020204030204" pitchFamily="49" charset="0"/>
-            </a:endParaRPr>
-          </a:p>
-          <a:p>
-            <a:pPr marL="0" indent="0">
-              <a:buNone/>
-            </a:pPr>
-            <a:r>
-              <a:rPr lang="en-US" sz="1800" dirty="0">
-                <a:solidFill>
-                  <a:srgbClr val="0000FF"/>
-                </a:solidFill>
-                <a:latin typeface="Consolas" panose="020B0609020204030204" pitchFamily="49" charset="0"/>
-              </a:rPr>
-              <a:t>class</a:t>
-            </a:r>
-            <a:r>
-              <a:rPr lang="en-US" sz="1800" dirty="0">
-                <a:solidFill>
-                  <a:srgbClr val="000000"/>
-                </a:solidFill>
-                <a:latin typeface="Consolas" panose="020B0609020204030204" pitchFamily="49" charset="0"/>
-              </a:rPr>
-              <a:t> Derived : Base</a:t>
-            </a:r>
-          </a:p>
-          <a:p>
-            <a:pPr marL="0" indent="0">
-              <a:buNone/>
-            </a:pPr>
-            <a:r>
-              <a:rPr lang="en-US" sz="1800" dirty="0" smtClean="0">
-                <a:solidFill>
-                  <a:srgbClr val="000000"/>
-                </a:solidFill>
-                <a:latin typeface="Consolas" panose="020B0609020204030204" pitchFamily="49" charset="0"/>
-              </a:rPr>
-              <a:t>{</a:t>
-            </a:r>
-            <a:endParaRPr lang="ru-RU" sz="1800" dirty="0" smtClean="0">
-              <a:solidFill>
-                <a:srgbClr val="000000"/>
-              </a:solidFill>
-              <a:latin typeface="Consolas" panose="020B0609020204030204" pitchFamily="49" charset="0"/>
-            </a:endParaRPr>
-          </a:p>
-          <a:p>
-            <a:pPr marL="0" indent="0">
-              <a:buNone/>
-            </a:pPr>
-            <a:r>
-              <a:rPr lang="ru-RU" sz="1800" dirty="0" smtClean="0">
-                <a:solidFill>
-                  <a:srgbClr val="008000"/>
-                </a:solidFill>
-                <a:latin typeface="Consolas" panose="020B0609020204030204" pitchFamily="49" charset="0"/>
-              </a:rPr>
-              <a:t>    </a:t>
-            </a:r>
-            <a:r>
-              <a:rPr lang="en-US" sz="1800" dirty="0" smtClean="0">
-                <a:solidFill>
-                  <a:srgbClr val="008000"/>
-                </a:solidFill>
-                <a:latin typeface="Consolas" panose="020B0609020204030204" pitchFamily="49" charset="0"/>
-              </a:rPr>
-              <a:t>//</a:t>
-            </a:r>
-            <a:r>
-              <a:rPr lang="ru-RU" sz="1800" dirty="0" smtClean="0">
-                <a:solidFill>
-                  <a:srgbClr val="008000"/>
-                </a:solidFill>
-                <a:latin typeface="Consolas" panose="020B0609020204030204" pitchFamily="49" charset="0"/>
-              </a:rPr>
-              <a:t> Для </a:t>
-            </a:r>
-            <a:r>
-              <a:rPr lang="en-US" sz="1800" dirty="0" smtClean="0">
-                <a:solidFill>
-                  <a:srgbClr val="008000"/>
-                </a:solidFill>
-                <a:latin typeface="Consolas" panose="020B0609020204030204" pitchFamily="49" charset="0"/>
-              </a:rPr>
-              <a:t>override </a:t>
-            </a:r>
-            <a:r>
-              <a:rPr lang="ru-RU" sz="1800" dirty="0" smtClean="0">
-                <a:solidFill>
-                  <a:srgbClr val="008000"/>
-                </a:solidFill>
-                <a:latin typeface="Consolas" panose="020B0609020204030204" pitchFamily="49" charset="0"/>
-              </a:rPr>
-              <a:t>метода нельзя указывать ограничения</a:t>
-            </a:r>
-          </a:p>
-          <a:p>
-            <a:pPr marL="0" indent="0">
-              <a:buNone/>
-            </a:pPr>
-            <a:r>
-              <a:rPr lang="ru-RU" sz="1800" dirty="0">
-                <a:solidFill>
-                  <a:srgbClr val="008000"/>
-                </a:solidFill>
-                <a:latin typeface="Consolas" panose="020B0609020204030204" pitchFamily="49" charset="0"/>
-              </a:rPr>
-              <a:t> </a:t>
-            </a:r>
-            <a:r>
-              <a:rPr lang="ru-RU" sz="1800" dirty="0" smtClean="0">
-                <a:solidFill>
-                  <a:srgbClr val="008000"/>
-                </a:solidFill>
-                <a:latin typeface="Consolas" panose="020B0609020204030204" pitchFamily="49" charset="0"/>
-              </a:rPr>
-              <a:t>   </a:t>
-            </a:r>
-            <a:r>
-              <a:rPr lang="en-US" sz="1800" dirty="0" smtClean="0">
-                <a:solidFill>
-                  <a:srgbClr val="008000"/>
-                </a:solidFill>
-                <a:latin typeface="Consolas" panose="020B0609020204030204" pitchFamily="49" charset="0"/>
-              </a:rPr>
-              <a:t>//</a:t>
-            </a:r>
-            <a:r>
-              <a:rPr lang="ru-RU" sz="1800" dirty="0" smtClean="0">
-                <a:solidFill>
-                  <a:srgbClr val="008000"/>
-                </a:solidFill>
-                <a:latin typeface="Consolas" panose="020B0609020204030204" pitchFamily="49" charset="0"/>
-              </a:rPr>
-              <a:t> Они наследуются от родительского метода</a:t>
-            </a:r>
-            <a:endParaRPr lang="en-US" sz="1800" dirty="0">
-              <a:solidFill>
-                <a:srgbClr val="000000"/>
-              </a:solidFill>
-              <a:latin typeface="Consolas" panose="020B0609020204030204" pitchFamily="49" charset="0"/>
-            </a:endParaRPr>
-          </a:p>
-          <a:p>
-            <a:pPr marL="0" indent="0">
-              <a:buNone/>
-            </a:pPr>
-            <a:r>
-              <a:rPr lang="fr-FR" sz="1800" dirty="0">
-                <a:solidFill>
-                  <a:srgbClr val="000000"/>
-                </a:solidFill>
-                <a:latin typeface="Consolas" panose="020B0609020204030204" pitchFamily="49" charset="0"/>
-              </a:rPr>
-              <a:t>    </a:t>
-            </a:r>
-            <a:r>
-              <a:rPr lang="fr-FR" sz="1800" dirty="0">
-                <a:solidFill>
-                  <a:srgbClr val="0000FF"/>
-                </a:solidFill>
-                <a:latin typeface="Consolas" panose="020B0609020204030204" pitchFamily="49" charset="0"/>
-              </a:rPr>
-              <a:t>public</a:t>
-            </a:r>
-            <a:r>
-              <a:rPr lang="fr-FR" sz="1800" dirty="0">
-                <a:solidFill>
-                  <a:srgbClr val="000000"/>
-                </a:solidFill>
-                <a:latin typeface="Consolas" panose="020B0609020204030204" pitchFamily="49" charset="0"/>
-              </a:rPr>
-              <a:t> </a:t>
-            </a:r>
-            <a:r>
-              <a:rPr lang="fr-FR" sz="1800" dirty="0">
-                <a:solidFill>
-                  <a:srgbClr val="0000FF"/>
-                </a:solidFill>
-                <a:latin typeface="Consolas" panose="020B0609020204030204" pitchFamily="49" charset="0"/>
-              </a:rPr>
-              <a:t>override</a:t>
-            </a:r>
-            <a:r>
-              <a:rPr lang="fr-FR" sz="1800" dirty="0">
-                <a:solidFill>
-                  <a:srgbClr val="000000"/>
-                </a:solidFill>
-                <a:latin typeface="Consolas" panose="020B0609020204030204" pitchFamily="49" charset="0"/>
-              </a:rPr>
-              <a:t> </a:t>
-            </a:r>
-            <a:r>
-              <a:rPr lang="fr-FR" sz="1800" dirty="0">
-                <a:solidFill>
-                  <a:srgbClr val="0000FF"/>
-                </a:solidFill>
-                <a:latin typeface="Consolas" panose="020B0609020204030204" pitchFamily="49" charset="0"/>
-              </a:rPr>
-              <a:t>void</a:t>
-            </a:r>
-            <a:r>
-              <a:rPr lang="fr-FR" sz="1800" dirty="0">
-                <a:solidFill>
-                  <a:srgbClr val="000000"/>
-                </a:solidFill>
-                <a:latin typeface="Consolas" panose="020B0609020204030204" pitchFamily="49" charset="0"/>
-              </a:rPr>
-              <a:t> Act&lt;T&gt;(T t)</a:t>
-            </a:r>
-          </a:p>
-          <a:p>
-            <a:pPr marL="0" indent="0">
-              <a:buNone/>
-            </a:pPr>
-            <a:r>
-              <a:rPr lang="en-US" sz="1800" dirty="0">
-                <a:solidFill>
-                  <a:srgbClr val="000000"/>
-                </a:solidFill>
-                <a:latin typeface="Consolas" panose="020B0609020204030204" pitchFamily="49" charset="0"/>
-              </a:rPr>
-              <a:t>    {</a:t>
-            </a:r>
-          </a:p>
-          <a:p>
-            <a:pPr marL="0" indent="0">
-              <a:buNone/>
-            </a:pPr>
-            <a:r>
-              <a:rPr lang="en-US" sz="1800" dirty="0">
-                <a:solidFill>
-                  <a:srgbClr val="000000"/>
-                </a:solidFill>
-                <a:latin typeface="Consolas" panose="020B0609020204030204" pitchFamily="49" charset="0"/>
-              </a:rPr>
-              <a:t>        </a:t>
-            </a:r>
-            <a:r>
-              <a:rPr lang="en-US" sz="1800" dirty="0" err="1">
-                <a:solidFill>
-                  <a:srgbClr val="000000"/>
-                </a:solidFill>
-                <a:latin typeface="Consolas" panose="020B0609020204030204" pitchFamily="49" charset="0"/>
-              </a:rPr>
-              <a:t>t.Add</a:t>
-            </a:r>
-            <a:r>
-              <a:rPr lang="en-US" sz="1800" dirty="0">
-                <a:solidFill>
-                  <a:srgbClr val="000000"/>
-                </a:solidFill>
-                <a:latin typeface="Consolas" panose="020B0609020204030204" pitchFamily="49" charset="0"/>
-              </a:rPr>
-              <a:t>(</a:t>
-            </a:r>
-            <a:r>
-              <a:rPr lang="en-US" sz="1800" dirty="0">
-                <a:solidFill>
-                  <a:srgbClr val="DC1414"/>
-                </a:solidFill>
-                <a:latin typeface="Consolas" panose="020B0609020204030204" pitchFamily="49" charset="0"/>
-              </a:rPr>
-              <a:t>"Some string"</a:t>
-            </a:r>
-            <a:r>
-              <a:rPr lang="en-US" sz="1800" dirty="0">
-                <a:solidFill>
-                  <a:srgbClr val="000000"/>
-                </a:solidFill>
-                <a:latin typeface="Consolas" panose="020B0609020204030204" pitchFamily="49" charset="0"/>
-              </a:rPr>
-              <a:t>);</a:t>
-            </a:r>
-          </a:p>
-          <a:p>
-            <a:pPr marL="0" indent="0">
-              <a:buNone/>
-            </a:pPr>
-            <a:r>
-              <a:rPr lang="en-US" sz="1800" dirty="0">
-                <a:solidFill>
-                  <a:srgbClr val="000000"/>
-                </a:solidFill>
-                <a:latin typeface="Consolas" panose="020B0609020204030204" pitchFamily="49" charset="0"/>
-              </a:rPr>
-              <a:t>    }</a:t>
-            </a:r>
-          </a:p>
-          <a:p>
-            <a:pPr marL="0" indent="0">
-              <a:buNone/>
-            </a:pPr>
-            <a:r>
-              <a:rPr lang="en-US" sz="1800" dirty="0">
-                <a:solidFill>
-                  <a:srgbClr val="000000"/>
-                </a:solidFill>
-                <a:latin typeface="Consolas" panose="020B0609020204030204" pitchFamily="49" charset="0"/>
-              </a:rPr>
-              <a:t>}</a:t>
-            </a:r>
-            <a:endParaRPr lang="ru-RU" sz="1800" dirty="0" smtClean="0"/>
+              <a:rPr lang="ru-RU" dirty="0" smtClean="0"/>
+              <a:t>…</a:t>
+            </a:r>
+            <a:endParaRPr lang="ru-RU" dirty="0"/>
           </a:p>
         </p:txBody>
       </p:sp>
     </p:spTree>
     <p:extLst>
       <p:ext uri="{BB962C8B-B14F-4D97-AF65-F5344CB8AC3E}">
-        <p14:creationId xmlns:p14="http://schemas.microsoft.com/office/powerpoint/2010/main" val="3252223192"/>
+        <p14:creationId xmlns:p14="http://schemas.microsoft.com/office/powerpoint/2010/main" val="4129696699"/>
       </p:ext>
     </p:extLst>
   </p:cSld>
   <p:clrMapOvr>
     <a:masterClrMapping/>
   </p:clrMapOvr>
+  <p:timing>
+    <p:tnLst>
+      <p:par>
+        <p:cTn id="1" dur="indefinite" restart="never" nodeType="tmRoot"/>
+      </p:par>
+    </p:tnLst>
+  </p:timing>
 </p:sld>
 </file>
 
@@ -5683,6 +5188,27 @@
               <a:rPr lang="ru-RU" sz="2800" dirty="0" smtClean="0"/>
               <a:t>.</a:t>
             </a:r>
+            <a:endParaRPr lang="en-US" sz="2800" dirty="0" smtClean="0"/>
+          </a:p>
+          <a:p>
+            <a:pPr marL="0" indent="0">
+              <a:buNone/>
+            </a:pPr>
+            <a:endParaRPr lang="en-US" sz="2800" dirty="0"/>
+          </a:p>
+          <a:p>
+            <a:pPr marL="0" indent="0">
+              <a:buNone/>
+            </a:pPr>
+            <a:r>
+              <a:rPr lang="ru-RU" sz="2800" dirty="0" smtClean="0"/>
+              <a:t>Другое название - </a:t>
+            </a:r>
+            <a:r>
+              <a:rPr lang="ru-RU" sz="2800" smtClean="0"/>
+              <a:t>параметрический полиморфизм.</a:t>
+            </a:r>
+            <a:endParaRPr lang="ru-RU" sz="2800" dirty="0" smtClean="0"/>
           </a:p>
           <a:p>
             <a:pPr marL="0" indent="0">
@@ -5748,16 +5274,21 @@
         </p:nvSpPr>
         <p:spPr/>
         <p:txBody>
-          <a:bodyPr/>
+          <a:bodyPr>
+            <a:normAutofit fontScale="90000"/>
+          </a:bodyPr>
           <a:lstStyle/>
           <a:p>
             <a:r>
-              <a:rPr lang="en-US" dirty="0" smtClean="0"/>
-              <a:t>static </a:t>
-            </a:r>
-            <a:r>
               <a:rPr lang="ru-RU" dirty="0" smtClean="0"/>
-              <a:t>поля в обобщенных классах</a:t>
+              <a:t>Абстрактные классы</a:t>
+            </a:r>
+            <a:br>
+              <a:rPr lang="ru-RU" dirty="0" smtClean="0"/>
+            </a:br>
+            <a:r>
+              <a:rPr lang="ru-RU" dirty="0" smtClean="0"/>
+              <a:t>и обобщенные методы</a:t>
             </a:r>
             <a:endParaRPr lang="en-US" dirty="0"/>
           </a:p>
@@ -5773,34 +5304,525 @@
             <p:ph idx="1"/>
           </p:nvPr>
         </p:nvSpPr>
-        <p:spPr/>
+        <p:spPr>
+          <a:solidFill>
+            <a:schemeClr val="bg1"/>
+          </a:solidFill>
+        </p:spPr>
         <p:txBody>
-          <a:bodyPr/>
+          <a:bodyPr>
+            <a:normAutofit lnSpcReduction="10000"/>
+          </a:bodyPr>
           <a:lstStyle/>
           <a:p>
             <a:pPr marL="0" indent="0">
               <a:buNone/>
             </a:pPr>
             <a:r>
-              <a:rPr lang="ru-RU" dirty="0" smtClean="0"/>
-              <a:t>Для каждой комбинации тип-аргументов создается свое </a:t>
-            </a:r>
-            <a:r>
-              <a:rPr lang="en-US" dirty="0" smtClean="0"/>
-              <a:t>static </a:t>
-            </a:r>
-            <a:r>
-              <a:rPr lang="ru-RU" smtClean="0"/>
-              <a:t>поле.</a:t>
-            </a:r>
-            <a:endParaRPr lang="en-US"/>
+              <a:rPr lang="en-US" sz="1800" dirty="0">
+                <a:solidFill>
+                  <a:srgbClr val="0000FF"/>
+                </a:solidFill>
+                <a:latin typeface="Consolas" panose="020B0609020204030204" pitchFamily="49" charset="0"/>
+              </a:rPr>
+              <a:t>abstract</a:t>
+            </a:r>
+            <a:r>
+              <a:rPr lang="en-US" sz="1800" dirty="0">
+                <a:solidFill>
+                  <a:srgbClr val="000000"/>
+                </a:solidFill>
+                <a:latin typeface="Consolas" panose="020B0609020204030204" pitchFamily="49" charset="0"/>
+              </a:rPr>
+              <a:t> </a:t>
+            </a:r>
+            <a:r>
+              <a:rPr lang="en-US" sz="1800" dirty="0">
+                <a:solidFill>
+                  <a:srgbClr val="0000FF"/>
+                </a:solidFill>
+                <a:latin typeface="Consolas" panose="020B0609020204030204" pitchFamily="49" charset="0"/>
+              </a:rPr>
+              <a:t>class</a:t>
+            </a:r>
+            <a:r>
+              <a:rPr lang="en-US" sz="1800" dirty="0">
+                <a:solidFill>
+                  <a:srgbClr val="000000"/>
+                </a:solidFill>
+                <a:latin typeface="Consolas" panose="020B0609020204030204" pitchFamily="49" charset="0"/>
+              </a:rPr>
+              <a:t> Base</a:t>
+            </a:r>
+          </a:p>
+          <a:p>
+            <a:pPr marL="0" indent="0">
+              <a:buNone/>
+            </a:pPr>
+            <a:r>
+              <a:rPr lang="en-US" sz="1800" dirty="0">
+                <a:solidFill>
+                  <a:srgbClr val="000000"/>
+                </a:solidFill>
+                <a:latin typeface="Consolas" panose="020B0609020204030204" pitchFamily="49" charset="0"/>
+              </a:rPr>
+              <a:t>{</a:t>
+            </a:r>
+          </a:p>
+          <a:p>
+            <a:pPr marL="0" indent="0">
+              <a:buNone/>
+            </a:pPr>
+            <a:r>
+              <a:rPr lang="en-US" sz="1800" dirty="0">
+                <a:solidFill>
+                  <a:srgbClr val="000000"/>
+                </a:solidFill>
+                <a:latin typeface="Consolas" panose="020B0609020204030204" pitchFamily="49" charset="0"/>
+              </a:rPr>
+              <a:t>    </a:t>
+            </a:r>
+            <a:r>
+              <a:rPr lang="en-US" sz="1800" dirty="0">
+                <a:solidFill>
+                  <a:srgbClr val="0000FF"/>
+                </a:solidFill>
+                <a:latin typeface="Consolas" panose="020B0609020204030204" pitchFamily="49" charset="0"/>
+              </a:rPr>
+              <a:t>public</a:t>
+            </a:r>
+            <a:r>
+              <a:rPr lang="en-US" sz="1800" dirty="0">
+                <a:solidFill>
+                  <a:srgbClr val="000000"/>
+                </a:solidFill>
+                <a:latin typeface="Consolas" panose="020B0609020204030204" pitchFamily="49" charset="0"/>
+              </a:rPr>
+              <a:t> </a:t>
+            </a:r>
+            <a:r>
+              <a:rPr lang="en-US" sz="1800" dirty="0">
+                <a:solidFill>
+                  <a:srgbClr val="0000FF"/>
+                </a:solidFill>
+                <a:latin typeface="Consolas" panose="020B0609020204030204" pitchFamily="49" charset="0"/>
+              </a:rPr>
+              <a:t>abstract</a:t>
+            </a:r>
+            <a:r>
+              <a:rPr lang="en-US" sz="1800" dirty="0">
+                <a:solidFill>
+                  <a:srgbClr val="000000"/>
+                </a:solidFill>
+                <a:latin typeface="Consolas" panose="020B0609020204030204" pitchFamily="49" charset="0"/>
+              </a:rPr>
+              <a:t> </a:t>
+            </a:r>
+            <a:r>
+              <a:rPr lang="en-US" sz="1800" dirty="0">
+                <a:solidFill>
+                  <a:srgbClr val="0000FF"/>
+                </a:solidFill>
+                <a:latin typeface="Consolas" panose="020B0609020204030204" pitchFamily="49" charset="0"/>
+              </a:rPr>
+              <a:t>void</a:t>
+            </a:r>
+            <a:r>
+              <a:rPr lang="en-US" sz="1800" dirty="0">
+                <a:solidFill>
+                  <a:srgbClr val="000000"/>
+                </a:solidFill>
+                <a:latin typeface="Consolas" panose="020B0609020204030204" pitchFamily="49" charset="0"/>
+              </a:rPr>
+              <a:t> Act&lt;T&gt;(T t) </a:t>
+            </a:r>
+            <a:r>
+              <a:rPr lang="en-US" sz="1800" dirty="0">
+                <a:solidFill>
+                  <a:srgbClr val="0000FF"/>
+                </a:solidFill>
+                <a:latin typeface="Consolas" panose="020B0609020204030204" pitchFamily="49" charset="0"/>
+              </a:rPr>
+              <a:t>where</a:t>
+            </a:r>
+            <a:r>
+              <a:rPr lang="en-US" sz="1800" dirty="0">
+                <a:solidFill>
+                  <a:srgbClr val="000000"/>
+                </a:solidFill>
+                <a:latin typeface="Consolas" panose="020B0609020204030204" pitchFamily="49" charset="0"/>
+              </a:rPr>
+              <a:t> T : </a:t>
+            </a:r>
+            <a:r>
+              <a:rPr lang="en-US" sz="1800" dirty="0" err="1">
+                <a:solidFill>
+                  <a:srgbClr val="000000"/>
+                </a:solidFill>
+                <a:latin typeface="Consolas" panose="020B0609020204030204" pitchFamily="49" charset="0"/>
+              </a:rPr>
+              <a:t>IList</a:t>
+            </a:r>
+            <a:r>
+              <a:rPr lang="en-US" sz="1800" dirty="0">
+                <a:solidFill>
+                  <a:srgbClr val="000000"/>
+                </a:solidFill>
+                <a:latin typeface="Consolas" panose="020B0609020204030204" pitchFamily="49" charset="0"/>
+              </a:rPr>
+              <a:t>&lt;</a:t>
+            </a:r>
+            <a:r>
+              <a:rPr lang="en-US" sz="1800" dirty="0">
+                <a:solidFill>
+                  <a:srgbClr val="0000FF"/>
+                </a:solidFill>
+                <a:latin typeface="Consolas" panose="020B0609020204030204" pitchFamily="49" charset="0"/>
+              </a:rPr>
+              <a:t>string</a:t>
+            </a:r>
+            <a:r>
+              <a:rPr lang="en-US" sz="1800" dirty="0">
+                <a:solidFill>
+                  <a:srgbClr val="000000"/>
+                </a:solidFill>
+                <a:latin typeface="Consolas" panose="020B0609020204030204" pitchFamily="49" charset="0"/>
+              </a:rPr>
+              <a:t>&gt;;</a:t>
+            </a:r>
+          </a:p>
+          <a:p>
+            <a:pPr marL="0" indent="0">
+              <a:buNone/>
+            </a:pPr>
+            <a:r>
+              <a:rPr lang="en-US" sz="1800" dirty="0">
+                <a:solidFill>
+                  <a:srgbClr val="000000"/>
+                </a:solidFill>
+                <a:latin typeface="Consolas" panose="020B0609020204030204" pitchFamily="49" charset="0"/>
+              </a:rPr>
+              <a:t>}</a:t>
+            </a:r>
+          </a:p>
+          <a:p>
+            <a:pPr marL="0" indent="0">
+              <a:buNone/>
+            </a:pPr>
+            <a:endParaRPr lang="en-US" sz="1800" dirty="0">
+              <a:solidFill>
+                <a:srgbClr val="000000"/>
+              </a:solidFill>
+              <a:latin typeface="Consolas" panose="020B0609020204030204" pitchFamily="49" charset="0"/>
+            </a:endParaRPr>
+          </a:p>
+          <a:p>
+            <a:pPr marL="0" indent="0">
+              <a:buNone/>
+            </a:pPr>
+            <a:r>
+              <a:rPr lang="en-US" sz="1800" dirty="0">
+                <a:solidFill>
+                  <a:srgbClr val="0000FF"/>
+                </a:solidFill>
+                <a:latin typeface="Consolas" panose="020B0609020204030204" pitchFamily="49" charset="0"/>
+              </a:rPr>
+              <a:t>class</a:t>
+            </a:r>
+            <a:r>
+              <a:rPr lang="en-US" sz="1800" dirty="0">
+                <a:solidFill>
+                  <a:srgbClr val="000000"/>
+                </a:solidFill>
+                <a:latin typeface="Consolas" panose="020B0609020204030204" pitchFamily="49" charset="0"/>
+              </a:rPr>
+              <a:t> Derived : Base</a:t>
+            </a:r>
+          </a:p>
+          <a:p>
+            <a:pPr marL="0" indent="0">
+              <a:buNone/>
+            </a:pPr>
+            <a:r>
+              <a:rPr lang="en-US" sz="1800" dirty="0" smtClean="0">
+                <a:solidFill>
+                  <a:srgbClr val="000000"/>
+                </a:solidFill>
+                <a:latin typeface="Consolas" panose="020B0609020204030204" pitchFamily="49" charset="0"/>
+              </a:rPr>
+              <a:t>{</a:t>
+            </a:r>
+            <a:endParaRPr lang="ru-RU" sz="1800" dirty="0" smtClean="0">
+              <a:solidFill>
+                <a:srgbClr val="000000"/>
+              </a:solidFill>
+              <a:latin typeface="Consolas" panose="020B0609020204030204" pitchFamily="49" charset="0"/>
+            </a:endParaRPr>
+          </a:p>
+          <a:p>
+            <a:pPr marL="0" indent="0">
+              <a:buNone/>
+            </a:pPr>
+            <a:r>
+              <a:rPr lang="ru-RU" sz="1800" dirty="0" smtClean="0">
+                <a:solidFill>
+                  <a:srgbClr val="008000"/>
+                </a:solidFill>
+                <a:latin typeface="Consolas" panose="020B0609020204030204" pitchFamily="49" charset="0"/>
+              </a:rPr>
+              <a:t>    </a:t>
+            </a:r>
+            <a:r>
+              <a:rPr lang="en-US" sz="1800" dirty="0" smtClean="0">
+                <a:solidFill>
+                  <a:srgbClr val="008000"/>
+                </a:solidFill>
+                <a:latin typeface="Consolas" panose="020B0609020204030204" pitchFamily="49" charset="0"/>
+              </a:rPr>
+              <a:t>//</a:t>
+            </a:r>
+            <a:r>
+              <a:rPr lang="ru-RU" sz="1800" dirty="0" smtClean="0">
+                <a:solidFill>
+                  <a:srgbClr val="008000"/>
+                </a:solidFill>
+                <a:latin typeface="Consolas" panose="020B0609020204030204" pitchFamily="49" charset="0"/>
+              </a:rPr>
+              <a:t> Для </a:t>
+            </a:r>
+            <a:r>
+              <a:rPr lang="en-US" sz="1800" dirty="0" smtClean="0">
+                <a:solidFill>
+                  <a:srgbClr val="008000"/>
+                </a:solidFill>
+                <a:latin typeface="Consolas" panose="020B0609020204030204" pitchFamily="49" charset="0"/>
+              </a:rPr>
+              <a:t>override </a:t>
+            </a:r>
+            <a:r>
+              <a:rPr lang="ru-RU" sz="1800" dirty="0" smtClean="0">
+                <a:solidFill>
+                  <a:srgbClr val="008000"/>
+                </a:solidFill>
+                <a:latin typeface="Consolas" panose="020B0609020204030204" pitchFamily="49" charset="0"/>
+              </a:rPr>
+              <a:t>метода нельзя указывать ограничения</a:t>
+            </a:r>
+          </a:p>
+          <a:p>
+            <a:pPr marL="0" indent="0">
+              <a:buNone/>
+            </a:pPr>
+            <a:r>
+              <a:rPr lang="ru-RU" sz="1800" dirty="0">
+                <a:solidFill>
+                  <a:srgbClr val="008000"/>
+                </a:solidFill>
+                <a:latin typeface="Consolas" panose="020B0609020204030204" pitchFamily="49" charset="0"/>
+              </a:rPr>
+              <a:t> </a:t>
+            </a:r>
+            <a:r>
+              <a:rPr lang="ru-RU" sz="1800" dirty="0" smtClean="0">
+                <a:solidFill>
+                  <a:srgbClr val="008000"/>
+                </a:solidFill>
+                <a:latin typeface="Consolas" panose="020B0609020204030204" pitchFamily="49" charset="0"/>
+              </a:rPr>
+              <a:t>   </a:t>
+            </a:r>
+            <a:r>
+              <a:rPr lang="en-US" sz="1800" dirty="0" smtClean="0">
+                <a:solidFill>
+                  <a:srgbClr val="008000"/>
+                </a:solidFill>
+                <a:latin typeface="Consolas" panose="020B0609020204030204" pitchFamily="49" charset="0"/>
+              </a:rPr>
+              <a:t>//</a:t>
+            </a:r>
+            <a:r>
+              <a:rPr lang="ru-RU" sz="1800" dirty="0" smtClean="0">
+                <a:solidFill>
+                  <a:srgbClr val="008000"/>
+                </a:solidFill>
+                <a:latin typeface="Consolas" panose="020B0609020204030204" pitchFamily="49" charset="0"/>
+              </a:rPr>
+              <a:t> Они наследуются от родительского метода</a:t>
+            </a:r>
+            <a:endParaRPr lang="en-US" sz="1800" dirty="0">
+              <a:solidFill>
+                <a:srgbClr val="000000"/>
+              </a:solidFill>
+              <a:latin typeface="Consolas" panose="020B0609020204030204" pitchFamily="49" charset="0"/>
+            </a:endParaRPr>
+          </a:p>
+          <a:p>
+            <a:pPr marL="0" indent="0">
+              <a:buNone/>
+            </a:pPr>
+            <a:r>
+              <a:rPr lang="fr-FR" sz="1800" dirty="0">
+                <a:solidFill>
+                  <a:srgbClr val="000000"/>
+                </a:solidFill>
+                <a:latin typeface="Consolas" panose="020B0609020204030204" pitchFamily="49" charset="0"/>
+              </a:rPr>
+              <a:t>    </a:t>
+            </a:r>
+            <a:r>
+              <a:rPr lang="fr-FR" sz="1800" dirty="0">
+                <a:solidFill>
+                  <a:srgbClr val="0000FF"/>
+                </a:solidFill>
+                <a:latin typeface="Consolas" panose="020B0609020204030204" pitchFamily="49" charset="0"/>
+              </a:rPr>
+              <a:t>public</a:t>
+            </a:r>
+            <a:r>
+              <a:rPr lang="fr-FR" sz="1800" dirty="0">
+                <a:solidFill>
+                  <a:srgbClr val="000000"/>
+                </a:solidFill>
+                <a:latin typeface="Consolas" panose="020B0609020204030204" pitchFamily="49" charset="0"/>
+              </a:rPr>
+              <a:t> </a:t>
+            </a:r>
+            <a:r>
+              <a:rPr lang="fr-FR" sz="1800" dirty="0">
+                <a:solidFill>
+                  <a:srgbClr val="0000FF"/>
+                </a:solidFill>
+                <a:latin typeface="Consolas" panose="020B0609020204030204" pitchFamily="49" charset="0"/>
+              </a:rPr>
+              <a:t>override</a:t>
+            </a:r>
+            <a:r>
+              <a:rPr lang="fr-FR" sz="1800" dirty="0">
+                <a:solidFill>
+                  <a:srgbClr val="000000"/>
+                </a:solidFill>
+                <a:latin typeface="Consolas" panose="020B0609020204030204" pitchFamily="49" charset="0"/>
+              </a:rPr>
+              <a:t> </a:t>
+            </a:r>
+            <a:r>
+              <a:rPr lang="fr-FR" sz="1800" dirty="0">
+                <a:solidFill>
+                  <a:srgbClr val="0000FF"/>
+                </a:solidFill>
+                <a:latin typeface="Consolas" panose="020B0609020204030204" pitchFamily="49" charset="0"/>
+              </a:rPr>
+              <a:t>void</a:t>
+            </a:r>
+            <a:r>
+              <a:rPr lang="fr-FR" sz="1800" dirty="0">
+                <a:solidFill>
+                  <a:srgbClr val="000000"/>
+                </a:solidFill>
+                <a:latin typeface="Consolas" panose="020B0609020204030204" pitchFamily="49" charset="0"/>
+              </a:rPr>
+              <a:t> Act&lt;T&gt;(T t)</a:t>
+            </a:r>
+          </a:p>
+          <a:p>
+            <a:pPr marL="0" indent="0">
+              <a:buNone/>
+            </a:pPr>
+            <a:r>
+              <a:rPr lang="en-US" sz="1800" dirty="0">
+                <a:solidFill>
+                  <a:srgbClr val="000000"/>
+                </a:solidFill>
+                <a:latin typeface="Consolas" panose="020B0609020204030204" pitchFamily="49" charset="0"/>
+              </a:rPr>
+              <a:t>    {</a:t>
+            </a:r>
+          </a:p>
+          <a:p>
+            <a:pPr marL="0" indent="0">
+              <a:buNone/>
+            </a:pPr>
+            <a:r>
+              <a:rPr lang="en-US" sz="1800" dirty="0">
+                <a:solidFill>
+                  <a:srgbClr val="000000"/>
+                </a:solidFill>
+                <a:latin typeface="Consolas" panose="020B0609020204030204" pitchFamily="49" charset="0"/>
+              </a:rPr>
+              <a:t>        </a:t>
+            </a:r>
+            <a:r>
+              <a:rPr lang="en-US" sz="1800" dirty="0" err="1">
+                <a:solidFill>
+                  <a:srgbClr val="000000"/>
+                </a:solidFill>
+                <a:latin typeface="Consolas" panose="020B0609020204030204" pitchFamily="49" charset="0"/>
+              </a:rPr>
+              <a:t>t.Add</a:t>
+            </a:r>
+            <a:r>
+              <a:rPr lang="en-US" sz="1800" dirty="0">
+                <a:solidFill>
+                  <a:srgbClr val="000000"/>
+                </a:solidFill>
+                <a:latin typeface="Consolas" panose="020B0609020204030204" pitchFamily="49" charset="0"/>
+              </a:rPr>
+              <a:t>(</a:t>
+            </a:r>
+            <a:r>
+              <a:rPr lang="en-US" sz="1800" dirty="0">
+                <a:solidFill>
+                  <a:srgbClr val="DC1414"/>
+                </a:solidFill>
+                <a:latin typeface="Consolas" panose="020B0609020204030204" pitchFamily="49" charset="0"/>
+              </a:rPr>
+              <a:t>"Some string"</a:t>
+            </a:r>
+            <a:r>
+              <a:rPr lang="en-US" sz="1800" dirty="0">
+                <a:solidFill>
+                  <a:srgbClr val="000000"/>
+                </a:solidFill>
+                <a:latin typeface="Consolas" panose="020B0609020204030204" pitchFamily="49" charset="0"/>
+              </a:rPr>
+              <a:t>);</a:t>
+            </a:r>
+          </a:p>
+          <a:p>
+            <a:pPr marL="0" indent="0">
+              <a:buNone/>
+            </a:pPr>
+            <a:r>
+              <a:rPr lang="en-US" sz="1800" dirty="0">
+                <a:solidFill>
+                  <a:srgbClr val="000000"/>
+                </a:solidFill>
+                <a:latin typeface="Consolas" panose="020B0609020204030204" pitchFamily="49" charset="0"/>
+              </a:rPr>
+              <a:t>    }</a:t>
+            </a:r>
+          </a:p>
+          <a:p>
+            <a:pPr marL="0" indent="0">
+              <a:buNone/>
+            </a:pPr>
+            <a:r>
+              <a:rPr lang="en-US" sz="1800" dirty="0">
+                <a:solidFill>
+                  <a:srgbClr val="000000"/>
+                </a:solidFill>
+                <a:latin typeface="Consolas" panose="020B0609020204030204" pitchFamily="49" charset="0"/>
+              </a:rPr>
+              <a:t>}</a:t>
+            </a:r>
+            <a:endParaRPr lang="ru-RU" sz="1800" dirty="0" smtClean="0"/>
           </a:p>
         </p:txBody>
       </p:sp>
     </p:spTree>
     <p:extLst>
       <p:ext uri="{BB962C8B-B14F-4D97-AF65-F5344CB8AC3E}">
-        <p14:creationId xmlns:p14="http://schemas.microsoft.com/office/powerpoint/2010/main" val="1870935316"/>
+        <p14:creationId xmlns:p14="http://schemas.microsoft.com/office/powerpoint/2010/main" val="3252223192"/>
       </p:ext>
     </p:extLst>
   </p:cSld>
@@ -5829,7 +5851,7 @@
       </p:grpSpPr>
       <p:sp>
         <p:nvSpPr>
-          <p:cNvPr id="2" name="Заголовок 1"/>
+          <p:cNvPr id="2" name="Title 1"/>
           <p:cNvSpPr>
             <a:spLocks noGrp="1"/>
           </p:cNvSpPr>
@@ -5843,16 +5865,20 @@
           <a:lstStyle/>
           <a:p>
             <a:r>
+              <a:rPr lang="en-US" dirty="0" smtClean="0"/>
+              <a:t>static </a:t>
+            </a:r>
+            <a:r>
               <a:rPr lang="ru-RU" dirty="0" smtClean="0"/>
-              <a:t>Обобщенные интерфейсы</a:t>
-            </a:r>
-            <a:endParaRPr lang="ru-RU" dirty="0"/>
+              <a:t>поля в обобщенных классах</a:t>
+            </a:r>
+            <a:endParaRPr lang="en-US" dirty="0"/>
           </a:p>
         </p:txBody>
       </p:sp>
       <p:sp>
         <p:nvSpPr>
-          <p:cNvPr id="3" name="Объект 2"/>
+          <p:cNvPr id="3" name="Content Placeholder 2"/>
           <p:cNvSpPr>
             <a:spLocks noGrp="1"/>
           </p:cNvSpPr>
@@ -5870,16 +5896,24 @@
             </a:pPr>
             <a:r>
               <a:rPr lang="ru-RU" dirty="0" smtClean="0"/>
-              <a:t>…</a:t>
-            </a:r>
-            <a:endParaRPr lang="ru-RU" dirty="0"/>
+              <a:t>Для каждой комбинации тип-аргументов создается свое </a:t>
+            </a:r>
+            <a:r>
+              <a:rPr lang="en-US" dirty="0" smtClean="0"/>
+              <a:t>static </a:t>
+            </a:r>
+            <a:r>
+              <a:rPr lang="ru-RU" smtClean="0"/>
+              <a:t>поле.</a:t>
+            </a:r>
+            <a:endParaRPr lang="en-US"/>
           </a:p>
         </p:txBody>
       </p:sp>
     </p:spTree>
     <p:extLst>
       <p:ext uri="{BB962C8B-B14F-4D97-AF65-F5344CB8AC3E}">
-        <p14:creationId xmlns:p14="http://schemas.microsoft.com/office/powerpoint/2010/main" val="2456645424"/>
+        <p14:creationId xmlns:p14="http://schemas.microsoft.com/office/powerpoint/2010/main" val="1870935316"/>
       </p:ext>
     </p:extLst>
   </p:cSld>
@@ -5923,7 +5957,7 @@
           <a:p>
             <a:r>
               <a:rPr lang="ru-RU" dirty="0" smtClean="0"/>
-              <a:t>Обобщенные делегаты</a:t>
+              <a:t>Обобщенные интерфейсы</a:t>
             </a:r>
             <a:endParaRPr lang="ru-RU" dirty="0"/>
           </a:p>
@@ -5958,6 +5992,85 @@
     </p:spTree>
     <p:extLst>
       <p:ext uri="{BB962C8B-B14F-4D97-AF65-F5344CB8AC3E}">
+        <p14:creationId xmlns:p14="http://schemas.microsoft.com/office/powerpoint/2010/main" val="2456645424"/>
+      </p:ext>
+    </p:extLst>
+  </p:cSld>
+  <p:clrMapOvr>
+    <a:masterClrMapping/>
+  </p:clrMapOvr>
+</p:sld>
+</file>
+
+<file path=ppt/slides/slide23.xml><?xml version="1.0" encoding="utf-8"?>
+<p:sld xmlns:a="http://schemas.openxmlformats.org/drawingml/2006/main" xmlns:r="http://schemas.openxmlformats.org/officeDocument/2006/relationships" xmlns:p="http://schemas.openxmlformats.org/presentationml/2006/main">
+  <p:cSld>
+    <p:spTree>
+      <p:nvGrpSpPr>
+        <p:cNvPr id="1" name=""/>
+        <p:cNvGrpSpPr/>
+        <p:nvPr/>
+      </p:nvGrpSpPr>
+      <p:grpSpPr>
+        <a:xfrm>
+          <a:off x="0" y="0"/>
+          <a:ext cx="0" cy="0"/>
+          <a:chOff x="0" y="0"/>
+          <a:chExt cx="0" cy="0"/>
+        </a:xfrm>
+      </p:grpSpPr>
+      <p:sp>
+        <p:nvSpPr>
+          <p:cNvPr id="2" name="Заголовок 1"/>
+          <p:cNvSpPr>
+            <a:spLocks noGrp="1"/>
+          </p:cNvSpPr>
+          <p:nvPr>
+            <p:ph type="title"/>
+          </p:nvPr>
+        </p:nvSpPr>
+        <p:spPr/>
+        <p:txBody>
+          <a:bodyPr/>
+          <a:lstStyle/>
+          <a:p>
+            <a:r>
+              <a:rPr lang="ru-RU" dirty="0" smtClean="0"/>
+              <a:t>Обобщенные делегаты</a:t>
+            </a:r>
+            <a:endParaRPr lang="ru-RU" dirty="0"/>
+          </a:p>
+        </p:txBody>
+      </p:sp>
+      <p:sp>
+        <p:nvSpPr>
+          <p:cNvPr id="3" name="Объект 2"/>
+          <p:cNvSpPr>
+            <a:spLocks noGrp="1"/>
+          </p:cNvSpPr>
+          <p:nvPr>
+            <p:ph idx="1"/>
+          </p:nvPr>
+        </p:nvSpPr>
+        <p:spPr/>
+        <p:txBody>
+          <a:bodyPr/>
+          <a:lstStyle/>
+          <a:p>
+            <a:pPr marL="0" indent="0">
+              <a:buNone/>
+            </a:pPr>
+            <a:r>
+              <a:rPr lang="ru-RU" dirty="0" smtClean="0"/>
+              <a:t>…</a:t>
+            </a:r>
+            <a:endParaRPr lang="ru-RU" dirty="0"/>
+          </a:p>
+        </p:txBody>
+      </p:sp>
+    </p:spTree>
+    <p:extLst>
+      <p:ext uri="{BB962C8B-B14F-4D97-AF65-F5344CB8AC3E}">
         <p14:creationId xmlns:p14="http://schemas.microsoft.com/office/powerpoint/2010/main" val="105021695"/>
       </p:ext>
     </p:extLst>
@@ -5968,7 +6081,7 @@
 </p:sld>
 </file>
 
-<file path=ppt/slides/slide23.xml><?xml version="1.0" encoding="utf-8"?>
+<file path=ppt/slides/slide24.xml><?xml version="1.0" encoding="utf-8"?>
 <p:sld xmlns:a="http://schemas.openxmlformats.org/drawingml/2006/main" xmlns:r="http://schemas.openxmlformats.org/officeDocument/2006/relationships" xmlns:p="http://schemas.openxmlformats.org/presentationml/2006/main">
   <p:cSld>
     <p:spTree>
@@ -6047,7 +6160,7 @@
 </p:sld>
 </file>
 
-<file path=ppt/slides/slide24.xml><?xml version="1.0" encoding="utf-8"?>
+<file path=ppt/slides/slide25.xml><?xml version="1.0" encoding="utf-8"?>
 <p:sld xmlns:a="http://schemas.openxmlformats.org/drawingml/2006/main" xmlns:r="http://schemas.openxmlformats.org/officeDocument/2006/relationships" xmlns:p="http://schemas.openxmlformats.org/presentationml/2006/main">
   <p:cSld>
     <p:spTree>
@@ -6837,7 +6950,7 @@
 </p:sld>
 </file>
 
-<file path=ppt/slides/slide25.xml><?xml version="1.0" encoding="utf-8"?>
+<file path=ppt/slides/slide26.xml><?xml version="1.0" encoding="utf-8"?>
 <p:sld xmlns:a="http://schemas.openxmlformats.org/drawingml/2006/main" xmlns:r="http://schemas.openxmlformats.org/officeDocument/2006/relationships" xmlns:p="http://schemas.openxmlformats.org/presentationml/2006/main" show="0">
   <p:cSld>
     <p:spTree>
@@ -6934,7 +7047,7 @@
 </p:sld>
 </file>
 
-<file path=ppt/slides/slide26.xml><?xml version="1.0" encoding="utf-8"?>
+<file path=ppt/slides/slide27.xml><?xml version="1.0" encoding="utf-8"?>
 <p:sld xmlns:a="http://schemas.openxmlformats.org/drawingml/2006/main" xmlns:r="http://schemas.openxmlformats.org/officeDocument/2006/relationships" xmlns:p="http://schemas.openxmlformats.org/presentationml/2006/main">
   <p:cSld>
     <p:spTree>
@@ -10146,7 +10259,7 @@
 </p:sld>
 </file>
 
-<file path=ppt/slides/slide27.xml><?xml version="1.0" encoding="utf-8"?>
+<file path=ppt/slides/slide28.xml><?xml version="1.0" encoding="utf-8"?>
 <p:sld xmlns:a="http://schemas.openxmlformats.org/drawingml/2006/main" xmlns:r="http://schemas.openxmlformats.org/officeDocument/2006/relationships" xmlns:p="http://schemas.openxmlformats.org/presentationml/2006/main">
   <p:cSld>
     <p:spTree>
@@ -12941,10 +13054,6 @@
               <a:rPr lang="en-US" dirty="0" err="1" smtClean="0"/>
               <a:t>BaseClass</a:t>
             </a:r>
-            <a:r>
-              <a:rPr lang="en-US" dirty="0" smtClean="0"/>
-              <a:t> { … }</a:t>
-            </a:r>
             <a:endParaRPr lang="ru-RU" dirty="0" smtClean="0"/>
           </a:p>
           <a:p>
@@ -12982,18 +13091,7 @@
               <a:rPr lang="en-US" dirty="0" err="1" smtClean="0"/>
               <a:t>ISmth</a:t>
             </a:r>
-            <a:r>
-              <a:rPr lang="en-US" dirty="0" smtClean="0"/>
-              <a:t> </a:t>
-            </a:r>
-            <a:r>
-              <a:rPr lang="en-US" dirty="0"/>
-              <a:t>{ … </a:t>
-            </a:r>
-            <a:r>
-              <a:rPr lang="en-US" dirty="0" smtClean="0"/>
-              <a:t>}</a:t>
-            </a:r>
+            <a:endParaRPr lang="en-US" dirty="0" smtClean="0"/>
           </a:p>
           <a:p>
             <a:pPr lvl="1"/>
@@ -13007,11 +13105,11 @@
             </a:r>
             <a:r>
               <a:rPr lang="en-US" dirty="0" smtClean="0"/>
-              <a:t>ISmth1, ISmth2 </a:t>
-            </a:r>
-            <a:r>
-              <a:rPr lang="en-US" dirty="0"/>
-              <a:t>{ … }</a:t>
+              <a:t>ISmth1, </a:t>
+            </a:r>
+            <a:r>
+              <a:rPr lang="en-US" dirty="0" smtClean="0"/>
+              <a:t>ISmth2</a:t>
             </a:r>
             <a:endParaRPr lang="ru-RU" dirty="0" smtClean="0"/>
           </a:p>
@@ -13100,7 +13198,7 @@
 </file>
 
 <file path=ppt/slides/slide9.xml><?xml version="1.0" encoding="utf-8"?>
-<p:sld xmlns:a="http://schemas.openxmlformats.org/drawingml/2006/main" xmlns:r="http://schemas.openxmlformats.org/officeDocument/2006/relationships" xmlns:p="http://schemas.openxmlformats.org/presentationml/2006/main">
+<p:sld xmlns:a="http://schemas.openxmlformats.org/drawingml/2006/main" xmlns:r="http://schemas.openxmlformats.org/officeDocument/2006/relationships" xmlns:p="http://schemas.openxmlformats.org/presentationml/2006/main" show="0">
   <p:cSld>
     <p:spTree>
       <p:nvGrpSpPr>
@@ -13118,7 +13216,7 @@
       </p:grpSpPr>
       <p:sp>
         <p:nvSpPr>
-          <p:cNvPr id="2" name="Заголовок 1"/>
+          <p:cNvPr id="2" name="Title 1"/>
           <p:cNvSpPr>
             <a:spLocks noGrp="1"/>
           </p:cNvSpPr>
@@ -13133,15 +13231,35 @@
           <a:p>
             <a:r>
               <a:rPr lang="ru-RU" dirty="0" smtClean="0"/>
-              <a:t>Ограничение по базовому классу</a:t>
-            </a:r>
-            <a:endParaRPr lang="ru-RU" dirty="0"/>
+              <a:t>Ограничения (</a:t>
+            </a:r>
+            <a:r>
+              <a:rPr lang="en-US" dirty="0" smtClean="0"/>
+              <a:t>constraints</a:t>
+            </a:r>
+            <a:r>
+              <a:rPr lang="ru-RU" dirty="0" smtClean="0"/>
+              <a:t>)</a:t>
+            </a:r>
+            <a:r>
+              <a:rPr lang="en-US" dirty="0" smtClean="0"/>
+              <a:t> </a:t>
+            </a:r>
+            <a:r>
+              <a:rPr lang="ru-RU" dirty="0" smtClean="0"/>
+              <a:t>в </a:t>
+            </a:r>
+            <a:r>
+              <a:rPr lang="en-US" dirty="0" smtClean="0"/>
+              <a:t>C# 7.3</a:t>
+            </a:r>
+            <a:endParaRPr lang="en-US" dirty="0"/>
           </a:p>
         </p:txBody>
       </p:sp>
       <p:sp>
         <p:nvSpPr>
-          <p:cNvPr id="3" name="Объект 2"/>
+          <p:cNvPr id="3" name="Content Placeholder 2"/>
           <p:cNvSpPr>
             <a:spLocks noGrp="1"/>
           </p:cNvSpPr>
@@ -13151,41 +13269,77 @@
         </p:nvSpPr>
         <p:spPr/>
         <p:txBody>
-          <a:bodyPr/>
+          <a:bodyPr>
+            <a:normAutofit/>
+          </a:bodyPr>
           <a:lstStyle/>
           <a:p>
             <a:r>
-              <a:rPr lang="ru-RU" dirty="0" smtClean="0"/>
-              <a:t>Может быть только одно</a:t>
-            </a:r>
-          </a:p>
-          <a:p>
-            <a:r>
-              <a:rPr lang="ru-RU" dirty="0" smtClean="0"/>
-              <a:t>Если используется совместно с ограничением по интерфейсу(</a:t>
-            </a:r>
-            <a:r>
-              <a:rPr lang="ru-RU" dirty="0" err="1" smtClean="0"/>
-              <a:t>ам</a:t>
-            </a:r>
-            <a:r>
-              <a:rPr lang="ru-RU" dirty="0" smtClean="0"/>
-              <a:t>), то сначала нужно указать имя класса, а затем интерфейс(ы)</a:t>
-            </a:r>
-            <a:endParaRPr lang="ru-RU" dirty="0"/>
+              <a:rPr lang="en-US" dirty="0" err="1" smtClean="0"/>
+              <a:t>enum</a:t>
+            </a:r>
+            <a:endParaRPr lang="ru-RU" dirty="0" smtClean="0"/>
+          </a:p>
+          <a:p>
+            <a:pPr lvl="1"/>
+            <a:r>
+              <a:rPr lang="en-US" dirty="0" smtClean="0"/>
+              <a:t>?</a:t>
+            </a:r>
+            <a:endParaRPr lang="ru-RU" dirty="0" smtClean="0"/>
+          </a:p>
+          <a:p>
+            <a:r>
+              <a:rPr lang="en-US" dirty="0" smtClean="0"/>
+              <a:t>delegate</a:t>
+            </a:r>
+            <a:endParaRPr lang="ru-RU" dirty="0" smtClean="0"/>
+          </a:p>
+          <a:p>
+            <a:pPr lvl="1"/>
+            <a:r>
+              <a:rPr lang="en-US" dirty="0" smtClean="0"/>
+              <a:t>?</a:t>
+            </a:r>
+            <a:endParaRPr lang="ru-RU" dirty="0" smtClean="0"/>
+          </a:p>
+          <a:p>
+            <a:r>
+              <a:rPr lang="en-US" dirty="0" smtClean="0"/>
+              <a:t>unmanaged</a:t>
+            </a:r>
+          </a:p>
+          <a:p>
+            <a:pPr lvl="1"/>
+            <a:r>
+              <a:rPr lang="en-US" dirty="0" smtClean="0"/>
+              <a:t>?</a:t>
+            </a:r>
+            <a:endParaRPr lang="ru-RU" dirty="0" smtClean="0"/>
+          </a:p>
+          <a:p>
+            <a:endParaRPr lang="ru-RU" dirty="0" smtClean="0"/>
           </a:p>
         </p:txBody>
       </p:sp>
     </p:spTree>
     <p:extLst>
       <p:ext uri="{BB962C8B-B14F-4D97-AF65-F5344CB8AC3E}">
-        <p14:creationId xmlns:p14="http://schemas.microsoft.com/office/powerpoint/2010/main" val="259039848"/>
+        <p14:creationId xmlns:p14="http://schemas.microsoft.com/office/powerpoint/2010/main" val="1100440540"/>
       </p:ext>
     </p:extLst>
   </p:cSld>
   <p:clrMapOvr>
     <a:masterClrMapping/>
   </p:clrMapOvr>
+  <mc:AlternateContent xmlns:mc="http://schemas.openxmlformats.org/markup-compatibility/2006" xmlns:p14="http://schemas.microsoft.com/office/powerpoint/2010/main">
+    <mc:Choice Requires="p14">
+      <p:transition spd="slow" p14:dur="2000"/>
+    </mc:Choice>
+    <mc:Fallback xmlns="">
+      <p:transition spd="slow"/>
+    </mc:Fallback>
+  </mc:AlternateContent>
 </p:sld>
 </file>
 

--- a/Presentation/lesson-02-generics.pptx
+++ b/Presentation/lesson-02-generics.pptx
@@ -307,7 +307,7 @@
           <a:p>
             <a:fld id="{B24A7054-7FFB-49F4-A126-5DF6E687FF53}" type="datetimeFigureOut">
               <a:rPr lang="ru-RU" smtClean="0"/>
-              <a:t>11.06.2018</a:t>
+              <a:t>01.07.2018</a:t>
             </a:fld>
             <a:endParaRPr lang="ru-RU"/>
           </a:p>
@@ -371,35 +371,35 @@
           <a:p>
             <a:pPr lvl="0"/>
             <a:r>
-              <a:rPr lang="en-US" smtClean="0"/>
+              <a:rPr lang="en-US"/>
               <a:t>Click to edit Master text styles</a:t>
             </a:r>
           </a:p>
           <a:p>
             <a:pPr lvl="1"/>
             <a:r>
-              <a:rPr lang="en-US" smtClean="0"/>
+              <a:rPr lang="en-US"/>
               <a:t>Second level</a:t>
             </a:r>
           </a:p>
           <a:p>
             <a:pPr lvl="2"/>
             <a:r>
-              <a:rPr lang="en-US" smtClean="0"/>
+              <a:rPr lang="en-US"/>
               <a:t>Third level</a:t>
             </a:r>
           </a:p>
           <a:p>
             <a:pPr lvl="3"/>
             <a:r>
-              <a:rPr lang="en-US" smtClean="0"/>
+              <a:rPr lang="en-US"/>
               <a:t>Fourth level</a:t>
             </a:r>
           </a:p>
           <a:p>
             <a:pPr lvl="4"/>
             <a:r>
-              <a:rPr lang="en-US" smtClean="0"/>
+              <a:rPr lang="en-US"/>
               <a:t>Fifth level</a:t>
             </a:r>
             <a:endParaRPr lang="ru-RU"/>
@@ -615,7 +615,7 @@
           <a:p>
             <a:pPr algn="ctr"/>
             <a:r>
-              <a:rPr lang="ru-RU" sz="3600" b="1" i="1" dirty="0" smtClean="0">
+              <a:rPr lang="ru-RU" sz="3600" b="1" i="1" dirty="0">
                 <a:solidFill>
                   <a:schemeClr val="bg1"/>
                 </a:solidFill>
@@ -623,7 +623,7 @@
               <a:t>Основы программирования на </a:t>
             </a:r>
             <a:r>
-              <a:rPr lang="en-US" sz="3600" b="1" i="1" dirty="0" smtClean="0">
+              <a:rPr lang="en-US" sz="3600" b="1" i="1" dirty="0">
                 <a:solidFill>
                   <a:schemeClr val="bg1"/>
                 </a:solidFill>
@@ -730,26 +730,18 @@
                   <a:schemeClr val="bg1"/>
                 </a:solidFill>
               </a:rPr>
-              <a:t>Занятие </a:t>
-            </a:r>
-            <a:r>
-              <a:rPr lang="ru-RU" sz="2400" dirty="0" smtClean="0">
+              <a:t>Занятие №</a:t>
+            </a:r>
+            <a:r>
+              <a:rPr lang="en-US" sz="2400" dirty="0">
                 <a:solidFill>
                   <a:schemeClr val="bg1"/>
                 </a:solidFill>
               </a:rPr>
-              <a:t>№</a:t>
-            </a:r>
-            <a:r>
-              <a:rPr lang="en-US" sz="2400" dirty="0" smtClean="0">
-                <a:solidFill>
-                  <a:schemeClr val="bg1"/>
-                </a:solidFill>
-              </a:rPr>
               <a:t>1</a:t>
             </a:r>
             <a:r>
-              <a:rPr lang="ru-RU" sz="2400" dirty="0" smtClean="0">
+              <a:rPr lang="ru-RU" sz="2400" dirty="0">
                 <a:solidFill>
                   <a:schemeClr val="bg1"/>
                 </a:solidFill>
@@ -774,13 +766,6 @@
   <p:clrMapOvr>
     <a:masterClrMapping/>
   </p:clrMapOvr>
-  <p:timing>
-    <p:tnLst>
-      <p:par>
-        <p:cTn id="1" dur="indefinite" restart="never" nodeType="tmRoot"/>
-      </p:par>
-    </p:tnLst>
-  </p:timing>
 </p:sldLayout>
 </file>
 
@@ -826,7 +811,7 @@
           </a:lstStyle>
           <a:p>
             <a:r>
-              <a:rPr lang="en-US" smtClean="0"/>
+              <a:rPr lang="en-US"/>
               <a:t>Click to edit Master title style</a:t>
             </a:r>
             <a:endParaRPr lang="ru-RU" dirty="0"/>
@@ -883,35 +868,35 @@
           <a:p>
             <a:pPr lvl="0"/>
             <a:r>
-              <a:rPr lang="en-US" smtClean="0"/>
+              <a:rPr lang="en-US"/>
               <a:t>Click to edit Master text styles</a:t>
             </a:r>
           </a:p>
           <a:p>
             <a:pPr lvl="1"/>
             <a:r>
-              <a:rPr lang="en-US" smtClean="0"/>
+              <a:rPr lang="en-US"/>
               <a:t>Second level</a:t>
             </a:r>
           </a:p>
           <a:p>
             <a:pPr lvl="2"/>
             <a:r>
-              <a:rPr lang="en-US" smtClean="0"/>
+              <a:rPr lang="en-US"/>
               <a:t>Third level</a:t>
             </a:r>
           </a:p>
           <a:p>
             <a:pPr lvl="3"/>
             <a:r>
-              <a:rPr lang="en-US" smtClean="0"/>
+              <a:rPr lang="en-US"/>
               <a:t>Fourth level</a:t>
             </a:r>
           </a:p>
           <a:p>
             <a:pPr lvl="4"/>
             <a:r>
-              <a:rPr lang="en-US" smtClean="0"/>
+              <a:rPr lang="en-US"/>
               <a:t>Fifth level</a:t>
             </a:r>
             <a:endParaRPr lang="ru-RU" dirty="0"/>
@@ -977,7 +962,7 @@
           <a:p>
             <a:pPr lvl="0"/>
             <a:r>
-              <a:rPr lang="en-US" smtClean="0"/>
+              <a:rPr lang="en-US"/>
               <a:t>Click to edit Master text styles</a:t>
             </a:r>
           </a:p>
@@ -1038,7 +1023,7 @@
           </a:lstStyle>
           <a:p>
             <a:r>
-              <a:rPr lang="en-US" smtClean="0"/>
+              <a:rPr lang="en-US"/>
               <a:t>Click to edit Master title style</a:t>
             </a:r>
             <a:endParaRPr lang="ru-RU" dirty="0"/>
@@ -1103,7 +1088,7 @@
           </a:lstStyle>
           <a:p>
             <a:r>
-              <a:rPr lang="en-US" smtClean="0"/>
+              <a:rPr lang="en-US"/>
               <a:t>Click icon to add picture</a:t>
             </a:r>
             <a:endParaRPr lang="ru-RU"/>
@@ -1169,7 +1154,7 @@
           <a:p>
             <a:pPr lvl="0"/>
             <a:r>
-              <a:rPr lang="en-US" smtClean="0"/>
+              <a:rPr lang="en-US"/>
               <a:t>Click to edit Master text styles</a:t>
             </a:r>
           </a:p>
@@ -1221,7 +1206,7 @@
           <a:lstStyle/>
           <a:p>
             <a:r>
-              <a:rPr lang="en-US" smtClean="0"/>
+              <a:rPr lang="en-US"/>
               <a:t>Click to edit Master title style</a:t>
             </a:r>
             <a:endParaRPr lang="ru-RU" dirty="0"/>
@@ -1245,35 +1230,35 @@
           <a:p>
             <a:pPr lvl="0"/>
             <a:r>
-              <a:rPr lang="en-US" smtClean="0"/>
+              <a:rPr lang="en-US"/>
               <a:t>Click to edit Master text styles</a:t>
             </a:r>
           </a:p>
           <a:p>
             <a:pPr lvl="1"/>
             <a:r>
-              <a:rPr lang="en-US" smtClean="0"/>
+              <a:rPr lang="en-US"/>
               <a:t>Second level</a:t>
             </a:r>
           </a:p>
           <a:p>
             <a:pPr lvl="2"/>
             <a:r>
-              <a:rPr lang="en-US" smtClean="0"/>
+              <a:rPr lang="en-US"/>
               <a:t>Third level</a:t>
             </a:r>
           </a:p>
           <a:p>
             <a:pPr lvl="3"/>
             <a:r>
-              <a:rPr lang="en-US" smtClean="0"/>
+              <a:rPr lang="en-US"/>
               <a:t>Fourth level</a:t>
             </a:r>
           </a:p>
           <a:p>
             <a:pPr lvl="4"/>
             <a:r>
-              <a:rPr lang="en-US" smtClean="0"/>
+              <a:rPr lang="en-US"/>
               <a:t>Fifth level</a:t>
             </a:r>
             <a:endParaRPr lang="ru-RU" dirty="0"/>
@@ -1331,7 +1316,7 @@
           <a:lstStyle/>
           <a:p>
             <a:r>
-              <a:rPr lang="en-US" smtClean="0"/>
+              <a:rPr lang="en-US"/>
               <a:t>Click to edit Master title style</a:t>
             </a:r>
             <a:endParaRPr lang="ru-RU" dirty="0"/>
@@ -1360,35 +1345,35 @@
           <a:p>
             <a:pPr lvl="0"/>
             <a:r>
-              <a:rPr lang="en-US" smtClean="0"/>
+              <a:rPr lang="en-US"/>
               <a:t>Click to edit Master text styles</a:t>
             </a:r>
           </a:p>
           <a:p>
             <a:pPr lvl="1"/>
             <a:r>
-              <a:rPr lang="en-US" smtClean="0"/>
+              <a:rPr lang="en-US"/>
               <a:t>Second level</a:t>
             </a:r>
           </a:p>
           <a:p>
             <a:pPr lvl="2"/>
             <a:r>
-              <a:rPr lang="en-US" smtClean="0"/>
+              <a:rPr lang="en-US"/>
               <a:t>Third level</a:t>
             </a:r>
           </a:p>
           <a:p>
             <a:pPr lvl="3"/>
             <a:r>
-              <a:rPr lang="en-US" smtClean="0"/>
+              <a:rPr lang="en-US"/>
               <a:t>Fourth level</a:t>
             </a:r>
           </a:p>
           <a:p>
             <a:pPr lvl="4"/>
             <a:r>
-              <a:rPr lang="en-US" smtClean="0"/>
+              <a:rPr lang="en-US"/>
               <a:t>Fifth level</a:t>
             </a:r>
             <a:endParaRPr lang="ru-RU" dirty="0"/>
@@ -1446,7 +1431,7 @@
           <a:lstStyle/>
           <a:p>
             <a:r>
-              <a:rPr lang="en-US" smtClean="0"/>
+              <a:rPr lang="en-US"/>
               <a:t>Click to edit Master title style</a:t>
             </a:r>
             <a:endParaRPr lang="ru-RU"/>
@@ -1565,7 +1550,7 @@
           </a:lstStyle>
           <a:p>
             <a:r>
-              <a:rPr lang="en-US" smtClean="0"/>
+              <a:rPr lang="en-US"/>
               <a:t>Click to edit Master subtitle style</a:t>
             </a:r>
             <a:endParaRPr lang="ru-RU"/>
@@ -1589,7 +1574,7 @@
           <a:p>
             <a:fld id="{8E6E6A2A-E9D3-4A0D-B04A-ABDD367A1E08}" type="datetimeFigureOut">
               <a:rPr lang="ru-RU" smtClean="0"/>
-              <a:t>11.06.2018</a:t>
+              <a:t>01.07.2018</a:t>
             </a:fld>
             <a:endParaRPr lang="ru-RU"/>
           </a:p>
@@ -1695,26 +1680,18 @@
                   <a:schemeClr val="bg1"/>
                 </a:solidFill>
               </a:rPr>
-              <a:t>Занятие </a:t>
-            </a:r>
-            <a:r>
-              <a:rPr lang="ru-RU" sz="2400" dirty="0" smtClean="0">
+              <a:t>Занятие №</a:t>
+            </a:r>
+            <a:r>
+              <a:rPr lang="en-US" sz="2400" dirty="0">
                 <a:solidFill>
                   <a:schemeClr val="bg1"/>
                 </a:solidFill>
               </a:rPr>
-              <a:t>№</a:t>
-            </a:r>
-            <a:r>
-              <a:rPr lang="en-US" sz="2400" dirty="0" smtClean="0">
-                <a:solidFill>
-                  <a:schemeClr val="bg1"/>
-                </a:solidFill>
-              </a:rPr>
               <a:t>2</a:t>
             </a:r>
             <a:r>
-              <a:rPr lang="ru-RU" sz="2400" dirty="0" smtClean="0">
+              <a:rPr lang="ru-RU" sz="2400" dirty="0">
                 <a:solidFill>
                   <a:schemeClr val="bg1"/>
                 </a:solidFill>
@@ -1752,7 +1729,7 @@
           <a:p>
             <a:pPr algn="ctr"/>
             <a:r>
-              <a:rPr lang="ru-RU" sz="3600" b="1" i="1" dirty="0" smtClean="0">
+              <a:rPr lang="ru-RU" sz="3600" b="1" i="1" dirty="0">
                 <a:solidFill>
                   <a:schemeClr val="bg1"/>
                 </a:solidFill>
@@ -1760,7 +1737,7 @@
               <a:t>Основы программирования на </a:t>
             </a:r>
             <a:r>
-              <a:rPr lang="en-US" sz="3600" b="1" i="1" dirty="0" smtClean="0">
+              <a:rPr lang="en-US" sz="3600" b="1" i="1" dirty="0">
                 <a:solidFill>
                   <a:schemeClr val="bg1"/>
                 </a:solidFill>
@@ -1849,13 +1826,6 @@
   <p:clrMapOvr>
     <a:masterClrMapping/>
   </p:clrMapOvr>
-  <p:timing>
-    <p:tnLst>
-      <p:par>
-        <p:cTn id="1" dur="indefinite" restart="never" nodeType="tmRoot"/>
-      </p:par>
-    </p:tnLst>
-  </p:timing>
 </p:sldLayout>
 </file>
 
@@ -1892,7 +1862,7 @@
           <a:lstStyle/>
           <a:p>
             <a:r>
-              <a:rPr lang="en-US" smtClean="0"/>
+              <a:rPr lang="en-US"/>
               <a:t>Click to edit Master title style</a:t>
             </a:r>
             <a:endParaRPr lang="ru-RU" dirty="0"/>
@@ -1916,35 +1886,35 @@
           <a:p>
             <a:pPr lvl="0"/>
             <a:r>
-              <a:rPr lang="en-US" smtClean="0"/>
+              <a:rPr lang="en-US"/>
               <a:t>Click to edit Master text styles</a:t>
             </a:r>
           </a:p>
           <a:p>
             <a:pPr lvl="1"/>
             <a:r>
-              <a:rPr lang="en-US" smtClean="0"/>
+              <a:rPr lang="en-US"/>
               <a:t>Second level</a:t>
             </a:r>
           </a:p>
           <a:p>
             <a:pPr lvl="2"/>
             <a:r>
-              <a:rPr lang="en-US" smtClean="0"/>
+              <a:rPr lang="en-US"/>
               <a:t>Third level</a:t>
             </a:r>
           </a:p>
           <a:p>
             <a:pPr lvl="3"/>
             <a:r>
-              <a:rPr lang="en-US" smtClean="0"/>
+              <a:rPr lang="en-US"/>
               <a:t>Fourth level</a:t>
             </a:r>
           </a:p>
           <a:p>
             <a:pPr lvl="4"/>
             <a:r>
-              <a:rPr lang="en-US" smtClean="0"/>
+              <a:rPr lang="en-US"/>
               <a:t>Fifth level</a:t>
             </a:r>
             <a:endParaRPr lang="ru-RU" dirty="0"/>
@@ -2006,7 +1976,7 @@
           </a:lstStyle>
           <a:p>
             <a:r>
-              <a:rPr lang="en-US" smtClean="0"/>
+              <a:rPr lang="en-US"/>
               <a:t>Click to edit Master title style</a:t>
             </a:r>
             <a:endParaRPr lang="ru-RU" dirty="0"/>
@@ -2126,7 +2096,7 @@
           <a:p>
             <a:pPr lvl="0"/>
             <a:r>
-              <a:rPr lang="en-US" smtClean="0"/>
+              <a:rPr lang="en-US"/>
               <a:t>Click to edit Master text styles</a:t>
             </a:r>
           </a:p>
@@ -2178,7 +2148,7 @@
           <a:lstStyle/>
           <a:p>
             <a:r>
-              <a:rPr lang="en-US" smtClean="0"/>
+              <a:rPr lang="en-US"/>
               <a:t>Click to edit Master title style</a:t>
             </a:r>
             <a:endParaRPr lang="ru-RU" dirty="0"/>
@@ -2235,35 +2205,35 @@
           <a:p>
             <a:pPr lvl="0"/>
             <a:r>
-              <a:rPr lang="en-US" smtClean="0"/>
+              <a:rPr lang="en-US"/>
               <a:t>Click to edit Master text styles</a:t>
             </a:r>
           </a:p>
           <a:p>
             <a:pPr lvl="1"/>
             <a:r>
-              <a:rPr lang="en-US" smtClean="0"/>
+              <a:rPr lang="en-US"/>
               <a:t>Second level</a:t>
             </a:r>
           </a:p>
           <a:p>
             <a:pPr lvl="2"/>
             <a:r>
-              <a:rPr lang="en-US" smtClean="0"/>
+              <a:rPr lang="en-US"/>
               <a:t>Third level</a:t>
             </a:r>
           </a:p>
           <a:p>
             <a:pPr lvl="3"/>
             <a:r>
-              <a:rPr lang="en-US" smtClean="0"/>
+              <a:rPr lang="en-US"/>
               <a:t>Fourth level</a:t>
             </a:r>
           </a:p>
           <a:p>
             <a:pPr lvl="4"/>
             <a:r>
-              <a:rPr lang="en-US" smtClean="0"/>
+              <a:rPr lang="en-US"/>
               <a:t>Fifth level</a:t>
             </a:r>
             <a:endParaRPr lang="ru-RU" dirty="0"/>
@@ -2320,35 +2290,35 @@
           <a:p>
             <a:pPr lvl="0"/>
             <a:r>
-              <a:rPr lang="en-US" smtClean="0"/>
+              <a:rPr lang="en-US"/>
               <a:t>Click to edit Master text styles</a:t>
             </a:r>
           </a:p>
           <a:p>
             <a:pPr lvl="1"/>
             <a:r>
-              <a:rPr lang="en-US" smtClean="0"/>
+              <a:rPr lang="en-US"/>
               <a:t>Second level</a:t>
             </a:r>
           </a:p>
           <a:p>
             <a:pPr lvl="2"/>
             <a:r>
-              <a:rPr lang="en-US" smtClean="0"/>
+              <a:rPr lang="en-US"/>
               <a:t>Third level</a:t>
             </a:r>
           </a:p>
           <a:p>
             <a:pPr lvl="3"/>
             <a:r>
-              <a:rPr lang="en-US" smtClean="0"/>
+              <a:rPr lang="en-US"/>
               <a:t>Fourth level</a:t>
             </a:r>
           </a:p>
           <a:p>
             <a:pPr lvl="4"/>
             <a:r>
-              <a:rPr lang="en-US" smtClean="0"/>
+              <a:rPr lang="en-US"/>
               <a:t>Fifth level</a:t>
             </a:r>
             <a:endParaRPr lang="ru-RU" dirty="0"/>
@@ -2405,7 +2375,7 @@
           </a:lstStyle>
           <a:p>
             <a:r>
-              <a:rPr lang="en-US" smtClean="0"/>
+              <a:rPr lang="en-US"/>
               <a:t>Click to edit Master title style</a:t>
             </a:r>
             <a:endParaRPr lang="ru-RU" dirty="0"/>
@@ -2471,7 +2441,7 @@
           <a:p>
             <a:pPr lvl="0"/>
             <a:r>
-              <a:rPr lang="en-US" smtClean="0"/>
+              <a:rPr lang="en-US"/>
               <a:t>Click to edit Master text styles</a:t>
             </a:r>
           </a:p>
@@ -2527,35 +2497,35 @@
           <a:p>
             <a:pPr lvl="0"/>
             <a:r>
-              <a:rPr lang="en-US" smtClean="0"/>
+              <a:rPr lang="en-US"/>
               <a:t>Click to edit Master text styles</a:t>
             </a:r>
           </a:p>
           <a:p>
             <a:pPr lvl="1"/>
             <a:r>
-              <a:rPr lang="en-US" smtClean="0"/>
+              <a:rPr lang="en-US"/>
               <a:t>Second level</a:t>
             </a:r>
           </a:p>
           <a:p>
             <a:pPr lvl="2"/>
             <a:r>
-              <a:rPr lang="en-US" smtClean="0"/>
+              <a:rPr lang="en-US"/>
               <a:t>Third level</a:t>
             </a:r>
           </a:p>
           <a:p>
             <a:pPr lvl="3"/>
             <a:r>
-              <a:rPr lang="en-US" smtClean="0"/>
+              <a:rPr lang="en-US"/>
               <a:t>Fourth level</a:t>
             </a:r>
           </a:p>
           <a:p>
             <a:pPr lvl="4"/>
             <a:r>
-              <a:rPr lang="en-US" smtClean="0"/>
+              <a:rPr lang="en-US"/>
               <a:t>Fifth level</a:t>
             </a:r>
             <a:endParaRPr lang="ru-RU" dirty="0"/>
@@ -2621,7 +2591,7 @@
           <a:p>
             <a:pPr lvl="0"/>
             <a:r>
-              <a:rPr lang="en-US" smtClean="0"/>
+              <a:rPr lang="en-US"/>
               <a:t>Click to edit Master text styles</a:t>
             </a:r>
           </a:p>
@@ -2677,35 +2647,35 @@
           <a:p>
             <a:pPr lvl="0"/>
             <a:r>
-              <a:rPr lang="en-US" smtClean="0"/>
+              <a:rPr lang="en-US"/>
               <a:t>Click to edit Master text styles</a:t>
             </a:r>
           </a:p>
           <a:p>
             <a:pPr lvl="1"/>
             <a:r>
-              <a:rPr lang="en-US" smtClean="0"/>
+              <a:rPr lang="en-US"/>
               <a:t>Second level</a:t>
             </a:r>
           </a:p>
           <a:p>
             <a:pPr lvl="2"/>
             <a:r>
-              <a:rPr lang="en-US" smtClean="0"/>
+              <a:rPr lang="en-US"/>
               <a:t>Third level</a:t>
             </a:r>
           </a:p>
           <a:p>
             <a:pPr lvl="3"/>
             <a:r>
-              <a:rPr lang="en-US" smtClean="0"/>
+              <a:rPr lang="en-US"/>
               <a:t>Fourth level</a:t>
             </a:r>
           </a:p>
           <a:p>
             <a:pPr lvl="4"/>
             <a:r>
-              <a:rPr lang="en-US" smtClean="0"/>
+              <a:rPr lang="en-US"/>
               <a:t>Fifth level</a:t>
             </a:r>
             <a:endParaRPr lang="ru-RU" dirty="0"/>
@@ -2758,7 +2728,7 @@
           <a:lstStyle/>
           <a:p>
             <a:r>
-              <a:rPr lang="en-US" smtClean="0"/>
+              <a:rPr lang="en-US"/>
               <a:t>Click to edit Master title style</a:t>
             </a:r>
             <a:endParaRPr lang="ru-RU" dirty="0"/>
@@ -2819,14 +2789,14 @@
           <a:p>
             <a:pPr algn="ctr"/>
             <a:r>
-              <a:rPr lang="ru-RU" sz="3200" dirty="0" smtClean="0"/>
+              <a:rPr lang="ru-RU" sz="3200" dirty="0"/>
               <a:t>Название.</a:t>
             </a:r>
             <a:r>
-              <a:rPr lang="ru-RU" sz="3200" baseline="0" dirty="0" smtClean="0"/>
+              <a:rPr lang="ru-RU" sz="3200" baseline="0" dirty="0"/>
               <a:t> Демонстрация.</a:t>
             </a:r>
-            <a:endParaRPr lang="ru-RU" sz="3200" dirty="0" smtClean="0"/>
+            <a:endParaRPr lang="ru-RU" sz="3200" dirty="0"/>
           </a:p>
         </p:txBody>
       </p:sp>
@@ -2930,7 +2900,7 @@
           <a:lstStyle/>
           <a:p>
             <a:r>
-              <a:rPr lang="en-US" smtClean="0"/>
+              <a:rPr lang="en-US"/>
               <a:t>Click to edit Master title style</a:t>
             </a:r>
             <a:endParaRPr lang="ru-RU"/>
@@ -2964,35 +2934,35 @@
           <a:p>
             <a:pPr lvl="0"/>
             <a:r>
-              <a:rPr lang="en-US" smtClean="0"/>
+              <a:rPr lang="en-US"/>
               <a:t>Click to edit Master text styles</a:t>
             </a:r>
           </a:p>
           <a:p>
             <a:pPr lvl="1"/>
             <a:r>
-              <a:rPr lang="en-US" smtClean="0"/>
+              <a:rPr lang="en-US"/>
               <a:t>Second level</a:t>
             </a:r>
           </a:p>
           <a:p>
             <a:pPr lvl="2"/>
             <a:r>
-              <a:rPr lang="en-US" smtClean="0"/>
+              <a:rPr lang="en-US"/>
               <a:t>Third level</a:t>
             </a:r>
           </a:p>
           <a:p>
             <a:pPr lvl="3"/>
             <a:r>
-              <a:rPr lang="en-US" smtClean="0"/>
+              <a:rPr lang="en-US"/>
               <a:t>Fourth level</a:t>
             </a:r>
           </a:p>
           <a:p>
             <a:pPr lvl="4"/>
             <a:r>
-              <a:rPr lang="en-US" smtClean="0"/>
+              <a:rPr lang="en-US"/>
               <a:t>Fifth level</a:t>
             </a:r>
             <a:endParaRPr lang="ru-RU"/>
@@ -3034,7 +3004,7 @@
           <a:p>
             <a:fld id="{AC3D3127-B7C4-45E3-9797-C527EC9FDD78}" type="datetimeFigureOut">
               <a:rPr lang="ru-RU" smtClean="0"/>
-              <a:t>11.06.2018</a:t>
+              <a:t>01.07.2018</a:t>
             </a:fld>
             <a:endParaRPr lang="ru-RU"/>
           </a:p>
@@ -3142,13 +3112,6 @@
     <p:sldLayoutId id="2147483659" r:id="rId13"/>
     <p:sldLayoutId id="2147483662" r:id="rId14"/>
   </p:sldLayoutIdLst>
-  <p:timing>
-    <p:tnLst>
-      <p:par>
-        <p:cTn id="1" dur="indefinite" restart="never" nodeType="tmRoot"/>
-      </p:par>
-    </p:tnLst>
-  </p:timing>
   <p:txStyles>
     <p:titleStyle>
       <a:lvl1pPr algn="ctr" defTabSz="914400" rtl="0" eaLnBrk="1" latinLnBrk="0" hangingPunct="1">
@@ -3428,7 +3391,7 @@
         <p:spPr>
           <a:xfrm>
             <a:off x="143508" y="1304764"/>
-            <a:ext cx="8856984" cy="646331"/>
+            <a:ext cx="8856984" cy="523220"/>
           </a:xfrm>
           <a:prstGeom prst="rect">
             <a:avLst/>
@@ -3442,7 +3405,7 @@
           <a:p>
             <a:pPr algn="ctr"/>
             <a:r>
-              <a:rPr lang="ru-RU" sz="3600" b="1" i="1" dirty="0" smtClean="0">
+              <a:rPr lang="ru-RU" sz="2800" i="1" dirty="0">
                 <a:solidFill>
                   <a:schemeClr val="bg1"/>
                 </a:solidFill>
@@ -3450,14 +3413,14 @@
               <a:t>Основы программирования на </a:t>
             </a:r>
             <a:r>
-              <a:rPr lang="en-US" sz="3600" b="1" i="1" dirty="0" smtClean="0">
+              <a:rPr lang="en-US" sz="2800" i="1" dirty="0">
                 <a:solidFill>
                   <a:schemeClr val="bg1"/>
                 </a:solidFill>
               </a:rPr>
               <a:t>C#</a:t>
             </a:r>
-            <a:endParaRPr lang="ru-RU" sz="3600" b="1" i="1" dirty="0">
+            <a:endParaRPr lang="ru-RU" sz="2800" i="1" dirty="0">
               <a:solidFill>
                 <a:schemeClr val="bg1"/>
               </a:solidFill>
@@ -3465,70 +3428,6 @@
           </a:p>
         </p:txBody>
       </p:sp>
-      <p:pic>
-        <p:nvPicPr>
-          <p:cNvPr id="6" name="Picture 5"/>
-          <p:cNvPicPr>
-            <a:picLocks noChangeAspect="1" noChangeArrowheads="1"/>
-          </p:cNvPicPr>
-          <p:nvPr/>
-        </p:nvPicPr>
-        <p:blipFill>
-          <a:blip r:embed="rId2">
-            <a:extLst>
-              <a:ext uri="{28A0092B-C50C-407E-A947-70E740481C1C}">
-                <a14:useLocalDpi xmlns:a14="http://schemas.microsoft.com/office/drawing/2010/main" val="0"/>
-              </a:ext>
-            </a:extLst>
-          </a:blip>
-          <a:srcRect/>
-          <a:stretch>
-            <a:fillRect/>
-          </a:stretch>
-        </p:blipFill>
-        <p:spPr bwMode="auto">
-          <a:xfrm>
-            <a:off x="1638300" y="3829211"/>
-            <a:ext cx="5867400" cy="1724025"/>
-          </a:xfrm>
-          <a:prstGeom prst="rect">
-            <a:avLst/>
-          </a:prstGeom>
-          <a:noFill/>
-          <a:ln>
-            <a:noFill/>
-          </a:ln>
-          <a:effectLst/>
-          <a:extLst>
-            <a:ext uri="{909E8E84-426E-40DD-AFC4-6F175D3DCCD1}">
-              <a14:hiddenFill xmlns:a14="http://schemas.microsoft.com/office/drawing/2010/main">
-                <a:solidFill>
-                  <a:schemeClr val="accent1"/>
-                </a:solidFill>
-              </a14:hiddenFill>
-            </a:ext>
-            <a:ext uri="{91240B29-F687-4F45-9708-019B960494DF}">
-              <a14:hiddenLine xmlns:a14="http://schemas.microsoft.com/office/drawing/2010/main" w="9525">
-                <a:solidFill>
-                  <a:schemeClr val="tx1"/>
-                </a:solidFill>
-                <a:miter lim="800000"/>
-                <a:headEnd/>
-                <a:tailEnd/>
-              </a14:hiddenLine>
-            </a:ext>
-            <a:ext uri="{AF507438-7753-43E0-B8FC-AC1667EBCBE1}">
-              <a14:hiddenEffects xmlns:a14="http://schemas.microsoft.com/office/drawing/2010/main">
-                <a:effectLst>
-                  <a:outerShdw dist="35921" dir="2700000" algn="ctr" rotWithShape="0">
-                    <a:schemeClr val="bg2"/>
-                  </a:outerShdw>
-                </a:effectLst>
-              </a14:hiddenEffects>
-            </a:ext>
-          </a:extLst>
-        </p:spPr>
-      </p:pic>
       <p:sp>
         <p:nvSpPr>
           <p:cNvPr id="7" name="TextBox 6"/>
@@ -3538,7 +3437,7 @@
         <p:spPr>
           <a:xfrm>
             <a:off x="143508" y="2528900"/>
-            <a:ext cx="8856984" cy="461665"/>
+            <a:ext cx="8856984" cy="646331"/>
           </a:xfrm>
           <a:prstGeom prst="rect">
             <a:avLst/>
@@ -3553,41 +3452,160 @@
           <a:p>
             <a:pPr algn="ctr"/>
             <a:r>
-              <a:rPr lang="ru-RU" sz="2400" dirty="0" smtClean="0">
+              <a:rPr lang="en-US" sz="3600" b="1" dirty="0">
                 <a:solidFill>
                   <a:schemeClr val="bg1"/>
                 </a:solidFill>
-              </a:rPr>
-              <a:t>Обобщенные</a:t>
-            </a:r>
-            <a:r>
-              <a:rPr lang="en-US" sz="2400" dirty="0" smtClean="0">
+                <a:latin typeface="Footlight MT Light" panose="0204060206030A020304" pitchFamily="18" charset="77"/>
+              </a:rPr>
+              <a:t>§ </a:t>
+            </a:r>
+            <a:r>
+              <a:rPr lang="ru-RU" sz="3600" b="1" dirty="0">
                 <a:solidFill>
                   <a:schemeClr val="bg1"/>
                 </a:solidFill>
-              </a:rPr>
-              <a:t> (generic)</a:t>
-            </a:r>
-            <a:r>
-              <a:rPr lang="en-US" sz="2400" dirty="0">
+                <a:latin typeface="Footlight MT Light" panose="0204060206030A020304" pitchFamily="18" charset="77"/>
+              </a:rPr>
+              <a:t>Обобщенные (</a:t>
+            </a:r>
+            <a:r>
+              <a:rPr lang="en-US" sz="3600" b="1" dirty="0">
                 <a:solidFill>
                   <a:schemeClr val="bg1"/>
                 </a:solidFill>
-              </a:rPr>
-              <a:t> </a:t>
-            </a:r>
-            <a:r>
-              <a:rPr lang="ru-RU" sz="2400" dirty="0" smtClean="0">
+                <a:latin typeface="Footlight MT Light" panose="0204060206030A020304" pitchFamily="18" charset="77"/>
+              </a:rPr>
+              <a:t>generic) </a:t>
+            </a:r>
+            <a:r>
+              <a:rPr lang="ru-RU" sz="3600" b="1" dirty="0">
                 <a:solidFill>
                   <a:schemeClr val="bg1"/>
                 </a:solidFill>
+                <a:latin typeface="Footlight MT Light" panose="0204060206030A020304" pitchFamily="18" charset="77"/>
               </a:rPr>
               <a:t>методы и типы</a:t>
             </a:r>
-            <a:endParaRPr lang="en-US" sz="2400" dirty="0">
+            <a:endParaRPr lang="en-US" sz="3600" b="1" dirty="0">
               <a:solidFill>
                 <a:schemeClr val="bg1"/>
               </a:solidFill>
+              <a:latin typeface="Footlight MT Light" panose="0204060206030A020304" pitchFamily="18" charset="77"/>
+            </a:endParaRPr>
+          </a:p>
+        </p:txBody>
+      </p:sp>
+      <p:sp>
+        <p:nvSpPr>
+          <p:cNvPr id="8" name="TextBox 7">
+            <a:extLst>
+              <a:ext uri="{FF2B5EF4-FFF2-40B4-BE49-F238E27FC236}">
+                <a16:creationId xmlns:a16="http://schemas.microsoft.com/office/drawing/2014/main" id="{BC23FA65-1963-9C48-AEBB-8E324B2BBC79}"/>
+              </a:ext>
+            </a:extLst>
+          </p:cNvPr>
+          <p:cNvSpPr txBox="1"/>
+          <p:nvPr/>
+        </p:nvSpPr>
+        <p:spPr>
+          <a:xfrm>
+            <a:off x="2339752" y="4984720"/>
+            <a:ext cx="4464496" cy="1138773"/>
+          </a:xfrm>
+          <a:prstGeom prst="rect">
+            <a:avLst/>
+          </a:prstGeom>
+          <a:noFill/>
+        </p:spPr>
+        <p:txBody>
+          <a:bodyPr wrap="square" rtlCol="0">
+            <a:spAutoFit/>
+          </a:bodyPr>
+          <a:lstStyle/>
+          <a:p>
+            <a:r>
+              <a:rPr lang="ru-RU" sz="2000" dirty="0">
+                <a:solidFill>
+                  <a:schemeClr val="bg1"/>
+                </a:solidFill>
+                <a:effectLst>
+                  <a:outerShdw blurRad="50800" dist="38100" dir="5400000" algn="t" rotWithShape="0">
+                    <a:prstClr val="black">
+                      <a:alpha val="40000"/>
+                    </a:prstClr>
+                  </a:outerShdw>
+                </a:effectLst>
+                <a:latin typeface="Segoe Print" panose="02000800000000000000" pitchFamily="2" charset="0"/>
+              </a:rPr>
+              <a:t>Центр Обучающих Технологий</a:t>
+            </a:r>
+          </a:p>
+          <a:p>
+            <a:pPr algn="ctr"/>
+            <a:r>
+              <a:rPr lang="ru-RU" sz="1600" dirty="0">
+                <a:solidFill>
+                  <a:schemeClr val="bg1"/>
+                </a:solidFill>
+                <a:effectLst>
+                  <a:outerShdw blurRad="50800" dist="38100" dir="5400000" algn="t" rotWithShape="0">
+                    <a:prstClr val="black">
+                      <a:alpha val="40000"/>
+                    </a:prstClr>
+                  </a:outerShdw>
+                </a:effectLst>
+                <a:latin typeface="Segoe Print" panose="02000800000000000000" pitchFamily="2" charset="0"/>
+              </a:rPr>
+              <a:t>основан в 2002 году</a:t>
+            </a:r>
+          </a:p>
+          <a:p>
+            <a:pPr algn="ctr"/>
+            <a:endParaRPr lang="ru-RU" sz="1600" dirty="0">
+              <a:solidFill>
+                <a:schemeClr val="bg1"/>
+              </a:solidFill>
+              <a:effectLst>
+                <a:outerShdw blurRad="50800" dist="38100" dir="5400000" algn="t" rotWithShape="0">
+                  <a:prstClr val="black">
+                    <a:alpha val="40000"/>
+                  </a:prstClr>
+                </a:outerShdw>
+              </a:effectLst>
+              <a:latin typeface="Segoe Print" panose="02000800000000000000" pitchFamily="2" charset="0"/>
+            </a:endParaRPr>
+          </a:p>
+          <a:p>
+            <a:pPr algn="ctr"/>
+            <a:r>
+              <a:rPr lang="en-US" sz="1600" dirty="0" err="1">
+                <a:solidFill>
+                  <a:schemeClr val="bg1"/>
+                </a:solidFill>
+                <a:effectLst>
+                  <a:outerShdw blurRad="50800" dist="38100" dir="5400000" algn="t" rotWithShape="0">
+                    <a:prstClr val="black">
+                      <a:alpha val="40000"/>
+                    </a:prstClr>
+                  </a:outerShdw>
+                </a:effectLst>
+                <a:latin typeface="Segoe Print" panose="02000800000000000000" pitchFamily="2" charset="0"/>
+              </a:rPr>
+              <a:t>trainingcenter.by</a:t>
+            </a:r>
+            <a:endParaRPr lang="en-US" sz="1600" dirty="0">
+              <a:solidFill>
+                <a:schemeClr val="bg1"/>
+              </a:solidFill>
+              <a:effectLst>
+                <a:outerShdw blurRad="50800" dist="38100" dir="5400000" algn="t" rotWithShape="0">
+                  <a:prstClr val="black">
+                    <a:alpha val="40000"/>
+                  </a:prstClr>
+                </a:outerShdw>
+              </a:effectLst>
+              <a:latin typeface="Segoe Print" panose="02000800000000000000" pitchFamily="2" charset="0"/>
             </a:endParaRPr>
           </a:p>
         </p:txBody>
@@ -3602,13 +3620,6 @@
   <p:clrMapOvr>
     <a:masterClrMapping/>
   </p:clrMapOvr>
-  <p:timing>
-    <p:tnLst>
-      <p:par>
-        <p:cTn id="1" dur="indefinite" restart="never" nodeType="tmRoot"/>
-      </p:par>
-    </p:tnLst>
-  </p:timing>
 </p:sld>
 </file>
 
@@ -3645,10 +3656,9 @@
           <a:lstStyle/>
           <a:p>
             <a:r>
-              <a:rPr lang="ru-RU" dirty="0" smtClean="0"/>
+              <a:rPr lang="ru-RU" dirty="0"/>
               <a:t>Ограничение по базовому классу</a:t>
             </a:r>
-            <a:endParaRPr lang="ru-RU" dirty="0"/>
           </a:p>
         </p:txBody>
       </p:sp>
@@ -3668,24 +3678,23 @@
           <a:lstStyle/>
           <a:p>
             <a:r>
-              <a:rPr lang="ru-RU" dirty="0" smtClean="0"/>
+              <a:rPr lang="ru-RU" dirty="0"/>
               <a:t>Может быть только одно</a:t>
             </a:r>
           </a:p>
           <a:p>
             <a:r>
-              <a:rPr lang="ru-RU" dirty="0" smtClean="0"/>
+              <a:rPr lang="ru-RU" dirty="0"/>
               <a:t>Если используется совместно с ограничением по интерфейсу(</a:t>
             </a:r>
             <a:r>
-              <a:rPr lang="ru-RU" dirty="0" err="1" smtClean="0"/>
+              <a:rPr lang="ru-RU" dirty="0" err="1"/>
               <a:t>ам</a:t>
             </a:r>
             <a:r>
-              <a:rPr lang="ru-RU" dirty="0" smtClean="0"/>
+              <a:rPr lang="ru-RU" dirty="0"/>
               <a:t>), то сначала нужно указать имя класса, а затем интерфейс(ы)</a:t>
             </a:r>
-            <a:endParaRPr lang="ru-RU" dirty="0"/>
           </a:p>
         </p:txBody>
       </p:sp>
@@ -3735,18 +3744,17 @@
           <a:lstStyle/>
           <a:p>
             <a:r>
-              <a:rPr lang="ru-RU" dirty="0" smtClean="0"/>
+              <a:rPr lang="ru-RU" dirty="0"/>
               <a:t>Ограничение по интерфейсу(</a:t>
             </a:r>
             <a:r>
-              <a:rPr lang="ru-RU" dirty="0" err="1" smtClean="0"/>
+              <a:rPr lang="ru-RU" dirty="0" err="1"/>
               <a:t>ам</a:t>
             </a:r>
             <a:r>
-              <a:rPr lang="ru-RU" dirty="0" smtClean="0"/>
+              <a:rPr lang="ru-RU" dirty="0"/>
               <a:t>)</a:t>
             </a:r>
-            <a:endParaRPr lang="ru-RU" dirty="0"/>
           </a:p>
         </p:txBody>
       </p:sp>
@@ -3766,22 +3774,14 @@
           <a:lstStyle/>
           <a:p>
             <a:r>
-              <a:rPr lang="ru-RU" dirty="0" smtClean="0"/>
+              <a:rPr lang="ru-RU" dirty="0"/>
               <a:t>Можно указать несколько интерфейсов. В этом случае в качестве тип-аргумента могут являться только типы реализующие все перечисленные интерфейсы</a:t>
             </a:r>
           </a:p>
           <a:p>
             <a:r>
               <a:rPr lang="ru-RU" dirty="0"/>
-              <a:t>Если используется совместно с ограничением по </a:t>
-            </a:r>
-            <a:r>
-              <a:rPr lang="ru-RU" dirty="0" smtClean="0"/>
-              <a:t>базовому классу, </a:t>
-            </a:r>
-            <a:r>
-              <a:rPr lang="ru-RU" dirty="0"/>
-              <a:t>то сначала нужно указать имя класса, а затем интерфейс(ы)</a:t>
+              <a:t>Если используется совместно с ограничением по базовому классу, то сначала нужно указать имя класса, а затем интерфейс(ы)</a:t>
             </a:r>
           </a:p>
         </p:txBody>
@@ -3832,10 +3832,9 @@
           <a:lstStyle/>
           <a:p>
             <a:r>
-              <a:rPr lang="ru-RU" dirty="0" smtClean="0"/>
+              <a:rPr lang="ru-RU" dirty="0"/>
               <a:t>Ограничение на ссылочный тип</a:t>
             </a:r>
-            <a:endParaRPr lang="ru-RU" dirty="0"/>
           </a:p>
         </p:txBody>
       </p:sp>
@@ -3855,10 +3854,9 @@
           <a:lstStyle/>
           <a:p>
             <a:r>
-              <a:rPr lang="ru-RU" dirty="0" smtClean="0"/>
+              <a:rPr lang="ru-RU" dirty="0"/>
               <a:t>Избегайте использования операторов ==, != т.к. они будут сравнивать только равенство ссылок, даже если в типе перегружены операторы сравнения.</a:t>
             </a:r>
-            <a:endParaRPr lang="ru-RU" dirty="0"/>
           </a:p>
         </p:txBody>
       </p:sp>
@@ -3908,10 +3906,9 @@
           <a:lstStyle/>
           <a:p>
             <a:r>
-              <a:rPr lang="ru-RU" dirty="0" smtClean="0"/>
+              <a:rPr lang="ru-RU" dirty="0"/>
               <a:t>Ограничение на значимый тип</a:t>
             </a:r>
-            <a:endParaRPr lang="ru-RU" dirty="0"/>
           </a:p>
         </p:txBody>
       </p:sp>
@@ -3931,15 +3928,15 @@
           <a:lstStyle/>
           <a:p>
             <a:r>
-              <a:rPr lang="ru-RU" dirty="0" smtClean="0"/>
+              <a:rPr lang="ru-RU" dirty="0"/>
               <a:t>Позволяет использовать любой значимый тип, кроме </a:t>
             </a:r>
             <a:r>
-              <a:rPr lang="en-US" dirty="0" err="1" smtClean="0"/>
+              <a:rPr lang="en-US" dirty="0" err="1"/>
               <a:t>Nullable</a:t>
             </a:r>
             <a:r>
-              <a:rPr lang="en-US" dirty="0" smtClean="0"/>
+              <a:rPr lang="en-US" dirty="0"/>
               <a:t>&lt;T&gt;</a:t>
             </a:r>
             <a:endParaRPr lang="ru-RU" dirty="0"/>
@@ -3994,10 +3991,9 @@
           <a:lstStyle/>
           <a:p>
             <a:r>
-              <a:rPr lang="ru-RU" dirty="0" smtClean="0"/>
+              <a:rPr lang="ru-RU" dirty="0"/>
               <a:t>Ограничение на конструктор по умолчанию</a:t>
             </a:r>
-            <a:endParaRPr lang="ru-RU" dirty="0"/>
           </a:p>
         </p:txBody>
       </p:sp>
@@ -4017,10 +4013,9 @@
           <a:lstStyle/>
           <a:p>
             <a:r>
-              <a:rPr lang="ru-RU" dirty="0" smtClean="0"/>
+              <a:rPr lang="ru-RU" dirty="0"/>
               <a:t>Должно указываться последним</a:t>
             </a:r>
-            <a:endParaRPr lang="ru-RU" dirty="0"/>
           </a:p>
         </p:txBody>
       </p:sp>
@@ -4072,7 +4067,7 @@
           <a:lstStyle/>
           <a:p>
             <a:r>
-              <a:rPr lang="ru-RU" dirty="0" smtClean="0"/>
+              <a:rPr lang="ru-RU" dirty="0"/>
               <a:t>Ограничения для нескольких параметров</a:t>
             </a:r>
             <a:endParaRPr lang="en-US" dirty="0"/>
@@ -4099,17 +4094,13 @@
             </a:pPr>
             <a:r>
               <a:rPr lang="en-US" dirty="0"/>
-              <a:t>c</a:t>
-            </a:r>
-            <a:r>
-              <a:rPr lang="en-US" dirty="0" smtClean="0"/>
-              <a:t>lass Test&lt;T,U&gt;</a:t>
+              <a:t>class Test&lt;T,U&gt;</a:t>
             </a:r>
             <a:br>
-              <a:rPr lang="en-US" dirty="0" smtClean="0"/>
+              <a:rPr lang="en-US" dirty="0"/>
             </a:br>
             <a:r>
-              <a:rPr lang="en-US" dirty="0" smtClean="0"/>
+              <a:rPr lang="en-US" dirty="0"/>
               <a:t>     where T : Base</a:t>
             </a:r>
           </a:p>
@@ -4119,11 +4110,7 @@
             </a:pPr>
             <a:r>
               <a:rPr lang="en-US" dirty="0"/>
-              <a:t> </a:t>
-            </a:r>
-            <a:r>
-              <a:rPr lang="en-US" dirty="0" smtClean="0"/>
-              <a:t>    where U : new()</a:t>
+              <a:t>     where U : new()</a:t>
             </a:r>
           </a:p>
           <a:p>
@@ -4131,7 +4118,7 @@
               <a:buNone/>
             </a:pPr>
             <a:r>
-              <a:rPr lang="en-US" dirty="0" smtClean="0"/>
+              <a:rPr lang="en-US" dirty="0"/>
               <a:t>{</a:t>
             </a:r>
           </a:p>
@@ -4143,7 +4130,6 @@
               <a:rPr lang="en-US" dirty="0"/>
               <a:t>}</a:t>
             </a:r>
-            <a:endParaRPr lang="en-US" dirty="0" smtClean="0"/>
           </a:p>
         </p:txBody>
       </p:sp>
@@ -4195,15 +4181,15 @@
           <a:lstStyle/>
           <a:p>
             <a:r>
-              <a:rPr lang="ru-RU" dirty="0" smtClean="0"/>
+              <a:rPr lang="ru-RU" dirty="0"/>
               <a:t>Тип-параметры без ограничений (</a:t>
             </a:r>
             <a:r>
-              <a:rPr lang="en-US" dirty="0" smtClean="0"/>
+              <a:rPr lang="en-US" dirty="0"/>
               <a:t>unbounded type parameters</a:t>
             </a:r>
             <a:r>
-              <a:rPr lang="ru-RU" dirty="0" smtClean="0"/>
+              <a:rPr lang="ru-RU" dirty="0"/>
               <a:t>)</a:t>
             </a:r>
             <a:endParaRPr lang="en-US" dirty="0"/>
@@ -4226,37 +4212,37 @@
           <a:lstStyle/>
           <a:p>
             <a:r>
-              <a:rPr lang="ru-RU" dirty="0" smtClean="0"/>
+              <a:rPr lang="ru-RU" dirty="0"/>
               <a:t>Можно приводить к типу </a:t>
             </a:r>
             <a:r>
-              <a:rPr lang="en-US" dirty="0" smtClean="0"/>
+              <a:rPr lang="en-US" dirty="0"/>
               <a:t>object</a:t>
             </a:r>
             <a:r>
-              <a:rPr lang="ru-RU" dirty="0" smtClean="0"/>
+              <a:rPr lang="ru-RU" dirty="0"/>
               <a:t> или выполнять явное приведение к интерфейсу</a:t>
             </a:r>
           </a:p>
           <a:p>
             <a:r>
-              <a:rPr lang="ru-RU" dirty="0" smtClean="0"/>
+              <a:rPr lang="ru-RU" dirty="0"/>
               <a:t>Можно сравнивать с </a:t>
             </a:r>
             <a:r>
-              <a:rPr lang="en-US" dirty="0" smtClean="0"/>
+              <a:rPr lang="en-US" dirty="0"/>
               <a:t>null. </a:t>
             </a:r>
             <a:r>
-              <a:rPr lang="ru-RU" dirty="0" smtClean="0"/>
+              <a:rPr lang="ru-RU" dirty="0"/>
               <a:t>Если тип аргумент является значимым, то условие всегда возвращает </a:t>
             </a:r>
             <a:r>
-              <a:rPr lang="en-US" dirty="0" smtClean="0"/>
+              <a:rPr lang="en-US" dirty="0"/>
               <a:t>false</a:t>
             </a:r>
             <a:r>
-              <a:rPr lang="ru-RU" dirty="0" smtClean="0"/>
+              <a:rPr lang="ru-RU" dirty="0"/>
               <a:t> </a:t>
             </a:r>
           </a:p>
@@ -4282,13 +4268,6 @@
   <p:clrMapOvr>
     <a:masterClrMapping/>
   </p:clrMapOvr>
-  <p:timing>
-    <p:tnLst>
-      <p:par>
-        <p:cTn id="1" dur="indefinite" restart="never" nodeType="tmRoot"/>
-      </p:par>
-    </p:tnLst>
-  </p:timing>
 </p:sld>
 </file>
 
@@ -4325,14 +4304,13 @@
           <a:lstStyle/>
           <a:p>
             <a:r>
-              <a:rPr lang="ru-RU" dirty="0" smtClean="0"/>
+              <a:rPr lang="ru-RU" dirty="0"/>
               <a:t>Ключевое слово </a:t>
             </a:r>
             <a:r>
-              <a:rPr lang="en-US" dirty="0" smtClean="0"/>
+              <a:rPr lang="en-US" dirty="0"/>
               <a:t>default</a:t>
             </a:r>
-            <a:endParaRPr lang="en-US" dirty="0"/>
           </a:p>
         </p:txBody>
       </p:sp>
@@ -4360,22 +4338,21 @@
               <a:buNone/>
             </a:pPr>
             <a:r>
-              <a:rPr lang="ru-RU" dirty="0" smtClean="0"/>
+              <a:rPr lang="ru-RU" dirty="0"/>
               <a:t>С помощью ключевого слова </a:t>
             </a:r>
             <a:r>
-              <a:rPr lang="en-US" dirty="0" smtClean="0"/>
+              <a:rPr lang="en-US" dirty="0"/>
               <a:t>default </a:t>
             </a:r>
             <a:r>
-              <a:rPr lang="ru-RU" dirty="0" smtClean="0"/>
+              <a:rPr lang="ru-RU" dirty="0"/>
               <a:t>можно получать значение по умолчанию по имени типа. Для значимых типов это 0, для ссылочных – </a:t>
             </a:r>
             <a:r>
-              <a:rPr lang="en-US" dirty="0" smtClean="0"/>
+              <a:rPr lang="en-US" dirty="0"/>
               <a:t>null.</a:t>
             </a:r>
-            <a:endParaRPr lang="en-US" dirty="0"/>
           </a:p>
         </p:txBody>
       </p:sp>
@@ -4523,7 +4500,7 @@
               <a:t>string</a:t>
             </a:r>
             <a:r>
-              <a:rPr lang="en-US" dirty="0" smtClean="0">
+              <a:rPr lang="en-US" dirty="0">
                 <a:solidFill>
                   <a:srgbClr val="000000"/>
                 </a:solidFill>
@@ -4531,14 +4508,6 @@
               </a:rPr>
               <a:t>);</a:t>
             </a:r>
-            <a:endParaRPr lang="ru-RU" dirty="0" smtClean="0">
-              <a:solidFill>
-                <a:srgbClr val="000000"/>
-              </a:solidFill>
-              <a:latin typeface="Consolas" panose="020B0609020204030204" pitchFamily="49" charset="0"/>
-            </a:endParaRPr>
-          </a:p>
-          <a:p>
             <a:endParaRPr lang="ru-RU" dirty="0">
               <a:solidFill>
                 <a:srgbClr val="000000"/>
@@ -4547,6 +4516,14 @@
             </a:endParaRPr>
           </a:p>
           <a:p>
+            <a:endParaRPr lang="ru-RU" dirty="0">
+              <a:solidFill>
+                <a:srgbClr val="000000"/>
+              </a:solidFill>
+              <a:latin typeface="Consolas" panose="020B0609020204030204" pitchFamily="49" charset="0"/>
+            </a:endParaRPr>
+          </a:p>
+          <a:p>
             <a:r>
               <a:rPr lang="en-US" dirty="0">
                 <a:solidFill>
@@ -4557,7 +4534,7 @@
               <a:t>// </a:t>
             </a:r>
             <a:r>
-              <a:rPr lang="ru-RU" dirty="0" smtClean="0">
+              <a:rPr lang="ru-RU" dirty="0">
                 <a:solidFill>
                   <a:srgbClr val="008000"/>
                 </a:solidFill>
@@ -4566,25 +4543,16 @@
               <a:t>Где</a:t>
             </a:r>
             <a:r>
-              <a:rPr lang="en-US" dirty="0" smtClean="0">
+              <a:rPr lang="en-US" dirty="0">
                 <a:solidFill>
                   <a:srgbClr val="008000"/>
                 </a:solidFill>
                 <a:latin typeface="Consolas" panose="020B0609020204030204" pitchFamily="49" charset="0"/>
               </a:rPr>
-              <a:t> </a:t>
-            </a:r>
-            <a:r>
-              <a:rPr lang="en-US" dirty="0">
-                <a:solidFill>
-                  <a:srgbClr val="008000"/>
-                </a:solidFill>
-                <a:latin typeface="Consolas" panose="020B0609020204030204" pitchFamily="49" charset="0"/>
-              </a:rPr>
-              <a:t>T </a:t>
-            </a:r>
-            <a:r>
-              <a:rPr lang="ru-RU" dirty="0" smtClean="0">
+              <a:t> T </a:t>
+            </a:r>
+            <a:r>
+              <a:rPr lang="ru-RU" dirty="0">
                 <a:solidFill>
                   <a:srgbClr val="008000"/>
                 </a:solidFill>
@@ -4659,13 +4627,6 @@
   <p:clrMapOvr>
     <a:masterClrMapping/>
   </p:clrMapOvr>
-  <p:timing>
-    <p:tnLst>
-      <p:par>
-        <p:cTn id="1" dur="indefinite" restart="never" nodeType="tmRoot"/>
-      </p:par>
-    </p:tnLst>
-  </p:timing>
 </p:sld>
 </file>
 
@@ -4704,22 +4665,21 @@
           <a:lstStyle/>
           <a:p>
             <a:r>
-              <a:rPr lang="ru-RU" dirty="0" smtClean="0"/>
+              <a:rPr lang="ru-RU" dirty="0"/>
               <a:t>Упрощенная запись </a:t>
             </a:r>
             <a:r>
-              <a:rPr lang="en-US" dirty="0" smtClean="0"/>
+              <a:rPr lang="en-US" dirty="0"/>
               <a:t>default</a:t>
             </a:r>
             <a:r>
-              <a:rPr lang="ru-RU" dirty="0" smtClean="0"/>
+              <a:rPr lang="ru-RU" dirty="0"/>
               <a:t> в </a:t>
             </a:r>
             <a:r>
-              <a:rPr lang="en-US" dirty="0" smtClean="0"/>
+              <a:rPr lang="en-US" dirty="0"/>
               <a:t>C# 7.1</a:t>
             </a:r>
-            <a:endParaRPr lang="en-US" dirty="0"/>
           </a:p>
         </p:txBody>
       </p:sp>
@@ -4784,7 +4744,7 @@
               <a:t> = </a:t>
             </a:r>
             <a:r>
-              <a:rPr lang="en-US" dirty="0" smtClean="0">
+              <a:rPr lang="en-US" dirty="0">
                 <a:solidFill>
                   <a:srgbClr val="0000FF"/>
                 </a:solidFill>
@@ -4793,13 +4753,103 @@
               <a:t>default</a:t>
             </a:r>
             <a:r>
-              <a:rPr lang="en-US" dirty="0" smtClean="0">
+              <a:rPr lang="en-US" dirty="0">
                 <a:solidFill>
                   <a:srgbClr val="000000"/>
                 </a:solidFill>
                 <a:latin typeface="Consolas" panose="020B0609020204030204" pitchFamily="49" charset="0"/>
               </a:rPr>
               <a:t>;</a:t>
+            </a:r>
+          </a:p>
+          <a:p>
+            <a:r>
+              <a:rPr lang="en-US" dirty="0">
+                <a:solidFill>
+                  <a:srgbClr val="0000FF"/>
+                </a:solidFill>
+                <a:latin typeface="Consolas" panose="020B0609020204030204" pitchFamily="49" charset="0"/>
+              </a:rPr>
+              <a:t>string</a:t>
+            </a:r>
+            <a:r>
+              <a:rPr lang="en-US" dirty="0">
+                <a:solidFill>
+                  <a:srgbClr val="000000"/>
+                </a:solidFill>
+                <a:latin typeface="Consolas" panose="020B0609020204030204" pitchFamily="49" charset="0"/>
+              </a:rPr>
+              <a:t> s = </a:t>
+            </a:r>
+            <a:r>
+              <a:rPr lang="en-US" dirty="0">
+                <a:solidFill>
+                  <a:srgbClr val="0000FF"/>
+                </a:solidFill>
+                <a:latin typeface="Consolas" panose="020B0609020204030204" pitchFamily="49" charset="0"/>
+              </a:rPr>
+              <a:t>default</a:t>
+            </a:r>
+            <a:r>
+              <a:rPr lang="en-US" dirty="0">
+                <a:solidFill>
+                  <a:srgbClr val="000000"/>
+                </a:solidFill>
+                <a:latin typeface="Consolas" panose="020B0609020204030204" pitchFamily="49" charset="0"/>
+              </a:rPr>
+              <a:t>;</a:t>
+            </a:r>
+            <a:endParaRPr lang="ru-RU" dirty="0">
+              <a:solidFill>
+                <a:srgbClr val="000000"/>
+              </a:solidFill>
+              <a:latin typeface="Consolas" panose="020B0609020204030204" pitchFamily="49" charset="0"/>
+            </a:endParaRPr>
+          </a:p>
+          <a:p>
+            <a:endParaRPr lang="ru-RU" dirty="0">
+              <a:solidFill>
+                <a:srgbClr val="000000"/>
+              </a:solidFill>
+              <a:latin typeface="Consolas" panose="020B0609020204030204" pitchFamily="49" charset="0"/>
+            </a:endParaRPr>
+          </a:p>
+          <a:p>
+            <a:r>
+              <a:rPr lang="en-US" dirty="0">
+                <a:solidFill>
+                  <a:srgbClr val="008000"/>
+                </a:solidFill>
+                <a:latin typeface="Consolas" panose="020B0609020204030204" pitchFamily="49" charset="0"/>
+              </a:rPr>
+              <a:t>// </a:t>
+            </a:r>
+            <a:r>
+              <a:rPr lang="ru-RU" dirty="0">
+                <a:solidFill>
+                  <a:srgbClr val="008000"/>
+                </a:solidFill>
+                <a:latin typeface="Consolas" panose="020B0609020204030204" pitchFamily="49" charset="0"/>
+              </a:rPr>
+              <a:t>Где</a:t>
+            </a:r>
+            <a:r>
+              <a:rPr lang="en-US" dirty="0">
+                <a:solidFill>
+                  <a:srgbClr val="008000"/>
+                </a:solidFill>
+                <a:latin typeface="Consolas" panose="020B0609020204030204" pitchFamily="49" charset="0"/>
+              </a:rPr>
+              <a:t> T </a:t>
+            </a:r>
+            <a:r>
+              <a:rPr lang="ru-RU" dirty="0">
+                <a:solidFill>
+                  <a:srgbClr val="008000"/>
+                </a:solidFill>
+                <a:latin typeface="Consolas" panose="020B0609020204030204" pitchFamily="49" charset="0"/>
+              </a:rPr>
+              <a:t>это тип-аргумент</a:t>
             </a:r>
             <a:endParaRPr lang="en-US" dirty="0">
               <a:solidFill>
@@ -4812,146 +4862,41 @@
             <a:r>
               <a:rPr lang="en-US" dirty="0">
                 <a:solidFill>
+                  <a:srgbClr val="000000"/>
+                </a:solidFill>
+                <a:latin typeface="Consolas" panose="020B0609020204030204" pitchFamily="49" charset="0"/>
+              </a:rPr>
+              <a:t>T </a:t>
+            </a:r>
+            <a:r>
+              <a:rPr lang="en-US" dirty="0" err="1">
+                <a:solidFill>
+                  <a:srgbClr val="000000"/>
+                </a:solidFill>
+                <a:latin typeface="Consolas" panose="020B0609020204030204" pitchFamily="49" charset="0"/>
+              </a:rPr>
+              <a:t>t</a:t>
+            </a:r>
+            <a:r>
+              <a:rPr lang="en-US" dirty="0">
+                <a:solidFill>
+                  <a:srgbClr val="000000"/>
+                </a:solidFill>
+                <a:latin typeface="Consolas" panose="020B0609020204030204" pitchFamily="49" charset="0"/>
+              </a:rPr>
+              <a:t> = </a:t>
+            </a:r>
+            <a:r>
+              <a:rPr lang="en-US" dirty="0">
+                <a:solidFill>
                   <a:srgbClr val="0000FF"/>
                 </a:solidFill>
                 <a:latin typeface="Consolas" panose="020B0609020204030204" pitchFamily="49" charset="0"/>
               </a:rPr>
-              <a:t>string</a:t>
+              <a:t>default</a:t>
             </a:r>
             <a:r>
               <a:rPr lang="en-US" dirty="0">
-                <a:solidFill>
-                  <a:srgbClr val="000000"/>
-                </a:solidFill>
-                <a:latin typeface="Consolas" panose="020B0609020204030204" pitchFamily="49" charset="0"/>
-              </a:rPr>
-              <a:t> s = </a:t>
-            </a:r>
-            <a:r>
-              <a:rPr lang="en-US" dirty="0" smtClean="0">
-                <a:solidFill>
-                  <a:srgbClr val="0000FF"/>
-                </a:solidFill>
-                <a:latin typeface="Consolas" panose="020B0609020204030204" pitchFamily="49" charset="0"/>
-              </a:rPr>
-              <a:t>default</a:t>
-            </a:r>
-            <a:r>
-              <a:rPr lang="en-US" dirty="0" smtClean="0">
-                <a:solidFill>
-                  <a:srgbClr val="000000"/>
-                </a:solidFill>
-                <a:latin typeface="Consolas" panose="020B0609020204030204" pitchFamily="49" charset="0"/>
-              </a:rPr>
-              <a:t>;</a:t>
-            </a:r>
-            <a:endParaRPr lang="ru-RU" dirty="0" smtClean="0">
-              <a:solidFill>
-                <a:srgbClr val="000000"/>
-              </a:solidFill>
-              <a:latin typeface="Consolas" panose="020B0609020204030204" pitchFamily="49" charset="0"/>
-            </a:endParaRPr>
-          </a:p>
-          <a:p>
-            <a:endParaRPr lang="ru-RU" dirty="0">
-              <a:solidFill>
-                <a:srgbClr val="000000"/>
-              </a:solidFill>
-              <a:latin typeface="Consolas" panose="020B0609020204030204" pitchFamily="49" charset="0"/>
-            </a:endParaRPr>
-          </a:p>
-          <a:p>
-            <a:r>
-              <a:rPr lang="en-US" dirty="0">
-                <a:solidFill>
-                  <a:srgbClr val="008000"/>
-                </a:solidFill>
-                <a:latin typeface="Consolas" panose="020B0609020204030204" pitchFamily="49" charset="0"/>
-              </a:rPr>
-              <a:t>// </a:t>
-            </a:r>
-            <a:r>
-              <a:rPr lang="ru-RU" dirty="0" smtClean="0">
-                <a:solidFill>
-                  <a:srgbClr val="008000"/>
-                </a:solidFill>
-                <a:latin typeface="Consolas" panose="020B0609020204030204" pitchFamily="49" charset="0"/>
-              </a:rPr>
-              <a:t>Где</a:t>
-            </a:r>
-            <a:r>
-              <a:rPr lang="en-US" dirty="0" smtClean="0">
-                <a:solidFill>
-                  <a:srgbClr val="008000"/>
-                </a:solidFill>
-                <a:latin typeface="Consolas" panose="020B0609020204030204" pitchFamily="49" charset="0"/>
-              </a:rPr>
-              <a:t> </a:t>
-            </a:r>
-            <a:r>
-              <a:rPr lang="en-US" dirty="0">
-                <a:solidFill>
-                  <a:srgbClr val="008000"/>
-                </a:solidFill>
-                <a:latin typeface="Consolas" panose="020B0609020204030204" pitchFamily="49" charset="0"/>
-              </a:rPr>
-              <a:t>T </a:t>
-            </a:r>
-            <a:r>
-              <a:rPr lang="ru-RU" dirty="0" smtClean="0">
-                <a:solidFill>
-                  <a:srgbClr val="008000"/>
-                </a:solidFill>
-                <a:latin typeface="Consolas" panose="020B0609020204030204" pitchFamily="49" charset="0"/>
-              </a:rPr>
-              <a:t>это тип-аргумент</a:t>
-            </a:r>
-            <a:endParaRPr lang="en-US" dirty="0">
-              <a:solidFill>
-                <a:srgbClr val="000000"/>
-              </a:solidFill>
-              <a:latin typeface="Consolas" panose="020B0609020204030204" pitchFamily="49" charset="0"/>
-            </a:endParaRPr>
-          </a:p>
-          <a:p>
-            <a:r>
-              <a:rPr lang="en-US" dirty="0">
-                <a:solidFill>
-                  <a:srgbClr val="000000"/>
-                </a:solidFill>
-                <a:latin typeface="Consolas" panose="020B0609020204030204" pitchFamily="49" charset="0"/>
-              </a:rPr>
-              <a:t>T </a:t>
-            </a:r>
-            <a:r>
-              <a:rPr lang="en-US" dirty="0" err="1">
-                <a:solidFill>
-                  <a:srgbClr val="000000"/>
-                </a:solidFill>
-                <a:latin typeface="Consolas" panose="020B0609020204030204" pitchFamily="49" charset="0"/>
-              </a:rPr>
-              <a:t>t</a:t>
-            </a:r>
-            <a:r>
-              <a:rPr lang="en-US" dirty="0">
-                <a:solidFill>
-                  <a:srgbClr val="000000"/>
-                </a:solidFill>
-                <a:latin typeface="Consolas" panose="020B0609020204030204" pitchFamily="49" charset="0"/>
-              </a:rPr>
-              <a:t> = </a:t>
-            </a:r>
-            <a:r>
-              <a:rPr lang="en-US" dirty="0" smtClean="0">
-                <a:solidFill>
-                  <a:srgbClr val="0000FF"/>
-                </a:solidFill>
-                <a:latin typeface="Consolas" panose="020B0609020204030204" pitchFamily="49" charset="0"/>
-              </a:rPr>
-              <a:t>default</a:t>
-            </a:r>
-            <a:r>
-              <a:rPr lang="en-US" dirty="0" smtClean="0">
                 <a:solidFill>
                   <a:srgbClr val="000000"/>
                 </a:solidFill>
@@ -4987,23 +4932,23 @@
               <a:buNone/>
             </a:pPr>
             <a:r>
-              <a:rPr lang="ru-RU" smtClean="0"/>
+              <a:rPr lang="ru-RU"/>
               <a:t>Начиная с </a:t>
             </a:r>
             <a:r>
-              <a:rPr lang="en-US" dirty="0" smtClean="0"/>
+              <a:rPr lang="en-US" dirty="0"/>
               <a:t>C# </a:t>
             </a:r>
             <a:r>
-              <a:rPr lang="ru-RU" dirty="0" smtClean="0"/>
+              <a:rPr lang="ru-RU" dirty="0"/>
               <a:t>7.1 в </a:t>
             </a:r>
             <a:r>
-              <a:rPr lang="en-US" dirty="0" smtClean="0"/>
+              <a:rPr lang="en-US" dirty="0"/>
               <a:t>default </a:t>
             </a:r>
             <a:r>
-              <a:rPr lang="ru-RU" dirty="0" smtClean="0"/>
+              <a:rPr lang="ru-RU" dirty="0"/>
               <a:t>не обязательно указывать имя типа.</a:t>
             </a:r>
             <a:endParaRPr lang="en-US" dirty="0"/>
@@ -5020,13 +4965,6 @@
   <p:clrMapOvr>
     <a:masterClrMapping/>
   </p:clrMapOvr>
-  <p:timing>
-    <p:tnLst>
-      <p:par>
-        <p:cTn id="1" dur="indefinite" restart="never" nodeType="tmRoot"/>
-      </p:par>
-    </p:tnLst>
-  </p:timing>
 </p:sld>
 </file>
 
@@ -5063,10 +5001,9 @@
           <a:lstStyle/>
           <a:p>
             <a:r>
-              <a:rPr lang="ru-RU" dirty="0" smtClean="0"/>
+              <a:rPr lang="ru-RU" dirty="0"/>
               <a:t>Обобщенные классы</a:t>
             </a:r>
-            <a:endParaRPr lang="ru-RU" dirty="0"/>
           </a:p>
         </p:txBody>
       </p:sp>
@@ -5089,10 +5026,9 @@
               <a:buNone/>
             </a:pPr>
             <a:r>
-              <a:rPr lang="ru-RU" dirty="0" smtClean="0"/>
+              <a:rPr lang="ru-RU" dirty="0"/>
               <a:t>…</a:t>
             </a:r>
-            <a:endParaRPr lang="ru-RU" dirty="0"/>
           </a:p>
         </p:txBody>
       </p:sp>
@@ -5106,13 +5042,6 @@
   <p:clrMapOvr>
     <a:masterClrMapping/>
   </p:clrMapOvr>
-  <p:timing>
-    <p:tnLst>
-      <p:par>
-        <p:cTn id="1" dur="indefinite" restart="never" nodeType="tmRoot"/>
-      </p:par>
-    </p:tnLst>
-  </p:timing>
 </p:sld>
 </file>
 
@@ -5149,7 +5078,7 @@
           <a:lstStyle/>
           <a:p>
             <a:r>
-              <a:rPr lang="ru-RU" dirty="0" smtClean="0"/>
+              <a:rPr lang="ru-RU" dirty="0"/>
               <a:t>Обобщенное программирование</a:t>
             </a:r>
             <a:endParaRPr lang="en-US" dirty="0"/>
@@ -5177,18 +5106,10 @@
               <a:buNone/>
             </a:pPr>
             <a:r>
-              <a:rPr lang="ru-RU" sz="2800" dirty="0" smtClean="0"/>
-              <a:t>Парадигма </a:t>
-            </a:r>
-            <a:r>
               <a:rPr lang="ru-RU" sz="2800" dirty="0"/>
-              <a:t>программирования, заключающаяся в таком описании данных и алгоритмов, которое можно применять к различным типам данных, не меняя само это описание</a:t>
-            </a:r>
-            <a:r>
-              <a:rPr lang="ru-RU" sz="2800" dirty="0" smtClean="0"/>
-              <a:t>.</a:t>
-            </a:r>
-            <a:endParaRPr lang="en-US" sz="2800" dirty="0" smtClean="0"/>
+              <a:t>Парадигма программирования, заключающаяся в таком описании данных и алгоритмов, которое можно применять к различным типам данных, не меняя само это описание.</a:t>
+            </a:r>
+            <a:endParaRPr lang="en-US" sz="2800" dirty="0"/>
           </a:p>
           <a:p>
             <a:pPr marL="0" indent="0">
@@ -5201,14 +5122,14 @@
               <a:buNone/>
             </a:pPr>
             <a:r>
-              <a:rPr lang="ru-RU" sz="2800" dirty="0" smtClean="0"/>
+              <a:rPr lang="ru-RU" sz="2800" dirty="0"/>
               <a:t>Другое название - </a:t>
             </a:r>
             <a:r>
-              <a:rPr lang="ru-RU" sz="2800" smtClean="0"/>
+              <a:rPr lang="ru-RU" sz="2800"/>
               <a:t>параметрический полиморфизм.</a:t>
             </a:r>
-            <a:endParaRPr lang="ru-RU" sz="2800" dirty="0" smtClean="0"/>
+            <a:endParaRPr lang="ru-RU" sz="2800" dirty="0"/>
           </a:p>
           <a:p>
             <a:pPr marL="0" indent="0">
@@ -5221,14 +5142,13 @@
               <a:buNone/>
             </a:pPr>
             <a:r>
-              <a:rPr lang="ru-RU" sz="2800" dirty="0" smtClean="0"/>
+              <a:rPr lang="ru-RU" sz="2800" dirty="0"/>
               <a:t>Поддерживается начиная с </a:t>
             </a:r>
             <a:r>
-              <a:rPr lang="en-US" sz="2800" dirty="0" smtClean="0"/>
+              <a:rPr lang="en-US" sz="2800" dirty="0"/>
               <a:t>.NET 2.0</a:t>
             </a:r>
-            <a:endParaRPr lang="en-US" sz="2800" dirty="0"/>
           </a:p>
         </p:txBody>
       </p:sp>
@@ -5280,14 +5200,14 @@
           <a:lstStyle/>
           <a:p>
             <a:r>
-              <a:rPr lang="ru-RU" dirty="0" smtClean="0"/>
+              <a:rPr lang="ru-RU" dirty="0"/>
               <a:t>Абстрактные классы</a:t>
             </a:r>
             <a:br>
-              <a:rPr lang="ru-RU" dirty="0" smtClean="0"/>
+              <a:rPr lang="ru-RU" dirty="0"/>
             </a:br>
             <a:r>
-              <a:rPr lang="ru-RU" dirty="0" smtClean="0"/>
+              <a:rPr lang="ru-RU" dirty="0"/>
               <a:t>и обобщенные методы</a:t>
             </a:r>
             <a:endParaRPr lang="en-US" dirty="0"/>
@@ -5544,7 +5464,7 @@
               <a:buNone/>
             </a:pPr>
             <a:r>
-              <a:rPr lang="en-US" sz="1800" dirty="0" smtClean="0">
+              <a:rPr lang="en-US" sz="1800" dirty="0">
                 <a:solidFill>
                   <a:srgbClr val="000000"/>
                 </a:solidFill>
@@ -5552,7 +5472,7 @@
               </a:rPr>
               <a:t>{</a:t>
             </a:r>
-            <a:endParaRPr lang="ru-RU" sz="1800" dirty="0" smtClean="0">
+            <a:endParaRPr lang="ru-RU" sz="1800" dirty="0">
               <a:solidFill>
                 <a:srgbClr val="000000"/>
               </a:solidFill>
@@ -5564,7 +5484,7 @@
               <a:buNone/>
             </a:pPr>
             <a:r>
-              <a:rPr lang="ru-RU" sz="1800" dirty="0" smtClean="0">
+              <a:rPr lang="ru-RU" sz="1800" dirty="0">
                 <a:solidFill>
                   <a:srgbClr val="008000"/>
                 </a:solidFill>
@@ -5573,7 +5493,7 @@
               <a:t>    </a:t>
             </a:r>
             <a:r>
-              <a:rPr lang="en-US" sz="1800" dirty="0" smtClean="0">
+              <a:rPr lang="en-US" sz="1800" dirty="0">
                 <a:solidFill>
                   <a:srgbClr val="008000"/>
                 </a:solidFill>
@@ -5582,7 +5502,7 @@
               <a:t>//</a:t>
             </a:r>
             <a:r>
-              <a:rPr lang="ru-RU" sz="1800" dirty="0" smtClean="0">
+              <a:rPr lang="ru-RU" sz="1800" dirty="0">
                 <a:solidFill>
                   <a:srgbClr val="008000"/>
                 </a:solidFill>
@@ -5591,7 +5511,7 @@
               <a:t> Для </a:t>
             </a:r>
             <a:r>
-              <a:rPr lang="en-US" sz="1800" dirty="0" smtClean="0">
+              <a:rPr lang="en-US" sz="1800" dirty="0">
                 <a:solidFill>
                   <a:srgbClr val="008000"/>
                 </a:solidFill>
@@ -5600,7 +5520,7 @@
               <a:t>override </a:t>
             </a:r>
             <a:r>
-              <a:rPr lang="ru-RU" sz="1800" dirty="0" smtClean="0">
+              <a:rPr lang="ru-RU" sz="1800" dirty="0">
                 <a:solidFill>
                   <a:srgbClr val="008000"/>
                 </a:solidFill>
@@ -5620,28 +5540,19 @@
                 </a:solidFill>
                 <a:latin typeface="Consolas" panose="020B0609020204030204" pitchFamily="49" charset="0"/>
               </a:rPr>
-              <a:t> </a:t>
-            </a:r>
-            <a:r>
-              <a:rPr lang="ru-RU" sz="1800" dirty="0" smtClean="0">
+              <a:t>    </a:t>
+            </a:r>
+            <a:r>
+              <a:rPr lang="en-US" sz="1800" dirty="0">
                 <a:solidFill>
                   <a:srgbClr val="008000"/>
                 </a:solidFill>
                 <a:latin typeface="Consolas" panose="020B0609020204030204" pitchFamily="49" charset="0"/>
               </a:rPr>
-              <a:t>   </a:t>
-            </a:r>
-            <a:r>
-              <a:rPr lang="en-US" sz="1800" dirty="0" smtClean="0">
-                <a:solidFill>
-                  <a:srgbClr val="008000"/>
-                </a:solidFill>
-                <a:latin typeface="Consolas" panose="020B0609020204030204" pitchFamily="49" charset="0"/>
-              </a:rPr>
               <a:t>//</a:t>
             </a:r>
             <a:r>
-              <a:rPr lang="ru-RU" sz="1800" dirty="0" smtClean="0">
+              <a:rPr lang="ru-RU" sz="1800" dirty="0">
                 <a:solidFill>
                   <a:srgbClr val="008000"/>
                 </a:solidFill>
@@ -5815,7 +5726,7 @@
               </a:rPr>
               <a:t>}</a:t>
             </a:r>
-            <a:endParaRPr lang="ru-RU" sz="1800" dirty="0" smtClean="0"/>
+            <a:endParaRPr lang="ru-RU" sz="1800" dirty="0"/>
           </a:p>
         </p:txBody>
       </p:sp>
@@ -5865,11 +5776,11 @@
           <a:lstStyle/>
           <a:p>
             <a:r>
-              <a:rPr lang="en-US" dirty="0" smtClean="0"/>
+              <a:rPr lang="en-US" dirty="0"/>
               <a:t>static </a:t>
             </a:r>
             <a:r>
-              <a:rPr lang="ru-RU" dirty="0" smtClean="0"/>
+              <a:rPr lang="ru-RU" dirty="0"/>
               <a:t>поля в обобщенных классах</a:t>
             </a:r>
             <a:endParaRPr lang="en-US" dirty="0"/>
@@ -5895,15 +5806,15 @@
               <a:buNone/>
             </a:pPr>
             <a:r>
-              <a:rPr lang="ru-RU" dirty="0" smtClean="0"/>
+              <a:rPr lang="ru-RU" dirty="0"/>
               <a:t>Для каждой комбинации тип-аргументов создается свое </a:t>
             </a:r>
             <a:r>
-              <a:rPr lang="en-US" dirty="0" smtClean="0"/>
+              <a:rPr lang="en-US" dirty="0"/>
               <a:t>static </a:t>
             </a:r>
             <a:r>
-              <a:rPr lang="ru-RU" smtClean="0"/>
+              <a:rPr lang="ru-RU"/>
               <a:t>поле.</a:t>
             </a:r>
             <a:endParaRPr lang="en-US"/>
@@ -5956,10 +5867,9 @@
           <a:lstStyle/>
           <a:p>
             <a:r>
-              <a:rPr lang="ru-RU" dirty="0" smtClean="0"/>
+              <a:rPr lang="ru-RU" dirty="0"/>
               <a:t>Обобщенные интерфейсы</a:t>
             </a:r>
-            <a:endParaRPr lang="ru-RU" dirty="0"/>
           </a:p>
         </p:txBody>
       </p:sp>
@@ -5982,10 +5892,9 @@
               <a:buNone/>
             </a:pPr>
             <a:r>
-              <a:rPr lang="ru-RU" dirty="0" smtClean="0"/>
+              <a:rPr lang="ru-RU" dirty="0"/>
               <a:t>…</a:t>
             </a:r>
-            <a:endParaRPr lang="ru-RU" dirty="0"/>
           </a:p>
         </p:txBody>
       </p:sp>
@@ -6035,10 +5944,9 @@
           <a:lstStyle/>
           <a:p>
             <a:r>
-              <a:rPr lang="ru-RU" dirty="0" smtClean="0"/>
+              <a:rPr lang="ru-RU" dirty="0"/>
               <a:t>Обобщенные делегаты</a:t>
             </a:r>
-            <a:endParaRPr lang="ru-RU" dirty="0"/>
           </a:p>
         </p:txBody>
       </p:sp>
@@ -6061,10 +5969,9 @@
               <a:buNone/>
             </a:pPr>
             <a:r>
-              <a:rPr lang="ru-RU" dirty="0" smtClean="0"/>
+              <a:rPr lang="ru-RU" dirty="0"/>
               <a:t>…</a:t>
             </a:r>
-            <a:endParaRPr lang="ru-RU" dirty="0"/>
           </a:p>
         </p:txBody>
       </p:sp>
@@ -6114,7 +6021,7 @@
           <a:lstStyle/>
           <a:p>
             <a:r>
-              <a:rPr lang="ru-RU" dirty="0" smtClean="0"/>
+              <a:rPr lang="ru-RU" dirty="0"/>
               <a:t>Стандартные обобщенные типы</a:t>
             </a:r>
             <a:endParaRPr lang="en-US" dirty="0"/>
@@ -6140,10 +6047,9 @@
               <a:buNone/>
             </a:pPr>
             <a:r>
-              <a:rPr lang="en-US" dirty="0" smtClean="0"/>
+              <a:rPr lang="en-US" dirty="0"/>
               <a:t>System.Collections.Generic.*</a:t>
             </a:r>
-            <a:endParaRPr lang="en-US" dirty="0"/>
           </a:p>
         </p:txBody>
       </p:sp>
@@ -6193,10 +6099,9 @@
           <a:lstStyle/>
           <a:p>
             <a:r>
-              <a:rPr lang="ru-RU" dirty="0" smtClean="0"/>
+              <a:rPr lang="ru-RU" dirty="0"/>
               <a:t>Массивы и обобщения</a:t>
             </a:r>
-            <a:endParaRPr lang="ru-RU" dirty="0"/>
           </a:p>
         </p:txBody>
       </p:sp>
@@ -6226,22 +6131,21 @@
               <a:buNone/>
             </a:pPr>
             <a:r>
-              <a:rPr lang="ru-RU" sz="2400" dirty="0" smtClean="0"/>
+              <a:rPr lang="ru-RU" sz="2400" dirty="0"/>
               <a:t>Массив реализует интерфейс </a:t>
             </a:r>
             <a:r>
-              <a:rPr lang="en-US" sz="2400" dirty="0" err="1" smtClean="0"/>
+              <a:rPr lang="en-US" sz="2400" dirty="0" err="1"/>
               <a:t>IList</a:t>
             </a:r>
             <a:r>
-              <a:rPr lang="en-US" sz="2400" dirty="0" smtClean="0"/>
+              <a:rPr lang="en-US" sz="2400" dirty="0"/>
               <a:t>&lt;T&gt; </a:t>
             </a:r>
             <a:r>
-              <a:rPr lang="ru-RU" sz="2400" dirty="0" smtClean="0"/>
+              <a:rPr lang="ru-RU" sz="2400" dirty="0"/>
               <a:t>что дает возможность написать общий код для работы как с массивом так и для других коллекций.</a:t>
             </a:r>
-            <a:endParaRPr lang="ru-RU" sz="2400" dirty="0"/>
           </a:p>
         </p:txBody>
       </p:sp>
@@ -6334,7 +6238,7 @@
           </a:p>
           <a:p>
             <a:r>
-              <a:rPr lang="ru-RU" sz="1400" dirty="0" smtClean="0">
+              <a:rPr lang="ru-RU" sz="1400" dirty="0">
                 <a:solidFill>
                   <a:srgbClr val="0000FF"/>
                 </a:solidFill>
@@ -6343,7 +6247,7 @@
               <a:t>    </a:t>
             </a:r>
             <a:r>
-              <a:rPr lang="en-US" sz="1400" dirty="0" smtClean="0">
+              <a:rPr lang="en-US" sz="1400" dirty="0">
                 <a:solidFill>
                   <a:srgbClr val="0000FF"/>
                 </a:solidFill>
@@ -6352,7 +6256,7 @@
               <a:t>static</a:t>
             </a:r>
             <a:r>
-              <a:rPr lang="en-US" sz="1400" dirty="0" smtClean="0">
+              <a:rPr lang="en-US" sz="1400" dirty="0">
                 <a:solidFill>
                   <a:srgbClr val="000000"/>
                 </a:solidFill>
@@ -6443,22 +6347,13 @@
           </a:p>
           <a:p>
             <a:r>
-              <a:rPr lang="ru-RU" sz="1400" dirty="0" smtClean="0">
+              <a:rPr lang="ru-RU" sz="1400" dirty="0">
                 <a:solidFill>
                   <a:srgbClr val="008000"/>
                 </a:solidFill>
                 <a:latin typeface="Consolas" panose="020B0609020204030204" pitchFamily="49" charset="0"/>
               </a:rPr>
-              <a:t>    // </a:t>
-            </a:r>
-            <a:r>
-              <a:rPr lang="ru-RU" sz="1400" dirty="0">
-                <a:solidFill>
-                  <a:srgbClr val="008000"/>
-                </a:solidFill>
-                <a:latin typeface="Consolas" panose="020B0609020204030204" pitchFamily="49" charset="0"/>
-              </a:rPr>
-              <a:t>T - тип-параметр (псевдоним для неизвестного/любого типа)</a:t>
+              <a:t>    // T - тип-параметр (псевдоним для неизвестного/любого типа)</a:t>
             </a:r>
             <a:endParaRPr lang="ru-RU" sz="1400" dirty="0">
               <a:solidFill>
@@ -6469,7 +6364,7 @@
           </a:p>
           <a:p>
             <a:r>
-              <a:rPr lang="ru-RU" sz="1400" dirty="0" smtClean="0">
+              <a:rPr lang="ru-RU" sz="1400" dirty="0">
                 <a:solidFill>
                   <a:srgbClr val="0000FF"/>
                 </a:solidFill>
@@ -6478,7 +6373,7 @@
               <a:t>    </a:t>
             </a:r>
             <a:r>
-              <a:rPr lang="fr-FR" sz="1400" dirty="0" smtClean="0">
+              <a:rPr lang="fr-FR" sz="1400" dirty="0">
                 <a:solidFill>
                   <a:srgbClr val="0000FF"/>
                 </a:solidFill>
@@ -6487,7 +6382,7 @@
               <a:t>public</a:t>
             </a:r>
             <a:r>
-              <a:rPr lang="fr-FR" sz="1400" dirty="0" smtClean="0">
+              <a:rPr lang="fr-FR" sz="1400" dirty="0">
                 <a:solidFill>
                   <a:srgbClr val="000000"/>
                 </a:solidFill>
@@ -6588,7 +6483,7 @@
           </a:p>
           <a:p>
             <a:r>
-              <a:rPr lang="ru-RU" sz="1400" dirty="0" smtClean="0">
+              <a:rPr lang="ru-RU" sz="1400" dirty="0">
                 <a:solidFill>
                   <a:srgbClr val="000000"/>
                 </a:solidFill>
@@ -6596,6 +6491,131 @@
               </a:rPr>
               <a:t>    {</a:t>
             </a:r>
+          </a:p>
+          <a:p>
+            <a:r>
+              <a:rPr lang="ru-RU" sz="1400" dirty="0">
+                <a:solidFill>
+                  <a:srgbClr val="0000FF"/>
+                </a:solidFill>
+                <a:latin typeface="Consolas" panose="020B0609020204030204" pitchFamily="49" charset="0"/>
+              </a:rPr>
+              <a:t>        </a:t>
+            </a:r>
+            <a:r>
+              <a:rPr lang="nn-NO" sz="1400" dirty="0">
+                <a:solidFill>
+                  <a:srgbClr val="0000FF"/>
+                </a:solidFill>
+                <a:latin typeface="Consolas" panose="020B0609020204030204" pitchFamily="49" charset="0"/>
+              </a:rPr>
+              <a:t>for</a:t>
+            </a:r>
+            <a:r>
+              <a:rPr lang="nn-NO" sz="1400" dirty="0">
+                <a:solidFill>
+                  <a:srgbClr val="000000"/>
+                </a:solidFill>
+                <a:latin typeface="Consolas" panose="020B0609020204030204" pitchFamily="49" charset="0"/>
+              </a:rPr>
+              <a:t> (</a:t>
+            </a:r>
+            <a:r>
+              <a:rPr lang="nn-NO" sz="1400" dirty="0">
+                <a:solidFill>
+                  <a:srgbClr val="0000FF"/>
+                </a:solidFill>
+                <a:latin typeface="Consolas" panose="020B0609020204030204" pitchFamily="49" charset="0"/>
+              </a:rPr>
+              <a:t>int</a:t>
+            </a:r>
+            <a:r>
+              <a:rPr lang="nn-NO" sz="1400" dirty="0">
+                <a:solidFill>
+                  <a:srgbClr val="000000"/>
+                </a:solidFill>
+                <a:latin typeface="Consolas" panose="020B0609020204030204" pitchFamily="49" charset="0"/>
+              </a:rPr>
+              <a:t> i = list.Count - 1; i &gt; 0; i--)</a:t>
+            </a:r>
+          </a:p>
+          <a:p>
+            <a:r>
+              <a:rPr lang="ru-RU" sz="1400" dirty="0">
+                <a:solidFill>
+                  <a:srgbClr val="000000"/>
+                </a:solidFill>
+                <a:latin typeface="Consolas" panose="020B0609020204030204" pitchFamily="49" charset="0"/>
+              </a:rPr>
+              <a:t>        {</a:t>
+            </a:r>
+          </a:p>
+          <a:p>
+            <a:r>
+              <a:rPr lang="ru-RU" sz="1400" dirty="0">
+                <a:solidFill>
+                  <a:srgbClr val="0000FF"/>
+                </a:solidFill>
+                <a:latin typeface="Consolas" panose="020B0609020204030204" pitchFamily="49" charset="0"/>
+              </a:rPr>
+              <a:t>            </a:t>
+            </a:r>
+            <a:r>
+              <a:rPr lang="en-US" sz="1400" dirty="0" err="1">
+                <a:solidFill>
+                  <a:srgbClr val="0000FF"/>
+                </a:solidFill>
+                <a:latin typeface="Consolas" panose="020B0609020204030204" pitchFamily="49" charset="0"/>
+              </a:rPr>
+              <a:t>int</a:t>
+            </a:r>
+            <a:r>
+              <a:rPr lang="en-US" sz="1400" dirty="0">
+                <a:solidFill>
+                  <a:srgbClr val="000000"/>
+                </a:solidFill>
+                <a:latin typeface="Consolas" panose="020B0609020204030204" pitchFamily="49" charset="0"/>
+              </a:rPr>
+              <a:t> j = </a:t>
+            </a:r>
+            <a:r>
+              <a:rPr lang="en-US" sz="1400" dirty="0" err="1">
+                <a:solidFill>
+                  <a:srgbClr val="000000"/>
+                </a:solidFill>
+                <a:latin typeface="Consolas" panose="020B0609020204030204" pitchFamily="49" charset="0"/>
+              </a:rPr>
+              <a:t>rnd.Next</a:t>
+            </a:r>
+            <a:r>
+              <a:rPr lang="en-US" sz="1400" dirty="0">
+                <a:solidFill>
+                  <a:srgbClr val="000000"/>
+                </a:solidFill>
+                <a:latin typeface="Consolas" panose="020B0609020204030204" pitchFamily="49" charset="0"/>
+              </a:rPr>
+              <a:t>(0, </a:t>
+            </a:r>
+            <a:r>
+              <a:rPr lang="en-US" sz="1400" dirty="0" err="1">
+                <a:solidFill>
+                  <a:srgbClr val="000000"/>
+                </a:solidFill>
+                <a:latin typeface="Consolas" panose="020B0609020204030204" pitchFamily="49" charset="0"/>
+              </a:rPr>
+              <a:t>i</a:t>
+            </a:r>
+            <a:r>
+              <a:rPr lang="en-US" sz="1400" dirty="0">
+                <a:solidFill>
+                  <a:srgbClr val="000000"/>
+                </a:solidFill>
+                <a:latin typeface="Consolas" panose="020B0609020204030204" pitchFamily="49" charset="0"/>
+              </a:rPr>
+              <a:t> + 1);</a:t>
+            </a:r>
+          </a:p>
+          <a:p>
             <a:endParaRPr lang="ru-RU" sz="1400" dirty="0">
               <a:solidFill>
                 <a:srgbClr val="000000"/>
@@ -6605,104 +6625,78 @@
           </a:p>
           <a:p>
             <a:r>
-              <a:rPr lang="ru-RU" sz="1400" dirty="0" smtClean="0">
-                <a:solidFill>
-                  <a:srgbClr val="0000FF"/>
-                </a:solidFill>
-                <a:latin typeface="Consolas" panose="020B0609020204030204" pitchFamily="49" charset="0"/>
-              </a:rPr>
-              <a:t>        </a:t>
-            </a:r>
-            <a:r>
-              <a:rPr lang="nn-NO" sz="1400" dirty="0" smtClean="0">
-                <a:solidFill>
-                  <a:srgbClr val="0000FF"/>
-                </a:solidFill>
-                <a:latin typeface="Consolas" panose="020B0609020204030204" pitchFamily="49" charset="0"/>
-              </a:rPr>
-              <a:t>for</a:t>
-            </a:r>
-            <a:r>
-              <a:rPr lang="nn-NO" sz="1400" dirty="0" smtClean="0">
+              <a:rPr lang="ru-RU" sz="1400" dirty="0">
+                <a:solidFill>
+                  <a:srgbClr val="2B91AF"/>
+                </a:solidFill>
+                <a:latin typeface="Consolas" panose="020B0609020204030204" pitchFamily="49" charset="0"/>
+              </a:rPr>
+              <a:t>            </a:t>
+            </a:r>
+            <a:r>
+              <a:rPr lang="en-US" sz="1400" dirty="0">
+                <a:solidFill>
+                  <a:srgbClr val="2B91AF"/>
+                </a:solidFill>
+                <a:latin typeface="Consolas" panose="020B0609020204030204" pitchFamily="49" charset="0"/>
+              </a:rPr>
+              <a:t>T</a:t>
+            </a:r>
+            <a:r>
+              <a:rPr lang="en-US" sz="1400" dirty="0">
                 <a:solidFill>
                   <a:srgbClr val="000000"/>
                 </a:solidFill>
                 <a:latin typeface="Consolas" panose="020B0609020204030204" pitchFamily="49" charset="0"/>
               </a:rPr>
-              <a:t> </a:t>
-            </a:r>
-            <a:r>
-              <a:rPr lang="nn-NO" sz="1400" dirty="0">
+              <a:t> temp = list[</a:t>
+            </a:r>
+            <a:r>
+              <a:rPr lang="en-US" sz="1400" dirty="0" err="1">
                 <a:solidFill>
                   <a:srgbClr val="000000"/>
                 </a:solidFill>
                 <a:latin typeface="Consolas" panose="020B0609020204030204" pitchFamily="49" charset="0"/>
               </a:rPr>
-              <a:t>(</a:t>
-            </a:r>
-            <a:r>
-              <a:rPr lang="nn-NO" sz="1400" dirty="0">
-                <a:solidFill>
-                  <a:srgbClr val="0000FF"/>
-                </a:solidFill>
-                <a:latin typeface="Consolas" panose="020B0609020204030204" pitchFamily="49" charset="0"/>
-              </a:rPr>
-              <a:t>int</a:t>
-            </a:r>
-            <a:r>
-              <a:rPr lang="nn-NO" sz="1400" dirty="0">
+              <a:t>i</a:t>
+            </a:r>
+            <a:r>
+              <a:rPr lang="en-US" sz="1400" dirty="0">
                 <a:solidFill>
                   <a:srgbClr val="000000"/>
                 </a:solidFill>
                 <a:latin typeface="Consolas" panose="020B0609020204030204" pitchFamily="49" charset="0"/>
               </a:rPr>
-              <a:t> i = list.Count - 1; i &gt; 0; i--)</a:t>
-            </a:r>
-          </a:p>
-          <a:p>
-            <a:r>
-              <a:rPr lang="ru-RU" sz="1400" dirty="0" smtClean="0">
+              <a:t>];</a:t>
+            </a:r>
+          </a:p>
+          <a:p>
+            <a:r>
+              <a:rPr lang="ru-RU" sz="1400" dirty="0">
                 <a:solidFill>
                   <a:srgbClr val="000000"/>
                 </a:solidFill>
                 <a:latin typeface="Consolas" panose="020B0609020204030204" pitchFamily="49" charset="0"/>
               </a:rPr>
-              <a:t>        {</a:t>
-            </a:r>
-            <a:endParaRPr lang="ru-RU" sz="1400" dirty="0">
-              <a:solidFill>
-                <a:srgbClr val="000000"/>
-              </a:solidFill>
-              <a:latin typeface="Consolas" panose="020B0609020204030204" pitchFamily="49" charset="0"/>
-            </a:endParaRPr>
-          </a:p>
-          <a:p>
-            <a:r>
-              <a:rPr lang="ru-RU" sz="1400" dirty="0" smtClean="0">
-                <a:solidFill>
-                  <a:srgbClr val="0000FF"/>
-                </a:solidFill>
-                <a:latin typeface="Consolas" panose="020B0609020204030204" pitchFamily="49" charset="0"/>
-              </a:rPr>
               <a:t>            </a:t>
             </a:r>
             <a:r>
-              <a:rPr lang="en-US" sz="1400" dirty="0" err="1" smtClean="0">
-                <a:solidFill>
-                  <a:srgbClr val="0000FF"/>
-                </a:solidFill>
-                <a:latin typeface="Consolas" panose="020B0609020204030204" pitchFamily="49" charset="0"/>
-              </a:rPr>
-              <a:t>int</a:t>
-            </a:r>
-            <a:r>
-              <a:rPr lang="en-US" sz="1400" dirty="0" smtClean="0">
+              <a:rPr lang="en-US" sz="1400" dirty="0">
                 <a:solidFill>
                   <a:srgbClr val="000000"/>
                 </a:solidFill>
                 <a:latin typeface="Consolas" panose="020B0609020204030204" pitchFamily="49" charset="0"/>
               </a:rPr>
-              <a:t> </a:t>
+              <a:t>list[</a:t>
+            </a:r>
+            <a:r>
+              <a:rPr lang="en-US" sz="1400" dirty="0" err="1">
+                <a:solidFill>
+                  <a:srgbClr val="000000"/>
+                </a:solidFill>
+                <a:latin typeface="Consolas" panose="020B0609020204030204" pitchFamily="49" charset="0"/>
+              </a:rPr>
+              <a:t>i</a:t>
             </a:r>
             <a:r>
               <a:rPr lang="en-US" sz="1400" dirty="0">
@@ -6711,16 +6705,18 @@
                 </a:solidFill>
                 <a:latin typeface="Consolas" panose="020B0609020204030204" pitchFamily="49" charset="0"/>
               </a:rPr>
-              <a:t>j = </a:t>
-            </a:r>
-            <a:r>
-              <a:rPr lang="en-US" sz="1400" dirty="0" err="1">
+              <a:t>] = list[j];</a:t>
+            </a:r>
+          </a:p>
+          <a:p>
+            <a:r>
+              <a:rPr lang="ru-RU" sz="1400" dirty="0">
                 <a:solidFill>
                   <a:srgbClr val="000000"/>
                 </a:solidFill>
                 <a:latin typeface="Consolas" panose="020B0609020204030204" pitchFamily="49" charset="0"/>
               </a:rPr>
-              <a:t>rnd.Next</a:t>
+              <a:t>            </a:t>
             </a:r>
             <a:r>
               <a:rPr lang="en-US" sz="1400" dirty="0">
@@ -6729,191 +6725,30 @@
                 </a:solidFill>
                 <a:latin typeface="Consolas" panose="020B0609020204030204" pitchFamily="49" charset="0"/>
               </a:rPr>
-              <a:t>(0, </a:t>
-            </a:r>
-            <a:r>
-              <a:rPr lang="en-US" sz="1400" dirty="0" err="1">
+              <a:t>list[j] = temp;</a:t>
+            </a:r>
+          </a:p>
+          <a:p>
+            <a:r>
+              <a:rPr lang="ru-RU" sz="1400" dirty="0">
                 <a:solidFill>
                   <a:srgbClr val="000000"/>
                 </a:solidFill>
                 <a:latin typeface="Consolas" panose="020B0609020204030204" pitchFamily="49" charset="0"/>
               </a:rPr>
-              <a:t>i</a:t>
-            </a:r>
-            <a:r>
-              <a:rPr lang="en-US" sz="1400" dirty="0">
+              <a:t>        }</a:t>
+            </a:r>
+          </a:p>
+          <a:p>
+            <a:r>
+              <a:rPr lang="ru-RU" sz="1400" dirty="0">
                 <a:solidFill>
                   <a:srgbClr val="000000"/>
                 </a:solidFill>
                 <a:latin typeface="Consolas" panose="020B0609020204030204" pitchFamily="49" charset="0"/>
               </a:rPr>
-              <a:t> + 1);</a:t>
-            </a:r>
-          </a:p>
-          <a:p>
-            <a:endParaRPr lang="ru-RU" sz="1400" dirty="0">
-              <a:solidFill>
-                <a:srgbClr val="000000"/>
-              </a:solidFill>
-              <a:latin typeface="Consolas" panose="020B0609020204030204" pitchFamily="49" charset="0"/>
-            </a:endParaRPr>
-          </a:p>
-          <a:p>
-            <a:r>
-              <a:rPr lang="ru-RU" sz="1400" dirty="0" smtClean="0">
-                <a:solidFill>
-                  <a:srgbClr val="2B91AF"/>
-                </a:solidFill>
-                <a:latin typeface="Consolas" panose="020B0609020204030204" pitchFamily="49" charset="0"/>
-              </a:rPr>
-              <a:t>            </a:t>
-            </a:r>
-            <a:r>
-              <a:rPr lang="en-US" sz="1400" dirty="0" smtClean="0">
-                <a:solidFill>
-                  <a:srgbClr val="2B91AF"/>
-                </a:solidFill>
-                <a:latin typeface="Consolas" panose="020B0609020204030204" pitchFamily="49" charset="0"/>
-              </a:rPr>
-              <a:t>T</a:t>
-            </a:r>
-            <a:r>
-              <a:rPr lang="en-US" sz="1400" dirty="0" smtClean="0">
-                <a:solidFill>
-                  <a:srgbClr val="000000"/>
-                </a:solidFill>
-                <a:latin typeface="Consolas" panose="020B0609020204030204" pitchFamily="49" charset="0"/>
-              </a:rPr>
-              <a:t> </a:t>
-            </a:r>
-            <a:r>
-              <a:rPr lang="en-US" sz="1400" dirty="0">
-                <a:solidFill>
-                  <a:srgbClr val="000000"/>
-                </a:solidFill>
-                <a:latin typeface="Consolas" panose="020B0609020204030204" pitchFamily="49" charset="0"/>
-              </a:rPr>
-              <a:t>temp = list[</a:t>
-            </a:r>
-            <a:r>
-              <a:rPr lang="en-US" sz="1400" dirty="0" err="1">
-                <a:solidFill>
-                  <a:srgbClr val="000000"/>
-                </a:solidFill>
-                <a:latin typeface="Consolas" panose="020B0609020204030204" pitchFamily="49" charset="0"/>
-              </a:rPr>
-              <a:t>i</a:t>
-            </a:r>
-            <a:r>
-              <a:rPr lang="en-US" sz="1400" dirty="0">
-                <a:solidFill>
-                  <a:srgbClr val="000000"/>
-                </a:solidFill>
-                <a:latin typeface="Consolas" panose="020B0609020204030204" pitchFamily="49" charset="0"/>
-              </a:rPr>
-              <a:t>];</a:t>
-            </a:r>
-          </a:p>
-          <a:p>
-            <a:r>
-              <a:rPr lang="ru-RU" sz="1400" dirty="0" smtClean="0">
-                <a:solidFill>
-                  <a:srgbClr val="000000"/>
-                </a:solidFill>
-                <a:latin typeface="Consolas" panose="020B0609020204030204" pitchFamily="49" charset="0"/>
-              </a:rPr>
-              <a:t>            </a:t>
-            </a:r>
-            <a:r>
-              <a:rPr lang="en-US" sz="1400" dirty="0" smtClean="0">
-                <a:solidFill>
-                  <a:srgbClr val="000000"/>
-                </a:solidFill>
-                <a:latin typeface="Consolas" panose="020B0609020204030204" pitchFamily="49" charset="0"/>
-              </a:rPr>
-              <a:t>list[</a:t>
-            </a:r>
-            <a:r>
-              <a:rPr lang="en-US" sz="1400" dirty="0" err="1" smtClean="0">
-                <a:solidFill>
-                  <a:srgbClr val="000000"/>
-                </a:solidFill>
-                <a:latin typeface="Consolas" panose="020B0609020204030204" pitchFamily="49" charset="0"/>
-              </a:rPr>
-              <a:t>i</a:t>
-            </a:r>
-            <a:r>
-              <a:rPr lang="en-US" sz="1400" dirty="0">
-                <a:solidFill>
-                  <a:srgbClr val="000000"/>
-                </a:solidFill>
-                <a:latin typeface="Consolas" panose="020B0609020204030204" pitchFamily="49" charset="0"/>
-              </a:rPr>
-              <a:t>] = list[j];</a:t>
-            </a:r>
-          </a:p>
-          <a:p>
-            <a:r>
-              <a:rPr lang="ru-RU" sz="1400" dirty="0" smtClean="0">
-                <a:solidFill>
-                  <a:srgbClr val="000000"/>
-                </a:solidFill>
-                <a:latin typeface="Consolas" panose="020B0609020204030204" pitchFamily="49" charset="0"/>
-              </a:rPr>
-              <a:t>            </a:t>
-            </a:r>
-            <a:r>
-              <a:rPr lang="en-US" sz="1400" dirty="0" smtClean="0">
-                <a:solidFill>
-                  <a:srgbClr val="000000"/>
-                </a:solidFill>
-                <a:latin typeface="Consolas" panose="020B0609020204030204" pitchFamily="49" charset="0"/>
-              </a:rPr>
-              <a:t>list[j</a:t>
-            </a:r>
-            <a:r>
-              <a:rPr lang="en-US" sz="1400" dirty="0">
-                <a:solidFill>
-                  <a:srgbClr val="000000"/>
-                </a:solidFill>
-                <a:latin typeface="Consolas" panose="020B0609020204030204" pitchFamily="49" charset="0"/>
-              </a:rPr>
-              <a:t>] = temp;</a:t>
-            </a:r>
-          </a:p>
-          <a:p>
-            <a:r>
-              <a:rPr lang="ru-RU" sz="1400" dirty="0" smtClean="0">
-                <a:solidFill>
-                  <a:srgbClr val="000000"/>
-                </a:solidFill>
-                <a:latin typeface="Consolas" panose="020B0609020204030204" pitchFamily="49" charset="0"/>
-              </a:rPr>
-              <a:t>        }</a:t>
-            </a:r>
-            <a:endParaRPr lang="ru-RU" sz="1400" dirty="0">
-              <a:solidFill>
-                <a:srgbClr val="000000"/>
-              </a:solidFill>
-              <a:latin typeface="Consolas" panose="020B0609020204030204" pitchFamily="49" charset="0"/>
-            </a:endParaRPr>
-          </a:p>
-          <a:p>
-            <a:r>
-              <a:rPr lang="ru-RU" sz="1400" dirty="0" smtClean="0">
-                <a:solidFill>
-                  <a:srgbClr val="000000"/>
-                </a:solidFill>
-                <a:latin typeface="Consolas" panose="020B0609020204030204" pitchFamily="49" charset="0"/>
-              </a:rPr>
               <a:t>    }</a:t>
             </a:r>
-            <a:endParaRPr lang="ru-RU" sz="1400" dirty="0">
-              <a:solidFill>
-                <a:srgbClr val="000000"/>
-              </a:solidFill>
-              <a:latin typeface="Consolas" panose="020B0609020204030204" pitchFamily="49" charset="0"/>
-            </a:endParaRPr>
           </a:p>
           <a:p>
             <a:r>
@@ -6985,15 +6820,15 @@
           <a:lstStyle/>
           <a:p>
             <a:r>
-              <a:rPr lang="ru-RU" dirty="0" err="1" smtClean="0"/>
+              <a:rPr lang="ru-RU" dirty="0" err="1"/>
               <a:t>Ковариантность</a:t>
             </a:r>
             <a:r>
-              <a:rPr lang="ru-RU" dirty="0" smtClean="0"/>
+              <a:rPr lang="ru-RU" dirty="0"/>
               <a:t> и </a:t>
             </a:r>
             <a:r>
-              <a:rPr lang="ru-RU" dirty="0" err="1" smtClean="0"/>
+              <a:rPr lang="ru-RU" dirty="0" err="1"/>
               <a:t>контрвариантность</a:t>
             </a:r>
             <a:endParaRPr lang="en-US" dirty="0"/>
@@ -7029,21 +6864,6 @@
   <p:clrMapOvr>
     <a:masterClrMapping/>
   </p:clrMapOvr>
-  <mc:AlternateContent xmlns:mc="http://schemas.openxmlformats.org/markup-compatibility/2006" xmlns:p14="http://schemas.microsoft.com/office/powerpoint/2010/main">
-    <mc:Choice Requires="p14">
-      <p:transition spd="slow" p14:dur="2000"/>
-    </mc:Choice>
-    <mc:Fallback xmlns="">
-      <p:transition spd="slow"/>
-    </mc:Fallback>
-  </mc:AlternateContent>
-  <p:timing>
-    <p:tnLst>
-      <p:par>
-        <p:cTn id="1" dur="indefinite" restart="never" nodeType="tmRoot"/>
-      </p:par>
-    </p:tnLst>
-  </p:timing>
 </p:sld>
 </file>
 
@@ -7082,19 +6902,19 @@
           <a:lstStyle/>
           <a:p>
             <a:r>
-              <a:rPr lang="ru-RU" sz="3600" dirty="0" smtClean="0"/>
+              <a:rPr lang="ru-RU" sz="3600" dirty="0"/>
               <a:t>Типы поддерживающие </a:t>
             </a:r>
             <a:r>
-              <a:rPr lang="ru-RU" sz="3600" dirty="0" err="1" smtClean="0"/>
+              <a:rPr lang="ru-RU" sz="3600" dirty="0" err="1"/>
               <a:t>ковариантность</a:t>
             </a:r>
             <a:r>
-              <a:rPr lang="ru-RU" sz="3600" dirty="0" smtClean="0"/>
+              <a:rPr lang="ru-RU" sz="3600" dirty="0"/>
               <a:t> и </a:t>
             </a:r>
             <a:r>
-              <a:rPr lang="ru-RU" sz="3600" dirty="0" err="1" smtClean="0"/>
+              <a:rPr lang="ru-RU" sz="3600" dirty="0" err="1"/>
               <a:t>контравариантность</a:t>
             </a:r>
             <a:endParaRPr lang="en-US" sz="3600" dirty="0"/>
@@ -7153,7 +6973,7 @@
                     <a:lstStyle/>
                     <a:p>
                       <a:r>
-                        <a:rPr lang="ru-RU" sz="1200" b="1" dirty="0" smtClean="0">
+                        <a:rPr lang="ru-RU" sz="1200" b="1" dirty="0">
                           <a:solidFill>
                             <a:srgbClr val="002060"/>
                           </a:solidFill>
@@ -7223,7 +7043,7 @@
                     <a:lstStyle/>
                     <a:p>
                       <a:r>
-                        <a:rPr lang="ru-RU" sz="1200" b="1" dirty="0" smtClean="0">
+                        <a:rPr lang="ru-RU" sz="1200" b="1" dirty="0">
                           <a:solidFill>
                             <a:srgbClr val="002060"/>
                           </a:solidFill>
@@ -7293,7 +7113,7 @@
                     <a:lstStyle/>
                     <a:p>
                       <a:r>
-                        <a:rPr lang="ru-RU" sz="1200" b="1" dirty="0" smtClean="0">
+                        <a:rPr lang="ru-RU" sz="1200" b="1" dirty="0">
                           <a:solidFill>
                             <a:srgbClr val="002060"/>
                           </a:solidFill>
@@ -7370,24 +7190,16 @@
                     <a:lstStyle/>
                     <a:p>
                       <a:r>
-                        <a:rPr lang="fr-FR" sz="1200" dirty="0" smtClean="0"/>
-                        <a:t>Action&lt;T</a:t>
+                        <a:rPr lang="fr-FR" sz="1200" dirty="0"/>
+                        <a:t>Action&lt;T&gt; </a:t>
+                      </a:r>
+                      <a:r>
+                        <a:rPr lang="ru-RU" sz="1200" dirty="0"/>
+                        <a:t>…</a:t>
                       </a:r>
                       <a:r>
                         <a:rPr lang="fr-FR" sz="1200" dirty="0"/>
-                        <a:t>&gt; </a:t>
-                      </a:r>
-                      <a:r>
-                        <a:rPr lang="ru-RU" sz="1200" dirty="0" smtClean="0"/>
-                        <a:t>…</a:t>
-                      </a:r>
-                      <a:r>
-                        <a:rPr lang="fr-FR" sz="1200" dirty="0" smtClean="0"/>
-                        <a:t> </a:t>
-                      </a:r>
-                      <a:r>
-                        <a:rPr lang="fr-FR" sz="1200" dirty="0"/>
-                        <a:t>Action&lt;T1, T2, T3, T4, T5, T6, T7, T8, T9, T10, T11, T12, T13, T14, T15, T16&gt;</a:t>
+                        <a:t> Action&lt;T1, T2, T3, T4, T5, T6, T7, T8, T9, T10, T11, T12, T13, T14, T15, T16&gt;</a:t>
                       </a:r>
                     </a:p>
                   </a:txBody>
@@ -7501,7 +7313,7 @@
                     <a:p>
                       <a:pPr algn="ctr"/>
                       <a:r>
-                        <a:rPr lang="ru-RU" sz="1200" dirty="0" smtClean="0"/>
+                        <a:rPr lang="ru-RU" sz="1200" dirty="0"/>
                         <a:t>Да</a:t>
                       </a:r>
                       <a:endParaRPr lang="en-US" sz="1200" dirty="0"/>
@@ -7567,12 +7379,8 @@
                     <a:lstStyle/>
                     <a:p>
                       <a:r>
-                        <a:rPr lang="en-US" sz="1200" dirty="0" smtClean="0"/>
-                        <a:t>Comparison&lt;T</a:t>
-                      </a:r>
-                      <a:r>
                         <a:rPr lang="en-US" sz="1200" dirty="0"/>
-                        <a:t>&gt;</a:t>
+                        <a:t>Comparison&lt;T&gt;</a:t>
                       </a:r>
                     </a:p>
                   </a:txBody>
@@ -7686,7 +7494,7 @@
                     <a:p>
                       <a:pPr algn="ctr"/>
                       <a:r>
-                        <a:rPr lang="ru-RU" sz="1200" dirty="0" smtClean="0"/>
+                        <a:rPr lang="ru-RU" sz="1200" dirty="0"/>
                         <a:t>Да</a:t>
                       </a:r>
                       <a:endParaRPr lang="en-US" sz="1200" dirty="0"/>
@@ -7752,11 +7560,11 @@
                     <a:lstStyle/>
                     <a:p>
                       <a:r>
-                        <a:rPr lang="en-US" sz="1200" dirty="0" smtClean="0"/>
+                        <a:rPr lang="en-US" sz="1200" dirty="0"/>
                         <a:t>Converter&lt;</a:t>
                       </a:r>
                       <a:r>
-                        <a:rPr lang="en-US" sz="1200" dirty="0" err="1" smtClean="0"/>
+                        <a:rPr lang="en-US" sz="1200" dirty="0" err="1"/>
                         <a:t>TInput</a:t>
                       </a:r>
                       <a:r>
@@ -7827,7 +7635,7 @@
                     <a:p>
                       <a:pPr algn="ctr"/>
                       <a:r>
-                        <a:rPr lang="ru-RU" sz="1200" dirty="0" smtClean="0"/>
+                        <a:rPr lang="ru-RU" sz="1200" dirty="0"/>
                         <a:t>Да</a:t>
                       </a:r>
                       <a:endParaRPr lang="en-US" sz="1200" dirty="0"/>
@@ -7887,7 +7695,7 @@
                     <a:p>
                       <a:pPr algn="ctr"/>
                       <a:r>
-                        <a:rPr lang="ru-RU" sz="1200" dirty="0" smtClean="0"/>
+                        <a:rPr lang="ru-RU" sz="1200" dirty="0"/>
                         <a:t>Да</a:t>
                       </a:r>
                       <a:endParaRPr lang="en-US" sz="1200" dirty="0"/>
@@ -7953,22 +7761,21 @@
                     <a:lstStyle/>
                     <a:p>
                       <a:r>
-                        <a:rPr lang="en-US" sz="1200" dirty="0" err="1" smtClean="0"/>
+                        <a:rPr lang="en-US" sz="1200" dirty="0" err="1"/>
                         <a:t>Func</a:t>
                       </a:r>
                       <a:r>
-                        <a:rPr lang="en-US" sz="1200" dirty="0" smtClean="0"/>
+                        <a:rPr lang="en-US" sz="1200" dirty="0"/>
                         <a:t>&lt;</a:t>
                       </a:r>
                       <a:r>
-                        <a:rPr lang="en-US" sz="1200" dirty="0" err="1" smtClean="0"/>
+                        <a:rPr lang="en-US" sz="1200" dirty="0" err="1"/>
                         <a:t>TResult</a:t>
                       </a:r>
                       <a:r>
-                        <a:rPr lang="en-US" sz="1200" dirty="0" smtClean="0"/>
+                        <a:rPr lang="en-US" sz="1200" dirty="0"/>
                         <a:t>&gt;</a:t>
                       </a:r>
-                      <a:endParaRPr lang="en-US" sz="1200" dirty="0"/>
                     </a:p>
                   </a:txBody>
                   <a:tcPr marL="45720" marR="45720" anchor="ctr">
@@ -8025,7 +7832,7 @@
                     <a:p>
                       <a:pPr algn="ctr"/>
                       <a:r>
-                        <a:rPr lang="ru-RU" sz="1200" dirty="0" smtClean="0"/>
+                        <a:rPr lang="ru-RU" sz="1200" dirty="0"/>
                         <a:t>Да</a:t>
                       </a:r>
                       <a:endParaRPr lang="en-US" sz="1200" dirty="0"/>
@@ -8147,16 +7954,12 @@
                     <a:lstStyle/>
                     <a:p>
                       <a:r>
-                        <a:rPr lang="en-US" sz="1200" dirty="0" err="1" smtClean="0"/>
+                        <a:rPr lang="en-US" sz="1200" dirty="0" err="1"/>
                         <a:t>Func</a:t>
                       </a:r>
                       <a:r>
-                        <a:rPr lang="en-US" sz="1200" dirty="0" smtClean="0"/>
-                        <a:t>&lt;T</a:t>
-                      </a:r>
-                      <a:r>
                         <a:rPr lang="en-US" sz="1200" dirty="0"/>
-                        <a:t>, </a:t>
+                        <a:t>&lt;T, </a:t>
                       </a:r>
                       <a:r>
                         <a:rPr lang="en-US" sz="1200" dirty="0" err="1"/>
@@ -8167,11 +7970,11 @@
                         <a:t>&gt; </a:t>
                       </a:r>
                       <a:r>
-                        <a:rPr lang="ru-RU" sz="1200" dirty="0" smtClean="0"/>
+                        <a:rPr lang="ru-RU" sz="1200" dirty="0"/>
                         <a:t>…</a:t>
                       </a:r>
                       <a:r>
-                        <a:rPr lang="en-US" sz="1200" dirty="0" smtClean="0"/>
+                        <a:rPr lang="en-US" sz="1200" dirty="0"/>
                         <a:t> </a:t>
                       </a:r>
                       <a:r>
@@ -8246,7 +8049,7 @@
                     <a:p>
                       <a:pPr algn="ctr"/>
                       <a:r>
-                        <a:rPr lang="ru-RU" sz="1200" dirty="0" smtClean="0"/>
+                        <a:rPr lang="ru-RU" sz="1200" dirty="0"/>
                         <a:t>Да</a:t>
                       </a:r>
                       <a:endParaRPr lang="en-US" sz="1200" dirty="0"/>
@@ -8306,7 +8109,7 @@
                     <a:p>
                       <a:pPr algn="ctr"/>
                       <a:r>
-                        <a:rPr lang="ru-RU" sz="1200" dirty="0" smtClean="0"/>
+                        <a:rPr lang="ru-RU" sz="1200" dirty="0"/>
                         <a:t>Да</a:t>
                       </a:r>
                       <a:endParaRPr lang="en-US" sz="1200" dirty="0"/>
@@ -8491,7 +8294,7 @@
                     <a:p>
                       <a:pPr algn="ctr"/>
                       <a:r>
-                        <a:rPr lang="ru-RU" sz="1200" dirty="0" smtClean="0"/>
+                        <a:rPr lang="ru-RU" sz="1200" dirty="0"/>
                         <a:t>Да</a:t>
                       </a:r>
                       <a:endParaRPr lang="en-US" sz="1200" dirty="0"/>
@@ -8672,7 +8475,7 @@
                     <a:p>
                       <a:pPr algn="ctr"/>
                       <a:r>
-                        <a:rPr lang="ru-RU" sz="1200" dirty="0" smtClean="0"/>
+                        <a:rPr lang="ru-RU" sz="1200" dirty="0"/>
                         <a:t>Да</a:t>
                       </a:r>
                       <a:endParaRPr lang="en-US" sz="1200" dirty="0"/>
@@ -8857,7 +8660,7 @@
                     <a:p>
                       <a:pPr algn="ctr"/>
                       <a:r>
-                        <a:rPr lang="ru-RU" sz="1200" dirty="0" smtClean="0"/>
+                        <a:rPr lang="ru-RU" sz="1200" dirty="0"/>
                         <a:t>Да</a:t>
                       </a:r>
                       <a:endParaRPr lang="en-US" sz="1200" dirty="0"/>
@@ -8986,7 +8789,7 @@
                     <a:p>
                       <a:pPr algn="ctr"/>
                       <a:r>
-                        <a:rPr lang="ru-RU" sz="1200" dirty="0" smtClean="0"/>
+                        <a:rPr lang="ru-RU" sz="1200" dirty="0"/>
                         <a:t>Да</a:t>
                       </a:r>
                       <a:endParaRPr lang="en-US" sz="1200" dirty="0"/>
@@ -9171,7 +8974,7 @@
                     <a:p>
                       <a:pPr algn="ctr"/>
                       <a:r>
-                        <a:rPr lang="ru-RU" sz="1200" dirty="0" smtClean="0"/>
+                        <a:rPr lang="ru-RU" sz="1200" dirty="0"/>
                         <a:t>Да</a:t>
                       </a:r>
                       <a:endParaRPr lang="en-US" sz="1200" dirty="0"/>
@@ -9412,7 +9215,7 @@
                     <a:p>
                       <a:pPr algn="ctr"/>
                       <a:r>
-                        <a:rPr lang="ru-RU" sz="1200" dirty="0" smtClean="0"/>
+                        <a:rPr lang="ru-RU" sz="1200" dirty="0"/>
                         <a:t>Да</a:t>
                       </a:r>
                       <a:endParaRPr lang="en-US" sz="1200" dirty="0"/>
@@ -9557,7 +9360,7 @@
                     <a:p>
                       <a:pPr algn="ctr"/>
                       <a:r>
-                        <a:rPr lang="ru-RU" sz="1200" dirty="0" smtClean="0"/>
+                        <a:rPr lang="ru-RU" sz="1200" dirty="0"/>
                         <a:t>Да</a:t>
                       </a:r>
                       <a:endParaRPr lang="en-US" sz="1200" dirty="0"/>
@@ -9750,7 +9553,7 @@
                     <a:p>
                       <a:pPr algn="ctr"/>
                       <a:r>
-                        <a:rPr lang="ru-RU" sz="1200" dirty="0" smtClean="0"/>
+                        <a:rPr lang="ru-RU" sz="1200" dirty="0"/>
                         <a:t>Да</a:t>
                       </a:r>
                       <a:endParaRPr lang="en-US" sz="1200" dirty="0"/>
@@ -9935,7 +9738,7 @@
                     <a:p>
                       <a:pPr algn="ctr"/>
                       <a:r>
-                        <a:rPr lang="ru-RU" sz="1200" dirty="0" smtClean="0"/>
+                        <a:rPr lang="ru-RU" sz="1200" dirty="0"/>
                         <a:t>Да</a:t>
                       </a:r>
                       <a:endParaRPr lang="en-US" sz="1200" dirty="0"/>
@@ -10120,7 +9923,7 @@
                     <a:p>
                       <a:pPr algn="ctr"/>
                       <a:r>
-                        <a:rPr lang="ru-RU" sz="1200" dirty="0" smtClean="0"/>
+                        <a:rPr lang="ru-RU" sz="1200" dirty="0"/>
                         <a:t>Да</a:t>
                       </a:r>
                       <a:endParaRPr lang="en-US" sz="1200" dirty="0"/>
@@ -10249,13 +10052,6 @@
   <p:clrMapOvr>
     <a:masterClrMapping/>
   </p:clrMapOvr>
-  <p:timing>
-    <p:tnLst>
-      <p:par>
-        <p:cTn id="1" dur="indefinite" restart="never" nodeType="tmRoot"/>
-      </p:par>
-    </p:tnLst>
-  </p:timing>
 </p:sld>
 </file>
 
@@ -10294,25 +10090,20 @@
           <a:lstStyle/>
           <a:p>
             <a:r>
-              <a:rPr lang="ru-RU" dirty="0" smtClean="0"/>
+              <a:rPr lang="ru-RU" dirty="0"/>
               <a:t>Для тех кто переходит с </a:t>
             </a:r>
             <a:r>
-              <a:rPr lang="en-US" dirty="0" smtClean="0"/>
+              <a:rPr lang="en-US" dirty="0"/>
               <a:t>C++</a:t>
             </a:r>
-            <a:r>
-              <a:rPr lang="ru-RU" dirty="0" smtClean="0"/>
-              <a:t/>
-            </a:r>
             <a:br>
-              <a:rPr lang="ru-RU" dirty="0" smtClean="0"/>
+              <a:rPr lang="ru-RU" dirty="0"/>
             </a:br>
             <a:r>
-              <a:rPr lang="en-US" dirty="0" smtClean="0"/>
+              <a:rPr lang="en-US" dirty="0"/>
               <a:t>C# generics vs C++ templates</a:t>
             </a:r>
-            <a:endParaRPr lang="en-US" dirty="0"/>
           </a:p>
         </p:txBody>
       </p:sp>
@@ -10430,13 +10221,6 @@
   <p:clrMapOvr>
     <a:masterClrMapping/>
   </p:clrMapOvr>
-  <p:timing>
-    <p:tnLst>
-      <p:par>
-        <p:cTn id="1" dur="indefinite" restart="never" nodeType="tmRoot"/>
-      </p:par>
-    </p:tnLst>
-  </p:timing>
 </p:sld>
 </file>
 
@@ -10475,7 +10259,7 @@
           <a:lstStyle/>
           <a:p>
             <a:r>
-              <a:rPr lang="ru-RU" dirty="0" smtClean="0"/>
+              <a:rPr lang="ru-RU" dirty="0"/>
               <a:t>Преимущества обобщенных типов</a:t>
             </a:r>
             <a:endParaRPr lang="en-US" dirty="0"/>
@@ -10498,35 +10282,35 @@
           <a:lstStyle/>
           <a:p>
             <a:r>
-              <a:rPr lang="ru-RU" dirty="0" smtClean="0"/>
+              <a:rPr lang="ru-RU" dirty="0"/>
               <a:t>Одна реализация типа, алгоритма для разных типов</a:t>
             </a:r>
           </a:p>
           <a:p>
             <a:r>
-              <a:rPr lang="ru-RU" dirty="0" smtClean="0"/>
+              <a:rPr lang="ru-RU" dirty="0"/>
               <a:t>Более высокая скорость работы для значимых типов по сравнению с использованием </a:t>
             </a:r>
             <a:r>
-              <a:rPr lang="en-US" dirty="0" smtClean="0"/>
+              <a:rPr lang="en-US" dirty="0"/>
               <a:t>object</a:t>
             </a:r>
           </a:p>
           <a:p>
             <a:r>
-              <a:rPr lang="ru-RU" dirty="0" err="1" smtClean="0"/>
+              <a:rPr lang="ru-RU" dirty="0" err="1"/>
               <a:t>Типо</a:t>
             </a:r>
             <a:r>
-              <a:rPr lang="ru-RU" dirty="0" smtClean="0"/>
+              <a:rPr lang="ru-RU" dirty="0"/>
               <a:t>-безопасно</a:t>
             </a:r>
             <a:r>
-              <a:rPr lang="en-US" smtClean="0"/>
+              <a:rPr lang="en-US"/>
               <a:t>c</a:t>
             </a:r>
             <a:r>
-              <a:rPr lang="ru-RU" smtClean="0"/>
+              <a:rPr lang="ru-RU"/>
               <a:t>ть</a:t>
             </a:r>
             <a:endParaRPr lang="en-US" dirty="0"/>
@@ -10579,14 +10363,13 @@
           <a:lstStyle/>
           <a:p>
             <a:r>
-              <a:rPr lang="ru-RU" dirty="0" smtClean="0"/>
+              <a:rPr lang="ru-RU" dirty="0"/>
               <a:t>Обобщения </a:t>
             </a:r>
             <a:r>
-              <a:rPr lang="en-US" dirty="0" smtClean="0"/>
+              <a:rPr lang="en-US" dirty="0"/>
               <a:t>(generics)</a:t>
             </a:r>
-            <a:endParaRPr lang="en-US" dirty="0"/>
           </a:p>
         </p:txBody>
       </p:sp>
@@ -10606,32 +10389,32 @@
           <a:lstStyle/>
           <a:p>
             <a:r>
-              <a:rPr lang="ru-RU" dirty="0" smtClean="0"/>
+              <a:rPr lang="ru-RU" dirty="0"/>
               <a:t>Методы</a:t>
             </a:r>
-            <a:endParaRPr lang="en-US" dirty="0" smtClean="0"/>
-          </a:p>
-          <a:p>
-            <a:r>
-              <a:rPr lang="ru-RU" dirty="0" smtClean="0"/>
+            <a:endParaRPr lang="en-US" dirty="0"/>
+          </a:p>
+          <a:p>
+            <a:r>
+              <a:rPr lang="ru-RU" dirty="0"/>
               <a:t>Классы</a:t>
             </a:r>
           </a:p>
           <a:p>
             <a:r>
-              <a:rPr lang="ru-RU" dirty="0" smtClean="0"/>
+              <a:rPr lang="ru-RU" dirty="0"/>
               <a:t>Структуры</a:t>
             </a:r>
           </a:p>
           <a:p>
             <a:r>
-              <a:rPr lang="ru-RU" dirty="0" smtClean="0"/>
+              <a:rPr lang="ru-RU" dirty="0"/>
               <a:t>Делегаты</a:t>
             </a:r>
           </a:p>
           <a:p>
             <a:r>
-              <a:rPr lang="ru-RU" dirty="0" smtClean="0"/>
+              <a:rPr lang="ru-RU" dirty="0"/>
               <a:t>Интерфейсы</a:t>
             </a:r>
             <a:endParaRPr lang="en-US" dirty="0"/>
@@ -10684,10 +10467,9 @@
           <a:lstStyle/>
           <a:p>
             <a:r>
-              <a:rPr lang="ru-RU" dirty="0" smtClean="0"/>
+              <a:rPr lang="ru-RU" dirty="0"/>
               <a:t>Обобщенные методы</a:t>
             </a:r>
-            <a:endParaRPr lang="ru-RU" dirty="0"/>
           </a:p>
         </p:txBody>
       </p:sp>
@@ -10715,10 +10497,9 @@
               <a:buNone/>
             </a:pPr>
             <a:r>
-              <a:rPr lang="ru-RU" dirty="0" smtClean="0"/>
+              <a:rPr lang="ru-RU" dirty="0"/>
               <a:t>Обобщенные методы объявляются путем добавления тип-аргумента к имени.</a:t>
             </a:r>
-            <a:endParaRPr lang="ru-RU" dirty="0"/>
           </a:p>
         </p:txBody>
       </p:sp>
@@ -10795,7 +10576,7 @@
               <a:t> </a:t>
             </a:r>
             <a:r>
-              <a:rPr lang="en-US" sz="1400" dirty="0" err="1" smtClean="0">
+              <a:rPr lang="en-US" sz="1400" dirty="0" err="1">
                 <a:solidFill>
                   <a:srgbClr val="2B91AF"/>
                 </a:solidFill>
@@ -10818,7 +10599,7 @@
           </a:p>
           <a:p>
             <a:r>
-              <a:rPr lang="ru-RU" sz="1400" dirty="0" smtClean="0">
+              <a:rPr lang="ru-RU" sz="1400" dirty="0">
                 <a:solidFill>
                   <a:srgbClr val="000000"/>
                 </a:solidFill>
@@ -10829,7 +10610,7 @@
               </a:rPr>
               <a:t>{</a:t>
             </a:r>
-            <a:endParaRPr lang="en-US" sz="1400" dirty="0" smtClean="0">
+            <a:endParaRPr lang="en-US" sz="1400" dirty="0">
               <a:solidFill>
                 <a:srgbClr val="000000"/>
               </a:solidFill>
@@ -10841,7 +10622,7 @@
           </a:p>
           <a:p>
             <a:r>
-              <a:rPr lang="en-US" sz="1400" dirty="0" smtClean="0">
+              <a:rPr lang="en-US" sz="1400" dirty="0">
                 <a:solidFill>
                   <a:srgbClr val="2B91AF"/>
                 </a:solidFill>
@@ -10853,7 +10634,7 @@
               <a:t>    static Random</a:t>
             </a:r>
             <a:r>
-              <a:rPr lang="en-US" sz="1400" dirty="0" smtClean="0">
+              <a:rPr lang="en-US" sz="1400" dirty="0">
                 <a:solidFill>
                   <a:srgbClr val="000000"/>
                 </a:solidFill>
@@ -10925,7 +10706,7 @@
               <a:t>Random</a:t>
             </a:r>
             <a:r>
-              <a:rPr lang="en-US" sz="1400" dirty="0" smtClean="0">
+              <a:rPr lang="en-US" sz="1400" dirty="0">
                 <a:solidFill>
                   <a:srgbClr val="000000"/>
                 </a:solidFill>
@@ -10935,46 +10716,6 @@
                 <a:latin typeface="Consolas"/>
               </a:rPr>
               <a:t>();</a:t>
-            </a:r>
-            <a:endParaRPr lang="ru-RU" sz="1400" dirty="0" smtClean="0">
-              <a:solidFill>
-                <a:srgbClr val="000000"/>
-              </a:solidFill>
-              <a:highlight>
-                <a:srgbClr val="FFFFFF"/>
-              </a:highlight>
-              <a:latin typeface="Consolas"/>
-            </a:endParaRPr>
-          </a:p>
-          <a:p>
-            <a:endParaRPr lang="ru-RU" sz="1400" dirty="0" smtClean="0">
-              <a:solidFill>
-                <a:srgbClr val="000000"/>
-              </a:solidFill>
-              <a:highlight>
-                <a:srgbClr val="FFFFFF"/>
-              </a:highlight>
-              <a:latin typeface="Consolas"/>
-            </a:endParaRPr>
-          </a:p>
-          <a:p>
-            <a:r>
-              <a:rPr lang="ru-RU" sz="1400" dirty="0" smtClean="0">
-                <a:solidFill>
-                  <a:srgbClr val="008000"/>
-                </a:solidFill>
-                <a:latin typeface="Consolas" panose="020B0609020204030204" pitchFamily="49" charset="0"/>
-              </a:rPr>
-              <a:t>    // </a:t>
-            </a:r>
-            <a:r>
-              <a:rPr lang="ru-RU" sz="1400" dirty="0">
-                <a:solidFill>
-                  <a:srgbClr val="008000"/>
-                </a:solidFill>
-                <a:latin typeface="Consolas" panose="020B0609020204030204" pitchFamily="49" charset="0"/>
-              </a:rPr>
-              <a:t>T - тип-параметр (псевдоним для неизвестного/любого типа)</a:t>
             </a:r>
             <a:endParaRPr lang="ru-RU" sz="1400" dirty="0">
               <a:solidFill>
@@ -10987,125 +10728,6 @@
             </a:endParaRPr>
           </a:p>
           <a:p>
-            <a:r>
-              <a:rPr lang="en-US" sz="1400" dirty="0" smtClean="0">
-                <a:solidFill>
-                  <a:srgbClr val="0000FF"/>
-                </a:solidFill>
-                <a:highlight>
-                  <a:srgbClr val="FFFFFF"/>
-                </a:highlight>
-                <a:latin typeface="Consolas"/>
-              </a:rPr>
-              <a:t>    public</a:t>
-            </a:r>
-            <a:r>
-              <a:rPr lang="en-US" sz="1400" dirty="0" smtClean="0">
-                <a:solidFill>
-                  <a:srgbClr val="000000"/>
-                </a:solidFill>
-                <a:highlight>
-                  <a:srgbClr val="FFFFFF"/>
-                </a:highlight>
-                <a:latin typeface="Consolas"/>
-              </a:rPr>
-              <a:t> </a:t>
-            </a:r>
-            <a:r>
-              <a:rPr lang="en-US" sz="1400" dirty="0">
-                <a:solidFill>
-                  <a:srgbClr val="0000FF"/>
-                </a:solidFill>
-                <a:highlight>
-                  <a:srgbClr val="FFFFFF"/>
-                </a:highlight>
-                <a:latin typeface="Consolas"/>
-              </a:rPr>
-              <a:t>static</a:t>
-            </a:r>
-            <a:r>
-              <a:rPr lang="en-US" sz="1400" dirty="0">
-                <a:solidFill>
-                  <a:srgbClr val="000000"/>
-                </a:solidFill>
-                <a:highlight>
-                  <a:srgbClr val="FFFFFF"/>
-                </a:highlight>
-                <a:latin typeface="Consolas"/>
-              </a:rPr>
-              <a:t> </a:t>
-            </a:r>
-            <a:r>
-              <a:rPr lang="en-US" sz="1400" dirty="0">
-                <a:solidFill>
-                  <a:srgbClr val="0000FF"/>
-                </a:solidFill>
-                <a:highlight>
-                  <a:srgbClr val="FFFFFF"/>
-                </a:highlight>
-                <a:latin typeface="Consolas"/>
-              </a:rPr>
-              <a:t>void</a:t>
-            </a:r>
-            <a:r>
-              <a:rPr lang="en-US" sz="1400" dirty="0">
-                <a:solidFill>
-                  <a:srgbClr val="000000"/>
-                </a:solidFill>
-                <a:highlight>
-                  <a:srgbClr val="FFFFFF"/>
-                </a:highlight>
-                <a:latin typeface="Consolas"/>
-              </a:rPr>
-              <a:t> Shuffle&lt;T</a:t>
-            </a:r>
-            <a:r>
-              <a:rPr lang="en-US" sz="1400" dirty="0" smtClean="0">
-                <a:solidFill>
-                  <a:srgbClr val="000000"/>
-                </a:solidFill>
-                <a:highlight>
-                  <a:srgbClr val="FFFFFF"/>
-                </a:highlight>
-                <a:latin typeface="Consolas"/>
-              </a:rPr>
-              <a:t>&gt;(T[] array)</a:t>
-            </a:r>
-            <a:endParaRPr lang="en-US" sz="1400" dirty="0">
-              <a:solidFill>
-                <a:srgbClr val="000000"/>
-              </a:solidFill>
-              <a:highlight>
-                <a:srgbClr val="FFFFFF"/>
-              </a:highlight>
-              <a:latin typeface="Consolas"/>
-            </a:endParaRPr>
-          </a:p>
-          <a:p>
-            <a:r>
-              <a:rPr lang="en-US" sz="1400" dirty="0" smtClean="0">
-                <a:solidFill>
-                  <a:srgbClr val="000000"/>
-                </a:solidFill>
-                <a:highlight>
-                  <a:srgbClr val="FFFFFF"/>
-                </a:highlight>
-                <a:latin typeface="Consolas"/>
-              </a:rPr>
-              <a:t>    </a:t>
-            </a:r>
-            <a:r>
-              <a:rPr lang="ru-RU" sz="1400" dirty="0" smtClean="0">
-                <a:solidFill>
-                  <a:srgbClr val="000000"/>
-                </a:solidFill>
-                <a:highlight>
-                  <a:srgbClr val="FFFFFF"/>
-                </a:highlight>
-                <a:latin typeface="Consolas"/>
-              </a:rPr>
-              <a:t>{</a:t>
-            </a:r>
             <a:endParaRPr lang="ru-RU" sz="1400" dirty="0">
               <a:solidFill>
                 <a:srgbClr val="000000"/>
@@ -11118,114 +10740,13 @@
           </a:p>
           <a:p>
             <a:r>
-              <a:rPr lang="nn-NO" sz="1400" dirty="0" smtClean="0">
-                <a:solidFill>
-                  <a:srgbClr val="0000FF"/>
-                </a:solidFill>
-                <a:highlight>
-                  <a:srgbClr val="FFFFFF"/>
-                </a:highlight>
-                <a:latin typeface="Consolas"/>
-              </a:rPr>
-              <a:t>        for</a:t>
-            </a:r>
-            <a:r>
-              <a:rPr lang="nn-NO" sz="1400" dirty="0" smtClean="0">
-                <a:solidFill>
-                  <a:srgbClr val="000000"/>
-                </a:solidFill>
-                <a:highlight>
-                  <a:srgbClr val="FFFFFF"/>
-                </a:highlight>
-                <a:latin typeface="Consolas"/>
-              </a:rPr>
-              <a:t> </a:t>
-            </a:r>
-            <a:r>
-              <a:rPr lang="nn-NO" sz="1400" dirty="0">
-                <a:solidFill>
-                  <a:srgbClr val="000000"/>
-                </a:solidFill>
-                <a:highlight>
-                  <a:srgbClr val="FFFFFF"/>
-                </a:highlight>
-                <a:latin typeface="Consolas"/>
-              </a:rPr>
-              <a:t>(</a:t>
-            </a:r>
-            <a:r>
-              <a:rPr lang="nn-NO" sz="1400" dirty="0">
-                <a:solidFill>
-                  <a:srgbClr val="0000FF"/>
-                </a:solidFill>
-                <a:highlight>
-                  <a:srgbClr val="FFFFFF"/>
-                </a:highlight>
-                <a:latin typeface="Consolas"/>
-              </a:rPr>
-              <a:t>int</a:t>
-            </a:r>
-            <a:r>
-              <a:rPr lang="nn-NO" sz="1400" dirty="0">
-                <a:solidFill>
-                  <a:srgbClr val="000000"/>
-                </a:solidFill>
-                <a:highlight>
-                  <a:srgbClr val="FFFFFF"/>
-                </a:highlight>
-                <a:latin typeface="Consolas"/>
-              </a:rPr>
-              <a:t> i = </a:t>
-            </a:r>
-            <a:r>
-              <a:rPr lang="nn-NO" sz="1400" dirty="0" smtClean="0">
-                <a:solidFill>
-                  <a:srgbClr val="000000"/>
-                </a:solidFill>
-                <a:highlight>
-                  <a:srgbClr val="FFFFFF"/>
-                </a:highlight>
-                <a:latin typeface="Consolas"/>
-              </a:rPr>
-              <a:t>array.Length </a:t>
-            </a:r>
-            <a:r>
-              <a:rPr lang="nn-NO" sz="1400" dirty="0">
-                <a:solidFill>
-                  <a:srgbClr val="000000"/>
-                </a:solidFill>
-                <a:highlight>
-                  <a:srgbClr val="FFFFFF"/>
-                </a:highlight>
-                <a:latin typeface="Consolas"/>
-              </a:rPr>
-              <a:t>- 1; i &gt; 0; i--)</a:t>
-            </a:r>
-          </a:p>
-          <a:p>
-            <a:r>
-              <a:rPr lang="en-US" sz="1400" dirty="0" smtClean="0">
-                <a:solidFill>
-                  <a:srgbClr val="000000"/>
-                </a:solidFill>
-                <a:highlight>
-                  <a:srgbClr val="FFFFFF"/>
-                </a:highlight>
-                <a:latin typeface="Consolas"/>
-              </a:rPr>
-              <a:t>        </a:t>
-            </a:r>
-            <a:r>
-              <a:rPr lang="ru-RU" sz="1400" dirty="0" smtClean="0">
-                <a:solidFill>
-                  <a:srgbClr val="000000"/>
-                </a:solidFill>
-                <a:highlight>
-                  <a:srgbClr val="FFFFFF"/>
-                </a:highlight>
-                <a:latin typeface="Consolas"/>
-              </a:rPr>
-              <a:t>{</a:t>
+              <a:rPr lang="ru-RU" sz="1400" dirty="0">
+                <a:solidFill>
+                  <a:srgbClr val="008000"/>
+                </a:solidFill>
+                <a:latin typeface="Consolas" panose="020B0609020204030204" pitchFamily="49" charset="0"/>
+              </a:rPr>
+              <a:t>    // T - тип-параметр (псевдоним для неизвестного/любого типа)</a:t>
             </a:r>
             <a:endParaRPr lang="ru-RU" sz="1400" dirty="0">
               <a:solidFill>
@@ -11239,7 +10760,7 @@
           </a:p>
           <a:p>
             <a:r>
-              <a:rPr lang="en-US" sz="1400" dirty="0" smtClean="0">
+              <a:rPr lang="en-US" sz="1400" dirty="0">
                 <a:solidFill>
                   <a:srgbClr val="0000FF"/>
                 </a:solidFill>
@@ -11248,31 +10769,31 @@
                 </a:highlight>
                 <a:latin typeface="Consolas"/>
               </a:rPr>
-              <a:t>            </a:t>
-            </a:r>
-            <a:r>
-              <a:rPr lang="en-US" sz="1400" dirty="0" err="1" smtClean="0">
-                <a:solidFill>
-                  <a:srgbClr val="0000FF"/>
+              <a:t>    public</a:t>
+            </a:r>
+            <a:r>
+              <a:rPr lang="en-US" sz="1400" dirty="0">
+                <a:solidFill>
+                  <a:srgbClr val="000000"/>
                 </a:solidFill>
                 <a:highlight>
                   <a:srgbClr val="FFFFFF"/>
                 </a:highlight>
                 <a:latin typeface="Consolas"/>
               </a:rPr>
-              <a:t>int</a:t>
-            </a:r>
-            <a:r>
-              <a:rPr lang="en-US" sz="1400" dirty="0" smtClean="0">
-                <a:solidFill>
-                  <a:srgbClr val="000000"/>
+              <a:t> </a:t>
+            </a:r>
+            <a:r>
+              <a:rPr lang="en-US" sz="1400" dirty="0">
+                <a:solidFill>
+                  <a:srgbClr val="0000FF"/>
                 </a:solidFill>
                 <a:highlight>
                   <a:srgbClr val="FFFFFF"/>
                 </a:highlight>
                 <a:latin typeface="Consolas"/>
               </a:rPr>
-              <a:t> </a:t>
+              <a:t>static</a:t>
             </a:r>
             <a:r>
               <a:rPr lang="en-US" sz="1400" dirty="0">
@@ -11284,19 +10805,19 @@
                 </a:highlight>
                 <a:latin typeface="Consolas"/>
               </a:rPr>
-              <a:t>j = </a:t>
-            </a:r>
-            <a:r>
-              <a:rPr lang="en-US" sz="1400" dirty="0" err="1">
-                <a:solidFill>
-                  <a:srgbClr val="000000"/>
+              <a:t> </a:t>
+            </a:r>
+            <a:r>
+              <a:rPr lang="en-US" sz="1400" dirty="0">
+                <a:solidFill>
+                  <a:srgbClr val="0000FF"/>
                 </a:solidFill>
                 <a:highlight>
                   <a:srgbClr val="FFFFFF"/>
                 </a:highlight>
                 <a:latin typeface="Consolas"/>
               </a:rPr>
-              <a:t>rnd.Next</a:t>
+              <a:t>void</a:t>
             </a:r>
             <a:r>
               <a:rPr lang="en-US" sz="1400" dirty="0">
@@ -11308,10 +10829,12 @@
                 </a:highlight>
                 <a:latin typeface="Consolas"/>
               </a:rPr>
-              <a:t>(0, </a:t>
-            </a:r>
-            <a:r>
-              <a:rPr lang="en-US" sz="1400" dirty="0" err="1">
+              <a:t> Shuffle&lt;T&gt;(T[] array)</a:t>
+            </a:r>
+          </a:p>
+          <a:p>
+            <a:r>
+              <a:rPr lang="en-US" sz="1400" dirty="0">
                 <a:solidFill>
                   <a:srgbClr val="000000"/>
                 </a:solidFill>
@@ -11320,10 +10843,10 @@
                 </a:highlight>
                 <a:latin typeface="Consolas"/>
               </a:rPr>
-              <a:t>i</a:t>
-            </a:r>
-            <a:r>
-              <a:rPr lang="en-US" sz="1400" dirty="0">
+              <a:t>    </a:t>
+            </a:r>
+            <a:r>
+              <a:rPr lang="ru-RU" sz="1400" dirty="0">
                 <a:solidFill>
                   <a:srgbClr val="000000"/>
                 </a:solidFill>
@@ -11332,24 +10855,24 @@
                 </a:highlight>
                 <a:latin typeface="Consolas"/>
               </a:rPr>
-              <a:t> + 1);</a:t>
-            </a:r>
-          </a:p>
-          <a:p>
-            <a:r>
-              <a:rPr lang="en-US" sz="1400" dirty="0" smtClean="0">
-                <a:solidFill>
-                  <a:srgbClr val="000000"/>
+              <a:t>{</a:t>
+            </a:r>
+          </a:p>
+          <a:p>
+            <a:r>
+              <a:rPr lang="nn-NO" sz="1400" dirty="0">
+                <a:solidFill>
+                  <a:srgbClr val="0000FF"/>
                 </a:solidFill>
                 <a:highlight>
                   <a:srgbClr val="FFFFFF"/>
                 </a:highlight>
                 <a:latin typeface="Consolas"/>
               </a:rPr>
-              <a:t>            T </a:t>
-            </a:r>
-            <a:r>
-              <a:rPr lang="en-US" sz="1400" dirty="0">
+              <a:t>        for</a:t>
+            </a:r>
+            <a:r>
+              <a:rPr lang="nn-NO" sz="1400" dirty="0">
                 <a:solidFill>
                   <a:srgbClr val="000000"/>
                 </a:solidFill>
@@ -11358,22 +10881,22 @@
                 </a:highlight>
                 <a:latin typeface="Consolas"/>
               </a:rPr>
-              <a:t>temp = array[</a:t>
-            </a:r>
-            <a:r>
-              <a:rPr lang="en-US" sz="1400" dirty="0" err="1">
-                <a:solidFill>
-                  <a:srgbClr val="000000"/>
+              <a:t> (</a:t>
+            </a:r>
+            <a:r>
+              <a:rPr lang="nn-NO" sz="1400" dirty="0">
+                <a:solidFill>
+                  <a:srgbClr val="0000FF"/>
                 </a:solidFill>
                 <a:highlight>
                   <a:srgbClr val="FFFFFF"/>
                 </a:highlight>
                 <a:latin typeface="Consolas"/>
               </a:rPr>
-              <a:t>i</a:t>
-            </a:r>
-            <a:r>
-              <a:rPr lang="en-US" sz="1400" dirty="0">
+              <a:t>int</a:t>
+            </a:r>
+            <a:r>
+              <a:rPr lang="nn-NO" sz="1400" dirty="0">
                 <a:solidFill>
                   <a:srgbClr val="000000"/>
                 </a:solidFill>
@@ -11382,12 +10905,12 @@
                 </a:highlight>
                 <a:latin typeface="Consolas"/>
               </a:rPr>
-              <a:t>];</a:t>
-            </a:r>
-          </a:p>
-          <a:p>
-            <a:r>
-              <a:rPr lang="en-US" sz="1400" dirty="0" smtClean="0">
+              <a:t> i = array.Length - 1; i &gt; 0; i--)</a:t>
+            </a:r>
+          </a:p>
+          <a:p>
+            <a:r>
+              <a:rPr lang="en-US" sz="1400" dirty="0">
                 <a:solidFill>
                   <a:srgbClr val="000000"/>
                 </a:solidFill>
@@ -11396,10 +10919,10 @@
                 </a:highlight>
                 <a:latin typeface="Consolas"/>
               </a:rPr>
-              <a:t>            array[</a:t>
-            </a:r>
-            <a:r>
-              <a:rPr lang="en-US" sz="1400" dirty="0" err="1" smtClean="0">
+              <a:t>        </a:t>
+            </a:r>
+            <a:r>
+              <a:rPr lang="ru-RU" sz="1400" dirty="0">
                 <a:solidFill>
                   <a:srgbClr val="000000"/>
                 </a:solidFill>
@@ -11408,33 +10931,33 @@
                 </a:highlight>
                 <a:latin typeface="Consolas"/>
               </a:rPr>
-              <a:t>i</a:t>
-            </a:r>
+              <a:t>{</a:t>
+            </a:r>
+          </a:p>
+          <a:p>
             <a:r>
               <a:rPr lang="en-US" sz="1400" dirty="0">
                 <a:solidFill>
-                  <a:srgbClr val="000000"/>
+                  <a:srgbClr val="0000FF"/>
                 </a:solidFill>
                 <a:highlight>
                   <a:srgbClr val="FFFFFF"/>
                 </a:highlight>
                 <a:latin typeface="Consolas"/>
               </a:rPr>
-              <a:t>] = array[j];</a:t>
-            </a:r>
-          </a:p>
-          <a:p>
-            <a:r>
-              <a:rPr lang="en-US" sz="1400" dirty="0" smtClean="0">
-                <a:solidFill>
-                  <a:srgbClr val="000000"/>
+              <a:t>            </a:t>
+            </a:r>
+            <a:r>
+              <a:rPr lang="en-US" sz="1400" dirty="0" err="1">
+                <a:solidFill>
+                  <a:srgbClr val="0000FF"/>
                 </a:solidFill>
                 <a:highlight>
                   <a:srgbClr val="FFFFFF"/>
                 </a:highlight>
                 <a:latin typeface="Consolas"/>
               </a:rPr>
-              <a:t>            array[j</a:t>
+              <a:t>int</a:t>
             </a:r>
             <a:r>
               <a:rPr lang="en-US" sz="1400" dirty="0">
@@ -11446,12 +10969,10 @@
                 </a:highlight>
                 <a:latin typeface="Consolas"/>
               </a:rPr>
-              <a:t>] = temp;</a:t>
-            </a:r>
-          </a:p>
-          <a:p>
-            <a:r>
-              <a:rPr lang="en-US" sz="1400" dirty="0" smtClean="0">
+              <a:t> j = </a:t>
+            </a:r>
+            <a:r>
+              <a:rPr lang="en-US" sz="1400" dirty="0" err="1">
                 <a:solidFill>
                   <a:srgbClr val="000000"/>
                 </a:solidFill>
@@ -11460,10 +10981,10 @@
                 </a:highlight>
                 <a:latin typeface="Consolas"/>
               </a:rPr>
-              <a:t>        </a:t>
-            </a:r>
-            <a:r>
-              <a:rPr lang="ru-RU" sz="1400" dirty="0" smtClean="0">
+              <a:t>rnd.Next</a:t>
+            </a:r>
+            <a:r>
+              <a:rPr lang="en-US" sz="1400" dirty="0">
                 <a:solidFill>
                   <a:srgbClr val="000000"/>
                 </a:solidFill>
@@ -11472,21 +10993,10 @@
                 </a:highlight>
                 <a:latin typeface="Consolas"/>
               </a:rPr>
-              <a:t>}</a:t>
-            </a:r>
-            <a:endParaRPr lang="ru-RU" sz="1400" dirty="0">
-              <a:solidFill>
-                <a:srgbClr val="000000"/>
-              </a:solidFill>
-              <a:highlight>
-                <a:srgbClr val="FFFFFF"/>
-              </a:highlight>
-              <a:latin typeface="Consolas"/>
-            </a:endParaRPr>
-          </a:p>
-          <a:p>
-            <a:r>
-              <a:rPr lang="en-US" sz="1400" dirty="0" smtClean="0">
+              <a:t>(0, </a:t>
+            </a:r>
+            <a:r>
+              <a:rPr lang="en-US" sz="1400" dirty="0" err="1">
                 <a:solidFill>
                   <a:srgbClr val="000000"/>
                 </a:solidFill>
@@ -11495,10 +11005,10 @@
                 </a:highlight>
                 <a:latin typeface="Consolas"/>
               </a:rPr>
-              <a:t>    </a:t>
-            </a:r>
-            <a:r>
-              <a:rPr lang="ru-RU" sz="1400" dirty="0" smtClean="0">
+              <a:t>i</a:t>
+            </a:r>
+            <a:r>
+              <a:rPr lang="en-US" sz="1400" dirty="0">
                 <a:solidFill>
                   <a:srgbClr val="000000"/>
                 </a:solidFill>
@@ -11507,17 +11017,150 @@
                 </a:highlight>
                 <a:latin typeface="Consolas"/>
               </a:rPr>
+              <a:t> + 1);</a:t>
+            </a:r>
+          </a:p>
+          <a:p>
+            <a:r>
+              <a:rPr lang="en-US" sz="1400" dirty="0">
+                <a:solidFill>
+                  <a:srgbClr val="000000"/>
+                </a:solidFill>
+                <a:highlight>
+                  <a:srgbClr val="FFFFFF"/>
+                </a:highlight>
+                <a:latin typeface="Consolas"/>
+              </a:rPr>
+              <a:t>            T temp = array[</a:t>
+            </a:r>
+            <a:r>
+              <a:rPr lang="en-US" sz="1400" dirty="0" err="1">
+                <a:solidFill>
+                  <a:srgbClr val="000000"/>
+                </a:solidFill>
+                <a:highlight>
+                  <a:srgbClr val="FFFFFF"/>
+                </a:highlight>
+                <a:latin typeface="Consolas"/>
+              </a:rPr>
+              <a:t>i</a:t>
+            </a:r>
+            <a:r>
+              <a:rPr lang="en-US" sz="1400" dirty="0">
+                <a:solidFill>
+                  <a:srgbClr val="000000"/>
+                </a:solidFill>
+                <a:highlight>
+                  <a:srgbClr val="FFFFFF"/>
+                </a:highlight>
+                <a:latin typeface="Consolas"/>
+              </a:rPr>
+              <a:t>];</a:t>
+            </a:r>
+          </a:p>
+          <a:p>
+            <a:r>
+              <a:rPr lang="en-US" sz="1400" dirty="0">
+                <a:solidFill>
+                  <a:srgbClr val="000000"/>
+                </a:solidFill>
+                <a:highlight>
+                  <a:srgbClr val="FFFFFF"/>
+                </a:highlight>
+                <a:latin typeface="Consolas"/>
+              </a:rPr>
+              <a:t>            array[</a:t>
+            </a:r>
+            <a:r>
+              <a:rPr lang="en-US" sz="1400" dirty="0" err="1">
+                <a:solidFill>
+                  <a:srgbClr val="000000"/>
+                </a:solidFill>
+                <a:highlight>
+                  <a:srgbClr val="FFFFFF"/>
+                </a:highlight>
+                <a:latin typeface="Consolas"/>
+              </a:rPr>
+              <a:t>i</a:t>
+            </a:r>
+            <a:r>
+              <a:rPr lang="en-US" sz="1400" dirty="0">
+                <a:solidFill>
+                  <a:srgbClr val="000000"/>
+                </a:solidFill>
+                <a:highlight>
+                  <a:srgbClr val="FFFFFF"/>
+                </a:highlight>
+                <a:latin typeface="Consolas"/>
+              </a:rPr>
+              <a:t>] = array[j];</a:t>
+            </a:r>
+          </a:p>
+          <a:p>
+            <a:r>
+              <a:rPr lang="en-US" sz="1400" dirty="0">
+                <a:solidFill>
+                  <a:srgbClr val="000000"/>
+                </a:solidFill>
+                <a:highlight>
+                  <a:srgbClr val="FFFFFF"/>
+                </a:highlight>
+                <a:latin typeface="Consolas"/>
+              </a:rPr>
+              <a:t>            array[j] = temp;</a:t>
+            </a:r>
+          </a:p>
+          <a:p>
+            <a:r>
+              <a:rPr lang="en-US" sz="1400" dirty="0">
+                <a:solidFill>
+                  <a:srgbClr val="000000"/>
+                </a:solidFill>
+                <a:highlight>
+                  <a:srgbClr val="FFFFFF"/>
+                </a:highlight>
+                <a:latin typeface="Consolas"/>
+              </a:rPr>
+              <a:t>        </a:t>
+            </a:r>
+            <a:r>
+              <a:rPr lang="ru-RU" sz="1400" dirty="0">
+                <a:solidFill>
+                  <a:srgbClr val="000000"/>
+                </a:solidFill>
+                <a:highlight>
+                  <a:srgbClr val="FFFFFF"/>
+                </a:highlight>
+                <a:latin typeface="Consolas"/>
+              </a:rPr>
               <a:t>}</a:t>
             </a:r>
-            <a:endParaRPr lang="ru-RU" sz="1400" dirty="0">
-              <a:solidFill>
-                <a:srgbClr val="000000"/>
-              </a:solidFill>
-              <a:highlight>
-                <a:srgbClr val="FFFFFF"/>
-              </a:highlight>
-              <a:latin typeface="Consolas"/>
-            </a:endParaRPr>
+          </a:p>
+          <a:p>
+            <a:r>
+              <a:rPr lang="en-US" sz="1400" dirty="0">
+                <a:solidFill>
+                  <a:srgbClr val="000000"/>
+                </a:solidFill>
+                <a:highlight>
+                  <a:srgbClr val="FFFFFF"/>
+                </a:highlight>
+                <a:latin typeface="Consolas"/>
+              </a:rPr>
+              <a:t>    </a:t>
+            </a:r>
+            <a:r>
+              <a:rPr lang="ru-RU" sz="1400" dirty="0">
+                <a:solidFill>
+                  <a:srgbClr val="000000"/>
+                </a:solidFill>
+                <a:highlight>
+                  <a:srgbClr val="FFFFFF"/>
+                </a:highlight>
+                <a:latin typeface="Consolas"/>
+              </a:rPr>
+              <a:t>}</a:t>
+            </a:r>
           </a:p>
           <a:p>
             <a:r>
@@ -11583,17 +11226,16 @@
           <a:lstStyle/>
           <a:p>
             <a:r>
-              <a:rPr lang="ru-RU" dirty="0" smtClean="0"/>
+              <a:rPr lang="ru-RU" dirty="0"/>
               <a:t>Как можно использовать</a:t>
             </a:r>
             <a:br>
-              <a:rPr lang="ru-RU" dirty="0" smtClean="0"/>
+              <a:rPr lang="ru-RU" dirty="0"/>
             </a:br>
             <a:r>
-              <a:rPr lang="ru-RU" dirty="0" smtClean="0"/>
+              <a:rPr lang="ru-RU" dirty="0"/>
               <a:t>тип-параметр метода?</a:t>
             </a:r>
-            <a:endParaRPr lang="ru-RU" dirty="0"/>
           </a:p>
         </p:txBody>
       </p:sp>
@@ -11620,11 +11262,7 @@
             </a:pPr>
             <a:r>
               <a:rPr lang="ru-RU" dirty="0"/>
-              <a:t>Параметр </a:t>
-            </a:r>
-            <a:r>
-              <a:rPr lang="ru-RU" dirty="0" smtClean="0"/>
-              <a:t>метода</a:t>
+              <a:t>Параметр метода</a:t>
             </a:r>
           </a:p>
           <a:p>
@@ -11634,11 +11272,7 @@
             </a:pPr>
             <a:r>
               <a:rPr lang="ru-RU" dirty="0"/>
-              <a:t>Возвращаемое значение </a:t>
-            </a:r>
-            <a:r>
-              <a:rPr lang="ru-RU" dirty="0" smtClean="0"/>
-              <a:t>метода</a:t>
+              <a:t>Возвращаемое значение метода</a:t>
             </a:r>
           </a:p>
           <a:p>
@@ -11647,7 +11281,7 @@
               <a:buAutoNum type="arabicPeriod"/>
             </a:pPr>
             <a:r>
-              <a:rPr lang="ru-RU" dirty="0" smtClean="0"/>
+              <a:rPr lang="ru-RU" dirty="0"/>
               <a:t>Локальная переменная</a:t>
             </a:r>
           </a:p>
@@ -11657,7 +11291,7 @@
               <a:buAutoNum type="arabicPeriod"/>
             </a:pPr>
             <a:r>
-              <a:rPr lang="ru-RU" dirty="0" smtClean="0"/>
+              <a:rPr lang="ru-RU" dirty="0"/>
               <a:t>Можно объявить и создать массив</a:t>
             </a:r>
           </a:p>
@@ -11667,7 +11301,7 @@
               <a:buAutoNum type="arabicPeriod"/>
             </a:pPr>
             <a:r>
-              <a:rPr lang="ru-RU" dirty="0" smtClean="0"/>
+              <a:rPr lang="ru-RU" dirty="0"/>
               <a:t>Можно присваивать значения</a:t>
             </a:r>
           </a:p>
@@ -11677,11 +11311,11 @@
               <a:buAutoNum type="arabicPeriod"/>
             </a:pPr>
             <a:r>
-              <a:rPr lang="ru-RU" dirty="0" smtClean="0"/>
+              <a:rPr lang="ru-RU" dirty="0"/>
               <a:t>Можно использовать значение по умолчанию (ключевое слово </a:t>
             </a:r>
             <a:r>
-              <a:rPr lang="en-US" dirty="0" smtClean="0"/>
+              <a:rPr lang="en-US" dirty="0"/>
               <a:t>default)</a:t>
             </a:r>
           </a:p>
@@ -11691,22 +11325,22 @@
               <a:buAutoNum type="arabicPeriod"/>
             </a:pPr>
             <a:r>
-              <a:rPr lang="ru-RU" dirty="0" smtClean="0"/>
+              <a:rPr lang="ru-RU" dirty="0"/>
               <a:t>Можно вызывать </a:t>
             </a:r>
             <a:r>
-              <a:rPr lang="ru-RU" dirty="0" err="1" smtClean="0"/>
+              <a:rPr lang="ru-RU" dirty="0" err="1"/>
               <a:t>экземплярные</a:t>
             </a:r>
             <a:r>
-              <a:rPr lang="ru-RU" dirty="0" smtClean="0"/>
+              <a:rPr lang="ru-RU" dirty="0"/>
               <a:t> методы класса </a:t>
             </a:r>
             <a:r>
-              <a:rPr lang="en-US" dirty="0" smtClean="0"/>
+              <a:rPr lang="en-US" dirty="0"/>
               <a:t>Object</a:t>
             </a:r>
-            <a:endParaRPr lang="ru-RU" dirty="0" smtClean="0"/>
+            <a:endParaRPr lang="ru-RU" dirty="0"/>
           </a:p>
           <a:p>
             <a:pPr marL="514350" indent="-514350">
@@ -11770,29 +11404,24 @@
           <a:lstStyle/>
           <a:p>
             <a:r>
-              <a:rPr lang="ru-RU" sz="3200" dirty="0" smtClean="0"/>
+              <a:rPr lang="ru-RU" sz="3200" dirty="0"/>
               <a:t>Выведение тип-аргументов</a:t>
             </a:r>
-            <a:r>
-              <a:rPr lang="en-US" sz="3200" dirty="0" smtClean="0"/>
-              <a:t/>
-            </a:r>
             <a:br>
-              <a:rPr lang="en-US" sz="3200" dirty="0" smtClean="0"/>
+              <a:rPr lang="en-US" sz="3200" dirty="0"/>
             </a:br>
             <a:r>
-              <a:rPr lang="ru-RU" sz="3200" dirty="0" smtClean="0"/>
+              <a:rPr lang="ru-RU" sz="3200" dirty="0"/>
               <a:t>(</a:t>
             </a:r>
             <a:r>
-              <a:rPr lang="en-US" sz="3200" dirty="0" smtClean="0"/>
+              <a:rPr lang="en-US" sz="3200" dirty="0"/>
               <a:t>inference of type arguments</a:t>
             </a:r>
             <a:r>
-              <a:rPr lang="ru-RU" sz="3200" dirty="0" smtClean="0"/>
+              <a:rPr lang="ru-RU" sz="3200" dirty="0"/>
               <a:t>)</a:t>
             </a:r>
-            <a:endParaRPr lang="ru-RU" sz="3200" dirty="0"/>
           </a:p>
         </p:txBody>
       </p:sp>
@@ -11822,26 +11451,25 @@
               <a:buNone/>
             </a:pPr>
             <a:r>
-              <a:rPr lang="ru-RU" sz="2000" dirty="0" smtClean="0"/>
+              <a:rPr lang="ru-RU" sz="2000" dirty="0"/>
               <a:t>Для обобщенных </a:t>
             </a:r>
             <a:r>
-              <a:rPr lang="en-US" sz="2000" dirty="0" smtClean="0"/>
+              <a:rPr lang="en-US" sz="2000" dirty="0"/>
               <a:t>(generic) </a:t>
             </a:r>
             <a:r>
-              <a:rPr lang="ru-RU" sz="2000" dirty="0" smtClean="0"/>
+              <a:rPr lang="ru-RU" sz="2000" dirty="0"/>
               <a:t>методов компилятор автоматически определяет тип для тип-аргумента на основании аргументов метода. Например, метод </a:t>
             </a:r>
             <a:r>
-              <a:rPr lang="en-US" sz="2000" dirty="0" smtClean="0"/>
+              <a:rPr lang="en-US" sz="2000" dirty="0"/>
               <a:t>Choose </a:t>
             </a:r>
             <a:r>
-              <a:rPr lang="ru-RU" sz="2000" dirty="0" smtClean="0"/>
+              <a:rPr lang="ru-RU" sz="2000" dirty="0"/>
               <a:t>может быть вызван с явным указанием тип-аргумента, но это не обязательно:</a:t>
             </a:r>
-            <a:endParaRPr lang="ru-RU" sz="2000" dirty="0"/>
           </a:p>
         </p:txBody>
       </p:sp>
@@ -11934,7 +11562,7 @@
           </a:p>
           <a:p>
             <a:r>
-              <a:rPr lang="ru-RU" sz="1200" dirty="0" smtClean="0">
+              <a:rPr lang="ru-RU" sz="1200" dirty="0">
                 <a:solidFill>
                   <a:srgbClr val="0000FF"/>
                 </a:solidFill>
@@ -11943,7 +11571,7 @@
               <a:t>    </a:t>
             </a:r>
             <a:r>
-              <a:rPr lang="en-US" sz="1200" dirty="0" smtClean="0">
+              <a:rPr lang="en-US" sz="1200" dirty="0">
                 <a:solidFill>
                   <a:srgbClr val="0000FF"/>
                 </a:solidFill>
@@ -11952,7 +11580,7 @@
               <a:t>static</a:t>
             </a:r>
             <a:r>
-              <a:rPr lang="en-US" sz="1200" dirty="0" smtClean="0">
+              <a:rPr lang="en-US" sz="1200" dirty="0">
                 <a:solidFill>
                   <a:prstClr val="black"/>
                 </a:solidFill>
@@ -12035,7 +11663,7 @@
           </a:p>
           <a:p>
             <a:r>
-              <a:rPr lang="ru-RU" sz="1200" dirty="0" smtClean="0">
+              <a:rPr lang="ru-RU" sz="1200" dirty="0">
                 <a:solidFill>
                   <a:srgbClr val="0000FF"/>
                 </a:solidFill>
@@ -12044,7 +11672,7 @@
               <a:t>    </a:t>
             </a:r>
             <a:r>
-              <a:rPr lang="fr-FR" sz="1200" dirty="0" smtClean="0">
+              <a:rPr lang="fr-FR" sz="1200" dirty="0">
                 <a:solidFill>
                   <a:srgbClr val="0000FF"/>
                 </a:solidFill>
@@ -12053,7 +11681,7 @@
               <a:t>public</a:t>
             </a:r>
             <a:r>
-              <a:rPr lang="fr-FR" sz="1200" dirty="0" smtClean="0">
+              <a:rPr lang="fr-FR" sz="1200" dirty="0">
                 <a:solidFill>
                   <a:prstClr val="black"/>
                 </a:solidFill>
@@ -12077,130 +11705,91 @@
                 </a:solidFill>
                 <a:latin typeface="Consolas"/>
               </a:rPr>
-              <a:t> T </a:t>
-            </a:r>
-            <a:r>
-              <a:rPr lang="fr-FR" sz="1200" dirty="0" smtClean="0">
+              <a:t> T Choose&lt;T&gt;(T first, T second)</a:t>
+            </a:r>
+          </a:p>
+          <a:p>
+            <a:r>
+              <a:rPr lang="ru-RU" sz="1200" dirty="0">
                 <a:solidFill>
                   <a:prstClr val="black"/>
                 </a:solidFill>
                 <a:latin typeface="Consolas"/>
               </a:rPr>
-              <a:t>Choose&lt;T</a:t>
-            </a:r>
-            <a:r>
-              <a:rPr lang="fr-FR" sz="1200" dirty="0">
+              <a:t>    {</a:t>
+            </a:r>
+          </a:p>
+          <a:p>
+            <a:r>
+              <a:rPr lang="ru-RU" sz="1200" dirty="0">
+                <a:solidFill>
+                  <a:srgbClr val="0000FF"/>
+                </a:solidFill>
+                <a:latin typeface="Consolas"/>
+              </a:rPr>
+              <a:t>        </a:t>
+            </a:r>
+            <a:r>
+              <a:rPr lang="en-US" sz="1200" dirty="0">
+                <a:solidFill>
+                  <a:srgbClr val="0000FF"/>
+                </a:solidFill>
+                <a:latin typeface="Consolas"/>
+              </a:rPr>
+              <a:t>return</a:t>
+            </a:r>
+            <a:r>
+              <a:rPr lang="en-US" sz="1200" dirty="0">
                 <a:solidFill>
                   <a:prstClr val="black"/>
                 </a:solidFill>
                 <a:latin typeface="Consolas"/>
               </a:rPr>
-              <a:t>&gt;(T first, T second)</a:t>
-            </a:r>
-          </a:p>
-          <a:p>
-            <a:r>
-              <a:rPr lang="ru-RU" sz="1200" dirty="0" smtClean="0">
+              <a:t> </a:t>
+            </a:r>
+            <a:r>
+              <a:rPr lang="en-US" sz="1200" dirty="0" err="1">
                 <a:solidFill>
                   <a:prstClr val="black"/>
                 </a:solidFill>
                 <a:latin typeface="Consolas"/>
               </a:rPr>
-              <a:t>    {</a:t>
-            </a:r>
+              <a:t>rnd.Next</a:t>
+            </a:r>
+            <a:r>
+              <a:rPr lang="en-US" sz="1200" dirty="0">
+                <a:solidFill>
+                  <a:prstClr val="black"/>
+                </a:solidFill>
+                <a:latin typeface="Consolas"/>
+              </a:rPr>
+              <a:t>() %2 == 0 ? first : second;</a:t>
+            </a:r>
+          </a:p>
+          <a:p>
+            <a:r>
+              <a:rPr lang="ru-RU" sz="1200" dirty="0">
+                <a:solidFill>
+                  <a:prstClr val="black"/>
+                </a:solidFill>
+                <a:latin typeface="Consolas"/>
+              </a:rPr>
+              <a:t>    }</a:t>
+            </a:r>
+          </a:p>
+          <a:p>
+            <a:r>
+              <a:rPr lang="ru-RU" sz="1200" dirty="0">
+                <a:solidFill>
+                  <a:prstClr val="black"/>
+                </a:solidFill>
+                <a:latin typeface="Consolas"/>
+              </a:rPr>
+              <a:t>}</a:t>
+            </a:r>
+          </a:p>
+          <a:p>
             <a:endParaRPr lang="ru-RU" sz="1200" dirty="0">
-              <a:solidFill>
-                <a:prstClr val="black"/>
-              </a:solidFill>
-              <a:latin typeface="Consolas"/>
-            </a:endParaRPr>
-          </a:p>
-          <a:p>
-            <a:r>
-              <a:rPr lang="ru-RU" sz="1200" dirty="0" smtClean="0">
-                <a:solidFill>
-                  <a:srgbClr val="0000FF"/>
-                </a:solidFill>
-                <a:latin typeface="Consolas"/>
-              </a:rPr>
-              <a:t>        </a:t>
-            </a:r>
-            <a:r>
-              <a:rPr lang="en-US" sz="1200" dirty="0" smtClean="0">
-                <a:solidFill>
-                  <a:srgbClr val="0000FF"/>
-                </a:solidFill>
-                <a:latin typeface="Consolas"/>
-              </a:rPr>
-              <a:t>return</a:t>
-            </a:r>
-            <a:r>
-              <a:rPr lang="en-US" sz="1200" dirty="0" smtClean="0">
-                <a:solidFill>
-                  <a:prstClr val="black"/>
-                </a:solidFill>
-                <a:latin typeface="Consolas"/>
-              </a:rPr>
-              <a:t> </a:t>
-            </a:r>
-            <a:r>
-              <a:rPr lang="en-US" sz="1200" dirty="0" err="1">
-                <a:solidFill>
-                  <a:prstClr val="black"/>
-                </a:solidFill>
-                <a:latin typeface="Consolas"/>
-              </a:rPr>
-              <a:t>rnd.Next</a:t>
-            </a:r>
-            <a:r>
-              <a:rPr lang="en-US" sz="1200" dirty="0" smtClean="0">
-                <a:solidFill>
-                  <a:prstClr val="black"/>
-                </a:solidFill>
-                <a:latin typeface="Consolas"/>
-              </a:rPr>
-              <a:t>() %</a:t>
-            </a:r>
-            <a:r>
-              <a:rPr lang="en-US" sz="1200" dirty="0">
-                <a:solidFill>
-                  <a:prstClr val="black"/>
-                </a:solidFill>
-                <a:latin typeface="Consolas"/>
-              </a:rPr>
-              <a:t>2 == 0 ? first : second;</a:t>
-            </a:r>
-          </a:p>
-          <a:p>
-            <a:r>
-              <a:rPr lang="ru-RU" sz="1200" dirty="0" smtClean="0">
-                <a:solidFill>
-                  <a:prstClr val="black"/>
-                </a:solidFill>
-                <a:latin typeface="Consolas"/>
-              </a:rPr>
-              <a:t>    }</a:t>
-            </a:r>
-            <a:endParaRPr lang="ru-RU" sz="1200" dirty="0">
-              <a:solidFill>
-                <a:prstClr val="black"/>
-              </a:solidFill>
-              <a:latin typeface="Consolas"/>
-            </a:endParaRPr>
-          </a:p>
-          <a:p>
-            <a:r>
-              <a:rPr lang="ru-RU" sz="1200" dirty="0">
-                <a:solidFill>
-                  <a:prstClr val="black"/>
-                </a:solidFill>
-                <a:latin typeface="Consolas"/>
-              </a:rPr>
-              <a:t>}</a:t>
-            </a:r>
-          </a:p>
-          <a:p>
-            <a:endParaRPr lang="ru-RU" sz="1200" dirty="0" smtClean="0">
               <a:solidFill>
                 <a:srgbClr val="0000FF"/>
               </a:solidFill>
@@ -12215,45 +11804,93 @@
                 </a:solidFill>
                 <a:latin typeface="Consolas"/>
               </a:rPr>
-              <a:t>// Явное указание </a:t>
-            </a:r>
-            <a:r>
-              <a:rPr lang="ru-RU" sz="1200" dirty="0" smtClean="0">
+              <a:t>// Явное указание тип-аргумента</a:t>
+            </a:r>
+            <a:r>
+              <a:rPr lang="en-US" sz="1200" dirty="0">
                 <a:solidFill>
                   <a:srgbClr val="008000"/>
                 </a:solidFill>
                 <a:latin typeface="Consolas"/>
               </a:rPr>
-              <a:t>тип-аргумента</a:t>
-            </a:r>
-            <a:r>
-              <a:rPr lang="en-US" sz="1200" dirty="0" smtClean="0">
+              <a:t>. </a:t>
+            </a:r>
+            <a:r>
+              <a:rPr lang="ru-RU" sz="1200" dirty="0">
                 <a:solidFill>
                   <a:srgbClr val="008000"/>
                 </a:solidFill>
                 <a:latin typeface="Consolas"/>
               </a:rPr>
-              <a:t>. </a:t>
-            </a:r>
-            <a:r>
-              <a:rPr lang="ru-RU" sz="1200" dirty="0" smtClean="0">
-                <a:solidFill>
-                  <a:srgbClr val="008000"/>
+              <a:t>Это избыточно т.к. компилятор может «угадать» его</a:t>
+            </a:r>
+          </a:p>
+          <a:p>
+            <a:r>
+              <a:rPr lang="en-US" sz="1200" dirty="0" err="1">
+                <a:solidFill>
+                  <a:srgbClr val="0000FF"/>
                 </a:solidFill>
                 <a:latin typeface="Consolas"/>
               </a:rPr>
-              <a:t>Это избыточно т.к. компилятор может «угадать» его</a:t>
-            </a:r>
-            <a:endParaRPr lang="ru-RU" sz="1200" dirty="0">
-              <a:solidFill>
-                <a:srgbClr val="008000"/>
-              </a:solidFill>
-              <a:latin typeface="Consolas"/>
-            </a:endParaRPr>
-          </a:p>
-          <a:p>
-            <a:r>
-              <a:rPr lang="en-US" sz="1200" dirty="0" err="1" smtClean="0">
+              <a:t>int</a:t>
+            </a:r>
+            <a:r>
+              <a:rPr lang="en-US" sz="1200" dirty="0">
+                <a:solidFill>
+                  <a:prstClr val="black"/>
+                </a:solidFill>
+                <a:latin typeface="Consolas"/>
+              </a:rPr>
+              <a:t> </a:t>
+            </a:r>
+            <a:r>
+              <a:rPr lang="en-US" sz="1200" dirty="0" err="1">
+                <a:solidFill>
+                  <a:prstClr val="black"/>
+                </a:solidFill>
+                <a:latin typeface="Consolas"/>
+              </a:rPr>
+              <a:t>theAnswer</a:t>
+            </a:r>
+            <a:r>
+              <a:rPr lang="en-US" sz="1200" dirty="0">
+                <a:solidFill>
+                  <a:prstClr val="black"/>
+                </a:solidFill>
+                <a:latin typeface="Consolas"/>
+              </a:rPr>
+              <a:t> = </a:t>
+            </a:r>
+            <a:r>
+              <a:rPr lang="en-US" sz="1200" dirty="0" err="1">
+                <a:solidFill>
+                  <a:srgbClr val="2B91AF"/>
+                </a:solidFill>
+                <a:latin typeface="Consolas"/>
+              </a:rPr>
+              <a:t>Chooser</a:t>
+            </a:r>
+            <a:r>
+              <a:rPr lang="en-US" sz="1200" dirty="0" err="1">
+                <a:solidFill>
+                  <a:prstClr val="black"/>
+                </a:solidFill>
+                <a:latin typeface="Consolas"/>
+              </a:rPr>
+              <a:t>.Choose</a:t>
+            </a:r>
+            <a:r>
+              <a:rPr lang="en-US" sz="1200" dirty="0">
+                <a:solidFill>
+                  <a:prstClr val="black"/>
+                </a:solidFill>
+                <a:latin typeface="Consolas"/>
+              </a:rPr>
+              <a:t>&lt;</a:t>
+            </a:r>
+            <a:r>
+              <a:rPr lang="en-US" sz="1200" dirty="0" err="1">
                 <a:solidFill>
                   <a:srgbClr val="0000FF"/>
                 </a:solidFill>
@@ -12262,40 +11899,51 @@
               <a:t>int</a:t>
             </a:r>
             <a:r>
-              <a:rPr lang="en-US" sz="1200" dirty="0" smtClean="0">
+              <a:rPr lang="en-US" sz="1200" dirty="0">
                 <a:solidFill>
                   <a:prstClr val="black"/>
                 </a:solidFill>
                 <a:latin typeface="Consolas"/>
               </a:rPr>
-              <a:t> </a:t>
-            </a:r>
-            <a:r>
-              <a:rPr lang="en-US" sz="1200" dirty="0" err="1" smtClean="0">
+              <a:t>&gt;(</a:t>
+            </a:r>
+            <a:r>
+              <a:rPr lang="ru-RU" sz="1200" dirty="0">
                 <a:solidFill>
                   <a:prstClr val="black"/>
                 </a:solidFill>
                 <a:latin typeface="Consolas"/>
               </a:rPr>
-              <a:t>theAnswer</a:t>
-            </a:r>
-            <a:r>
-              <a:rPr lang="en-US" sz="1200" dirty="0" smtClean="0">
+              <a:t>41</a:t>
+            </a:r>
+            <a:r>
+              <a:rPr lang="en-US" sz="1200" dirty="0">
                 <a:solidFill>
                   <a:prstClr val="black"/>
                 </a:solidFill>
                 <a:latin typeface="Consolas"/>
               </a:rPr>
-              <a:t> </a:t>
-            </a:r>
+              <a:t>, 42);</a:t>
+            </a:r>
+          </a:p>
+          <a:p>
             <a:r>
               <a:rPr lang="en-US" sz="1200" dirty="0">
                 <a:solidFill>
+                  <a:srgbClr val="0000FF"/>
+                </a:solidFill>
+                <a:latin typeface="Consolas"/>
+              </a:rPr>
+              <a:t>string</a:t>
+            </a:r>
+            <a:r>
+              <a:rPr lang="en-US" sz="1200" dirty="0">
+                <a:solidFill>
                   <a:prstClr val="black"/>
                 </a:solidFill>
                 <a:latin typeface="Consolas"/>
               </a:rPr>
-              <a:t>= </a:t>
+              <a:t> name = </a:t>
             </a:r>
             <a:r>
               <a:rPr lang="en-US" sz="1200" dirty="0" err="1">
@@ -12325,180 +11973,70 @@
               <a:t>&lt;</a:t>
             </a:r>
             <a:r>
+              <a:rPr lang="en-US" sz="1200" dirty="0">
+                <a:solidFill>
+                  <a:srgbClr val="0000FF"/>
+                </a:solidFill>
+                <a:latin typeface="Consolas"/>
+              </a:rPr>
+              <a:t>string</a:t>
+            </a:r>
+            <a:r>
+              <a:rPr lang="en-US" sz="1200" dirty="0">
+                <a:solidFill>
+                  <a:prstClr val="black"/>
+                </a:solidFill>
+                <a:latin typeface="Consolas"/>
+              </a:rPr>
+              <a:t>&gt;(</a:t>
+            </a:r>
+            <a:r>
+              <a:rPr lang="en-US" sz="1200" dirty="0">
+                <a:solidFill>
+                  <a:srgbClr val="A31515"/>
+                </a:solidFill>
+                <a:latin typeface="Consolas"/>
+              </a:rPr>
+              <a:t>"Marvin"</a:t>
+            </a:r>
+            <a:r>
+              <a:rPr lang="en-US" sz="1200" dirty="0">
+                <a:solidFill>
+                  <a:prstClr val="black"/>
+                </a:solidFill>
+                <a:latin typeface="Consolas"/>
+              </a:rPr>
+              <a:t>, </a:t>
+            </a:r>
+            <a:r>
+              <a:rPr lang="en-US" sz="1200" dirty="0">
+                <a:solidFill>
+                  <a:srgbClr val="A31515"/>
+                </a:solidFill>
+                <a:latin typeface="Consolas"/>
+              </a:rPr>
+              <a:t>"</a:t>
+            </a:r>
+            <a:r>
               <a:rPr lang="en-US" sz="1200" dirty="0" err="1">
                 <a:solidFill>
-                  <a:srgbClr val="0000FF"/>
+                  <a:srgbClr val="A31515"/>
                 </a:solidFill>
                 <a:latin typeface="Consolas"/>
               </a:rPr>
-              <a:t>int</a:t>
-            </a:r>
-            <a:r>
-              <a:rPr lang="en-US" sz="1200" dirty="0" smtClean="0">
-                <a:solidFill>
-                  <a:prstClr val="black"/>
+              <a:t>Zaphod</a:t>
+            </a:r>
+            <a:r>
+              <a:rPr lang="en-US" sz="1200" dirty="0">
+                <a:solidFill>
+                  <a:srgbClr val="A31515"/>
                 </a:solidFill>
                 <a:latin typeface="Consolas"/>
               </a:rPr>
-              <a:t>&gt;(</a:t>
-            </a:r>
-            <a:r>
-              <a:rPr lang="ru-RU" sz="1200" dirty="0" smtClean="0">
-                <a:solidFill>
-                  <a:prstClr val="black"/>
-                </a:solidFill>
-                <a:latin typeface="Consolas"/>
-              </a:rPr>
-              <a:t>41</a:t>
-            </a:r>
-            <a:r>
-              <a:rPr lang="en-US" sz="1200" dirty="0" smtClean="0">
-                <a:solidFill>
-                  <a:prstClr val="black"/>
-                </a:solidFill>
-                <a:latin typeface="Consolas"/>
-              </a:rPr>
-              <a:t>, </a:t>
+              <a:t>"</a:t>
             </a:r>
             <a:r>
               <a:rPr lang="en-US" sz="1200" dirty="0">
-                <a:solidFill>
-                  <a:prstClr val="black"/>
-                </a:solidFill>
-                <a:latin typeface="Consolas"/>
-              </a:rPr>
-              <a:t>42);</a:t>
-            </a:r>
-          </a:p>
-          <a:p>
-            <a:r>
-              <a:rPr lang="en-US" sz="1200" dirty="0">
-                <a:solidFill>
-                  <a:srgbClr val="0000FF"/>
-                </a:solidFill>
-                <a:latin typeface="Consolas"/>
-              </a:rPr>
-              <a:t>string</a:t>
-            </a:r>
-            <a:r>
-              <a:rPr lang="en-US" sz="1200" dirty="0">
-                <a:solidFill>
-                  <a:prstClr val="black"/>
-                </a:solidFill>
-                <a:latin typeface="Consolas"/>
-              </a:rPr>
-              <a:t> </a:t>
-            </a:r>
-            <a:r>
-              <a:rPr lang="en-US" sz="1200" dirty="0" smtClean="0">
-                <a:solidFill>
-                  <a:prstClr val="black"/>
-                </a:solidFill>
-                <a:latin typeface="Consolas"/>
-              </a:rPr>
-              <a:t>name </a:t>
-            </a:r>
-            <a:r>
-              <a:rPr lang="en-US" sz="1200" dirty="0">
-                <a:solidFill>
-                  <a:prstClr val="black"/>
-                </a:solidFill>
-                <a:latin typeface="Consolas"/>
-              </a:rPr>
-              <a:t>= </a:t>
-            </a:r>
-            <a:r>
-              <a:rPr lang="en-US" sz="1200" dirty="0" err="1">
-                <a:solidFill>
-                  <a:srgbClr val="2B91AF"/>
-                </a:solidFill>
-                <a:latin typeface="Consolas"/>
-              </a:rPr>
-              <a:t>Chooser</a:t>
-            </a:r>
-            <a:r>
-              <a:rPr lang="en-US" sz="1200" dirty="0" err="1">
-                <a:solidFill>
-                  <a:prstClr val="black"/>
-                </a:solidFill>
-                <a:latin typeface="Consolas"/>
-              </a:rPr>
-              <a:t>.Choose</a:t>
-            </a:r>
-            <a:r>
-              <a:rPr lang="en-US" sz="1200" dirty="0">
-                <a:solidFill>
-                  <a:prstClr val="black"/>
-                </a:solidFill>
-                <a:latin typeface="Consolas"/>
-              </a:rPr>
-              <a:t>&lt;</a:t>
-            </a:r>
-            <a:r>
-              <a:rPr lang="en-US" sz="1200" dirty="0">
-                <a:solidFill>
-                  <a:srgbClr val="0000FF"/>
-                </a:solidFill>
-                <a:latin typeface="Consolas"/>
-              </a:rPr>
-              <a:t>string</a:t>
-            </a:r>
-            <a:r>
-              <a:rPr lang="en-US" sz="1200" dirty="0">
-                <a:solidFill>
-                  <a:prstClr val="black"/>
-                </a:solidFill>
-                <a:latin typeface="Consolas"/>
-              </a:rPr>
-              <a:t>&gt;(</a:t>
-            </a:r>
-            <a:r>
-              <a:rPr lang="en-US" sz="1200" dirty="0">
-                <a:solidFill>
-                  <a:srgbClr val="A31515"/>
-                </a:solidFill>
-                <a:latin typeface="Consolas"/>
-              </a:rPr>
-              <a:t>"Marvin"</a:t>
-            </a:r>
-            <a:r>
-              <a:rPr lang="en-US" sz="1200" dirty="0">
-                <a:solidFill>
-                  <a:prstClr val="black"/>
-                </a:solidFill>
-                <a:latin typeface="Consolas"/>
-              </a:rPr>
-              <a:t>, </a:t>
-            </a:r>
-            <a:r>
-              <a:rPr lang="en-US" sz="1200" dirty="0">
-                <a:solidFill>
-                  <a:srgbClr val="A31515"/>
-                </a:solidFill>
-                <a:latin typeface="Consolas"/>
-              </a:rPr>
-              <a:t>"</a:t>
-            </a:r>
-            <a:r>
-              <a:rPr lang="en-US" sz="1200" dirty="0" err="1">
-                <a:solidFill>
-                  <a:srgbClr val="A31515"/>
-                </a:solidFill>
-                <a:latin typeface="Consolas"/>
-              </a:rPr>
-              <a:t>Zaphod</a:t>
-            </a:r>
-            <a:r>
-              <a:rPr lang="en-US" sz="1200" dirty="0" smtClean="0">
-                <a:solidFill>
-                  <a:srgbClr val="A31515"/>
-                </a:solidFill>
-                <a:latin typeface="Consolas"/>
-              </a:rPr>
-              <a:t>"</a:t>
-            </a:r>
-            <a:r>
-              <a:rPr lang="en-US" sz="1200" dirty="0" smtClean="0">
                 <a:solidFill>
                   <a:prstClr val="black"/>
                 </a:solidFill>
@@ -12679,18 +12217,17 @@
               <a:buNone/>
             </a:pPr>
             <a:r>
-              <a:rPr lang="ru-RU" sz="2000" dirty="0" smtClean="0"/>
+              <a:rPr lang="ru-RU" sz="2000" dirty="0"/>
               <a:t>Короткий вариант </a:t>
             </a:r>
             <a:r>
-              <a:rPr lang="ru-RU" sz="2200" dirty="0" smtClean="0"/>
+              <a:rPr lang="ru-RU" sz="2200" dirty="0"/>
               <a:t>вызова</a:t>
             </a:r>
             <a:r>
-              <a:rPr lang="ru-RU" sz="2000" dirty="0" smtClean="0"/>
+              <a:rPr lang="ru-RU" sz="2000" dirty="0"/>
               <a:t>:</a:t>
             </a:r>
-            <a:endParaRPr lang="ru-RU" sz="2000" dirty="0"/>
           </a:p>
         </p:txBody>
       </p:sp>
@@ -12719,7 +12256,7 @@
           <a:lstStyle/>
           <a:p>
             <a:r>
-              <a:rPr lang="en-US" sz="1200" dirty="0" err="1" smtClean="0">
+              <a:rPr lang="en-US" sz="1200" dirty="0" err="1">
                 <a:solidFill>
                   <a:srgbClr val="0000FF"/>
                 </a:solidFill>
@@ -12728,7 +12265,7 @@
               <a:t>int</a:t>
             </a:r>
             <a:r>
-              <a:rPr lang="en-US" sz="1200" dirty="0" smtClean="0">
+              <a:rPr lang="en-US" sz="1200" dirty="0">
                 <a:solidFill>
                   <a:prstClr val="black"/>
                 </a:solidFill>
@@ -12737,7 +12274,7 @@
               <a:t> </a:t>
             </a:r>
             <a:r>
-              <a:rPr lang="en-US" sz="1200" dirty="0" err="1" smtClean="0">
+              <a:rPr lang="en-US" sz="1200" dirty="0" err="1">
                 <a:solidFill>
                   <a:prstClr val="black"/>
                 </a:solidFill>
@@ -12746,13 +12283,31 @@
               <a:t>theAnswer</a:t>
             </a:r>
             <a:r>
-              <a:rPr lang="en-US" sz="1200" dirty="0" smtClean="0">
+              <a:rPr lang="en-US" sz="1200" dirty="0">
                 <a:solidFill>
                   <a:prstClr val="black"/>
                 </a:solidFill>
                 <a:latin typeface="Consolas"/>
               </a:rPr>
-              <a:t> </a:t>
+              <a:t> = </a:t>
+            </a:r>
+            <a:r>
+              <a:rPr lang="en-US" sz="1200" dirty="0" err="1">
+                <a:solidFill>
+                  <a:srgbClr val="2B91AF"/>
+                </a:solidFill>
+                <a:latin typeface="Consolas"/>
+              </a:rPr>
+              <a:t>Chooser</a:t>
+            </a:r>
+            <a:r>
+              <a:rPr lang="en-US" sz="1200" dirty="0" err="1">
+                <a:solidFill>
+                  <a:prstClr val="black"/>
+                </a:solidFill>
+                <a:latin typeface="Consolas"/>
+              </a:rPr>
+              <a:t>.Choose</a:t>
             </a:r>
             <a:r>
               <a:rPr lang="en-US" sz="1200" dirty="0">
@@ -12761,10 +12316,48 @@
                 </a:solidFill>
                 <a:latin typeface="Consolas"/>
               </a:rPr>
-              <a:t>= </a:t>
-            </a:r>
-            <a:r>
-              <a:rPr lang="en-US" sz="1200" dirty="0" err="1" smtClean="0">
+              <a:t>(</a:t>
+            </a:r>
+            <a:r>
+              <a:rPr lang="ru-RU" sz="1200" dirty="0">
+                <a:solidFill>
+                  <a:prstClr val="black"/>
+                </a:solidFill>
+                <a:latin typeface="Consolas"/>
+              </a:rPr>
+              <a:t>41</a:t>
+            </a:r>
+            <a:r>
+              <a:rPr lang="en-US" sz="1200" dirty="0">
+                <a:solidFill>
+                  <a:prstClr val="black"/>
+                </a:solidFill>
+                <a:latin typeface="Consolas"/>
+              </a:rPr>
+              <a:t>, 42);</a:t>
+            </a:r>
+          </a:p>
+          <a:p>
+            <a:r>
+              <a:rPr lang="en-US" sz="1200" dirty="0">
+                <a:solidFill>
+                  <a:srgbClr val="0000FF"/>
+                </a:solidFill>
+                <a:latin typeface="Consolas"/>
+              </a:rPr>
+              <a:t>string</a:t>
+            </a:r>
+            <a:r>
+              <a:rPr lang="en-US" sz="1200" dirty="0">
+                <a:solidFill>
+                  <a:prstClr val="black"/>
+                </a:solidFill>
+                <a:latin typeface="Consolas"/>
+              </a:rPr>
+              <a:t> name = </a:t>
+            </a:r>
+            <a:r>
+              <a:rPr lang="en-US" sz="1200" dirty="0" err="1">
                 <a:solidFill>
                   <a:srgbClr val="2B91AF"/>
                 </a:solidFill>
@@ -12773,7 +12366,7 @@
               <a:t>Chooser</a:t>
             </a:r>
             <a:r>
-              <a:rPr lang="en-US" sz="1200" dirty="0" err="1" smtClean="0">
+              <a:rPr lang="en-US" sz="1200" dirty="0" err="1">
                 <a:solidFill>
                   <a:prstClr val="black"/>
                 </a:solidFill>
@@ -12782,7 +12375,7 @@
               <a:t>.Choose</a:t>
             </a:r>
             <a:r>
-              <a:rPr lang="en-US" sz="1200" dirty="0" smtClean="0">
+              <a:rPr lang="en-US" sz="1200" dirty="0">
                 <a:solidFill>
                   <a:prstClr val="black"/>
                 </a:solidFill>
@@ -12791,153 +12384,52 @@
               <a:t>(</a:t>
             </a:r>
             <a:r>
-              <a:rPr lang="ru-RU" sz="1200" dirty="0" smtClean="0">
+              <a:rPr lang="en-US" sz="1200" dirty="0">
+                <a:solidFill>
+                  <a:srgbClr val="A31515"/>
+                </a:solidFill>
+                <a:latin typeface="Consolas"/>
+              </a:rPr>
+              <a:t>"Marvin"</a:t>
+            </a:r>
+            <a:r>
+              <a:rPr lang="en-US" sz="1200" dirty="0">
                 <a:solidFill>
                   <a:prstClr val="black"/>
                 </a:solidFill>
                 <a:latin typeface="Consolas"/>
               </a:rPr>
-              <a:t>41</a:t>
-            </a:r>
-            <a:r>
-              <a:rPr lang="en-US" sz="1200" dirty="0" smtClean="0">
-                <a:solidFill>
-                  <a:prstClr val="black"/>
+              <a:t>, </a:t>
+            </a:r>
+            <a:r>
+              <a:rPr lang="en-US" sz="1200" dirty="0">
+                <a:solidFill>
+                  <a:srgbClr val="A31515"/>
                 </a:solidFill>
                 <a:latin typeface="Consolas"/>
               </a:rPr>
-              <a:t>, </a:t>
+              <a:t>"</a:t>
+            </a:r>
+            <a:r>
+              <a:rPr lang="en-US" sz="1200" dirty="0" err="1">
+                <a:solidFill>
+                  <a:srgbClr val="A31515"/>
+                </a:solidFill>
+                <a:latin typeface="Consolas"/>
+              </a:rPr>
+              <a:t>Zaphod</a:t>
             </a:r>
             <a:r>
               <a:rPr lang="en-US" sz="1200" dirty="0">
                 <a:solidFill>
-                  <a:prstClr val="black"/>
+                  <a:srgbClr val="A31515"/>
                 </a:solidFill>
                 <a:latin typeface="Consolas"/>
               </a:rPr>
-              <a:t>42);</a:t>
-            </a:r>
-          </a:p>
-          <a:p>
+              <a:t>"</a:t>
+            </a:r>
             <a:r>
               <a:rPr lang="en-US" sz="1200" dirty="0">
-                <a:solidFill>
-                  <a:srgbClr val="0000FF"/>
-                </a:solidFill>
-                <a:latin typeface="Consolas"/>
-              </a:rPr>
-              <a:t>string</a:t>
-            </a:r>
-            <a:r>
-              <a:rPr lang="en-US" sz="1200" dirty="0">
-                <a:solidFill>
-                  <a:prstClr val="black"/>
-                </a:solidFill>
-                <a:latin typeface="Consolas"/>
-              </a:rPr>
-              <a:t> </a:t>
-            </a:r>
-            <a:r>
-              <a:rPr lang="en-US" sz="1200" dirty="0" smtClean="0">
-                <a:solidFill>
-                  <a:prstClr val="black"/>
-                </a:solidFill>
-                <a:latin typeface="Consolas"/>
-              </a:rPr>
-              <a:t>name </a:t>
-            </a:r>
-            <a:r>
-              <a:rPr lang="en-US" sz="1200" dirty="0">
-                <a:solidFill>
-                  <a:prstClr val="black"/>
-                </a:solidFill>
-                <a:latin typeface="Consolas"/>
-              </a:rPr>
-              <a:t>= </a:t>
-            </a:r>
-            <a:r>
-              <a:rPr lang="en-US" sz="1200" dirty="0" err="1" smtClean="0">
-                <a:solidFill>
-                  <a:srgbClr val="2B91AF"/>
-                </a:solidFill>
-                <a:latin typeface="Consolas"/>
-              </a:rPr>
-              <a:t>Chooser</a:t>
-            </a:r>
-            <a:r>
-              <a:rPr lang="en-US" sz="1200" dirty="0" err="1" smtClean="0">
-                <a:solidFill>
-                  <a:prstClr val="black"/>
-                </a:solidFill>
-                <a:latin typeface="Consolas"/>
-              </a:rPr>
-              <a:t>.Choose</a:t>
-            </a:r>
-            <a:r>
-              <a:rPr lang="en-US" sz="1200" dirty="0" smtClean="0">
-                <a:solidFill>
-                  <a:prstClr val="black"/>
-                </a:solidFill>
-                <a:latin typeface="Consolas"/>
-              </a:rPr>
-              <a:t>(</a:t>
-            </a:r>
-            <a:r>
-              <a:rPr lang="en-US" sz="1200" dirty="0" smtClean="0">
-                <a:solidFill>
-                  <a:srgbClr val="A31515"/>
-                </a:solidFill>
-                <a:latin typeface="Consolas"/>
-              </a:rPr>
-              <a:t>"</a:t>
-            </a:r>
-            <a:r>
-              <a:rPr lang="en-US" sz="1200" dirty="0">
-                <a:solidFill>
-                  <a:srgbClr val="A31515"/>
-                </a:solidFill>
-                <a:latin typeface="Consolas"/>
-              </a:rPr>
-              <a:t>Marvin"</a:t>
-            </a:r>
-            <a:r>
-              <a:rPr lang="en-US" sz="1200" dirty="0">
-                <a:solidFill>
-                  <a:prstClr val="black"/>
-                </a:solidFill>
-                <a:latin typeface="Consolas"/>
-              </a:rPr>
-              <a:t>, </a:t>
-            </a:r>
-            <a:r>
-              <a:rPr lang="en-US" sz="1200" dirty="0">
-                <a:solidFill>
-                  <a:srgbClr val="A31515"/>
-                </a:solidFill>
-                <a:latin typeface="Consolas"/>
-              </a:rPr>
-              <a:t>"</a:t>
-            </a:r>
-            <a:r>
-              <a:rPr lang="en-US" sz="1200" dirty="0" err="1">
-                <a:solidFill>
-                  <a:srgbClr val="A31515"/>
-                </a:solidFill>
-                <a:latin typeface="Consolas"/>
-              </a:rPr>
-              <a:t>Zaphod</a:t>
-            </a:r>
-            <a:r>
-              <a:rPr lang="en-US" sz="1200" dirty="0" smtClean="0">
-                <a:solidFill>
-                  <a:srgbClr val="A31515"/>
-                </a:solidFill>
-                <a:latin typeface="Consolas"/>
-              </a:rPr>
-              <a:t>"</a:t>
-            </a:r>
-            <a:r>
-              <a:rPr lang="en-US" sz="1200" dirty="0" smtClean="0">
                 <a:solidFill>
                   <a:prstClr val="black"/>
                 </a:solidFill>
@@ -12964,13 +12456,6 @@
   <p:clrMapOvr>
     <a:masterClrMapping/>
   </p:clrMapOvr>
-  <p:timing>
-    <p:tnLst>
-      <p:par>
-        <p:cTn id="1" dur="indefinite" restart="never" nodeType="tmRoot"/>
-      </p:par>
-    </p:tnLst>
-  </p:timing>
 </p:sld>
 </file>
 
@@ -13007,15 +12492,15 @@
           <a:lstStyle/>
           <a:p>
             <a:r>
-              <a:rPr lang="ru-RU" dirty="0" smtClean="0"/>
+              <a:rPr lang="ru-RU" dirty="0"/>
               <a:t>Ограничения (</a:t>
             </a:r>
             <a:r>
-              <a:rPr lang="en-US" dirty="0" smtClean="0"/>
+              <a:rPr lang="en-US" dirty="0"/>
               <a:t>constraints</a:t>
             </a:r>
             <a:r>
-              <a:rPr lang="ru-RU" dirty="0" smtClean="0"/>
+              <a:rPr lang="ru-RU" dirty="0"/>
               <a:t>)</a:t>
             </a:r>
             <a:endParaRPr lang="en-US" dirty="0"/>
@@ -13040,147 +12525,111 @@
           <a:lstStyle/>
           <a:p>
             <a:r>
-              <a:rPr lang="ru-RU" dirty="0" smtClean="0"/>
+              <a:rPr lang="ru-RU" dirty="0"/>
               <a:t>Базовый класс</a:t>
             </a:r>
           </a:p>
           <a:p>
             <a:pPr lvl="1"/>
             <a:r>
-              <a:rPr lang="en-US" dirty="0" smtClean="0"/>
+              <a:rPr lang="en-US" dirty="0"/>
               <a:t>where T : </a:t>
             </a:r>
             <a:r>
-              <a:rPr lang="en-US" dirty="0" err="1" smtClean="0"/>
+              <a:rPr lang="en-US" dirty="0" err="1"/>
               <a:t>BaseClass</a:t>
             </a:r>
-            <a:endParaRPr lang="ru-RU" dirty="0" smtClean="0"/>
-          </a:p>
-          <a:p>
-            <a:r>
-              <a:rPr lang="ru-RU" dirty="0" smtClean="0"/>
+            <a:endParaRPr lang="ru-RU" dirty="0"/>
+          </a:p>
+          <a:p>
+            <a:r>
+              <a:rPr lang="ru-RU" dirty="0"/>
               <a:t>Базовый тип на основе другого тип аргумента</a:t>
             </a:r>
           </a:p>
           <a:p>
             <a:pPr lvl="1"/>
             <a:r>
-              <a:rPr lang="en-US" dirty="0" smtClean="0"/>
+              <a:rPr lang="en-US" dirty="0"/>
               <a:t>where T : U</a:t>
             </a:r>
-            <a:endParaRPr lang="ru-RU" dirty="0" smtClean="0"/>
-          </a:p>
-          <a:p>
-            <a:r>
-              <a:rPr lang="ru-RU" dirty="0" smtClean="0"/>
+            <a:endParaRPr lang="ru-RU" dirty="0"/>
+          </a:p>
+          <a:p>
+            <a:r>
+              <a:rPr lang="ru-RU" dirty="0"/>
               <a:t>Интерфейс(ы)</a:t>
             </a:r>
-            <a:endParaRPr lang="en-US" dirty="0" smtClean="0"/>
+            <a:endParaRPr lang="en-US" dirty="0"/>
           </a:p>
           <a:p>
             <a:pPr lvl="1"/>
             <a:r>
-              <a:rPr lang="en-US" dirty="0" smtClean="0"/>
-              <a:t>where </a:t>
-            </a:r>
-            <a:r>
               <a:rPr lang="en-US" dirty="0"/>
-              <a:t>T : </a:t>
-            </a:r>
-            <a:r>
-              <a:rPr lang="en-US" dirty="0" err="1" smtClean="0"/>
+              <a:t>where T : </a:t>
+            </a:r>
+            <a:r>
+              <a:rPr lang="en-US" dirty="0" err="1"/>
               <a:t>ISmth</a:t>
             </a:r>
-            <a:endParaRPr lang="en-US" dirty="0" smtClean="0"/>
+            <a:endParaRPr lang="en-US" dirty="0"/>
           </a:p>
           <a:p>
             <a:pPr lvl="1"/>
             <a:r>
-              <a:rPr lang="en-US" dirty="0" smtClean="0"/>
-              <a:t>where </a:t>
-            </a:r>
-            <a:r>
               <a:rPr lang="en-US" dirty="0"/>
-              <a:t>T : </a:t>
-            </a:r>
-            <a:r>
-              <a:rPr lang="en-US" dirty="0" smtClean="0"/>
-              <a:t>ISmth1, </a:t>
-            </a:r>
-            <a:r>
-              <a:rPr lang="en-US" dirty="0" smtClean="0"/>
-              <a:t>ISmth2</a:t>
-            </a:r>
-            <a:endParaRPr lang="ru-RU" dirty="0" smtClean="0"/>
-          </a:p>
-          <a:p>
-            <a:r>
-              <a:rPr lang="ru-RU" dirty="0" smtClean="0"/>
+              <a:t>where T : ISmth1, ISmth2</a:t>
+            </a:r>
+            <a:endParaRPr lang="ru-RU" dirty="0"/>
+          </a:p>
+          <a:p>
+            <a:r>
+              <a:rPr lang="ru-RU" dirty="0"/>
               <a:t>Ссылочный тип</a:t>
             </a:r>
-            <a:endParaRPr lang="en-US" dirty="0" smtClean="0"/>
+            <a:endParaRPr lang="en-US" dirty="0"/>
           </a:p>
           <a:p>
             <a:pPr lvl="1"/>
             <a:r>
-              <a:rPr lang="en-US" dirty="0" smtClean="0"/>
-              <a:t>where </a:t>
-            </a:r>
-            <a:r>
               <a:rPr lang="en-US" dirty="0"/>
-              <a:t>T : </a:t>
-            </a:r>
-            <a:r>
-              <a:rPr lang="en-US" dirty="0" smtClean="0"/>
-              <a:t>class</a:t>
-            </a:r>
-            <a:endParaRPr lang="ru-RU" dirty="0" smtClean="0"/>
-          </a:p>
-          <a:p>
-            <a:r>
-              <a:rPr lang="ru-RU" dirty="0" smtClean="0"/>
+              <a:t>where T : class</a:t>
+            </a:r>
+            <a:endParaRPr lang="ru-RU" dirty="0"/>
+          </a:p>
+          <a:p>
+            <a:r>
+              <a:rPr lang="ru-RU" dirty="0"/>
               <a:t>Значимый тип</a:t>
             </a:r>
-            <a:endParaRPr lang="en-US" dirty="0" smtClean="0"/>
+            <a:endParaRPr lang="en-US" dirty="0"/>
           </a:p>
           <a:p>
             <a:pPr lvl="1"/>
             <a:r>
-              <a:rPr lang="en-US" dirty="0" smtClean="0"/>
-              <a:t>where </a:t>
-            </a:r>
-            <a:r>
               <a:rPr lang="en-US" dirty="0"/>
-              <a:t>T : </a:t>
-            </a:r>
-            <a:r>
-              <a:rPr lang="en-US" dirty="0" err="1" smtClean="0"/>
+              <a:t>where T : </a:t>
+            </a:r>
+            <a:r>
+              <a:rPr lang="en-US" dirty="0" err="1"/>
               <a:t>struct</a:t>
             </a:r>
-            <a:endParaRPr lang="ru-RU" dirty="0" smtClean="0"/>
-          </a:p>
-          <a:p>
-            <a:r>
-              <a:rPr lang="ru-RU" dirty="0" smtClean="0"/>
+            <a:endParaRPr lang="ru-RU" dirty="0"/>
+          </a:p>
+          <a:p>
+            <a:r>
+              <a:rPr lang="ru-RU" dirty="0"/>
               <a:t>Конструктор по умолчанию (конструктор без аргументов)</a:t>
             </a:r>
-            <a:endParaRPr lang="en-US" dirty="0" smtClean="0"/>
+            <a:endParaRPr lang="en-US" dirty="0"/>
           </a:p>
           <a:p>
             <a:pPr lvl="1"/>
             <a:r>
-              <a:rPr lang="en-US" dirty="0" smtClean="0"/>
-              <a:t>where </a:t>
-            </a:r>
-            <a:r>
               <a:rPr lang="en-US" dirty="0"/>
-              <a:t>T : </a:t>
-            </a:r>
-            <a:r>
-              <a:rPr lang="en-US" dirty="0" smtClean="0"/>
-              <a:t>new()</a:t>
-            </a:r>
-            <a:endParaRPr lang="ru-RU" dirty="0" smtClean="0"/>
+              <a:t>where T : new()</a:t>
+            </a:r>
+            <a:endParaRPr lang="ru-RU" dirty="0"/>
           </a:p>
         </p:txBody>
       </p:sp>
@@ -13230,30 +12679,29 @@
           <a:lstStyle/>
           <a:p>
             <a:r>
-              <a:rPr lang="ru-RU" dirty="0" smtClean="0"/>
+              <a:rPr lang="ru-RU" dirty="0"/>
               <a:t>Ограничения (</a:t>
             </a:r>
             <a:r>
-              <a:rPr lang="en-US" dirty="0" smtClean="0"/>
+              <a:rPr lang="en-US" dirty="0"/>
               <a:t>constraints</a:t>
             </a:r>
             <a:r>
-              <a:rPr lang="ru-RU" dirty="0" smtClean="0"/>
+              <a:rPr lang="ru-RU" dirty="0"/>
               <a:t>)</a:t>
             </a:r>
             <a:r>
-              <a:rPr lang="en-US" dirty="0" smtClean="0"/>
+              <a:rPr lang="en-US" dirty="0"/>
               <a:t> </a:t>
             </a:r>
             <a:r>
-              <a:rPr lang="ru-RU" dirty="0" smtClean="0"/>
+              <a:rPr lang="ru-RU" dirty="0"/>
               <a:t>в </a:t>
             </a:r>
             <a:r>
-              <a:rPr lang="en-US" dirty="0" smtClean="0"/>
+              <a:rPr lang="en-US" dirty="0"/>
               <a:t>C# 7.3</a:t>
             </a:r>
-            <a:endParaRPr lang="en-US" dirty="0"/>
           </a:p>
         </p:txBody>
       </p:sp>
@@ -13275,50 +12723,50 @@
           <a:lstStyle/>
           <a:p>
             <a:r>
-              <a:rPr lang="en-US" dirty="0" err="1" smtClean="0"/>
+              <a:rPr lang="en-US" dirty="0" err="1"/>
               <a:t>enum</a:t>
             </a:r>
-            <a:endParaRPr lang="ru-RU" dirty="0" smtClean="0"/>
+            <a:endParaRPr lang="ru-RU" dirty="0"/>
           </a:p>
           <a:p>
             <a:pPr lvl="1"/>
             <a:r>
-              <a:rPr lang="en-US" dirty="0" smtClean="0"/>
+              <a:rPr lang="en-US" dirty="0"/>
               <a:t>?</a:t>
             </a:r>
-            <a:endParaRPr lang="ru-RU" dirty="0" smtClean="0"/>
-          </a:p>
-          <a:p>
-            <a:r>
-              <a:rPr lang="en-US" dirty="0" smtClean="0"/>
+            <a:endParaRPr lang="ru-RU" dirty="0"/>
+          </a:p>
+          <a:p>
+            <a:r>
+              <a:rPr lang="en-US" dirty="0"/>
               <a:t>delegate</a:t>
             </a:r>
-            <a:endParaRPr lang="ru-RU" dirty="0" smtClean="0"/>
+            <a:endParaRPr lang="ru-RU" dirty="0"/>
           </a:p>
           <a:p>
             <a:pPr lvl="1"/>
             <a:r>
-              <a:rPr lang="en-US" dirty="0" smtClean="0"/>
+              <a:rPr lang="en-US" dirty="0"/>
               <a:t>?</a:t>
             </a:r>
-            <a:endParaRPr lang="ru-RU" dirty="0" smtClean="0"/>
-          </a:p>
-          <a:p>
-            <a:r>
-              <a:rPr lang="en-US" dirty="0" smtClean="0"/>
+            <a:endParaRPr lang="ru-RU" dirty="0"/>
+          </a:p>
+          <a:p>
+            <a:r>
+              <a:rPr lang="en-US" dirty="0"/>
               <a:t>unmanaged</a:t>
             </a:r>
           </a:p>
           <a:p>
             <a:pPr lvl="1"/>
             <a:r>
-              <a:rPr lang="en-US" dirty="0" smtClean="0"/>
+              <a:rPr lang="en-US" dirty="0"/>
               <a:t>?</a:t>
             </a:r>
-            <a:endParaRPr lang="ru-RU" dirty="0" smtClean="0"/>
-          </a:p>
-          <a:p>
-            <a:endParaRPr lang="ru-RU" dirty="0" smtClean="0"/>
+            <a:endParaRPr lang="ru-RU" dirty="0"/>
+          </a:p>
+          <a:p>
+            <a:endParaRPr lang="ru-RU" dirty="0"/>
           </a:p>
         </p:txBody>
       </p:sp>
@@ -13332,14 +12780,6 @@
   <p:clrMapOvr>
     <a:masterClrMapping/>
   </p:clrMapOvr>
-  <mc:AlternateContent xmlns:mc="http://schemas.openxmlformats.org/markup-compatibility/2006" xmlns:p14="http://schemas.microsoft.com/office/powerpoint/2010/main">
-    <mc:Choice Requires="p14">
-      <p:transition spd="slow" p14:dur="2000"/>
-    </mc:Choice>
-    <mc:Fallback xmlns="">
-      <p:transition spd="slow"/>
-    </mc:Fallback>
-  </mc:AlternateContent>
 </p:sld>
 </file>
 

--- a/Presentation/lesson-02-generics.pptx
+++ b/Presentation/lesson-02-generics.pptx
@@ -5,7 +5,7 @@
     <p:sldMasterId id="2147483648" r:id="rId1"/>
   </p:sldMasterIdLst>
   <p:notesMasterIdLst>
-    <p:notesMasterId r:id="rId30"/>
+    <p:notesMasterId r:id="rId31"/>
   </p:notesMasterIdLst>
   <p:sldIdLst>
     <p:sldId id="257" r:id="rId2"/>
@@ -34,8 +34,9 @@
     <p:sldId id="262" r:id="rId25"/>
     <p:sldId id="280" r:id="rId26"/>
     <p:sldId id="263" r:id="rId27"/>
-    <p:sldId id="268" r:id="rId28"/>
-    <p:sldId id="271" r:id="rId29"/>
+    <p:sldId id="285" r:id="rId28"/>
+    <p:sldId id="268" r:id="rId29"/>
+    <p:sldId id="271" r:id="rId30"/>
   </p:sldIdLst>
   <p:sldSz cx="9144000" cy="6858000" type="screen4x3"/>
   <p:notesSz cx="6858000" cy="9144000"/>
@@ -197,6 +198,7 @@
         <p14:section name="Ковариантность и контрвариантность" id="{61B98245-B6D1-4A5B-AA7D-67AF9695AB2A}">
           <p14:sldIdLst>
             <p14:sldId id="263"/>
+            <p14:sldId id="285"/>
             <p14:sldId id="268"/>
           </p14:sldIdLst>
         </p14:section>
@@ -307,7 +309,7 @@
           <a:p>
             <a:fld id="{B24A7054-7FFB-49F4-A126-5DF6E687FF53}" type="datetimeFigureOut">
               <a:rPr lang="ru-RU" smtClean="0"/>
-              <a:t>01.07.2018</a:t>
+              <a:t>18.09.2018</a:t>
             </a:fld>
             <a:endParaRPr lang="ru-RU"/>
           </a:p>
@@ -1574,7 +1576,7 @@
           <a:p>
             <a:fld id="{8E6E6A2A-E9D3-4A0D-B04A-ABDD367A1E08}" type="datetimeFigureOut">
               <a:rPr lang="ru-RU" smtClean="0"/>
-              <a:t>01.07.2018</a:t>
+              <a:t>18.09.2018</a:t>
             </a:fld>
             <a:endParaRPr lang="ru-RU"/>
           </a:p>
@@ -3004,7 +3006,7 @@
           <a:p>
             <a:fld id="{AC3D3127-B7C4-45E3-9797-C527EC9FDD78}" type="datetimeFigureOut">
               <a:rPr lang="ru-RU" smtClean="0"/>
-              <a:t>01.07.2018</a:t>
+              <a:t>18.09.2018</a:t>
             </a:fld>
             <a:endParaRPr lang="ru-RU"/>
           </a:p>
@@ -6823,13 +6825,16 @@
               <a:rPr lang="ru-RU" dirty="0" err="1"/>
               <a:t>Ковариантность</a:t>
             </a:r>
-            <a:r>
+            <a:br>
               <a:rPr lang="ru-RU" dirty="0"/>
-              <a:t> и </a:t>
+            </a:br>
+            <a:r>
+              <a:rPr lang="ru-RU" dirty="0"/>
+              <a:t>и </a:t>
             </a:r>
             <a:r>
               <a:rPr lang="ru-RU" dirty="0" err="1"/>
-              <a:t>контрвариантность</a:t>
+              <a:t>контравариантность</a:t>
             </a:r>
             <a:endParaRPr lang="en-US" dirty="0"/>
           </a:p>
@@ -6868,6 +6873,120 @@
 </file>
 
 <file path=ppt/slides/slide27.xml><?xml version="1.0" encoding="utf-8"?>
+<p:sld xmlns:a="http://schemas.openxmlformats.org/drawingml/2006/main" xmlns:r="http://schemas.openxmlformats.org/officeDocument/2006/relationships" xmlns:p="http://schemas.openxmlformats.org/presentationml/2006/main">
+  <p:cSld>
+    <p:spTree>
+      <p:nvGrpSpPr>
+        <p:cNvPr id="1" name=""/>
+        <p:cNvGrpSpPr/>
+        <p:nvPr/>
+      </p:nvGrpSpPr>
+      <p:grpSpPr>
+        <a:xfrm>
+          <a:off x="0" y="0"/>
+          <a:ext cx="0" cy="0"/>
+          <a:chOff x="0" y="0"/>
+          <a:chExt cx="0" cy="0"/>
+        </a:xfrm>
+      </p:grpSpPr>
+      <p:sp>
+        <p:nvSpPr>
+          <p:cNvPr id="2" name="Title 1">
+            <a:extLst>
+              <a:ext uri="{FF2B5EF4-FFF2-40B4-BE49-F238E27FC236}">
+                <a16:creationId xmlns:a16="http://schemas.microsoft.com/office/drawing/2014/main" id="{77DD1104-43BF-3E40-8A73-AC8FFF16C770}"/>
+              </a:ext>
+            </a:extLst>
+          </p:cNvPr>
+          <p:cNvSpPr>
+            <a:spLocks noGrp="1"/>
+          </p:cNvSpPr>
+          <p:nvPr>
+            <p:ph type="title"/>
+          </p:nvPr>
+        </p:nvSpPr>
+        <p:spPr/>
+        <p:txBody>
+          <a:bodyPr/>
+          <a:lstStyle/>
+          <a:p>
+            <a:r>
+              <a:rPr lang="ru-RU" dirty="0"/>
+              <a:t>Ключевые слова </a:t>
+            </a:r>
+            <a:r>
+              <a:rPr lang="en-US" dirty="0"/>
+              <a:t>in/out</a:t>
+            </a:r>
+          </a:p>
+        </p:txBody>
+      </p:sp>
+      <p:sp>
+        <p:nvSpPr>
+          <p:cNvPr id="3" name="Content Placeholder 2">
+            <a:extLst>
+              <a:ext uri="{FF2B5EF4-FFF2-40B4-BE49-F238E27FC236}">
+                <a16:creationId xmlns:a16="http://schemas.microsoft.com/office/drawing/2014/main" id="{C6510F7A-5EC7-3A4C-AC61-F64425E90185}"/>
+              </a:ext>
+            </a:extLst>
+          </p:cNvPr>
+          <p:cNvSpPr>
+            <a:spLocks noGrp="1"/>
+          </p:cNvSpPr>
+          <p:nvPr>
+            <p:ph idx="1"/>
+          </p:nvPr>
+        </p:nvSpPr>
+        <p:spPr/>
+        <p:txBody>
+          <a:bodyPr/>
+          <a:lstStyle/>
+          <a:p>
+            <a:r>
+              <a:rPr lang="en-US" dirty="0"/>
+              <a:t>out – </a:t>
+            </a:r>
+            <a:r>
+              <a:rPr lang="ru-RU" dirty="0"/>
+              <a:t>ковариантный тип-параметр</a:t>
+            </a:r>
+            <a:endParaRPr lang="en-US" dirty="0"/>
+          </a:p>
+          <a:p>
+            <a:r>
+              <a:rPr lang="en-US" dirty="0"/>
+              <a:t>in – </a:t>
+            </a:r>
+            <a:r>
+              <a:rPr lang="ru-RU" dirty="0"/>
+              <a:t>контравариантный тип-параметр</a:t>
+            </a:r>
+          </a:p>
+          <a:p>
+            <a:endParaRPr lang="ru-RU" dirty="0"/>
+          </a:p>
+          <a:p>
+            <a:pPr marL="0" indent="0">
+              <a:buNone/>
+            </a:pPr>
+            <a:endParaRPr lang="en-US" dirty="0"/>
+          </a:p>
+        </p:txBody>
+      </p:sp>
+    </p:spTree>
+    <p:extLst>
+      <p:ext uri="{BB962C8B-B14F-4D97-AF65-F5344CB8AC3E}">
+        <p14:creationId xmlns:p14="http://schemas.microsoft.com/office/powerpoint/2010/main" val="1310319969"/>
+      </p:ext>
+    </p:extLst>
+  </p:cSld>
+  <p:clrMapOvr>
+    <a:masterClrMapping/>
+  </p:clrMapOvr>
+</p:sld>
+</file>
+
+<file path=ppt/slides/slide28.xml><?xml version="1.0" encoding="utf-8"?>
 <p:sld xmlns:a="http://schemas.openxmlformats.org/drawingml/2006/main" xmlns:r="http://schemas.openxmlformats.org/officeDocument/2006/relationships" xmlns:p="http://schemas.openxmlformats.org/presentationml/2006/main">
   <p:cSld>
     <p:spTree>
@@ -10055,7 +10174,7 @@
 </p:sld>
 </file>
 
-<file path=ppt/slides/slide28.xml><?xml version="1.0" encoding="utf-8"?>
+<file path=ppt/slides/slide29.xml><?xml version="1.0" encoding="utf-8"?>
 <p:sld xmlns:a="http://schemas.openxmlformats.org/drawingml/2006/main" xmlns:r="http://schemas.openxmlformats.org/officeDocument/2006/relationships" xmlns:p="http://schemas.openxmlformats.org/presentationml/2006/main">
   <p:cSld>
     <p:spTree>

--- a/Presentation/lesson-02-generics.pptx
+++ b/Presentation/lesson-02-generics.pptx
@@ -210,7 +210,7 @@
       </p14:sectionLst>
     </p:ext>
     <p:ext uri="{EFAFB233-063F-42B5-8137-9DF3F51BA10A}">
-      <p15:sldGuideLst xmlns:p15="http://schemas.microsoft.com/office/powerpoint/2012/main">
+      <p15:sldGuideLst xmlns="" xmlns:p15="http://schemas.microsoft.com/office/powerpoint/2012/main">
         <p15:guide id="1" orient="horz" pos="2160">
           <p15:clr>
             <a:srgbClr val="A4A3A4"/>
@@ -309,7 +309,7 @@
           <a:p>
             <a:fld id="{B24A7054-7FFB-49F4-A126-5DF6E687FF53}" type="datetimeFigureOut">
               <a:rPr lang="ru-RU" smtClean="0"/>
-              <a:t>18.09.2018</a:t>
+              <a:t>22.02.2019</a:t>
             </a:fld>
             <a:endParaRPr lang="ru-RU"/>
           </a:p>
@@ -578,8 +578,8 @@
 </file>
 
 <file path=ppt/slideLayouts/slideLayout1.xml><?xml version="1.0" encoding="utf-8"?>
-<p:sldLayout xmlns:a="http://schemas.openxmlformats.org/drawingml/2006/main" xmlns:r="http://schemas.openxmlformats.org/officeDocument/2006/relationships" xmlns:p="http://schemas.openxmlformats.org/presentationml/2006/main" preserve="1" userDrawn="1">
-  <p:cSld name="Title Slide">
+<p:sldLayout xmlns:a="http://schemas.openxmlformats.org/drawingml/2006/main" xmlns:r="http://schemas.openxmlformats.org/officeDocument/2006/relationships" xmlns:p="http://schemas.openxmlformats.org/presentationml/2006/main" type="obj" preserve="1">
+  <p:cSld name="Title and Content">
     <p:spTree>
       <p:nvGrpSpPr>
         <p:cNvPr id="1" name=""/>
@@ -596,172 +596,83 @@
       </p:grpSpPr>
       <p:sp>
         <p:nvSpPr>
-          <p:cNvPr id="7" name="Rectangle 6"/>
-          <p:cNvSpPr/>
-          <p:nvPr userDrawn="1"/>
+          <p:cNvPr id="2" name="Title 1"/>
+          <p:cNvSpPr>
+            <a:spLocks noGrp="1"/>
+          </p:cNvSpPr>
+          <p:nvPr>
+            <p:ph type="title"/>
+          </p:nvPr>
         </p:nvSpPr>
-        <p:spPr>
-          <a:xfrm>
-            <a:off x="143508" y="1304764"/>
-            <a:ext cx="8856984" cy="646331"/>
-          </a:xfrm>
-          <a:prstGeom prst="rect">
-            <a:avLst/>
-          </a:prstGeom>
-        </p:spPr>
+        <p:spPr/>
         <p:txBody>
-          <a:bodyPr wrap="square">
-            <a:spAutoFit/>
-          </a:bodyPr>
+          <a:bodyPr/>
           <a:lstStyle/>
           <a:p>
-            <a:pPr algn="ctr"/>
-            <a:r>
-              <a:rPr lang="ru-RU" sz="3600" b="1" i="1" dirty="0">
-                <a:solidFill>
-                  <a:schemeClr val="bg1"/>
-                </a:solidFill>
-              </a:rPr>
-              <a:t>Основы программирования на </a:t>
-            </a:r>
-            <a:r>
-              <a:rPr lang="en-US" sz="3600" b="1" i="1" dirty="0">
-                <a:solidFill>
-                  <a:schemeClr val="bg1"/>
-                </a:solidFill>
-              </a:rPr>
-              <a:t>C#</a:t>
-            </a:r>
-            <a:endParaRPr lang="ru-RU" sz="3600" b="1" i="1" dirty="0">
-              <a:solidFill>
-                <a:schemeClr val="bg1"/>
-              </a:solidFill>
-            </a:endParaRPr>
+            <a:r>
+              <a:rPr lang="en-US"/>
+              <a:t>Click to edit Master title style</a:t>
+            </a:r>
+            <a:endParaRPr lang="ru-RU" dirty="0"/>
           </a:p>
         </p:txBody>
       </p:sp>
-      <p:pic>
-        <p:nvPicPr>
-          <p:cNvPr id="8" name="Picture 5"/>
-          <p:cNvPicPr>
-            <a:picLocks noChangeAspect="1" noChangeArrowheads="1"/>
-          </p:cNvPicPr>
-          <p:nvPr userDrawn="1"/>
-        </p:nvPicPr>
-        <p:blipFill>
-          <a:blip r:embed="rId2">
-            <a:extLst>
-              <a:ext uri="{28A0092B-C50C-407E-A947-70E740481C1C}">
-                <a14:useLocalDpi xmlns:a14="http://schemas.microsoft.com/office/drawing/2010/main" val="0"/>
-              </a:ext>
-            </a:extLst>
-          </a:blip>
-          <a:srcRect/>
-          <a:stretch>
-            <a:fillRect/>
-          </a:stretch>
-        </p:blipFill>
-        <p:spPr bwMode="auto">
-          <a:xfrm>
-            <a:off x="1638300" y="3829211"/>
-            <a:ext cx="5867400" cy="1724025"/>
-          </a:xfrm>
-          <a:prstGeom prst="rect">
-            <a:avLst/>
-          </a:prstGeom>
-          <a:noFill/>
-          <a:ln>
-            <a:noFill/>
-          </a:ln>
-          <a:effectLst/>
-          <a:extLst>
-            <a:ext uri="{909E8E84-426E-40DD-AFC4-6F175D3DCCD1}">
-              <a14:hiddenFill xmlns:a14="http://schemas.microsoft.com/office/drawing/2010/main">
-                <a:solidFill>
-                  <a:schemeClr val="accent1"/>
-                </a:solidFill>
-              </a14:hiddenFill>
-            </a:ext>
-            <a:ext uri="{91240B29-F687-4F45-9708-019B960494DF}">
-              <a14:hiddenLine xmlns:a14="http://schemas.microsoft.com/office/drawing/2010/main" w="9525">
-                <a:solidFill>
-                  <a:schemeClr val="tx1"/>
-                </a:solidFill>
-                <a:miter lim="800000"/>
-                <a:headEnd/>
-                <a:tailEnd/>
-              </a14:hiddenLine>
-            </a:ext>
-            <a:ext uri="{AF507438-7753-43E0-B8FC-AC1667EBCBE1}">
-              <a14:hiddenEffects xmlns:a14="http://schemas.microsoft.com/office/drawing/2010/main">
-                <a:effectLst>
-                  <a:outerShdw dist="35921" dir="2700000" algn="ctr" rotWithShape="0">
-                    <a:schemeClr val="bg2"/>
-                  </a:outerShdw>
-                </a:effectLst>
-              </a14:hiddenEffects>
-            </a:ext>
-          </a:extLst>
-        </p:spPr>
-      </p:pic>
       <p:sp>
         <p:nvSpPr>
-          <p:cNvPr id="9" name="TextBox 8"/>
-          <p:cNvSpPr txBox="1"/>
-          <p:nvPr userDrawn="1"/>
+          <p:cNvPr id="3" name="Content Placeholder 2"/>
+          <p:cNvSpPr>
+            <a:spLocks noGrp="1"/>
+          </p:cNvSpPr>
+          <p:nvPr>
+            <p:ph idx="1"/>
+          </p:nvPr>
         </p:nvSpPr>
-        <p:spPr>
-          <a:xfrm>
-            <a:off x="2774873" y="2528900"/>
-            <a:ext cx="4240263" cy="461665"/>
-          </a:xfrm>
-          <a:prstGeom prst="rect">
-            <a:avLst/>
-          </a:prstGeom>
-          <a:noFill/>
-        </p:spPr>
+        <p:spPr/>
         <p:txBody>
-          <a:bodyPr wrap="none" rtlCol="0">
-            <a:spAutoFit/>
-          </a:bodyPr>
+          <a:bodyPr/>
           <a:lstStyle/>
           <a:p>
-            <a:r>
-              <a:rPr lang="ru-RU" sz="2400" dirty="0">
-                <a:solidFill>
-                  <a:schemeClr val="bg1"/>
-                </a:solidFill>
-              </a:rPr>
-              <a:t>Занятие №</a:t>
-            </a:r>
-            <a:r>
-              <a:rPr lang="en-US" sz="2400" dirty="0">
-                <a:solidFill>
-                  <a:schemeClr val="bg1"/>
-                </a:solidFill>
-              </a:rPr>
-              <a:t>1</a:t>
-            </a:r>
-            <a:r>
-              <a:rPr lang="ru-RU" sz="2400" dirty="0">
-                <a:solidFill>
-                  <a:schemeClr val="bg1"/>
-                </a:solidFill>
-              </a:rPr>
-              <a:t>. Название занятия</a:t>
-            </a:r>
-            <a:endParaRPr lang="en-US" sz="2400" dirty="0">
-              <a:solidFill>
-                <a:schemeClr val="bg1"/>
-              </a:solidFill>
-            </a:endParaRPr>
+            <a:pPr lvl="0"/>
+            <a:r>
+              <a:rPr lang="en-US"/>
+              <a:t>Click to edit Master text styles</a:t>
+            </a:r>
+          </a:p>
+          <a:p>
+            <a:pPr lvl="1"/>
+            <a:r>
+              <a:rPr lang="en-US"/>
+              <a:t>Second level</a:t>
+            </a:r>
+          </a:p>
+          <a:p>
+            <a:pPr lvl="2"/>
+            <a:r>
+              <a:rPr lang="en-US"/>
+              <a:t>Third level</a:t>
+            </a:r>
+          </a:p>
+          <a:p>
+            <a:pPr lvl="3"/>
+            <a:r>
+              <a:rPr lang="en-US"/>
+              <a:t>Fourth level</a:t>
+            </a:r>
+          </a:p>
+          <a:p>
+            <a:pPr lvl="4"/>
+            <a:r>
+              <a:rPr lang="en-US"/>
+              <a:t>Fifth level</a:t>
+            </a:r>
+            <a:endParaRPr lang="ru-RU" dirty="0"/>
           </a:p>
         </p:txBody>
       </p:sp>
     </p:spTree>
     <p:extLst>
       <p:ext uri="{BB962C8B-B14F-4D97-AF65-F5344CB8AC3E}">
-        <p14:creationId xmlns:p14="http://schemas.microsoft.com/office/powerpoint/2010/main" val="2062725571"/>
+        <p14:creationId xmlns:p14="http://schemas.microsoft.com/office/powerpoint/2010/main" val="3363467697"/>
       </p:ext>
     </p:extLst>
   </p:cSld>
@@ -772,6 +683,1377 @@
 </file>
 
 <file path=ppt/slideLayouts/slideLayout10.xml><?xml version="1.0" encoding="utf-8"?>
+<p:sldLayout xmlns:a="http://schemas.openxmlformats.org/drawingml/2006/main" xmlns:r="http://schemas.openxmlformats.org/officeDocument/2006/relationships" xmlns:p="http://schemas.openxmlformats.org/presentationml/2006/main" type="vertTx" preserve="1">
+  <p:cSld name="Title and Vertical Text">
+    <p:spTree>
+      <p:nvGrpSpPr>
+        <p:cNvPr id="1" name=""/>
+        <p:cNvGrpSpPr/>
+        <p:nvPr/>
+      </p:nvGrpSpPr>
+      <p:grpSpPr>
+        <a:xfrm>
+          <a:off x="0" y="0"/>
+          <a:ext cx="0" cy="0"/>
+          <a:chOff x="0" y="0"/>
+          <a:chExt cx="0" cy="0"/>
+        </a:xfrm>
+      </p:grpSpPr>
+      <p:sp>
+        <p:nvSpPr>
+          <p:cNvPr id="2" name="Title 1"/>
+          <p:cNvSpPr>
+            <a:spLocks noGrp="1"/>
+          </p:cNvSpPr>
+          <p:nvPr>
+            <p:ph type="title"/>
+          </p:nvPr>
+        </p:nvSpPr>
+        <p:spPr/>
+        <p:txBody>
+          <a:bodyPr/>
+          <a:lstStyle/>
+          <a:p>
+            <a:r>
+              <a:rPr lang="en-US"/>
+              <a:t>Click to edit Master title style</a:t>
+            </a:r>
+            <a:endParaRPr lang="ru-RU" dirty="0"/>
+          </a:p>
+        </p:txBody>
+      </p:sp>
+      <p:sp>
+        <p:nvSpPr>
+          <p:cNvPr id="3" name="Vertical Text Placeholder 2"/>
+          <p:cNvSpPr>
+            <a:spLocks noGrp="1"/>
+          </p:cNvSpPr>
+          <p:nvPr>
+            <p:ph type="body" orient="vert" idx="1"/>
+          </p:nvPr>
+        </p:nvSpPr>
+        <p:spPr/>
+        <p:txBody>
+          <a:bodyPr vert="eaVert"/>
+          <a:lstStyle/>
+          <a:p>
+            <a:pPr lvl="0"/>
+            <a:r>
+              <a:rPr lang="en-US"/>
+              <a:t>Click to edit Master text styles</a:t>
+            </a:r>
+          </a:p>
+          <a:p>
+            <a:pPr lvl="1"/>
+            <a:r>
+              <a:rPr lang="en-US"/>
+              <a:t>Second level</a:t>
+            </a:r>
+          </a:p>
+          <a:p>
+            <a:pPr lvl="2"/>
+            <a:r>
+              <a:rPr lang="en-US"/>
+              <a:t>Third level</a:t>
+            </a:r>
+          </a:p>
+          <a:p>
+            <a:pPr lvl="3"/>
+            <a:r>
+              <a:rPr lang="en-US"/>
+              <a:t>Fourth level</a:t>
+            </a:r>
+          </a:p>
+          <a:p>
+            <a:pPr lvl="4"/>
+            <a:r>
+              <a:rPr lang="en-US"/>
+              <a:t>Fifth level</a:t>
+            </a:r>
+            <a:endParaRPr lang="ru-RU" dirty="0"/>
+          </a:p>
+        </p:txBody>
+      </p:sp>
+    </p:spTree>
+    <p:extLst>
+      <p:ext uri="{BB962C8B-B14F-4D97-AF65-F5344CB8AC3E}">
+        <p14:creationId xmlns:p14="http://schemas.microsoft.com/office/powerpoint/2010/main" val="2015559697"/>
+      </p:ext>
+    </p:extLst>
+  </p:cSld>
+  <p:clrMapOvr>
+    <a:masterClrMapping/>
+  </p:clrMapOvr>
+</p:sldLayout>
+</file>
+
+<file path=ppt/slideLayouts/slideLayout11.xml><?xml version="1.0" encoding="utf-8"?>
+<p:sldLayout xmlns:a="http://schemas.openxmlformats.org/drawingml/2006/main" xmlns:r="http://schemas.openxmlformats.org/officeDocument/2006/relationships" xmlns:p="http://schemas.openxmlformats.org/presentationml/2006/main" type="vertTitleAndTx" preserve="1">
+  <p:cSld name="Vertical Title and Text">
+    <p:spTree>
+      <p:nvGrpSpPr>
+        <p:cNvPr id="1" name=""/>
+        <p:cNvGrpSpPr/>
+        <p:nvPr/>
+      </p:nvGrpSpPr>
+      <p:grpSpPr>
+        <a:xfrm>
+          <a:off x="0" y="0"/>
+          <a:ext cx="0" cy="0"/>
+          <a:chOff x="0" y="0"/>
+          <a:chExt cx="0" cy="0"/>
+        </a:xfrm>
+      </p:grpSpPr>
+      <p:sp>
+        <p:nvSpPr>
+          <p:cNvPr id="2" name="Vertical Title 1"/>
+          <p:cNvSpPr>
+            <a:spLocks noGrp="1"/>
+          </p:cNvSpPr>
+          <p:nvPr>
+            <p:ph type="title" orient="vert"/>
+          </p:nvPr>
+        </p:nvSpPr>
+        <p:spPr>
+          <a:xfrm>
+            <a:off x="6629400" y="274638"/>
+            <a:ext cx="2057400" cy="5851525"/>
+          </a:xfrm>
+        </p:spPr>
+        <p:txBody>
+          <a:bodyPr vert="eaVert"/>
+          <a:lstStyle/>
+          <a:p>
+            <a:r>
+              <a:rPr lang="en-US"/>
+              <a:t>Click to edit Master title style</a:t>
+            </a:r>
+            <a:endParaRPr lang="ru-RU" dirty="0"/>
+          </a:p>
+        </p:txBody>
+      </p:sp>
+      <p:sp>
+        <p:nvSpPr>
+          <p:cNvPr id="3" name="Vertical Text Placeholder 2"/>
+          <p:cNvSpPr>
+            <a:spLocks noGrp="1"/>
+          </p:cNvSpPr>
+          <p:nvPr>
+            <p:ph type="body" orient="vert" idx="1"/>
+          </p:nvPr>
+        </p:nvSpPr>
+        <p:spPr>
+          <a:xfrm>
+            <a:off x="457200" y="274638"/>
+            <a:ext cx="6019800" cy="5851525"/>
+          </a:xfrm>
+        </p:spPr>
+        <p:txBody>
+          <a:bodyPr vert="eaVert"/>
+          <a:lstStyle/>
+          <a:p>
+            <a:pPr lvl="0"/>
+            <a:r>
+              <a:rPr lang="en-US"/>
+              <a:t>Click to edit Master text styles</a:t>
+            </a:r>
+          </a:p>
+          <a:p>
+            <a:pPr lvl="1"/>
+            <a:r>
+              <a:rPr lang="en-US"/>
+              <a:t>Second level</a:t>
+            </a:r>
+          </a:p>
+          <a:p>
+            <a:pPr lvl="2"/>
+            <a:r>
+              <a:rPr lang="en-US"/>
+              <a:t>Third level</a:t>
+            </a:r>
+          </a:p>
+          <a:p>
+            <a:pPr lvl="3"/>
+            <a:r>
+              <a:rPr lang="en-US"/>
+              <a:t>Fourth level</a:t>
+            </a:r>
+          </a:p>
+          <a:p>
+            <a:pPr lvl="4"/>
+            <a:r>
+              <a:rPr lang="en-US"/>
+              <a:t>Fifth level</a:t>
+            </a:r>
+            <a:endParaRPr lang="ru-RU" dirty="0"/>
+          </a:p>
+        </p:txBody>
+      </p:sp>
+    </p:spTree>
+    <p:extLst>
+      <p:ext uri="{BB962C8B-B14F-4D97-AF65-F5344CB8AC3E}">
+        <p14:creationId xmlns:p14="http://schemas.microsoft.com/office/powerpoint/2010/main" val="370514854"/>
+      </p:ext>
+    </p:extLst>
+  </p:cSld>
+  <p:clrMapOvr>
+    <a:masterClrMapping/>
+  </p:clrMapOvr>
+</p:sldLayout>
+</file>
+
+<file path=ppt/slideLayouts/slideLayout12.xml><?xml version="1.0" encoding="utf-8"?>
+<p:sldLayout xmlns:a="http://schemas.openxmlformats.org/drawingml/2006/main" xmlns:r="http://schemas.openxmlformats.org/officeDocument/2006/relationships" xmlns:p="http://schemas.openxmlformats.org/presentationml/2006/main" type="title">
+  <p:cSld name="2_Title Slide">
+    <p:spTree>
+      <p:nvGrpSpPr>
+        <p:cNvPr id="1" name=""/>
+        <p:cNvGrpSpPr/>
+        <p:nvPr/>
+      </p:nvGrpSpPr>
+      <p:grpSpPr>
+        <a:xfrm>
+          <a:off x="0" y="0"/>
+          <a:ext cx="0" cy="0"/>
+          <a:chOff x="0" y="0"/>
+          <a:chExt cx="0" cy="0"/>
+        </a:xfrm>
+      </p:grpSpPr>
+      <p:sp>
+        <p:nvSpPr>
+          <p:cNvPr id="2" name="Title 1"/>
+          <p:cNvSpPr>
+            <a:spLocks noGrp="1"/>
+          </p:cNvSpPr>
+          <p:nvPr>
+            <p:ph type="ctrTitle"/>
+          </p:nvPr>
+        </p:nvSpPr>
+        <p:spPr>
+          <a:xfrm>
+            <a:off x="685800" y="2130425"/>
+            <a:ext cx="7772400" cy="1470025"/>
+          </a:xfrm>
+        </p:spPr>
+        <p:txBody>
+          <a:bodyPr/>
+          <a:lstStyle/>
+          <a:p>
+            <a:r>
+              <a:rPr lang="en-US"/>
+              <a:t>Click to edit Master title style</a:t>
+            </a:r>
+            <a:endParaRPr lang="ru-RU"/>
+          </a:p>
+        </p:txBody>
+      </p:sp>
+      <p:sp>
+        <p:nvSpPr>
+          <p:cNvPr id="3" name="Subtitle 2"/>
+          <p:cNvSpPr>
+            <a:spLocks noGrp="1"/>
+          </p:cNvSpPr>
+          <p:nvPr>
+            <p:ph type="subTitle" idx="1"/>
+          </p:nvPr>
+        </p:nvSpPr>
+        <p:spPr>
+          <a:xfrm>
+            <a:off x="1371600" y="3886200"/>
+            <a:ext cx="6400800" cy="1752600"/>
+          </a:xfrm>
+        </p:spPr>
+        <p:txBody>
+          <a:bodyPr/>
+          <a:lstStyle>
+            <a:lvl1pPr marL="0" indent="0" algn="ctr">
+              <a:buNone/>
+              <a:defRPr>
+                <a:solidFill>
+                  <a:schemeClr val="tx1">
+                    <a:tint val="75000"/>
+                  </a:schemeClr>
+                </a:solidFill>
+              </a:defRPr>
+            </a:lvl1pPr>
+            <a:lvl2pPr marL="457200" indent="0" algn="ctr">
+              <a:buNone/>
+              <a:defRPr>
+                <a:solidFill>
+                  <a:schemeClr val="tx1">
+                    <a:tint val="75000"/>
+                  </a:schemeClr>
+                </a:solidFill>
+              </a:defRPr>
+            </a:lvl2pPr>
+            <a:lvl3pPr marL="914400" indent="0" algn="ctr">
+              <a:buNone/>
+              <a:defRPr>
+                <a:solidFill>
+                  <a:schemeClr val="tx1">
+                    <a:tint val="75000"/>
+                  </a:schemeClr>
+                </a:solidFill>
+              </a:defRPr>
+            </a:lvl3pPr>
+            <a:lvl4pPr marL="1371600" indent="0" algn="ctr">
+              <a:buNone/>
+              <a:defRPr>
+                <a:solidFill>
+                  <a:schemeClr val="tx1">
+                    <a:tint val="75000"/>
+                  </a:schemeClr>
+                </a:solidFill>
+              </a:defRPr>
+            </a:lvl4pPr>
+            <a:lvl5pPr marL="1828800" indent="0" algn="ctr">
+              <a:buNone/>
+              <a:defRPr>
+                <a:solidFill>
+                  <a:schemeClr val="tx1">
+                    <a:tint val="75000"/>
+                  </a:schemeClr>
+                </a:solidFill>
+              </a:defRPr>
+            </a:lvl5pPr>
+            <a:lvl6pPr marL="2286000" indent="0" algn="ctr">
+              <a:buNone/>
+              <a:defRPr>
+                <a:solidFill>
+                  <a:schemeClr val="tx1">
+                    <a:tint val="75000"/>
+                  </a:schemeClr>
+                </a:solidFill>
+              </a:defRPr>
+            </a:lvl6pPr>
+            <a:lvl7pPr marL="2743200" indent="0" algn="ctr">
+              <a:buNone/>
+              <a:defRPr>
+                <a:solidFill>
+                  <a:schemeClr val="tx1">
+                    <a:tint val="75000"/>
+                  </a:schemeClr>
+                </a:solidFill>
+              </a:defRPr>
+            </a:lvl7pPr>
+            <a:lvl8pPr marL="3200400" indent="0" algn="ctr">
+              <a:buNone/>
+              <a:defRPr>
+                <a:solidFill>
+                  <a:schemeClr val="tx1">
+                    <a:tint val="75000"/>
+                  </a:schemeClr>
+                </a:solidFill>
+              </a:defRPr>
+            </a:lvl8pPr>
+            <a:lvl9pPr marL="3657600" indent="0" algn="ctr">
+              <a:buNone/>
+              <a:defRPr>
+                <a:solidFill>
+                  <a:schemeClr val="tx1">
+                    <a:tint val="75000"/>
+                  </a:schemeClr>
+                </a:solidFill>
+              </a:defRPr>
+            </a:lvl9pPr>
+          </a:lstStyle>
+          <a:p>
+            <a:r>
+              <a:rPr lang="en-US"/>
+              <a:t>Click to edit Master subtitle style</a:t>
+            </a:r>
+            <a:endParaRPr lang="ru-RU"/>
+          </a:p>
+        </p:txBody>
+      </p:sp>
+      <p:sp>
+        <p:nvSpPr>
+          <p:cNvPr id="4" name="Date Placeholder 3"/>
+          <p:cNvSpPr>
+            <a:spLocks noGrp="1"/>
+          </p:cNvSpPr>
+          <p:nvPr>
+            <p:ph type="dt" sz="half" idx="10"/>
+          </p:nvPr>
+        </p:nvSpPr>
+        <p:spPr/>
+        <p:txBody>
+          <a:bodyPr/>
+          <a:lstStyle/>
+          <a:p>
+            <a:fld id="{8E6E6A2A-E9D3-4A0D-B04A-ABDD367A1E08}" type="datetimeFigureOut">
+              <a:rPr lang="ru-RU" smtClean="0"/>
+              <a:t>22.02.2019</a:t>
+            </a:fld>
+            <a:endParaRPr lang="ru-RU"/>
+          </a:p>
+        </p:txBody>
+      </p:sp>
+      <p:sp>
+        <p:nvSpPr>
+          <p:cNvPr id="5" name="Footer Placeholder 4"/>
+          <p:cNvSpPr>
+            <a:spLocks noGrp="1"/>
+          </p:cNvSpPr>
+          <p:nvPr>
+            <p:ph type="ftr" sz="quarter" idx="11"/>
+          </p:nvPr>
+        </p:nvSpPr>
+        <p:spPr/>
+        <p:txBody>
+          <a:bodyPr/>
+          <a:lstStyle/>
+          <a:p>
+            <a:endParaRPr lang="ru-RU"/>
+          </a:p>
+        </p:txBody>
+      </p:sp>
+      <p:sp>
+        <p:nvSpPr>
+          <p:cNvPr id="6" name="Slide Number Placeholder 5"/>
+          <p:cNvSpPr>
+            <a:spLocks noGrp="1"/>
+          </p:cNvSpPr>
+          <p:nvPr>
+            <p:ph type="sldNum" sz="quarter" idx="12"/>
+          </p:nvPr>
+        </p:nvSpPr>
+        <p:spPr/>
+        <p:txBody>
+          <a:bodyPr/>
+          <a:lstStyle/>
+          <a:p>
+            <a:fld id="{BC0D3D34-2E8A-4A38-B864-C677BA056495}" type="slidenum">
+              <a:rPr lang="ru-RU" smtClean="0"/>
+              <a:t>‹#›</a:t>
+            </a:fld>
+            <a:endParaRPr lang="ru-RU"/>
+          </a:p>
+        </p:txBody>
+      </p:sp>
+    </p:spTree>
+    <p:extLst>
+      <p:ext uri="{BB962C8B-B14F-4D97-AF65-F5344CB8AC3E}">
+        <p14:creationId xmlns:p14="http://schemas.microsoft.com/office/powerpoint/2010/main" val="4222294974"/>
+      </p:ext>
+    </p:extLst>
+  </p:cSld>
+  <p:clrMapOvr>
+    <a:masterClrMapping/>
+  </p:clrMapOvr>
+</p:sldLayout>
+</file>
+
+<file path=ppt/slideLayouts/slideLayout2.xml><?xml version="1.0" encoding="utf-8"?>
+<p:sldLayout xmlns:a="http://schemas.openxmlformats.org/drawingml/2006/main" xmlns:r="http://schemas.openxmlformats.org/officeDocument/2006/relationships" xmlns:p="http://schemas.openxmlformats.org/presentationml/2006/main" type="secHead" preserve="1">
+  <p:cSld name="Section Header">
+    <p:spTree>
+      <p:nvGrpSpPr>
+        <p:cNvPr id="1" name=""/>
+        <p:cNvGrpSpPr/>
+        <p:nvPr/>
+      </p:nvGrpSpPr>
+      <p:grpSpPr>
+        <a:xfrm>
+          <a:off x="0" y="0"/>
+          <a:ext cx="0" cy="0"/>
+          <a:chOff x="0" y="0"/>
+          <a:chExt cx="0" cy="0"/>
+        </a:xfrm>
+      </p:grpSpPr>
+      <p:sp>
+        <p:nvSpPr>
+          <p:cNvPr id="2" name="Title 1"/>
+          <p:cNvSpPr>
+            <a:spLocks noGrp="1"/>
+          </p:cNvSpPr>
+          <p:nvPr>
+            <p:ph type="title"/>
+          </p:nvPr>
+        </p:nvSpPr>
+        <p:spPr>
+          <a:xfrm>
+            <a:off x="722313" y="4406900"/>
+            <a:ext cx="7772400" cy="1362075"/>
+          </a:xfrm>
+        </p:spPr>
+        <p:txBody>
+          <a:bodyPr anchor="t"/>
+          <a:lstStyle>
+            <a:lvl1pPr algn="l">
+              <a:defRPr sz="4000" b="1" cap="all"/>
+            </a:lvl1pPr>
+          </a:lstStyle>
+          <a:p>
+            <a:r>
+              <a:rPr lang="en-US"/>
+              <a:t>Click to edit Master title style</a:t>
+            </a:r>
+            <a:endParaRPr lang="ru-RU" dirty="0"/>
+          </a:p>
+        </p:txBody>
+      </p:sp>
+      <p:sp>
+        <p:nvSpPr>
+          <p:cNvPr id="3" name="Text Placeholder 2"/>
+          <p:cNvSpPr>
+            <a:spLocks noGrp="1"/>
+          </p:cNvSpPr>
+          <p:nvPr>
+            <p:ph type="body" idx="1"/>
+          </p:nvPr>
+        </p:nvSpPr>
+        <p:spPr>
+          <a:xfrm>
+            <a:off x="722313" y="2906713"/>
+            <a:ext cx="7772400" cy="1500187"/>
+          </a:xfrm>
+        </p:spPr>
+        <p:txBody>
+          <a:bodyPr anchor="b"/>
+          <a:lstStyle>
+            <a:lvl1pPr marL="0" indent="0">
+              <a:buNone/>
+              <a:defRPr sz="2000">
+                <a:solidFill>
+                  <a:schemeClr val="tx1">
+                    <a:tint val="75000"/>
+                  </a:schemeClr>
+                </a:solidFill>
+              </a:defRPr>
+            </a:lvl1pPr>
+            <a:lvl2pPr marL="457200" indent="0">
+              <a:buNone/>
+              <a:defRPr sz="1800">
+                <a:solidFill>
+                  <a:schemeClr val="tx1">
+                    <a:tint val="75000"/>
+                  </a:schemeClr>
+                </a:solidFill>
+              </a:defRPr>
+            </a:lvl2pPr>
+            <a:lvl3pPr marL="914400" indent="0">
+              <a:buNone/>
+              <a:defRPr sz="1600">
+                <a:solidFill>
+                  <a:schemeClr val="tx1">
+                    <a:tint val="75000"/>
+                  </a:schemeClr>
+                </a:solidFill>
+              </a:defRPr>
+            </a:lvl3pPr>
+            <a:lvl4pPr marL="1371600" indent="0">
+              <a:buNone/>
+              <a:defRPr sz="1400">
+                <a:solidFill>
+                  <a:schemeClr val="tx1">
+                    <a:tint val="75000"/>
+                  </a:schemeClr>
+                </a:solidFill>
+              </a:defRPr>
+            </a:lvl4pPr>
+            <a:lvl5pPr marL="1828800" indent="0">
+              <a:buNone/>
+              <a:defRPr sz="1400">
+                <a:solidFill>
+                  <a:schemeClr val="tx1">
+                    <a:tint val="75000"/>
+                  </a:schemeClr>
+                </a:solidFill>
+              </a:defRPr>
+            </a:lvl5pPr>
+            <a:lvl6pPr marL="2286000" indent="0">
+              <a:buNone/>
+              <a:defRPr sz="1400">
+                <a:solidFill>
+                  <a:schemeClr val="tx1">
+                    <a:tint val="75000"/>
+                  </a:schemeClr>
+                </a:solidFill>
+              </a:defRPr>
+            </a:lvl6pPr>
+            <a:lvl7pPr marL="2743200" indent="0">
+              <a:buNone/>
+              <a:defRPr sz="1400">
+                <a:solidFill>
+                  <a:schemeClr val="tx1">
+                    <a:tint val="75000"/>
+                  </a:schemeClr>
+                </a:solidFill>
+              </a:defRPr>
+            </a:lvl7pPr>
+            <a:lvl8pPr marL="3200400" indent="0">
+              <a:buNone/>
+              <a:defRPr sz="1400">
+                <a:solidFill>
+                  <a:schemeClr val="tx1">
+                    <a:tint val="75000"/>
+                  </a:schemeClr>
+                </a:solidFill>
+              </a:defRPr>
+            </a:lvl8pPr>
+            <a:lvl9pPr marL="3657600" indent="0">
+              <a:buNone/>
+              <a:defRPr sz="1400">
+                <a:solidFill>
+                  <a:schemeClr val="tx1">
+                    <a:tint val="75000"/>
+                  </a:schemeClr>
+                </a:solidFill>
+              </a:defRPr>
+            </a:lvl9pPr>
+          </a:lstStyle>
+          <a:p>
+            <a:pPr lvl="0"/>
+            <a:r>
+              <a:rPr lang="en-US"/>
+              <a:t>Click to edit Master text styles</a:t>
+            </a:r>
+          </a:p>
+        </p:txBody>
+      </p:sp>
+    </p:spTree>
+    <p:extLst>
+      <p:ext uri="{BB962C8B-B14F-4D97-AF65-F5344CB8AC3E}">
+        <p14:creationId xmlns:p14="http://schemas.microsoft.com/office/powerpoint/2010/main" val="1627150216"/>
+      </p:ext>
+    </p:extLst>
+  </p:cSld>
+  <p:clrMapOvr>
+    <a:masterClrMapping/>
+  </p:clrMapOvr>
+</p:sldLayout>
+</file>
+
+<file path=ppt/slideLayouts/slideLayout3.xml><?xml version="1.0" encoding="utf-8"?>
+<p:sldLayout xmlns:a="http://schemas.openxmlformats.org/drawingml/2006/main" xmlns:r="http://schemas.openxmlformats.org/officeDocument/2006/relationships" xmlns:p="http://schemas.openxmlformats.org/presentationml/2006/main" type="twoObj" preserve="1">
+  <p:cSld name="Two Content">
+    <p:spTree>
+      <p:nvGrpSpPr>
+        <p:cNvPr id="1" name=""/>
+        <p:cNvGrpSpPr/>
+        <p:nvPr/>
+      </p:nvGrpSpPr>
+      <p:grpSpPr>
+        <a:xfrm>
+          <a:off x="0" y="0"/>
+          <a:ext cx="0" cy="0"/>
+          <a:chOff x="0" y="0"/>
+          <a:chExt cx="0" cy="0"/>
+        </a:xfrm>
+      </p:grpSpPr>
+      <p:sp>
+        <p:nvSpPr>
+          <p:cNvPr id="2" name="Title 1"/>
+          <p:cNvSpPr>
+            <a:spLocks noGrp="1"/>
+          </p:cNvSpPr>
+          <p:nvPr>
+            <p:ph type="title"/>
+          </p:nvPr>
+        </p:nvSpPr>
+        <p:spPr/>
+        <p:txBody>
+          <a:bodyPr/>
+          <a:lstStyle/>
+          <a:p>
+            <a:r>
+              <a:rPr lang="en-US"/>
+              <a:t>Click to edit Master title style</a:t>
+            </a:r>
+            <a:endParaRPr lang="ru-RU" dirty="0"/>
+          </a:p>
+        </p:txBody>
+      </p:sp>
+      <p:sp>
+        <p:nvSpPr>
+          <p:cNvPr id="3" name="Content Placeholder 2"/>
+          <p:cNvSpPr>
+            <a:spLocks noGrp="1"/>
+          </p:cNvSpPr>
+          <p:nvPr>
+            <p:ph sz="half" idx="1"/>
+          </p:nvPr>
+        </p:nvSpPr>
+        <p:spPr>
+          <a:xfrm>
+            <a:off x="457200" y="1600200"/>
+            <a:ext cx="4038600" cy="4525963"/>
+          </a:xfrm>
+        </p:spPr>
+        <p:txBody>
+          <a:bodyPr/>
+          <a:lstStyle>
+            <a:lvl1pPr>
+              <a:defRPr sz="2800"/>
+            </a:lvl1pPr>
+            <a:lvl2pPr>
+              <a:defRPr sz="2400"/>
+            </a:lvl2pPr>
+            <a:lvl3pPr>
+              <a:defRPr sz="2000"/>
+            </a:lvl3pPr>
+            <a:lvl4pPr>
+              <a:defRPr sz="1800"/>
+            </a:lvl4pPr>
+            <a:lvl5pPr>
+              <a:defRPr sz="1800"/>
+            </a:lvl5pPr>
+            <a:lvl6pPr>
+              <a:defRPr sz="1800"/>
+            </a:lvl6pPr>
+            <a:lvl7pPr>
+              <a:defRPr sz="1800"/>
+            </a:lvl7pPr>
+            <a:lvl8pPr>
+              <a:defRPr sz="1800"/>
+            </a:lvl8pPr>
+            <a:lvl9pPr>
+              <a:defRPr sz="1800"/>
+            </a:lvl9pPr>
+          </a:lstStyle>
+          <a:p>
+            <a:pPr lvl="0"/>
+            <a:r>
+              <a:rPr lang="en-US"/>
+              <a:t>Click to edit Master text styles</a:t>
+            </a:r>
+          </a:p>
+          <a:p>
+            <a:pPr lvl="1"/>
+            <a:r>
+              <a:rPr lang="en-US"/>
+              <a:t>Second level</a:t>
+            </a:r>
+          </a:p>
+          <a:p>
+            <a:pPr lvl="2"/>
+            <a:r>
+              <a:rPr lang="en-US"/>
+              <a:t>Third level</a:t>
+            </a:r>
+          </a:p>
+          <a:p>
+            <a:pPr lvl="3"/>
+            <a:r>
+              <a:rPr lang="en-US"/>
+              <a:t>Fourth level</a:t>
+            </a:r>
+          </a:p>
+          <a:p>
+            <a:pPr lvl="4"/>
+            <a:r>
+              <a:rPr lang="en-US"/>
+              <a:t>Fifth level</a:t>
+            </a:r>
+            <a:endParaRPr lang="ru-RU" dirty="0"/>
+          </a:p>
+        </p:txBody>
+      </p:sp>
+      <p:sp>
+        <p:nvSpPr>
+          <p:cNvPr id="4" name="Content Placeholder 3"/>
+          <p:cNvSpPr>
+            <a:spLocks noGrp="1"/>
+          </p:cNvSpPr>
+          <p:nvPr>
+            <p:ph sz="half" idx="2"/>
+          </p:nvPr>
+        </p:nvSpPr>
+        <p:spPr>
+          <a:xfrm>
+            <a:off x="4648200" y="1600200"/>
+            <a:ext cx="4038600" cy="4525963"/>
+          </a:xfrm>
+        </p:spPr>
+        <p:txBody>
+          <a:bodyPr/>
+          <a:lstStyle>
+            <a:lvl1pPr>
+              <a:defRPr sz="2800"/>
+            </a:lvl1pPr>
+            <a:lvl2pPr>
+              <a:defRPr sz="2400"/>
+            </a:lvl2pPr>
+            <a:lvl3pPr>
+              <a:defRPr sz="2000"/>
+            </a:lvl3pPr>
+            <a:lvl4pPr>
+              <a:defRPr sz="1800"/>
+            </a:lvl4pPr>
+            <a:lvl5pPr>
+              <a:defRPr sz="1800"/>
+            </a:lvl5pPr>
+            <a:lvl6pPr>
+              <a:defRPr sz="1800"/>
+            </a:lvl6pPr>
+            <a:lvl7pPr>
+              <a:defRPr sz="1800"/>
+            </a:lvl7pPr>
+            <a:lvl8pPr>
+              <a:defRPr sz="1800"/>
+            </a:lvl8pPr>
+            <a:lvl9pPr>
+              <a:defRPr sz="1800"/>
+            </a:lvl9pPr>
+          </a:lstStyle>
+          <a:p>
+            <a:pPr lvl="0"/>
+            <a:r>
+              <a:rPr lang="en-US"/>
+              <a:t>Click to edit Master text styles</a:t>
+            </a:r>
+          </a:p>
+          <a:p>
+            <a:pPr lvl="1"/>
+            <a:r>
+              <a:rPr lang="en-US"/>
+              <a:t>Second level</a:t>
+            </a:r>
+          </a:p>
+          <a:p>
+            <a:pPr lvl="2"/>
+            <a:r>
+              <a:rPr lang="en-US"/>
+              <a:t>Third level</a:t>
+            </a:r>
+          </a:p>
+          <a:p>
+            <a:pPr lvl="3"/>
+            <a:r>
+              <a:rPr lang="en-US"/>
+              <a:t>Fourth level</a:t>
+            </a:r>
+          </a:p>
+          <a:p>
+            <a:pPr lvl="4"/>
+            <a:r>
+              <a:rPr lang="en-US"/>
+              <a:t>Fifth level</a:t>
+            </a:r>
+            <a:endParaRPr lang="ru-RU" dirty="0"/>
+          </a:p>
+        </p:txBody>
+      </p:sp>
+    </p:spTree>
+    <p:extLst>
+      <p:ext uri="{BB962C8B-B14F-4D97-AF65-F5344CB8AC3E}">
+        <p14:creationId xmlns:p14="http://schemas.microsoft.com/office/powerpoint/2010/main" val="1026234569"/>
+      </p:ext>
+    </p:extLst>
+  </p:cSld>
+  <p:clrMapOvr>
+    <a:masterClrMapping/>
+  </p:clrMapOvr>
+</p:sldLayout>
+</file>
+
+<file path=ppt/slideLayouts/slideLayout4.xml><?xml version="1.0" encoding="utf-8"?>
+<p:sldLayout xmlns:a="http://schemas.openxmlformats.org/drawingml/2006/main" xmlns:r="http://schemas.openxmlformats.org/officeDocument/2006/relationships" xmlns:p="http://schemas.openxmlformats.org/presentationml/2006/main" type="twoTxTwoObj" preserve="1">
+  <p:cSld name="Comparison">
+    <p:spTree>
+      <p:nvGrpSpPr>
+        <p:cNvPr id="1" name=""/>
+        <p:cNvGrpSpPr/>
+        <p:nvPr/>
+      </p:nvGrpSpPr>
+      <p:grpSpPr>
+        <a:xfrm>
+          <a:off x="0" y="0"/>
+          <a:ext cx="0" cy="0"/>
+          <a:chOff x="0" y="0"/>
+          <a:chExt cx="0" cy="0"/>
+        </a:xfrm>
+      </p:grpSpPr>
+      <p:sp>
+        <p:nvSpPr>
+          <p:cNvPr id="2" name="Title 1"/>
+          <p:cNvSpPr>
+            <a:spLocks noGrp="1"/>
+          </p:cNvSpPr>
+          <p:nvPr>
+            <p:ph type="title"/>
+          </p:nvPr>
+        </p:nvSpPr>
+        <p:spPr/>
+        <p:txBody>
+          <a:bodyPr/>
+          <a:lstStyle>
+            <a:lvl1pPr>
+              <a:defRPr/>
+            </a:lvl1pPr>
+          </a:lstStyle>
+          <a:p>
+            <a:r>
+              <a:rPr lang="en-US"/>
+              <a:t>Click to edit Master title style</a:t>
+            </a:r>
+            <a:endParaRPr lang="ru-RU" dirty="0"/>
+          </a:p>
+        </p:txBody>
+      </p:sp>
+      <p:sp>
+        <p:nvSpPr>
+          <p:cNvPr id="3" name="Text Placeholder 2"/>
+          <p:cNvSpPr>
+            <a:spLocks noGrp="1"/>
+          </p:cNvSpPr>
+          <p:nvPr>
+            <p:ph type="body" idx="1"/>
+          </p:nvPr>
+        </p:nvSpPr>
+        <p:spPr>
+          <a:xfrm>
+            <a:off x="457200" y="1535113"/>
+            <a:ext cx="4040188" cy="639762"/>
+          </a:xfrm>
+        </p:spPr>
+        <p:txBody>
+          <a:bodyPr anchor="b"/>
+          <a:lstStyle>
+            <a:lvl1pPr marL="0" indent="0">
+              <a:buNone/>
+              <a:defRPr sz="2400" b="1"/>
+            </a:lvl1pPr>
+            <a:lvl2pPr marL="457200" indent="0">
+              <a:buNone/>
+              <a:defRPr sz="2000" b="1"/>
+            </a:lvl2pPr>
+            <a:lvl3pPr marL="914400" indent="0">
+              <a:buNone/>
+              <a:defRPr sz="1800" b="1"/>
+            </a:lvl3pPr>
+            <a:lvl4pPr marL="1371600" indent="0">
+              <a:buNone/>
+              <a:defRPr sz="1600" b="1"/>
+            </a:lvl4pPr>
+            <a:lvl5pPr marL="1828800" indent="0">
+              <a:buNone/>
+              <a:defRPr sz="1600" b="1"/>
+            </a:lvl5pPr>
+            <a:lvl6pPr marL="2286000" indent="0">
+              <a:buNone/>
+              <a:defRPr sz="1600" b="1"/>
+            </a:lvl6pPr>
+            <a:lvl7pPr marL="2743200" indent="0">
+              <a:buNone/>
+              <a:defRPr sz="1600" b="1"/>
+            </a:lvl7pPr>
+            <a:lvl8pPr marL="3200400" indent="0">
+              <a:buNone/>
+              <a:defRPr sz="1600" b="1"/>
+            </a:lvl8pPr>
+            <a:lvl9pPr marL="3657600" indent="0">
+              <a:buNone/>
+              <a:defRPr sz="1600" b="1"/>
+            </a:lvl9pPr>
+          </a:lstStyle>
+          <a:p>
+            <a:pPr lvl="0"/>
+            <a:r>
+              <a:rPr lang="en-US"/>
+              <a:t>Click to edit Master text styles</a:t>
+            </a:r>
+          </a:p>
+        </p:txBody>
+      </p:sp>
+      <p:sp>
+        <p:nvSpPr>
+          <p:cNvPr id="4" name="Content Placeholder 3"/>
+          <p:cNvSpPr>
+            <a:spLocks noGrp="1"/>
+          </p:cNvSpPr>
+          <p:nvPr>
+            <p:ph sz="half" idx="2"/>
+          </p:nvPr>
+        </p:nvSpPr>
+        <p:spPr>
+          <a:xfrm>
+            <a:off x="457200" y="2174875"/>
+            <a:ext cx="4040188" cy="3951288"/>
+          </a:xfrm>
+        </p:spPr>
+        <p:txBody>
+          <a:bodyPr/>
+          <a:lstStyle>
+            <a:lvl1pPr>
+              <a:defRPr sz="2400"/>
+            </a:lvl1pPr>
+            <a:lvl2pPr>
+              <a:defRPr sz="2000"/>
+            </a:lvl2pPr>
+            <a:lvl3pPr>
+              <a:defRPr sz="1800"/>
+            </a:lvl3pPr>
+            <a:lvl4pPr>
+              <a:defRPr sz="1600"/>
+            </a:lvl4pPr>
+            <a:lvl5pPr>
+              <a:defRPr sz="1600"/>
+            </a:lvl5pPr>
+            <a:lvl6pPr>
+              <a:defRPr sz="1600"/>
+            </a:lvl6pPr>
+            <a:lvl7pPr>
+              <a:defRPr sz="1600"/>
+            </a:lvl7pPr>
+            <a:lvl8pPr>
+              <a:defRPr sz="1600"/>
+            </a:lvl8pPr>
+            <a:lvl9pPr>
+              <a:defRPr sz="1600"/>
+            </a:lvl9pPr>
+          </a:lstStyle>
+          <a:p>
+            <a:pPr lvl="0"/>
+            <a:r>
+              <a:rPr lang="en-US"/>
+              <a:t>Click to edit Master text styles</a:t>
+            </a:r>
+          </a:p>
+          <a:p>
+            <a:pPr lvl="1"/>
+            <a:r>
+              <a:rPr lang="en-US"/>
+              <a:t>Second level</a:t>
+            </a:r>
+          </a:p>
+          <a:p>
+            <a:pPr lvl="2"/>
+            <a:r>
+              <a:rPr lang="en-US"/>
+              <a:t>Third level</a:t>
+            </a:r>
+          </a:p>
+          <a:p>
+            <a:pPr lvl="3"/>
+            <a:r>
+              <a:rPr lang="en-US"/>
+              <a:t>Fourth level</a:t>
+            </a:r>
+          </a:p>
+          <a:p>
+            <a:pPr lvl="4"/>
+            <a:r>
+              <a:rPr lang="en-US"/>
+              <a:t>Fifth level</a:t>
+            </a:r>
+            <a:endParaRPr lang="ru-RU" dirty="0"/>
+          </a:p>
+        </p:txBody>
+      </p:sp>
+      <p:sp>
+        <p:nvSpPr>
+          <p:cNvPr id="5" name="Text Placeholder 4"/>
+          <p:cNvSpPr>
+            <a:spLocks noGrp="1"/>
+          </p:cNvSpPr>
+          <p:nvPr>
+            <p:ph type="body" sz="quarter" idx="3"/>
+          </p:nvPr>
+        </p:nvSpPr>
+        <p:spPr>
+          <a:xfrm>
+            <a:off x="4645025" y="1535113"/>
+            <a:ext cx="4041775" cy="639762"/>
+          </a:xfrm>
+        </p:spPr>
+        <p:txBody>
+          <a:bodyPr anchor="b"/>
+          <a:lstStyle>
+            <a:lvl1pPr marL="0" indent="0">
+              <a:buNone/>
+              <a:defRPr sz="2400" b="1"/>
+            </a:lvl1pPr>
+            <a:lvl2pPr marL="457200" indent="0">
+              <a:buNone/>
+              <a:defRPr sz="2000" b="1"/>
+            </a:lvl2pPr>
+            <a:lvl3pPr marL="914400" indent="0">
+              <a:buNone/>
+              <a:defRPr sz="1800" b="1"/>
+            </a:lvl3pPr>
+            <a:lvl4pPr marL="1371600" indent="0">
+              <a:buNone/>
+              <a:defRPr sz="1600" b="1"/>
+            </a:lvl4pPr>
+            <a:lvl5pPr marL="1828800" indent="0">
+              <a:buNone/>
+              <a:defRPr sz="1600" b="1"/>
+            </a:lvl5pPr>
+            <a:lvl6pPr marL="2286000" indent="0">
+              <a:buNone/>
+              <a:defRPr sz="1600" b="1"/>
+            </a:lvl6pPr>
+            <a:lvl7pPr marL="2743200" indent="0">
+              <a:buNone/>
+              <a:defRPr sz="1600" b="1"/>
+            </a:lvl7pPr>
+            <a:lvl8pPr marL="3200400" indent="0">
+              <a:buNone/>
+              <a:defRPr sz="1600" b="1"/>
+            </a:lvl8pPr>
+            <a:lvl9pPr marL="3657600" indent="0">
+              <a:buNone/>
+              <a:defRPr sz="1600" b="1"/>
+            </a:lvl9pPr>
+          </a:lstStyle>
+          <a:p>
+            <a:pPr lvl="0"/>
+            <a:r>
+              <a:rPr lang="en-US"/>
+              <a:t>Click to edit Master text styles</a:t>
+            </a:r>
+          </a:p>
+        </p:txBody>
+      </p:sp>
+      <p:sp>
+        <p:nvSpPr>
+          <p:cNvPr id="6" name="Content Placeholder 5"/>
+          <p:cNvSpPr>
+            <a:spLocks noGrp="1"/>
+          </p:cNvSpPr>
+          <p:nvPr>
+            <p:ph sz="quarter" idx="4"/>
+          </p:nvPr>
+        </p:nvSpPr>
+        <p:spPr>
+          <a:xfrm>
+            <a:off x="4645025" y="2174875"/>
+            <a:ext cx="4041775" cy="3951288"/>
+          </a:xfrm>
+        </p:spPr>
+        <p:txBody>
+          <a:bodyPr/>
+          <a:lstStyle>
+            <a:lvl1pPr>
+              <a:defRPr sz="2400"/>
+            </a:lvl1pPr>
+            <a:lvl2pPr>
+              <a:defRPr sz="2000"/>
+            </a:lvl2pPr>
+            <a:lvl3pPr>
+              <a:defRPr sz="1800"/>
+            </a:lvl3pPr>
+            <a:lvl4pPr>
+              <a:defRPr sz="1600"/>
+            </a:lvl4pPr>
+            <a:lvl5pPr>
+              <a:defRPr sz="1600"/>
+            </a:lvl5pPr>
+            <a:lvl6pPr>
+              <a:defRPr sz="1600"/>
+            </a:lvl6pPr>
+            <a:lvl7pPr>
+              <a:defRPr sz="1600"/>
+            </a:lvl7pPr>
+            <a:lvl8pPr>
+              <a:defRPr sz="1600"/>
+            </a:lvl8pPr>
+            <a:lvl9pPr>
+              <a:defRPr sz="1600"/>
+            </a:lvl9pPr>
+          </a:lstStyle>
+          <a:p>
+            <a:pPr lvl="0"/>
+            <a:r>
+              <a:rPr lang="en-US"/>
+              <a:t>Click to edit Master text styles</a:t>
+            </a:r>
+          </a:p>
+          <a:p>
+            <a:pPr lvl="1"/>
+            <a:r>
+              <a:rPr lang="en-US"/>
+              <a:t>Second level</a:t>
+            </a:r>
+          </a:p>
+          <a:p>
+            <a:pPr lvl="2"/>
+            <a:r>
+              <a:rPr lang="en-US"/>
+              <a:t>Third level</a:t>
+            </a:r>
+          </a:p>
+          <a:p>
+            <a:pPr lvl="3"/>
+            <a:r>
+              <a:rPr lang="en-US"/>
+              <a:t>Fourth level</a:t>
+            </a:r>
+          </a:p>
+          <a:p>
+            <a:pPr lvl="4"/>
+            <a:r>
+              <a:rPr lang="en-US"/>
+              <a:t>Fifth level</a:t>
+            </a:r>
+            <a:endParaRPr lang="ru-RU" dirty="0"/>
+          </a:p>
+        </p:txBody>
+      </p:sp>
+    </p:spTree>
+    <p:extLst>
+      <p:ext uri="{BB962C8B-B14F-4D97-AF65-F5344CB8AC3E}">
+        <p14:creationId xmlns:p14="http://schemas.microsoft.com/office/powerpoint/2010/main" val="4044979405"/>
+      </p:ext>
+    </p:extLst>
+  </p:cSld>
+  <p:clrMapOvr>
+    <a:masterClrMapping/>
+  </p:clrMapOvr>
+</p:sldLayout>
+</file>
+
+<file path=ppt/slideLayouts/slideLayout5.xml><?xml version="1.0" encoding="utf-8"?>
+<p:sldLayout xmlns:a="http://schemas.openxmlformats.org/drawingml/2006/main" xmlns:r="http://schemas.openxmlformats.org/officeDocument/2006/relationships" xmlns:p="http://schemas.openxmlformats.org/presentationml/2006/main" type="titleOnly" preserve="1">
+  <p:cSld name="Title Only">
+    <p:spTree>
+      <p:nvGrpSpPr>
+        <p:cNvPr id="1" name=""/>
+        <p:cNvGrpSpPr/>
+        <p:nvPr/>
+      </p:nvGrpSpPr>
+      <p:grpSpPr>
+        <a:xfrm>
+          <a:off x="0" y="0"/>
+          <a:ext cx="0" cy="0"/>
+          <a:chOff x="0" y="0"/>
+          <a:chExt cx="0" cy="0"/>
+        </a:xfrm>
+      </p:grpSpPr>
+      <p:sp>
+        <p:nvSpPr>
+          <p:cNvPr id="2" name="Title 1"/>
+          <p:cNvSpPr>
+            <a:spLocks noGrp="1"/>
+          </p:cNvSpPr>
+          <p:nvPr>
+            <p:ph type="title"/>
+          </p:nvPr>
+        </p:nvSpPr>
+        <p:spPr/>
+        <p:txBody>
+          <a:bodyPr/>
+          <a:lstStyle/>
+          <a:p>
+            <a:r>
+              <a:rPr lang="en-US"/>
+              <a:t>Click to edit Master title style</a:t>
+            </a:r>
+            <a:endParaRPr lang="ru-RU" dirty="0"/>
+          </a:p>
+        </p:txBody>
+      </p:sp>
+    </p:spTree>
+    <p:extLst>
+      <p:ext uri="{BB962C8B-B14F-4D97-AF65-F5344CB8AC3E}">
+        <p14:creationId xmlns:p14="http://schemas.microsoft.com/office/powerpoint/2010/main" val="125202666"/>
+      </p:ext>
+    </p:extLst>
+  </p:cSld>
+  <p:clrMapOvr>
+    <a:masterClrMapping/>
+  </p:clrMapOvr>
+</p:sldLayout>
+</file>
+
+<file path=ppt/slideLayouts/slideLayout6.xml><?xml version="1.0" encoding="utf-8"?>
+<p:sldLayout xmlns:a="http://schemas.openxmlformats.org/drawingml/2006/main" xmlns:r="http://schemas.openxmlformats.org/officeDocument/2006/relationships" xmlns:p="http://schemas.openxmlformats.org/presentationml/2006/main" preserve="1" userDrawn="1">
+  <p:cSld name="Demo">
+    <p:spTree>
+      <p:nvGrpSpPr>
+        <p:cNvPr id="1" name=""/>
+        <p:cNvGrpSpPr/>
+        <p:nvPr/>
+      </p:nvGrpSpPr>
+      <p:grpSpPr>
+        <a:xfrm>
+          <a:off x="0" y="0"/>
+          <a:ext cx="0" cy="0"/>
+          <a:chOff x="0" y="0"/>
+          <a:chExt cx="0" cy="0"/>
+        </a:xfrm>
+      </p:grpSpPr>
+      <p:sp>
+        <p:nvSpPr>
+          <p:cNvPr id="10" name="TextBox 9"/>
+          <p:cNvSpPr txBox="1"/>
+          <p:nvPr userDrawn="1"/>
+        </p:nvSpPr>
+        <p:spPr>
+          <a:xfrm>
+            <a:off x="359532" y="3136613"/>
+            <a:ext cx="8424936" cy="584775"/>
+          </a:xfrm>
+          <a:prstGeom prst="rect">
+            <a:avLst/>
+          </a:prstGeom>
+          <a:noFill/>
+        </p:spPr>
+        <p:txBody>
+          <a:bodyPr wrap="square" rtlCol="0" anchor="ctr">
+            <a:spAutoFit/>
+          </a:bodyPr>
+          <a:lstStyle/>
+          <a:p>
+            <a:pPr algn="ctr"/>
+            <a:r>
+              <a:rPr lang="ru-RU" sz="3200" dirty="0"/>
+              <a:t>Название.</a:t>
+            </a:r>
+            <a:r>
+              <a:rPr lang="ru-RU" sz="3200" baseline="0" dirty="0"/>
+              <a:t> Демонстрация.</a:t>
+            </a:r>
+            <a:endParaRPr lang="ru-RU" sz="3200" dirty="0"/>
+          </a:p>
+        </p:txBody>
+      </p:sp>
+    </p:spTree>
+    <p:extLst>
+      <p:ext uri="{BB962C8B-B14F-4D97-AF65-F5344CB8AC3E}">
+        <p14:creationId xmlns:p14="http://schemas.microsoft.com/office/powerpoint/2010/main" val="3308008441"/>
+      </p:ext>
+    </p:extLst>
+  </p:cSld>
+  <p:clrMapOvr>
+    <a:masterClrMapping/>
+  </p:clrMapOvr>
+</p:sldLayout>
+</file>
+
+<file path=ppt/slideLayouts/slideLayout7.xml><?xml version="1.0" encoding="utf-8"?>
+<p:sldLayout xmlns:a="http://schemas.openxmlformats.org/drawingml/2006/main" xmlns:r="http://schemas.openxmlformats.org/officeDocument/2006/relationships" xmlns:p="http://schemas.openxmlformats.org/presentationml/2006/main" type="blank" preserve="1">
+  <p:cSld name="1_Blank">
+    <p:spTree>
+      <p:nvGrpSpPr>
+        <p:cNvPr id="1" name=""/>
+        <p:cNvGrpSpPr/>
+        <p:nvPr/>
+      </p:nvGrpSpPr>
+      <p:grpSpPr>
+        <a:xfrm>
+          <a:off x="0" y="0"/>
+          <a:ext cx="0" cy="0"/>
+          <a:chOff x="0" y="0"/>
+          <a:chExt cx="0" cy="0"/>
+        </a:xfrm>
+      </p:grpSpPr>
+    </p:spTree>
+    <p:extLst>
+      <p:ext uri="{BB962C8B-B14F-4D97-AF65-F5344CB8AC3E}">
+        <p14:creationId xmlns:p14="http://schemas.microsoft.com/office/powerpoint/2010/main" val="2618453949"/>
+      </p:ext>
+    </p:extLst>
+  </p:cSld>
+  <p:clrMapOvr>
+    <a:masterClrMapping/>
+  </p:clrMapOvr>
+</p:sldLayout>
+</file>
+
+<file path=ppt/slideLayouts/slideLayout8.xml><?xml version="1.0" encoding="utf-8"?>
 <p:sldLayout xmlns:a="http://schemas.openxmlformats.org/drawingml/2006/main" xmlns:r="http://schemas.openxmlformats.org/officeDocument/2006/relationships" xmlns:p="http://schemas.openxmlformats.org/presentationml/2006/main" type="objTx" preserve="1">
   <p:cSld name="Content with Caption">
     <p:spTree>
@@ -983,7 +2265,7 @@
 </p:sldLayout>
 </file>
 
-<file path=ppt/slideLayouts/slideLayout11.xml><?xml version="1.0" encoding="utf-8"?>
+<file path=ppt/slideLayouts/slideLayout9.xml><?xml version="1.0" encoding="utf-8"?>
 <p:sldLayout xmlns:a="http://schemas.openxmlformats.org/drawingml/2006/main" xmlns:r="http://schemas.openxmlformats.org/officeDocument/2006/relationships" xmlns:p="http://schemas.openxmlformats.org/presentationml/2006/main" type="picTx" preserve="1">
   <p:cSld name="Picture with Caption">
     <p:spTree>
@@ -1175,1683 +2457,13 @@
 </p:sldLayout>
 </file>
 
-<file path=ppt/slideLayouts/slideLayout12.xml><?xml version="1.0" encoding="utf-8"?>
-<p:sldLayout xmlns:a="http://schemas.openxmlformats.org/drawingml/2006/main" xmlns:r="http://schemas.openxmlformats.org/officeDocument/2006/relationships" xmlns:p="http://schemas.openxmlformats.org/presentationml/2006/main" type="vertTx" preserve="1">
-  <p:cSld name="Title and Vertical Text">
-    <p:spTree>
-      <p:nvGrpSpPr>
-        <p:cNvPr id="1" name=""/>
-        <p:cNvGrpSpPr/>
-        <p:nvPr/>
-      </p:nvGrpSpPr>
-      <p:grpSpPr>
-        <a:xfrm>
-          <a:off x="0" y="0"/>
-          <a:ext cx="0" cy="0"/>
-          <a:chOff x="0" y="0"/>
-          <a:chExt cx="0" cy="0"/>
-        </a:xfrm>
-      </p:grpSpPr>
-      <p:sp>
-        <p:nvSpPr>
-          <p:cNvPr id="2" name="Title 1"/>
-          <p:cNvSpPr>
-            <a:spLocks noGrp="1"/>
-          </p:cNvSpPr>
-          <p:nvPr>
-            <p:ph type="title"/>
-          </p:nvPr>
-        </p:nvSpPr>
-        <p:spPr/>
-        <p:txBody>
-          <a:bodyPr/>
-          <a:lstStyle/>
-          <a:p>
-            <a:r>
-              <a:rPr lang="en-US"/>
-              <a:t>Click to edit Master title style</a:t>
-            </a:r>
-            <a:endParaRPr lang="ru-RU" dirty="0"/>
-          </a:p>
-        </p:txBody>
-      </p:sp>
-      <p:sp>
-        <p:nvSpPr>
-          <p:cNvPr id="3" name="Vertical Text Placeholder 2"/>
-          <p:cNvSpPr>
-            <a:spLocks noGrp="1"/>
-          </p:cNvSpPr>
-          <p:nvPr>
-            <p:ph type="body" orient="vert" idx="1"/>
-          </p:nvPr>
-        </p:nvSpPr>
-        <p:spPr/>
-        <p:txBody>
-          <a:bodyPr vert="eaVert"/>
-          <a:lstStyle/>
-          <a:p>
-            <a:pPr lvl="0"/>
-            <a:r>
-              <a:rPr lang="en-US"/>
-              <a:t>Click to edit Master text styles</a:t>
-            </a:r>
-          </a:p>
-          <a:p>
-            <a:pPr lvl="1"/>
-            <a:r>
-              <a:rPr lang="en-US"/>
-              <a:t>Second level</a:t>
-            </a:r>
-          </a:p>
-          <a:p>
-            <a:pPr lvl="2"/>
-            <a:r>
-              <a:rPr lang="en-US"/>
-              <a:t>Third level</a:t>
-            </a:r>
-          </a:p>
-          <a:p>
-            <a:pPr lvl="3"/>
-            <a:r>
-              <a:rPr lang="en-US"/>
-              <a:t>Fourth level</a:t>
-            </a:r>
-          </a:p>
-          <a:p>
-            <a:pPr lvl="4"/>
-            <a:r>
-              <a:rPr lang="en-US"/>
-              <a:t>Fifth level</a:t>
-            </a:r>
-            <a:endParaRPr lang="ru-RU" dirty="0"/>
-          </a:p>
-        </p:txBody>
-      </p:sp>
-    </p:spTree>
-    <p:extLst>
-      <p:ext uri="{BB962C8B-B14F-4D97-AF65-F5344CB8AC3E}">
-        <p14:creationId xmlns:p14="http://schemas.microsoft.com/office/powerpoint/2010/main" val="2015559697"/>
-      </p:ext>
-    </p:extLst>
-  </p:cSld>
-  <p:clrMapOvr>
-    <a:masterClrMapping/>
-  </p:clrMapOvr>
-</p:sldLayout>
-</file>
-
-<file path=ppt/slideLayouts/slideLayout13.xml><?xml version="1.0" encoding="utf-8"?>
-<p:sldLayout xmlns:a="http://schemas.openxmlformats.org/drawingml/2006/main" xmlns:r="http://schemas.openxmlformats.org/officeDocument/2006/relationships" xmlns:p="http://schemas.openxmlformats.org/presentationml/2006/main" type="vertTitleAndTx" preserve="1">
-  <p:cSld name="Vertical Title and Text">
-    <p:spTree>
-      <p:nvGrpSpPr>
-        <p:cNvPr id="1" name=""/>
-        <p:cNvGrpSpPr/>
-        <p:nvPr/>
-      </p:nvGrpSpPr>
-      <p:grpSpPr>
-        <a:xfrm>
-          <a:off x="0" y="0"/>
-          <a:ext cx="0" cy="0"/>
-          <a:chOff x="0" y="0"/>
-          <a:chExt cx="0" cy="0"/>
-        </a:xfrm>
-      </p:grpSpPr>
-      <p:sp>
-        <p:nvSpPr>
-          <p:cNvPr id="2" name="Vertical Title 1"/>
-          <p:cNvSpPr>
-            <a:spLocks noGrp="1"/>
-          </p:cNvSpPr>
-          <p:nvPr>
-            <p:ph type="title" orient="vert"/>
-          </p:nvPr>
-        </p:nvSpPr>
-        <p:spPr>
-          <a:xfrm>
-            <a:off x="6629400" y="274638"/>
-            <a:ext cx="2057400" cy="5851525"/>
-          </a:xfrm>
-        </p:spPr>
-        <p:txBody>
-          <a:bodyPr vert="eaVert"/>
-          <a:lstStyle/>
-          <a:p>
-            <a:r>
-              <a:rPr lang="en-US"/>
-              <a:t>Click to edit Master title style</a:t>
-            </a:r>
-            <a:endParaRPr lang="ru-RU" dirty="0"/>
-          </a:p>
-        </p:txBody>
-      </p:sp>
-      <p:sp>
-        <p:nvSpPr>
-          <p:cNvPr id="3" name="Vertical Text Placeholder 2"/>
-          <p:cNvSpPr>
-            <a:spLocks noGrp="1"/>
-          </p:cNvSpPr>
-          <p:nvPr>
-            <p:ph type="body" orient="vert" idx="1"/>
-          </p:nvPr>
-        </p:nvSpPr>
-        <p:spPr>
-          <a:xfrm>
-            <a:off x="457200" y="274638"/>
-            <a:ext cx="6019800" cy="5851525"/>
-          </a:xfrm>
-        </p:spPr>
-        <p:txBody>
-          <a:bodyPr vert="eaVert"/>
-          <a:lstStyle/>
-          <a:p>
-            <a:pPr lvl="0"/>
-            <a:r>
-              <a:rPr lang="en-US"/>
-              <a:t>Click to edit Master text styles</a:t>
-            </a:r>
-          </a:p>
-          <a:p>
-            <a:pPr lvl="1"/>
-            <a:r>
-              <a:rPr lang="en-US"/>
-              <a:t>Second level</a:t>
-            </a:r>
-          </a:p>
-          <a:p>
-            <a:pPr lvl="2"/>
-            <a:r>
-              <a:rPr lang="en-US"/>
-              <a:t>Third level</a:t>
-            </a:r>
-          </a:p>
-          <a:p>
-            <a:pPr lvl="3"/>
-            <a:r>
-              <a:rPr lang="en-US"/>
-              <a:t>Fourth level</a:t>
-            </a:r>
-          </a:p>
-          <a:p>
-            <a:pPr lvl="4"/>
-            <a:r>
-              <a:rPr lang="en-US"/>
-              <a:t>Fifth level</a:t>
-            </a:r>
-            <a:endParaRPr lang="ru-RU" dirty="0"/>
-          </a:p>
-        </p:txBody>
-      </p:sp>
-    </p:spTree>
-    <p:extLst>
-      <p:ext uri="{BB962C8B-B14F-4D97-AF65-F5344CB8AC3E}">
-        <p14:creationId xmlns:p14="http://schemas.microsoft.com/office/powerpoint/2010/main" val="370514854"/>
-      </p:ext>
-    </p:extLst>
-  </p:cSld>
-  <p:clrMapOvr>
-    <a:masterClrMapping/>
-  </p:clrMapOvr>
-</p:sldLayout>
-</file>
-
-<file path=ppt/slideLayouts/slideLayout14.xml><?xml version="1.0" encoding="utf-8"?>
-<p:sldLayout xmlns:a="http://schemas.openxmlformats.org/drawingml/2006/main" xmlns:r="http://schemas.openxmlformats.org/officeDocument/2006/relationships" xmlns:p="http://schemas.openxmlformats.org/presentationml/2006/main" type="title">
-  <p:cSld name="2_Title Slide">
-    <p:spTree>
-      <p:nvGrpSpPr>
-        <p:cNvPr id="1" name=""/>
-        <p:cNvGrpSpPr/>
-        <p:nvPr/>
-      </p:nvGrpSpPr>
-      <p:grpSpPr>
-        <a:xfrm>
-          <a:off x="0" y="0"/>
-          <a:ext cx="0" cy="0"/>
-          <a:chOff x="0" y="0"/>
-          <a:chExt cx="0" cy="0"/>
-        </a:xfrm>
-      </p:grpSpPr>
-      <p:sp>
-        <p:nvSpPr>
-          <p:cNvPr id="2" name="Title 1"/>
-          <p:cNvSpPr>
-            <a:spLocks noGrp="1"/>
-          </p:cNvSpPr>
-          <p:nvPr>
-            <p:ph type="ctrTitle"/>
-          </p:nvPr>
-        </p:nvSpPr>
-        <p:spPr>
-          <a:xfrm>
-            <a:off x="685800" y="2130425"/>
-            <a:ext cx="7772400" cy="1470025"/>
-          </a:xfrm>
-        </p:spPr>
-        <p:txBody>
-          <a:bodyPr/>
-          <a:lstStyle/>
-          <a:p>
-            <a:r>
-              <a:rPr lang="en-US"/>
-              <a:t>Click to edit Master title style</a:t>
-            </a:r>
-            <a:endParaRPr lang="ru-RU"/>
-          </a:p>
-        </p:txBody>
-      </p:sp>
-      <p:sp>
-        <p:nvSpPr>
-          <p:cNvPr id="3" name="Subtitle 2"/>
-          <p:cNvSpPr>
-            <a:spLocks noGrp="1"/>
-          </p:cNvSpPr>
-          <p:nvPr>
-            <p:ph type="subTitle" idx="1"/>
-          </p:nvPr>
-        </p:nvSpPr>
-        <p:spPr>
-          <a:xfrm>
-            <a:off x="1371600" y="3886200"/>
-            <a:ext cx="6400800" cy="1752600"/>
-          </a:xfrm>
-        </p:spPr>
-        <p:txBody>
-          <a:bodyPr/>
-          <a:lstStyle>
-            <a:lvl1pPr marL="0" indent="0" algn="ctr">
-              <a:buNone/>
-              <a:defRPr>
-                <a:solidFill>
-                  <a:schemeClr val="tx1">
-                    <a:tint val="75000"/>
-                  </a:schemeClr>
-                </a:solidFill>
-              </a:defRPr>
-            </a:lvl1pPr>
-            <a:lvl2pPr marL="457200" indent="0" algn="ctr">
-              <a:buNone/>
-              <a:defRPr>
-                <a:solidFill>
-                  <a:schemeClr val="tx1">
-                    <a:tint val="75000"/>
-                  </a:schemeClr>
-                </a:solidFill>
-              </a:defRPr>
-            </a:lvl2pPr>
-            <a:lvl3pPr marL="914400" indent="0" algn="ctr">
-              <a:buNone/>
-              <a:defRPr>
-                <a:solidFill>
-                  <a:schemeClr val="tx1">
-                    <a:tint val="75000"/>
-                  </a:schemeClr>
-                </a:solidFill>
-              </a:defRPr>
-            </a:lvl3pPr>
-            <a:lvl4pPr marL="1371600" indent="0" algn="ctr">
-              <a:buNone/>
-              <a:defRPr>
-                <a:solidFill>
-                  <a:schemeClr val="tx1">
-                    <a:tint val="75000"/>
-                  </a:schemeClr>
-                </a:solidFill>
-              </a:defRPr>
-            </a:lvl4pPr>
-            <a:lvl5pPr marL="1828800" indent="0" algn="ctr">
-              <a:buNone/>
-              <a:defRPr>
-                <a:solidFill>
-                  <a:schemeClr val="tx1">
-                    <a:tint val="75000"/>
-                  </a:schemeClr>
-                </a:solidFill>
-              </a:defRPr>
-            </a:lvl5pPr>
-            <a:lvl6pPr marL="2286000" indent="0" algn="ctr">
-              <a:buNone/>
-              <a:defRPr>
-                <a:solidFill>
-                  <a:schemeClr val="tx1">
-                    <a:tint val="75000"/>
-                  </a:schemeClr>
-                </a:solidFill>
-              </a:defRPr>
-            </a:lvl6pPr>
-            <a:lvl7pPr marL="2743200" indent="0" algn="ctr">
-              <a:buNone/>
-              <a:defRPr>
-                <a:solidFill>
-                  <a:schemeClr val="tx1">
-                    <a:tint val="75000"/>
-                  </a:schemeClr>
-                </a:solidFill>
-              </a:defRPr>
-            </a:lvl7pPr>
-            <a:lvl8pPr marL="3200400" indent="0" algn="ctr">
-              <a:buNone/>
-              <a:defRPr>
-                <a:solidFill>
-                  <a:schemeClr val="tx1">
-                    <a:tint val="75000"/>
-                  </a:schemeClr>
-                </a:solidFill>
-              </a:defRPr>
-            </a:lvl8pPr>
-            <a:lvl9pPr marL="3657600" indent="0" algn="ctr">
-              <a:buNone/>
-              <a:defRPr>
-                <a:solidFill>
-                  <a:schemeClr val="tx1">
-                    <a:tint val="75000"/>
-                  </a:schemeClr>
-                </a:solidFill>
-              </a:defRPr>
-            </a:lvl9pPr>
-          </a:lstStyle>
-          <a:p>
-            <a:r>
-              <a:rPr lang="en-US"/>
-              <a:t>Click to edit Master subtitle style</a:t>
-            </a:r>
-            <a:endParaRPr lang="ru-RU"/>
-          </a:p>
-        </p:txBody>
-      </p:sp>
-      <p:sp>
-        <p:nvSpPr>
-          <p:cNvPr id="4" name="Date Placeholder 3"/>
-          <p:cNvSpPr>
-            <a:spLocks noGrp="1"/>
-          </p:cNvSpPr>
-          <p:nvPr>
-            <p:ph type="dt" sz="half" idx="10"/>
-          </p:nvPr>
-        </p:nvSpPr>
-        <p:spPr/>
-        <p:txBody>
-          <a:bodyPr/>
-          <a:lstStyle/>
-          <a:p>
-            <a:fld id="{8E6E6A2A-E9D3-4A0D-B04A-ABDD367A1E08}" type="datetimeFigureOut">
-              <a:rPr lang="ru-RU" smtClean="0"/>
-              <a:t>18.09.2018</a:t>
-            </a:fld>
-            <a:endParaRPr lang="ru-RU"/>
-          </a:p>
-        </p:txBody>
-      </p:sp>
-      <p:sp>
-        <p:nvSpPr>
-          <p:cNvPr id="5" name="Footer Placeholder 4"/>
-          <p:cNvSpPr>
-            <a:spLocks noGrp="1"/>
-          </p:cNvSpPr>
-          <p:nvPr>
-            <p:ph type="ftr" sz="quarter" idx="11"/>
-          </p:nvPr>
-        </p:nvSpPr>
-        <p:spPr/>
-        <p:txBody>
-          <a:bodyPr/>
-          <a:lstStyle/>
-          <a:p>
-            <a:endParaRPr lang="ru-RU"/>
-          </a:p>
-        </p:txBody>
-      </p:sp>
-      <p:sp>
-        <p:nvSpPr>
-          <p:cNvPr id="6" name="Slide Number Placeholder 5"/>
-          <p:cNvSpPr>
-            <a:spLocks noGrp="1"/>
-          </p:cNvSpPr>
-          <p:nvPr>
-            <p:ph type="sldNum" sz="quarter" idx="12"/>
-          </p:nvPr>
-        </p:nvSpPr>
-        <p:spPr/>
-        <p:txBody>
-          <a:bodyPr/>
-          <a:lstStyle/>
-          <a:p>
-            <a:fld id="{BC0D3D34-2E8A-4A38-B864-C677BA056495}" type="slidenum">
-              <a:rPr lang="ru-RU" smtClean="0"/>
-              <a:t>‹#›</a:t>
-            </a:fld>
-            <a:endParaRPr lang="ru-RU"/>
-          </a:p>
-        </p:txBody>
-      </p:sp>
-    </p:spTree>
-    <p:extLst>
-      <p:ext uri="{BB962C8B-B14F-4D97-AF65-F5344CB8AC3E}">
-        <p14:creationId xmlns:p14="http://schemas.microsoft.com/office/powerpoint/2010/main" val="4222294974"/>
-      </p:ext>
-    </p:extLst>
-  </p:cSld>
-  <p:clrMapOvr>
-    <a:masterClrMapping/>
-  </p:clrMapOvr>
-</p:sldLayout>
-</file>
-
-<file path=ppt/slideLayouts/slideLayout2.xml><?xml version="1.0" encoding="utf-8"?>
-<p:sldLayout xmlns:a="http://schemas.openxmlformats.org/drawingml/2006/main" xmlns:r="http://schemas.openxmlformats.org/officeDocument/2006/relationships" xmlns:p="http://schemas.openxmlformats.org/presentationml/2006/main" preserve="1" userDrawn="1">
-  <p:cSld name="1_Title Slide">
-    <p:spTree>
-      <p:nvGrpSpPr>
-        <p:cNvPr id="1" name=""/>
-        <p:cNvGrpSpPr/>
-        <p:nvPr/>
-      </p:nvGrpSpPr>
-      <p:grpSpPr>
-        <a:xfrm>
-          <a:off x="0" y="0"/>
-          <a:ext cx="0" cy="0"/>
-          <a:chOff x="0" y="0"/>
-          <a:chExt cx="0" cy="0"/>
-        </a:xfrm>
-      </p:grpSpPr>
-      <p:sp>
-        <p:nvSpPr>
-          <p:cNvPr id="9" name="TextBox 8"/>
-          <p:cNvSpPr txBox="1"/>
-          <p:nvPr userDrawn="1"/>
-        </p:nvSpPr>
-        <p:spPr>
-          <a:xfrm>
-            <a:off x="2774873" y="2528900"/>
-            <a:ext cx="4240263" cy="461665"/>
-          </a:xfrm>
-          <a:prstGeom prst="rect">
-            <a:avLst/>
-          </a:prstGeom>
-          <a:noFill/>
-        </p:spPr>
-        <p:txBody>
-          <a:bodyPr wrap="none" rtlCol="0">
-            <a:spAutoFit/>
-          </a:bodyPr>
-          <a:lstStyle/>
-          <a:p>
-            <a:r>
-              <a:rPr lang="ru-RU" sz="2400" dirty="0">
-                <a:solidFill>
-                  <a:schemeClr val="bg1"/>
-                </a:solidFill>
-              </a:rPr>
-              <a:t>Занятие №</a:t>
-            </a:r>
-            <a:r>
-              <a:rPr lang="en-US" sz="2400" dirty="0">
-                <a:solidFill>
-                  <a:schemeClr val="bg1"/>
-                </a:solidFill>
-              </a:rPr>
-              <a:t>2</a:t>
-            </a:r>
-            <a:r>
-              <a:rPr lang="ru-RU" sz="2400" dirty="0">
-                <a:solidFill>
-                  <a:schemeClr val="bg1"/>
-                </a:solidFill>
-              </a:rPr>
-              <a:t>. Название занятия</a:t>
-            </a:r>
-            <a:endParaRPr lang="en-US" sz="2400" dirty="0">
-              <a:solidFill>
-                <a:schemeClr val="bg1"/>
-              </a:solidFill>
-            </a:endParaRPr>
-          </a:p>
-        </p:txBody>
-      </p:sp>
-      <p:sp>
-        <p:nvSpPr>
-          <p:cNvPr id="7" name="Rectangle 6"/>
-          <p:cNvSpPr/>
-          <p:nvPr userDrawn="1"/>
-        </p:nvSpPr>
-        <p:spPr>
-          <a:xfrm>
-            <a:off x="143508" y="1304764"/>
-            <a:ext cx="8856984" cy="646331"/>
-          </a:xfrm>
-          <a:prstGeom prst="rect">
-            <a:avLst/>
-          </a:prstGeom>
-        </p:spPr>
-        <p:txBody>
-          <a:bodyPr wrap="square">
-            <a:spAutoFit/>
-          </a:bodyPr>
-          <a:lstStyle/>
-          <a:p>
-            <a:pPr algn="ctr"/>
-            <a:r>
-              <a:rPr lang="ru-RU" sz="3600" b="1" i="1" dirty="0">
-                <a:solidFill>
-                  <a:schemeClr val="bg1"/>
-                </a:solidFill>
-              </a:rPr>
-              <a:t>Основы программирования на </a:t>
-            </a:r>
-            <a:r>
-              <a:rPr lang="en-US" sz="3600" b="1" i="1" dirty="0">
-                <a:solidFill>
-                  <a:schemeClr val="bg1"/>
-                </a:solidFill>
-              </a:rPr>
-              <a:t>C#</a:t>
-            </a:r>
-            <a:endParaRPr lang="ru-RU" sz="3600" b="1" i="1" dirty="0">
-              <a:solidFill>
-                <a:schemeClr val="bg1"/>
-              </a:solidFill>
-            </a:endParaRPr>
-          </a:p>
-        </p:txBody>
-      </p:sp>
-      <p:pic>
-        <p:nvPicPr>
-          <p:cNvPr id="8" name="Picture 5"/>
-          <p:cNvPicPr>
-            <a:picLocks noChangeAspect="1" noChangeArrowheads="1"/>
-          </p:cNvPicPr>
-          <p:nvPr userDrawn="1"/>
-        </p:nvPicPr>
-        <p:blipFill>
-          <a:blip r:embed="rId2">
-            <a:extLst>
-              <a:ext uri="{28A0092B-C50C-407E-A947-70E740481C1C}">
-                <a14:useLocalDpi xmlns:a14="http://schemas.microsoft.com/office/drawing/2010/main" val="0"/>
-              </a:ext>
-            </a:extLst>
-          </a:blip>
-          <a:srcRect/>
-          <a:stretch>
-            <a:fillRect/>
-          </a:stretch>
-        </p:blipFill>
-        <p:spPr bwMode="auto">
-          <a:xfrm>
-            <a:off x="1638300" y="3829211"/>
-            <a:ext cx="5867400" cy="1724025"/>
-          </a:xfrm>
-          <a:prstGeom prst="rect">
-            <a:avLst/>
-          </a:prstGeom>
-          <a:noFill/>
-          <a:ln>
-            <a:noFill/>
-          </a:ln>
-          <a:effectLst/>
-          <a:extLst>
-            <a:ext uri="{909E8E84-426E-40DD-AFC4-6F175D3DCCD1}">
-              <a14:hiddenFill xmlns:a14="http://schemas.microsoft.com/office/drawing/2010/main">
-                <a:solidFill>
-                  <a:schemeClr val="accent1"/>
-                </a:solidFill>
-              </a14:hiddenFill>
-            </a:ext>
-            <a:ext uri="{91240B29-F687-4F45-9708-019B960494DF}">
-              <a14:hiddenLine xmlns:a14="http://schemas.microsoft.com/office/drawing/2010/main" w="9525">
-                <a:solidFill>
-                  <a:schemeClr val="tx1"/>
-                </a:solidFill>
-                <a:miter lim="800000"/>
-                <a:headEnd/>
-                <a:tailEnd/>
-              </a14:hiddenLine>
-            </a:ext>
-            <a:ext uri="{AF507438-7753-43E0-B8FC-AC1667EBCBE1}">
-              <a14:hiddenEffects xmlns:a14="http://schemas.microsoft.com/office/drawing/2010/main">
-                <a:effectLst>
-                  <a:outerShdw dist="35921" dir="2700000" algn="ctr" rotWithShape="0">
-                    <a:schemeClr val="bg2"/>
-                  </a:outerShdw>
-                </a:effectLst>
-              </a14:hiddenEffects>
-            </a:ext>
-          </a:extLst>
-        </p:spPr>
-      </p:pic>
-    </p:spTree>
-    <p:extLst>
-      <p:ext uri="{BB962C8B-B14F-4D97-AF65-F5344CB8AC3E}">
-        <p14:creationId xmlns:p14="http://schemas.microsoft.com/office/powerpoint/2010/main" val="3296324981"/>
-      </p:ext>
-    </p:extLst>
-  </p:cSld>
-  <p:clrMapOvr>
-    <a:masterClrMapping/>
-  </p:clrMapOvr>
-</p:sldLayout>
-</file>
-
-<file path=ppt/slideLayouts/slideLayout3.xml><?xml version="1.0" encoding="utf-8"?>
-<p:sldLayout xmlns:a="http://schemas.openxmlformats.org/drawingml/2006/main" xmlns:r="http://schemas.openxmlformats.org/officeDocument/2006/relationships" xmlns:p="http://schemas.openxmlformats.org/presentationml/2006/main" type="obj" preserve="1">
-  <p:cSld name="Title and Content">
-    <p:spTree>
-      <p:nvGrpSpPr>
-        <p:cNvPr id="1" name=""/>
-        <p:cNvGrpSpPr/>
-        <p:nvPr/>
-      </p:nvGrpSpPr>
-      <p:grpSpPr>
-        <a:xfrm>
-          <a:off x="0" y="0"/>
-          <a:ext cx="0" cy="0"/>
-          <a:chOff x="0" y="0"/>
-          <a:chExt cx="0" cy="0"/>
-        </a:xfrm>
-      </p:grpSpPr>
-      <p:sp>
-        <p:nvSpPr>
-          <p:cNvPr id="2" name="Title 1"/>
-          <p:cNvSpPr>
-            <a:spLocks noGrp="1"/>
-          </p:cNvSpPr>
-          <p:nvPr>
-            <p:ph type="title"/>
-          </p:nvPr>
-        </p:nvSpPr>
-        <p:spPr/>
-        <p:txBody>
-          <a:bodyPr/>
-          <a:lstStyle/>
-          <a:p>
-            <a:r>
-              <a:rPr lang="en-US"/>
-              <a:t>Click to edit Master title style</a:t>
-            </a:r>
-            <a:endParaRPr lang="ru-RU" dirty="0"/>
-          </a:p>
-        </p:txBody>
-      </p:sp>
-      <p:sp>
-        <p:nvSpPr>
-          <p:cNvPr id="3" name="Content Placeholder 2"/>
-          <p:cNvSpPr>
-            <a:spLocks noGrp="1"/>
-          </p:cNvSpPr>
-          <p:nvPr>
-            <p:ph idx="1"/>
-          </p:nvPr>
-        </p:nvSpPr>
-        <p:spPr/>
-        <p:txBody>
-          <a:bodyPr/>
-          <a:lstStyle/>
-          <a:p>
-            <a:pPr lvl="0"/>
-            <a:r>
-              <a:rPr lang="en-US"/>
-              <a:t>Click to edit Master text styles</a:t>
-            </a:r>
-          </a:p>
-          <a:p>
-            <a:pPr lvl="1"/>
-            <a:r>
-              <a:rPr lang="en-US"/>
-              <a:t>Second level</a:t>
-            </a:r>
-          </a:p>
-          <a:p>
-            <a:pPr lvl="2"/>
-            <a:r>
-              <a:rPr lang="en-US"/>
-              <a:t>Third level</a:t>
-            </a:r>
-          </a:p>
-          <a:p>
-            <a:pPr lvl="3"/>
-            <a:r>
-              <a:rPr lang="en-US"/>
-              <a:t>Fourth level</a:t>
-            </a:r>
-          </a:p>
-          <a:p>
-            <a:pPr lvl="4"/>
-            <a:r>
-              <a:rPr lang="en-US"/>
-              <a:t>Fifth level</a:t>
-            </a:r>
-            <a:endParaRPr lang="ru-RU" dirty="0"/>
-          </a:p>
-        </p:txBody>
-      </p:sp>
-    </p:spTree>
-    <p:extLst>
-      <p:ext uri="{BB962C8B-B14F-4D97-AF65-F5344CB8AC3E}">
-        <p14:creationId xmlns:p14="http://schemas.microsoft.com/office/powerpoint/2010/main" val="3363467697"/>
-      </p:ext>
-    </p:extLst>
-  </p:cSld>
-  <p:clrMapOvr>
-    <a:masterClrMapping/>
-  </p:clrMapOvr>
-</p:sldLayout>
-</file>
-
-<file path=ppt/slideLayouts/slideLayout4.xml><?xml version="1.0" encoding="utf-8"?>
-<p:sldLayout xmlns:a="http://schemas.openxmlformats.org/drawingml/2006/main" xmlns:r="http://schemas.openxmlformats.org/officeDocument/2006/relationships" xmlns:p="http://schemas.openxmlformats.org/presentationml/2006/main" type="secHead" preserve="1">
-  <p:cSld name="Section Header">
-    <p:spTree>
-      <p:nvGrpSpPr>
-        <p:cNvPr id="1" name=""/>
-        <p:cNvGrpSpPr/>
-        <p:nvPr/>
-      </p:nvGrpSpPr>
-      <p:grpSpPr>
-        <a:xfrm>
-          <a:off x="0" y="0"/>
-          <a:ext cx="0" cy="0"/>
-          <a:chOff x="0" y="0"/>
-          <a:chExt cx="0" cy="0"/>
-        </a:xfrm>
-      </p:grpSpPr>
-      <p:sp>
-        <p:nvSpPr>
-          <p:cNvPr id="2" name="Title 1"/>
-          <p:cNvSpPr>
-            <a:spLocks noGrp="1"/>
-          </p:cNvSpPr>
-          <p:nvPr>
-            <p:ph type="title"/>
-          </p:nvPr>
-        </p:nvSpPr>
-        <p:spPr>
-          <a:xfrm>
-            <a:off x="722313" y="4406900"/>
-            <a:ext cx="7772400" cy="1362075"/>
-          </a:xfrm>
-        </p:spPr>
-        <p:txBody>
-          <a:bodyPr anchor="t"/>
-          <a:lstStyle>
-            <a:lvl1pPr algn="l">
-              <a:defRPr sz="4000" b="1" cap="all"/>
-            </a:lvl1pPr>
-          </a:lstStyle>
-          <a:p>
-            <a:r>
-              <a:rPr lang="en-US"/>
-              <a:t>Click to edit Master title style</a:t>
-            </a:r>
-            <a:endParaRPr lang="ru-RU" dirty="0"/>
-          </a:p>
-        </p:txBody>
-      </p:sp>
-      <p:sp>
-        <p:nvSpPr>
-          <p:cNvPr id="3" name="Text Placeholder 2"/>
-          <p:cNvSpPr>
-            <a:spLocks noGrp="1"/>
-          </p:cNvSpPr>
-          <p:nvPr>
-            <p:ph type="body" idx="1"/>
-          </p:nvPr>
-        </p:nvSpPr>
-        <p:spPr>
-          <a:xfrm>
-            <a:off x="722313" y="2906713"/>
-            <a:ext cx="7772400" cy="1500187"/>
-          </a:xfrm>
-        </p:spPr>
-        <p:txBody>
-          <a:bodyPr anchor="b"/>
-          <a:lstStyle>
-            <a:lvl1pPr marL="0" indent="0">
-              <a:buNone/>
-              <a:defRPr sz="2000">
-                <a:solidFill>
-                  <a:schemeClr val="tx1">
-                    <a:tint val="75000"/>
-                  </a:schemeClr>
-                </a:solidFill>
-              </a:defRPr>
-            </a:lvl1pPr>
-            <a:lvl2pPr marL="457200" indent="0">
-              <a:buNone/>
-              <a:defRPr sz="1800">
-                <a:solidFill>
-                  <a:schemeClr val="tx1">
-                    <a:tint val="75000"/>
-                  </a:schemeClr>
-                </a:solidFill>
-              </a:defRPr>
-            </a:lvl2pPr>
-            <a:lvl3pPr marL="914400" indent="0">
-              <a:buNone/>
-              <a:defRPr sz="1600">
-                <a:solidFill>
-                  <a:schemeClr val="tx1">
-                    <a:tint val="75000"/>
-                  </a:schemeClr>
-                </a:solidFill>
-              </a:defRPr>
-            </a:lvl3pPr>
-            <a:lvl4pPr marL="1371600" indent="0">
-              <a:buNone/>
-              <a:defRPr sz="1400">
-                <a:solidFill>
-                  <a:schemeClr val="tx1">
-                    <a:tint val="75000"/>
-                  </a:schemeClr>
-                </a:solidFill>
-              </a:defRPr>
-            </a:lvl4pPr>
-            <a:lvl5pPr marL="1828800" indent="0">
-              <a:buNone/>
-              <a:defRPr sz="1400">
-                <a:solidFill>
-                  <a:schemeClr val="tx1">
-                    <a:tint val="75000"/>
-                  </a:schemeClr>
-                </a:solidFill>
-              </a:defRPr>
-            </a:lvl5pPr>
-            <a:lvl6pPr marL="2286000" indent="0">
-              <a:buNone/>
-              <a:defRPr sz="1400">
-                <a:solidFill>
-                  <a:schemeClr val="tx1">
-                    <a:tint val="75000"/>
-                  </a:schemeClr>
-                </a:solidFill>
-              </a:defRPr>
-            </a:lvl6pPr>
-            <a:lvl7pPr marL="2743200" indent="0">
-              <a:buNone/>
-              <a:defRPr sz="1400">
-                <a:solidFill>
-                  <a:schemeClr val="tx1">
-                    <a:tint val="75000"/>
-                  </a:schemeClr>
-                </a:solidFill>
-              </a:defRPr>
-            </a:lvl7pPr>
-            <a:lvl8pPr marL="3200400" indent="0">
-              <a:buNone/>
-              <a:defRPr sz="1400">
-                <a:solidFill>
-                  <a:schemeClr val="tx1">
-                    <a:tint val="75000"/>
-                  </a:schemeClr>
-                </a:solidFill>
-              </a:defRPr>
-            </a:lvl8pPr>
-            <a:lvl9pPr marL="3657600" indent="0">
-              <a:buNone/>
-              <a:defRPr sz="1400">
-                <a:solidFill>
-                  <a:schemeClr val="tx1">
-                    <a:tint val="75000"/>
-                  </a:schemeClr>
-                </a:solidFill>
-              </a:defRPr>
-            </a:lvl9pPr>
-          </a:lstStyle>
-          <a:p>
-            <a:pPr lvl="0"/>
-            <a:r>
-              <a:rPr lang="en-US"/>
-              <a:t>Click to edit Master text styles</a:t>
-            </a:r>
-          </a:p>
-        </p:txBody>
-      </p:sp>
-    </p:spTree>
-    <p:extLst>
-      <p:ext uri="{BB962C8B-B14F-4D97-AF65-F5344CB8AC3E}">
-        <p14:creationId xmlns:p14="http://schemas.microsoft.com/office/powerpoint/2010/main" val="1627150216"/>
-      </p:ext>
-    </p:extLst>
-  </p:cSld>
-  <p:clrMapOvr>
-    <a:masterClrMapping/>
-  </p:clrMapOvr>
-</p:sldLayout>
-</file>
-
-<file path=ppt/slideLayouts/slideLayout5.xml><?xml version="1.0" encoding="utf-8"?>
-<p:sldLayout xmlns:a="http://schemas.openxmlformats.org/drawingml/2006/main" xmlns:r="http://schemas.openxmlformats.org/officeDocument/2006/relationships" xmlns:p="http://schemas.openxmlformats.org/presentationml/2006/main" type="twoObj" preserve="1">
-  <p:cSld name="Two Content">
-    <p:spTree>
-      <p:nvGrpSpPr>
-        <p:cNvPr id="1" name=""/>
-        <p:cNvGrpSpPr/>
-        <p:nvPr/>
-      </p:nvGrpSpPr>
-      <p:grpSpPr>
-        <a:xfrm>
-          <a:off x="0" y="0"/>
-          <a:ext cx="0" cy="0"/>
-          <a:chOff x="0" y="0"/>
-          <a:chExt cx="0" cy="0"/>
-        </a:xfrm>
-      </p:grpSpPr>
-      <p:sp>
-        <p:nvSpPr>
-          <p:cNvPr id="2" name="Title 1"/>
-          <p:cNvSpPr>
-            <a:spLocks noGrp="1"/>
-          </p:cNvSpPr>
-          <p:nvPr>
-            <p:ph type="title"/>
-          </p:nvPr>
-        </p:nvSpPr>
-        <p:spPr/>
-        <p:txBody>
-          <a:bodyPr/>
-          <a:lstStyle/>
-          <a:p>
-            <a:r>
-              <a:rPr lang="en-US"/>
-              <a:t>Click to edit Master title style</a:t>
-            </a:r>
-            <a:endParaRPr lang="ru-RU" dirty="0"/>
-          </a:p>
-        </p:txBody>
-      </p:sp>
-      <p:sp>
-        <p:nvSpPr>
-          <p:cNvPr id="3" name="Content Placeholder 2"/>
-          <p:cNvSpPr>
-            <a:spLocks noGrp="1"/>
-          </p:cNvSpPr>
-          <p:nvPr>
-            <p:ph sz="half" idx="1"/>
-          </p:nvPr>
-        </p:nvSpPr>
-        <p:spPr>
-          <a:xfrm>
-            <a:off x="457200" y="1600200"/>
-            <a:ext cx="4038600" cy="4525963"/>
-          </a:xfrm>
-        </p:spPr>
-        <p:txBody>
-          <a:bodyPr/>
-          <a:lstStyle>
-            <a:lvl1pPr>
-              <a:defRPr sz="2800"/>
-            </a:lvl1pPr>
-            <a:lvl2pPr>
-              <a:defRPr sz="2400"/>
-            </a:lvl2pPr>
-            <a:lvl3pPr>
-              <a:defRPr sz="2000"/>
-            </a:lvl3pPr>
-            <a:lvl4pPr>
-              <a:defRPr sz="1800"/>
-            </a:lvl4pPr>
-            <a:lvl5pPr>
-              <a:defRPr sz="1800"/>
-            </a:lvl5pPr>
-            <a:lvl6pPr>
-              <a:defRPr sz="1800"/>
-            </a:lvl6pPr>
-            <a:lvl7pPr>
-              <a:defRPr sz="1800"/>
-            </a:lvl7pPr>
-            <a:lvl8pPr>
-              <a:defRPr sz="1800"/>
-            </a:lvl8pPr>
-            <a:lvl9pPr>
-              <a:defRPr sz="1800"/>
-            </a:lvl9pPr>
-          </a:lstStyle>
-          <a:p>
-            <a:pPr lvl="0"/>
-            <a:r>
-              <a:rPr lang="en-US"/>
-              <a:t>Click to edit Master text styles</a:t>
-            </a:r>
-          </a:p>
-          <a:p>
-            <a:pPr lvl="1"/>
-            <a:r>
-              <a:rPr lang="en-US"/>
-              <a:t>Second level</a:t>
-            </a:r>
-          </a:p>
-          <a:p>
-            <a:pPr lvl="2"/>
-            <a:r>
-              <a:rPr lang="en-US"/>
-              <a:t>Third level</a:t>
-            </a:r>
-          </a:p>
-          <a:p>
-            <a:pPr lvl="3"/>
-            <a:r>
-              <a:rPr lang="en-US"/>
-              <a:t>Fourth level</a:t>
-            </a:r>
-          </a:p>
-          <a:p>
-            <a:pPr lvl="4"/>
-            <a:r>
-              <a:rPr lang="en-US"/>
-              <a:t>Fifth level</a:t>
-            </a:r>
-            <a:endParaRPr lang="ru-RU" dirty="0"/>
-          </a:p>
-        </p:txBody>
-      </p:sp>
-      <p:sp>
-        <p:nvSpPr>
-          <p:cNvPr id="4" name="Content Placeholder 3"/>
-          <p:cNvSpPr>
-            <a:spLocks noGrp="1"/>
-          </p:cNvSpPr>
-          <p:nvPr>
-            <p:ph sz="half" idx="2"/>
-          </p:nvPr>
-        </p:nvSpPr>
-        <p:spPr>
-          <a:xfrm>
-            <a:off x="4648200" y="1600200"/>
-            <a:ext cx="4038600" cy="4525963"/>
-          </a:xfrm>
-        </p:spPr>
-        <p:txBody>
-          <a:bodyPr/>
-          <a:lstStyle>
-            <a:lvl1pPr>
-              <a:defRPr sz="2800"/>
-            </a:lvl1pPr>
-            <a:lvl2pPr>
-              <a:defRPr sz="2400"/>
-            </a:lvl2pPr>
-            <a:lvl3pPr>
-              <a:defRPr sz="2000"/>
-            </a:lvl3pPr>
-            <a:lvl4pPr>
-              <a:defRPr sz="1800"/>
-            </a:lvl4pPr>
-            <a:lvl5pPr>
-              <a:defRPr sz="1800"/>
-            </a:lvl5pPr>
-            <a:lvl6pPr>
-              <a:defRPr sz="1800"/>
-            </a:lvl6pPr>
-            <a:lvl7pPr>
-              <a:defRPr sz="1800"/>
-            </a:lvl7pPr>
-            <a:lvl8pPr>
-              <a:defRPr sz="1800"/>
-            </a:lvl8pPr>
-            <a:lvl9pPr>
-              <a:defRPr sz="1800"/>
-            </a:lvl9pPr>
-          </a:lstStyle>
-          <a:p>
-            <a:pPr lvl="0"/>
-            <a:r>
-              <a:rPr lang="en-US"/>
-              <a:t>Click to edit Master text styles</a:t>
-            </a:r>
-          </a:p>
-          <a:p>
-            <a:pPr lvl="1"/>
-            <a:r>
-              <a:rPr lang="en-US"/>
-              <a:t>Second level</a:t>
-            </a:r>
-          </a:p>
-          <a:p>
-            <a:pPr lvl="2"/>
-            <a:r>
-              <a:rPr lang="en-US"/>
-              <a:t>Third level</a:t>
-            </a:r>
-          </a:p>
-          <a:p>
-            <a:pPr lvl="3"/>
-            <a:r>
-              <a:rPr lang="en-US"/>
-              <a:t>Fourth level</a:t>
-            </a:r>
-          </a:p>
-          <a:p>
-            <a:pPr lvl="4"/>
-            <a:r>
-              <a:rPr lang="en-US"/>
-              <a:t>Fifth level</a:t>
-            </a:r>
-            <a:endParaRPr lang="ru-RU" dirty="0"/>
-          </a:p>
-        </p:txBody>
-      </p:sp>
-    </p:spTree>
-    <p:extLst>
-      <p:ext uri="{BB962C8B-B14F-4D97-AF65-F5344CB8AC3E}">
-        <p14:creationId xmlns:p14="http://schemas.microsoft.com/office/powerpoint/2010/main" val="1026234569"/>
-      </p:ext>
-    </p:extLst>
-  </p:cSld>
-  <p:clrMapOvr>
-    <a:masterClrMapping/>
-  </p:clrMapOvr>
-</p:sldLayout>
-</file>
-
-<file path=ppt/slideLayouts/slideLayout6.xml><?xml version="1.0" encoding="utf-8"?>
-<p:sldLayout xmlns:a="http://schemas.openxmlformats.org/drawingml/2006/main" xmlns:r="http://schemas.openxmlformats.org/officeDocument/2006/relationships" xmlns:p="http://schemas.openxmlformats.org/presentationml/2006/main" type="twoTxTwoObj" preserve="1">
-  <p:cSld name="Comparison">
-    <p:spTree>
-      <p:nvGrpSpPr>
-        <p:cNvPr id="1" name=""/>
-        <p:cNvGrpSpPr/>
-        <p:nvPr/>
-      </p:nvGrpSpPr>
-      <p:grpSpPr>
-        <a:xfrm>
-          <a:off x="0" y="0"/>
-          <a:ext cx="0" cy="0"/>
-          <a:chOff x="0" y="0"/>
-          <a:chExt cx="0" cy="0"/>
-        </a:xfrm>
-      </p:grpSpPr>
-      <p:sp>
-        <p:nvSpPr>
-          <p:cNvPr id="2" name="Title 1"/>
-          <p:cNvSpPr>
-            <a:spLocks noGrp="1"/>
-          </p:cNvSpPr>
-          <p:nvPr>
-            <p:ph type="title"/>
-          </p:nvPr>
-        </p:nvSpPr>
-        <p:spPr/>
-        <p:txBody>
-          <a:bodyPr/>
-          <a:lstStyle>
-            <a:lvl1pPr>
-              <a:defRPr/>
-            </a:lvl1pPr>
-          </a:lstStyle>
-          <a:p>
-            <a:r>
-              <a:rPr lang="en-US"/>
-              <a:t>Click to edit Master title style</a:t>
-            </a:r>
-            <a:endParaRPr lang="ru-RU" dirty="0"/>
-          </a:p>
-        </p:txBody>
-      </p:sp>
-      <p:sp>
-        <p:nvSpPr>
-          <p:cNvPr id="3" name="Text Placeholder 2"/>
-          <p:cNvSpPr>
-            <a:spLocks noGrp="1"/>
-          </p:cNvSpPr>
-          <p:nvPr>
-            <p:ph type="body" idx="1"/>
-          </p:nvPr>
-        </p:nvSpPr>
-        <p:spPr>
-          <a:xfrm>
-            <a:off x="457200" y="1535113"/>
-            <a:ext cx="4040188" cy="639762"/>
-          </a:xfrm>
-        </p:spPr>
-        <p:txBody>
-          <a:bodyPr anchor="b"/>
-          <a:lstStyle>
-            <a:lvl1pPr marL="0" indent="0">
-              <a:buNone/>
-              <a:defRPr sz="2400" b="1"/>
-            </a:lvl1pPr>
-            <a:lvl2pPr marL="457200" indent="0">
-              <a:buNone/>
-              <a:defRPr sz="2000" b="1"/>
-            </a:lvl2pPr>
-            <a:lvl3pPr marL="914400" indent="0">
-              <a:buNone/>
-              <a:defRPr sz="1800" b="1"/>
-            </a:lvl3pPr>
-            <a:lvl4pPr marL="1371600" indent="0">
-              <a:buNone/>
-              <a:defRPr sz="1600" b="1"/>
-            </a:lvl4pPr>
-            <a:lvl5pPr marL="1828800" indent="0">
-              <a:buNone/>
-              <a:defRPr sz="1600" b="1"/>
-            </a:lvl5pPr>
-            <a:lvl6pPr marL="2286000" indent="0">
-              <a:buNone/>
-              <a:defRPr sz="1600" b="1"/>
-            </a:lvl6pPr>
-            <a:lvl7pPr marL="2743200" indent="0">
-              <a:buNone/>
-              <a:defRPr sz="1600" b="1"/>
-            </a:lvl7pPr>
-            <a:lvl8pPr marL="3200400" indent="0">
-              <a:buNone/>
-              <a:defRPr sz="1600" b="1"/>
-            </a:lvl8pPr>
-            <a:lvl9pPr marL="3657600" indent="0">
-              <a:buNone/>
-              <a:defRPr sz="1600" b="1"/>
-            </a:lvl9pPr>
-          </a:lstStyle>
-          <a:p>
-            <a:pPr lvl="0"/>
-            <a:r>
-              <a:rPr lang="en-US"/>
-              <a:t>Click to edit Master text styles</a:t>
-            </a:r>
-          </a:p>
-        </p:txBody>
-      </p:sp>
-      <p:sp>
-        <p:nvSpPr>
-          <p:cNvPr id="4" name="Content Placeholder 3"/>
-          <p:cNvSpPr>
-            <a:spLocks noGrp="1"/>
-          </p:cNvSpPr>
-          <p:nvPr>
-            <p:ph sz="half" idx="2"/>
-          </p:nvPr>
-        </p:nvSpPr>
-        <p:spPr>
-          <a:xfrm>
-            <a:off x="457200" y="2174875"/>
-            <a:ext cx="4040188" cy="3951288"/>
-          </a:xfrm>
-        </p:spPr>
-        <p:txBody>
-          <a:bodyPr/>
-          <a:lstStyle>
-            <a:lvl1pPr>
-              <a:defRPr sz="2400"/>
-            </a:lvl1pPr>
-            <a:lvl2pPr>
-              <a:defRPr sz="2000"/>
-            </a:lvl2pPr>
-            <a:lvl3pPr>
-              <a:defRPr sz="1800"/>
-            </a:lvl3pPr>
-            <a:lvl4pPr>
-              <a:defRPr sz="1600"/>
-            </a:lvl4pPr>
-            <a:lvl5pPr>
-              <a:defRPr sz="1600"/>
-            </a:lvl5pPr>
-            <a:lvl6pPr>
-              <a:defRPr sz="1600"/>
-            </a:lvl6pPr>
-            <a:lvl7pPr>
-              <a:defRPr sz="1600"/>
-            </a:lvl7pPr>
-            <a:lvl8pPr>
-              <a:defRPr sz="1600"/>
-            </a:lvl8pPr>
-            <a:lvl9pPr>
-              <a:defRPr sz="1600"/>
-            </a:lvl9pPr>
-          </a:lstStyle>
-          <a:p>
-            <a:pPr lvl="0"/>
-            <a:r>
-              <a:rPr lang="en-US"/>
-              <a:t>Click to edit Master text styles</a:t>
-            </a:r>
-          </a:p>
-          <a:p>
-            <a:pPr lvl="1"/>
-            <a:r>
-              <a:rPr lang="en-US"/>
-              <a:t>Second level</a:t>
-            </a:r>
-          </a:p>
-          <a:p>
-            <a:pPr lvl="2"/>
-            <a:r>
-              <a:rPr lang="en-US"/>
-              <a:t>Third level</a:t>
-            </a:r>
-          </a:p>
-          <a:p>
-            <a:pPr lvl="3"/>
-            <a:r>
-              <a:rPr lang="en-US"/>
-              <a:t>Fourth level</a:t>
-            </a:r>
-          </a:p>
-          <a:p>
-            <a:pPr lvl="4"/>
-            <a:r>
-              <a:rPr lang="en-US"/>
-              <a:t>Fifth level</a:t>
-            </a:r>
-            <a:endParaRPr lang="ru-RU" dirty="0"/>
-          </a:p>
-        </p:txBody>
-      </p:sp>
-      <p:sp>
-        <p:nvSpPr>
-          <p:cNvPr id="5" name="Text Placeholder 4"/>
-          <p:cNvSpPr>
-            <a:spLocks noGrp="1"/>
-          </p:cNvSpPr>
-          <p:nvPr>
-            <p:ph type="body" sz="quarter" idx="3"/>
-          </p:nvPr>
-        </p:nvSpPr>
-        <p:spPr>
-          <a:xfrm>
-            <a:off x="4645025" y="1535113"/>
-            <a:ext cx="4041775" cy="639762"/>
-          </a:xfrm>
-        </p:spPr>
-        <p:txBody>
-          <a:bodyPr anchor="b"/>
-          <a:lstStyle>
-            <a:lvl1pPr marL="0" indent="0">
-              <a:buNone/>
-              <a:defRPr sz="2400" b="1"/>
-            </a:lvl1pPr>
-            <a:lvl2pPr marL="457200" indent="0">
-              <a:buNone/>
-              <a:defRPr sz="2000" b="1"/>
-            </a:lvl2pPr>
-            <a:lvl3pPr marL="914400" indent="0">
-              <a:buNone/>
-              <a:defRPr sz="1800" b="1"/>
-            </a:lvl3pPr>
-            <a:lvl4pPr marL="1371600" indent="0">
-              <a:buNone/>
-              <a:defRPr sz="1600" b="1"/>
-            </a:lvl4pPr>
-            <a:lvl5pPr marL="1828800" indent="0">
-              <a:buNone/>
-              <a:defRPr sz="1600" b="1"/>
-            </a:lvl5pPr>
-            <a:lvl6pPr marL="2286000" indent="0">
-              <a:buNone/>
-              <a:defRPr sz="1600" b="1"/>
-            </a:lvl6pPr>
-            <a:lvl7pPr marL="2743200" indent="0">
-              <a:buNone/>
-              <a:defRPr sz="1600" b="1"/>
-            </a:lvl7pPr>
-            <a:lvl8pPr marL="3200400" indent="0">
-              <a:buNone/>
-              <a:defRPr sz="1600" b="1"/>
-            </a:lvl8pPr>
-            <a:lvl9pPr marL="3657600" indent="0">
-              <a:buNone/>
-              <a:defRPr sz="1600" b="1"/>
-            </a:lvl9pPr>
-          </a:lstStyle>
-          <a:p>
-            <a:pPr lvl="0"/>
-            <a:r>
-              <a:rPr lang="en-US"/>
-              <a:t>Click to edit Master text styles</a:t>
-            </a:r>
-          </a:p>
-        </p:txBody>
-      </p:sp>
-      <p:sp>
-        <p:nvSpPr>
-          <p:cNvPr id="6" name="Content Placeholder 5"/>
-          <p:cNvSpPr>
-            <a:spLocks noGrp="1"/>
-          </p:cNvSpPr>
-          <p:nvPr>
-            <p:ph sz="quarter" idx="4"/>
-          </p:nvPr>
-        </p:nvSpPr>
-        <p:spPr>
-          <a:xfrm>
-            <a:off x="4645025" y="2174875"/>
-            <a:ext cx="4041775" cy="3951288"/>
-          </a:xfrm>
-        </p:spPr>
-        <p:txBody>
-          <a:bodyPr/>
-          <a:lstStyle>
-            <a:lvl1pPr>
-              <a:defRPr sz="2400"/>
-            </a:lvl1pPr>
-            <a:lvl2pPr>
-              <a:defRPr sz="2000"/>
-            </a:lvl2pPr>
-            <a:lvl3pPr>
-              <a:defRPr sz="1800"/>
-            </a:lvl3pPr>
-            <a:lvl4pPr>
-              <a:defRPr sz="1600"/>
-            </a:lvl4pPr>
-            <a:lvl5pPr>
-              <a:defRPr sz="1600"/>
-            </a:lvl5pPr>
-            <a:lvl6pPr>
-              <a:defRPr sz="1600"/>
-            </a:lvl6pPr>
-            <a:lvl7pPr>
-              <a:defRPr sz="1600"/>
-            </a:lvl7pPr>
-            <a:lvl8pPr>
-              <a:defRPr sz="1600"/>
-            </a:lvl8pPr>
-            <a:lvl9pPr>
-              <a:defRPr sz="1600"/>
-            </a:lvl9pPr>
-          </a:lstStyle>
-          <a:p>
-            <a:pPr lvl="0"/>
-            <a:r>
-              <a:rPr lang="en-US"/>
-              <a:t>Click to edit Master text styles</a:t>
-            </a:r>
-          </a:p>
-          <a:p>
-            <a:pPr lvl="1"/>
-            <a:r>
-              <a:rPr lang="en-US"/>
-              <a:t>Second level</a:t>
-            </a:r>
-          </a:p>
-          <a:p>
-            <a:pPr lvl="2"/>
-            <a:r>
-              <a:rPr lang="en-US"/>
-              <a:t>Third level</a:t>
-            </a:r>
-          </a:p>
-          <a:p>
-            <a:pPr lvl="3"/>
-            <a:r>
-              <a:rPr lang="en-US"/>
-              <a:t>Fourth level</a:t>
-            </a:r>
-          </a:p>
-          <a:p>
-            <a:pPr lvl="4"/>
-            <a:r>
-              <a:rPr lang="en-US"/>
-              <a:t>Fifth level</a:t>
-            </a:r>
-            <a:endParaRPr lang="ru-RU" dirty="0"/>
-          </a:p>
-        </p:txBody>
-      </p:sp>
-    </p:spTree>
-    <p:extLst>
-      <p:ext uri="{BB962C8B-B14F-4D97-AF65-F5344CB8AC3E}">
-        <p14:creationId xmlns:p14="http://schemas.microsoft.com/office/powerpoint/2010/main" val="4044979405"/>
-      </p:ext>
-    </p:extLst>
-  </p:cSld>
-  <p:clrMapOvr>
-    <a:masterClrMapping/>
-  </p:clrMapOvr>
-</p:sldLayout>
-</file>
-
-<file path=ppt/slideLayouts/slideLayout7.xml><?xml version="1.0" encoding="utf-8"?>
-<p:sldLayout xmlns:a="http://schemas.openxmlformats.org/drawingml/2006/main" xmlns:r="http://schemas.openxmlformats.org/officeDocument/2006/relationships" xmlns:p="http://schemas.openxmlformats.org/presentationml/2006/main" type="titleOnly" preserve="1">
-  <p:cSld name="Title Only">
-    <p:spTree>
-      <p:nvGrpSpPr>
-        <p:cNvPr id="1" name=""/>
-        <p:cNvGrpSpPr/>
-        <p:nvPr/>
-      </p:nvGrpSpPr>
-      <p:grpSpPr>
-        <a:xfrm>
-          <a:off x="0" y="0"/>
-          <a:ext cx="0" cy="0"/>
-          <a:chOff x="0" y="0"/>
-          <a:chExt cx="0" cy="0"/>
-        </a:xfrm>
-      </p:grpSpPr>
-      <p:sp>
-        <p:nvSpPr>
-          <p:cNvPr id="2" name="Title 1"/>
-          <p:cNvSpPr>
-            <a:spLocks noGrp="1"/>
-          </p:cNvSpPr>
-          <p:nvPr>
-            <p:ph type="title"/>
-          </p:nvPr>
-        </p:nvSpPr>
-        <p:spPr/>
-        <p:txBody>
-          <a:bodyPr/>
-          <a:lstStyle/>
-          <a:p>
-            <a:r>
-              <a:rPr lang="en-US"/>
-              <a:t>Click to edit Master title style</a:t>
-            </a:r>
-            <a:endParaRPr lang="ru-RU" dirty="0"/>
-          </a:p>
-        </p:txBody>
-      </p:sp>
-    </p:spTree>
-    <p:extLst>
-      <p:ext uri="{BB962C8B-B14F-4D97-AF65-F5344CB8AC3E}">
-        <p14:creationId xmlns:p14="http://schemas.microsoft.com/office/powerpoint/2010/main" val="125202666"/>
-      </p:ext>
-    </p:extLst>
-  </p:cSld>
-  <p:clrMapOvr>
-    <a:masterClrMapping/>
-  </p:clrMapOvr>
-</p:sldLayout>
-</file>
-
-<file path=ppt/slideLayouts/slideLayout8.xml><?xml version="1.0" encoding="utf-8"?>
-<p:sldLayout xmlns:a="http://schemas.openxmlformats.org/drawingml/2006/main" xmlns:r="http://schemas.openxmlformats.org/officeDocument/2006/relationships" xmlns:p="http://schemas.openxmlformats.org/presentationml/2006/main" preserve="1" userDrawn="1">
-  <p:cSld name="Demo">
-    <p:spTree>
-      <p:nvGrpSpPr>
-        <p:cNvPr id="1" name=""/>
-        <p:cNvGrpSpPr/>
-        <p:nvPr/>
-      </p:nvGrpSpPr>
-      <p:grpSpPr>
-        <a:xfrm>
-          <a:off x="0" y="0"/>
-          <a:ext cx="0" cy="0"/>
-          <a:chOff x="0" y="0"/>
-          <a:chExt cx="0" cy="0"/>
-        </a:xfrm>
-      </p:grpSpPr>
-      <p:sp>
-        <p:nvSpPr>
-          <p:cNvPr id="10" name="TextBox 9"/>
-          <p:cNvSpPr txBox="1"/>
-          <p:nvPr userDrawn="1"/>
-        </p:nvSpPr>
-        <p:spPr>
-          <a:xfrm>
-            <a:off x="359532" y="3136613"/>
-            <a:ext cx="8424936" cy="584775"/>
-          </a:xfrm>
-          <a:prstGeom prst="rect">
-            <a:avLst/>
-          </a:prstGeom>
-          <a:noFill/>
-        </p:spPr>
-        <p:txBody>
-          <a:bodyPr wrap="square" rtlCol="0" anchor="ctr">
-            <a:spAutoFit/>
-          </a:bodyPr>
-          <a:lstStyle/>
-          <a:p>
-            <a:pPr algn="ctr"/>
-            <a:r>
-              <a:rPr lang="ru-RU" sz="3200" dirty="0"/>
-              <a:t>Название.</a:t>
-            </a:r>
-            <a:r>
-              <a:rPr lang="ru-RU" sz="3200" baseline="0" dirty="0"/>
-              <a:t> Демонстрация.</a:t>
-            </a:r>
-            <a:endParaRPr lang="ru-RU" sz="3200" dirty="0"/>
-          </a:p>
-        </p:txBody>
-      </p:sp>
-    </p:spTree>
-    <p:extLst>
-      <p:ext uri="{BB962C8B-B14F-4D97-AF65-F5344CB8AC3E}">
-        <p14:creationId xmlns:p14="http://schemas.microsoft.com/office/powerpoint/2010/main" val="3308008441"/>
-      </p:ext>
-    </p:extLst>
-  </p:cSld>
-  <p:clrMapOvr>
-    <a:masterClrMapping/>
-  </p:clrMapOvr>
-</p:sldLayout>
-</file>
-
-<file path=ppt/slideLayouts/slideLayout9.xml><?xml version="1.0" encoding="utf-8"?>
-<p:sldLayout xmlns:a="http://schemas.openxmlformats.org/drawingml/2006/main" xmlns:r="http://schemas.openxmlformats.org/officeDocument/2006/relationships" xmlns:p="http://schemas.openxmlformats.org/presentationml/2006/main" type="blank" preserve="1">
-  <p:cSld name="1_Blank">
-    <p:spTree>
-      <p:nvGrpSpPr>
-        <p:cNvPr id="1" name=""/>
-        <p:cNvGrpSpPr/>
-        <p:nvPr/>
-      </p:nvGrpSpPr>
-      <p:grpSpPr>
-        <a:xfrm>
-          <a:off x="0" y="0"/>
-          <a:ext cx="0" cy="0"/>
-          <a:chOff x="0" y="0"/>
-          <a:chExt cx="0" cy="0"/>
-        </a:xfrm>
-      </p:grpSpPr>
-    </p:spTree>
-    <p:extLst>
-      <p:ext uri="{BB962C8B-B14F-4D97-AF65-F5344CB8AC3E}">
-        <p14:creationId xmlns:p14="http://schemas.microsoft.com/office/powerpoint/2010/main" val="2618453949"/>
-      </p:ext>
-    </p:extLst>
-  </p:cSld>
-  <p:clrMapOvr>
-    <a:masterClrMapping/>
-  </p:clrMapOvr>
-</p:sldLayout>
-</file>
-
 <file path=ppt/slideMasters/slideMaster1.xml><?xml version="1.0" encoding="utf-8"?>
 <p:sldMaster xmlns:a="http://schemas.openxmlformats.org/drawingml/2006/main" xmlns:r="http://schemas.openxmlformats.org/officeDocument/2006/relationships" xmlns:p="http://schemas.openxmlformats.org/presentationml/2006/main">
   <p:cSld>
     <p:bg>
       <p:bgPr>
         <a:blipFill dpi="0" rotWithShape="1">
-          <a:blip r:embed="rId16">
+          <a:blip r:embed="rId14">
             <a:lum/>
           </a:blip>
           <a:srcRect/>
@@ -3006,7 +2618,7 @@
           <a:p>
             <a:fld id="{AC3D3127-B7C4-45E3-9797-C527EC9FDD78}" type="datetimeFigureOut">
               <a:rPr lang="ru-RU" smtClean="0"/>
-              <a:t>18.09.2018</a:t>
+              <a:t>22.02.2019</a:t>
             </a:fld>
             <a:endParaRPr lang="ru-RU"/>
           </a:p>
@@ -3099,20 +2711,18 @@
   </p:cSld>
   <p:clrMap bg1="lt1" tx1="dk1" bg2="lt2" tx2="dk2" accent1="accent1" accent2="accent2" accent3="accent3" accent4="accent4" accent5="accent5" accent6="accent6" hlink="hlink" folHlink="folHlink"/>
   <p:sldLayoutIdLst>
-    <p:sldLayoutId id="2147483649" r:id="rId1"/>
-    <p:sldLayoutId id="2147483661" r:id="rId2"/>
-    <p:sldLayoutId id="2147483650" r:id="rId3"/>
-    <p:sldLayoutId id="2147483651" r:id="rId4"/>
-    <p:sldLayoutId id="2147483652" r:id="rId5"/>
-    <p:sldLayoutId id="2147483653" r:id="rId6"/>
-    <p:sldLayoutId id="2147483654" r:id="rId7"/>
-    <p:sldLayoutId id="2147483655" r:id="rId8"/>
-    <p:sldLayoutId id="2147483660" r:id="rId9"/>
-    <p:sldLayoutId id="2147483656" r:id="rId10"/>
-    <p:sldLayoutId id="2147483657" r:id="rId11"/>
-    <p:sldLayoutId id="2147483658" r:id="rId12"/>
-    <p:sldLayoutId id="2147483659" r:id="rId13"/>
-    <p:sldLayoutId id="2147483662" r:id="rId14"/>
+    <p:sldLayoutId id="2147483650" r:id="rId1"/>
+    <p:sldLayoutId id="2147483651" r:id="rId2"/>
+    <p:sldLayoutId id="2147483652" r:id="rId3"/>
+    <p:sldLayoutId id="2147483653" r:id="rId4"/>
+    <p:sldLayoutId id="2147483654" r:id="rId5"/>
+    <p:sldLayoutId id="2147483655" r:id="rId6"/>
+    <p:sldLayoutId id="2147483660" r:id="rId7"/>
+    <p:sldLayoutId id="2147483656" r:id="rId8"/>
+    <p:sldLayoutId id="2147483657" r:id="rId9"/>
+    <p:sldLayoutId id="2147483658" r:id="rId10"/>
+    <p:sldLayoutId id="2147483659" r:id="rId11"/>
+    <p:sldLayoutId id="2147483662" r:id="rId12"/>
   </p:sldLayoutIdLst>
   <p:txStyles>
     <p:titleStyle>
@@ -3503,7 +3113,7 @@
           <p:cNvPr id="8" name="TextBox 7">
             <a:extLst>
               <a:ext uri="{FF2B5EF4-FFF2-40B4-BE49-F238E27FC236}">
-                <a16:creationId xmlns:a16="http://schemas.microsoft.com/office/drawing/2014/main" id="{BC23FA65-1963-9C48-AEBB-8E324B2BBC79}"/>
+                <a16:creationId xmlns="" xmlns:a16="http://schemas.microsoft.com/office/drawing/2014/main" id="{BC23FA65-1963-9C48-AEBB-8E324B2BBC79}"/>
               </a:ext>
             </a:extLst>
           </p:cNvPr>
@@ -6825,6 +6435,10 @@
               <a:rPr lang="ru-RU" dirty="0" err="1"/>
               <a:t>Ковариантность</a:t>
             </a:r>
+            <a:r>
+              <a:rPr lang="ru-RU" dirty="0"/>
+              <a:t/>
+            </a:r>
             <a:br>
               <a:rPr lang="ru-RU" dirty="0"/>
             </a:br>
@@ -6869,6 +6483,14 @@
   <p:clrMapOvr>
     <a:masterClrMapping/>
   </p:clrMapOvr>
+  <mc:AlternateContent xmlns:mc="http://schemas.openxmlformats.org/markup-compatibility/2006" xmlns:p14="http://schemas.microsoft.com/office/powerpoint/2010/main">
+    <mc:Choice Requires="p14">
+      <p:transition spd="slow" p14:dur="2000"/>
+    </mc:Choice>
+    <mc:Fallback xmlns="">
+      <p:transition spd="slow"/>
+    </mc:Fallback>
+  </mc:AlternateContent>
 </p:sld>
 </file>
 
@@ -6894,7 +6516,7 @@
           <p:cNvPr id="2" name="Title 1">
             <a:extLst>
               <a:ext uri="{FF2B5EF4-FFF2-40B4-BE49-F238E27FC236}">
-                <a16:creationId xmlns:a16="http://schemas.microsoft.com/office/drawing/2014/main" id="{77DD1104-43BF-3E40-8A73-AC8FFF16C770}"/>
+                <a16:creationId xmlns="" xmlns:a16="http://schemas.microsoft.com/office/drawing/2014/main" id="{77DD1104-43BF-3E40-8A73-AC8FFF16C770}"/>
               </a:ext>
             </a:extLst>
           </p:cNvPr>
@@ -6926,7 +6548,7 @@
           <p:cNvPr id="3" name="Content Placeholder 2">
             <a:extLst>
               <a:ext uri="{FF2B5EF4-FFF2-40B4-BE49-F238E27FC236}">
-                <a16:creationId xmlns:a16="http://schemas.microsoft.com/office/drawing/2014/main" id="{C6510F7A-5EC7-3A4C-AC61-F64425E90185}"/>
+                <a16:creationId xmlns="" xmlns:a16="http://schemas.microsoft.com/office/drawing/2014/main" id="{C6510F7A-5EC7-3A4C-AC61-F64425E90185}"/>
               </a:ext>
             </a:extLst>
           </p:cNvPr>
@@ -7066,21 +6688,21 @@
                 <a:gridCol w="3610744">
                   <a:extLst>
                     <a:ext uri="{9D8B030D-6E8A-4147-A177-3AD203B41FA5}">
-                      <a16:colId xmlns:a16="http://schemas.microsoft.com/office/drawing/2014/main" val="20000"/>
+                      <a16:colId xmlns="" xmlns:a16="http://schemas.microsoft.com/office/drawing/2014/main" val="20000"/>
                     </a:ext>
                   </a:extLst>
                 </a:gridCol>
                 <a:gridCol w="2160240">
                   <a:extLst>
                     <a:ext uri="{9D8B030D-6E8A-4147-A177-3AD203B41FA5}">
-                      <a16:colId xmlns:a16="http://schemas.microsoft.com/office/drawing/2014/main" val="20001"/>
+                      <a16:colId xmlns="" xmlns:a16="http://schemas.microsoft.com/office/drawing/2014/main" val="20001"/>
                     </a:ext>
                   </a:extLst>
                 </a:gridCol>
                 <a:gridCol w="2458616">
                   <a:extLst>
                     <a:ext uri="{9D8B030D-6E8A-4147-A177-3AD203B41FA5}">
-                      <a16:colId xmlns:a16="http://schemas.microsoft.com/office/drawing/2014/main" val="20002"/>
+                      <a16:colId xmlns="" xmlns:a16="http://schemas.microsoft.com/office/drawing/2014/main" val="20002"/>
                     </a:ext>
                   </a:extLst>
                 </a:gridCol>
@@ -7298,7 +6920,7 @@
                 </a:tc>
                 <a:extLst>
                   <a:ext uri="{0D108BD9-81ED-4DB2-BD59-A6C34878D82A}">
-                    <a16:rowId xmlns:a16="http://schemas.microsoft.com/office/drawing/2014/main" val="10000"/>
+                    <a16:rowId xmlns="" xmlns:a16="http://schemas.microsoft.com/office/drawing/2014/main" val="10000"/>
                   </a:ext>
                 </a:extLst>
               </a:tr>
@@ -7487,7 +7109,7 @@
                 </a:tc>
                 <a:extLst>
                   <a:ext uri="{0D108BD9-81ED-4DB2-BD59-A6C34878D82A}">
-                    <a16:rowId xmlns:a16="http://schemas.microsoft.com/office/drawing/2014/main" val="10001"/>
+                    <a16:rowId xmlns="" xmlns:a16="http://schemas.microsoft.com/office/drawing/2014/main" val="10001"/>
                   </a:ext>
                 </a:extLst>
               </a:tr>
@@ -7668,7 +7290,7 @@
                 </a:tc>
                 <a:extLst>
                   <a:ext uri="{0D108BD9-81ED-4DB2-BD59-A6C34878D82A}">
-                    <a16:rowId xmlns:a16="http://schemas.microsoft.com/office/drawing/2014/main" val="10002"/>
+                    <a16:rowId xmlns="" xmlns:a16="http://schemas.microsoft.com/office/drawing/2014/main" val="10002"/>
                   </a:ext>
                 </a:extLst>
               </a:tr>
@@ -7869,7 +7491,7 @@
                 </a:tc>
                 <a:extLst>
                   <a:ext uri="{0D108BD9-81ED-4DB2-BD59-A6C34878D82A}">
-                    <a16:rowId xmlns:a16="http://schemas.microsoft.com/office/drawing/2014/main" val="10003"/>
+                    <a16:rowId xmlns="" xmlns:a16="http://schemas.microsoft.com/office/drawing/2014/main" val="10003"/>
                   </a:ext>
                 </a:extLst>
               </a:tr>
@@ -8062,7 +7684,7 @@
                 </a:tc>
                 <a:extLst>
                   <a:ext uri="{0D108BD9-81ED-4DB2-BD59-A6C34878D82A}">
-                    <a16:rowId xmlns:a16="http://schemas.microsoft.com/office/drawing/2014/main" val="10004"/>
+                    <a16:rowId xmlns="" xmlns:a16="http://schemas.microsoft.com/office/drawing/2014/main" val="10004"/>
                   </a:ext>
                 </a:extLst>
               </a:tr>
@@ -8283,7 +7905,7 @@
                 </a:tc>
                 <a:extLst>
                   <a:ext uri="{0D108BD9-81ED-4DB2-BD59-A6C34878D82A}">
-                    <a16:rowId xmlns:a16="http://schemas.microsoft.com/office/drawing/2014/main" val="10005"/>
+                    <a16:rowId xmlns="" xmlns:a16="http://schemas.microsoft.com/office/drawing/2014/main" val="10005"/>
                   </a:ext>
                 </a:extLst>
               </a:tr>
@@ -8468,7 +8090,7 @@
                 </a:tc>
                 <a:extLst>
                   <a:ext uri="{0D108BD9-81ED-4DB2-BD59-A6C34878D82A}">
-                    <a16:rowId xmlns:a16="http://schemas.microsoft.com/office/drawing/2014/main" val="10006"/>
+                    <a16:rowId xmlns="" xmlns:a16="http://schemas.microsoft.com/office/drawing/2014/main" val="10006"/>
                   </a:ext>
                 </a:extLst>
               </a:tr>
@@ -8649,7 +8271,7 @@
                 </a:tc>
                 <a:extLst>
                   <a:ext uri="{0D108BD9-81ED-4DB2-BD59-A6C34878D82A}">
-                    <a16:rowId xmlns:a16="http://schemas.microsoft.com/office/drawing/2014/main" val="10007"/>
+                    <a16:rowId xmlns="" xmlns:a16="http://schemas.microsoft.com/office/drawing/2014/main" val="10007"/>
                   </a:ext>
                 </a:extLst>
               </a:tr>
@@ -8834,7 +8456,7 @@
                 </a:tc>
                 <a:extLst>
                   <a:ext uri="{0D108BD9-81ED-4DB2-BD59-A6C34878D82A}">
-                    <a16:rowId xmlns:a16="http://schemas.microsoft.com/office/drawing/2014/main" val="10008"/>
+                    <a16:rowId xmlns="" xmlns:a16="http://schemas.microsoft.com/office/drawing/2014/main" val="10008"/>
                   </a:ext>
                 </a:extLst>
               </a:tr>
@@ -9019,7 +8641,7 @@
                 </a:tc>
                 <a:extLst>
                   <a:ext uri="{0D108BD9-81ED-4DB2-BD59-A6C34878D82A}">
-                    <a16:rowId xmlns:a16="http://schemas.microsoft.com/office/drawing/2014/main" val="10009"/>
+                    <a16:rowId xmlns="" xmlns:a16="http://schemas.microsoft.com/office/drawing/2014/main" val="10009"/>
                   </a:ext>
                 </a:extLst>
               </a:tr>
@@ -9204,7 +8826,7 @@
                 </a:tc>
                 <a:extLst>
                   <a:ext uri="{0D108BD9-81ED-4DB2-BD59-A6C34878D82A}">
-                    <a16:rowId xmlns:a16="http://schemas.microsoft.com/office/drawing/2014/main" val="10010"/>
+                    <a16:rowId xmlns="" xmlns:a16="http://schemas.microsoft.com/office/drawing/2014/main" val="10010"/>
                   </a:ext>
                 </a:extLst>
               </a:tr>
@@ -9389,7 +9011,7 @@
                 </a:tc>
                 <a:extLst>
                   <a:ext uri="{0D108BD9-81ED-4DB2-BD59-A6C34878D82A}">
-                    <a16:rowId xmlns:a16="http://schemas.microsoft.com/office/drawing/2014/main" val="10011"/>
+                    <a16:rowId xmlns="" xmlns:a16="http://schemas.microsoft.com/office/drawing/2014/main" val="10011"/>
                   </a:ext>
                 </a:extLst>
               </a:tr>
@@ -9590,7 +9212,7 @@
                 </a:tc>
                 <a:extLst>
                   <a:ext uri="{0D108BD9-81ED-4DB2-BD59-A6C34878D82A}">
-                    <a16:rowId xmlns:a16="http://schemas.microsoft.com/office/drawing/2014/main" val="10012"/>
+                    <a16:rowId xmlns="" xmlns:a16="http://schemas.microsoft.com/office/drawing/2014/main" val="10012"/>
                   </a:ext>
                 </a:extLst>
               </a:tr>
@@ -9783,7 +9405,7 @@
                 </a:tc>
                 <a:extLst>
                   <a:ext uri="{0D108BD9-81ED-4DB2-BD59-A6C34878D82A}">
-                    <a16:rowId xmlns:a16="http://schemas.microsoft.com/office/drawing/2014/main" val="10013"/>
+                    <a16:rowId xmlns="" xmlns:a16="http://schemas.microsoft.com/office/drawing/2014/main" val="10013"/>
                   </a:ext>
                 </a:extLst>
               </a:tr>
@@ -9968,7 +9590,7 @@
                 </a:tc>
                 <a:extLst>
                   <a:ext uri="{0D108BD9-81ED-4DB2-BD59-A6C34878D82A}">
-                    <a16:rowId xmlns:a16="http://schemas.microsoft.com/office/drawing/2014/main" val="10014"/>
+                    <a16:rowId xmlns="" xmlns:a16="http://schemas.microsoft.com/office/drawing/2014/main" val="10014"/>
                   </a:ext>
                 </a:extLst>
               </a:tr>
@@ -10153,7 +9775,7 @@
                 </a:tc>
                 <a:extLst>
                   <a:ext uri="{0D108BD9-81ED-4DB2-BD59-A6C34878D82A}">
-                    <a16:rowId xmlns:a16="http://schemas.microsoft.com/office/drawing/2014/main" val="10015"/>
+                    <a16:rowId xmlns="" xmlns:a16="http://schemas.microsoft.com/office/drawing/2014/main" val="10015"/>
                   </a:ext>
                 </a:extLst>
               </a:tr>
@@ -10216,6 +9838,10 @@
               <a:rPr lang="en-US" dirty="0"/>
               <a:t>C++</a:t>
             </a:r>
+            <a:r>
+              <a:rPr lang="ru-RU" dirty="0"/>
+              <a:t/>
+            </a:r>
             <a:br>
               <a:rPr lang="ru-RU" dirty="0"/>
             </a:br>
@@ -11526,6 +11152,10 @@
               <a:rPr lang="ru-RU" sz="3200" dirty="0"/>
               <a:t>Выведение тип-аргументов</a:t>
             </a:r>
+            <a:r>
+              <a:rPr lang="en-US" sz="3200" dirty="0"/>
+              <a:t/>
+            </a:r>
             <a:br>
               <a:rPr lang="en-US" sz="3200" dirty="0"/>
             </a:br>
@@ -12766,7 +12396,7 @@
 </file>
 
 <file path=ppt/slides/slide9.xml><?xml version="1.0" encoding="utf-8"?>
-<p:sld xmlns:a="http://schemas.openxmlformats.org/drawingml/2006/main" xmlns:r="http://schemas.openxmlformats.org/officeDocument/2006/relationships" xmlns:p="http://schemas.openxmlformats.org/presentationml/2006/main" show="0">
+<p:sld xmlns:a="http://schemas.openxmlformats.org/drawingml/2006/main" xmlns:r="http://schemas.openxmlformats.org/officeDocument/2006/relationships" xmlns:p="http://schemas.openxmlformats.org/presentationml/2006/main">
   <p:cSld>
     <p:spTree>
       <p:nvGrpSpPr>
@@ -12899,6 +12529,14 @@
   <p:clrMapOvr>
     <a:masterClrMapping/>
   </p:clrMapOvr>
+  <mc:AlternateContent xmlns:mc="http://schemas.openxmlformats.org/markup-compatibility/2006" xmlns:p14="http://schemas.microsoft.com/office/powerpoint/2010/main">
+    <mc:Choice Requires="p14">
+      <p:transition spd="slow" p14:dur="2000"/>
+    </mc:Choice>
+    <mc:Fallback xmlns="">
+      <p:transition spd="slow"/>
+    </mc:Fallback>
+  </mc:AlternateContent>
 </p:sld>
 </file>
 

--- a/Presentation/lesson-02-generics.pptx
+++ b/Presentation/lesson-02-generics.pptx
@@ -210,7 +210,7 @@
       </p14:sectionLst>
     </p:ext>
     <p:ext uri="{EFAFB233-063F-42B5-8137-9DF3F51BA10A}">
-      <p15:sldGuideLst xmlns="" xmlns:p15="http://schemas.microsoft.com/office/powerpoint/2012/main">
+      <p15:sldGuideLst xmlns:p15="http://schemas.microsoft.com/office/powerpoint/2012/main" xmlns="">
         <p15:guide id="1" orient="horz" pos="2160">
           <p15:clr>
             <a:srgbClr val="A4A3A4"/>
@@ -309,7 +309,7 @@
           <a:p>
             <a:fld id="{B24A7054-7FFB-49F4-A126-5DF6E687FF53}" type="datetimeFigureOut">
               <a:rPr lang="ru-RU" smtClean="0"/>
-              <a:t>22.02.2019</a:t>
+              <a:t>22.03.2019</a:t>
             </a:fld>
             <a:endParaRPr lang="ru-RU"/>
           </a:p>
@@ -1083,7 +1083,7 @@
           <a:p>
             <a:fld id="{8E6E6A2A-E9D3-4A0D-B04A-ABDD367A1E08}" type="datetimeFigureOut">
               <a:rPr lang="ru-RU" smtClean="0"/>
-              <a:t>22.02.2019</a:t>
+              <a:t>22.03.2019</a:t>
             </a:fld>
             <a:endParaRPr lang="ru-RU"/>
           </a:p>
@@ -2618,7 +2618,7 @@
           <a:p>
             <a:fld id="{AC3D3127-B7C4-45E3-9797-C527EC9FDD78}" type="datetimeFigureOut">
               <a:rPr lang="ru-RU" smtClean="0"/>
-              <a:t>22.02.2019</a:t>
+              <a:t>22.03.2019</a:t>
             </a:fld>
             <a:endParaRPr lang="ru-RU"/>
           </a:p>
@@ -3113,7 +3113,7 @@
           <p:cNvPr id="8" name="TextBox 7">
             <a:extLst>
               <a:ext uri="{FF2B5EF4-FFF2-40B4-BE49-F238E27FC236}">
-                <a16:creationId xmlns="" xmlns:a16="http://schemas.microsoft.com/office/drawing/2014/main" id="{BC23FA65-1963-9C48-AEBB-8E324B2BBC79}"/>
+                <a16:creationId xmlns:a16="http://schemas.microsoft.com/office/drawing/2014/main" xmlns="" id="{BC23FA65-1963-9C48-AEBB-8E324B2BBC79}"/>
               </a:ext>
             </a:extLst>
           </p:cNvPr>
@@ -6516,7 +6516,7 @@
           <p:cNvPr id="2" name="Title 1">
             <a:extLst>
               <a:ext uri="{FF2B5EF4-FFF2-40B4-BE49-F238E27FC236}">
-                <a16:creationId xmlns="" xmlns:a16="http://schemas.microsoft.com/office/drawing/2014/main" id="{77DD1104-43BF-3E40-8A73-AC8FFF16C770}"/>
+                <a16:creationId xmlns:a16="http://schemas.microsoft.com/office/drawing/2014/main" xmlns="" id="{77DD1104-43BF-3E40-8A73-AC8FFF16C770}"/>
               </a:ext>
             </a:extLst>
           </p:cNvPr>
@@ -6548,7 +6548,7 @@
           <p:cNvPr id="3" name="Content Placeholder 2">
             <a:extLst>
               <a:ext uri="{FF2B5EF4-FFF2-40B4-BE49-F238E27FC236}">
-                <a16:creationId xmlns="" xmlns:a16="http://schemas.microsoft.com/office/drawing/2014/main" id="{C6510F7A-5EC7-3A4C-AC61-F64425E90185}"/>
+                <a16:creationId xmlns:a16="http://schemas.microsoft.com/office/drawing/2014/main" xmlns="" id="{C6510F7A-5EC7-3A4C-AC61-F64425E90185}"/>
               </a:ext>
             </a:extLst>
           </p:cNvPr>
@@ -6688,21 +6688,21 @@
                 <a:gridCol w="3610744">
                   <a:extLst>
                     <a:ext uri="{9D8B030D-6E8A-4147-A177-3AD203B41FA5}">
-                      <a16:colId xmlns="" xmlns:a16="http://schemas.microsoft.com/office/drawing/2014/main" val="20000"/>
+                      <a16:colId xmlns:a16="http://schemas.microsoft.com/office/drawing/2014/main" xmlns="" val="20000"/>
                     </a:ext>
                   </a:extLst>
                 </a:gridCol>
                 <a:gridCol w="2160240">
                   <a:extLst>
                     <a:ext uri="{9D8B030D-6E8A-4147-A177-3AD203B41FA5}">
-                      <a16:colId xmlns="" xmlns:a16="http://schemas.microsoft.com/office/drawing/2014/main" val="20001"/>
+                      <a16:colId xmlns:a16="http://schemas.microsoft.com/office/drawing/2014/main" xmlns="" val="20001"/>
                     </a:ext>
                   </a:extLst>
                 </a:gridCol>
                 <a:gridCol w="2458616">
                   <a:extLst>
                     <a:ext uri="{9D8B030D-6E8A-4147-A177-3AD203B41FA5}">
-                      <a16:colId xmlns="" xmlns:a16="http://schemas.microsoft.com/office/drawing/2014/main" val="20002"/>
+                      <a16:colId xmlns:a16="http://schemas.microsoft.com/office/drawing/2014/main" xmlns="" val="20002"/>
                     </a:ext>
                   </a:extLst>
                 </a:gridCol>
@@ -6920,7 +6920,7 @@
                 </a:tc>
                 <a:extLst>
                   <a:ext uri="{0D108BD9-81ED-4DB2-BD59-A6C34878D82A}">
-                    <a16:rowId xmlns="" xmlns:a16="http://schemas.microsoft.com/office/drawing/2014/main" val="10000"/>
+                    <a16:rowId xmlns:a16="http://schemas.microsoft.com/office/drawing/2014/main" xmlns="" val="10000"/>
                   </a:ext>
                 </a:extLst>
               </a:tr>
@@ -7109,7 +7109,7 @@
                 </a:tc>
                 <a:extLst>
                   <a:ext uri="{0D108BD9-81ED-4DB2-BD59-A6C34878D82A}">
-                    <a16:rowId xmlns="" xmlns:a16="http://schemas.microsoft.com/office/drawing/2014/main" val="10001"/>
+                    <a16:rowId xmlns:a16="http://schemas.microsoft.com/office/drawing/2014/main" xmlns="" val="10001"/>
                   </a:ext>
                 </a:extLst>
               </a:tr>
@@ -7290,7 +7290,7 @@
                 </a:tc>
                 <a:extLst>
                   <a:ext uri="{0D108BD9-81ED-4DB2-BD59-A6C34878D82A}">
-                    <a16:rowId xmlns="" xmlns:a16="http://schemas.microsoft.com/office/drawing/2014/main" val="10002"/>
+                    <a16:rowId xmlns:a16="http://schemas.microsoft.com/office/drawing/2014/main" xmlns="" val="10002"/>
                   </a:ext>
                 </a:extLst>
               </a:tr>
@@ -7491,7 +7491,7 @@
                 </a:tc>
                 <a:extLst>
                   <a:ext uri="{0D108BD9-81ED-4DB2-BD59-A6C34878D82A}">
-                    <a16:rowId xmlns="" xmlns:a16="http://schemas.microsoft.com/office/drawing/2014/main" val="10003"/>
+                    <a16:rowId xmlns:a16="http://schemas.microsoft.com/office/drawing/2014/main" xmlns="" val="10003"/>
                   </a:ext>
                 </a:extLst>
               </a:tr>
@@ -7684,7 +7684,7 @@
                 </a:tc>
                 <a:extLst>
                   <a:ext uri="{0D108BD9-81ED-4DB2-BD59-A6C34878D82A}">
-                    <a16:rowId xmlns="" xmlns:a16="http://schemas.microsoft.com/office/drawing/2014/main" val="10004"/>
+                    <a16:rowId xmlns:a16="http://schemas.microsoft.com/office/drawing/2014/main" xmlns="" val="10004"/>
                   </a:ext>
                 </a:extLst>
               </a:tr>
@@ -7905,7 +7905,7 @@
                 </a:tc>
                 <a:extLst>
                   <a:ext uri="{0D108BD9-81ED-4DB2-BD59-A6C34878D82A}">
-                    <a16:rowId xmlns="" xmlns:a16="http://schemas.microsoft.com/office/drawing/2014/main" val="10005"/>
+                    <a16:rowId xmlns:a16="http://schemas.microsoft.com/office/drawing/2014/main" xmlns="" val="10005"/>
                   </a:ext>
                 </a:extLst>
               </a:tr>
@@ -8090,7 +8090,7 @@
                 </a:tc>
                 <a:extLst>
                   <a:ext uri="{0D108BD9-81ED-4DB2-BD59-A6C34878D82A}">
-                    <a16:rowId xmlns="" xmlns:a16="http://schemas.microsoft.com/office/drawing/2014/main" val="10006"/>
+                    <a16:rowId xmlns:a16="http://schemas.microsoft.com/office/drawing/2014/main" xmlns="" val="10006"/>
                   </a:ext>
                 </a:extLst>
               </a:tr>
@@ -8271,7 +8271,7 @@
                 </a:tc>
                 <a:extLst>
                   <a:ext uri="{0D108BD9-81ED-4DB2-BD59-A6C34878D82A}">
-                    <a16:rowId xmlns="" xmlns:a16="http://schemas.microsoft.com/office/drawing/2014/main" val="10007"/>
+                    <a16:rowId xmlns:a16="http://schemas.microsoft.com/office/drawing/2014/main" xmlns="" val="10007"/>
                   </a:ext>
                 </a:extLst>
               </a:tr>
@@ -8456,7 +8456,7 @@
                 </a:tc>
                 <a:extLst>
                   <a:ext uri="{0D108BD9-81ED-4DB2-BD59-A6C34878D82A}">
-                    <a16:rowId xmlns="" xmlns:a16="http://schemas.microsoft.com/office/drawing/2014/main" val="10008"/>
+                    <a16:rowId xmlns:a16="http://schemas.microsoft.com/office/drawing/2014/main" xmlns="" val="10008"/>
                   </a:ext>
                 </a:extLst>
               </a:tr>
@@ -8641,7 +8641,7 @@
                 </a:tc>
                 <a:extLst>
                   <a:ext uri="{0D108BD9-81ED-4DB2-BD59-A6C34878D82A}">
-                    <a16:rowId xmlns="" xmlns:a16="http://schemas.microsoft.com/office/drawing/2014/main" val="10009"/>
+                    <a16:rowId xmlns:a16="http://schemas.microsoft.com/office/drawing/2014/main" xmlns="" val="10009"/>
                   </a:ext>
                 </a:extLst>
               </a:tr>
@@ -8826,7 +8826,7 @@
                 </a:tc>
                 <a:extLst>
                   <a:ext uri="{0D108BD9-81ED-4DB2-BD59-A6C34878D82A}">
-                    <a16:rowId xmlns="" xmlns:a16="http://schemas.microsoft.com/office/drawing/2014/main" val="10010"/>
+                    <a16:rowId xmlns:a16="http://schemas.microsoft.com/office/drawing/2014/main" xmlns="" val="10010"/>
                   </a:ext>
                 </a:extLst>
               </a:tr>
@@ -9011,7 +9011,7 @@
                 </a:tc>
                 <a:extLst>
                   <a:ext uri="{0D108BD9-81ED-4DB2-BD59-A6C34878D82A}">
-                    <a16:rowId xmlns="" xmlns:a16="http://schemas.microsoft.com/office/drawing/2014/main" val="10011"/>
+                    <a16:rowId xmlns:a16="http://schemas.microsoft.com/office/drawing/2014/main" xmlns="" val="10011"/>
                   </a:ext>
                 </a:extLst>
               </a:tr>
@@ -9212,7 +9212,7 @@
                 </a:tc>
                 <a:extLst>
                   <a:ext uri="{0D108BD9-81ED-4DB2-BD59-A6C34878D82A}">
-                    <a16:rowId xmlns="" xmlns:a16="http://schemas.microsoft.com/office/drawing/2014/main" val="10012"/>
+                    <a16:rowId xmlns:a16="http://schemas.microsoft.com/office/drawing/2014/main" xmlns="" val="10012"/>
                   </a:ext>
                 </a:extLst>
               </a:tr>
@@ -9405,7 +9405,7 @@
                 </a:tc>
                 <a:extLst>
                   <a:ext uri="{0D108BD9-81ED-4DB2-BD59-A6C34878D82A}">
-                    <a16:rowId xmlns="" xmlns:a16="http://schemas.microsoft.com/office/drawing/2014/main" val="10013"/>
+                    <a16:rowId xmlns:a16="http://schemas.microsoft.com/office/drawing/2014/main" xmlns="" val="10013"/>
                   </a:ext>
                 </a:extLst>
               </a:tr>
@@ -9590,7 +9590,7 @@
                 </a:tc>
                 <a:extLst>
                   <a:ext uri="{0D108BD9-81ED-4DB2-BD59-A6C34878D82A}">
-                    <a16:rowId xmlns="" xmlns:a16="http://schemas.microsoft.com/office/drawing/2014/main" val="10014"/>
+                    <a16:rowId xmlns:a16="http://schemas.microsoft.com/office/drawing/2014/main" xmlns="" val="10014"/>
                   </a:ext>
                 </a:extLst>
               </a:tr>
@@ -9775,7 +9775,7 @@
                 </a:tc>
                 <a:extLst>
                   <a:ext uri="{0D108BD9-81ED-4DB2-BD59-A6C34878D82A}">
-                    <a16:rowId xmlns="" xmlns:a16="http://schemas.microsoft.com/office/drawing/2014/main" val="10015"/>
+                    <a16:rowId xmlns:a16="http://schemas.microsoft.com/office/drawing/2014/main" xmlns="" val="10015"/>
                   </a:ext>
                 </a:extLst>
               </a:tr>
@@ -10978,9 +10978,10 @@
               <a:rPr lang="ru-RU" dirty="0"/>
             </a:br>
             <a:r>
-              <a:rPr lang="ru-RU" dirty="0"/>
-              <a:t>тип-параметр метода?</a:t>
-            </a:r>
+              <a:rPr lang="ru-RU" dirty="0" smtClean="0"/>
+              <a:t>тип-параметр?</a:t>
+            </a:r>
+            <a:endParaRPr lang="ru-RU" dirty="0"/>
           </a:p>
         </p:txBody>
       </p:sp>
@@ -10997,7 +10998,7 @@
         <p:spPr/>
         <p:txBody>
           <a:bodyPr>
-            <a:normAutofit fontScale="92500" lnSpcReduction="10000"/>
+            <a:normAutofit fontScale="92500" lnSpcReduction="20000"/>
           </a:bodyPr>
           <a:lstStyle/>
           <a:p>
@@ -11071,19 +11072,25 @@
             </a:pPr>
             <a:r>
               <a:rPr lang="ru-RU" dirty="0"/>
-              <a:t>Можно вызывать </a:t>
-            </a:r>
-            <a:r>
-              <a:rPr lang="ru-RU" dirty="0" err="1"/>
-              <a:t>экземплярные</a:t>
-            </a:r>
-            <a:r>
-              <a:rPr lang="ru-RU" dirty="0"/>
-              <a:t> методы класса </a:t>
-            </a:r>
-            <a:r>
-              <a:rPr lang="en-US" dirty="0"/>
+              <a:t>Можно вызывать экземплярные методы класса </a:t>
+            </a:r>
+            <a:r>
+              <a:rPr lang="en-US" dirty="0" smtClean="0"/>
               <a:t>Object</a:t>
+            </a:r>
+          </a:p>
+          <a:p>
+            <a:pPr marL="514350" indent="-514350">
+              <a:buFont typeface="+mj-lt"/>
+              <a:buAutoNum type="arabicPeriod"/>
+            </a:pPr>
+            <a:r>
+              <a:rPr lang="ru-RU" dirty="0" smtClean="0"/>
+              <a:t>Можно получить тип с помощью </a:t>
+            </a:r>
+            <a:r>
+              <a:rPr lang="en-US" dirty="0" err="1" smtClean="0"/>
+              <a:t>typeof</a:t>
             </a:r>
             <a:endParaRPr lang="ru-RU" dirty="0"/>
           </a:p>
@@ -12327,7 +12334,26 @@
             <a:pPr lvl="1"/>
             <a:r>
               <a:rPr lang="en-US" dirty="0"/>
-              <a:t>where T : ISmth1, ISmth2</a:t>
+              <a:t>where T : ISmth1, </a:t>
+            </a:r>
+            <a:r>
+              <a:rPr lang="en-US" dirty="0" smtClean="0"/>
+              <a:t>ISmth2</a:t>
+            </a:r>
+          </a:p>
+          <a:p>
+            <a:pPr lvl="1"/>
+            <a:r>
+              <a:rPr lang="en-US" dirty="0" smtClean="0"/>
+              <a:t>where T : </a:t>
+            </a:r>
+            <a:r>
+              <a:rPr lang="en-US" dirty="0" err="1" smtClean="0"/>
+              <a:t>ISmthGeneric</a:t>
+            </a:r>
+            <a:r>
+              <a:rPr lang="en-US" dirty="0" smtClean="0"/>
+              <a:t>&lt;T&gt;</a:t>
             </a:r>
             <a:endParaRPr lang="ru-RU" dirty="0"/>
           </a:p>
